--- a/MECM PT/Release V1.1/Edge Autonomous Portal.pptx
+++ b/MECM PT/Release V1.1/Edge Autonomous Portal.pptx
@@ -129,7 +129,7 @@
                 </a:uFill>
                 <a:latin typeface="Times New Roman"/>
               </a:rPr>
-              <a:t>&lt;header&gt;</a:t>
+              <a:t> </a:t>
             </a:r>
             <a:endParaRPr b="0" lang="en-IN" sz="1400" spc="-1" strike="noStrike">
               <a:solidFill>
@@ -269,7 +269,7 @@
           <a:bodyPr lIns="0" rIns="0" tIns="0" bIns="0" anchor="b"/>
           <a:p>
             <a:pPr algn="r"/>
-            <a:fld id="{5288F2AC-F288-4690-8654-CC6D2A93BB8D}" type="slidenum">
+            <a:fld id="{4B64E8C9-75C8-493C-AC5D-D18135104EAA}" type="slidenum">
               <a:rPr b="0" lang="en-IN" sz="1400" spc="-1" strike="noStrike">
                 <a:solidFill>
                   <a:srgbClr val="000000"/>
@@ -322,7 +322,7 @@
       </p:grpSpPr>
       <p:sp>
         <p:nvSpPr>
-          <p:cNvPr id="306" name="PlaceHolder 1"/>
+          <p:cNvPr id="307" name="PlaceHolder 1"/>
           <p:cNvSpPr>
             <a:spLocks noGrp="1"/>
           </p:cNvSpPr>
@@ -333,7 +333,7 @@
         <p:spPr>
           <a:xfrm>
             <a:off x="756000" y="5145480"/>
-            <a:ext cx="6045480" cy="4207320"/>
+            <a:ext cx="6044760" cy="4206600"/>
           </a:xfrm>
           <a:prstGeom prst="rect">
             <a:avLst/>
@@ -358,14 +358,14 @@
       </p:sp>
       <p:sp>
         <p:nvSpPr>
-          <p:cNvPr id="307" name="CustomShape 2"/>
+          <p:cNvPr id="308" name="CustomShape 2"/>
           <p:cNvSpPr/>
           <p:nvPr/>
         </p:nvSpPr>
         <p:spPr>
           <a:xfrm>
             <a:off x="4282200" y="10155600"/>
-            <a:ext cx="3273480" cy="533880"/>
+            <a:ext cx="3272760" cy="533160"/>
           </a:xfrm>
           <a:prstGeom prst="rect">
             <a:avLst/>
@@ -5764,7 +5764,7 @@
       </p:grpSpPr>
       <p:sp>
         <p:nvSpPr>
-          <p:cNvPr id="156" name="PlaceHolder 1"/>
+          <p:cNvPr id="150" name="PlaceHolder 1"/>
           <p:cNvSpPr>
             <a:spLocks noGrp="1"/>
           </p:cNvSpPr>
@@ -5801,7 +5801,7 @@
       </p:sp>
       <p:sp>
         <p:nvSpPr>
-          <p:cNvPr id="157" name="PlaceHolder 2"/>
+          <p:cNvPr id="151" name="PlaceHolder 2"/>
           <p:cNvSpPr>
             <a:spLocks noGrp="1"/>
           </p:cNvSpPr>
@@ -5860,7 +5860,7 @@
       </p:grpSpPr>
       <p:sp>
         <p:nvSpPr>
-          <p:cNvPr id="158" name="PlaceHolder 1"/>
+          <p:cNvPr id="152" name="PlaceHolder 1"/>
           <p:cNvSpPr>
             <a:spLocks noGrp="1"/>
           </p:cNvSpPr>
@@ -5897,7 +5897,7 @@
       </p:sp>
       <p:sp>
         <p:nvSpPr>
-          <p:cNvPr id="159" name="PlaceHolder 2"/>
+          <p:cNvPr id="153" name="PlaceHolder 2"/>
           <p:cNvSpPr>
             <a:spLocks noGrp="1"/>
           </p:cNvSpPr>
@@ -5955,7 +5955,7 @@
       </p:grpSpPr>
       <p:sp>
         <p:nvSpPr>
-          <p:cNvPr id="160" name="PlaceHolder 1"/>
+          <p:cNvPr id="154" name="PlaceHolder 1"/>
           <p:cNvSpPr>
             <a:spLocks noGrp="1"/>
           </p:cNvSpPr>
@@ -5992,7 +5992,7 @@
       </p:sp>
       <p:sp>
         <p:nvSpPr>
-          <p:cNvPr id="161" name="PlaceHolder 2"/>
+          <p:cNvPr id="155" name="PlaceHolder 2"/>
           <p:cNvSpPr>
             <a:spLocks noGrp="1"/>
           </p:cNvSpPr>
@@ -6028,7 +6028,7 @@
       </p:sp>
       <p:sp>
         <p:nvSpPr>
-          <p:cNvPr id="162" name="PlaceHolder 3"/>
+          <p:cNvPr id="156" name="PlaceHolder 3"/>
           <p:cNvSpPr>
             <a:spLocks noGrp="1"/>
           </p:cNvSpPr>
@@ -6086,7 +6086,7 @@
       </p:grpSpPr>
       <p:sp>
         <p:nvSpPr>
-          <p:cNvPr id="163" name="PlaceHolder 1"/>
+          <p:cNvPr id="157" name="PlaceHolder 1"/>
           <p:cNvSpPr>
             <a:spLocks noGrp="1"/>
           </p:cNvSpPr>
@@ -6145,7 +6145,7 @@
       </p:grpSpPr>
       <p:sp>
         <p:nvSpPr>
-          <p:cNvPr id="164" name="PlaceHolder 1"/>
+          <p:cNvPr id="158" name="PlaceHolder 1"/>
           <p:cNvSpPr>
             <a:spLocks noGrp="1"/>
           </p:cNvSpPr>
@@ -6204,7 +6204,7 @@
       </p:grpSpPr>
       <p:sp>
         <p:nvSpPr>
-          <p:cNvPr id="165" name="PlaceHolder 1"/>
+          <p:cNvPr id="159" name="PlaceHolder 1"/>
           <p:cNvSpPr>
             <a:spLocks noGrp="1"/>
           </p:cNvSpPr>
@@ -6241,7 +6241,7 @@
       </p:sp>
       <p:sp>
         <p:nvSpPr>
-          <p:cNvPr id="166" name="PlaceHolder 2"/>
+          <p:cNvPr id="160" name="PlaceHolder 2"/>
           <p:cNvSpPr>
             <a:spLocks noGrp="1"/>
           </p:cNvSpPr>
@@ -6277,7 +6277,7 @@
       </p:sp>
       <p:sp>
         <p:nvSpPr>
-          <p:cNvPr id="167" name="PlaceHolder 3"/>
+          <p:cNvPr id="161" name="PlaceHolder 3"/>
           <p:cNvSpPr>
             <a:spLocks noGrp="1"/>
           </p:cNvSpPr>
@@ -6313,7 +6313,7 @@
       </p:sp>
       <p:sp>
         <p:nvSpPr>
-          <p:cNvPr id="168" name="PlaceHolder 4"/>
+          <p:cNvPr id="162" name="PlaceHolder 4"/>
           <p:cNvSpPr>
             <a:spLocks noGrp="1"/>
           </p:cNvSpPr>
@@ -6371,7 +6371,7 @@
       </p:grpSpPr>
       <p:sp>
         <p:nvSpPr>
-          <p:cNvPr id="169" name="PlaceHolder 1"/>
+          <p:cNvPr id="163" name="PlaceHolder 1"/>
           <p:cNvSpPr>
             <a:spLocks noGrp="1"/>
           </p:cNvSpPr>
@@ -6408,7 +6408,7 @@
       </p:sp>
       <p:sp>
         <p:nvSpPr>
-          <p:cNvPr id="170" name="PlaceHolder 2"/>
+          <p:cNvPr id="164" name="PlaceHolder 2"/>
           <p:cNvSpPr>
             <a:spLocks noGrp="1"/>
           </p:cNvSpPr>
@@ -6444,7 +6444,7 @@
       </p:sp>
       <p:sp>
         <p:nvSpPr>
-          <p:cNvPr id="171" name="PlaceHolder 3"/>
+          <p:cNvPr id="165" name="PlaceHolder 3"/>
           <p:cNvSpPr>
             <a:spLocks noGrp="1"/>
           </p:cNvSpPr>
@@ -6480,7 +6480,7 @@
       </p:sp>
       <p:sp>
         <p:nvSpPr>
-          <p:cNvPr id="172" name="PlaceHolder 4"/>
+          <p:cNvPr id="166" name="PlaceHolder 4"/>
           <p:cNvSpPr>
             <a:spLocks noGrp="1"/>
           </p:cNvSpPr>
@@ -6538,7 +6538,7 @@
       </p:grpSpPr>
       <p:sp>
         <p:nvSpPr>
-          <p:cNvPr id="173" name="PlaceHolder 1"/>
+          <p:cNvPr id="167" name="PlaceHolder 1"/>
           <p:cNvSpPr>
             <a:spLocks noGrp="1"/>
           </p:cNvSpPr>
@@ -6575,7 +6575,7 @@
       </p:sp>
       <p:sp>
         <p:nvSpPr>
-          <p:cNvPr id="174" name="PlaceHolder 2"/>
+          <p:cNvPr id="168" name="PlaceHolder 2"/>
           <p:cNvSpPr>
             <a:spLocks noGrp="1"/>
           </p:cNvSpPr>
@@ -6611,7 +6611,7 @@
       </p:sp>
       <p:sp>
         <p:nvSpPr>
-          <p:cNvPr id="175" name="PlaceHolder 3"/>
+          <p:cNvPr id="169" name="PlaceHolder 3"/>
           <p:cNvSpPr>
             <a:spLocks noGrp="1"/>
           </p:cNvSpPr>
@@ -6647,7 +6647,7 @@
       </p:sp>
       <p:sp>
         <p:nvSpPr>
-          <p:cNvPr id="176" name="PlaceHolder 4"/>
+          <p:cNvPr id="170" name="PlaceHolder 4"/>
           <p:cNvSpPr>
             <a:spLocks noGrp="1"/>
           </p:cNvSpPr>
@@ -6705,7 +6705,7 @@
       </p:grpSpPr>
       <p:sp>
         <p:nvSpPr>
-          <p:cNvPr id="177" name="PlaceHolder 1"/>
+          <p:cNvPr id="171" name="PlaceHolder 1"/>
           <p:cNvSpPr>
             <a:spLocks noGrp="1"/>
           </p:cNvSpPr>
@@ -6742,7 +6742,7 @@
       </p:sp>
       <p:sp>
         <p:nvSpPr>
-          <p:cNvPr id="178" name="PlaceHolder 2"/>
+          <p:cNvPr id="172" name="PlaceHolder 2"/>
           <p:cNvSpPr>
             <a:spLocks noGrp="1"/>
           </p:cNvSpPr>
@@ -6778,7 +6778,7 @@
       </p:sp>
       <p:sp>
         <p:nvSpPr>
-          <p:cNvPr id="179" name="PlaceHolder 3"/>
+          <p:cNvPr id="173" name="PlaceHolder 3"/>
           <p:cNvSpPr>
             <a:spLocks noGrp="1"/>
           </p:cNvSpPr>
@@ -6836,7 +6836,7 @@
       </p:grpSpPr>
       <p:sp>
         <p:nvSpPr>
-          <p:cNvPr id="180" name="PlaceHolder 1"/>
+          <p:cNvPr id="174" name="PlaceHolder 1"/>
           <p:cNvSpPr>
             <a:spLocks noGrp="1"/>
           </p:cNvSpPr>
@@ -6873,7 +6873,7 @@
       </p:sp>
       <p:sp>
         <p:nvSpPr>
-          <p:cNvPr id="181" name="PlaceHolder 2"/>
+          <p:cNvPr id="175" name="PlaceHolder 2"/>
           <p:cNvSpPr>
             <a:spLocks noGrp="1"/>
           </p:cNvSpPr>
@@ -6909,7 +6909,7 @@
       </p:sp>
       <p:sp>
         <p:nvSpPr>
-          <p:cNvPr id="182" name="PlaceHolder 3"/>
+          <p:cNvPr id="176" name="PlaceHolder 3"/>
           <p:cNvSpPr>
             <a:spLocks noGrp="1"/>
           </p:cNvSpPr>
@@ -6945,7 +6945,7 @@
       </p:sp>
       <p:sp>
         <p:nvSpPr>
-          <p:cNvPr id="183" name="PlaceHolder 4"/>
+          <p:cNvPr id="177" name="PlaceHolder 4"/>
           <p:cNvSpPr>
             <a:spLocks noGrp="1"/>
           </p:cNvSpPr>
@@ -6981,7 +6981,7 @@
       </p:sp>
       <p:sp>
         <p:nvSpPr>
-          <p:cNvPr id="184" name="PlaceHolder 5"/>
+          <p:cNvPr id="178" name="PlaceHolder 5"/>
           <p:cNvSpPr>
             <a:spLocks noGrp="1"/>
           </p:cNvSpPr>
@@ -7098,7 +7098,7 @@
       </p:grpSpPr>
       <p:sp>
         <p:nvSpPr>
-          <p:cNvPr id="185" name="PlaceHolder 1"/>
+          <p:cNvPr id="179" name="PlaceHolder 1"/>
           <p:cNvSpPr>
             <a:spLocks noGrp="1"/>
           </p:cNvSpPr>
@@ -7135,7 +7135,7 @@
       </p:sp>
       <p:sp>
         <p:nvSpPr>
-          <p:cNvPr id="186" name="PlaceHolder 2"/>
+          <p:cNvPr id="180" name="PlaceHolder 2"/>
           <p:cNvSpPr>
             <a:spLocks noGrp="1"/>
           </p:cNvSpPr>
@@ -7171,7 +7171,7 @@
       </p:sp>
       <p:sp>
         <p:nvSpPr>
-          <p:cNvPr id="187" name="PlaceHolder 3"/>
+          <p:cNvPr id="181" name="PlaceHolder 3"/>
           <p:cNvSpPr>
             <a:spLocks noGrp="1"/>
           </p:cNvSpPr>
@@ -7207,7 +7207,7 @@
       </p:sp>
       <p:pic>
         <p:nvPicPr>
-          <p:cNvPr id="188" name="" descr=""/>
+          <p:cNvPr id="182" name="" descr=""/>
           <p:cNvPicPr/>
           <p:nvPr/>
         </p:nvPicPr>
@@ -7230,7 +7230,7 @@
       </p:pic>
       <p:pic>
         <p:nvPicPr>
-          <p:cNvPr id="189" name="" descr=""/>
+          <p:cNvPr id="183" name="" descr=""/>
           <p:cNvPicPr/>
           <p:nvPr/>
         </p:nvPicPr>
@@ -9268,7 +9268,7 @@
         <p:spPr>
           <a:xfrm>
             <a:off x="1800" y="0"/>
-            <a:ext cx="10073880" cy="7557480"/>
+            <a:ext cx="10073160" cy="7556760"/>
           </a:xfrm>
           <a:prstGeom prst="rect">
             <a:avLst/>
@@ -9287,7 +9287,7 @@
         <p:spPr>
           <a:xfrm>
             <a:off x="0" y="3177000"/>
-            <a:ext cx="10075680" cy="4380120"/>
+            <a:ext cx="10074960" cy="4379400"/>
           </a:xfrm>
           <a:prstGeom prst="rect">
             <a:avLst/>
@@ -9320,7 +9320,7 @@
         <p:spPr>
           <a:xfrm>
             <a:off x="128520" y="345960"/>
-            <a:ext cx="1793520" cy="618840"/>
+            <a:ext cx="1792800" cy="618120"/>
           </a:xfrm>
           <a:prstGeom prst="rect">
             <a:avLst/>
@@ -9343,7 +9343,7 @@
         <p:spPr>
           <a:xfrm>
             <a:off x="0" y="4996800"/>
-            <a:ext cx="10077840" cy="2560320"/>
+            <a:ext cx="10077120" cy="2559600"/>
           </a:xfrm>
           <a:prstGeom prst="rect">
             <a:avLst/>
@@ -9366,7 +9366,7 @@
         <p:spPr>
           <a:xfrm>
             <a:off x="504000" y="301320"/>
-            <a:ext cx="9071640" cy="1261440"/>
+            <a:ext cx="9072000" cy="1261800"/>
           </a:xfrm>
           <a:prstGeom prst="rect">
             <a:avLst/>
@@ -9376,6 +9376,20 @@
           <a:bodyPr lIns="0" rIns="0" tIns="0" bIns="0" anchor="ctr"/>
           <a:p>
             <a:pPr algn="ctr"/>
+            <a:r>
+              <a:rPr b="0" lang="en-IN" sz="4400" spc="-1" strike="noStrike">
+                <a:solidFill>
+                  <a:srgbClr val="000000"/>
+                </a:solidFill>
+                <a:uFill>
+                  <a:solidFill>
+                    <a:srgbClr val="ffffff"/>
+                  </a:solidFill>
+                </a:uFill>
+                <a:latin typeface="Arial"/>
+              </a:rPr>
+              <a:t>Click to edit the title text format</a:t>
+            </a:r>
             <a:endParaRPr b="0" lang="en-IN" sz="4400" spc="-1" strike="noStrike">
               <a:solidFill>
                 <a:srgbClr val="000000"/>
@@ -9403,7 +9417,7 @@
         <p:spPr>
           <a:xfrm>
             <a:off x="504000" y="1768680"/>
-            <a:ext cx="9071640" cy="4383720"/>
+            <a:ext cx="9072000" cy="4384080"/>
           </a:xfrm>
           <a:prstGeom prst="rect">
             <a:avLst/>
@@ -9421,7 +9435,7 @@
               <a:buChar char=""/>
             </a:pPr>
             <a:r>
-              <a:rPr b="0" lang="en-IN" sz="1800" spc="-1" strike="noStrike">
+              <a:rPr b="0" lang="en-IN" sz="3200" spc="-1" strike="noStrike">
                 <a:solidFill>
                   <a:srgbClr val="000000"/>
                 </a:solidFill>
@@ -9434,7 +9448,7 @@
               </a:rPr>
               <a:t>Click to edit the outline text format</a:t>
             </a:r>
-            <a:endParaRPr b="0" lang="en-IN" sz="1800" spc="-1" strike="noStrike">
+            <a:endParaRPr b="0" lang="en-IN" sz="3200" spc="-1" strike="noStrike">
               <a:solidFill>
                 <a:srgbClr val="000000"/>
               </a:solidFill>
@@ -9456,7 +9470,7 @@
               <a:buChar char=""/>
             </a:pPr>
             <a:r>
-              <a:rPr b="0" lang="en-IN" sz="1800" spc="-1" strike="noStrike">
+              <a:rPr b="0" lang="en-IN" sz="2800" spc="-1" strike="noStrike">
                 <a:solidFill>
                   <a:srgbClr val="000000"/>
                 </a:solidFill>
@@ -9469,7 +9483,7 @@
               </a:rPr>
               <a:t>Second Outline Level</a:t>
             </a:r>
-            <a:endParaRPr b="0" lang="en-IN" sz="1800" spc="-1" strike="noStrike">
+            <a:endParaRPr b="0" lang="en-IN" sz="2800" spc="-1" strike="noStrike">
               <a:solidFill>
                 <a:srgbClr val="000000"/>
               </a:solidFill>
@@ -9491,7 +9505,7 @@
               <a:buChar char=""/>
             </a:pPr>
             <a:r>
-              <a:rPr b="0" lang="en-IN" sz="1800" spc="-1" strike="noStrike">
+              <a:rPr b="0" lang="en-IN" sz="2400" spc="-1" strike="noStrike">
                 <a:solidFill>
                   <a:srgbClr val="000000"/>
                 </a:solidFill>
@@ -9504,7 +9518,7 @@
               </a:rPr>
               <a:t>Third Outline Level</a:t>
             </a:r>
-            <a:endParaRPr b="0" lang="en-IN" sz="1800" spc="-1" strike="noStrike">
+            <a:endParaRPr b="0" lang="en-IN" sz="2400" spc="-1" strike="noStrike">
               <a:solidFill>
                 <a:srgbClr val="000000"/>
               </a:solidFill>
@@ -9526,7 +9540,7 @@
               <a:buChar char=""/>
             </a:pPr>
             <a:r>
-              <a:rPr b="0" lang="en-IN" sz="1800" spc="-1" strike="noStrike">
+              <a:rPr b="0" lang="en-IN" sz="2000" spc="-1" strike="noStrike">
                 <a:solidFill>
                   <a:srgbClr val="000000"/>
                 </a:solidFill>
@@ -9539,7 +9553,7 @@
               </a:rPr>
               <a:t>Fourth Outline Level</a:t>
             </a:r>
-            <a:endParaRPr b="0" lang="en-IN" sz="1800" spc="-1" strike="noStrike">
+            <a:endParaRPr b="0" lang="en-IN" sz="2000" spc="-1" strike="noStrike">
               <a:solidFill>
                 <a:srgbClr val="000000"/>
               </a:solidFill>
@@ -9561,7 +9575,7 @@
               <a:buChar char=""/>
             </a:pPr>
             <a:r>
-              <a:rPr b="0" lang="en-IN" sz="1800" spc="-1" strike="noStrike">
+              <a:rPr b="0" lang="en-IN" sz="2000" spc="-1" strike="noStrike">
                 <a:solidFill>
                   <a:srgbClr val="000000"/>
                 </a:solidFill>
@@ -9574,7 +9588,7 @@
               </a:rPr>
               <a:t>Fifth Outline Level</a:t>
             </a:r>
-            <a:endParaRPr b="0" lang="en-IN" sz="1800" spc="-1" strike="noStrike">
+            <a:endParaRPr b="0" lang="en-IN" sz="2000" spc="-1" strike="noStrike">
               <a:solidFill>
                 <a:srgbClr val="000000"/>
               </a:solidFill>
@@ -9596,7 +9610,7 @@
               <a:buChar char=""/>
             </a:pPr>
             <a:r>
-              <a:rPr b="0" lang="en-IN" sz="1800" spc="-1" strike="noStrike">
+              <a:rPr b="0" lang="en-IN" sz="2000" spc="-1" strike="noStrike">
                 <a:solidFill>
                   <a:srgbClr val="000000"/>
                 </a:solidFill>
@@ -9609,7 +9623,7 @@
               </a:rPr>
               <a:t>Sixth Outline Level</a:t>
             </a:r>
-            <a:endParaRPr b="0" lang="en-IN" sz="1800" spc="-1" strike="noStrike">
+            <a:endParaRPr b="0" lang="en-IN" sz="2000" spc="-1" strike="noStrike">
               <a:solidFill>
                 <a:srgbClr val="000000"/>
               </a:solidFill>
@@ -9631,7 +9645,7 @@
               <a:buChar char=""/>
             </a:pPr>
             <a:r>
-              <a:rPr b="0" lang="en-IN" sz="1800" spc="-1" strike="noStrike">
+              <a:rPr b="0" lang="en-IN" sz="2000" spc="-1" strike="noStrike">
                 <a:solidFill>
                   <a:srgbClr val="000000"/>
                 </a:solidFill>
@@ -9644,7 +9658,7 @@
               </a:rPr>
               <a:t>Seventh Outline Level</a:t>
             </a:r>
-            <a:endParaRPr b="0" lang="en-IN" sz="1800" spc="-1" strike="noStrike">
+            <a:endParaRPr b="0" lang="en-IN" sz="2000" spc="-1" strike="noStrike">
               <a:solidFill>
                 <a:srgbClr val="000000"/>
               </a:solidFill>
@@ -9681,6 +9695,13 @@
 <file path=ppt/slideMasters/slideMaster2.xml><?xml version="1.0" encoding="utf-8"?>
 <p:sldMaster xmlns:a="http://schemas.openxmlformats.org/drawingml/2006/main" xmlns:p="http://schemas.openxmlformats.org/presentationml/2006/main" xmlns:r="http://schemas.openxmlformats.org/officeDocument/2006/relationships" xmlns:p14="http://schemas.microsoft.com/office/powerpoint/2010/main" xmlns:p15="http://schemas.microsoft.com/office/powerpoint/2012/main" xmlns:mc="http://schemas.openxmlformats.org/markup-compatibility/2006">
   <p:cSld>
+    <p:bg>
+      <p:bgPr>
+        <a:solidFill>
+          <a:srgbClr val="ffffff"/>
+        </a:solidFill>
+      </p:bgPr>
+    </p:bg>
     <p:spTree>
       <p:nvGrpSpPr>
         <p:cNvPr id="1" name=""/>
@@ -9730,105 +9751,7 @@
                 </a:uFill>
                 <a:latin typeface="Arial"/>
               </a:rPr>
-              <a:t>Clic</a:t>
-            </a:r>
-            <a:r>
-              <a:rPr b="0" lang="en-IN" sz="4400" spc="-1" strike="noStrike">
-                <a:solidFill>
-                  <a:srgbClr val="000000"/>
-                </a:solidFill>
-                <a:uFill>
-                  <a:solidFill>
-                    <a:srgbClr val="ffffff"/>
-                  </a:solidFill>
-                </a:uFill>
-                <a:latin typeface="Arial"/>
-              </a:rPr>
-              <a:t>k to </a:t>
-            </a:r>
-            <a:r>
-              <a:rPr b="0" lang="en-IN" sz="4400" spc="-1" strike="noStrike">
-                <a:solidFill>
-                  <a:srgbClr val="000000"/>
-                </a:solidFill>
-                <a:uFill>
-                  <a:solidFill>
-                    <a:srgbClr val="ffffff"/>
-                  </a:solidFill>
-                </a:uFill>
-                <a:latin typeface="Arial"/>
-              </a:rPr>
-              <a:t>edit </a:t>
-            </a:r>
-            <a:r>
-              <a:rPr b="0" lang="en-IN" sz="4400" spc="-1" strike="noStrike">
-                <a:solidFill>
-                  <a:srgbClr val="000000"/>
-                </a:solidFill>
-                <a:uFill>
-                  <a:solidFill>
-                    <a:srgbClr val="ffffff"/>
-                  </a:solidFill>
-                </a:uFill>
-                <a:latin typeface="Arial"/>
-              </a:rPr>
-              <a:t>the </a:t>
-            </a:r>
-            <a:r>
-              <a:rPr b="0" lang="en-IN" sz="4400" spc="-1" strike="noStrike">
-                <a:solidFill>
-                  <a:srgbClr val="000000"/>
-                </a:solidFill>
-                <a:uFill>
-                  <a:solidFill>
-                    <a:srgbClr val="ffffff"/>
-                  </a:solidFill>
-                </a:uFill>
-                <a:latin typeface="Arial"/>
-              </a:rPr>
-              <a:t>title </a:t>
-            </a:r>
-            <a:r>
-              <a:rPr b="0" lang="en-IN" sz="4400" spc="-1" strike="noStrike">
-                <a:solidFill>
-                  <a:srgbClr val="000000"/>
-                </a:solidFill>
-                <a:uFill>
-                  <a:solidFill>
-                    <a:srgbClr val="ffffff"/>
-                  </a:solidFill>
-                </a:uFill>
-                <a:latin typeface="Arial"/>
-              </a:rPr>
-              <a:t>text </a:t>
-            </a:r>
-            <a:r>
-              <a:rPr b="0" lang="en-IN" sz="4400" spc="-1" strike="noStrike">
-                <a:solidFill>
-                  <a:srgbClr val="000000"/>
-                </a:solidFill>
-                <a:uFill>
-                  <a:solidFill>
-                    <a:srgbClr val="ffffff"/>
-                  </a:solidFill>
-                </a:uFill>
-                <a:latin typeface="Arial"/>
-              </a:rPr>
-              <a:t>form</a:t>
-            </a:r>
-            <a:r>
-              <a:rPr b="0" lang="en-IN" sz="4400" spc="-1" strike="noStrike">
-                <a:solidFill>
-                  <a:srgbClr val="000000"/>
-                </a:solidFill>
-                <a:uFill>
-                  <a:solidFill>
-                    <a:srgbClr val="ffffff"/>
-                  </a:solidFill>
-                </a:uFill>
-                <a:latin typeface="Arial"/>
-              </a:rPr>
-              <a:t>at</a:t>
+              <a:t>Click to edit the title text format</a:t>
             </a:r>
             <a:endParaRPr b="0" lang="en-IN" sz="4400" spc="-1" strike="noStrike">
               <a:solidFill>
@@ -10135,13 +10058,6 @@
 <file path=ppt/slideMasters/slideMaster3.xml><?xml version="1.0" encoding="utf-8"?>
 <p:sldMaster xmlns:a="http://schemas.openxmlformats.org/drawingml/2006/main" xmlns:p="http://schemas.openxmlformats.org/presentationml/2006/main" xmlns:r="http://schemas.openxmlformats.org/officeDocument/2006/relationships" xmlns:p14="http://schemas.microsoft.com/office/powerpoint/2010/main" xmlns:p15="http://schemas.microsoft.com/office/powerpoint/2012/main" xmlns:mc="http://schemas.openxmlformats.org/markup-compatibility/2006">
   <p:cSld>
-    <p:bg>
-      <p:bgPr>
-        <a:solidFill>
-          <a:srgbClr val="ffffff"/>
-        </a:solidFill>
-      </p:bgPr>
-    </p:bg>
     <p:spTree>
       <p:nvGrpSpPr>
         <p:cNvPr id="1" name=""/>
@@ -10191,189 +10107,7 @@
                 </a:uFill>
                 <a:latin typeface="Arial"/>
               </a:rPr>
-              <a:t>Cli</a:t>
-            </a:r>
-            <a:r>
-              <a:rPr b="0" lang="en-IN" sz="4400" spc="-1" strike="noStrike">
-                <a:solidFill>
-                  <a:srgbClr val="000000"/>
-                </a:solidFill>
-                <a:uFill>
-                  <a:solidFill>
-                    <a:srgbClr val="ffffff"/>
-                  </a:solidFill>
-                </a:uFill>
-                <a:latin typeface="Arial"/>
-              </a:rPr>
-              <a:t>ck </a:t>
-            </a:r>
-            <a:r>
-              <a:rPr b="0" lang="en-IN" sz="4400" spc="-1" strike="noStrike">
-                <a:solidFill>
-                  <a:srgbClr val="000000"/>
-                </a:solidFill>
-                <a:uFill>
-                  <a:solidFill>
-                    <a:srgbClr val="ffffff"/>
-                  </a:solidFill>
-                </a:uFill>
-                <a:latin typeface="Arial"/>
-              </a:rPr>
-              <a:t>to </a:t>
-            </a:r>
-            <a:r>
-              <a:rPr b="0" lang="en-IN" sz="4400" spc="-1" strike="noStrike">
-                <a:solidFill>
-                  <a:srgbClr val="000000"/>
-                </a:solidFill>
-                <a:uFill>
-                  <a:solidFill>
-                    <a:srgbClr val="ffffff"/>
-                  </a:solidFill>
-                </a:uFill>
-                <a:latin typeface="Arial"/>
-              </a:rPr>
-              <a:t>ed</a:t>
-            </a:r>
-            <a:r>
-              <a:rPr b="0" lang="en-IN" sz="4400" spc="-1" strike="noStrike">
-                <a:solidFill>
-                  <a:srgbClr val="000000"/>
-                </a:solidFill>
-                <a:uFill>
-                  <a:solidFill>
-                    <a:srgbClr val="ffffff"/>
-                  </a:solidFill>
-                </a:uFill>
-                <a:latin typeface="Arial"/>
-              </a:rPr>
-              <a:t>it </a:t>
-            </a:r>
-            <a:r>
-              <a:rPr b="0" lang="en-IN" sz="4400" spc="-1" strike="noStrike">
-                <a:solidFill>
-                  <a:srgbClr val="000000"/>
-                </a:solidFill>
-                <a:uFill>
-                  <a:solidFill>
-                    <a:srgbClr val="ffffff"/>
-                  </a:solidFill>
-                </a:uFill>
-                <a:latin typeface="Arial"/>
-              </a:rPr>
-              <a:t>th</a:t>
-            </a:r>
-            <a:r>
-              <a:rPr b="0" lang="en-IN" sz="4400" spc="-1" strike="noStrike">
-                <a:solidFill>
-                  <a:srgbClr val="000000"/>
-                </a:solidFill>
-                <a:uFill>
-                  <a:solidFill>
-                    <a:srgbClr val="ffffff"/>
-                  </a:solidFill>
-                </a:uFill>
-                <a:latin typeface="Arial"/>
-              </a:rPr>
-              <a:t>e </a:t>
-            </a:r>
-            <a:r>
-              <a:rPr b="0" lang="en-IN" sz="4400" spc="-1" strike="noStrike">
-                <a:solidFill>
-                  <a:srgbClr val="000000"/>
-                </a:solidFill>
-                <a:uFill>
-                  <a:solidFill>
-                    <a:srgbClr val="ffffff"/>
-                  </a:solidFill>
-                </a:uFill>
-                <a:latin typeface="Arial"/>
-              </a:rPr>
-              <a:t>titl</a:t>
-            </a:r>
-            <a:r>
-              <a:rPr b="0" lang="en-IN" sz="4400" spc="-1" strike="noStrike">
-                <a:solidFill>
-                  <a:srgbClr val="000000"/>
-                </a:solidFill>
-                <a:uFill>
-                  <a:solidFill>
-                    <a:srgbClr val="ffffff"/>
-                  </a:solidFill>
-                </a:uFill>
-                <a:latin typeface="Arial"/>
-              </a:rPr>
-              <a:t>e </a:t>
-            </a:r>
-            <a:r>
-              <a:rPr b="0" lang="en-IN" sz="4400" spc="-1" strike="noStrike">
-                <a:solidFill>
-                  <a:srgbClr val="000000"/>
-                </a:solidFill>
-                <a:uFill>
-                  <a:solidFill>
-                    <a:srgbClr val="ffffff"/>
-                  </a:solidFill>
-                </a:uFill>
-                <a:latin typeface="Arial"/>
-              </a:rPr>
-              <a:t>te</a:t>
-            </a:r>
-            <a:r>
-              <a:rPr b="0" lang="en-IN" sz="4400" spc="-1" strike="noStrike">
-                <a:solidFill>
-                  <a:srgbClr val="000000"/>
-                </a:solidFill>
-                <a:uFill>
-                  <a:solidFill>
-                    <a:srgbClr val="ffffff"/>
-                  </a:solidFill>
-                </a:uFill>
-                <a:latin typeface="Arial"/>
-              </a:rPr>
-              <a:t>xt </a:t>
-            </a:r>
-            <a:r>
-              <a:rPr b="0" lang="en-IN" sz="4400" spc="-1" strike="noStrike">
-                <a:solidFill>
-                  <a:srgbClr val="000000"/>
-                </a:solidFill>
-                <a:uFill>
-                  <a:solidFill>
-                    <a:srgbClr val="ffffff"/>
-                  </a:solidFill>
-                </a:uFill>
-                <a:latin typeface="Arial"/>
-              </a:rPr>
-              <a:t>for</a:t>
-            </a:r>
-            <a:r>
-              <a:rPr b="0" lang="en-IN" sz="4400" spc="-1" strike="noStrike">
-                <a:solidFill>
-                  <a:srgbClr val="000000"/>
-                </a:solidFill>
-                <a:uFill>
-                  <a:solidFill>
-                    <a:srgbClr val="ffffff"/>
-                  </a:solidFill>
-                </a:uFill>
-                <a:latin typeface="Arial"/>
-              </a:rPr>
-              <a:t>m</a:t>
-            </a:r>
-            <a:r>
-              <a:rPr b="0" lang="en-IN" sz="4400" spc="-1" strike="noStrike">
-                <a:solidFill>
-                  <a:srgbClr val="000000"/>
-                </a:solidFill>
-                <a:uFill>
-                  <a:solidFill>
-                    <a:srgbClr val="ffffff"/>
-                  </a:solidFill>
-                </a:uFill>
-                <a:latin typeface="Arial"/>
-              </a:rPr>
-              <a:t>at</a:t>
+              <a:t>Click to edit the title text format</a:t>
             </a:r>
             <a:endParaRPr b="0" lang="en-IN" sz="4400" spc="-1" strike="noStrike">
               <a:solidFill>
@@ -11036,6 +10770,488 @@
 <file path=ppt/slideMasters/slideMaster5.xml><?xml version="1.0" encoding="utf-8"?>
 <p:sldMaster xmlns:a="http://schemas.openxmlformats.org/drawingml/2006/main" xmlns:p="http://schemas.openxmlformats.org/presentationml/2006/main" xmlns:r="http://schemas.openxmlformats.org/officeDocument/2006/relationships" xmlns:p14="http://schemas.microsoft.com/office/powerpoint/2010/main" xmlns:p15="http://schemas.microsoft.com/office/powerpoint/2012/main" xmlns:mc="http://schemas.openxmlformats.org/markup-compatibility/2006">
   <p:cSld>
+    <p:spTree>
+      <p:nvGrpSpPr>
+        <p:cNvPr id="1" name=""/>
+        <p:cNvGrpSpPr/>
+        <p:nvPr/>
+      </p:nvGrpSpPr>
+      <p:grpSpPr>
+        <a:xfrm>
+          <a:off x="0" y="0"/>
+          <a:ext cx="0" cy="0"/>
+          <a:chOff x="0" y="0"/>
+          <a:chExt cx="0" cy="0"/>
+        </a:xfrm>
+      </p:grpSpPr>
+      <p:sp>
+        <p:nvSpPr>
+          <p:cNvPr id="148" name="PlaceHolder 1"/>
+          <p:cNvSpPr>
+            <a:spLocks noGrp="1"/>
+          </p:cNvSpPr>
+          <p:nvPr>
+            <p:ph type="title"/>
+          </p:nvPr>
+        </p:nvSpPr>
+        <p:spPr>
+          <a:xfrm>
+            <a:off x="504000" y="301320"/>
+            <a:ext cx="9072000" cy="1261800"/>
+          </a:xfrm>
+          <a:prstGeom prst="rect">
+            <a:avLst/>
+          </a:prstGeom>
+        </p:spPr>
+        <p:txBody>
+          <a:bodyPr lIns="0" rIns="0" tIns="0" bIns="0" anchor="ctr"/>
+          <a:p>
+            <a:pPr algn="ctr"/>
+            <a:r>
+              <a:rPr b="0" lang="en-IN" sz="4400" spc="-1" strike="noStrike">
+                <a:solidFill>
+                  <a:srgbClr val="000000"/>
+                </a:solidFill>
+                <a:uFill>
+                  <a:solidFill>
+                    <a:srgbClr val="ffffff"/>
+                  </a:solidFill>
+                </a:uFill>
+                <a:latin typeface="Arial"/>
+              </a:rPr>
+              <a:t>Cli</a:t>
+            </a:r>
+            <a:r>
+              <a:rPr b="0" lang="en-IN" sz="4400" spc="-1" strike="noStrike">
+                <a:solidFill>
+                  <a:srgbClr val="000000"/>
+                </a:solidFill>
+                <a:uFill>
+                  <a:solidFill>
+                    <a:srgbClr val="ffffff"/>
+                  </a:solidFill>
+                </a:uFill>
+                <a:latin typeface="Arial"/>
+              </a:rPr>
+              <a:t>ck </a:t>
+            </a:r>
+            <a:r>
+              <a:rPr b="0" lang="en-IN" sz="4400" spc="-1" strike="noStrike">
+                <a:solidFill>
+                  <a:srgbClr val="000000"/>
+                </a:solidFill>
+                <a:uFill>
+                  <a:solidFill>
+                    <a:srgbClr val="ffffff"/>
+                  </a:solidFill>
+                </a:uFill>
+                <a:latin typeface="Arial"/>
+              </a:rPr>
+              <a:t>to </a:t>
+            </a:r>
+            <a:r>
+              <a:rPr b="0" lang="en-IN" sz="4400" spc="-1" strike="noStrike">
+                <a:solidFill>
+                  <a:srgbClr val="000000"/>
+                </a:solidFill>
+                <a:uFill>
+                  <a:solidFill>
+                    <a:srgbClr val="ffffff"/>
+                  </a:solidFill>
+                </a:uFill>
+                <a:latin typeface="Arial"/>
+              </a:rPr>
+              <a:t>edit </a:t>
+            </a:r>
+            <a:r>
+              <a:rPr b="0" lang="en-IN" sz="4400" spc="-1" strike="noStrike">
+                <a:solidFill>
+                  <a:srgbClr val="000000"/>
+                </a:solidFill>
+                <a:uFill>
+                  <a:solidFill>
+                    <a:srgbClr val="ffffff"/>
+                  </a:solidFill>
+                </a:uFill>
+                <a:latin typeface="Arial"/>
+              </a:rPr>
+              <a:t>the </a:t>
+            </a:r>
+            <a:r>
+              <a:rPr b="0" lang="en-IN" sz="4400" spc="-1" strike="noStrike">
+                <a:solidFill>
+                  <a:srgbClr val="000000"/>
+                </a:solidFill>
+                <a:uFill>
+                  <a:solidFill>
+                    <a:srgbClr val="ffffff"/>
+                  </a:solidFill>
+                </a:uFill>
+                <a:latin typeface="Arial"/>
+              </a:rPr>
+              <a:t>title </a:t>
+            </a:r>
+            <a:r>
+              <a:rPr b="0" lang="en-IN" sz="4400" spc="-1" strike="noStrike">
+                <a:solidFill>
+                  <a:srgbClr val="000000"/>
+                </a:solidFill>
+                <a:uFill>
+                  <a:solidFill>
+                    <a:srgbClr val="ffffff"/>
+                  </a:solidFill>
+                </a:uFill>
+                <a:latin typeface="Arial"/>
+              </a:rPr>
+              <a:t>text </a:t>
+            </a:r>
+            <a:r>
+              <a:rPr b="0" lang="en-IN" sz="4400" spc="-1" strike="noStrike">
+                <a:solidFill>
+                  <a:srgbClr val="000000"/>
+                </a:solidFill>
+                <a:uFill>
+                  <a:solidFill>
+                    <a:srgbClr val="ffffff"/>
+                  </a:solidFill>
+                </a:uFill>
+                <a:latin typeface="Arial"/>
+              </a:rPr>
+              <a:t>for</a:t>
+            </a:r>
+            <a:r>
+              <a:rPr b="0" lang="en-IN" sz="4400" spc="-1" strike="noStrike">
+                <a:solidFill>
+                  <a:srgbClr val="000000"/>
+                </a:solidFill>
+                <a:uFill>
+                  <a:solidFill>
+                    <a:srgbClr val="ffffff"/>
+                  </a:solidFill>
+                </a:uFill>
+                <a:latin typeface="Arial"/>
+              </a:rPr>
+              <a:t>ma</a:t>
+            </a:r>
+            <a:r>
+              <a:rPr b="0" lang="en-IN" sz="4400" spc="-1" strike="noStrike">
+                <a:solidFill>
+                  <a:srgbClr val="000000"/>
+                </a:solidFill>
+                <a:uFill>
+                  <a:solidFill>
+                    <a:srgbClr val="ffffff"/>
+                  </a:solidFill>
+                </a:uFill>
+                <a:latin typeface="Arial"/>
+              </a:rPr>
+              <a:t>t</a:t>
+            </a:r>
+            <a:endParaRPr b="0" lang="en-IN" sz="4400" spc="-1" strike="noStrike">
+              <a:solidFill>
+                <a:srgbClr val="000000"/>
+              </a:solidFill>
+              <a:uFill>
+                <a:solidFill>
+                  <a:srgbClr val="ffffff"/>
+                </a:solidFill>
+              </a:uFill>
+              <a:latin typeface="Arial"/>
+            </a:endParaRPr>
+          </a:p>
+        </p:txBody>
+      </p:sp>
+      <p:sp>
+        <p:nvSpPr>
+          <p:cNvPr id="149" name="PlaceHolder 2"/>
+          <p:cNvSpPr>
+            <a:spLocks noGrp="1"/>
+          </p:cNvSpPr>
+          <p:nvPr>
+            <p:ph type="body"/>
+          </p:nvPr>
+        </p:nvSpPr>
+        <p:spPr>
+          <a:xfrm>
+            <a:off x="504000" y="1768680"/>
+            <a:ext cx="9072000" cy="4384080"/>
+          </a:xfrm>
+          <a:prstGeom prst="rect">
+            <a:avLst/>
+          </a:prstGeom>
+        </p:spPr>
+        <p:txBody>
+          <a:bodyPr lIns="0" rIns="0" tIns="0" bIns="0"/>
+          <a:p>
+            <a:pPr marL="432000" indent="-324000">
+              <a:buClr>
+                <a:srgbClr val="000000"/>
+              </a:buClr>
+              <a:buSzPct val="45000"/>
+              <a:buFont typeface="Wingdings" charset="2"/>
+              <a:buChar char=""/>
+            </a:pPr>
+            <a:r>
+              <a:rPr b="0" lang="en-IN" sz="3200" spc="-1" strike="noStrike">
+                <a:solidFill>
+                  <a:srgbClr val="000000"/>
+                </a:solidFill>
+                <a:uFill>
+                  <a:solidFill>
+                    <a:srgbClr val="ffffff"/>
+                  </a:solidFill>
+                </a:uFill>
+                <a:latin typeface="Arial"/>
+              </a:rPr>
+              <a:t>Click to edit the outline text format</a:t>
+            </a:r>
+            <a:endParaRPr b="0" lang="en-IN" sz="3200" spc="-1" strike="noStrike">
+              <a:solidFill>
+                <a:srgbClr val="000000"/>
+              </a:solidFill>
+              <a:uFill>
+                <a:solidFill>
+                  <a:srgbClr val="ffffff"/>
+                </a:solidFill>
+              </a:uFill>
+              <a:latin typeface="Arial"/>
+            </a:endParaRPr>
+          </a:p>
+          <a:p>
+            <a:pPr lvl="1" marL="864000" indent="-324000">
+              <a:buClr>
+                <a:srgbClr val="000000"/>
+              </a:buClr>
+              <a:buSzPct val="75000"/>
+              <a:buFont typeface="Symbol" charset="2"/>
+              <a:buChar char=""/>
+            </a:pPr>
+            <a:r>
+              <a:rPr b="0" lang="en-IN" sz="2800" spc="-1" strike="noStrike">
+                <a:solidFill>
+                  <a:srgbClr val="000000"/>
+                </a:solidFill>
+                <a:uFill>
+                  <a:solidFill>
+                    <a:srgbClr val="ffffff"/>
+                  </a:solidFill>
+                </a:uFill>
+                <a:latin typeface="Arial"/>
+              </a:rPr>
+              <a:t>Second Outline Level</a:t>
+            </a:r>
+            <a:endParaRPr b="0" lang="en-IN" sz="2800" spc="-1" strike="noStrike">
+              <a:solidFill>
+                <a:srgbClr val="000000"/>
+              </a:solidFill>
+              <a:uFill>
+                <a:solidFill>
+                  <a:srgbClr val="ffffff"/>
+                </a:solidFill>
+              </a:uFill>
+              <a:latin typeface="Arial"/>
+            </a:endParaRPr>
+          </a:p>
+          <a:p>
+            <a:pPr lvl="2" marL="1296000" indent="-288000">
+              <a:buClr>
+                <a:srgbClr val="000000"/>
+              </a:buClr>
+              <a:buSzPct val="45000"/>
+              <a:buFont typeface="Wingdings" charset="2"/>
+              <a:buChar char=""/>
+            </a:pPr>
+            <a:r>
+              <a:rPr b="0" lang="en-IN" sz="2400" spc="-1" strike="noStrike">
+                <a:solidFill>
+                  <a:srgbClr val="000000"/>
+                </a:solidFill>
+                <a:uFill>
+                  <a:solidFill>
+                    <a:srgbClr val="ffffff"/>
+                  </a:solidFill>
+                </a:uFill>
+                <a:latin typeface="Arial"/>
+              </a:rPr>
+              <a:t>Third Outline Level</a:t>
+            </a:r>
+            <a:endParaRPr b="0" lang="en-IN" sz="2400" spc="-1" strike="noStrike">
+              <a:solidFill>
+                <a:srgbClr val="000000"/>
+              </a:solidFill>
+              <a:uFill>
+                <a:solidFill>
+                  <a:srgbClr val="ffffff"/>
+                </a:solidFill>
+              </a:uFill>
+              <a:latin typeface="Arial"/>
+            </a:endParaRPr>
+          </a:p>
+          <a:p>
+            <a:pPr lvl="3" marL="1728000" indent="-216000">
+              <a:buClr>
+                <a:srgbClr val="000000"/>
+              </a:buClr>
+              <a:buSzPct val="75000"/>
+              <a:buFont typeface="Symbol" charset="2"/>
+              <a:buChar char=""/>
+            </a:pPr>
+            <a:r>
+              <a:rPr b="0" lang="en-IN" sz="2000" spc="-1" strike="noStrike">
+                <a:solidFill>
+                  <a:srgbClr val="000000"/>
+                </a:solidFill>
+                <a:uFill>
+                  <a:solidFill>
+                    <a:srgbClr val="ffffff"/>
+                  </a:solidFill>
+                </a:uFill>
+                <a:latin typeface="Arial"/>
+              </a:rPr>
+              <a:t>Fourth Outline Level</a:t>
+            </a:r>
+            <a:endParaRPr b="0" lang="en-IN" sz="2000" spc="-1" strike="noStrike">
+              <a:solidFill>
+                <a:srgbClr val="000000"/>
+              </a:solidFill>
+              <a:uFill>
+                <a:solidFill>
+                  <a:srgbClr val="ffffff"/>
+                </a:solidFill>
+              </a:uFill>
+              <a:latin typeface="Arial"/>
+            </a:endParaRPr>
+          </a:p>
+          <a:p>
+            <a:pPr lvl="4" marL="2160000" indent="-216000">
+              <a:buClr>
+                <a:srgbClr val="000000"/>
+              </a:buClr>
+              <a:buSzPct val="45000"/>
+              <a:buFont typeface="Wingdings" charset="2"/>
+              <a:buChar char=""/>
+            </a:pPr>
+            <a:r>
+              <a:rPr b="0" lang="en-IN" sz="2000" spc="-1" strike="noStrike">
+                <a:solidFill>
+                  <a:srgbClr val="000000"/>
+                </a:solidFill>
+                <a:uFill>
+                  <a:solidFill>
+                    <a:srgbClr val="ffffff"/>
+                  </a:solidFill>
+                </a:uFill>
+                <a:latin typeface="Arial"/>
+              </a:rPr>
+              <a:t>Fifth Outline Level</a:t>
+            </a:r>
+            <a:endParaRPr b="0" lang="en-IN" sz="2000" spc="-1" strike="noStrike">
+              <a:solidFill>
+                <a:srgbClr val="000000"/>
+              </a:solidFill>
+              <a:uFill>
+                <a:solidFill>
+                  <a:srgbClr val="ffffff"/>
+                </a:solidFill>
+              </a:uFill>
+              <a:latin typeface="Arial"/>
+            </a:endParaRPr>
+          </a:p>
+          <a:p>
+            <a:pPr lvl="5" marL="2592000" indent="-216000">
+              <a:buClr>
+                <a:srgbClr val="000000"/>
+              </a:buClr>
+              <a:buSzPct val="45000"/>
+              <a:buFont typeface="Wingdings" charset="2"/>
+              <a:buChar char=""/>
+            </a:pPr>
+            <a:r>
+              <a:rPr b="0" lang="en-IN" sz="2000" spc="-1" strike="noStrike">
+                <a:solidFill>
+                  <a:srgbClr val="000000"/>
+                </a:solidFill>
+                <a:uFill>
+                  <a:solidFill>
+                    <a:srgbClr val="ffffff"/>
+                  </a:solidFill>
+                </a:uFill>
+                <a:latin typeface="Arial"/>
+              </a:rPr>
+              <a:t>Sixth Outline Level</a:t>
+            </a:r>
+            <a:endParaRPr b="0" lang="en-IN" sz="2000" spc="-1" strike="noStrike">
+              <a:solidFill>
+                <a:srgbClr val="000000"/>
+              </a:solidFill>
+              <a:uFill>
+                <a:solidFill>
+                  <a:srgbClr val="ffffff"/>
+                </a:solidFill>
+              </a:uFill>
+              <a:latin typeface="Arial"/>
+            </a:endParaRPr>
+          </a:p>
+          <a:p>
+            <a:pPr lvl="6" marL="3024000" indent="-216000">
+              <a:buClr>
+                <a:srgbClr val="000000"/>
+              </a:buClr>
+              <a:buSzPct val="45000"/>
+              <a:buFont typeface="Wingdings" charset="2"/>
+              <a:buChar char=""/>
+            </a:pPr>
+            <a:r>
+              <a:rPr b="0" lang="en-IN" sz="2000" spc="-1" strike="noStrike">
+                <a:solidFill>
+                  <a:srgbClr val="000000"/>
+                </a:solidFill>
+                <a:uFill>
+                  <a:solidFill>
+                    <a:srgbClr val="ffffff"/>
+                  </a:solidFill>
+                </a:uFill>
+                <a:latin typeface="Arial"/>
+              </a:rPr>
+              <a:t>Seventh Outline Level</a:t>
+            </a:r>
+            <a:endParaRPr b="0" lang="en-IN" sz="2000" spc="-1" strike="noStrike">
+              <a:solidFill>
+                <a:srgbClr val="000000"/>
+              </a:solidFill>
+              <a:uFill>
+                <a:solidFill>
+                  <a:srgbClr val="ffffff"/>
+                </a:solidFill>
+              </a:uFill>
+              <a:latin typeface="Arial"/>
+            </a:endParaRPr>
+          </a:p>
+        </p:txBody>
+      </p:sp>
+    </p:spTree>
+  </p:cSld>
+  <p:clrMap bg1="lt1" bg2="lt2" tx1="dk1" tx2="dk2" accent1="accent1" accent2="accent2" accent3="accent3" accent4="accent4" accent5="accent5" accent6="accent6" hlink="hlink" folHlink="folHlink"/>
+  <p:sldLayoutIdLst>
+    <p:sldLayoutId id="2147483701" r:id="rId2"/>
+    <p:sldLayoutId id="2147483702" r:id="rId3"/>
+    <p:sldLayoutId id="2147483703" r:id="rId4"/>
+    <p:sldLayoutId id="2147483704" r:id="rId5"/>
+    <p:sldLayoutId id="2147483705" r:id="rId6"/>
+    <p:sldLayoutId id="2147483706" r:id="rId7"/>
+    <p:sldLayoutId id="2147483707" r:id="rId8"/>
+    <p:sldLayoutId id="2147483708" r:id="rId9"/>
+    <p:sldLayoutId id="2147483709" r:id="rId10"/>
+    <p:sldLayoutId id="2147483710" r:id="rId11"/>
+    <p:sldLayoutId id="2147483711" r:id="rId12"/>
+    <p:sldLayoutId id="2147483712" r:id="rId13"/>
+  </p:sldLayoutIdLst>
+</p:sldMaster>
+</file>
+
+<file path=ppt/slideMasters/slideMaster6.xml><?xml version="1.0" encoding="utf-8"?>
+<p:sldMaster xmlns:a="http://schemas.openxmlformats.org/drawingml/2006/main" xmlns:p="http://schemas.openxmlformats.org/presentationml/2006/main" xmlns:r="http://schemas.openxmlformats.org/officeDocument/2006/relationships" xmlns:p14="http://schemas.microsoft.com/office/powerpoint/2010/main" xmlns:p15="http://schemas.microsoft.com/office/powerpoint/2012/main" xmlns:mc="http://schemas.openxmlformats.org/markup-compatibility/2006">
+  <p:cSld>
     <p:bg>
       <p:bgPr>
         <a:solidFill>
@@ -11059,7 +11275,7 @@
       </p:grpSpPr>
       <p:pic>
         <p:nvPicPr>
-          <p:cNvPr id="148" name="图片 9" descr=""/>
+          <p:cNvPr id="184" name="图片 9" descr=""/>
           <p:cNvPicPr/>
           <p:nvPr/>
         </p:nvPicPr>
@@ -11070,7 +11286,7 @@
         <p:spPr>
           <a:xfrm>
             <a:off x="360" y="1440"/>
-            <a:ext cx="10073880" cy="7557480"/>
+            <a:ext cx="10073160" cy="7556760"/>
           </a:xfrm>
           <a:prstGeom prst="rect">
             <a:avLst/>
@@ -11082,14 +11298,14 @@
       </p:pic>
       <p:sp>
         <p:nvSpPr>
-          <p:cNvPr id="149" name="CustomShape 1"/>
+          <p:cNvPr id="185" name="CustomShape 1"/>
           <p:cNvSpPr/>
           <p:nvPr/>
         </p:nvSpPr>
         <p:spPr>
           <a:xfrm>
             <a:off x="360" y="4132440"/>
-            <a:ext cx="10077840" cy="3424680"/>
+            <a:ext cx="10077120" cy="3423960"/>
           </a:xfrm>
           <a:prstGeom prst="rect">
             <a:avLst/>
@@ -11110,14 +11326,14 @@
       </p:sp>
       <p:sp>
         <p:nvSpPr>
-          <p:cNvPr id="150" name="CustomShape 2"/>
+          <p:cNvPr id="186" name="CustomShape 2"/>
           <p:cNvSpPr/>
           <p:nvPr/>
         </p:nvSpPr>
         <p:spPr>
           <a:xfrm>
             <a:off x="3612600" y="2994480"/>
-            <a:ext cx="3238200" cy="819360"/>
+            <a:ext cx="3237480" cy="818640"/>
           </a:xfrm>
           <a:prstGeom prst="rect">
             <a:avLst/>
@@ -11172,14 +11388,14 @@
       </p:sp>
       <p:sp>
         <p:nvSpPr>
-          <p:cNvPr id="151" name="CustomShape 3"/>
+          <p:cNvPr id="187" name="CustomShape 3"/>
           <p:cNvSpPr/>
           <p:nvPr/>
         </p:nvSpPr>
         <p:spPr>
           <a:xfrm>
             <a:off x="3612600" y="2586960"/>
-            <a:ext cx="3238200" cy="819360"/>
+            <a:ext cx="3237480" cy="818640"/>
           </a:xfrm>
           <a:prstGeom prst="rect">
             <a:avLst/>
@@ -11234,7 +11450,7 @@
       </p:sp>
       <p:pic>
         <p:nvPicPr>
-          <p:cNvPr id="152" name="图片 8" descr=""/>
+          <p:cNvPr id="188" name="图片 8" descr=""/>
           <p:cNvPicPr/>
           <p:nvPr/>
         </p:nvPicPr>
@@ -11246,7 +11462,7 @@
         <p:spPr>
           <a:xfrm>
             <a:off x="113040" y="390240"/>
-            <a:ext cx="1560600" cy="538560"/>
+            <a:ext cx="1559880" cy="537840"/>
           </a:xfrm>
           <a:prstGeom prst="rect">
             <a:avLst/>
@@ -11258,7 +11474,7 @@
       </p:pic>
       <p:pic>
         <p:nvPicPr>
-          <p:cNvPr id="153" name="图片 10" descr=""/>
+          <p:cNvPr id="189" name="图片 10" descr=""/>
           <p:cNvPicPr/>
           <p:nvPr/>
         </p:nvPicPr>
@@ -11269,7 +11485,7 @@
         <p:spPr>
           <a:xfrm>
             <a:off x="0" y="4998240"/>
-            <a:ext cx="10077840" cy="2560320"/>
+            <a:ext cx="10077120" cy="2559600"/>
           </a:xfrm>
           <a:prstGeom prst="rect">
             <a:avLst/>
@@ -11281,7 +11497,7 @@
       </p:pic>
       <p:sp>
         <p:nvSpPr>
-          <p:cNvPr id="154" name="PlaceHolder 4"/>
+          <p:cNvPr id="190" name="PlaceHolder 4"/>
           <p:cNvSpPr>
             <a:spLocks noGrp="1"/>
           </p:cNvSpPr>
@@ -11314,7 +11530,49 @@
                 </a:uFill>
                 <a:latin typeface="Arial"/>
               </a:rPr>
-              <a:t>Click to edit the title text format</a:t>
+              <a:t>Click to </a:t>
+            </a:r>
+            <a:r>
+              <a:rPr b="0" lang="en-IN" sz="4400" spc="-1" strike="noStrike">
+                <a:solidFill>
+                  <a:srgbClr val="000000"/>
+                </a:solidFill>
+                <a:uFill>
+                  <a:solidFill>
+                    <a:srgbClr val="ffffff"/>
+                  </a:solidFill>
+                </a:uFill>
+                <a:latin typeface="Arial"/>
+              </a:rPr>
+              <a:t>edit the </a:t>
+            </a:r>
+            <a:r>
+              <a:rPr b="0" lang="en-IN" sz="4400" spc="-1" strike="noStrike">
+                <a:solidFill>
+                  <a:srgbClr val="000000"/>
+                </a:solidFill>
+                <a:uFill>
+                  <a:solidFill>
+                    <a:srgbClr val="ffffff"/>
+                  </a:solidFill>
+                </a:uFill>
+                <a:latin typeface="Arial"/>
+              </a:rPr>
+              <a:t>title text </a:t>
+            </a:r>
+            <a:r>
+              <a:rPr b="0" lang="en-IN" sz="4400" spc="-1" strike="noStrike">
+                <a:solidFill>
+                  <a:srgbClr val="000000"/>
+                </a:solidFill>
+                <a:uFill>
+                  <a:solidFill>
+                    <a:srgbClr val="ffffff"/>
+                  </a:solidFill>
+                </a:uFill>
+                <a:latin typeface="Arial"/>
+              </a:rPr>
+              <a:t>format</a:t>
             </a:r>
             <a:endParaRPr b="0" lang="en-IN" sz="4400" spc="-1" strike="noStrike">
               <a:solidFill>
@@ -11332,7 +11590,7 @@
       </p:sp>
       <p:sp>
         <p:nvSpPr>
-          <p:cNvPr id="155" name="PlaceHolder 5"/>
+          <p:cNvPr id="191" name="PlaceHolder 5"/>
           <p:cNvSpPr>
             <a:spLocks noGrp="1"/>
           </p:cNvSpPr>
@@ -11602,374 +11860,18 @@
   </p:cSld>
   <p:clrMap bg1="lt1" bg2="lt2" tx1="dk1" tx2="dk2" accent1="accent1" accent2="accent2" accent3="accent3" accent4="accent4" accent5="accent5" accent6="accent6" hlink="hlink" folHlink="folHlink"/>
   <p:sldLayoutIdLst>
-    <p:sldLayoutId id="2147483701" r:id="rId5"/>
-    <p:sldLayoutId id="2147483702" r:id="rId6"/>
-    <p:sldLayoutId id="2147483703" r:id="rId7"/>
-    <p:sldLayoutId id="2147483704" r:id="rId8"/>
-    <p:sldLayoutId id="2147483705" r:id="rId9"/>
-    <p:sldLayoutId id="2147483706" r:id="rId10"/>
-    <p:sldLayoutId id="2147483707" r:id="rId11"/>
-    <p:sldLayoutId id="2147483708" r:id="rId12"/>
-    <p:sldLayoutId id="2147483709" r:id="rId13"/>
-    <p:sldLayoutId id="2147483710" r:id="rId14"/>
-    <p:sldLayoutId id="2147483711" r:id="rId15"/>
-    <p:sldLayoutId id="2147483712" r:id="rId16"/>
-  </p:sldLayoutIdLst>
-</p:sldMaster>
-</file>
-
-<file path=ppt/slideMasters/slideMaster6.xml><?xml version="1.0" encoding="utf-8"?>
-<p:sldMaster xmlns:a="http://schemas.openxmlformats.org/drawingml/2006/main" xmlns:p="http://schemas.openxmlformats.org/presentationml/2006/main" xmlns:r="http://schemas.openxmlformats.org/officeDocument/2006/relationships" xmlns:p14="http://schemas.microsoft.com/office/powerpoint/2010/main" xmlns:p15="http://schemas.microsoft.com/office/powerpoint/2012/main" xmlns:mc="http://schemas.openxmlformats.org/markup-compatibility/2006">
-  <p:cSld>
-    <p:spTree>
-      <p:nvGrpSpPr>
-        <p:cNvPr id="1" name=""/>
-        <p:cNvGrpSpPr/>
-        <p:nvPr/>
-      </p:nvGrpSpPr>
-      <p:grpSpPr>
-        <a:xfrm>
-          <a:off x="0" y="0"/>
-          <a:ext cx="0" cy="0"/>
-          <a:chOff x="0" y="0"/>
-          <a:chExt cx="0" cy="0"/>
-        </a:xfrm>
-      </p:grpSpPr>
-      <p:sp>
-        <p:nvSpPr>
-          <p:cNvPr id="190" name="PlaceHolder 1"/>
-          <p:cNvSpPr>
-            <a:spLocks noGrp="1"/>
-          </p:cNvSpPr>
-          <p:nvPr>
-            <p:ph type="title"/>
-          </p:nvPr>
-        </p:nvSpPr>
-        <p:spPr>
-          <a:xfrm>
-            <a:off x="504000" y="301320"/>
-            <a:ext cx="9072000" cy="1261800"/>
-          </a:xfrm>
-          <a:prstGeom prst="rect">
-            <a:avLst/>
-          </a:prstGeom>
-        </p:spPr>
-        <p:txBody>
-          <a:bodyPr lIns="0" rIns="0" tIns="0" bIns="0" anchor="ctr"/>
-          <a:p>
-            <a:pPr algn="ctr"/>
-            <a:r>
-              <a:rPr b="0" lang="en-IN" sz="4400" spc="-1" strike="noStrike">
-                <a:solidFill>
-                  <a:srgbClr val="000000"/>
-                </a:solidFill>
-                <a:uFill>
-                  <a:solidFill>
-                    <a:srgbClr val="ffffff"/>
-                  </a:solidFill>
-                </a:uFill>
-                <a:latin typeface="Arial"/>
-              </a:rPr>
-              <a:t>Click to edit the title text format</a:t>
-            </a:r>
-            <a:endParaRPr b="0" lang="en-IN" sz="4400" spc="-1" strike="noStrike">
-              <a:solidFill>
-                <a:srgbClr val="000000"/>
-              </a:solidFill>
-              <a:uFill>
-                <a:solidFill>
-                  <a:srgbClr val="ffffff"/>
-                </a:solidFill>
-              </a:uFill>
-              <a:latin typeface="Arial"/>
-            </a:endParaRPr>
-          </a:p>
-        </p:txBody>
-      </p:sp>
-      <p:sp>
-        <p:nvSpPr>
-          <p:cNvPr id="191" name="PlaceHolder 2"/>
-          <p:cNvSpPr>
-            <a:spLocks noGrp="1"/>
-          </p:cNvSpPr>
-          <p:nvPr>
-            <p:ph type="body"/>
-          </p:nvPr>
-        </p:nvSpPr>
-        <p:spPr>
-          <a:xfrm>
-            <a:off x="504000" y="1768680"/>
-            <a:ext cx="9072000" cy="4384080"/>
-          </a:xfrm>
-          <a:prstGeom prst="rect">
-            <a:avLst/>
-          </a:prstGeom>
-        </p:spPr>
-        <p:txBody>
-          <a:bodyPr lIns="0" rIns="0" tIns="0" bIns="0"/>
-          <a:p>
-            <a:pPr marL="432000" indent="-324000">
-              <a:buClr>
-                <a:srgbClr val="000000"/>
-              </a:buClr>
-              <a:buSzPct val="45000"/>
-              <a:buFont typeface="Wingdings" charset="2"/>
-              <a:buChar char=""/>
-            </a:pPr>
-            <a:r>
-              <a:rPr b="0" lang="en-IN" sz="3200" spc="-1" strike="noStrike">
-                <a:solidFill>
-                  <a:srgbClr val="000000"/>
-                </a:solidFill>
-                <a:uFill>
-                  <a:solidFill>
-                    <a:srgbClr val="ffffff"/>
-                  </a:solidFill>
-                </a:uFill>
-                <a:latin typeface="Arial"/>
-              </a:rPr>
-              <a:t>Click to edit the outline text format</a:t>
-            </a:r>
-            <a:endParaRPr b="0" lang="en-IN" sz="3200" spc="-1" strike="noStrike">
-              <a:solidFill>
-                <a:srgbClr val="000000"/>
-              </a:solidFill>
-              <a:uFill>
-                <a:solidFill>
-                  <a:srgbClr val="ffffff"/>
-                </a:solidFill>
-              </a:uFill>
-              <a:latin typeface="Arial"/>
-            </a:endParaRPr>
-          </a:p>
-          <a:p>
-            <a:pPr lvl="1" marL="864000" indent="-324000">
-              <a:buClr>
-                <a:srgbClr val="000000"/>
-              </a:buClr>
-              <a:buSzPct val="75000"/>
-              <a:buFont typeface="Symbol" charset="2"/>
-              <a:buChar char=""/>
-            </a:pPr>
-            <a:r>
-              <a:rPr b="0" lang="en-IN" sz="2800" spc="-1" strike="noStrike">
-                <a:solidFill>
-                  <a:srgbClr val="000000"/>
-                </a:solidFill>
-                <a:uFill>
-                  <a:solidFill>
-                    <a:srgbClr val="ffffff"/>
-                  </a:solidFill>
-                </a:uFill>
-                <a:latin typeface="Arial"/>
-              </a:rPr>
-              <a:t>Second Outline Level</a:t>
-            </a:r>
-            <a:endParaRPr b="0" lang="en-IN" sz="2800" spc="-1" strike="noStrike">
-              <a:solidFill>
-                <a:srgbClr val="000000"/>
-              </a:solidFill>
-              <a:uFill>
-                <a:solidFill>
-                  <a:srgbClr val="ffffff"/>
-                </a:solidFill>
-              </a:uFill>
-              <a:latin typeface="Arial"/>
-            </a:endParaRPr>
-          </a:p>
-          <a:p>
-            <a:pPr lvl="2" marL="1296000" indent="-288000">
-              <a:buClr>
-                <a:srgbClr val="000000"/>
-              </a:buClr>
-              <a:buSzPct val="45000"/>
-              <a:buFont typeface="Wingdings" charset="2"/>
-              <a:buChar char=""/>
-            </a:pPr>
-            <a:r>
-              <a:rPr b="0" lang="en-IN" sz="2400" spc="-1" strike="noStrike">
-                <a:solidFill>
-                  <a:srgbClr val="000000"/>
-                </a:solidFill>
-                <a:uFill>
-                  <a:solidFill>
-                    <a:srgbClr val="ffffff"/>
-                  </a:solidFill>
-                </a:uFill>
-                <a:latin typeface="Arial"/>
-              </a:rPr>
-              <a:t>Third Outline Level</a:t>
-            </a:r>
-            <a:endParaRPr b="0" lang="en-IN" sz="2400" spc="-1" strike="noStrike">
-              <a:solidFill>
-                <a:srgbClr val="000000"/>
-              </a:solidFill>
-              <a:uFill>
-                <a:solidFill>
-                  <a:srgbClr val="ffffff"/>
-                </a:solidFill>
-              </a:uFill>
-              <a:latin typeface="Arial"/>
-            </a:endParaRPr>
-          </a:p>
-          <a:p>
-            <a:pPr lvl="3" marL="1728000" indent="-216000">
-              <a:buClr>
-                <a:srgbClr val="000000"/>
-              </a:buClr>
-              <a:buSzPct val="75000"/>
-              <a:buFont typeface="Symbol" charset="2"/>
-              <a:buChar char=""/>
-            </a:pPr>
-            <a:r>
-              <a:rPr b="0" lang="en-IN" sz="2000" spc="-1" strike="noStrike">
-                <a:solidFill>
-                  <a:srgbClr val="000000"/>
-                </a:solidFill>
-                <a:uFill>
-                  <a:solidFill>
-                    <a:srgbClr val="ffffff"/>
-                  </a:solidFill>
-                </a:uFill>
-                <a:latin typeface="Arial"/>
-              </a:rPr>
-              <a:t>Fourth Outline Level</a:t>
-            </a:r>
-            <a:endParaRPr b="0" lang="en-IN" sz="2000" spc="-1" strike="noStrike">
-              <a:solidFill>
-                <a:srgbClr val="000000"/>
-              </a:solidFill>
-              <a:uFill>
-                <a:solidFill>
-                  <a:srgbClr val="ffffff"/>
-                </a:solidFill>
-              </a:uFill>
-              <a:latin typeface="Arial"/>
-            </a:endParaRPr>
-          </a:p>
-          <a:p>
-            <a:pPr lvl="4" marL="2160000" indent="-216000">
-              <a:buClr>
-                <a:srgbClr val="000000"/>
-              </a:buClr>
-              <a:buSzPct val="45000"/>
-              <a:buFont typeface="Wingdings" charset="2"/>
-              <a:buChar char=""/>
-            </a:pPr>
-            <a:r>
-              <a:rPr b="0" lang="en-IN" sz="2000" spc="-1" strike="noStrike">
-                <a:solidFill>
-                  <a:srgbClr val="000000"/>
-                </a:solidFill>
-                <a:uFill>
-                  <a:solidFill>
-                    <a:srgbClr val="ffffff"/>
-                  </a:solidFill>
-                </a:uFill>
-                <a:latin typeface="Arial"/>
-              </a:rPr>
-              <a:t>Fifth Outline Level</a:t>
-            </a:r>
-            <a:endParaRPr b="0" lang="en-IN" sz="2000" spc="-1" strike="noStrike">
-              <a:solidFill>
-                <a:srgbClr val="000000"/>
-              </a:solidFill>
-              <a:uFill>
-                <a:solidFill>
-                  <a:srgbClr val="ffffff"/>
-                </a:solidFill>
-              </a:uFill>
-              <a:latin typeface="Arial"/>
-            </a:endParaRPr>
-          </a:p>
-          <a:p>
-            <a:pPr lvl="5" marL="2592000" indent="-216000">
-              <a:buClr>
-                <a:srgbClr val="000000"/>
-              </a:buClr>
-              <a:buSzPct val="45000"/>
-              <a:buFont typeface="Wingdings" charset="2"/>
-              <a:buChar char=""/>
-            </a:pPr>
-            <a:r>
-              <a:rPr b="0" lang="en-IN" sz="2000" spc="-1" strike="noStrike">
-                <a:solidFill>
-                  <a:srgbClr val="000000"/>
-                </a:solidFill>
-                <a:uFill>
-                  <a:solidFill>
-                    <a:srgbClr val="ffffff"/>
-                  </a:solidFill>
-                </a:uFill>
-                <a:latin typeface="Arial"/>
-              </a:rPr>
-              <a:t>Sixth Outline Level</a:t>
-            </a:r>
-            <a:endParaRPr b="0" lang="en-IN" sz="2000" spc="-1" strike="noStrike">
-              <a:solidFill>
-                <a:srgbClr val="000000"/>
-              </a:solidFill>
-              <a:uFill>
-                <a:solidFill>
-                  <a:srgbClr val="ffffff"/>
-                </a:solidFill>
-              </a:uFill>
-              <a:latin typeface="Arial"/>
-            </a:endParaRPr>
-          </a:p>
-          <a:p>
-            <a:pPr lvl="6" marL="3024000" indent="-216000">
-              <a:buClr>
-                <a:srgbClr val="000000"/>
-              </a:buClr>
-              <a:buSzPct val="45000"/>
-              <a:buFont typeface="Wingdings" charset="2"/>
-              <a:buChar char=""/>
-            </a:pPr>
-            <a:r>
-              <a:rPr b="0" lang="en-IN" sz="2000" spc="-1" strike="noStrike">
-                <a:solidFill>
-                  <a:srgbClr val="000000"/>
-                </a:solidFill>
-                <a:uFill>
-                  <a:solidFill>
-                    <a:srgbClr val="ffffff"/>
-                  </a:solidFill>
-                </a:uFill>
-                <a:latin typeface="Arial"/>
-              </a:rPr>
-              <a:t>Seventh Outline Level</a:t>
-            </a:r>
-            <a:endParaRPr b="0" lang="en-IN" sz="2000" spc="-1" strike="noStrike">
-              <a:solidFill>
-                <a:srgbClr val="000000"/>
-              </a:solidFill>
-              <a:uFill>
-                <a:solidFill>
-                  <a:srgbClr val="ffffff"/>
-                </a:solidFill>
-              </a:uFill>
-              <a:latin typeface="Arial"/>
-            </a:endParaRPr>
-          </a:p>
-        </p:txBody>
-      </p:sp>
-    </p:spTree>
-  </p:cSld>
-  <p:clrMap bg1="lt1" bg2="lt2" tx1="dk1" tx2="dk2" accent1="accent1" accent2="accent2" accent3="accent3" accent4="accent4" accent5="accent5" accent6="accent6" hlink="hlink" folHlink="folHlink"/>
-  <p:sldLayoutIdLst>
-    <p:sldLayoutId id="2147483714" r:id="rId2"/>
-    <p:sldLayoutId id="2147483715" r:id="rId3"/>
-    <p:sldLayoutId id="2147483716" r:id="rId4"/>
-    <p:sldLayoutId id="2147483717" r:id="rId5"/>
-    <p:sldLayoutId id="2147483718" r:id="rId6"/>
-    <p:sldLayoutId id="2147483719" r:id="rId7"/>
-    <p:sldLayoutId id="2147483720" r:id="rId8"/>
-    <p:sldLayoutId id="2147483721" r:id="rId9"/>
-    <p:sldLayoutId id="2147483722" r:id="rId10"/>
-    <p:sldLayoutId id="2147483723" r:id="rId11"/>
-    <p:sldLayoutId id="2147483724" r:id="rId12"/>
-    <p:sldLayoutId id="2147483725" r:id="rId13"/>
+    <p:sldLayoutId id="2147483714" r:id="rId5"/>
+    <p:sldLayoutId id="2147483715" r:id="rId6"/>
+    <p:sldLayoutId id="2147483716" r:id="rId7"/>
+    <p:sldLayoutId id="2147483717" r:id="rId8"/>
+    <p:sldLayoutId id="2147483718" r:id="rId9"/>
+    <p:sldLayoutId id="2147483719" r:id="rId10"/>
+    <p:sldLayoutId id="2147483720" r:id="rId11"/>
+    <p:sldLayoutId id="2147483721" r:id="rId12"/>
+    <p:sldLayoutId id="2147483722" r:id="rId13"/>
+    <p:sldLayoutId id="2147483723" r:id="rId14"/>
+    <p:sldLayoutId id="2147483724" r:id="rId15"/>
+    <p:sldLayoutId id="2147483725" r:id="rId16"/>
   </p:sldLayoutIdLst>
 </p:sldMaster>
 </file>
@@ -12000,7 +11902,7 @@
         <p:spPr>
           <a:xfrm>
             <a:off x="503640" y="1768680"/>
-            <a:ext cx="9069480" cy="4382280"/>
+            <a:ext cx="9068760" cy="4381560"/>
           </a:xfrm>
           <a:prstGeom prst="rect">
             <a:avLst/>
@@ -12162,7 +12064,7 @@
         <p:spPr>
           <a:xfrm>
             <a:off x="504000" y="147600"/>
-            <a:ext cx="9285480" cy="939600"/>
+            <a:ext cx="9284760" cy="938880"/>
           </a:xfrm>
           <a:prstGeom prst="rect">
             <a:avLst/>
@@ -12183,7 +12085,7 @@
           <a:p>
             <a:pPr>
               <a:lnSpc>
-                <a:spcPts val="1"/>
+                <a:spcPts val="0"/>
               </a:lnSpc>
             </a:pPr>
             <a:endParaRPr b="0" lang="en-IN" sz="1800" spc="-1" strike="noStrike">
@@ -12201,7 +12103,7 @@
           <a:p>
             <a:pPr>
               <a:lnSpc>
-                <a:spcPts val="1"/>
+                <a:spcPts val="0"/>
               </a:lnSpc>
             </a:pPr>
             <a:endParaRPr b="0" lang="en-IN" sz="1800" spc="-1" strike="noStrike">
@@ -12219,7 +12121,7 @@
           <a:p>
             <a:pPr>
               <a:lnSpc>
-                <a:spcPts val="1"/>
+                <a:spcPts val="0"/>
               </a:lnSpc>
             </a:pPr>
             <a:r>
@@ -12252,7 +12154,7 @@
           <a:p>
             <a:pPr>
               <a:lnSpc>
-                <a:spcPts val="1"/>
+                <a:spcPts val="0"/>
               </a:lnSpc>
             </a:pPr>
             <a:endParaRPr b="0" lang="en-IN" sz="1800" spc="-1" strike="noStrike">
@@ -12270,7 +12172,7 @@
           <a:p>
             <a:pPr>
               <a:lnSpc>
-                <a:spcPts val="1"/>
+                <a:spcPts val="0"/>
               </a:lnSpc>
             </a:pPr>
             <a:endParaRPr b="0" lang="en-IN" sz="1800" spc="-1" strike="noStrike">
@@ -12296,7 +12198,7 @@
         <p:spPr>
           <a:xfrm>
             <a:off x="477360" y="1037880"/>
-            <a:ext cx="9313920" cy="6233040"/>
+            <a:ext cx="9313200" cy="6232320"/>
           </a:xfrm>
           <a:prstGeom prst="rect">
             <a:avLst/>
@@ -12417,7 +12319,7 @@
             </a:endParaRPr>
           </a:p>
           <a:p>
-            <a:pPr marL="216000" indent="-214920">
+            <a:pPr marL="216000" indent="-214200">
               <a:lnSpc>
                 <a:spcPct val="100000"/>
               </a:lnSpc>
@@ -12528,7 +12430,7 @@
             </a:endParaRPr>
           </a:p>
           <a:p>
-            <a:pPr marL="216000" indent="-214920">
+            <a:pPr marL="216000" indent="-214200">
               <a:lnSpc>
                 <a:spcPct val="100000"/>
               </a:lnSpc>
@@ -12609,7 +12511,7 @@
             </a:endParaRPr>
           </a:p>
           <a:p>
-            <a:pPr marL="216000" indent="-214920">
+            <a:pPr marL="216000" indent="-214200">
               <a:lnSpc>
                 <a:spcPct val="100000"/>
               </a:lnSpc>
@@ -13850,7 +13752,7 @@
         <p:spPr>
           <a:xfrm>
             <a:off x="944640" y="6091560"/>
-            <a:ext cx="4310640" cy="747720"/>
+            <a:ext cx="4309920" cy="747000"/>
           </a:xfrm>
           <a:prstGeom prst="rect">
             <a:avLst/>
@@ -13917,7 +13819,7 @@
         <p:spPr>
           <a:xfrm>
             <a:off x="181440" y="792000"/>
-            <a:ext cx="5829840" cy="6261840"/>
+            <a:ext cx="5829120" cy="6261120"/>
           </a:xfrm>
           <a:prstGeom prst="rect">
             <a:avLst/>
@@ -13947,7 +13849,7 @@
         <p:spPr>
           <a:xfrm>
             <a:off x="0" y="0"/>
-            <a:ext cx="8133840" cy="557280"/>
+            <a:ext cx="8133120" cy="556560"/>
           </a:xfrm>
           <a:prstGeom prst="rect">
             <a:avLst/>
@@ -14009,7 +13911,7 @@
         <p:spPr>
           <a:xfrm>
             <a:off x="360000" y="1060560"/>
-            <a:ext cx="1092600" cy="2847960"/>
+            <a:ext cx="1091880" cy="2847240"/>
           </a:xfrm>
           <a:prstGeom prst="rect">
             <a:avLst/>
@@ -14040,7 +13942,7 @@
         <p:spPr>
           <a:xfrm>
             <a:off x="-5441760" y="2586600"/>
-            <a:ext cx="2867040" cy="3849840"/>
+            <a:ext cx="2866320" cy="3849120"/>
           </a:xfrm>
           <a:prstGeom prst="rect">
             <a:avLst/>
@@ -14071,7 +13973,7 @@
         <p:spPr>
           <a:xfrm>
             <a:off x="433080" y="2791080"/>
-            <a:ext cx="946800" cy="914400"/>
+            <a:ext cx="946080" cy="913680"/>
           </a:xfrm>
           <a:prstGeom prst="rect">
             <a:avLst/>
@@ -14138,7 +14040,7 @@
         <p:spPr>
           <a:xfrm>
             <a:off x="433080" y="1722240"/>
-            <a:ext cx="946800" cy="812160"/>
+            <a:ext cx="946080" cy="811440"/>
           </a:xfrm>
           <a:prstGeom prst="rect">
             <a:avLst/>
@@ -14205,7 +14107,7 @@
         <p:spPr>
           <a:xfrm>
             <a:off x="1539360" y="2027520"/>
-            <a:ext cx="2989800" cy="914400"/>
+            <a:ext cx="2989080" cy="913680"/>
           </a:xfrm>
           <a:prstGeom prst="rect">
             <a:avLst/>
@@ -14272,7 +14174,7 @@
         <p:spPr>
           <a:xfrm>
             <a:off x="1539360" y="1060560"/>
-            <a:ext cx="1483920" cy="812160"/>
+            <a:ext cx="1483200" cy="811440"/>
           </a:xfrm>
           <a:prstGeom prst="rect">
             <a:avLst/>
@@ -14339,7 +14241,7 @@
         <p:spPr>
           <a:xfrm>
             <a:off x="3144960" y="1060560"/>
-            <a:ext cx="1384560" cy="812160"/>
+            <a:ext cx="1383840" cy="811440"/>
           </a:xfrm>
           <a:prstGeom prst="rect">
             <a:avLst/>
@@ -14406,7 +14308,7 @@
         <p:spPr>
           <a:xfrm>
             <a:off x="1539360" y="3096360"/>
-            <a:ext cx="1457640" cy="812160"/>
+            <a:ext cx="1456920" cy="811440"/>
           </a:xfrm>
           <a:prstGeom prst="rect">
             <a:avLst/>
@@ -14473,7 +14375,7 @@
         <p:spPr>
           <a:xfrm>
             <a:off x="4604760" y="1060560"/>
-            <a:ext cx="1092600" cy="2847960"/>
+            <a:ext cx="1091880" cy="2847240"/>
           </a:xfrm>
           <a:prstGeom prst="rect">
             <a:avLst/>
@@ -14503,8 +14405,8 @@
         </p:nvSpPr>
         <p:spPr>
           <a:xfrm rot="1200">
-            <a:off x="4785120" y="1017000"/>
-            <a:ext cx="837360" cy="549000"/>
+            <a:off x="4784400" y="1017000"/>
+            <a:ext cx="836640" cy="548280"/>
           </a:xfrm>
           <a:prstGeom prst="rect">
             <a:avLst/>
@@ -14566,7 +14468,7 @@
         <p:spPr>
           <a:xfrm>
             <a:off x="4677840" y="2435040"/>
-            <a:ext cx="946800" cy="607680"/>
+            <a:ext cx="946080" cy="606960"/>
           </a:xfrm>
           <a:prstGeom prst="rect">
             <a:avLst/>
@@ -14633,7 +14535,7 @@
         <p:spPr>
           <a:xfrm>
             <a:off x="4677840" y="1722240"/>
-            <a:ext cx="946800" cy="556920"/>
+            <a:ext cx="946080" cy="556200"/>
           </a:xfrm>
           <a:prstGeom prst="rect">
             <a:avLst/>
@@ -14700,7 +14602,7 @@
         <p:spPr>
           <a:xfrm>
             <a:off x="3144960" y="3096360"/>
-            <a:ext cx="1384560" cy="812160"/>
+            <a:ext cx="1383840" cy="811440"/>
           </a:xfrm>
           <a:prstGeom prst="rect">
             <a:avLst/>
@@ -14767,7 +14669,7 @@
         <p:spPr>
           <a:xfrm>
             <a:off x="4677840" y="3198600"/>
-            <a:ext cx="946800" cy="607680"/>
+            <a:ext cx="946080" cy="606960"/>
           </a:xfrm>
           <a:prstGeom prst="rect">
             <a:avLst/>
@@ -14834,7 +14736,7 @@
         <p:spPr>
           <a:xfrm>
             <a:off x="2962440" y="6024240"/>
-            <a:ext cx="174240" cy="286200"/>
+            <a:ext cx="173520" cy="285480"/>
           </a:xfrm>
           <a:prstGeom prst="upDownArrow">
             <a:avLst>
@@ -14866,7 +14768,7 @@
         <p:spPr>
           <a:xfrm>
             <a:off x="2962440" y="3864600"/>
-            <a:ext cx="174240" cy="286200"/>
+            <a:ext cx="173520" cy="285480"/>
           </a:xfrm>
           <a:prstGeom prst="upDownArrow">
             <a:avLst>
@@ -14897,8 +14799,8 @@
         </p:nvSpPr>
         <p:spPr>
           <a:xfrm rot="1200">
-            <a:off x="394200" y="861840"/>
-            <a:ext cx="1099440" cy="549000"/>
+            <a:off x="393480" y="861120"/>
+            <a:ext cx="1098720" cy="548280"/>
           </a:xfrm>
           <a:prstGeom prst="rect">
             <a:avLst/>
@@ -14978,7 +14880,7 @@
         <p:spPr>
           <a:xfrm>
             <a:off x="1028520" y="4209120"/>
-            <a:ext cx="4310640" cy="1755720"/>
+            <a:ext cx="4309920" cy="1755000"/>
           </a:xfrm>
           <a:prstGeom prst="rect">
             <a:avLst/>
@@ -15045,7 +14947,7 @@
         <p:spPr>
           <a:xfrm>
             <a:off x="2561400" y="4154040"/>
-            <a:ext cx="1092240" cy="404280"/>
+            <a:ext cx="1091520" cy="403560"/>
           </a:xfrm>
           <a:prstGeom prst="rect">
             <a:avLst/>
@@ -15107,7 +15009,7 @@
         <p:spPr>
           <a:xfrm>
             <a:off x="4035600" y="4491720"/>
-            <a:ext cx="1239120" cy="1472400"/>
+            <a:ext cx="1238400" cy="1471680"/>
           </a:xfrm>
           <a:prstGeom prst="rect">
             <a:avLst/>
@@ -15174,7 +15076,7 @@
         <p:spPr>
           <a:xfrm>
             <a:off x="1163160" y="5328720"/>
-            <a:ext cx="702720" cy="563040"/>
+            <a:ext cx="702000" cy="562320"/>
           </a:xfrm>
           <a:prstGeom prst="rect">
             <a:avLst/>
@@ -15241,7 +15143,7 @@
         <p:spPr>
           <a:xfrm>
             <a:off x="1164240" y="4882680"/>
-            <a:ext cx="1457640" cy="404280"/>
+            <a:ext cx="1456920" cy="403560"/>
           </a:xfrm>
           <a:prstGeom prst="rect">
             <a:avLst/>
@@ -15308,7 +15210,7 @@
         <p:spPr>
           <a:xfrm>
             <a:off x="1919160" y="5328720"/>
-            <a:ext cx="702720" cy="563040"/>
+            <a:ext cx="702000" cy="562320"/>
           </a:xfrm>
           <a:prstGeom prst="rect">
             <a:avLst/>
@@ -15375,7 +15277,7 @@
         <p:spPr>
           <a:xfrm>
             <a:off x="360000" y="1060560"/>
-            <a:ext cx="1092600" cy="2847960"/>
+            <a:ext cx="1091880" cy="2847240"/>
           </a:xfrm>
           <a:prstGeom prst="rect">
             <a:avLst/>
@@ -15406,7 +15308,7 @@
         <p:spPr>
           <a:xfrm>
             <a:off x="433080" y="2791080"/>
-            <a:ext cx="946800" cy="914400"/>
+            <a:ext cx="946080" cy="913680"/>
           </a:xfrm>
           <a:prstGeom prst="rect">
             <a:avLst/>
@@ -15473,7 +15375,7 @@
         <p:spPr>
           <a:xfrm>
             <a:off x="433080" y="1722240"/>
-            <a:ext cx="946800" cy="812160"/>
+            <a:ext cx="946080" cy="811440"/>
           </a:xfrm>
           <a:prstGeom prst="rect">
             <a:avLst/>
@@ -15540,7 +15442,7 @@
         <p:spPr>
           <a:xfrm>
             <a:off x="1539360" y="1060560"/>
-            <a:ext cx="1483920" cy="812160"/>
+            <a:ext cx="1483200" cy="811440"/>
           </a:xfrm>
           <a:prstGeom prst="rect">
             <a:avLst/>
@@ -15607,7 +15509,7 @@
         <p:spPr>
           <a:xfrm>
             <a:off x="3144960" y="1060560"/>
-            <a:ext cx="1384560" cy="812160"/>
+            <a:ext cx="1383840" cy="811440"/>
           </a:xfrm>
           <a:prstGeom prst="rect">
             <a:avLst/>
@@ -15674,7 +15576,7 @@
         <p:spPr>
           <a:xfrm>
             <a:off x="1539360" y="3096360"/>
-            <a:ext cx="1457640" cy="812160"/>
+            <a:ext cx="1456920" cy="811440"/>
           </a:xfrm>
           <a:prstGeom prst="rect">
             <a:avLst/>
@@ -15741,7 +15643,7 @@
         <p:spPr>
           <a:xfrm>
             <a:off x="4604760" y="1060560"/>
-            <a:ext cx="1092600" cy="2847960"/>
+            <a:ext cx="1091880" cy="2847240"/>
           </a:xfrm>
           <a:prstGeom prst="rect">
             <a:avLst/>
@@ -15771,8 +15673,8 @@
         </p:nvSpPr>
         <p:spPr>
           <a:xfrm rot="1200">
-            <a:off x="4785120" y="1017000"/>
-            <a:ext cx="837360" cy="549000"/>
+            <a:off x="4784400" y="1017000"/>
+            <a:ext cx="836640" cy="548280"/>
           </a:xfrm>
           <a:prstGeom prst="rect">
             <a:avLst/>
@@ -15834,7 +15736,7 @@
         <p:spPr>
           <a:xfrm>
             <a:off x="4677840" y="2435040"/>
-            <a:ext cx="946800" cy="607680"/>
+            <a:ext cx="946080" cy="606960"/>
           </a:xfrm>
           <a:prstGeom prst="rect">
             <a:avLst/>
@@ -15901,7 +15803,7 @@
         <p:spPr>
           <a:xfrm>
             <a:off x="4677840" y="1722240"/>
-            <a:ext cx="946800" cy="556920"/>
+            <a:ext cx="946080" cy="556200"/>
           </a:xfrm>
           <a:prstGeom prst="rect">
             <a:avLst/>
@@ -15968,7 +15870,7 @@
         <p:spPr>
           <a:xfrm>
             <a:off x="4677840" y="3198600"/>
-            <a:ext cx="946800" cy="607680"/>
+            <a:ext cx="946080" cy="606960"/>
           </a:xfrm>
           <a:prstGeom prst="rect">
             <a:avLst/>
@@ -16035,7 +15937,7 @@
         <p:spPr>
           <a:xfrm>
             <a:off x="1171800" y="6348600"/>
-            <a:ext cx="1779480" cy="490680"/>
+            <a:ext cx="1778760" cy="489960"/>
           </a:xfrm>
           <a:prstGeom prst="rect">
             <a:avLst/>
@@ -16100,7 +16002,7 @@
         <p:spPr>
           <a:xfrm>
             <a:off x="2962440" y="6024240"/>
-            <a:ext cx="174240" cy="286200"/>
+            <a:ext cx="173520" cy="285480"/>
           </a:xfrm>
           <a:prstGeom prst="upDownArrow">
             <a:avLst>
@@ -16132,7 +16034,7 @@
         <p:spPr>
           <a:xfrm>
             <a:off x="2962440" y="3864600"/>
-            <a:ext cx="174240" cy="286200"/>
+            <a:ext cx="173520" cy="285480"/>
           </a:xfrm>
           <a:prstGeom prst="upDownArrow">
             <a:avLst>
@@ -16163,8 +16065,8 @@
         </p:nvSpPr>
         <p:spPr>
           <a:xfrm rot="1200">
-            <a:off x="394200" y="861840"/>
-            <a:ext cx="1099440" cy="549000"/>
+            <a:off x="393480" y="861120"/>
+            <a:ext cx="1098720" cy="548280"/>
           </a:xfrm>
           <a:prstGeom prst="rect">
             <a:avLst/>
@@ -16244,7 +16146,7 @@
         <p:spPr>
           <a:xfrm>
             <a:off x="2561400" y="4154040"/>
-            <a:ext cx="1092240" cy="404280"/>
+            <a:ext cx="1091520" cy="403560"/>
           </a:xfrm>
           <a:prstGeom prst="rect">
             <a:avLst/>
@@ -16306,7 +16208,7 @@
         <p:spPr>
           <a:xfrm>
             <a:off x="2735640" y="4752000"/>
-            <a:ext cx="1239120" cy="1212120"/>
+            <a:ext cx="1238400" cy="1211400"/>
           </a:xfrm>
           <a:prstGeom prst="rect">
             <a:avLst/>
@@ -16373,7 +16275,7 @@
         <p:spPr>
           <a:xfrm>
             <a:off x="1079280" y="4752000"/>
-            <a:ext cx="1596960" cy="1212120"/>
+            <a:ext cx="1596240" cy="1211400"/>
           </a:xfrm>
           <a:prstGeom prst="rect">
             <a:avLst/>
@@ -16440,7 +16342,7 @@
         <p:spPr>
           <a:xfrm>
             <a:off x="4035600" y="4752000"/>
-            <a:ext cx="1239120" cy="1212120"/>
+            <a:ext cx="1238400" cy="1211400"/>
           </a:xfrm>
           <a:prstGeom prst="rect">
             <a:avLst/>
@@ -16507,7 +16409,7 @@
         <p:spPr>
           <a:xfrm>
             <a:off x="1163160" y="5328720"/>
-            <a:ext cx="702720" cy="563040"/>
+            <a:ext cx="702000" cy="562320"/>
           </a:xfrm>
           <a:prstGeom prst="rect">
             <a:avLst/>
@@ -16574,7 +16476,7 @@
         <p:spPr>
           <a:xfrm>
             <a:off x="1164240" y="5040000"/>
-            <a:ext cx="1457640" cy="246960"/>
+            <a:ext cx="1456920" cy="246240"/>
           </a:xfrm>
           <a:prstGeom prst="rect">
             <a:avLst/>
@@ -16641,7 +16543,7 @@
         <p:spPr>
           <a:xfrm>
             <a:off x="1919160" y="5328720"/>
-            <a:ext cx="702720" cy="563040"/>
+            <a:ext cx="702000" cy="562320"/>
           </a:xfrm>
           <a:prstGeom prst="rect">
             <a:avLst/>
@@ -16708,7 +16610,7 @@
         <p:spPr>
           <a:xfrm>
             <a:off x="432000" y="7200000"/>
-            <a:ext cx="213840" cy="213840"/>
+            <a:ext cx="213120" cy="213120"/>
           </a:xfrm>
           <a:prstGeom prst="rect">
             <a:avLst/>
@@ -16738,7 +16640,7 @@
         <p:spPr>
           <a:xfrm>
             <a:off x="792000" y="7128000"/>
-            <a:ext cx="1581840" cy="344160"/>
+            <a:ext cx="1581120" cy="343440"/>
           </a:xfrm>
           <a:prstGeom prst="rect">
             <a:avLst/>
@@ -16795,7 +16697,7 @@
         <p:spPr>
           <a:xfrm>
             <a:off x="432000" y="7200000"/>
-            <a:ext cx="213840" cy="213840"/>
+            <a:ext cx="213120" cy="213120"/>
           </a:xfrm>
           <a:prstGeom prst="rect">
             <a:avLst/>
@@ -16825,7 +16727,7 @@
         <p:spPr>
           <a:xfrm>
             <a:off x="432000" y="7200000"/>
-            <a:ext cx="213840" cy="213840"/>
+            <a:ext cx="213120" cy="213120"/>
           </a:xfrm>
           <a:prstGeom prst="rect">
             <a:avLst/>
@@ -16855,7 +16757,7 @@
         <p:spPr>
           <a:xfrm>
             <a:off x="432000" y="7200000"/>
-            <a:ext cx="213840" cy="213840"/>
+            <a:ext cx="213120" cy="213120"/>
           </a:xfrm>
           <a:prstGeom prst="rect">
             <a:avLst/>
@@ -16885,7 +16787,7 @@
         <p:spPr>
           <a:xfrm>
             <a:off x="2664000" y="7200000"/>
-            <a:ext cx="213840" cy="213840"/>
+            <a:ext cx="213120" cy="213120"/>
           </a:xfrm>
           <a:prstGeom prst="rect">
             <a:avLst/>
@@ -16915,7 +16817,7 @@
         <p:spPr>
           <a:xfrm>
             <a:off x="2897640" y="7164000"/>
-            <a:ext cx="2013840" cy="501840"/>
+            <a:ext cx="2013120" cy="501120"/>
           </a:xfrm>
           <a:prstGeom prst="rect">
             <a:avLst/>
@@ -16972,7 +16874,7 @@
         <p:spPr>
           <a:xfrm>
             <a:off x="6408000" y="1080000"/>
-            <a:ext cx="3309840" cy="4439520"/>
+            <a:ext cx="3309120" cy="4438800"/>
           </a:xfrm>
           <a:prstGeom prst="rect">
             <a:avLst/>
@@ -17165,7 +17067,7 @@
         <p:spPr>
           <a:xfrm>
             <a:off x="1164240" y="5040000"/>
-            <a:ext cx="1457640" cy="246960"/>
+            <a:ext cx="1456920" cy="246240"/>
           </a:xfrm>
           <a:prstGeom prst="rect">
             <a:avLst/>
@@ -17232,7 +17134,7 @@
         <p:spPr>
           <a:xfrm>
             <a:off x="1164240" y="5040000"/>
-            <a:ext cx="1457640" cy="246960"/>
+            <a:ext cx="1456920" cy="246240"/>
           </a:xfrm>
           <a:prstGeom prst="rect">
             <a:avLst/>
@@ -17299,7 +17201,7 @@
         <p:spPr>
           <a:xfrm>
             <a:off x="1079280" y="4392000"/>
-            <a:ext cx="4195440" cy="246960"/>
+            <a:ext cx="4194720" cy="246240"/>
           </a:xfrm>
           <a:prstGeom prst="rect">
             <a:avLst/>
@@ -17366,7 +17268,7 @@
         <p:spPr>
           <a:xfrm>
             <a:off x="3259800" y="6333120"/>
-            <a:ext cx="1779480" cy="506160"/>
+            <a:ext cx="1778760" cy="505440"/>
           </a:xfrm>
           <a:prstGeom prst="rect">
             <a:avLst/>
@@ -17480,7 +17382,7 @@
         <p:spPr>
           <a:xfrm>
             <a:off x="504000" y="147600"/>
-            <a:ext cx="9285840" cy="939960"/>
+            <a:ext cx="9285120" cy="939240"/>
           </a:xfrm>
           <a:prstGeom prst="rect">
             <a:avLst/>
@@ -17501,7 +17403,7 @@
           <a:p>
             <a:pPr>
               <a:lnSpc>
-                <a:spcPts val="2"/>
+                <a:spcPts val="0"/>
               </a:lnSpc>
             </a:pPr>
             <a:r>
@@ -17546,7 +17448,7 @@
         <p:spPr>
           <a:xfrm>
             <a:off x="363600" y="1227240"/>
-            <a:ext cx="9355680" cy="4895280"/>
+            <a:ext cx="9354960" cy="4894560"/>
           </a:xfrm>
           <a:prstGeom prst="rect">
             <a:avLst/>
@@ -17565,7 +17467,7 @@
         <p:spPr>
           <a:xfrm>
             <a:off x="432000" y="6408000"/>
-            <a:ext cx="8999280" cy="345600"/>
+            <a:ext cx="8998560" cy="344880"/>
           </a:xfrm>
           <a:prstGeom prst="rect">
             <a:avLst/>
@@ -17671,7 +17573,7 @@
         <p:spPr>
           <a:xfrm>
             <a:off x="504000" y="-68400"/>
-            <a:ext cx="9285480" cy="939600"/>
+            <a:ext cx="9284760" cy="938880"/>
           </a:xfrm>
           <a:prstGeom prst="rect">
             <a:avLst/>
@@ -17692,7 +17594,7 @@
           <a:p>
             <a:pPr>
               <a:lnSpc>
-                <a:spcPts val="1"/>
+                <a:spcPts val="0"/>
               </a:lnSpc>
             </a:pPr>
             <a:r>
@@ -17733,7 +17635,7 @@
         <p:spPr>
           <a:xfrm>
             <a:off x="504000" y="720000"/>
-            <a:ext cx="8998560" cy="6965280"/>
+            <a:ext cx="8997840" cy="6964560"/>
           </a:xfrm>
           <a:prstGeom prst="rect">
             <a:avLst/>
@@ -17752,7 +17654,7 @@
         <p:txBody>
           <a:bodyPr lIns="90000" rIns="90000" tIns="45000" bIns="45000"/>
           <a:p>
-            <a:pPr marL="216000" indent="-214920">
+            <a:pPr marL="216000" indent="-214200">
               <a:lnSpc>
                 <a:spcPct val="100000"/>
               </a:lnSpc>
@@ -17761,7 +17663,7 @@
               </a:buBlip>
             </a:pPr>
             <a:r>
-              <a:rPr b="0" lang="en-IN" sz="2000" spc="-1" strike="noStrike">
+              <a:rPr b="0" lang="en-IN" sz="2200" spc="-1" strike="noStrike">
                 <a:solidFill>
                   <a:srgbClr val="000000"/>
                 </a:solidFill>
@@ -17788,7 +17690,7 @@
             </a:endParaRPr>
           </a:p>
           <a:p>
-            <a:pPr lvl="1" marL="432000" indent="-214920">
+            <a:pPr lvl="1" marL="432000" indent="-214200">
               <a:lnSpc>
                 <a:spcPct val="100000"/>
               </a:lnSpc>
@@ -17797,7 +17699,7 @@
               </a:buBlip>
             </a:pPr>
             <a:r>
-              <a:rPr b="0" lang="en-IN" sz="1600" spc="-1" strike="noStrike">
+              <a:rPr b="0" lang="en-IN" sz="1800" spc="-1" strike="noStrike">
                 <a:solidFill>
                   <a:srgbClr val="000000"/>
                 </a:solidFill>
@@ -17824,7 +17726,7 @@
             </a:endParaRPr>
           </a:p>
           <a:p>
-            <a:pPr marL="216000" indent="-214920">
+            <a:pPr marL="216000" indent="-214200">
               <a:lnSpc>
                 <a:spcPct val="100000"/>
               </a:lnSpc>
@@ -17833,43 +17735,7 @@
               </a:buBlip>
             </a:pPr>
             <a:r>
-              <a:rPr b="0" lang="en-IN" sz="1800" spc="-1" strike="noStrike">
-                <a:solidFill>
-                  <a:srgbClr val="000000"/>
-                </a:solidFill>
-                <a:uFill>
-                  <a:solidFill>
-                    <a:srgbClr val="ffffff"/>
-                  </a:solidFill>
-                </a:uFill>
-                <a:latin typeface="Arial"/>
-                <a:ea typeface="Noto Sans CJK SC Regular"/>
-              </a:rPr>
-              <a:t> </a:t>
-            </a:r>
-            <a:endParaRPr b="0" lang="en-IN" sz="1800" spc="-1" strike="noStrike">
-              <a:solidFill>
-                <a:srgbClr val="000000"/>
-              </a:solidFill>
-              <a:uFill>
-                <a:solidFill>
-                  <a:srgbClr val="ffffff"/>
-                </a:solidFill>
-              </a:uFill>
-              <a:latin typeface="Arial"/>
-            </a:endParaRPr>
-          </a:p>
-          <a:p>
-            <a:pPr marL="216000" indent="-214920">
-              <a:lnSpc>
-                <a:spcPct val="100000"/>
-              </a:lnSpc>
-              <a:buBlip>
-                <a:blip r:embed="rId4"/>
-              </a:buBlip>
-            </a:pPr>
-            <a:r>
-              <a:rPr b="0" lang="en-IN" sz="2000" spc="-1" strike="noStrike">
+              <a:rPr b="0" lang="en-IN" sz="2200" spc="-1" strike="noStrike">
                 <a:solidFill>
                   <a:srgbClr val="000000"/>
                 </a:solidFill>
@@ -17896,16 +17762,16 @@
             </a:endParaRPr>
           </a:p>
           <a:p>
-            <a:pPr lvl="1" marL="432000" indent="-214920">
+            <a:pPr lvl="1" marL="432000" indent="-214200">
               <a:lnSpc>
                 <a:spcPct val="100000"/>
               </a:lnSpc>
               <a:buBlip>
-                <a:blip r:embed="rId5"/>
+                <a:blip r:embed="rId4"/>
               </a:buBlip>
             </a:pPr>
             <a:r>
-              <a:rPr b="0" lang="en-IN" sz="1600" spc="-1" strike="noStrike">
+              <a:rPr b="0" lang="en-IN" sz="1800" spc="-1" strike="noStrike">
                 <a:solidFill>
                   <a:srgbClr val="000000"/>
                 </a:solidFill>
@@ -17932,16 +17798,16 @@
             </a:endParaRPr>
           </a:p>
           <a:p>
-            <a:pPr lvl="1" marL="432000" indent="-214920">
+            <a:pPr lvl="1" marL="432000" indent="-214200">
               <a:lnSpc>
                 <a:spcPct val="100000"/>
               </a:lnSpc>
               <a:buBlip>
-                <a:blip r:embed="rId6"/>
+                <a:blip r:embed="rId5"/>
               </a:buBlip>
             </a:pPr>
             <a:r>
-              <a:rPr b="0" lang="en-IN" sz="1600" spc="-1" strike="noStrike">
+              <a:rPr b="0" lang="en-IN" sz="1800" spc="-1" strike="noStrike">
                 <a:solidFill>
                   <a:srgbClr val="000000"/>
                 </a:solidFill>
@@ -17968,16 +17834,16 @@
             </a:endParaRPr>
           </a:p>
           <a:p>
-            <a:pPr lvl="1" marL="432000" indent="-214920">
+            <a:pPr lvl="1" marL="432000" indent="-214200">
               <a:lnSpc>
                 <a:spcPct val="100000"/>
               </a:lnSpc>
               <a:buBlip>
-                <a:blip r:embed="rId7"/>
+                <a:blip r:embed="rId6"/>
               </a:buBlip>
             </a:pPr>
             <a:r>
-              <a:rPr b="0" lang="en-IN" sz="1600" spc="-1" strike="noStrike">
+              <a:rPr b="0" lang="en-IN" sz="1800" spc="-1" strike="noStrike">
                 <a:solidFill>
                   <a:srgbClr val="000000"/>
                 </a:solidFill>
@@ -18004,16 +17870,16 @@
             </a:endParaRPr>
           </a:p>
           <a:p>
-            <a:pPr lvl="1" marL="432000" indent="-214920">
+            <a:pPr lvl="1" marL="432000" indent="-214200">
               <a:lnSpc>
                 <a:spcPct val="100000"/>
               </a:lnSpc>
               <a:buBlip>
-                <a:blip r:embed="rId8"/>
+                <a:blip r:embed="rId7"/>
               </a:buBlip>
             </a:pPr>
             <a:r>
-              <a:rPr b="0" lang="en-IN" sz="1600" spc="-1" strike="noStrike">
+              <a:rPr b="0" lang="en-IN" sz="1800" spc="-1" strike="noStrike">
                 <a:solidFill>
                   <a:srgbClr val="000000"/>
                 </a:solidFill>
@@ -18040,16 +17906,16 @@
             </a:endParaRPr>
           </a:p>
           <a:p>
-            <a:pPr lvl="1" marL="432000" indent="-214920">
+            <a:pPr lvl="1" marL="432000" indent="-214200">
               <a:lnSpc>
                 <a:spcPct val="100000"/>
               </a:lnSpc>
               <a:buBlip>
-                <a:blip r:embed="rId9"/>
+                <a:blip r:embed="rId8"/>
               </a:buBlip>
             </a:pPr>
             <a:r>
-              <a:rPr b="0" lang="en-IN" sz="1600" spc="-1" strike="noStrike">
+              <a:rPr b="0" lang="en-IN" sz="1800" spc="-1" strike="noStrike">
                 <a:solidFill>
                   <a:srgbClr val="000000"/>
                 </a:solidFill>
@@ -18076,16 +17942,16 @@
             </a:endParaRPr>
           </a:p>
           <a:p>
-            <a:pPr lvl="1" marL="432000" indent="-214920">
+            <a:pPr lvl="1" marL="432000" indent="-214200">
               <a:lnSpc>
                 <a:spcPct val="100000"/>
               </a:lnSpc>
               <a:buBlip>
-                <a:blip r:embed="rId10"/>
+                <a:blip r:embed="rId9"/>
               </a:buBlip>
             </a:pPr>
             <a:r>
-              <a:rPr b="0" lang="en-IN" sz="1600" spc="-1" strike="noStrike">
+              <a:rPr b="0" lang="en-IN" sz="1800" spc="-1" strike="noStrike">
                 <a:solidFill>
                   <a:srgbClr val="000000"/>
                 </a:solidFill>
@@ -18112,52 +17978,16 @@
             </a:endParaRPr>
           </a:p>
           <a:p>
-            <a:pPr marL="216000" indent="-214920">
+            <a:pPr marL="216000" indent="-214200">
               <a:lnSpc>
                 <a:spcPct val="100000"/>
               </a:lnSpc>
               <a:buBlip>
-                <a:blip r:embed="rId11"/>
+                <a:blip r:embed="rId10"/>
               </a:buBlip>
             </a:pPr>
             <a:r>
-              <a:rPr b="0" lang="en-IN" sz="1800" spc="-1" strike="noStrike">
-                <a:solidFill>
-                  <a:srgbClr val="000000"/>
-                </a:solidFill>
-                <a:uFill>
-                  <a:solidFill>
-                    <a:srgbClr val="ffffff"/>
-                  </a:solidFill>
-                </a:uFill>
-                <a:latin typeface="Arial"/>
-                <a:ea typeface="Noto Sans CJK SC Regular"/>
-              </a:rPr>
-              <a:t> </a:t>
-            </a:r>
-            <a:endParaRPr b="0" lang="en-IN" sz="1800" spc="-1" strike="noStrike">
-              <a:solidFill>
-                <a:srgbClr val="000000"/>
-              </a:solidFill>
-              <a:uFill>
-                <a:solidFill>
-                  <a:srgbClr val="ffffff"/>
-                </a:solidFill>
-              </a:uFill>
-              <a:latin typeface="Arial"/>
-            </a:endParaRPr>
-          </a:p>
-          <a:p>
-            <a:pPr marL="216000" indent="-214920">
-              <a:lnSpc>
-                <a:spcPct val="100000"/>
-              </a:lnSpc>
-              <a:buBlip>
-                <a:blip r:embed="rId12"/>
-              </a:buBlip>
-            </a:pPr>
-            <a:r>
-              <a:rPr b="0" lang="en-IN" sz="2000" spc="-1" strike="noStrike">
+              <a:rPr b="0" lang="en-IN" sz="2200" spc="-1" strike="noStrike">
                 <a:solidFill>
                   <a:srgbClr val="000000"/>
                 </a:solidFill>
@@ -18184,16 +18014,16 @@
             </a:endParaRPr>
           </a:p>
           <a:p>
-            <a:pPr lvl="1" marL="432000" indent="-214920">
+            <a:pPr lvl="1" marL="432000" indent="-214200">
               <a:lnSpc>
                 <a:spcPct val="100000"/>
               </a:lnSpc>
               <a:buBlip>
-                <a:blip r:embed="rId13"/>
+                <a:blip r:embed="rId11"/>
               </a:buBlip>
             </a:pPr>
             <a:r>
-              <a:rPr b="0" lang="en-IN" sz="1600" spc="-1" strike="noStrike">
+              <a:rPr b="0" lang="en-IN" sz="1800" spc="-1" strike="noStrike">
                 <a:solidFill>
                   <a:srgbClr val="000000"/>
                 </a:solidFill>
@@ -18220,16 +18050,16 @@
             </a:endParaRPr>
           </a:p>
           <a:p>
-            <a:pPr lvl="1" marL="432000" indent="-214920">
+            <a:pPr lvl="1" marL="432000" indent="-214200">
               <a:lnSpc>
                 <a:spcPct val="100000"/>
               </a:lnSpc>
               <a:buBlip>
-                <a:blip r:embed="rId14"/>
+                <a:blip r:embed="rId12"/>
               </a:buBlip>
             </a:pPr>
             <a:r>
-              <a:rPr b="0" lang="en-IN" sz="1600" spc="-1" strike="noStrike">
+              <a:rPr b="0" lang="en-IN" sz="1800" spc="-1" strike="noStrike">
                 <a:solidFill>
                   <a:srgbClr val="000000"/>
                 </a:solidFill>
@@ -18256,16 +18086,16 @@
             </a:endParaRPr>
           </a:p>
           <a:p>
-            <a:pPr lvl="1" marL="432000" indent="-214920">
+            <a:pPr lvl="1" marL="432000" indent="-214200">
               <a:lnSpc>
                 <a:spcPct val="100000"/>
               </a:lnSpc>
               <a:buBlip>
-                <a:blip r:embed="rId15"/>
+                <a:blip r:embed="rId13"/>
               </a:buBlip>
             </a:pPr>
             <a:r>
-              <a:rPr b="0" lang="en-IN" sz="1600" spc="-1" strike="noStrike">
+              <a:rPr b="0" lang="en-IN" sz="1800" spc="-1" strike="noStrike">
                 <a:solidFill>
                   <a:srgbClr val="000000"/>
                 </a:solidFill>
@@ -18292,16 +18122,16 @@
             </a:endParaRPr>
           </a:p>
           <a:p>
-            <a:pPr lvl="1" marL="432000" indent="-214920">
+            <a:pPr lvl="1" marL="432000" indent="-214200">
               <a:lnSpc>
                 <a:spcPct val="100000"/>
               </a:lnSpc>
               <a:buBlip>
-                <a:blip r:embed="rId16"/>
+                <a:blip r:embed="rId14"/>
               </a:buBlip>
             </a:pPr>
             <a:r>
-              <a:rPr b="0" lang="en-IN" sz="1600" spc="-1" strike="noStrike">
+              <a:rPr b="0" lang="en-IN" sz="1800" spc="-1" strike="noStrike">
                 <a:solidFill>
                   <a:srgbClr val="000000"/>
                 </a:solidFill>
@@ -18328,16 +18158,16 @@
             </a:endParaRPr>
           </a:p>
           <a:p>
-            <a:pPr lvl="1" marL="432000" indent="-214920">
+            <a:pPr lvl="1" marL="432000" indent="-214200">
               <a:lnSpc>
                 <a:spcPct val="100000"/>
               </a:lnSpc>
               <a:buBlip>
-                <a:blip r:embed="rId17"/>
+                <a:blip r:embed="rId15"/>
               </a:buBlip>
             </a:pPr>
             <a:r>
-              <a:rPr b="0" lang="en-IN" sz="1600" spc="-1" strike="noStrike">
+              <a:rPr b="0" lang="en-IN" sz="1800" spc="-1" strike="noStrike">
                 <a:solidFill>
                   <a:srgbClr val="000000"/>
                 </a:solidFill>
@@ -18364,52 +18194,16 @@
             </a:endParaRPr>
           </a:p>
           <a:p>
-            <a:pPr lvl="1" marL="432000" indent="-214920">
+            <a:pPr marL="216000" indent="-214200">
               <a:lnSpc>
                 <a:spcPct val="100000"/>
               </a:lnSpc>
               <a:buBlip>
-                <a:blip r:embed="rId18"/>
+                <a:blip r:embed="rId16"/>
               </a:buBlip>
             </a:pPr>
             <a:r>
-              <a:rPr b="0" lang="en-IN" sz="1400" spc="-1" strike="noStrike">
-                <a:solidFill>
-                  <a:srgbClr val="000000"/>
-                </a:solidFill>
-                <a:uFill>
-                  <a:solidFill>
-                    <a:srgbClr val="ffffff"/>
-                  </a:solidFill>
-                </a:uFill>
-                <a:latin typeface="Arial"/>
-                <a:ea typeface="Noto Sans CJK SC Regular"/>
-              </a:rPr>
-              <a:t> </a:t>
-            </a:r>
-            <a:endParaRPr b="0" lang="en-IN" sz="1800" spc="-1" strike="noStrike">
-              <a:solidFill>
-                <a:srgbClr val="000000"/>
-              </a:solidFill>
-              <a:uFill>
-                <a:solidFill>
-                  <a:srgbClr val="ffffff"/>
-                </a:solidFill>
-              </a:uFill>
-              <a:latin typeface="Arial"/>
-            </a:endParaRPr>
-          </a:p>
-          <a:p>
-            <a:pPr marL="216000" indent="-214920">
-              <a:lnSpc>
-                <a:spcPct val="100000"/>
-              </a:lnSpc>
-              <a:buBlip>
-                <a:blip r:embed="rId19"/>
-              </a:buBlip>
-            </a:pPr>
-            <a:r>
-              <a:rPr b="0" lang="en-IN" sz="2000" spc="-1" strike="noStrike">
+              <a:rPr b="0" lang="en-IN" sz="2200" spc="-1" strike="noStrike">
                 <a:solidFill>
                   <a:srgbClr val="000000"/>
                 </a:solidFill>
@@ -18436,16 +18230,16 @@
             </a:endParaRPr>
           </a:p>
           <a:p>
-            <a:pPr lvl="1" marL="432000" indent="-214920">
+            <a:pPr lvl="1" marL="432000" indent="-214200">
               <a:lnSpc>
                 <a:spcPct val="100000"/>
               </a:lnSpc>
               <a:buBlip>
-                <a:blip r:embed="rId20"/>
+                <a:blip r:embed="rId17"/>
               </a:buBlip>
             </a:pPr>
             <a:r>
-              <a:rPr b="0" lang="en-IN" sz="1600" spc="-1" strike="noStrike">
+              <a:rPr b="0" lang="en-IN" sz="1800" spc="-1" strike="noStrike">
                 <a:solidFill>
                   <a:srgbClr val="000000"/>
                 </a:solidFill>
@@ -18472,52 +18266,16 @@
             </a:endParaRPr>
           </a:p>
           <a:p>
-            <a:pPr lvl="1" marL="432000" indent="-214920">
+            <a:pPr marL="216000" indent="-214200">
               <a:lnSpc>
                 <a:spcPct val="100000"/>
               </a:lnSpc>
               <a:buBlip>
-                <a:blip r:embed="rId21"/>
+                <a:blip r:embed="rId18"/>
               </a:buBlip>
             </a:pPr>
             <a:r>
-              <a:rPr b="0" lang="en-IN" sz="1400" spc="-1" strike="noStrike">
-                <a:solidFill>
-                  <a:srgbClr val="000000"/>
-                </a:solidFill>
-                <a:uFill>
-                  <a:solidFill>
-                    <a:srgbClr val="ffffff"/>
-                  </a:solidFill>
-                </a:uFill>
-                <a:latin typeface="Arial"/>
-                <a:ea typeface="Noto Sans CJK SC Regular"/>
-              </a:rPr>
-              <a:t> </a:t>
-            </a:r>
-            <a:endParaRPr b="0" lang="en-IN" sz="1800" spc="-1" strike="noStrike">
-              <a:solidFill>
-                <a:srgbClr val="000000"/>
-              </a:solidFill>
-              <a:uFill>
-                <a:solidFill>
-                  <a:srgbClr val="ffffff"/>
-                </a:solidFill>
-              </a:uFill>
-              <a:latin typeface="Arial"/>
-            </a:endParaRPr>
-          </a:p>
-          <a:p>
-            <a:pPr marL="216000" indent="-214920">
-              <a:lnSpc>
-                <a:spcPct val="100000"/>
-              </a:lnSpc>
-              <a:buBlip>
-                <a:blip r:embed="rId22"/>
-              </a:buBlip>
-            </a:pPr>
-            <a:r>
-              <a:rPr b="0" lang="en-IN" sz="2000" spc="-1" strike="noStrike">
+              <a:rPr b="0" lang="en-IN" sz="2200" spc="-1" strike="noStrike">
                 <a:solidFill>
                   <a:srgbClr val="000000"/>
                 </a:solidFill>
@@ -18544,16 +18302,16 @@
             </a:endParaRPr>
           </a:p>
           <a:p>
-            <a:pPr lvl="1" marL="432000" indent="-214920">
+            <a:pPr lvl="1" marL="432000" indent="-214200">
               <a:lnSpc>
                 <a:spcPct val="100000"/>
               </a:lnSpc>
               <a:buBlip>
-                <a:blip r:embed="rId23"/>
+                <a:blip r:embed="rId19"/>
               </a:buBlip>
             </a:pPr>
             <a:r>
-              <a:rPr b="0" lang="en-IN" sz="1600" spc="-1" strike="noStrike">
+              <a:rPr b="0" lang="en-IN" sz="1800" spc="-1" strike="noStrike">
                 <a:solidFill>
                   <a:srgbClr val="000000"/>
                 </a:solidFill>
@@ -18566,42 +18324,6 @@
                 <a:ea typeface="Noto Sans CJK SC Regular"/>
               </a:rPr>
               <a:t>Provide a button in mecm portal to syncronize app instance info from edge to mecm-appo/inventory</a:t>
-            </a:r>
-            <a:endParaRPr b="0" lang="en-IN" sz="1800" spc="-1" strike="noStrike">
-              <a:solidFill>
-                <a:srgbClr val="000000"/>
-              </a:solidFill>
-              <a:uFill>
-                <a:solidFill>
-                  <a:srgbClr val="ffffff"/>
-                </a:solidFill>
-              </a:uFill>
-              <a:latin typeface="Arial"/>
-            </a:endParaRPr>
-          </a:p>
-          <a:p>
-            <a:pPr marL="216000" indent="-214920">
-              <a:lnSpc>
-                <a:spcPct val="100000"/>
-              </a:lnSpc>
-              <a:buBlip>
-                <a:blip r:embed="rId24"/>
-              </a:buBlip>
-            </a:pPr>
-            <a:r>
-              <a:rPr b="0" lang="en-IN" sz="2200" spc="-1" strike="noStrike">
-                <a:solidFill>
-                  <a:srgbClr val="000000"/>
-                </a:solidFill>
-                <a:uFill>
-                  <a:solidFill>
-                    <a:srgbClr val="ffffff"/>
-                  </a:solidFill>
-                </a:uFill>
-                <a:latin typeface="Arial"/>
-                <a:ea typeface="Noto Sans CJK SC Regular"/>
-              </a:rPr>
-              <a:t> </a:t>
             </a:r>
             <a:endParaRPr b="0" lang="en-IN" sz="1800" spc="-1" strike="noStrike">
               <a:solidFill>
@@ -18675,7 +18397,7 @@
         <p:spPr>
           <a:xfrm>
             <a:off x="288000" y="39600"/>
-            <a:ext cx="5686560" cy="940680"/>
+            <a:ext cx="5685840" cy="939960"/>
           </a:xfrm>
           <a:prstGeom prst="rect">
             <a:avLst/>
@@ -18696,7 +18418,7 @@
           <a:p>
             <a:pPr>
               <a:lnSpc>
-                <a:spcPts val="19"/>
+                <a:spcPts val="2"/>
               </a:lnSpc>
             </a:pPr>
             <a:r>
@@ -20880,7 +20602,7 @@
         <p:spPr>
           <a:xfrm>
             <a:off x="288000" y="39600"/>
-            <a:ext cx="5686560" cy="940680"/>
+            <a:ext cx="5685840" cy="939960"/>
           </a:xfrm>
           <a:prstGeom prst="rect">
             <a:avLst/>
@@ -20901,7 +20623,7 @@
           <a:p>
             <a:pPr>
               <a:lnSpc>
-                <a:spcPts val="19"/>
+                <a:spcPts val="2"/>
               </a:lnSpc>
             </a:pPr>
             <a:r>
@@ -22165,7 +21887,7 @@
         <p:spPr>
           <a:xfrm>
             <a:off x="226440" y="230400"/>
-            <a:ext cx="7188480" cy="560520"/>
+            <a:ext cx="7187760" cy="559800"/>
           </a:xfrm>
           <a:prstGeom prst="rect">
             <a:avLst/>
@@ -22186,7 +21908,7 @@
           <a:p>
             <a:pPr>
               <a:lnSpc>
-                <a:spcPts val="7"/>
+                <a:spcPts val="1"/>
               </a:lnSpc>
             </a:pPr>
             <a:r>
@@ -22227,7 +21949,7 @@
         <p:spPr>
           <a:xfrm>
             <a:off x="288000" y="1008000"/>
-            <a:ext cx="9575640" cy="5395680"/>
+            <a:ext cx="9574920" cy="5394960"/>
           </a:xfrm>
           <a:prstGeom prst="rect">
             <a:avLst/>
@@ -22350,24 +22072,6 @@
                 <a:spcPct val="100000"/>
               </a:lnSpc>
             </a:pPr>
-            <a:endParaRPr b="0" lang="en-IN" sz="1800" spc="-1" strike="noStrike">
-              <a:solidFill>
-                <a:srgbClr val="000000"/>
-              </a:solidFill>
-              <a:uFill>
-                <a:solidFill>
-                  <a:srgbClr val="ffffff"/>
-                </a:solidFill>
-              </a:uFill>
-              <a:latin typeface="Arial"/>
-            </a:endParaRPr>
-          </a:p>
-          <a:p>
-            <a:pPr>
-              <a:lnSpc>
-                <a:spcPct val="100000"/>
-              </a:lnSpc>
-            </a:pPr>
             <a:r>
               <a:rPr b="0" lang="en-IN" sz="1800" spc="-1" strike="noStrike">
                 <a:solidFill>
@@ -22467,24 +22171,6 @@
                 <a:spcPct val="100000"/>
               </a:lnSpc>
             </a:pPr>
-            <a:endParaRPr b="0" lang="en-IN" sz="1800" spc="-1" strike="noStrike">
-              <a:solidFill>
-                <a:srgbClr val="000000"/>
-              </a:solidFill>
-              <a:uFill>
-                <a:solidFill>
-                  <a:srgbClr val="ffffff"/>
-                </a:solidFill>
-              </a:uFill>
-              <a:latin typeface="Arial"/>
-            </a:endParaRPr>
-          </a:p>
-          <a:p>
-            <a:pPr>
-              <a:lnSpc>
-                <a:spcPct val="100000"/>
-              </a:lnSpc>
-            </a:pPr>
             <a:r>
               <a:rPr b="0" lang="en-IN" sz="1800" spc="-1" strike="noStrike">
                 <a:solidFill>
@@ -22536,26 +22222,8 @@
                 <a:spcPct val="100000"/>
               </a:lnSpc>
             </a:pPr>
-            <a:endParaRPr b="0" lang="en-IN" sz="1800" spc="-1" strike="noStrike">
-              <a:solidFill>
-                <a:srgbClr val="000000"/>
-              </a:solidFill>
-              <a:uFill>
-                <a:solidFill>
-                  <a:srgbClr val="ffffff"/>
-                </a:solidFill>
-              </a:uFill>
-              <a:latin typeface="Arial"/>
-            </a:endParaRPr>
-          </a:p>
-          <a:p>
-            <a:pPr>
-              <a:lnSpc>
-                <a:spcPct val="100000"/>
-              </a:lnSpc>
-            </a:pPr>
             <a:r>
-              <a:rPr b="0" lang="en-IN" sz="1800" spc="-1" strike="noStrike">
+              <a:rPr b="1" lang="en-IN" sz="1800" spc="-1" strike="noStrike">
                 <a:solidFill>
                   <a:srgbClr val="000000"/>
                 </a:solidFill>
@@ -22567,7 +22235,7 @@
                 <a:latin typeface="Calibri"/>
                 <a:ea typeface="DejaVu Sans"/>
               </a:rPr>
-              <a:t>* Syncronization from edge to cloud in IOT usecases is not required.</a:t>
+              <a:t>WorkFlow:</a:t>
             </a:r>
             <a:endParaRPr b="0" lang="en-IN" sz="1800" spc="-1" strike="noStrike">
               <a:solidFill>
@@ -22599,8 +22267,85 @@
               <a:latin typeface="Arial"/>
             </a:endParaRPr>
           </a:p>
-        </p:txBody>
-      </p:sp>
+          <a:p>
+            <a:pPr>
+              <a:lnSpc>
+                <a:spcPct val="100000"/>
+              </a:lnSpc>
+            </a:pPr>
+            <a:endParaRPr b="0" lang="en-IN" sz="1800" spc="-1" strike="noStrike">
+              <a:solidFill>
+                <a:srgbClr val="000000"/>
+              </a:solidFill>
+              <a:uFill>
+                <a:solidFill>
+                  <a:srgbClr val="ffffff"/>
+                </a:solidFill>
+              </a:uFill>
+              <a:latin typeface="Arial"/>
+            </a:endParaRPr>
+          </a:p>
+          <a:p>
+            <a:pPr>
+              <a:lnSpc>
+                <a:spcPct val="100000"/>
+              </a:lnSpc>
+            </a:pPr>
+            <a:endParaRPr b="0" lang="en-IN" sz="1800" spc="-1" strike="noStrike">
+              <a:solidFill>
+                <a:srgbClr val="000000"/>
+              </a:solidFill>
+              <a:uFill>
+                <a:solidFill>
+                  <a:srgbClr val="ffffff"/>
+                </a:solidFill>
+              </a:uFill>
+              <a:latin typeface="Arial"/>
+            </a:endParaRPr>
+          </a:p>
+          <a:p>
+            <a:pPr>
+              <a:lnSpc>
+                <a:spcPct val="100000"/>
+              </a:lnSpc>
+            </a:pPr>
+            <a:endParaRPr b="0" lang="en-IN" sz="1800" spc="-1" strike="noStrike">
+              <a:solidFill>
+                <a:srgbClr val="000000"/>
+              </a:solidFill>
+              <a:uFill>
+                <a:solidFill>
+                  <a:srgbClr val="ffffff"/>
+                </a:solidFill>
+              </a:uFill>
+              <a:latin typeface="Arial"/>
+            </a:endParaRPr>
+          </a:p>
+        </p:txBody>
+      </p:sp>
+      <p:pic>
+        <p:nvPicPr>
+          <p:cNvPr id="306" name="" descr=""/>
+          <p:cNvPicPr/>
+          <p:nvPr/>
+        </p:nvPicPr>
+        <p:blipFill>
+          <a:blip r:embed="rId1"/>
+          <a:stretch/>
+        </p:blipFill>
+        <p:spPr>
+          <a:xfrm>
+            <a:off x="504000" y="4335120"/>
+            <a:ext cx="4914360" cy="2504520"/>
+          </a:xfrm>
+          <a:prstGeom prst="rect">
+            <a:avLst/>
+          </a:prstGeom>
+          <a:ln>
+            <a:noFill/>
+          </a:ln>
+        </p:spPr>
+      </p:pic>
     </p:spTree>
   </p:cSld>
   <p:timing>

--- a/MECM PT/Release V1.1/Edge Autonomous Portal.pptx
+++ b/MECM PT/Release V1.1/Edge Autonomous Portal.pptx
@@ -180,7 +180,7 @@
                 </a:uFill>
                 <a:latin typeface="Times New Roman"/>
               </a:rPr>
-              <a:t>&lt;date/time&gt;</a:t>
+              <a:t> </a:t>
             </a:r>
             <a:endParaRPr b="0" lang="en-IN" sz="1400" spc="-1" strike="noStrike">
               <a:solidFill>
@@ -230,7 +230,7 @@
                 </a:uFill>
                 <a:latin typeface="Times New Roman"/>
               </a:rPr>
-              <a:t>&lt;footer&gt;</a:t>
+              <a:t> </a:t>
             </a:r>
             <a:endParaRPr b="0" lang="en-IN" sz="1400" spc="-1" strike="noStrike">
               <a:solidFill>
@@ -269,7 +269,7 @@
           <a:bodyPr lIns="0" rIns="0" tIns="0" bIns="0" anchor="b"/>
           <a:p>
             <a:pPr algn="r"/>
-            <a:fld id="{4B64E8C9-75C8-493C-AC5D-D18135104EAA}" type="slidenum">
+            <a:fld id="{212C04F6-7900-48EC-B5F5-8591532F24EC}" type="slidenum">
               <a:rPr b="0" lang="en-IN" sz="1400" spc="-1" strike="noStrike">
                 <a:solidFill>
                   <a:srgbClr val="000000"/>
@@ -281,7 +281,7 @@
                 </a:uFill>
                 <a:latin typeface="Times New Roman"/>
               </a:rPr>
-              <a:t>&lt;number&gt;</a:t>
+              <a:t>1</a:t>
             </a:fld>
             <a:endParaRPr b="0" lang="en-IN" sz="1400" spc="-1" strike="noStrike">
               <a:solidFill>
@@ -322,7 +322,7 @@
       </p:grpSpPr>
       <p:sp>
         <p:nvSpPr>
-          <p:cNvPr id="307" name="PlaceHolder 1"/>
+          <p:cNvPr id="310" name="PlaceHolder 1"/>
           <p:cNvSpPr>
             <a:spLocks noGrp="1"/>
           </p:cNvSpPr>
@@ -333,7 +333,7 @@
         <p:spPr>
           <a:xfrm>
             <a:off x="756000" y="5145480"/>
-            <a:ext cx="6044760" cy="4206600"/>
+            <a:ext cx="6044040" cy="4205880"/>
           </a:xfrm>
           <a:prstGeom prst="rect">
             <a:avLst/>
@@ -358,14 +358,14 @@
       </p:sp>
       <p:sp>
         <p:nvSpPr>
-          <p:cNvPr id="308" name="CustomShape 2"/>
+          <p:cNvPr id="311" name="CustomShape 2"/>
           <p:cNvSpPr/>
           <p:nvPr/>
         </p:nvSpPr>
         <p:spPr>
           <a:xfrm>
             <a:off x="4282200" y="10155600"/>
-            <a:ext cx="3272760" cy="533160"/>
+            <a:ext cx="3272040" cy="532440"/>
           </a:xfrm>
           <a:prstGeom prst="rect">
             <a:avLst/>
@@ -9268,7 +9268,7 @@
         <p:spPr>
           <a:xfrm>
             <a:off x="1800" y="0"/>
-            <a:ext cx="10073160" cy="7556760"/>
+            <a:ext cx="10072440" cy="7556040"/>
           </a:xfrm>
           <a:prstGeom prst="rect">
             <a:avLst/>
@@ -9287,7 +9287,7 @@
         <p:spPr>
           <a:xfrm>
             <a:off x="0" y="3177000"/>
-            <a:ext cx="10074960" cy="4379400"/>
+            <a:ext cx="10074240" cy="4378680"/>
           </a:xfrm>
           <a:prstGeom prst="rect">
             <a:avLst/>
@@ -9320,7 +9320,7 @@
         <p:spPr>
           <a:xfrm>
             <a:off x="128520" y="345960"/>
-            <a:ext cx="1792800" cy="618120"/>
+            <a:ext cx="1792080" cy="617400"/>
           </a:xfrm>
           <a:prstGeom prst="rect">
             <a:avLst/>
@@ -9343,7 +9343,7 @@
         <p:spPr>
           <a:xfrm>
             <a:off x="0" y="4996800"/>
-            <a:ext cx="10077120" cy="2559600"/>
+            <a:ext cx="10076400" cy="2558880"/>
           </a:xfrm>
           <a:prstGeom prst="rect">
             <a:avLst/>
@@ -10861,7 +10861,21 @@
                 </a:uFill>
                 <a:latin typeface="Arial"/>
               </a:rPr>
-              <a:t>edit </a:t>
+              <a:t>edi</a:t>
+            </a:r>
+            <a:r>
+              <a:rPr b="0" lang="en-IN" sz="4400" spc="-1" strike="noStrike">
+                <a:solidFill>
+                  <a:srgbClr val="000000"/>
+                </a:solidFill>
+                <a:uFill>
+                  <a:solidFill>
+                    <a:srgbClr val="ffffff"/>
+                  </a:solidFill>
+                </a:uFill>
+                <a:latin typeface="Arial"/>
+              </a:rPr>
+              <a:t>t </a:t>
             </a:r>
             <a:r>
               <a:rPr b="0" lang="en-IN" sz="4400" spc="-1" strike="noStrike">
@@ -10889,7 +10903,7 @@
                 </a:uFill>
                 <a:latin typeface="Arial"/>
               </a:rPr>
-              <a:t>title </a:t>
+              <a:t>titl</a:t>
             </a:r>
             <a:r>
               <a:rPr b="0" lang="en-IN" sz="4400" spc="-1" strike="noStrike">
@@ -10903,7 +10917,35 @@
                 </a:uFill>
                 <a:latin typeface="Arial"/>
               </a:rPr>
-              <a:t>text </a:t>
+              <a:t>e </a:t>
+            </a:r>
+            <a:r>
+              <a:rPr b="0" lang="en-IN" sz="4400" spc="-1" strike="noStrike">
+                <a:solidFill>
+                  <a:srgbClr val="000000"/>
+                </a:solidFill>
+                <a:uFill>
+                  <a:solidFill>
+                    <a:srgbClr val="ffffff"/>
+                  </a:solidFill>
+                </a:uFill>
+                <a:latin typeface="Arial"/>
+              </a:rPr>
+              <a:t>tex</a:t>
+            </a:r>
+            <a:r>
+              <a:rPr b="0" lang="en-IN" sz="4400" spc="-1" strike="noStrike">
+                <a:solidFill>
+                  <a:srgbClr val="000000"/>
+                </a:solidFill>
+                <a:uFill>
+                  <a:solidFill>
+                    <a:srgbClr val="ffffff"/>
+                  </a:solidFill>
+                </a:uFill>
+                <a:latin typeface="Arial"/>
+              </a:rPr>
+              <a:t>t </a:t>
             </a:r>
             <a:r>
               <a:rPr b="0" lang="en-IN" sz="4400" spc="-1" strike="noStrike">
@@ -11286,7 +11328,7 @@
         <p:spPr>
           <a:xfrm>
             <a:off x="360" y="1440"/>
-            <a:ext cx="10073160" cy="7556760"/>
+            <a:ext cx="10072440" cy="7556040"/>
           </a:xfrm>
           <a:prstGeom prst="rect">
             <a:avLst/>
@@ -11305,7 +11347,7 @@
         <p:spPr>
           <a:xfrm>
             <a:off x="360" y="4132440"/>
-            <a:ext cx="10077120" cy="3423960"/>
+            <a:ext cx="10076400" cy="3423240"/>
           </a:xfrm>
           <a:prstGeom prst="rect">
             <a:avLst/>
@@ -11333,7 +11375,7 @@
         <p:spPr>
           <a:xfrm>
             <a:off x="3612600" y="2994480"/>
-            <a:ext cx="3237480" cy="818640"/>
+            <a:ext cx="3236760" cy="817920"/>
           </a:xfrm>
           <a:prstGeom prst="rect">
             <a:avLst/>
@@ -11395,7 +11437,7 @@
         <p:spPr>
           <a:xfrm>
             <a:off x="3612600" y="2586960"/>
-            <a:ext cx="3237480" cy="818640"/>
+            <a:ext cx="3236760" cy="817920"/>
           </a:xfrm>
           <a:prstGeom prst="rect">
             <a:avLst/>
@@ -11462,7 +11504,7 @@
         <p:spPr>
           <a:xfrm>
             <a:off x="113040" y="390240"/>
-            <a:ext cx="1559880" cy="537840"/>
+            <a:ext cx="1559160" cy="537120"/>
           </a:xfrm>
           <a:prstGeom prst="rect">
             <a:avLst/>
@@ -11485,7 +11527,7 @@
         <p:spPr>
           <a:xfrm>
             <a:off x="0" y="4998240"/>
-            <a:ext cx="10077120" cy="2559600"/>
+            <a:ext cx="10076400" cy="2558880"/>
           </a:xfrm>
           <a:prstGeom prst="rect">
             <a:avLst/>
@@ -11530,7 +11572,7 @@
                 </a:uFill>
                 <a:latin typeface="Arial"/>
               </a:rPr>
-              <a:t>Click to </a:t>
+              <a:t>Cli</a:t>
             </a:r>
             <a:r>
               <a:rPr b="0" lang="en-IN" sz="4400" spc="-1" strike="noStrike">
@@ -11544,7 +11586,7 @@
                 </a:uFill>
                 <a:latin typeface="Arial"/>
               </a:rPr>
-              <a:t>edit the </a:t>
+              <a:t>ck </a:t>
             </a:r>
             <a:r>
               <a:rPr b="0" lang="en-IN" sz="4400" spc="-1" strike="noStrike">
@@ -11558,7 +11600,7 @@
                 </a:uFill>
                 <a:latin typeface="Arial"/>
               </a:rPr>
-              <a:t>title text </a:t>
+              <a:t>to </a:t>
             </a:r>
             <a:r>
               <a:rPr b="0" lang="en-IN" sz="4400" spc="-1" strike="noStrike">
@@ -11572,7 +11614,133 @@
                 </a:uFill>
                 <a:latin typeface="Arial"/>
               </a:rPr>
-              <a:t>format</a:t>
+              <a:t>edi</a:t>
+            </a:r>
+            <a:r>
+              <a:rPr b="0" lang="en-IN" sz="4400" spc="-1" strike="noStrike">
+                <a:solidFill>
+                  <a:srgbClr val="000000"/>
+                </a:solidFill>
+                <a:uFill>
+                  <a:solidFill>
+                    <a:srgbClr val="ffffff"/>
+                  </a:solidFill>
+                </a:uFill>
+                <a:latin typeface="Arial"/>
+              </a:rPr>
+              <a:t>t </a:t>
+            </a:r>
+            <a:r>
+              <a:rPr b="0" lang="en-IN" sz="4400" spc="-1" strike="noStrike">
+                <a:solidFill>
+                  <a:srgbClr val="000000"/>
+                </a:solidFill>
+                <a:uFill>
+                  <a:solidFill>
+                    <a:srgbClr val="ffffff"/>
+                  </a:solidFill>
+                </a:uFill>
+                <a:latin typeface="Arial"/>
+              </a:rPr>
+              <a:t>the </a:t>
+            </a:r>
+            <a:r>
+              <a:rPr b="0" lang="en-IN" sz="4400" spc="-1" strike="noStrike">
+                <a:solidFill>
+                  <a:srgbClr val="000000"/>
+                </a:solidFill>
+                <a:uFill>
+                  <a:solidFill>
+                    <a:srgbClr val="ffffff"/>
+                  </a:solidFill>
+                </a:uFill>
+                <a:latin typeface="Arial"/>
+              </a:rPr>
+              <a:t>titl</a:t>
+            </a:r>
+            <a:r>
+              <a:rPr b="0" lang="en-IN" sz="4400" spc="-1" strike="noStrike">
+                <a:solidFill>
+                  <a:srgbClr val="000000"/>
+                </a:solidFill>
+                <a:uFill>
+                  <a:solidFill>
+                    <a:srgbClr val="ffffff"/>
+                  </a:solidFill>
+                </a:uFill>
+                <a:latin typeface="Arial"/>
+              </a:rPr>
+              <a:t>e </a:t>
+            </a:r>
+            <a:r>
+              <a:rPr b="0" lang="en-IN" sz="4400" spc="-1" strike="noStrike">
+                <a:solidFill>
+                  <a:srgbClr val="000000"/>
+                </a:solidFill>
+                <a:uFill>
+                  <a:solidFill>
+                    <a:srgbClr val="ffffff"/>
+                  </a:solidFill>
+                </a:uFill>
+                <a:latin typeface="Arial"/>
+              </a:rPr>
+              <a:t>tex</a:t>
+            </a:r>
+            <a:r>
+              <a:rPr b="0" lang="en-IN" sz="4400" spc="-1" strike="noStrike">
+                <a:solidFill>
+                  <a:srgbClr val="000000"/>
+                </a:solidFill>
+                <a:uFill>
+                  <a:solidFill>
+                    <a:srgbClr val="ffffff"/>
+                  </a:solidFill>
+                </a:uFill>
+                <a:latin typeface="Arial"/>
+              </a:rPr>
+              <a:t>t </a:t>
+            </a:r>
+            <a:r>
+              <a:rPr b="0" lang="en-IN" sz="4400" spc="-1" strike="noStrike">
+                <a:solidFill>
+                  <a:srgbClr val="000000"/>
+                </a:solidFill>
+                <a:uFill>
+                  <a:solidFill>
+                    <a:srgbClr val="ffffff"/>
+                  </a:solidFill>
+                </a:uFill>
+                <a:latin typeface="Arial"/>
+              </a:rPr>
+              <a:t>for</a:t>
+            </a:r>
+            <a:r>
+              <a:rPr b="0" lang="en-IN" sz="4400" spc="-1" strike="noStrike">
+                <a:solidFill>
+                  <a:srgbClr val="000000"/>
+                </a:solidFill>
+                <a:uFill>
+                  <a:solidFill>
+                    <a:srgbClr val="ffffff"/>
+                  </a:solidFill>
+                </a:uFill>
+                <a:latin typeface="Arial"/>
+              </a:rPr>
+              <a:t>ma</a:t>
+            </a:r>
+            <a:r>
+              <a:rPr b="0" lang="en-IN" sz="4400" spc="-1" strike="noStrike">
+                <a:solidFill>
+                  <a:srgbClr val="000000"/>
+                </a:solidFill>
+                <a:uFill>
+                  <a:solidFill>
+                    <a:srgbClr val="ffffff"/>
+                  </a:solidFill>
+                </a:uFill>
+                <a:latin typeface="Arial"/>
+              </a:rPr>
+              <a:t>t</a:t>
             </a:r>
             <a:endParaRPr b="0" lang="en-IN" sz="4400" spc="-1" strike="noStrike">
               <a:solidFill>
@@ -11902,7 +12070,7 @@
         <p:spPr>
           <a:xfrm>
             <a:off x="503640" y="1768680"/>
-            <a:ext cx="9068760" cy="4381560"/>
+            <a:ext cx="9068040" cy="4380840"/>
           </a:xfrm>
           <a:prstGeom prst="rect">
             <a:avLst/>
@@ -12064,7 +12232,7 @@
         <p:spPr>
           <a:xfrm>
             <a:off x="504000" y="147600"/>
-            <a:ext cx="9284760" cy="938880"/>
+            <a:ext cx="9284040" cy="938160"/>
           </a:xfrm>
           <a:prstGeom prst="rect">
             <a:avLst/>
@@ -12198,7 +12366,7 @@
         <p:spPr>
           <a:xfrm>
             <a:off x="477360" y="1037880"/>
-            <a:ext cx="9313200" cy="6232320"/>
+            <a:ext cx="9312480" cy="6231600"/>
           </a:xfrm>
           <a:prstGeom prst="rect">
             <a:avLst/>
@@ -12319,7 +12487,7 @@
             </a:endParaRPr>
           </a:p>
           <a:p>
-            <a:pPr marL="216000" indent="-214200">
+            <a:pPr marL="216000" indent="-213480">
               <a:lnSpc>
                 <a:spcPct val="100000"/>
               </a:lnSpc>
@@ -12430,7 +12598,7 @@
             </a:endParaRPr>
           </a:p>
           <a:p>
-            <a:pPr marL="216000" indent="-214200">
+            <a:pPr marL="216000" indent="-213480">
               <a:lnSpc>
                 <a:spcPct val="100000"/>
               </a:lnSpc>
@@ -12511,7 +12679,7 @@
             </a:endParaRPr>
           </a:p>
           <a:p>
-            <a:pPr marL="216000" indent="-214200">
+            <a:pPr marL="216000" indent="-213480">
               <a:lnSpc>
                 <a:spcPct val="100000"/>
               </a:lnSpc>
@@ -13752,7 +13920,7 @@
         <p:spPr>
           <a:xfrm>
             <a:off x="944640" y="6091560"/>
-            <a:ext cx="4309920" cy="747000"/>
+            <a:ext cx="4309200" cy="746280"/>
           </a:xfrm>
           <a:prstGeom prst="rect">
             <a:avLst/>
@@ -13819,7 +13987,7 @@
         <p:spPr>
           <a:xfrm>
             <a:off x="181440" y="792000"/>
-            <a:ext cx="5829120" cy="6261120"/>
+            <a:ext cx="5828400" cy="6260400"/>
           </a:xfrm>
           <a:prstGeom prst="rect">
             <a:avLst/>
@@ -13849,7 +14017,7 @@
         <p:spPr>
           <a:xfrm>
             <a:off x="0" y="0"/>
-            <a:ext cx="8133120" cy="556560"/>
+            <a:ext cx="8132400" cy="555840"/>
           </a:xfrm>
           <a:prstGeom prst="rect">
             <a:avLst/>
@@ -13911,7 +14079,7 @@
         <p:spPr>
           <a:xfrm>
             <a:off x="360000" y="1060560"/>
-            <a:ext cx="1091880" cy="2847240"/>
+            <a:ext cx="1091160" cy="2846520"/>
           </a:xfrm>
           <a:prstGeom prst="rect">
             <a:avLst/>
@@ -13942,7 +14110,7 @@
         <p:spPr>
           <a:xfrm>
             <a:off x="-5441760" y="2586600"/>
-            <a:ext cx="2866320" cy="3849120"/>
+            <a:ext cx="2865600" cy="3848400"/>
           </a:xfrm>
           <a:prstGeom prst="rect">
             <a:avLst/>
@@ -13973,7 +14141,7 @@
         <p:spPr>
           <a:xfrm>
             <a:off x="433080" y="2791080"/>
-            <a:ext cx="946080" cy="913680"/>
+            <a:ext cx="945360" cy="912960"/>
           </a:xfrm>
           <a:prstGeom prst="rect">
             <a:avLst/>
@@ -14040,7 +14208,7 @@
         <p:spPr>
           <a:xfrm>
             <a:off x="433080" y="1722240"/>
-            <a:ext cx="946080" cy="811440"/>
+            <a:ext cx="945360" cy="810720"/>
           </a:xfrm>
           <a:prstGeom prst="rect">
             <a:avLst/>
@@ -14107,7 +14275,7 @@
         <p:spPr>
           <a:xfrm>
             <a:off x="1539360" y="2027520"/>
-            <a:ext cx="2989080" cy="913680"/>
+            <a:ext cx="2988360" cy="912960"/>
           </a:xfrm>
           <a:prstGeom prst="rect">
             <a:avLst/>
@@ -14174,7 +14342,7 @@
         <p:spPr>
           <a:xfrm>
             <a:off x="1539360" y="1060560"/>
-            <a:ext cx="1483200" cy="811440"/>
+            <a:ext cx="1482480" cy="810720"/>
           </a:xfrm>
           <a:prstGeom prst="rect">
             <a:avLst/>
@@ -14241,7 +14409,7 @@
         <p:spPr>
           <a:xfrm>
             <a:off x="3144960" y="1060560"/>
-            <a:ext cx="1383840" cy="811440"/>
+            <a:ext cx="1383120" cy="810720"/>
           </a:xfrm>
           <a:prstGeom prst="rect">
             <a:avLst/>
@@ -14308,7 +14476,7 @@
         <p:spPr>
           <a:xfrm>
             <a:off x="1539360" y="3096360"/>
-            <a:ext cx="1456920" cy="811440"/>
+            <a:ext cx="1456200" cy="810720"/>
           </a:xfrm>
           <a:prstGeom prst="rect">
             <a:avLst/>
@@ -14375,7 +14543,7 @@
         <p:spPr>
           <a:xfrm>
             <a:off x="4604760" y="1060560"/>
-            <a:ext cx="1091880" cy="2847240"/>
+            <a:ext cx="1091160" cy="2846520"/>
           </a:xfrm>
           <a:prstGeom prst="rect">
             <a:avLst/>
@@ -14405,8 +14573,8 @@
         </p:nvSpPr>
         <p:spPr>
           <a:xfrm rot="1200">
-            <a:off x="4784400" y="1017000"/>
-            <a:ext cx="836640" cy="548280"/>
+            <a:off x="4783680" y="1017000"/>
+            <a:ext cx="835920" cy="547560"/>
           </a:xfrm>
           <a:prstGeom prst="rect">
             <a:avLst/>
@@ -14468,7 +14636,7 @@
         <p:spPr>
           <a:xfrm>
             <a:off x="4677840" y="2435040"/>
-            <a:ext cx="946080" cy="606960"/>
+            <a:ext cx="945360" cy="606240"/>
           </a:xfrm>
           <a:prstGeom prst="rect">
             <a:avLst/>
@@ -14535,7 +14703,7 @@
         <p:spPr>
           <a:xfrm>
             <a:off x="4677840" y="1722240"/>
-            <a:ext cx="946080" cy="556200"/>
+            <a:ext cx="945360" cy="555480"/>
           </a:xfrm>
           <a:prstGeom prst="rect">
             <a:avLst/>
@@ -14602,7 +14770,7 @@
         <p:spPr>
           <a:xfrm>
             <a:off x="3144960" y="3096360"/>
-            <a:ext cx="1383840" cy="811440"/>
+            <a:ext cx="1383120" cy="810720"/>
           </a:xfrm>
           <a:prstGeom prst="rect">
             <a:avLst/>
@@ -14669,7 +14837,7 @@
         <p:spPr>
           <a:xfrm>
             <a:off x="4677840" y="3198600"/>
-            <a:ext cx="946080" cy="606960"/>
+            <a:ext cx="945360" cy="606240"/>
           </a:xfrm>
           <a:prstGeom prst="rect">
             <a:avLst/>
@@ -14736,7 +14904,7 @@
         <p:spPr>
           <a:xfrm>
             <a:off x="2962440" y="6024240"/>
-            <a:ext cx="173520" cy="285480"/>
+            <a:ext cx="172800" cy="284760"/>
           </a:xfrm>
           <a:prstGeom prst="upDownArrow">
             <a:avLst>
@@ -14768,7 +14936,7 @@
         <p:spPr>
           <a:xfrm>
             <a:off x="2962440" y="3864600"/>
-            <a:ext cx="173520" cy="285480"/>
+            <a:ext cx="172800" cy="284760"/>
           </a:xfrm>
           <a:prstGeom prst="upDownArrow">
             <a:avLst>
@@ -14799,8 +14967,8 @@
         </p:nvSpPr>
         <p:spPr>
           <a:xfrm rot="1200">
-            <a:off x="393480" y="861120"/>
-            <a:ext cx="1098720" cy="548280"/>
+            <a:off x="392760" y="860400"/>
+            <a:ext cx="1098000" cy="547560"/>
           </a:xfrm>
           <a:prstGeom prst="rect">
             <a:avLst/>
@@ -14880,7 +15048,7 @@
         <p:spPr>
           <a:xfrm>
             <a:off x="1028520" y="4209120"/>
-            <a:ext cx="4309920" cy="1755000"/>
+            <a:ext cx="4309200" cy="1754280"/>
           </a:xfrm>
           <a:prstGeom prst="rect">
             <a:avLst/>
@@ -14947,7 +15115,7 @@
         <p:spPr>
           <a:xfrm>
             <a:off x="2561400" y="4154040"/>
-            <a:ext cx="1091520" cy="403560"/>
+            <a:ext cx="1090800" cy="402840"/>
           </a:xfrm>
           <a:prstGeom prst="rect">
             <a:avLst/>
@@ -15009,7 +15177,7 @@
         <p:spPr>
           <a:xfrm>
             <a:off x="4035600" y="4491720"/>
-            <a:ext cx="1238400" cy="1471680"/>
+            <a:ext cx="1237680" cy="1470960"/>
           </a:xfrm>
           <a:prstGeom prst="rect">
             <a:avLst/>
@@ -15076,7 +15244,7 @@
         <p:spPr>
           <a:xfrm>
             <a:off x="1163160" y="5328720"/>
-            <a:ext cx="702000" cy="562320"/>
+            <a:ext cx="701280" cy="561600"/>
           </a:xfrm>
           <a:prstGeom prst="rect">
             <a:avLst/>
@@ -15143,7 +15311,7 @@
         <p:spPr>
           <a:xfrm>
             <a:off x="1164240" y="4882680"/>
-            <a:ext cx="1456920" cy="403560"/>
+            <a:ext cx="1456200" cy="402840"/>
           </a:xfrm>
           <a:prstGeom prst="rect">
             <a:avLst/>
@@ -15210,7 +15378,7 @@
         <p:spPr>
           <a:xfrm>
             <a:off x="1919160" y="5328720"/>
-            <a:ext cx="702000" cy="562320"/>
+            <a:ext cx="701280" cy="561600"/>
           </a:xfrm>
           <a:prstGeom prst="rect">
             <a:avLst/>
@@ -15277,7 +15445,7 @@
         <p:spPr>
           <a:xfrm>
             <a:off x="360000" y="1060560"/>
-            <a:ext cx="1091880" cy="2847240"/>
+            <a:ext cx="1091160" cy="2846520"/>
           </a:xfrm>
           <a:prstGeom prst="rect">
             <a:avLst/>
@@ -15308,7 +15476,7 @@
         <p:spPr>
           <a:xfrm>
             <a:off x="433080" y="2791080"/>
-            <a:ext cx="946080" cy="913680"/>
+            <a:ext cx="945360" cy="912960"/>
           </a:xfrm>
           <a:prstGeom prst="rect">
             <a:avLst/>
@@ -15375,7 +15543,7 @@
         <p:spPr>
           <a:xfrm>
             <a:off x="433080" y="1722240"/>
-            <a:ext cx="946080" cy="811440"/>
+            <a:ext cx="945360" cy="810720"/>
           </a:xfrm>
           <a:prstGeom prst="rect">
             <a:avLst/>
@@ -15442,7 +15610,7 @@
         <p:spPr>
           <a:xfrm>
             <a:off x="1539360" y="1060560"/>
-            <a:ext cx="1483200" cy="811440"/>
+            <a:ext cx="1482480" cy="810720"/>
           </a:xfrm>
           <a:prstGeom prst="rect">
             <a:avLst/>
@@ -15509,7 +15677,7 @@
         <p:spPr>
           <a:xfrm>
             <a:off x="3144960" y="1060560"/>
-            <a:ext cx="1383840" cy="811440"/>
+            <a:ext cx="1383120" cy="810720"/>
           </a:xfrm>
           <a:prstGeom prst="rect">
             <a:avLst/>
@@ -15576,7 +15744,7 @@
         <p:spPr>
           <a:xfrm>
             <a:off x="1539360" y="3096360"/>
-            <a:ext cx="1456920" cy="811440"/>
+            <a:ext cx="1456200" cy="810720"/>
           </a:xfrm>
           <a:prstGeom prst="rect">
             <a:avLst/>
@@ -15643,7 +15811,7 @@
         <p:spPr>
           <a:xfrm>
             <a:off x="4604760" y="1060560"/>
-            <a:ext cx="1091880" cy="2847240"/>
+            <a:ext cx="1091160" cy="2846520"/>
           </a:xfrm>
           <a:prstGeom prst="rect">
             <a:avLst/>
@@ -15673,8 +15841,8 @@
         </p:nvSpPr>
         <p:spPr>
           <a:xfrm rot="1200">
-            <a:off x="4784400" y="1017000"/>
-            <a:ext cx="836640" cy="548280"/>
+            <a:off x="4783680" y="1017000"/>
+            <a:ext cx="835920" cy="547560"/>
           </a:xfrm>
           <a:prstGeom prst="rect">
             <a:avLst/>
@@ -15736,7 +15904,7 @@
         <p:spPr>
           <a:xfrm>
             <a:off x="4677840" y="2435040"/>
-            <a:ext cx="946080" cy="606960"/>
+            <a:ext cx="945360" cy="606240"/>
           </a:xfrm>
           <a:prstGeom prst="rect">
             <a:avLst/>
@@ -15803,7 +15971,7 @@
         <p:spPr>
           <a:xfrm>
             <a:off x="4677840" y="1722240"/>
-            <a:ext cx="946080" cy="556200"/>
+            <a:ext cx="945360" cy="555480"/>
           </a:xfrm>
           <a:prstGeom prst="rect">
             <a:avLst/>
@@ -15870,7 +16038,7 @@
         <p:spPr>
           <a:xfrm>
             <a:off x="4677840" y="3198600"/>
-            <a:ext cx="946080" cy="606960"/>
+            <a:ext cx="945360" cy="606240"/>
           </a:xfrm>
           <a:prstGeom prst="rect">
             <a:avLst/>
@@ -15937,7 +16105,7 @@
         <p:spPr>
           <a:xfrm>
             <a:off x="1171800" y="6348600"/>
-            <a:ext cx="1778760" cy="489960"/>
+            <a:ext cx="1778040" cy="489240"/>
           </a:xfrm>
           <a:prstGeom prst="rect">
             <a:avLst/>
@@ -16002,7 +16170,7 @@
         <p:spPr>
           <a:xfrm>
             <a:off x="2962440" y="6024240"/>
-            <a:ext cx="173520" cy="285480"/>
+            <a:ext cx="172800" cy="284760"/>
           </a:xfrm>
           <a:prstGeom prst="upDownArrow">
             <a:avLst>
@@ -16034,7 +16202,7 @@
         <p:spPr>
           <a:xfrm>
             <a:off x="2962440" y="3864600"/>
-            <a:ext cx="173520" cy="285480"/>
+            <a:ext cx="172800" cy="284760"/>
           </a:xfrm>
           <a:prstGeom prst="upDownArrow">
             <a:avLst>
@@ -16065,8 +16233,8 @@
         </p:nvSpPr>
         <p:spPr>
           <a:xfrm rot="1200">
-            <a:off x="393480" y="861120"/>
-            <a:ext cx="1098720" cy="548280"/>
+            <a:off x="392760" y="860400"/>
+            <a:ext cx="1098000" cy="547560"/>
           </a:xfrm>
           <a:prstGeom prst="rect">
             <a:avLst/>
@@ -16146,7 +16314,7 @@
         <p:spPr>
           <a:xfrm>
             <a:off x="2561400" y="4154040"/>
-            <a:ext cx="1091520" cy="403560"/>
+            <a:ext cx="1090800" cy="402840"/>
           </a:xfrm>
           <a:prstGeom prst="rect">
             <a:avLst/>
@@ -16208,7 +16376,7 @@
         <p:spPr>
           <a:xfrm>
             <a:off x="2735640" y="4752000"/>
-            <a:ext cx="1238400" cy="1211400"/>
+            <a:ext cx="1237680" cy="1210680"/>
           </a:xfrm>
           <a:prstGeom prst="rect">
             <a:avLst/>
@@ -16275,7 +16443,7 @@
         <p:spPr>
           <a:xfrm>
             <a:off x="1079280" y="4752000"/>
-            <a:ext cx="1596240" cy="1211400"/>
+            <a:ext cx="1595520" cy="1210680"/>
           </a:xfrm>
           <a:prstGeom prst="rect">
             <a:avLst/>
@@ -16342,7 +16510,7 @@
         <p:spPr>
           <a:xfrm>
             <a:off x="4035600" y="4752000"/>
-            <a:ext cx="1238400" cy="1211400"/>
+            <a:ext cx="1237680" cy="1210680"/>
           </a:xfrm>
           <a:prstGeom prst="rect">
             <a:avLst/>
@@ -16409,7 +16577,7 @@
         <p:spPr>
           <a:xfrm>
             <a:off x="1163160" y="5328720"/>
-            <a:ext cx="702000" cy="562320"/>
+            <a:ext cx="701280" cy="561600"/>
           </a:xfrm>
           <a:prstGeom prst="rect">
             <a:avLst/>
@@ -16476,7 +16644,7 @@
         <p:spPr>
           <a:xfrm>
             <a:off x="1164240" y="5040000"/>
-            <a:ext cx="1456920" cy="246240"/>
+            <a:ext cx="1456200" cy="245520"/>
           </a:xfrm>
           <a:prstGeom prst="rect">
             <a:avLst/>
@@ -16543,7 +16711,7 @@
         <p:spPr>
           <a:xfrm>
             <a:off x="1919160" y="5328720"/>
-            <a:ext cx="702000" cy="562320"/>
+            <a:ext cx="701280" cy="561600"/>
           </a:xfrm>
           <a:prstGeom prst="rect">
             <a:avLst/>
@@ -16610,7 +16778,7 @@
         <p:spPr>
           <a:xfrm>
             <a:off x="432000" y="7200000"/>
-            <a:ext cx="213120" cy="213120"/>
+            <a:ext cx="212400" cy="212400"/>
           </a:xfrm>
           <a:prstGeom prst="rect">
             <a:avLst/>
@@ -16640,7 +16808,7 @@
         <p:spPr>
           <a:xfrm>
             <a:off x="792000" y="7128000"/>
-            <a:ext cx="1581120" cy="343440"/>
+            <a:ext cx="1580400" cy="342720"/>
           </a:xfrm>
           <a:prstGeom prst="rect">
             <a:avLst/>
@@ -16697,7 +16865,7 @@
         <p:spPr>
           <a:xfrm>
             <a:off x="432000" y="7200000"/>
-            <a:ext cx="213120" cy="213120"/>
+            <a:ext cx="212400" cy="212400"/>
           </a:xfrm>
           <a:prstGeom prst="rect">
             <a:avLst/>
@@ -16727,7 +16895,7 @@
         <p:spPr>
           <a:xfrm>
             <a:off x="432000" y="7200000"/>
-            <a:ext cx="213120" cy="213120"/>
+            <a:ext cx="212400" cy="212400"/>
           </a:xfrm>
           <a:prstGeom prst="rect">
             <a:avLst/>
@@ -16757,7 +16925,7 @@
         <p:spPr>
           <a:xfrm>
             <a:off x="432000" y="7200000"/>
-            <a:ext cx="213120" cy="213120"/>
+            <a:ext cx="212400" cy="212400"/>
           </a:xfrm>
           <a:prstGeom prst="rect">
             <a:avLst/>
@@ -16787,7 +16955,7 @@
         <p:spPr>
           <a:xfrm>
             <a:off x="2664000" y="7200000"/>
-            <a:ext cx="213120" cy="213120"/>
+            <a:ext cx="212400" cy="212400"/>
           </a:xfrm>
           <a:prstGeom prst="rect">
             <a:avLst/>
@@ -16817,7 +16985,7 @@
         <p:spPr>
           <a:xfrm>
             <a:off x="2897640" y="7164000"/>
-            <a:ext cx="2013120" cy="501120"/>
+            <a:ext cx="2012400" cy="500400"/>
           </a:xfrm>
           <a:prstGeom prst="rect">
             <a:avLst/>
@@ -16874,7 +17042,7 @@
         <p:spPr>
           <a:xfrm>
             <a:off x="6408000" y="1080000"/>
-            <a:ext cx="3309120" cy="4438800"/>
+            <a:ext cx="3308400" cy="4438080"/>
           </a:xfrm>
           <a:prstGeom prst="rect">
             <a:avLst/>
@@ -17067,7 +17235,7 @@
         <p:spPr>
           <a:xfrm>
             <a:off x="1164240" y="5040000"/>
-            <a:ext cx="1456920" cy="246240"/>
+            <a:ext cx="1456200" cy="245520"/>
           </a:xfrm>
           <a:prstGeom prst="rect">
             <a:avLst/>
@@ -17134,7 +17302,7 @@
         <p:spPr>
           <a:xfrm>
             <a:off x="1164240" y="5040000"/>
-            <a:ext cx="1456920" cy="246240"/>
+            <a:ext cx="1456200" cy="245520"/>
           </a:xfrm>
           <a:prstGeom prst="rect">
             <a:avLst/>
@@ -17201,7 +17369,7 @@
         <p:spPr>
           <a:xfrm>
             <a:off x="1079280" y="4392000"/>
-            <a:ext cx="4194720" cy="246240"/>
+            <a:ext cx="4194000" cy="245520"/>
           </a:xfrm>
           <a:prstGeom prst="rect">
             <a:avLst/>
@@ -17268,7 +17436,7 @@
         <p:spPr>
           <a:xfrm>
             <a:off x="3259800" y="6333120"/>
-            <a:ext cx="1778760" cy="505440"/>
+            <a:ext cx="1778040" cy="504720"/>
           </a:xfrm>
           <a:prstGeom prst="rect">
             <a:avLst/>
@@ -17382,7 +17550,7 @@
         <p:spPr>
           <a:xfrm>
             <a:off x="504000" y="147600"/>
-            <a:ext cx="9285120" cy="939240"/>
+            <a:ext cx="9284400" cy="938520"/>
           </a:xfrm>
           <a:prstGeom prst="rect">
             <a:avLst/>
@@ -17435,39 +17603,16 @@
           </a:p>
         </p:txBody>
       </p:sp>
-      <p:pic>
-        <p:nvPicPr>
-          <p:cNvPr id="296" name="" descr=""/>
-          <p:cNvPicPr/>
-          <p:nvPr/>
-        </p:nvPicPr>
-        <p:blipFill>
-          <a:blip r:embed="rId1"/>
-          <a:stretch/>
-        </p:blipFill>
-        <p:spPr>
-          <a:xfrm>
-            <a:off x="363600" y="1227240"/>
-            <a:ext cx="9354960" cy="4894560"/>
-          </a:xfrm>
-          <a:prstGeom prst="rect">
-            <a:avLst/>
-          </a:prstGeom>
-          <a:ln>
-            <a:noFill/>
-          </a:ln>
-        </p:spPr>
-      </p:pic>
-      <p:sp>
-        <p:nvSpPr>
-          <p:cNvPr id="297" name="CustomShape 2"/>
+      <p:sp>
+        <p:nvSpPr>
+          <p:cNvPr id="296" name="CustomShape 2"/>
           <p:cNvSpPr/>
           <p:nvPr/>
         </p:nvSpPr>
         <p:spPr>
           <a:xfrm>
             <a:off x="432000" y="6408000"/>
-            <a:ext cx="8998560" cy="344880"/>
+            <a:ext cx="8997840" cy="344160"/>
           </a:xfrm>
           <a:prstGeom prst="rect">
             <a:avLst/>
@@ -17515,6 +17660,29 @@
           </a:p>
         </p:txBody>
       </p:sp>
+      <p:pic>
+        <p:nvPicPr>
+          <p:cNvPr id="297" name="" descr=""/>
+          <p:cNvPicPr/>
+          <p:nvPr/>
+        </p:nvPicPr>
+        <p:blipFill>
+          <a:blip r:embed="rId1"/>
+          <a:stretch/>
+        </p:blipFill>
+        <p:spPr>
+          <a:xfrm>
+            <a:off x="432000" y="1224000"/>
+            <a:ext cx="9426600" cy="4608000"/>
+          </a:xfrm>
+          <a:prstGeom prst="rect">
+            <a:avLst/>
+          </a:prstGeom>
+          <a:ln>
+            <a:noFill/>
+          </a:ln>
+        </p:spPr>
+      </p:pic>
     </p:spTree>
   </p:cSld>
   <p:timing>
@@ -17573,7 +17741,7 @@
         <p:spPr>
           <a:xfrm>
             <a:off x="504000" y="-68400"/>
-            <a:ext cx="9284760" cy="938880"/>
+            <a:ext cx="9284040" cy="938160"/>
           </a:xfrm>
           <a:prstGeom prst="rect">
             <a:avLst/>
@@ -17635,7 +17803,7 @@
         <p:spPr>
           <a:xfrm>
             <a:off x="504000" y="720000"/>
-            <a:ext cx="8997840" cy="6964560"/>
+            <a:ext cx="8997120" cy="6963840"/>
           </a:xfrm>
           <a:prstGeom prst="rect">
             <a:avLst/>
@@ -17654,7 +17822,7 @@
         <p:txBody>
           <a:bodyPr lIns="90000" rIns="90000" tIns="45000" bIns="45000"/>
           <a:p>
-            <a:pPr marL="216000" indent="-214200">
+            <a:pPr marL="216000" indent="-213480">
               <a:lnSpc>
                 <a:spcPct val="100000"/>
               </a:lnSpc>
@@ -17690,7 +17858,7 @@
             </a:endParaRPr>
           </a:p>
           <a:p>
-            <a:pPr lvl="1" marL="432000" indent="-214200">
+            <a:pPr lvl="1" marL="432000" indent="-213480">
               <a:lnSpc>
                 <a:spcPct val="100000"/>
               </a:lnSpc>
@@ -17726,7 +17894,7 @@
             </a:endParaRPr>
           </a:p>
           <a:p>
-            <a:pPr marL="216000" indent="-214200">
+            <a:pPr marL="216000" indent="-213480">
               <a:lnSpc>
                 <a:spcPct val="100000"/>
               </a:lnSpc>
@@ -17762,7 +17930,7 @@
             </a:endParaRPr>
           </a:p>
           <a:p>
-            <a:pPr lvl="1" marL="432000" indent="-214200">
+            <a:pPr lvl="1" marL="432000" indent="-213480">
               <a:lnSpc>
                 <a:spcPct val="100000"/>
               </a:lnSpc>
@@ -17798,7 +17966,7 @@
             </a:endParaRPr>
           </a:p>
           <a:p>
-            <a:pPr lvl="1" marL="432000" indent="-214200">
+            <a:pPr lvl="1" marL="432000" indent="-213480">
               <a:lnSpc>
                 <a:spcPct val="100000"/>
               </a:lnSpc>
@@ -17834,7 +18002,7 @@
             </a:endParaRPr>
           </a:p>
           <a:p>
-            <a:pPr lvl="1" marL="432000" indent="-214200">
+            <a:pPr lvl="1" marL="432000" indent="-213480">
               <a:lnSpc>
                 <a:spcPct val="100000"/>
               </a:lnSpc>
@@ -17870,7 +18038,7 @@
             </a:endParaRPr>
           </a:p>
           <a:p>
-            <a:pPr lvl="1" marL="432000" indent="-214200">
+            <a:pPr lvl="1" marL="432000" indent="-213480">
               <a:lnSpc>
                 <a:spcPct val="100000"/>
               </a:lnSpc>
@@ -17906,7 +18074,7 @@
             </a:endParaRPr>
           </a:p>
           <a:p>
-            <a:pPr lvl="1" marL="432000" indent="-214200">
+            <a:pPr lvl="1" marL="432000" indent="-213480">
               <a:lnSpc>
                 <a:spcPct val="100000"/>
               </a:lnSpc>
@@ -17942,7 +18110,7 @@
             </a:endParaRPr>
           </a:p>
           <a:p>
-            <a:pPr lvl="1" marL="432000" indent="-214200">
+            <a:pPr lvl="1" marL="432000" indent="-213480">
               <a:lnSpc>
                 <a:spcPct val="100000"/>
               </a:lnSpc>
@@ -17978,7 +18146,7 @@
             </a:endParaRPr>
           </a:p>
           <a:p>
-            <a:pPr marL="216000" indent="-214200">
+            <a:pPr marL="216000" indent="-213480">
               <a:lnSpc>
                 <a:spcPct val="100000"/>
               </a:lnSpc>
@@ -18014,7 +18182,7 @@
             </a:endParaRPr>
           </a:p>
           <a:p>
-            <a:pPr lvl="1" marL="432000" indent="-214200">
+            <a:pPr lvl="1" marL="432000" indent="-213480">
               <a:lnSpc>
                 <a:spcPct val="100000"/>
               </a:lnSpc>
@@ -18050,7 +18218,7 @@
             </a:endParaRPr>
           </a:p>
           <a:p>
-            <a:pPr lvl="1" marL="432000" indent="-214200">
+            <a:pPr lvl="1" marL="432000" indent="-213480">
               <a:lnSpc>
                 <a:spcPct val="100000"/>
               </a:lnSpc>
@@ -18086,7 +18254,7 @@
             </a:endParaRPr>
           </a:p>
           <a:p>
-            <a:pPr lvl="1" marL="432000" indent="-214200">
+            <a:pPr lvl="1" marL="432000" indent="-213480">
               <a:lnSpc>
                 <a:spcPct val="100000"/>
               </a:lnSpc>
@@ -18122,7 +18290,7 @@
             </a:endParaRPr>
           </a:p>
           <a:p>
-            <a:pPr lvl="1" marL="432000" indent="-214200">
+            <a:pPr lvl="1" marL="432000" indent="-213480">
               <a:lnSpc>
                 <a:spcPct val="100000"/>
               </a:lnSpc>
@@ -18158,7 +18326,7 @@
             </a:endParaRPr>
           </a:p>
           <a:p>
-            <a:pPr lvl="1" marL="432000" indent="-214200">
+            <a:pPr lvl="1" marL="432000" indent="-213480">
               <a:lnSpc>
                 <a:spcPct val="100000"/>
               </a:lnSpc>
@@ -18194,7 +18362,7 @@
             </a:endParaRPr>
           </a:p>
           <a:p>
-            <a:pPr marL="216000" indent="-214200">
+            <a:pPr marL="216000" indent="-213480">
               <a:lnSpc>
                 <a:spcPct val="100000"/>
               </a:lnSpc>
@@ -18230,7 +18398,7 @@
             </a:endParaRPr>
           </a:p>
           <a:p>
-            <a:pPr lvl="1" marL="432000" indent="-214200">
+            <a:pPr lvl="1" marL="432000" indent="-213480">
               <a:lnSpc>
                 <a:spcPct val="100000"/>
               </a:lnSpc>
@@ -18266,7 +18434,7 @@
             </a:endParaRPr>
           </a:p>
           <a:p>
-            <a:pPr marL="216000" indent="-214200">
+            <a:pPr marL="216000" indent="-213480">
               <a:lnSpc>
                 <a:spcPct val="100000"/>
               </a:lnSpc>
@@ -18302,7 +18470,7 @@
             </a:endParaRPr>
           </a:p>
           <a:p>
-            <a:pPr lvl="1" marL="432000" indent="-214200">
+            <a:pPr lvl="1" marL="432000" indent="-213480">
               <a:lnSpc>
                 <a:spcPct val="100000"/>
               </a:lnSpc>
@@ -18396,8 +18564,8 @@
         </p:nvSpPr>
         <p:spPr>
           <a:xfrm>
-            <a:off x="288000" y="39600"/>
-            <a:ext cx="5685840" cy="939960"/>
+            <a:off x="226440" y="230400"/>
+            <a:ext cx="8269560" cy="559080"/>
           </a:xfrm>
           <a:prstGeom prst="rect">
             <a:avLst/>
@@ -18414,11 +18582,11 @@
           <a:fontRef idx="minor"/>
         </p:style>
         <p:txBody>
-          <a:bodyPr lIns="0" rIns="0" tIns="0" bIns="0" anchor="ctr"/>
+          <a:bodyPr lIns="90000" rIns="90000" tIns="45000" bIns="45000"/>
           <a:p>
             <a:pPr>
               <a:lnSpc>
-                <a:spcPts val="2"/>
+                <a:spcPts val="0"/>
               </a:lnSpc>
             </a:pPr>
             <a:r>
@@ -18434,7 +18602,7 @@
                 <a:latin typeface="Microsoft YaHei"/>
                 <a:ea typeface="Microsoft YaHei"/>
               </a:rPr>
-              <a:t>APPLCM Interfaces </a:t>
+              <a:t>Data Syncronization between cloud and edge</a:t>
             </a:r>
             <a:endParaRPr b="0" lang="en-IN" sz="1800" spc="-1" strike="noStrike">
               <a:solidFill>
@@ -18450,2100 +18618,412 @@
           </a:p>
         </p:txBody>
       </p:sp>
-      <p:graphicFrame>
-        <p:nvGraphicFramePr>
-          <p:cNvPr id="301" name="Table 2"/>
-          <p:cNvGraphicFramePr/>
+      <p:sp>
+        <p:nvSpPr>
+          <p:cNvPr id="301" name="CustomShape 2"/>
+          <p:cNvSpPr/>
           <p:nvPr/>
-        </p:nvGraphicFramePr>
-        <p:xfrm>
-          <a:off x="288000" y="864000"/>
-          <a:ext cx="9503640" cy="4424400"/>
-        </p:xfrm>
-        <a:graphic>
-          <a:graphicData uri="http://schemas.openxmlformats.org/drawingml/2006/table">
-            <a:tbl>
-              <a:tblPr/>
-              <a:tblGrid>
-                <a:gridCol w="1041480"/>
-                <a:gridCol w="4294800"/>
-                <a:gridCol w="2358000"/>
-                <a:gridCol w="1809720"/>
-              </a:tblGrid>
-              <a:tr h="303480">
-                <a:tc>
-                  <a:txBody>
-                    <a:bodyPr lIns="90000" rIns="90000"/>
-                    <a:p>
-                      <a:r>
-                        <a:rPr b="0" lang="en-IN" sz="1500" spc="-1" strike="noStrike">
-                          <a:solidFill>
-                            <a:srgbClr val="000000"/>
-                          </a:solidFill>
-                          <a:uFill>
-                            <a:solidFill>
-                              <a:srgbClr val="ffffff"/>
-                            </a:solidFill>
-                          </a:uFill>
-                          <a:latin typeface="Arial"/>
-                        </a:rPr>
-                        <a:t>Method</a:t>
-                      </a:r>
-                      <a:endParaRPr b="0" lang="en-IN" sz="1800" spc="-1" strike="noStrike">
-                        <a:solidFill>
-                          <a:srgbClr val="000000"/>
-                        </a:solidFill>
-                        <a:uFill>
-                          <a:solidFill>
-                            <a:srgbClr val="ffffff"/>
-                          </a:solidFill>
-                        </a:uFill>
-                        <a:latin typeface="Arial"/>
-                      </a:endParaRPr>
-                    </a:p>
-                  </a:txBody>
-                  <a:tcPr marL="90000" marR="90000">
-                    <a:lnL w="720">
-                      <a:solidFill>
-                        <a:srgbClr val="ffffff"/>
-                      </a:solidFill>
-                    </a:lnL>
-                    <a:lnR w="720">
-                      <a:solidFill>
-                        <a:srgbClr val="ffffff"/>
-                      </a:solidFill>
-                    </a:lnR>
-                    <a:lnT w="720">
-                      <a:solidFill>
-                        <a:srgbClr val="ffffff"/>
-                      </a:solidFill>
-                    </a:lnT>
-                    <a:lnB w="720">
-                      <a:solidFill>
-                        <a:srgbClr val="ffffff"/>
-                      </a:solidFill>
-                    </a:lnB>
-                    <a:solidFill>
-                      <a:srgbClr val="b3b3b3"/>
-                    </a:solidFill>
-                  </a:tcPr>
-                </a:tc>
-                <a:tc>
-                  <a:txBody>
-                    <a:bodyPr lIns="90000" rIns="90000"/>
-                    <a:p>
-                      <a:r>
-                        <a:rPr b="0" lang="en-IN" sz="1500" spc="-1" strike="noStrike">
-                          <a:solidFill>
-                            <a:srgbClr val="000000"/>
-                          </a:solidFill>
-                          <a:uFill>
-                            <a:solidFill>
-                              <a:srgbClr val="ffffff"/>
-                            </a:solidFill>
-                          </a:uFill>
-                          <a:latin typeface="Arial"/>
-                        </a:rPr>
-                        <a:t>API</a:t>
-                      </a:r>
-                      <a:endParaRPr b="0" lang="en-IN" sz="1800" spc="-1" strike="noStrike">
-                        <a:solidFill>
-                          <a:srgbClr val="000000"/>
-                        </a:solidFill>
-                        <a:uFill>
-                          <a:solidFill>
-                            <a:srgbClr val="ffffff"/>
-                          </a:solidFill>
-                        </a:uFill>
-                        <a:latin typeface="Arial"/>
-                      </a:endParaRPr>
-                    </a:p>
-                  </a:txBody>
-                  <a:tcPr marL="90000" marR="90000">
-                    <a:lnL w="720">
-                      <a:solidFill>
-                        <a:srgbClr val="ffffff"/>
-                      </a:solidFill>
-                    </a:lnL>
-                    <a:lnR w="720">
-                      <a:solidFill>
-                        <a:srgbClr val="ffffff"/>
-                      </a:solidFill>
-                    </a:lnR>
-                    <a:lnT w="720">
-                      <a:solidFill>
-                        <a:srgbClr val="ffffff"/>
-                      </a:solidFill>
-                    </a:lnT>
-                    <a:lnB w="720">
-                      <a:solidFill>
-                        <a:srgbClr val="ffffff"/>
-                      </a:solidFill>
-                    </a:lnB>
-                    <a:solidFill>
-                      <a:srgbClr val="b3b3b3"/>
-                    </a:solidFill>
-                  </a:tcPr>
-                </a:tc>
-                <a:tc>
-                  <a:txBody>
-                    <a:bodyPr lIns="90000" rIns="90000"/>
-                    <a:p>
-                      <a:r>
-                        <a:rPr b="0" lang="en-IN" sz="1500" spc="-1" strike="noStrike">
-                          <a:solidFill>
-                            <a:srgbClr val="000000"/>
-                          </a:solidFill>
-                          <a:uFill>
-                            <a:solidFill>
-                              <a:srgbClr val="ffffff"/>
-                            </a:solidFill>
-                          </a:uFill>
-                          <a:latin typeface="Arial"/>
-                        </a:rPr>
-                        <a:t>RequestBody</a:t>
-                      </a:r>
-                      <a:endParaRPr b="0" lang="en-IN" sz="1800" spc="-1" strike="noStrike">
-                        <a:solidFill>
-                          <a:srgbClr val="000000"/>
-                        </a:solidFill>
-                        <a:uFill>
-                          <a:solidFill>
-                            <a:srgbClr val="ffffff"/>
-                          </a:solidFill>
-                        </a:uFill>
-                        <a:latin typeface="Arial"/>
-                      </a:endParaRPr>
-                    </a:p>
-                  </a:txBody>
-                  <a:tcPr marL="90000" marR="90000">
-                    <a:lnL w="720">
-                      <a:solidFill>
-                        <a:srgbClr val="ffffff"/>
-                      </a:solidFill>
-                    </a:lnL>
-                    <a:lnR w="720">
-                      <a:solidFill>
-                        <a:srgbClr val="ffffff"/>
-                      </a:solidFill>
-                    </a:lnR>
-                    <a:lnT w="720">
-                      <a:solidFill>
-                        <a:srgbClr val="ffffff"/>
-                      </a:solidFill>
-                    </a:lnT>
-                    <a:lnB w="720">
-                      <a:solidFill>
-                        <a:srgbClr val="ffffff"/>
-                      </a:solidFill>
-                    </a:lnB>
-                    <a:solidFill>
-                      <a:srgbClr val="b3b3b3"/>
-                    </a:solidFill>
-                  </a:tcPr>
-                </a:tc>
-                <a:tc>
-                  <a:txBody>
-                    <a:bodyPr lIns="90000" rIns="90000"/>
-                    <a:p>
-                      <a:r>
-                        <a:rPr b="0" lang="en-IN" sz="1500" spc="-1" strike="noStrike">
-                          <a:solidFill>
-                            <a:srgbClr val="000000"/>
-                          </a:solidFill>
-                          <a:uFill>
-                            <a:solidFill>
-                              <a:srgbClr val="ffffff"/>
-                            </a:solidFill>
-                          </a:uFill>
-                          <a:latin typeface="Arial"/>
-                        </a:rPr>
-                        <a:t>Response</a:t>
-                      </a:r>
-                      <a:endParaRPr b="0" lang="en-IN" sz="1800" spc="-1" strike="noStrike">
-                        <a:solidFill>
-                          <a:srgbClr val="000000"/>
-                        </a:solidFill>
-                        <a:uFill>
-                          <a:solidFill>
-                            <a:srgbClr val="ffffff"/>
-                          </a:solidFill>
-                        </a:uFill>
-                        <a:latin typeface="Arial"/>
-                      </a:endParaRPr>
-                    </a:p>
-                  </a:txBody>
-                  <a:tcPr marL="90000" marR="90000">
-                    <a:lnL w="720">
-                      <a:solidFill>
-                        <a:srgbClr val="ffffff"/>
-                      </a:solidFill>
-                    </a:lnL>
-                    <a:lnR w="720">
-                      <a:solidFill>
-                        <a:srgbClr val="ffffff"/>
-                      </a:solidFill>
-                    </a:lnR>
-                    <a:lnT w="720">
-                      <a:solidFill>
-                        <a:srgbClr val="ffffff"/>
-                      </a:solidFill>
-                    </a:lnT>
-                    <a:lnB w="720">
-                      <a:solidFill>
-                        <a:srgbClr val="ffffff"/>
-                      </a:solidFill>
-                    </a:lnB>
-                    <a:solidFill>
-                      <a:srgbClr val="b3b3b3"/>
-                    </a:solidFill>
-                  </a:tcPr>
-                </a:tc>
-              </a:tr>
-              <a:tr h="430920">
-                <a:tc>
-                  <a:txBody>
-                    <a:bodyPr lIns="90000" rIns="90000"/>
-                    <a:p>
-                      <a:r>
-                        <a:rPr b="0" lang="en-IN" sz="1500" spc="-1" strike="noStrike">
-                          <a:solidFill>
-                            <a:srgbClr val="000000"/>
-                          </a:solidFill>
-                          <a:uFill>
-                            <a:solidFill>
-                              <a:srgbClr val="ffffff"/>
-                            </a:solidFill>
-                          </a:uFill>
-                          <a:latin typeface="Arial"/>
-                        </a:rPr>
-                        <a:t>POST</a:t>
-                      </a:r>
-                      <a:endParaRPr b="0" lang="en-IN" sz="1800" spc="-1" strike="noStrike">
-                        <a:solidFill>
-                          <a:srgbClr val="000000"/>
-                        </a:solidFill>
-                        <a:uFill>
-                          <a:solidFill>
-                            <a:srgbClr val="ffffff"/>
-                          </a:solidFill>
-                        </a:uFill>
-                        <a:latin typeface="Arial"/>
-                      </a:endParaRPr>
-                    </a:p>
-                  </a:txBody>
-                  <a:tcPr marL="90000" marR="90000">
-                    <a:lnL w="720">
-                      <a:solidFill>
-                        <a:srgbClr val="ffffff"/>
-                      </a:solidFill>
-                    </a:lnL>
-                    <a:lnR w="720">
-                      <a:solidFill>
-                        <a:srgbClr val="ffffff"/>
-                      </a:solidFill>
-                    </a:lnR>
-                    <a:lnT w="720">
-                      <a:solidFill>
-                        <a:srgbClr val="ffffff"/>
-                      </a:solidFill>
-                    </a:lnT>
-                    <a:lnB w="720">
-                      <a:solidFill>
-                        <a:srgbClr val="ffffff"/>
-                      </a:solidFill>
-                    </a:lnB>
-                    <a:solidFill>
-                      <a:srgbClr val="cccccc"/>
-                    </a:solidFill>
-                  </a:tcPr>
-                </a:tc>
-                <a:tc>
-                  <a:txBody>
-                    <a:bodyPr lIns="90000" rIns="90000"/>
-                    <a:p>
-                      <a:r>
-                        <a:rPr b="0" lang="en-IN" sz="1600" spc="-1" strike="noStrike">
-                          <a:solidFill>
-                            <a:srgbClr val="000000"/>
-                          </a:solidFill>
-                          <a:uFill>
-                            <a:solidFill>
-                              <a:srgbClr val="ffffff"/>
-                            </a:solidFill>
-                          </a:uFill>
-                          <a:latin typeface="Arial"/>
-                        </a:rPr>
-                        <a:t>lcmcontroller/v1/configuration</a:t>
-                      </a:r>
-                      <a:endParaRPr b="0" lang="en-IN" sz="1800" spc="-1" strike="noStrike">
-                        <a:solidFill>
-                          <a:srgbClr val="000000"/>
-                        </a:solidFill>
-                        <a:uFill>
-                          <a:solidFill>
-                            <a:srgbClr val="ffffff"/>
-                          </a:solidFill>
-                        </a:uFill>
-                        <a:latin typeface="Arial"/>
-                      </a:endParaRPr>
-                    </a:p>
-                  </a:txBody>
-                  <a:tcPr marL="90000" marR="90000">
-                    <a:lnL w="720">
-                      <a:solidFill>
-                        <a:srgbClr val="ffffff"/>
-                      </a:solidFill>
-                    </a:lnL>
-                    <a:lnR w="720">
-                      <a:solidFill>
-                        <a:srgbClr val="ffffff"/>
-                      </a:solidFill>
-                    </a:lnR>
-                    <a:lnT w="720">
-                      <a:solidFill>
-                        <a:srgbClr val="ffffff"/>
-                      </a:solidFill>
-                    </a:lnT>
-                    <a:lnB w="720">
-                      <a:solidFill>
-                        <a:srgbClr val="ffffff"/>
-                      </a:solidFill>
-                    </a:lnB>
-                    <a:solidFill>
-                      <a:srgbClr val="cccccc"/>
-                    </a:solidFill>
-                  </a:tcPr>
-                </a:tc>
-                <a:tc>
-                  <a:txBody>
-                    <a:bodyPr lIns="90000" rIns="90000"/>
-                    <a:p>
-                      <a:r>
-                        <a:rPr b="0" lang="en-IN" sz="1500" spc="-1" strike="noStrike">
-                          <a:solidFill>
-                            <a:srgbClr val="000000"/>
-                          </a:solidFill>
-                          <a:uFill>
-                            <a:solidFill>
-                              <a:srgbClr val="ffffff"/>
-                            </a:solidFill>
-                          </a:uFill>
-                          <a:latin typeface="Arial"/>
-                        </a:rPr>
-                        <a:t>Config file</a:t>
-                      </a:r>
-                      <a:endParaRPr b="0" lang="en-IN" sz="1800" spc="-1" strike="noStrike">
-                        <a:solidFill>
-                          <a:srgbClr val="000000"/>
-                        </a:solidFill>
-                        <a:uFill>
-                          <a:solidFill>
-                            <a:srgbClr val="ffffff"/>
-                          </a:solidFill>
-                        </a:uFill>
-                        <a:latin typeface="Arial"/>
-                      </a:endParaRPr>
-                    </a:p>
-                  </a:txBody>
-                  <a:tcPr marL="90000" marR="90000">
-                    <a:lnL w="720">
-                      <a:solidFill>
-                        <a:srgbClr val="ffffff"/>
-                      </a:solidFill>
-                    </a:lnL>
-                    <a:lnR w="720">
-                      <a:solidFill>
-                        <a:srgbClr val="ffffff"/>
-                      </a:solidFill>
-                    </a:lnR>
-                    <a:lnT w="720">
-                      <a:solidFill>
-                        <a:srgbClr val="ffffff"/>
-                      </a:solidFill>
-                    </a:lnT>
-                    <a:lnB w="720">
-                      <a:solidFill>
-                        <a:srgbClr val="ffffff"/>
-                      </a:solidFill>
-                    </a:lnB>
-                    <a:solidFill>
-                      <a:srgbClr val="cccccc"/>
-                    </a:solidFill>
-                  </a:tcPr>
-                </a:tc>
-                <a:tc>
-                  <a:txBody>
-                    <a:bodyPr lIns="90000" rIns="90000"/>
-                    <a:p>
-                      <a:r>
-                        <a:rPr b="0" lang="en-IN" sz="1500" spc="-1" strike="noStrike">
-                          <a:solidFill>
-                            <a:srgbClr val="000000"/>
-                          </a:solidFill>
-                          <a:uFill>
-                            <a:solidFill>
-                              <a:srgbClr val="ffffff"/>
-                            </a:solidFill>
-                          </a:uFill>
-                          <a:latin typeface="Arial"/>
-                        </a:rPr>
-                        <a:t>ok/error</a:t>
-                      </a:r>
-                      <a:endParaRPr b="0" lang="en-IN" sz="1800" spc="-1" strike="noStrike">
-                        <a:solidFill>
-                          <a:srgbClr val="000000"/>
-                        </a:solidFill>
-                        <a:uFill>
-                          <a:solidFill>
-                            <a:srgbClr val="ffffff"/>
-                          </a:solidFill>
-                        </a:uFill>
-                        <a:latin typeface="Arial"/>
-                      </a:endParaRPr>
-                    </a:p>
-                  </a:txBody>
-                  <a:tcPr marL="90000" marR="90000">
-                    <a:lnL w="720">
-                      <a:solidFill>
-                        <a:srgbClr val="ffffff"/>
-                      </a:solidFill>
-                    </a:lnL>
-                    <a:lnR w="720">
-                      <a:solidFill>
-                        <a:srgbClr val="ffffff"/>
-                      </a:solidFill>
-                    </a:lnR>
-                    <a:lnT w="720">
-                      <a:solidFill>
-                        <a:srgbClr val="ffffff"/>
-                      </a:solidFill>
-                    </a:lnT>
-                    <a:lnB w="720">
-                      <a:solidFill>
-                        <a:srgbClr val="ffffff"/>
-                      </a:solidFill>
-                    </a:lnB>
-                    <a:solidFill>
-                      <a:srgbClr val="cccccc"/>
-                    </a:solidFill>
-                  </a:tcPr>
-                </a:tc>
-              </a:tr>
-              <a:tr h="430920">
-                <a:tc>
-                  <a:txBody>
-                    <a:bodyPr lIns="90000" rIns="90000"/>
-                    <a:p>
-                      <a:r>
-                        <a:rPr b="0" lang="en-IN" sz="1500" spc="-1" strike="noStrike">
-                          <a:solidFill>
-                            <a:srgbClr val="000000"/>
-                          </a:solidFill>
-                          <a:uFill>
-                            <a:solidFill>
-                              <a:srgbClr val="ffffff"/>
-                            </a:solidFill>
-                          </a:uFill>
-                          <a:latin typeface="Arial"/>
-                        </a:rPr>
-                        <a:t>DELETE</a:t>
-                      </a:r>
-                      <a:endParaRPr b="0" lang="en-IN" sz="1800" spc="-1" strike="noStrike">
-                        <a:solidFill>
-                          <a:srgbClr val="000000"/>
-                        </a:solidFill>
-                        <a:uFill>
-                          <a:solidFill>
-                            <a:srgbClr val="ffffff"/>
-                          </a:solidFill>
-                        </a:uFill>
-                        <a:latin typeface="Arial"/>
-                      </a:endParaRPr>
-                    </a:p>
-                  </a:txBody>
-                  <a:tcPr marL="90000" marR="90000">
-                    <a:lnL w="720">
-                      <a:solidFill>
-                        <a:srgbClr val="ffffff"/>
-                      </a:solidFill>
-                    </a:lnL>
-                    <a:lnR w="720">
-                      <a:solidFill>
-                        <a:srgbClr val="ffffff"/>
-                      </a:solidFill>
-                    </a:lnR>
-                    <a:lnT w="720">
-                      <a:solidFill>
-                        <a:srgbClr val="ffffff"/>
-                      </a:solidFill>
-                    </a:lnT>
-                    <a:lnB w="720">
-                      <a:solidFill>
-                        <a:srgbClr val="ffffff"/>
-                      </a:solidFill>
-                    </a:lnB>
-                    <a:solidFill>
-                      <a:srgbClr val="e6e6e6"/>
-                    </a:solidFill>
-                  </a:tcPr>
-                </a:tc>
-                <a:tc>
-                  <a:txBody>
-                    <a:bodyPr lIns="90000" rIns="90000"/>
-                    <a:p>
-                      <a:r>
-                        <a:rPr b="0" lang="en-IN" sz="1600" spc="-1" strike="noStrike">
-                          <a:solidFill>
-                            <a:srgbClr val="000000"/>
-                          </a:solidFill>
-                          <a:uFill>
-                            <a:solidFill>
-                              <a:srgbClr val="ffffff"/>
-                            </a:solidFill>
-                          </a:uFill>
-                          <a:latin typeface="Arial"/>
-                        </a:rPr>
-                        <a:t>lcmcontroller/v1/configuration</a:t>
-                      </a:r>
-                      <a:endParaRPr b="0" lang="en-IN" sz="1800" spc="-1" strike="noStrike">
-                        <a:solidFill>
-                          <a:srgbClr val="000000"/>
-                        </a:solidFill>
-                        <a:uFill>
-                          <a:solidFill>
-                            <a:srgbClr val="ffffff"/>
-                          </a:solidFill>
-                        </a:uFill>
-                        <a:latin typeface="Arial"/>
-                      </a:endParaRPr>
-                    </a:p>
-                  </a:txBody>
-                  <a:tcPr marL="90000" marR="90000">
-                    <a:lnL w="720">
-                      <a:solidFill>
-                        <a:srgbClr val="ffffff"/>
-                      </a:solidFill>
-                    </a:lnL>
-                    <a:lnR w="720">
-                      <a:solidFill>
-                        <a:srgbClr val="ffffff"/>
-                      </a:solidFill>
-                    </a:lnR>
-                    <a:lnT w="720">
-                      <a:solidFill>
-                        <a:srgbClr val="ffffff"/>
-                      </a:solidFill>
-                    </a:lnT>
-                    <a:lnB w="720">
-                      <a:solidFill>
-                        <a:srgbClr val="ffffff"/>
-                      </a:solidFill>
-                    </a:lnB>
-                    <a:solidFill>
-                      <a:srgbClr val="e6e6e6"/>
-                    </a:solidFill>
-                  </a:tcPr>
-                </a:tc>
-                <a:tc>
-                  <a:txBody>
-                    <a:bodyPr lIns="90000" rIns="90000"/>
-                    <a:p>
-                      <a:r>
-                        <a:rPr b="0" lang="en-IN" sz="1500" spc="-1" strike="noStrike">
-                          <a:solidFill>
-                            <a:srgbClr val="000000"/>
-                          </a:solidFill>
-                          <a:uFill>
-                            <a:solidFill>
-                              <a:srgbClr val="ffffff"/>
-                            </a:solidFill>
-                          </a:uFill>
-                          <a:latin typeface="Arial"/>
-                        </a:rPr>
-                        <a:t>None</a:t>
-                      </a:r>
-                      <a:endParaRPr b="0" lang="en-IN" sz="1800" spc="-1" strike="noStrike">
-                        <a:solidFill>
-                          <a:srgbClr val="000000"/>
-                        </a:solidFill>
-                        <a:uFill>
-                          <a:solidFill>
-                            <a:srgbClr val="ffffff"/>
-                          </a:solidFill>
-                        </a:uFill>
-                        <a:latin typeface="Arial"/>
-                      </a:endParaRPr>
-                    </a:p>
-                  </a:txBody>
-                  <a:tcPr marL="90000" marR="90000">
-                    <a:lnL w="720">
-                      <a:solidFill>
-                        <a:srgbClr val="ffffff"/>
-                      </a:solidFill>
-                    </a:lnL>
-                    <a:lnR w="720">
-                      <a:solidFill>
-                        <a:srgbClr val="ffffff"/>
-                      </a:solidFill>
-                    </a:lnR>
-                    <a:lnT w="720">
-                      <a:solidFill>
-                        <a:srgbClr val="ffffff"/>
-                      </a:solidFill>
-                    </a:lnT>
-                    <a:lnB w="720">
-                      <a:solidFill>
-                        <a:srgbClr val="ffffff"/>
-                      </a:solidFill>
-                    </a:lnB>
-                    <a:solidFill>
-                      <a:srgbClr val="e6e6e6"/>
-                    </a:solidFill>
-                  </a:tcPr>
-                </a:tc>
-                <a:tc>
-                  <a:txBody>
-                    <a:bodyPr lIns="90000" rIns="90000"/>
-                    <a:p>
-                      <a:r>
-                        <a:rPr b="0" lang="en-IN" sz="1500" spc="-1" strike="noStrike">
-                          <a:solidFill>
-                            <a:srgbClr val="000000"/>
-                          </a:solidFill>
-                          <a:uFill>
-                            <a:solidFill>
-                              <a:srgbClr val="ffffff"/>
-                            </a:solidFill>
-                          </a:uFill>
-                          <a:latin typeface="Arial"/>
-                        </a:rPr>
-                        <a:t>ok/error</a:t>
-                      </a:r>
-                      <a:endParaRPr b="0" lang="en-IN" sz="1800" spc="-1" strike="noStrike">
-                        <a:solidFill>
-                          <a:srgbClr val="000000"/>
-                        </a:solidFill>
-                        <a:uFill>
-                          <a:solidFill>
-                            <a:srgbClr val="ffffff"/>
-                          </a:solidFill>
-                        </a:uFill>
-                        <a:latin typeface="Arial"/>
-                      </a:endParaRPr>
-                    </a:p>
-                  </a:txBody>
-                  <a:tcPr marL="90000" marR="90000">
-                    <a:lnL w="720">
-                      <a:solidFill>
-                        <a:srgbClr val="ffffff"/>
-                      </a:solidFill>
-                    </a:lnL>
-                    <a:lnR w="720">
-                      <a:solidFill>
-                        <a:srgbClr val="ffffff"/>
-                      </a:solidFill>
-                    </a:lnR>
-                    <a:lnT w="720">
-                      <a:solidFill>
-                        <a:srgbClr val="ffffff"/>
-                      </a:solidFill>
-                    </a:lnT>
-                    <a:lnB w="720">
-                      <a:solidFill>
-                        <a:srgbClr val="ffffff"/>
-                      </a:solidFill>
-                    </a:lnB>
-                    <a:solidFill>
-                      <a:srgbClr val="e6e6e6"/>
-                    </a:solidFill>
-                  </a:tcPr>
-                </a:tc>
-              </a:tr>
-              <a:tr h="543240">
-                <a:tc>
-                  <a:txBody>
-                    <a:bodyPr lIns="90000" rIns="90000"/>
-                    <a:p>
-                      <a:r>
-                        <a:rPr b="0" lang="en-IN" sz="1500" spc="-1" strike="noStrike">
-                          <a:solidFill>
-                            <a:srgbClr val="000000"/>
-                          </a:solidFill>
-                          <a:uFill>
-                            <a:solidFill>
-                              <a:srgbClr val="ffffff"/>
-                            </a:solidFill>
-                          </a:uFill>
-                          <a:latin typeface="Arial"/>
-                        </a:rPr>
-                        <a:t>POST</a:t>
-                      </a:r>
-                      <a:endParaRPr b="0" lang="en-IN" sz="1800" spc="-1" strike="noStrike">
-                        <a:solidFill>
-                          <a:srgbClr val="000000"/>
-                        </a:solidFill>
-                        <a:uFill>
-                          <a:solidFill>
-                            <a:srgbClr val="ffffff"/>
-                          </a:solidFill>
-                        </a:uFill>
-                        <a:latin typeface="Arial"/>
-                      </a:endParaRPr>
-                    </a:p>
-                  </a:txBody>
-                  <a:tcPr marL="90000" marR="90000">
-                    <a:lnL w="720">
-                      <a:solidFill>
-                        <a:srgbClr val="ffffff"/>
-                      </a:solidFill>
-                    </a:lnL>
-                    <a:lnR w="720">
-                      <a:solidFill>
-                        <a:srgbClr val="ffffff"/>
-                      </a:solidFill>
-                    </a:lnR>
-                    <a:lnT w="720">
-                      <a:solidFill>
-                        <a:srgbClr val="ffffff"/>
-                      </a:solidFill>
-                    </a:lnT>
-                    <a:lnB w="720">
-                      <a:solidFill>
-                        <a:srgbClr val="ffffff"/>
-                      </a:solidFill>
-                    </a:lnB>
-                    <a:solidFill>
-                      <a:srgbClr val="cccccc"/>
-                    </a:solidFill>
-                  </a:tcPr>
-                </a:tc>
-                <a:tc>
-                  <a:txBody>
-                    <a:bodyPr lIns="90000" rIns="90000"/>
-                    <a:p>
-                      <a:r>
-                        <a:rPr b="0" lang="en-IN" sz="1600" spc="-1" strike="noStrike">
-                          <a:solidFill>
-                            <a:srgbClr val="000000"/>
-                          </a:solidFill>
-                          <a:uFill>
-                            <a:solidFill>
-                              <a:srgbClr val="ffffff"/>
-                            </a:solidFill>
-                          </a:uFill>
-                          <a:latin typeface="Arial"/>
-                        </a:rPr>
-                        <a:t>lcmcontroller/v1/tenants/:tenantId/app_instances/:appInstanceId/instantiate</a:t>
-                      </a:r>
-                      <a:endParaRPr b="0" lang="en-IN" sz="1800" spc="-1" strike="noStrike">
-                        <a:solidFill>
-                          <a:srgbClr val="000000"/>
-                        </a:solidFill>
-                        <a:uFill>
-                          <a:solidFill>
-                            <a:srgbClr val="ffffff"/>
-                          </a:solidFill>
-                        </a:uFill>
-                        <a:latin typeface="Arial"/>
-                      </a:endParaRPr>
-                    </a:p>
-                  </a:txBody>
-                  <a:tcPr marL="90000" marR="90000">
-                    <a:lnL w="720">
-                      <a:solidFill>
-                        <a:srgbClr val="ffffff"/>
-                      </a:solidFill>
-                    </a:lnL>
-                    <a:lnR w="720">
-                      <a:solidFill>
-                        <a:srgbClr val="ffffff"/>
-                      </a:solidFill>
-                    </a:lnR>
-                    <a:lnT w="720">
-                      <a:solidFill>
-                        <a:srgbClr val="ffffff"/>
-                      </a:solidFill>
-                    </a:lnT>
-                    <a:lnB w="720">
-                      <a:solidFill>
-                        <a:srgbClr val="ffffff"/>
-                      </a:solidFill>
-                    </a:lnB>
-                    <a:solidFill>
-                      <a:srgbClr val="cccccc"/>
-                    </a:solidFill>
-                  </a:tcPr>
-                </a:tc>
-                <a:tc>
-                  <a:txBody>
-                    <a:bodyPr lIns="90000" rIns="90000"/>
-                    <a:p>
-                      <a:r>
-                        <a:rPr b="0" lang="en-IN" sz="1500" spc="-1" strike="noStrike">
-                          <a:solidFill>
-                            <a:srgbClr val="000000"/>
-                          </a:solidFill>
-                          <a:uFill>
-                            <a:solidFill>
-                              <a:srgbClr val="ffffff"/>
-                            </a:solidFill>
-                          </a:uFill>
-                          <a:latin typeface="Arial"/>
-                        </a:rPr>
-                        <a:t>App package file</a:t>
-                      </a:r>
-                      <a:endParaRPr b="0" lang="en-IN" sz="1800" spc="-1" strike="noStrike">
-                        <a:solidFill>
-                          <a:srgbClr val="000000"/>
-                        </a:solidFill>
-                        <a:uFill>
-                          <a:solidFill>
-                            <a:srgbClr val="ffffff"/>
-                          </a:solidFill>
-                        </a:uFill>
-                        <a:latin typeface="Arial"/>
-                      </a:endParaRPr>
-                    </a:p>
-                  </a:txBody>
-                  <a:tcPr marL="90000" marR="90000">
-                    <a:lnL w="720">
-                      <a:solidFill>
-                        <a:srgbClr val="ffffff"/>
-                      </a:solidFill>
-                    </a:lnL>
-                    <a:lnR w="720">
-                      <a:solidFill>
-                        <a:srgbClr val="ffffff"/>
-                      </a:solidFill>
-                    </a:lnR>
-                    <a:lnT w="720">
-                      <a:solidFill>
-                        <a:srgbClr val="ffffff"/>
-                      </a:solidFill>
-                    </a:lnT>
-                    <a:lnB w="720">
-                      <a:solidFill>
-                        <a:srgbClr val="ffffff"/>
-                      </a:solidFill>
-                    </a:lnB>
-                    <a:solidFill>
-                      <a:srgbClr val="cccccc"/>
-                    </a:solidFill>
-                  </a:tcPr>
-                </a:tc>
-                <a:tc>
-                  <a:txBody>
-                    <a:bodyPr lIns="90000" rIns="90000"/>
-                    <a:p>
-                      <a:r>
-                        <a:rPr b="0" lang="en-IN" sz="1500" spc="-1" strike="noStrike">
-                          <a:solidFill>
-                            <a:srgbClr val="000000"/>
-                          </a:solidFill>
-                          <a:uFill>
-                            <a:solidFill>
-                              <a:srgbClr val="ffffff"/>
-                            </a:solidFill>
-                          </a:uFill>
-                          <a:latin typeface="Arial"/>
-                        </a:rPr>
-                        <a:t>ok/error</a:t>
-                      </a:r>
-                      <a:endParaRPr b="0" lang="en-IN" sz="1800" spc="-1" strike="noStrike">
-                        <a:solidFill>
-                          <a:srgbClr val="000000"/>
-                        </a:solidFill>
-                        <a:uFill>
-                          <a:solidFill>
-                            <a:srgbClr val="ffffff"/>
-                          </a:solidFill>
-                        </a:uFill>
-                        <a:latin typeface="Arial"/>
-                      </a:endParaRPr>
-                    </a:p>
-                  </a:txBody>
-                  <a:tcPr marL="90000" marR="90000">
-                    <a:lnL w="720">
-                      <a:solidFill>
-                        <a:srgbClr val="ffffff"/>
-                      </a:solidFill>
-                    </a:lnL>
-                    <a:lnR w="720">
-                      <a:solidFill>
-                        <a:srgbClr val="ffffff"/>
-                      </a:solidFill>
-                    </a:lnR>
-                    <a:lnT w="720">
-                      <a:solidFill>
-                        <a:srgbClr val="ffffff"/>
-                      </a:solidFill>
-                    </a:lnT>
-                    <a:lnB w="720">
-                      <a:solidFill>
-                        <a:srgbClr val="ffffff"/>
-                      </a:solidFill>
-                    </a:lnB>
-                    <a:solidFill>
-                      <a:srgbClr val="cccccc"/>
-                    </a:solidFill>
-                  </a:tcPr>
-                </a:tc>
-              </a:tr>
-              <a:tr h="543240">
-                <a:tc>
-                  <a:txBody>
-                    <a:bodyPr lIns="90000" rIns="90000"/>
-                    <a:p>
-                      <a:r>
-                        <a:rPr b="0" lang="en-IN" sz="1500" spc="-1" strike="noStrike">
-                          <a:solidFill>
-                            <a:srgbClr val="000000"/>
-                          </a:solidFill>
-                          <a:uFill>
-                            <a:solidFill>
-                              <a:srgbClr val="ffffff"/>
-                            </a:solidFill>
-                          </a:uFill>
-                          <a:latin typeface="Arial"/>
-                        </a:rPr>
-                        <a:t>POST</a:t>
-                      </a:r>
-                      <a:endParaRPr b="0" lang="en-IN" sz="1800" spc="-1" strike="noStrike">
-                        <a:solidFill>
-                          <a:srgbClr val="000000"/>
-                        </a:solidFill>
-                        <a:uFill>
-                          <a:solidFill>
-                            <a:srgbClr val="ffffff"/>
-                          </a:solidFill>
-                        </a:uFill>
-                        <a:latin typeface="Arial"/>
-                      </a:endParaRPr>
-                    </a:p>
-                  </a:txBody>
-                  <a:tcPr marL="90000" marR="90000">
-                    <a:lnL w="720">
-                      <a:solidFill>
-                        <a:srgbClr val="ffffff"/>
-                      </a:solidFill>
-                    </a:lnL>
-                    <a:lnR w="720">
-                      <a:solidFill>
-                        <a:srgbClr val="ffffff"/>
-                      </a:solidFill>
-                    </a:lnR>
-                    <a:lnT w="720">
-                      <a:solidFill>
-                        <a:srgbClr val="ffffff"/>
-                      </a:solidFill>
-                    </a:lnT>
-                    <a:lnB w="720">
-                      <a:solidFill>
-                        <a:srgbClr val="ffffff"/>
-                      </a:solidFill>
-                    </a:lnB>
-                    <a:solidFill>
-                      <a:srgbClr val="e6e6e6"/>
-                    </a:solidFill>
-                  </a:tcPr>
-                </a:tc>
-                <a:tc>
-                  <a:txBody>
-                    <a:bodyPr lIns="90000" rIns="90000"/>
-                    <a:p>
-                      <a:r>
-                        <a:rPr b="0" lang="en-IN" sz="1600" spc="-1" strike="noStrike">
-                          <a:solidFill>
-                            <a:srgbClr val="000000"/>
-                          </a:solidFill>
-                          <a:uFill>
-                            <a:solidFill>
-                              <a:srgbClr val="ffffff"/>
-                            </a:solidFill>
-                          </a:uFill>
-                          <a:latin typeface="Arial"/>
-                        </a:rPr>
-                        <a:t>lcmcontroller/v1/tenants/:tenantId/app_instances/:appInstanceId/terminate</a:t>
-                      </a:r>
-                      <a:endParaRPr b="0" lang="en-IN" sz="1800" spc="-1" strike="noStrike">
-                        <a:solidFill>
-                          <a:srgbClr val="000000"/>
-                        </a:solidFill>
-                        <a:uFill>
-                          <a:solidFill>
-                            <a:srgbClr val="ffffff"/>
-                          </a:solidFill>
-                        </a:uFill>
-                        <a:latin typeface="Arial"/>
-                      </a:endParaRPr>
-                    </a:p>
-                  </a:txBody>
-                  <a:tcPr marL="90000" marR="90000">
-                    <a:lnL w="720">
-                      <a:solidFill>
-                        <a:srgbClr val="ffffff"/>
-                      </a:solidFill>
-                    </a:lnL>
-                    <a:lnR w="720">
-                      <a:solidFill>
-                        <a:srgbClr val="ffffff"/>
-                      </a:solidFill>
-                    </a:lnR>
-                    <a:lnT w="720">
-                      <a:solidFill>
-                        <a:srgbClr val="ffffff"/>
-                      </a:solidFill>
-                    </a:lnT>
-                    <a:lnB w="720">
-                      <a:solidFill>
-                        <a:srgbClr val="ffffff"/>
-                      </a:solidFill>
-                    </a:lnB>
-                    <a:solidFill>
-                      <a:srgbClr val="e6e6e6"/>
-                    </a:solidFill>
-                  </a:tcPr>
-                </a:tc>
-                <a:tc>
-                  <a:txBody>
-                    <a:bodyPr lIns="90000" rIns="90000"/>
-                    <a:p>
-                      <a:r>
-                        <a:rPr b="0" lang="en-IN" sz="1500" spc="-1" strike="noStrike">
-                          <a:solidFill>
-                            <a:srgbClr val="000000"/>
-                          </a:solidFill>
-                          <a:uFill>
-                            <a:solidFill>
-                              <a:srgbClr val="ffffff"/>
-                            </a:solidFill>
-                          </a:uFill>
-                          <a:latin typeface="Arial"/>
-                        </a:rPr>
-                        <a:t>None</a:t>
-                      </a:r>
-                      <a:endParaRPr b="0" lang="en-IN" sz="1800" spc="-1" strike="noStrike">
-                        <a:solidFill>
-                          <a:srgbClr val="000000"/>
-                        </a:solidFill>
-                        <a:uFill>
-                          <a:solidFill>
-                            <a:srgbClr val="ffffff"/>
-                          </a:solidFill>
-                        </a:uFill>
-                        <a:latin typeface="Arial"/>
-                      </a:endParaRPr>
-                    </a:p>
-                  </a:txBody>
-                  <a:tcPr marL="90000" marR="90000">
-                    <a:lnL w="720">
-                      <a:solidFill>
-                        <a:srgbClr val="ffffff"/>
-                      </a:solidFill>
-                    </a:lnL>
-                    <a:lnR w="720">
-                      <a:solidFill>
-                        <a:srgbClr val="ffffff"/>
-                      </a:solidFill>
-                    </a:lnR>
-                    <a:lnT w="720">
-                      <a:solidFill>
-                        <a:srgbClr val="ffffff"/>
-                      </a:solidFill>
-                    </a:lnT>
-                    <a:lnB w="720">
-                      <a:solidFill>
-                        <a:srgbClr val="ffffff"/>
-                      </a:solidFill>
-                    </a:lnB>
-                    <a:solidFill>
-                      <a:srgbClr val="e6e6e6"/>
-                    </a:solidFill>
-                  </a:tcPr>
-                </a:tc>
-                <a:tc>
-                  <a:txBody>
-                    <a:bodyPr lIns="90000" rIns="90000"/>
-                    <a:p>
-                      <a:r>
-                        <a:rPr b="0" lang="en-IN" sz="1500" spc="-1" strike="noStrike">
-                          <a:solidFill>
-                            <a:srgbClr val="000000"/>
-                          </a:solidFill>
-                          <a:uFill>
-                            <a:solidFill>
-                              <a:srgbClr val="ffffff"/>
-                            </a:solidFill>
-                          </a:uFill>
-                          <a:latin typeface="Arial"/>
-                        </a:rPr>
-                        <a:t>ok/error</a:t>
-                      </a:r>
-                      <a:endParaRPr b="0" lang="en-IN" sz="1800" spc="-1" strike="noStrike">
-                        <a:solidFill>
-                          <a:srgbClr val="000000"/>
-                        </a:solidFill>
-                        <a:uFill>
-                          <a:solidFill>
-                            <a:srgbClr val="ffffff"/>
-                          </a:solidFill>
-                        </a:uFill>
-                        <a:latin typeface="Arial"/>
-                      </a:endParaRPr>
-                    </a:p>
-                  </a:txBody>
-                  <a:tcPr marL="90000" marR="90000">
-                    <a:lnL w="720">
-                      <a:solidFill>
-                        <a:srgbClr val="ffffff"/>
-                      </a:solidFill>
-                    </a:lnL>
-                    <a:lnR w="720">
-                      <a:solidFill>
-                        <a:srgbClr val="ffffff"/>
-                      </a:solidFill>
-                    </a:lnR>
-                    <a:lnT w="720">
-                      <a:solidFill>
-                        <a:srgbClr val="ffffff"/>
-                      </a:solidFill>
-                    </a:lnT>
-                    <a:lnB w="720">
-                      <a:solidFill>
-                        <a:srgbClr val="ffffff"/>
-                      </a:solidFill>
-                    </a:lnB>
-                    <a:solidFill>
-                      <a:srgbClr val="e6e6e6"/>
-                    </a:solidFill>
-                  </a:tcPr>
-                </a:tc>
-              </a:tr>
-              <a:tr h="543240">
-                <a:tc>
-                  <a:txBody>
-                    <a:bodyPr lIns="90000" rIns="90000"/>
-                    <a:p>
-                      <a:r>
-                        <a:rPr b="1" lang="en-IN" sz="1500" spc="-1" strike="noStrike">
-                          <a:solidFill>
-                            <a:srgbClr val="000000"/>
-                          </a:solidFill>
-                          <a:uFill>
-                            <a:solidFill>
-                              <a:srgbClr val="ffffff"/>
-                            </a:solidFill>
-                          </a:uFill>
-                          <a:latin typeface="Arial"/>
-                        </a:rPr>
-                        <a:t>GET</a:t>
-                      </a:r>
-                      <a:endParaRPr b="0" lang="en-IN" sz="1800" spc="-1" strike="noStrike">
-                        <a:solidFill>
-                          <a:srgbClr val="000000"/>
-                        </a:solidFill>
-                        <a:uFill>
-                          <a:solidFill>
-                            <a:srgbClr val="ffffff"/>
-                          </a:solidFill>
-                        </a:uFill>
-                        <a:latin typeface="Arial"/>
-                      </a:endParaRPr>
-                    </a:p>
-                  </a:txBody>
-                  <a:tcPr marL="90000" marR="90000">
-                    <a:lnL w="720">
-                      <a:solidFill>
-                        <a:srgbClr val="ffffff"/>
-                      </a:solidFill>
-                    </a:lnL>
-                    <a:lnR w="720">
-                      <a:solidFill>
-                        <a:srgbClr val="ffffff"/>
-                      </a:solidFill>
-                    </a:lnR>
-                    <a:lnT w="720">
-                      <a:solidFill>
-                        <a:srgbClr val="ffffff"/>
-                      </a:solidFill>
-                    </a:lnT>
-                    <a:lnB w="720">
-                      <a:solidFill>
-                        <a:srgbClr val="ffffff"/>
-                      </a:solidFill>
-                    </a:lnB>
-                    <a:solidFill>
-                      <a:srgbClr val="cccccc"/>
-                    </a:solidFill>
-                  </a:tcPr>
-                </a:tc>
-                <a:tc>
-                  <a:txBody>
-                    <a:bodyPr lIns="90000" rIns="90000"/>
-                    <a:p>
-                      <a:r>
-                        <a:rPr b="1" lang="en-IN" sz="1600" spc="-1" strike="noStrike">
-                          <a:solidFill>
-                            <a:srgbClr val="000000"/>
-                          </a:solidFill>
-                          <a:uFill>
-                            <a:solidFill>
-                              <a:srgbClr val="ffffff"/>
-                            </a:solidFill>
-                          </a:uFill>
-                          <a:latin typeface="Arial"/>
-                        </a:rPr>
-                        <a:t>lcmcontroller/v1/tenants/:tenantId/app_instances</a:t>
-                      </a:r>
-                      <a:endParaRPr b="0" lang="en-IN" sz="1800" spc="-1" strike="noStrike">
-                        <a:solidFill>
-                          <a:srgbClr val="000000"/>
-                        </a:solidFill>
-                        <a:uFill>
-                          <a:solidFill>
-                            <a:srgbClr val="ffffff"/>
-                          </a:solidFill>
-                        </a:uFill>
-                        <a:latin typeface="Arial"/>
-                      </a:endParaRPr>
-                    </a:p>
-                  </a:txBody>
-                  <a:tcPr marL="90000" marR="90000">
-                    <a:lnL w="720">
-                      <a:solidFill>
-                        <a:srgbClr val="ffffff"/>
-                      </a:solidFill>
-                    </a:lnL>
-                    <a:lnR w="720">
-                      <a:solidFill>
-                        <a:srgbClr val="ffffff"/>
-                      </a:solidFill>
-                    </a:lnR>
-                    <a:lnT w="720">
-                      <a:solidFill>
-                        <a:srgbClr val="ffffff"/>
-                      </a:solidFill>
-                    </a:lnT>
-                    <a:lnB w="720">
-                      <a:solidFill>
-                        <a:srgbClr val="ffffff"/>
-                      </a:solidFill>
-                    </a:lnB>
-                    <a:solidFill>
-                      <a:srgbClr val="cccccc"/>
-                    </a:solidFill>
-                  </a:tcPr>
-                </a:tc>
-                <a:tc>
-                  <a:txBody>
-                    <a:bodyPr lIns="90000" rIns="90000"/>
-                    <a:p>
-                      <a:r>
-                        <a:rPr b="1" lang="en-IN" sz="1500" spc="-1" strike="noStrike">
-                          <a:solidFill>
-                            <a:srgbClr val="000000"/>
-                          </a:solidFill>
-                          <a:uFill>
-                            <a:solidFill>
-                              <a:srgbClr val="ffffff"/>
-                            </a:solidFill>
-                          </a:uFill>
-                          <a:latin typeface="Arial"/>
-                        </a:rPr>
-                        <a:t>None</a:t>
-                      </a:r>
-                      <a:endParaRPr b="0" lang="en-IN" sz="1800" spc="-1" strike="noStrike">
-                        <a:solidFill>
-                          <a:srgbClr val="000000"/>
-                        </a:solidFill>
-                        <a:uFill>
-                          <a:solidFill>
-                            <a:srgbClr val="ffffff"/>
-                          </a:solidFill>
-                        </a:uFill>
-                        <a:latin typeface="Arial"/>
-                      </a:endParaRPr>
-                    </a:p>
-                  </a:txBody>
-                  <a:tcPr marL="90000" marR="90000">
-                    <a:lnL w="720">
-                      <a:solidFill>
-                        <a:srgbClr val="ffffff"/>
-                      </a:solidFill>
-                    </a:lnL>
-                    <a:lnR w="720">
-                      <a:solidFill>
-                        <a:srgbClr val="ffffff"/>
-                      </a:solidFill>
-                    </a:lnR>
-                    <a:lnT w="720">
-                      <a:solidFill>
-                        <a:srgbClr val="ffffff"/>
-                      </a:solidFill>
-                    </a:lnT>
-                    <a:lnB w="720">
-                      <a:solidFill>
-                        <a:srgbClr val="ffffff"/>
-                      </a:solidFill>
-                    </a:lnB>
-                    <a:solidFill>
-                      <a:srgbClr val="cccccc"/>
-                    </a:solidFill>
-                  </a:tcPr>
-                </a:tc>
-                <a:tc>
-                  <a:txBody>
-                    <a:bodyPr lIns="90000" rIns="90000"/>
-                    <a:p>
-                      <a:r>
-                        <a:rPr b="1" lang="en-IN" sz="1500" spc="-1" strike="noStrike">
-                          <a:solidFill>
-                            <a:srgbClr val="000000"/>
-                          </a:solidFill>
-                          <a:uFill>
-                            <a:solidFill>
-                              <a:srgbClr val="ffffff"/>
-                            </a:solidFill>
-                          </a:uFill>
-                          <a:latin typeface="Arial"/>
-                        </a:rPr>
-                        <a:t>App instance info</a:t>
-                      </a:r>
-                      <a:endParaRPr b="0" lang="en-IN" sz="1800" spc="-1" strike="noStrike">
-                        <a:solidFill>
-                          <a:srgbClr val="000000"/>
-                        </a:solidFill>
-                        <a:uFill>
-                          <a:solidFill>
-                            <a:srgbClr val="ffffff"/>
-                          </a:solidFill>
-                        </a:uFill>
-                        <a:latin typeface="Arial"/>
-                      </a:endParaRPr>
-                    </a:p>
-                  </a:txBody>
-                  <a:tcPr marL="90000" marR="90000">
-                    <a:lnL w="720">
-                      <a:solidFill>
-                        <a:srgbClr val="ffffff"/>
-                      </a:solidFill>
-                    </a:lnL>
-                    <a:lnR w="720">
-                      <a:solidFill>
-                        <a:srgbClr val="ffffff"/>
-                      </a:solidFill>
-                    </a:lnR>
-                    <a:lnT w="720">
-                      <a:solidFill>
-                        <a:srgbClr val="ffffff"/>
-                      </a:solidFill>
-                    </a:lnT>
-                    <a:lnB w="720">
-                      <a:solidFill>
-                        <a:srgbClr val="ffffff"/>
-                      </a:solidFill>
-                    </a:lnB>
-                    <a:solidFill>
-                      <a:srgbClr val="cccccc"/>
-                    </a:solidFill>
-                  </a:tcPr>
-                </a:tc>
-              </a:tr>
-              <a:tr h="543240">
-                <a:tc>
-                  <a:txBody>
-                    <a:bodyPr lIns="90000" rIns="90000"/>
-                    <a:p>
-                      <a:r>
-                        <a:rPr b="0" lang="en-IN" sz="1500" spc="-1" strike="noStrike">
-                          <a:solidFill>
-                            <a:srgbClr val="000000"/>
-                          </a:solidFill>
-                          <a:uFill>
-                            <a:solidFill>
-                              <a:srgbClr val="ffffff"/>
-                            </a:solidFill>
-                          </a:uFill>
-                          <a:latin typeface="Arial"/>
-                        </a:rPr>
-                        <a:t>GET</a:t>
-                      </a:r>
-                      <a:endParaRPr b="0" lang="en-IN" sz="1800" spc="-1" strike="noStrike">
-                        <a:solidFill>
-                          <a:srgbClr val="000000"/>
-                        </a:solidFill>
-                        <a:uFill>
-                          <a:solidFill>
-                            <a:srgbClr val="ffffff"/>
-                          </a:solidFill>
-                        </a:uFill>
-                        <a:latin typeface="Arial"/>
-                      </a:endParaRPr>
-                    </a:p>
-                  </a:txBody>
-                  <a:tcPr marL="90000" marR="90000">
-                    <a:lnL w="720">
-                      <a:solidFill>
-                        <a:srgbClr val="ffffff"/>
-                      </a:solidFill>
-                    </a:lnL>
-                    <a:lnR w="720">
-                      <a:solidFill>
-                        <a:srgbClr val="ffffff"/>
-                      </a:solidFill>
-                    </a:lnR>
-                    <a:lnT w="720">
-                      <a:solidFill>
-                        <a:srgbClr val="ffffff"/>
-                      </a:solidFill>
-                    </a:lnT>
-                    <a:lnB w="720">
-                      <a:solidFill>
-                        <a:srgbClr val="ffffff"/>
-                      </a:solidFill>
-                    </a:lnB>
-                    <a:solidFill>
-                      <a:srgbClr val="e6e6e6"/>
-                    </a:solidFill>
-                  </a:tcPr>
-                </a:tc>
-                <a:tc>
-                  <a:txBody>
-                    <a:bodyPr lIns="90000" rIns="90000"/>
-                    <a:p>
-                      <a:r>
-                        <a:rPr b="0" lang="en-IN" sz="1600" spc="-1" strike="noStrike">
-                          <a:solidFill>
-                            <a:srgbClr val="000000"/>
-                          </a:solidFill>
-                          <a:uFill>
-                            <a:solidFill>
-                              <a:srgbClr val="ffffff"/>
-                            </a:solidFill>
-                          </a:uFill>
-                          <a:latin typeface="Arial"/>
-                        </a:rPr>
-                        <a:t>lcmcontroller/v1/tenants/:tenantId/hosts/:hostIp/kpi</a:t>
-                      </a:r>
-                      <a:endParaRPr b="0" lang="en-IN" sz="1800" spc="-1" strike="noStrike">
-                        <a:solidFill>
-                          <a:srgbClr val="000000"/>
-                        </a:solidFill>
-                        <a:uFill>
-                          <a:solidFill>
-                            <a:srgbClr val="ffffff"/>
-                          </a:solidFill>
-                        </a:uFill>
-                        <a:latin typeface="Arial"/>
-                      </a:endParaRPr>
-                    </a:p>
-                  </a:txBody>
-                  <a:tcPr marL="90000" marR="90000">
-                    <a:lnL w="720">
-                      <a:solidFill>
-                        <a:srgbClr val="ffffff"/>
-                      </a:solidFill>
-                    </a:lnL>
-                    <a:lnR w="720">
-                      <a:solidFill>
-                        <a:srgbClr val="ffffff"/>
-                      </a:solidFill>
-                    </a:lnR>
-                    <a:lnT w="720">
-                      <a:solidFill>
-                        <a:srgbClr val="ffffff"/>
-                      </a:solidFill>
-                    </a:lnT>
-                    <a:lnB w="720">
-                      <a:solidFill>
-                        <a:srgbClr val="ffffff"/>
-                      </a:solidFill>
-                    </a:lnB>
-                    <a:solidFill>
-                      <a:srgbClr val="e6e6e6"/>
-                    </a:solidFill>
-                  </a:tcPr>
-                </a:tc>
-                <a:tc>
-                  <a:txBody>
-                    <a:bodyPr lIns="90000" rIns="90000"/>
-                    <a:p>
-                      <a:r>
-                        <a:rPr b="0" lang="en-IN" sz="1500" spc="-1" strike="noStrike">
-                          <a:solidFill>
-                            <a:srgbClr val="000000"/>
-                          </a:solidFill>
-                          <a:uFill>
-                            <a:solidFill>
-                              <a:srgbClr val="ffffff"/>
-                            </a:solidFill>
-                          </a:uFill>
-                          <a:latin typeface="Arial"/>
-                        </a:rPr>
-                        <a:t>None</a:t>
-                      </a:r>
-                      <a:endParaRPr b="0" lang="en-IN" sz="1800" spc="-1" strike="noStrike">
-                        <a:solidFill>
-                          <a:srgbClr val="000000"/>
-                        </a:solidFill>
-                        <a:uFill>
-                          <a:solidFill>
-                            <a:srgbClr val="ffffff"/>
-                          </a:solidFill>
-                        </a:uFill>
-                        <a:latin typeface="Arial"/>
-                      </a:endParaRPr>
-                    </a:p>
-                  </a:txBody>
-                  <a:tcPr marL="90000" marR="90000">
-                    <a:lnL w="720">
-                      <a:solidFill>
-                        <a:srgbClr val="ffffff"/>
-                      </a:solidFill>
-                    </a:lnL>
-                    <a:lnR w="720">
-                      <a:solidFill>
-                        <a:srgbClr val="ffffff"/>
-                      </a:solidFill>
-                    </a:lnR>
-                    <a:lnT w="720">
-                      <a:solidFill>
-                        <a:srgbClr val="ffffff"/>
-                      </a:solidFill>
-                    </a:lnT>
-                    <a:lnB w="720">
-                      <a:solidFill>
-                        <a:srgbClr val="ffffff"/>
-                      </a:solidFill>
-                    </a:lnB>
-                    <a:solidFill>
-                      <a:srgbClr val="e6e6e6"/>
-                    </a:solidFill>
-                  </a:tcPr>
-                </a:tc>
-                <a:tc>
-                  <a:txBody>
-                    <a:bodyPr lIns="90000" rIns="90000"/>
-                    <a:p>
-                      <a:r>
-                        <a:rPr b="0" lang="en-IN" sz="1500" spc="-1" strike="noStrike">
-                          <a:solidFill>
-                            <a:srgbClr val="000000"/>
-                          </a:solidFill>
-                          <a:uFill>
-                            <a:solidFill>
-                              <a:srgbClr val="ffffff"/>
-                            </a:solidFill>
-                          </a:uFill>
-                          <a:latin typeface="Arial"/>
-                        </a:rPr>
-                        <a:t>ok/error</a:t>
-                      </a:r>
-                      <a:endParaRPr b="0" lang="en-IN" sz="1800" spc="-1" strike="noStrike">
-                        <a:solidFill>
-                          <a:srgbClr val="000000"/>
-                        </a:solidFill>
-                        <a:uFill>
-                          <a:solidFill>
-                            <a:srgbClr val="ffffff"/>
-                          </a:solidFill>
-                        </a:uFill>
-                        <a:latin typeface="Arial"/>
-                      </a:endParaRPr>
-                    </a:p>
-                  </a:txBody>
-                  <a:tcPr marL="90000" marR="90000">
-                    <a:lnL w="720">
-                      <a:solidFill>
-                        <a:srgbClr val="ffffff"/>
-                      </a:solidFill>
-                    </a:lnL>
-                    <a:lnR w="720">
-                      <a:solidFill>
-                        <a:srgbClr val="ffffff"/>
-                      </a:solidFill>
-                    </a:lnR>
-                    <a:lnT w="720">
-                      <a:solidFill>
-                        <a:srgbClr val="ffffff"/>
-                      </a:solidFill>
-                    </a:lnT>
-                    <a:lnB w="720">
-                      <a:solidFill>
-                        <a:srgbClr val="ffffff"/>
-                      </a:solidFill>
-                    </a:lnB>
-                    <a:solidFill>
-                      <a:srgbClr val="e6e6e6"/>
-                    </a:solidFill>
-                  </a:tcPr>
-                </a:tc>
-              </a:tr>
-              <a:tr h="543240">
-                <a:tc>
-                  <a:txBody>
-                    <a:bodyPr lIns="90000" rIns="90000"/>
-                    <a:p>
-                      <a:r>
-                        <a:rPr b="0" lang="en-IN" sz="1500" spc="-1" strike="noStrike">
-                          <a:solidFill>
-                            <a:srgbClr val="000000"/>
-                          </a:solidFill>
-                          <a:uFill>
-                            <a:solidFill>
-                              <a:srgbClr val="ffffff"/>
-                            </a:solidFill>
-                          </a:uFill>
-                          <a:latin typeface="Arial"/>
-                        </a:rPr>
-                        <a:t>GET</a:t>
-                      </a:r>
-                      <a:endParaRPr b="0" lang="en-IN" sz="1800" spc="-1" strike="noStrike">
-                        <a:solidFill>
-                          <a:srgbClr val="000000"/>
-                        </a:solidFill>
-                        <a:uFill>
-                          <a:solidFill>
-                            <a:srgbClr val="ffffff"/>
-                          </a:solidFill>
-                        </a:uFill>
-                        <a:latin typeface="Arial"/>
-                      </a:endParaRPr>
-                    </a:p>
-                  </a:txBody>
-                  <a:tcPr marL="90000" marR="90000">
-                    <a:lnL w="720">
-                      <a:solidFill>
-                        <a:srgbClr val="ffffff"/>
-                      </a:solidFill>
-                    </a:lnL>
-                    <a:lnR w="720">
-                      <a:solidFill>
-                        <a:srgbClr val="ffffff"/>
-                      </a:solidFill>
-                    </a:lnR>
-                    <a:lnT w="720">
-                      <a:solidFill>
-                        <a:srgbClr val="ffffff"/>
-                      </a:solidFill>
-                    </a:lnT>
-                    <a:lnB w="720">
-                      <a:solidFill>
-                        <a:srgbClr val="ffffff"/>
-                      </a:solidFill>
-                    </a:lnB>
-                    <a:solidFill>
-                      <a:srgbClr val="cccccc"/>
-                    </a:solidFill>
-                  </a:tcPr>
-                </a:tc>
-                <a:tc>
-                  <a:txBody>
-                    <a:bodyPr lIns="90000" rIns="90000"/>
-                    <a:p>
-                      <a:r>
-                        <a:rPr b="0" lang="en-IN" sz="1600" spc="-1" strike="noStrike">
-                          <a:solidFill>
-                            <a:srgbClr val="000000"/>
-                          </a:solidFill>
-                          <a:uFill>
-                            <a:solidFill>
-                              <a:srgbClr val="ffffff"/>
-                            </a:solidFill>
-                          </a:uFill>
-                          <a:latin typeface="Arial"/>
-                        </a:rPr>
-                        <a:t>lcmcontroller/v1/tenants/:tenantId/hosts/:hostIp/mep_capabilities</a:t>
-                      </a:r>
-                      <a:endParaRPr b="0" lang="en-IN" sz="1800" spc="-1" strike="noStrike">
-                        <a:solidFill>
-                          <a:srgbClr val="000000"/>
-                        </a:solidFill>
-                        <a:uFill>
-                          <a:solidFill>
-                            <a:srgbClr val="ffffff"/>
-                          </a:solidFill>
-                        </a:uFill>
-                        <a:latin typeface="Arial"/>
-                      </a:endParaRPr>
-                    </a:p>
-                  </a:txBody>
-                  <a:tcPr marL="90000" marR="90000">
-                    <a:lnL w="720">
-                      <a:solidFill>
-                        <a:srgbClr val="ffffff"/>
-                      </a:solidFill>
-                    </a:lnL>
-                    <a:lnR w="720">
-                      <a:solidFill>
-                        <a:srgbClr val="ffffff"/>
-                      </a:solidFill>
-                    </a:lnR>
-                    <a:lnT w="720">
-                      <a:solidFill>
-                        <a:srgbClr val="ffffff"/>
-                      </a:solidFill>
-                    </a:lnT>
-                    <a:lnB w="720">
-                      <a:solidFill>
-                        <a:srgbClr val="ffffff"/>
-                      </a:solidFill>
-                    </a:lnB>
-                    <a:solidFill>
-                      <a:srgbClr val="cccccc"/>
-                    </a:solidFill>
-                  </a:tcPr>
-                </a:tc>
-                <a:tc>
-                  <a:txBody>
-                    <a:bodyPr lIns="90000" rIns="90000"/>
-                    <a:p>
-                      <a:r>
-                        <a:rPr b="0" lang="en-IN" sz="1500" spc="-1" strike="noStrike">
-                          <a:solidFill>
-                            <a:srgbClr val="000000"/>
-                          </a:solidFill>
-                          <a:uFill>
-                            <a:solidFill>
-                              <a:srgbClr val="ffffff"/>
-                            </a:solidFill>
-                          </a:uFill>
-                          <a:latin typeface="Arial"/>
-                        </a:rPr>
-                        <a:t>None</a:t>
-                      </a:r>
-                      <a:endParaRPr b="0" lang="en-IN" sz="1800" spc="-1" strike="noStrike">
-                        <a:solidFill>
-                          <a:srgbClr val="000000"/>
-                        </a:solidFill>
-                        <a:uFill>
-                          <a:solidFill>
-                            <a:srgbClr val="ffffff"/>
-                          </a:solidFill>
-                        </a:uFill>
-                        <a:latin typeface="Arial"/>
-                      </a:endParaRPr>
-                    </a:p>
-                  </a:txBody>
-                  <a:tcPr marL="90000" marR="90000">
-                    <a:lnL w="720">
-                      <a:solidFill>
-                        <a:srgbClr val="ffffff"/>
-                      </a:solidFill>
-                    </a:lnL>
-                    <a:lnR w="720">
-                      <a:solidFill>
-                        <a:srgbClr val="ffffff"/>
-                      </a:solidFill>
-                    </a:lnR>
-                    <a:lnT w="720">
-                      <a:solidFill>
-                        <a:srgbClr val="ffffff"/>
-                      </a:solidFill>
-                    </a:lnT>
-                    <a:lnB w="720">
-                      <a:solidFill>
-                        <a:srgbClr val="ffffff"/>
-                      </a:solidFill>
-                    </a:lnB>
-                    <a:solidFill>
-                      <a:srgbClr val="cccccc"/>
-                    </a:solidFill>
-                  </a:tcPr>
-                </a:tc>
-                <a:tc>
-                  <a:txBody>
-                    <a:bodyPr lIns="90000" rIns="90000"/>
-                    <a:p>
-                      <a:r>
-                        <a:rPr b="0" lang="en-IN" sz="1500" spc="-1" strike="noStrike">
-                          <a:solidFill>
-                            <a:srgbClr val="000000"/>
-                          </a:solidFill>
-                          <a:uFill>
-                            <a:solidFill>
-                              <a:srgbClr val="ffffff"/>
-                            </a:solidFill>
-                          </a:uFill>
-                          <a:latin typeface="Arial"/>
-                        </a:rPr>
-                        <a:t>Mep capabilities</a:t>
-                      </a:r>
-                      <a:endParaRPr b="0" lang="en-IN" sz="1800" spc="-1" strike="noStrike">
-                        <a:solidFill>
-                          <a:srgbClr val="000000"/>
-                        </a:solidFill>
-                        <a:uFill>
-                          <a:solidFill>
-                            <a:srgbClr val="ffffff"/>
-                          </a:solidFill>
-                        </a:uFill>
-                        <a:latin typeface="Arial"/>
-                      </a:endParaRPr>
-                    </a:p>
-                  </a:txBody>
-                  <a:tcPr marL="90000" marR="90000">
-                    <a:lnL w="720">
-                      <a:solidFill>
-                        <a:srgbClr val="ffffff"/>
-                      </a:solidFill>
-                    </a:lnL>
-                    <a:lnR w="720">
-                      <a:solidFill>
-                        <a:srgbClr val="ffffff"/>
-                      </a:solidFill>
-                    </a:lnR>
-                    <a:lnT w="720">
-                      <a:solidFill>
-                        <a:srgbClr val="ffffff"/>
-                      </a:solidFill>
-                    </a:lnT>
-                    <a:lnB w="720">
-                      <a:solidFill>
-                        <a:srgbClr val="ffffff"/>
-                      </a:solidFill>
-                    </a:lnB>
-                    <a:solidFill>
-                      <a:srgbClr val="cccccc"/>
-                    </a:solidFill>
-                  </a:tcPr>
-                </a:tc>
-              </a:tr>
-              <a:tr h="543240">
-                <a:tc>
-                  <a:txBody>
-                    <a:bodyPr lIns="90000" rIns="90000"/>
-                    <a:p>
-                      <a:r>
-                        <a:rPr b="1" lang="en-IN" sz="1500" spc="-1" strike="noStrike">
-                          <a:solidFill>
-                            <a:srgbClr val="000000"/>
-                          </a:solidFill>
-                          <a:uFill>
-                            <a:solidFill>
-                              <a:srgbClr val="ffffff"/>
-                            </a:solidFill>
-                          </a:uFill>
-                          <a:latin typeface="Arial"/>
-                        </a:rPr>
-                        <a:t>POST</a:t>
-                      </a:r>
-                      <a:endParaRPr b="0" lang="en-IN" sz="1800" spc="-1" strike="noStrike">
-                        <a:solidFill>
-                          <a:srgbClr val="000000"/>
-                        </a:solidFill>
-                        <a:uFill>
-                          <a:solidFill>
-                            <a:srgbClr val="ffffff"/>
-                          </a:solidFill>
-                        </a:uFill>
-                        <a:latin typeface="Arial"/>
-                      </a:endParaRPr>
-                    </a:p>
-                  </a:txBody>
-                  <a:tcPr marL="90000" marR="90000">
-                    <a:lnL w="720">
-                      <a:solidFill>
-                        <a:srgbClr val="ffffff"/>
-                      </a:solidFill>
-                    </a:lnL>
-                    <a:lnR w="720">
-                      <a:solidFill>
-                        <a:srgbClr val="ffffff"/>
-                      </a:solidFill>
-                    </a:lnR>
-                    <a:lnT w="720">
-                      <a:solidFill>
-                        <a:srgbClr val="ffffff"/>
-                      </a:solidFill>
-                    </a:lnT>
-                    <a:lnB w="720">
-                      <a:solidFill>
-                        <a:srgbClr val="ffffff"/>
-                      </a:solidFill>
-                    </a:lnB>
-                    <a:solidFill>
-                      <a:srgbClr val="e6e6e6"/>
-                    </a:solidFill>
-                  </a:tcPr>
-                </a:tc>
-                <a:tc>
-                  <a:txBody>
-                    <a:bodyPr lIns="90000" rIns="90000"/>
-                    <a:p>
-                      <a:r>
-                        <a:rPr b="1" lang="en-IN" sz="1600" spc="-1" strike="noStrike">
-                          <a:solidFill>
-                            <a:srgbClr val="000000"/>
-                          </a:solidFill>
-                          <a:uFill>
-                            <a:solidFill>
-                              <a:srgbClr val="ffffff"/>
-                            </a:solidFill>
-                          </a:uFill>
-                          <a:latin typeface="Arial"/>
-                        </a:rPr>
-                        <a:t>lcmcontroller/v1/tenants/:tenantId/app_instances/batchterminate</a:t>
-                      </a:r>
-                      <a:endParaRPr b="0" lang="en-IN" sz="1800" spc="-1" strike="noStrike">
-                        <a:solidFill>
-                          <a:srgbClr val="000000"/>
-                        </a:solidFill>
-                        <a:uFill>
-                          <a:solidFill>
-                            <a:srgbClr val="ffffff"/>
-                          </a:solidFill>
-                        </a:uFill>
-                        <a:latin typeface="Arial"/>
-                      </a:endParaRPr>
-                    </a:p>
-                  </a:txBody>
-                  <a:tcPr marL="90000" marR="90000">
-                    <a:lnL w="720">
-                      <a:solidFill>
-                        <a:srgbClr val="ffffff"/>
-                      </a:solidFill>
-                    </a:lnL>
-                    <a:lnR w="720">
-                      <a:solidFill>
-                        <a:srgbClr val="ffffff"/>
-                      </a:solidFill>
-                    </a:lnR>
-                    <a:lnT w="720">
-                      <a:solidFill>
-                        <a:srgbClr val="ffffff"/>
-                      </a:solidFill>
-                    </a:lnT>
-                    <a:lnB w="720">
-                      <a:solidFill>
-                        <a:srgbClr val="ffffff"/>
-                      </a:solidFill>
-                    </a:lnB>
-                    <a:solidFill>
-                      <a:srgbClr val="e6e6e6"/>
-                    </a:solidFill>
-                  </a:tcPr>
-                </a:tc>
-                <a:tc>
-                  <a:txBody>
-                    <a:bodyPr lIns="90000" rIns="90000"/>
-                    <a:p>
-                      <a:r>
-                        <a:rPr b="1" lang="en-IN" sz="1500" spc="-1" strike="noStrike">
-                          <a:solidFill>
-                            <a:srgbClr val="000000"/>
-                          </a:solidFill>
-                          <a:uFill>
-                            <a:solidFill>
-                              <a:srgbClr val="ffffff"/>
-                            </a:solidFill>
-                          </a:uFill>
-                          <a:latin typeface="Arial"/>
-                        </a:rPr>
-                        <a:t>List of appinstance id</a:t>
-                      </a:r>
-                      <a:endParaRPr b="0" lang="en-IN" sz="1800" spc="-1" strike="noStrike">
-                        <a:solidFill>
-                          <a:srgbClr val="000000"/>
-                        </a:solidFill>
-                        <a:uFill>
-                          <a:solidFill>
-                            <a:srgbClr val="ffffff"/>
-                          </a:solidFill>
-                        </a:uFill>
-                        <a:latin typeface="Arial"/>
-                      </a:endParaRPr>
-                    </a:p>
-                  </a:txBody>
-                  <a:tcPr marL="90000" marR="90000">
-                    <a:lnL w="720">
-                      <a:solidFill>
-                        <a:srgbClr val="ffffff"/>
-                      </a:solidFill>
-                    </a:lnL>
-                    <a:lnR w="720">
-                      <a:solidFill>
-                        <a:srgbClr val="ffffff"/>
-                      </a:solidFill>
-                    </a:lnR>
-                    <a:lnT w="720">
-                      <a:solidFill>
-                        <a:srgbClr val="ffffff"/>
-                      </a:solidFill>
-                    </a:lnT>
-                    <a:lnB w="720">
-                      <a:solidFill>
-                        <a:srgbClr val="ffffff"/>
-                      </a:solidFill>
-                    </a:lnB>
-                    <a:solidFill>
-                      <a:srgbClr val="e6e6e6"/>
-                    </a:solidFill>
-                  </a:tcPr>
-                </a:tc>
-                <a:tc>
-                  <a:txBody>
-                    <a:bodyPr lIns="90000" rIns="90000"/>
-                    <a:p>
-                      <a:r>
-                        <a:rPr b="1" lang="en-IN" sz="1500" spc="-1" strike="noStrike">
-                          <a:solidFill>
-                            <a:srgbClr val="000000"/>
-                          </a:solidFill>
-                          <a:uFill>
-                            <a:solidFill>
-                              <a:srgbClr val="ffffff"/>
-                            </a:solidFill>
-                          </a:uFill>
-                          <a:latin typeface="Arial"/>
-                        </a:rPr>
-                        <a:t>ok/error</a:t>
-                      </a:r>
-                      <a:endParaRPr b="0" lang="en-IN" sz="1800" spc="-1" strike="noStrike">
-                        <a:solidFill>
-                          <a:srgbClr val="000000"/>
-                        </a:solidFill>
-                        <a:uFill>
-                          <a:solidFill>
-                            <a:srgbClr val="ffffff"/>
-                          </a:solidFill>
-                        </a:uFill>
-                        <a:latin typeface="Arial"/>
-                      </a:endParaRPr>
-                    </a:p>
-                  </a:txBody>
-                  <a:tcPr marL="90000" marR="90000">
-                    <a:lnL w="720">
-                      <a:solidFill>
-                        <a:srgbClr val="ffffff"/>
-                      </a:solidFill>
-                    </a:lnL>
-                    <a:lnR w="720">
-                      <a:solidFill>
-                        <a:srgbClr val="ffffff"/>
-                      </a:solidFill>
-                    </a:lnR>
-                    <a:lnT w="720">
-                      <a:solidFill>
-                        <a:srgbClr val="ffffff"/>
-                      </a:solidFill>
-                    </a:lnT>
-                    <a:lnB w="720">
-                      <a:solidFill>
-                        <a:srgbClr val="ffffff"/>
-                      </a:solidFill>
-                    </a:lnB>
-                    <a:solidFill>
-                      <a:srgbClr val="e6e6e6"/>
-                    </a:solidFill>
-                  </a:tcPr>
-                </a:tc>
-              </a:tr>
-            </a:tbl>
-          </a:graphicData>
-        </a:graphic>
-      </p:graphicFrame>
+        </p:nvSpPr>
+        <p:spPr>
+          <a:xfrm>
+            <a:off x="288000" y="1008000"/>
+            <a:ext cx="9574200" cy="5394240"/>
+          </a:xfrm>
+          <a:prstGeom prst="rect">
+            <a:avLst/>
+          </a:prstGeom>
+          <a:noFill/>
+          <a:ln>
+            <a:noFill/>
+          </a:ln>
+        </p:spPr>
+        <p:style>
+          <a:lnRef idx="0"/>
+          <a:fillRef idx="0"/>
+          <a:effectRef idx="0"/>
+          <a:fontRef idx="minor"/>
+        </p:style>
+        <p:txBody>
+          <a:bodyPr lIns="90000" rIns="90000" tIns="45000" bIns="45000"/>
+          <a:p>
+            <a:pPr>
+              <a:lnSpc>
+                <a:spcPct val="100000"/>
+              </a:lnSpc>
+            </a:pPr>
+            <a:r>
+              <a:rPr b="0" lang="en-IN" sz="1800" spc="-1" strike="noStrike">
+                <a:solidFill>
+                  <a:srgbClr val="000000"/>
+                </a:solidFill>
+                <a:uFill>
+                  <a:solidFill>
+                    <a:srgbClr val="ffffff"/>
+                  </a:solidFill>
+                </a:uFill>
+                <a:latin typeface="Calibri"/>
+                <a:ea typeface="DejaVu Sans"/>
+              </a:rPr>
+              <a:t>Provide a button in mecm portal to synchronize  data from edge.</a:t>
+            </a:r>
+            <a:endParaRPr b="0" lang="en-IN" sz="1800" spc="-1" strike="noStrike">
+              <a:solidFill>
+                <a:srgbClr val="000000"/>
+              </a:solidFill>
+              <a:uFill>
+                <a:solidFill>
+                  <a:srgbClr val="ffffff"/>
+                </a:solidFill>
+              </a:uFill>
+              <a:latin typeface="Arial"/>
+            </a:endParaRPr>
+          </a:p>
+          <a:p>
+            <a:pPr>
+              <a:lnSpc>
+                <a:spcPct val="100000"/>
+              </a:lnSpc>
+            </a:pPr>
+            <a:endParaRPr b="0" lang="en-IN" sz="1800" spc="-1" strike="noStrike">
+              <a:solidFill>
+                <a:srgbClr val="000000"/>
+              </a:solidFill>
+              <a:uFill>
+                <a:solidFill>
+                  <a:srgbClr val="ffffff"/>
+                </a:solidFill>
+              </a:uFill>
+              <a:latin typeface="Arial"/>
+            </a:endParaRPr>
+          </a:p>
+          <a:p>
+            <a:pPr>
+              <a:lnSpc>
+                <a:spcPct val="100000"/>
+              </a:lnSpc>
+            </a:pPr>
+            <a:r>
+              <a:rPr b="1" lang="en-IN" sz="1800" spc="-1" strike="noStrike">
+                <a:solidFill>
+                  <a:srgbClr val="000000"/>
+                </a:solidFill>
+                <a:uFill>
+                  <a:solidFill>
+                    <a:srgbClr val="ffffff"/>
+                  </a:solidFill>
+                </a:uFill>
+                <a:latin typeface="Calibri"/>
+                <a:ea typeface="DejaVu Sans"/>
+              </a:rPr>
+              <a:t>Prerequisite</a:t>
+            </a:r>
+            <a:r>
+              <a:rPr b="0" lang="en-IN" sz="1800" spc="-1" strike="noStrike">
+                <a:solidFill>
+                  <a:srgbClr val="000000"/>
+                </a:solidFill>
+                <a:uFill>
+                  <a:solidFill>
+                    <a:srgbClr val="ffffff"/>
+                  </a:solidFill>
+                </a:uFill>
+                <a:latin typeface="Calibri"/>
+                <a:ea typeface="DejaVu Sans"/>
+              </a:rPr>
+              <a:t>:</a:t>
+            </a:r>
+            <a:endParaRPr b="0" lang="en-IN" sz="1800" spc="-1" strike="noStrike">
+              <a:solidFill>
+                <a:srgbClr val="000000"/>
+              </a:solidFill>
+              <a:uFill>
+                <a:solidFill>
+                  <a:srgbClr val="ffffff"/>
+                </a:solidFill>
+              </a:uFill>
+              <a:latin typeface="Arial"/>
+            </a:endParaRPr>
+          </a:p>
+          <a:p>
+            <a:pPr>
+              <a:lnSpc>
+                <a:spcPct val="100000"/>
+              </a:lnSpc>
+            </a:pPr>
+            <a:r>
+              <a:rPr b="0" lang="en-IN" sz="1800" spc="-1" strike="noStrike">
+                <a:solidFill>
+                  <a:srgbClr val="000000"/>
+                </a:solidFill>
+                <a:uFill>
+                  <a:solidFill>
+                    <a:srgbClr val="ffffff"/>
+                  </a:solidFill>
+                </a:uFill>
+                <a:latin typeface="Calibri"/>
+                <a:ea typeface="DejaVu Sans"/>
+              </a:rPr>
+              <a:t>There should be connection between cloud and edge when user/adminstrator is manually synchronizing the database.</a:t>
+            </a:r>
+            <a:endParaRPr b="0" lang="en-IN" sz="1800" spc="-1" strike="noStrike">
+              <a:solidFill>
+                <a:srgbClr val="000000"/>
+              </a:solidFill>
+              <a:uFill>
+                <a:solidFill>
+                  <a:srgbClr val="ffffff"/>
+                </a:solidFill>
+              </a:uFill>
+              <a:latin typeface="Arial"/>
+            </a:endParaRPr>
+          </a:p>
+          <a:p>
+            <a:pPr>
+              <a:lnSpc>
+                <a:spcPct val="100000"/>
+              </a:lnSpc>
+            </a:pPr>
+            <a:endParaRPr b="0" lang="en-IN" sz="1800" spc="-1" strike="noStrike">
+              <a:solidFill>
+                <a:srgbClr val="000000"/>
+              </a:solidFill>
+              <a:uFill>
+                <a:solidFill>
+                  <a:srgbClr val="ffffff"/>
+                </a:solidFill>
+              </a:uFill>
+              <a:latin typeface="Arial"/>
+            </a:endParaRPr>
+          </a:p>
+          <a:p>
+            <a:pPr>
+              <a:lnSpc>
+                <a:spcPct val="100000"/>
+              </a:lnSpc>
+            </a:pPr>
+            <a:r>
+              <a:rPr b="1" lang="en-IN" sz="1800" spc="-1" strike="noStrike">
+                <a:solidFill>
+                  <a:srgbClr val="000000"/>
+                </a:solidFill>
+                <a:uFill>
+                  <a:solidFill>
+                    <a:srgbClr val="ffffff"/>
+                  </a:solidFill>
+                </a:uFill>
+                <a:latin typeface="Calibri"/>
+                <a:ea typeface="DejaVu Sans"/>
+              </a:rPr>
+              <a:t>Implementation</a:t>
+            </a:r>
+            <a:r>
+              <a:rPr b="0" lang="en-IN" sz="1800" spc="-1" strike="noStrike">
+                <a:solidFill>
+                  <a:srgbClr val="000000"/>
+                </a:solidFill>
+                <a:uFill>
+                  <a:solidFill>
+                    <a:srgbClr val="ffffff"/>
+                  </a:solidFill>
+                </a:uFill>
+                <a:latin typeface="Calibri"/>
+                <a:ea typeface="DejaVu Sans"/>
+              </a:rPr>
+              <a:t>:</a:t>
+            </a:r>
+            <a:endParaRPr b="0" lang="en-IN" sz="1800" spc="-1" strike="noStrike">
+              <a:solidFill>
+                <a:srgbClr val="000000"/>
+              </a:solidFill>
+              <a:uFill>
+                <a:solidFill>
+                  <a:srgbClr val="ffffff"/>
+                </a:solidFill>
+              </a:uFill>
+              <a:latin typeface="Arial"/>
+            </a:endParaRPr>
+          </a:p>
+          <a:p>
+            <a:pPr>
+              <a:lnSpc>
+                <a:spcPct val="100000"/>
+              </a:lnSpc>
+            </a:pPr>
+            <a:r>
+              <a:rPr b="0" lang="en-IN" sz="1800" spc="-1" strike="noStrike">
+                <a:solidFill>
+                  <a:srgbClr val="000000"/>
+                </a:solidFill>
+                <a:uFill>
+                  <a:solidFill>
+                    <a:srgbClr val="ffffff"/>
+                  </a:solidFill>
+                </a:uFill>
+                <a:latin typeface="Calibri"/>
+                <a:ea typeface="DejaVu Sans"/>
+              </a:rPr>
+              <a:t>When syncronize button is clicked, inventory/appo pulls the information from applcm and update to its database.</a:t>
+            </a:r>
+            <a:endParaRPr b="0" lang="en-IN" sz="1800" spc="-1" strike="noStrike">
+              <a:solidFill>
+                <a:srgbClr val="000000"/>
+              </a:solidFill>
+              <a:uFill>
+                <a:solidFill>
+                  <a:srgbClr val="ffffff"/>
+                </a:solidFill>
+              </a:uFill>
+              <a:latin typeface="Arial"/>
+            </a:endParaRPr>
+          </a:p>
+          <a:p>
+            <a:pPr>
+              <a:lnSpc>
+                <a:spcPct val="100000"/>
+              </a:lnSpc>
+            </a:pPr>
+            <a:endParaRPr b="0" lang="en-IN" sz="1800" spc="-1" strike="noStrike">
+              <a:solidFill>
+                <a:srgbClr val="000000"/>
+              </a:solidFill>
+              <a:uFill>
+                <a:solidFill>
+                  <a:srgbClr val="ffffff"/>
+                </a:solidFill>
+              </a:uFill>
+              <a:latin typeface="Arial"/>
+            </a:endParaRPr>
+          </a:p>
+          <a:p>
+            <a:pPr>
+              <a:lnSpc>
+                <a:spcPct val="100000"/>
+              </a:lnSpc>
+            </a:pPr>
+            <a:r>
+              <a:rPr b="1" lang="en-IN" sz="1800" spc="-1" strike="noStrike">
+                <a:solidFill>
+                  <a:srgbClr val="000000"/>
+                </a:solidFill>
+                <a:uFill>
+                  <a:solidFill>
+                    <a:srgbClr val="ffffff"/>
+                  </a:solidFill>
+                </a:uFill>
+                <a:latin typeface="Calibri"/>
+                <a:ea typeface="DejaVu Sans"/>
+              </a:rPr>
+              <a:t>WorkFlow:</a:t>
+            </a:r>
+            <a:endParaRPr b="0" lang="en-IN" sz="1800" spc="-1" strike="noStrike">
+              <a:solidFill>
+                <a:srgbClr val="000000"/>
+              </a:solidFill>
+              <a:uFill>
+                <a:solidFill>
+                  <a:srgbClr val="ffffff"/>
+                </a:solidFill>
+              </a:uFill>
+              <a:latin typeface="Arial"/>
+            </a:endParaRPr>
+          </a:p>
+          <a:p>
+            <a:pPr>
+              <a:lnSpc>
+                <a:spcPct val="100000"/>
+              </a:lnSpc>
+            </a:pPr>
+            <a:endParaRPr b="0" lang="en-IN" sz="1800" spc="-1" strike="noStrike">
+              <a:solidFill>
+                <a:srgbClr val="000000"/>
+              </a:solidFill>
+              <a:uFill>
+                <a:solidFill>
+                  <a:srgbClr val="ffffff"/>
+                </a:solidFill>
+              </a:uFill>
+              <a:latin typeface="Arial"/>
+            </a:endParaRPr>
+          </a:p>
+          <a:p>
+            <a:pPr>
+              <a:lnSpc>
+                <a:spcPct val="100000"/>
+              </a:lnSpc>
+            </a:pPr>
+            <a:endParaRPr b="0" lang="en-IN" sz="1800" spc="-1" strike="noStrike">
+              <a:solidFill>
+                <a:srgbClr val="000000"/>
+              </a:solidFill>
+              <a:uFill>
+                <a:solidFill>
+                  <a:srgbClr val="ffffff"/>
+                </a:solidFill>
+              </a:uFill>
+              <a:latin typeface="Arial"/>
+            </a:endParaRPr>
+          </a:p>
+          <a:p>
+            <a:pPr>
+              <a:lnSpc>
+                <a:spcPct val="100000"/>
+              </a:lnSpc>
+            </a:pPr>
+            <a:endParaRPr b="0" lang="en-IN" sz="1800" spc="-1" strike="noStrike">
+              <a:solidFill>
+                <a:srgbClr val="000000"/>
+              </a:solidFill>
+              <a:uFill>
+                <a:solidFill>
+                  <a:srgbClr val="ffffff"/>
+                </a:solidFill>
+              </a:uFill>
+              <a:latin typeface="Arial"/>
+            </a:endParaRPr>
+          </a:p>
+          <a:p>
+            <a:pPr>
+              <a:lnSpc>
+                <a:spcPct val="100000"/>
+              </a:lnSpc>
+            </a:pPr>
+            <a:endParaRPr b="0" lang="en-IN" sz="1800" spc="-1" strike="noStrike">
+              <a:solidFill>
+                <a:srgbClr val="000000"/>
+              </a:solidFill>
+              <a:uFill>
+                <a:solidFill>
+                  <a:srgbClr val="ffffff"/>
+                </a:solidFill>
+              </a:uFill>
+              <a:latin typeface="Arial"/>
+            </a:endParaRPr>
+          </a:p>
+        </p:txBody>
+      </p:sp>
+      <p:pic>
+        <p:nvPicPr>
+          <p:cNvPr id="302" name="" descr=""/>
+          <p:cNvPicPr/>
+          <p:nvPr/>
+        </p:nvPicPr>
+        <p:blipFill>
+          <a:blip r:embed="rId1"/>
+          <a:stretch/>
+        </p:blipFill>
+        <p:spPr>
+          <a:xfrm>
+            <a:off x="432000" y="4168440"/>
+            <a:ext cx="4895640" cy="3247560"/>
+          </a:xfrm>
+          <a:prstGeom prst="rect">
+            <a:avLst/>
+          </a:prstGeom>
+          <a:ln>
+            <a:noFill/>
+          </a:ln>
+        </p:spPr>
+      </p:pic>
     </p:spTree>
   </p:cSld>
   <p:timing>
@@ -20595,14 +19075,14 @@
       </p:grpSpPr>
       <p:sp>
         <p:nvSpPr>
-          <p:cNvPr id="302" name="CustomShape 1"/>
+          <p:cNvPr id="303" name="CustomShape 1"/>
           <p:cNvSpPr/>
           <p:nvPr/>
         </p:nvSpPr>
         <p:spPr>
           <a:xfrm>
             <a:off x="288000" y="39600"/>
-            <a:ext cx="5685840" cy="939960"/>
+            <a:ext cx="5685120" cy="939240"/>
           </a:xfrm>
           <a:prstGeom prst="rect">
             <a:avLst/>
@@ -20623,7 +19103,7 @@
           <a:p>
             <a:pPr>
               <a:lnSpc>
-                <a:spcPts val="2"/>
+                <a:spcPts val="0"/>
               </a:lnSpc>
             </a:pPr>
             <a:r>
@@ -20639,7 +19119,7 @@
                 <a:latin typeface="Microsoft YaHei"/>
                 <a:ea typeface="Microsoft YaHei"/>
               </a:rPr>
-              <a:t>APP-Rule-Mgr Interfaces </a:t>
+              <a:t>APPLCM Interfaces </a:t>
             </a:r>
             <a:endParaRPr b="0" lang="en-IN" sz="1800" spc="-1" strike="noStrike">
               <a:solidFill>
@@ -20657,13 +19137,13 @@
       </p:sp>
       <p:graphicFrame>
         <p:nvGraphicFramePr>
-          <p:cNvPr id="303" name="Table 2"/>
+          <p:cNvPr id="304" name="Table 2"/>
           <p:cNvGraphicFramePr/>
           <p:nvPr/>
         </p:nvGraphicFramePr>
         <p:xfrm>
           <a:off x="288000" y="864000"/>
-          <a:ext cx="9503640" cy="2476080"/>
+          <a:ext cx="9503640" cy="3753720"/>
         </p:xfrm>
         <a:graphic>
           <a:graphicData uri="http://schemas.openxmlformats.org/drawingml/2006/table">
@@ -20979,7 +19459,7 @@
                           </a:uFill>
                           <a:latin typeface="Arial"/>
                         </a:rPr>
-                        <a:t>apprulemgr/v1/tenants/:tenantId/app_instances/:appInstanceId/appd_configuration</a:t>
+                        <a:t>lcmcontroller/v1/tenants/:tenantId/app_instances/:appInstanceId/batchInstantiate</a:t>
                       </a:r>
                       <a:endParaRPr b="0" lang="en-IN" sz="1800" spc="-1" strike="noStrike">
                         <a:solidFill>
@@ -21036,467 +19516,7 @@
                           </a:uFill>
                           <a:latin typeface="Arial"/>
                         </a:rPr>
-                        <a:t>AppDRuleModel</a:t>
-                      </a:r>
-                      <a:endParaRPr b="0" lang="en-IN" sz="1800" spc="-1" strike="noStrike">
-                        <a:solidFill>
-                          <a:srgbClr val="000000"/>
-                        </a:solidFill>
-                        <a:uFill>
-                          <a:solidFill>
-                            <a:srgbClr val="ffffff"/>
-                          </a:solidFill>
-                        </a:uFill>
-                        <a:latin typeface="Arial"/>
-                      </a:endParaRPr>
-                    </a:p>
-                  </a:txBody>
-                  <a:tcPr marL="90000" marR="90000">
-                    <a:lnL w="720">
-                      <a:solidFill>
-                        <a:srgbClr val="ffffff"/>
-                      </a:solidFill>
-                    </a:lnL>
-                    <a:lnR w="720">
-                      <a:solidFill>
-                        <a:srgbClr val="ffffff"/>
-                      </a:solidFill>
-                    </a:lnR>
-                    <a:lnT w="720">
-                      <a:solidFill>
-                        <a:srgbClr val="ffffff"/>
-                      </a:solidFill>
-                    </a:lnT>
-                    <a:lnB w="720">
-                      <a:solidFill>
-                        <a:srgbClr val="ffffff"/>
-                      </a:solidFill>
-                    </a:lnB>
-                    <a:solidFill>
-                      <a:srgbClr val="cccccc"/>
-                    </a:solidFill>
-                  </a:tcPr>
-                </a:tc>
-                <a:tc>
-                  <a:txBody>
-                    <a:bodyPr lIns="90000" rIns="90000"/>
-                    <a:p>
-                      <a:r>
-                        <a:rPr b="0" lang="en-IN" sz="1500" spc="-1" strike="noStrike">
-                          <a:solidFill>
-                            <a:srgbClr val="000000"/>
-                          </a:solidFill>
-                          <a:uFill>
-                            <a:solidFill>
-                              <a:srgbClr val="ffffff"/>
-                            </a:solidFill>
-                          </a:uFill>
-                          <a:latin typeface="Arial"/>
-                        </a:rPr>
-                        <a:t>ok/error</a:t>
-                      </a:r>
-                      <a:endParaRPr b="0" lang="en-IN" sz="1800" spc="-1" strike="noStrike">
-                        <a:solidFill>
-                          <a:srgbClr val="000000"/>
-                        </a:solidFill>
-                        <a:uFill>
-                          <a:solidFill>
-                            <a:srgbClr val="ffffff"/>
-                          </a:solidFill>
-                        </a:uFill>
-                        <a:latin typeface="Arial"/>
-                      </a:endParaRPr>
-                    </a:p>
-                  </a:txBody>
-                  <a:tcPr marL="90000" marR="90000">
-                    <a:lnL w="720">
-                      <a:solidFill>
-                        <a:srgbClr val="ffffff"/>
-                      </a:solidFill>
-                    </a:lnL>
-                    <a:lnR w="720">
-                      <a:solidFill>
-                        <a:srgbClr val="ffffff"/>
-                      </a:solidFill>
-                    </a:lnR>
-                    <a:lnT w="720">
-                      <a:solidFill>
-                        <a:srgbClr val="ffffff"/>
-                      </a:solidFill>
-                    </a:lnT>
-                    <a:lnB w="720">
-                      <a:solidFill>
-                        <a:srgbClr val="ffffff"/>
-                      </a:solidFill>
-                    </a:lnB>
-                    <a:solidFill>
-                      <a:srgbClr val="cccccc"/>
-                    </a:solidFill>
-                  </a:tcPr>
-                </a:tc>
-              </a:tr>
-              <a:tr h="543240">
-                <a:tc>
-                  <a:txBody>
-                    <a:bodyPr lIns="90000" rIns="90000"/>
-                    <a:p>
-                      <a:r>
-                        <a:rPr b="0" lang="en-IN" sz="1500" spc="-1" strike="noStrike">
-                          <a:solidFill>
-                            <a:srgbClr val="000000"/>
-                          </a:solidFill>
-                          <a:uFill>
-                            <a:solidFill>
-                              <a:srgbClr val="ffffff"/>
-                            </a:solidFill>
-                          </a:uFill>
-                          <a:latin typeface="Arial"/>
-                        </a:rPr>
-                        <a:t>DELETE</a:t>
-                      </a:r>
-                      <a:endParaRPr b="0" lang="en-IN" sz="1800" spc="-1" strike="noStrike">
-                        <a:solidFill>
-                          <a:srgbClr val="000000"/>
-                        </a:solidFill>
-                        <a:uFill>
-                          <a:solidFill>
-                            <a:srgbClr val="ffffff"/>
-                          </a:solidFill>
-                        </a:uFill>
-                        <a:latin typeface="Arial"/>
-                      </a:endParaRPr>
-                    </a:p>
-                  </a:txBody>
-                  <a:tcPr marL="90000" marR="90000">
-                    <a:lnL w="720">
-                      <a:solidFill>
-                        <a:srgbClr val="ffffff"/>
-                      </a:solidFill>
-                    </a:lnL>
-                    <a:lnR w="720">
-                      <a:solidFill>
-                        <a:srgbClr val="ffffff"/>
-                      </a:solidFill>
-                    </a:lnR>
-                    <a:lnT w="720">
-                      <a:solidFill>
-                        <a:srgbClr val="ffffff"/>
-                      </a:solidFill>
-                    </a:lnT>
-                    <a:lnB w="720">
-                      <a:solidFill>
-                        <a:srgbClr val="ffffff"/>
-                      </a:solidFill>
-                    </a:lnB>
-                    <a:solidFill>
-                      <a:srgbClr val="e6e6e6"/>
-                    </a:solidFill>
-                  </a:tcPr>
-                </a:tc>
-                <a:tc>
-                  <a:txBody>
-                    <a:bodyPr lIns="90000" rIns="90000"/>
-                    <a:p>
-                      <a:r>
-                        <a:rPr b="0" lang="en-IN" sz="1600" spc="-1" strike="noStrike">
-                          <a:solidFill>
-                            <a:srgbClr val="000000"/>
-                          </a:solidFill>
-                          <a:uFill>
-                            <a:solidFill>
-                              <a:srgbClr val="ffffff"/>
-                            </a:solidFill>
-                          </a:uFill>
-                          <a:latin typeface="Arial"/>
-                        </a:rPr>
-                        <a:t>apprulemgr/v1/tenants/:tenantId/app_instances/:appInstanceId/appd_configuration</a:t>
-                      </a:r>
-                      <a:endParaRPr b="0" lang="en-IN" sz="1800" spc="-1" strike="noStrike">
-                        <a:solidFill>
-                          <a:srgbClr val="000000"/>
-                        </a:solidFill>
-                        <a:uFill>
-                          <a:solidFill>
-                            <a:srgbClr val="ffffff"/>
-                          </a:solidFill>
-                        </a:uFill>
-                        <a:latin typeface="Arial"/>
-                      </a:endParaRPr>
-                    </a:p>
-                  </a:txBody>
-                  <a:tcPr marL="90000" marR="90000">
-                    <a:lnL w="720">
-                      <a:solidFill>
-                        <a:srgbClr val="ffffff"/>
-                      </a:solidFill>
-                    </a:lnL>
-                    <a:lnR w="720">
-                      <a:solidFill>
-                        <a:srgbClr val="ffffff"/>
-                      </a:solidFill>
-                    </a:lnR>
-                    <a:lnT w="720">
-                      <a:solidFill>
-                        <a:srgbClr val="ffffff"/>
-                      </a:solidFill>
-                    </a:lnT>
-                    <a:lnB w="720">
-                      <a:solidFill>
-                        <a:srgbClr val="ffffff"/>
-                      </a:solidFill>
-                    </a:lnB>
-                    <a:solidFill>
-                      <a:srgbClr val="e6e6e6"/>
-                    </a:solidFill>
-                  </a:tcPr>
-                </a:tc>
-                <a:tc>
-                  <a:txBody>
-                    <a:bodyPr lIns="90000" rIns="90000"/>
-                    <a:p>
-                      <a:r>
-                        <a:rPr b="0" lang="en-IN" sz="1500" spc="-1" strike="noStrike">
-                          <a:solidFill>
-                            <a:srgbClr val="000000"/>
-                          </a:solidFill>
-                          <a:uFill>
-                            <a:solidFill>
-                              <a:srgbClr val="ffffff"/>
-                            </a:solidFill>
-                          </a:uFill>
-                          <a:latin typeface="Arial"/>
-                        </a:rPr>
-                        <a:t>None</a:t>
-                      </a:r>
-                      <a:endParaRPr b="0" lang="en-IN" sz="1800" spc="-1" strike="noStrike">
-                        <a:solidFill>
-                          <a:srgbClr val="000000"/>
-                        </a:solidFill>
-                        <a:uFill>
-                          <a:solidFill>
-                            <a:srgbClr val="ffffff"/>
-                          </a:solidFill>
-                        </a:uFill>
-                        <a:latin typeface="Arial"/>
-                      </a:endParaRPr>
-                    </a:p>
-                  </a:txBody>
-                  <a:tcPr marL="90000" marR="90000">
-                    <a:lnL w="720">
-                      <a:solidFill>
-                        <a:srgbClr val="ffffff"/>
-                      </a:solidFill>
-                    </a:lnL>
-                    <a:lnR w="720">
-                      <a:solidFill>
-                        <a:srgbClr val="ffffff"/>
-                      </a:solidFill>
-                    </a:lnR>
-                    <a:lnT w="720">
-                      <a:solidFill>
-                        <a:srgbClr val="ffffff"/>
-                      </a:solidFill>
-                    </a:lnT>
-                    <a:lnB w="720">
-                      <a:solidFill>
-                        <a:srgbClr val="ffffff"/>
-                      </a:solidFill>
-                    </a:lnB>
-                    <a:solidFill>
-                      <a:srgbClr val="e6e6e6"/>
-                    </a:solidFill>
-                  </a:tcPr>
-                </a:tc>
-                <a:tc>
-                  <a:txBody>
-                    <a:bodyPr lIns="90000" rIns="90000"/>
-                    <a:p>
-                      <a:r>
-                        <a:rPr b="0" lang="en-IN" sz="1500" spc="-1" strike="noStrike">
-                          <a:solidFill>
-                            <a:srgbClr val="000000"/>
-                          </a:solidFill>
-                          <a:uFill>
-                            <a:solidFill>
-                              <a:srgbClr val="ffffff"/>
-                            </a:solidFill>
-                          </a:uFill>
-                          <a:latin typeface="Arial"/>
-                        </a:rPr>
-                        <a:t>ok/error</a:t>
-                      </a:r>
-                      <a:endParaRPr b="0" lang="en-IN" sz="1800" spc="-1" strike="noStrike">
-                        <a:solidFill>
-                          <a:srgbClr val="000000"/>
-                        </a:solidFill>
-                        <a:uFill>
-                          <a:solidFill>
-                            <a:srgbClr val="ffffff"/>
-                          </a:solidFill>
-                        </a:uFill>
-                        <a:latin typeface="Arial"/>
-                      </a:endParaRPr>
-                    </a:p>
-                  </a:txBody>
-                  <a:tcPr marL="90000" marR="90000">
-                    <a:lnL w="720">
-                      <a:solidFill>
-                        <a:srgbClr val="ffffff"/>
-                      </a:solidFill>
-                    </a:lnL>
-                    <a:lnR w="720">
-                      <a:solidFill>
-                        <a:srgbClr val="ffffff"/>
-                      </a:solidFill>
-                    </a:lnR>
-                    <a:lnT w="720">
-                      <a:solidFill>
-                        <a:srgbClr val="ffffff"/>
-                      </a:solidFill>
-                    </a:lnT>
-                    <a:lnB w="720">
-                      <a:solidFill>
-                        <a:srgbClr val="ffffff"/>
-                      </a:solidFill>
-                    </a:lnB>
-                    <a:solidFill>
-                      <a:srgbClr val="e6e6e6"/>
-                    </a:solidFill>
-                  </a:tcPr>
-                </a:tc>
-              </a:tr>
-              <a:tr h="543240">
-                <a:tc>
-                  <a:txBody>
-                    <a:bodyPr lIns="90000" rIns="90000"/>
-                    <a:p>
-                      <a:r>
-                        <a:rPr b="0" lang="en-IN" sz="1500" spc="-1" strike="noStrike">
-                          <a:solidFill>
-                            <a:srgbClr val="000000"/>
-                          </a:solidFill>
-                          <a:uFill>
-                            <a:solidFill>
-                              <a:srgbClr val="ffffff"/>
-                            </a:solidFill>
-                          </a:uFill>
-                          <a:latin typeface="Arial"/>
-                        </a:rPr>
-                        <a:t>PUT</a:t>
-                      </a:r>
-                      <a:endParaRPr b="0" lang="en-IN" sz="1800" spc="-1" strike="noStrike">
-                        <a:solidFill>
-                          <a:srgbClr val="000000"/>
-                        </a:solidFill>
-                        <a:uFill>
-                          <a:solidFill>
-                            <a:srgbClr val="ffffff"/>
-                          </a:solidFill>
-                        </a:uFill>
-                        <a:latin typeface="Arial"/>
-                      </a:endParaRPr>
-                    </a:p>
-                  </a:txBody>
-                  <a:tcPr marL="90000" marR="90000">
-                    <a:lnL w="720">
-                      <a:solidFill>
-                        <a:srgbClr val="ffffff"/>
-                      </a:solidFill>
-                    </a:lnL>
-                    <a:lnR w="720">
-                      <a:solidFill>
-                        <a:srgbClr val="ffffff"/>
-                      </a:solidFill>
-                    </a:lnR>
-                    <a:lnT w="720">
-                      <a:solidFill>
-                        <a:srgbClr val="ffffff"/>
-                      </a:solidFill>
-                    </a:lnT>
-                    <a:lnB w="720">
-                      <a:solidFill>
-                        <a:srgbClr val="ffffff"/>
-                      </a:solidFill>
-                    </a:lnB>
-                    <a:solidFill>
-                      <a:srgbClr val="cccccc"/>
-                    </a:solidFill>
-                  </a:tcPr>
-                </a:tc>
-                <a:tc>
-                  <a:txBody>
-                    <a:bodyPr lIns="90000" rIns="90000"/>
-                    <a:p>
-                      <a:r>
-                        <a:rPr b="0" lang="en-IN" sz="1600" spc="-1" strike="noStrike">
-                          <a:solidFill>
-                            <a:srgbClr val="000000"/>
-                          </a:solidFill>
-                          <a:uFill>
-                            <a:solidFill>
-                              <a:srgbClr val="ffffff"/>
-                            </a:solidFill>
-                          </a:uFill>
-                          <a:latin typeface="Arial"/>
-                        </a:rPr>
-                        <a:t>apprulemgr/v1/tenants/:tenantId/app_instances/:appInstanceId/appd_configuration</a:t>
-                      </a:r>
-                      <a:endParaRPr b="0" lang="en-IN" sz="1800" spc="-1" strike="noStrike">
-                        <a:solidFill>
-                          <a:srgbClr val="000000"/>
-                        </a:solidFill>
-                        <a:uFill>
-                          <a:solidFill>
-                            <a:srgbClr val="ffffff"/>
-                          </a:solidFill>
-                        </a:uFill>
-                        <a:latin typeface="Arial"/>
-                      </a:endParaRPr>
-                    </a:p>
-                  </a:txBody>
-                  <a:tcPr marL="90000" marR="90000">
-                    <a:lnL w="720">
-                      <a:solidFill>
-                        <a:srgbClr val="ffffff"/>
-                      </a:solidFill>
-                    </a:lnL>
-                    <a:lnR w="720">
-                      <a:solidFill>
-                        <a:srgbClr val="ffffff"/>
-                      </a:solidFill>
-                    </a:lnR>
-                    <a:lnT w="720">
-                      <a:solidFill>
-                        <a:srgbClr val="ffffff"/>
-                      </a:solidFill>
-                    </a:lnT>
-                    <a:lnB w="720">
-                      <a:solidFill>
-                        <a:srgbClr val="ffffff"/>
-                      </a:solidFill>
-                    </a:lnB>
-                    <a:solidFill>
-                      <a:srgbClr val="cccccc"/>
-                    </a:solidFill>
-                  </a:tcPr>
-                </a:tc>
-                <a:tc>
-                  <a:txBody>
-                    <a:bodyPr lIns="90000" rIns="90000"/>
-                    <a:p>
-                      <a:r>
-                        <a:rPr b="0" lang="en-IN" sz="1500" spc="-1" strike="noStrike">
-                          <a:solidFill>
-                            <a:srgbClr val="000000"/>
-                          </a:solidFill>
-                          <a:uFill>
-                            <a:solidFill>
-                              <a:srgbClr val="ffffff"/>
-                            </a:solidFill>
-                          </a:uFill>
-                          <a:latin typeface="Arial"/>
-                        </a:rPr>
-                        <a:t>AppDRuleModel</a:t>
+                        <a:t>App instance Info</a:t>
                       </a:r>
                       <a:endParaRPr b="0" lang="en-IN" sz="1800" spc="-1" strike="noStrike">
                         <a:solidFill>
@@ -21669,7 +19689,7 @@
                           </a:uFill>
                           <a:latin typeface="Arial"/>
                         </a:rPr>
-                        <a:t>apprulemgr/v1/tenants/:tenantId/app_instances/:appInstanceId/appd_configuration</a:t>
+                        <a:t>lcmcontroller/v1/tenants/:tenantId/app_instances</a:t>
                       </a:r>
                       <a:endParaRPr b="0" lang="en-IN" sz="1800" spc="-1" strike="noStrike">
                         <a:solidFill>
@@ -21783,7 +19803,1703 @@
                           </a:uFill>
                           <a:latin typeface="Arial"/>
                         </a:rPr>
-                        <a:t>AppDRuleModel</a:t>
+                        <a:t>App instance info</a:t>
+                      </a:r>
+                      <a:endParaRPr b="0" lang="en-IN" sz="1800" spc="-1" strike="noStrike">
+                        <a:solidFill>
+                          <a:srgbClr val="000000"/>
+                        </a:solidFill>
+                        <a:uFill>
+                          <a:solidFill>
+                            <a:srgbClr val="ffffff"/>
+                          </a:solidFill>
+                        </a:uFill>
+                        <a:latin typeface="Arial"/>
+                      </a:endParaRPr>
+                    </a:p>
+                  </a:txBody>
+                  <a:tcPr marL="90000" marR="90000">
+                    <a:lnL w="720">
+                      <a:solidFill>
+                        <a:srgbClr val="ffffff"/>
+                      </a:solidFill>
+                    </a:lnL>
+                    <a:lnR w="720">
+                      <a:solidFill>
+                        <a:srgbClr val="ffffff"/>
+                      </a:solidFill>
+                    </a:lnR>
+                    <a:lnT w="720">
+                      <a:solidFill>
+                        <a:srgbClr val="ffffff"/>
+                      </a:solidFill>
+                    </a:lnT>
+                    <a:lnB w="720">
+                      <a:solidFill>
+                        <a:srgbClr val="ffffff"/>
+                      </a:solidFill>
+                    </a:lnB>
+                    <a:solidFill>
+                      <a:srgbClr val="cccccc"/>
+                    </a:solidFill>
+                  </a:tcPr>
+                </a:tc>
+              </a:tr>
+              <a:tr h="543240">
+                <a:tc>
+                  <a:txBody>
+                    <a:bodyPr lIns="90000" rIns="90000"/>
+                    <a:p>
+                      <a:r>
+                        <a:rPr b="0" lang="en-IN" sz="1500" spc="-1" strike="noStrike">
+                          <a:solidFill>
+                            <a:srgbClr val="000000"/>
+                          </a:solidFill>
+                          <a:uFill>
+                            <a:solidFill>
+                              <a:srgbClr val="ffffff"/>
+                            </a:solidFill>
+                          </a:uFill>
+                          <a:latin typeface="Arial"/>
+                        </a:rPr>
+                        <a:t>POST</a:t>
+                      </a:r>
+                      <a:endParaRPr b="0" lang="en-IN" sz="1800" spc="-1" strike="noStrike">
+                        <a:solidFill>
+                          <a:srgbClr val="000000"/>
+                        </a:solidFill>
+                        <a:uFill>
+                          <a:solidFill>
+                            <a:srgbClr val="ffffff"/>
+                          </a:solidFill>
+                        </a:uFill>
+                        <a:latin typeface="Arial"/>
+                      </a:endParaRPr>
+                    </a:p>
+                  </a:txBody>
+                  <a:tcPr marL="90000" marR="90000">
+                    <a:lnL w="720">
+                      <a:solidFill>
+                        <a:srgbClr val="ffffff"/>
+                      </a:solidFill>
+                    </a:lnL>
+                    <a:lnR w="720">
+                      <a:solidFill>
+                        <a:srgbClr val="ffffff"/>
+                      </a:solidFill>
+                    </a:lnR>
+                    <a:lnT w="720">
+                      <a:solidFill>
+                        <a:srgbClr val="ffffff"/>
+                      </a:solidFill>
+                    </a:lnT>
+                    <a:lnB w="720">
+                      <a:solidFill>
+                        <a:srgbClr val="ffffff"/>
+                      </a:solidFill>
+                    </a:lnB>
+                    <a:solidFill>
+                      <a:srgbClr val="e6e6e6"/>
+                    </a:solidFill>
+                  </a:tcPr>
+                </a:tc>
+                <a:tc>
+                  <a:txBody>
+                    <a:bodyPr lIns="90000" rIns="90000"/>
+                    <a:p>
+                      <a:r>
+                        <a:rPr b="0" lang="en-IN" sz="1600" spc="-1" strike="noStrike">
+                          <a:solidFill>
+                            <a:srgbClr val="000000"/>
+                          </a:solidFill>
+                          <a:uFill>
+                            <a:solidFill>
+                              <a:srgbClr val="ffffff"/>
+                            </a:solidFill>
+                          </a:uFill>
+                          <a:latin typeface="Arial"/>
+                        </a:rPr>
+                        <a:t>lcmcontroller/v1/tenants/:tenantId/app_instances/batchterminate</a:t>
+                      </a:r>
+                      <a:endParaRPr b="0" lang="en-IN" sz="1800" spc="-1" strike="noStrike">
+                        <a:solidFill>
+                          <a:srgbClr val="000000"/>
+                        </a:solidFill>
+                        <a:uFill>
+                          <a:solidFill>
+                            <a:srgbClr val="ffffff"/>
+                          </a:solidFill>
+                        </a:uFill>
+                        <a:latin typeface="Arial"/>
+                      </a:endParaRPr>
+                    </a:p>
+                  </a:txBody>
+                  <a:tcPr marL="90000" marR="90000">
+                    <a:lnL w="720">
+                      <a:solidFill>
+                        <a:srgbClr val="ffffff"/>
+                      </a:solidFill>
+                    </a:lnL>
+                    <a:lnR w="720">
+                      <a:solidFill>
+                        <a:srgbClr val="ffffff"/>
+                      </a:solidFill>
+                    </a:lnR>
+                    <a:lnT w="720">
+                      <a:solidFill>
+                        <a:srgbClr val="ffffff"/>
+                      </a:solidFill>
+                    </a:lnT>
+                    <a:lnB w="720">
+                      <a:solidFill>
+                        <a:srgbClr val="ffffff"/>
+                      </a:solidFill>
+                    </a:lnB>
+                    <a:solidFill>
+                      <a:srgbClr val="e6e6e6"/>
+                    </a:solidFill>
+                  </a:tcPr>
+                </a:tc>
+                <a:tc>
+                  <a:txBody>
+                    <a:bodyPr lIns="90000" rIns="90000"/>
+                    <a:p>
+                      <a:r>
+                        <a:rPr b="0" lang="en-IN" sz="1500" spc="-1" strike="noStrike">
+                          <a:solidFill>
+                            <a:srgbClr val="000000"/>
+                          </a:solidFill>
+                          <a:uFill>
+                            <a:solidFill>
+                              <a:srgbClr val="ffffff"/>
+                            </a:solidFill>
+                          </a:uFill>
+                          <a:latin typeface="Arial"/>
+                        </a:rPr>
+                        <a:t>App instance Infos</a:t>
+                      </a:r>
+                      <a:endParaRPr b="0" lang="en-IN" sz="1800" spc="-1" strike="noStrike">
+                        <a:solidFill>
+                          <a:srgbClr val="000000"/>
+                        </a:solidFill>
+                        <a:uFill>
+                          <a:solidFill>
+                            <a:srgbClr val="ffffff"/>
+                          </a:solidFill>
+                        </a:uFill>
+                        <a:latin typeface="Arial"/>
+                      </a:endParaRPr>
+                    </a:p>
+                  </a:txBody>
+                  <a:tcPr marL="90000" marR="90000">
+                    <a:lnL w="720">
+                      <a:solidFill>
+                        <a:srgbClr val="ffffff"/>
+                      </a:solidFill>
+                    </a:lnL>
+                    <a:lnR w="720">
+                      <a:solidFill>
+                        <a:srgbClr val="ffffff"/>
+                      </a:solidFill>
+                    </a:lnR>
+                    <a:lnT w="720">
+                      <a:solidFill>
+                        <a:srgbClr val="ffffff"/>
+                      </a:solidFill>
+                    </a:lnT>
+                    <a:lnB w="720">
+                      <a:solidFill>
+                        <a:srgbClr val="ffffff"/>
+                      </a:solidFill>
+                    </a:lnB>
+                    <a:solidFill>
+                      <a:srgbClr val="e6e6e6"/>
+                    </a:solidFill>
+                  </a:tcPr>
+                </a:tc>
+                <a:tc>
+                  <a:txBody>
+                    <a:bodyPr lIns="90000" rIns="90000"/>
+                    <a:p>
+                      <a:r>
+                        <a:rPr b="0" lang="en-IN" sz="1500" spc="-1" strike="noStrike">
+                          <a:solidFill>
+                            <a:srgbClr val="000000"/>
+                          </a:solidFill>
+                          <a:uFill>
+                            <a:solidFill>
+                              <a:srgbClr val="ffffff"/>
+                            </a:solidFill>
+                          </a:uFill>
+                          <a:latin typeface="Arial"/>
+                        </a:rPr>
+                        <a:t>ok/error</a:t>
+                      </a:r>
+                      <a:endParaRPr b="0" lang="en-IN" sz="1800" spc="-1" strike="noStrike">
+                        <a:solidFill>
+                          <a:srgbClr val="000000"/>
+                        </a:solidFill>
+                        <a:uFill>
+                          <a:solidFill>
+                            <a:srgbClr val="ffffff"/>
+                          </a:solidFill>
+                        </a:uFill>
+                        <a:latin typeface="Arial"/>
+                      </a:endParaRPr>
+                    </a:p>
+                  </a:txBody>
+                  <a:tcPr marL="90000" marR="90000">
+                    <a:lnL w="720">
+                      <a:solidFill>
+                        <a:srgbClr val="ffffff"/>
+                      </a:solidFill>
+                    </a:lnL>
+                    <a:lnR w="720">
+                      <a:solidFill>
+                        <a:srgbClr val="ffffff"/>
+                      </a:solidFill>
+                    </a:lnR>
+                    <a:lnT w="720">
+                      <a:solidFill>
+                        <a:srgbClr val="ffffff"/>
+                      </a:solidFill>
+                    </a:lnT>
+                    <a:lnB w="720">
+                      <a:solidFill>
+                        <a:srgbClr val="ffffff"/>
+                      </a:solidFill>
+                    </a:lnB>
+                    <a:solidFill>
+                      <a:srgbClr val="e6e6e6"/>
+                    </a:solidFill>
+                  </a:tcPr>
+                </a:tc>
+              </a:tr>
+              <a:tr h="455400">
+                <a:tc>
+                  <a:txBody>
+                    <a:bodyPr lIns="90000" rIns="90000"/>
+                    <a:p>
+                      <a:r>
+                        <a:rPr b="0" lang="en-IN" sz="1500" spc="-1" strike="noStrike">
+                          <a:solidFill>
+                            <a:srgbClr val="000000"/>
+                          </a:solidFill>
+                          <a:uFill>
+                            <a:solidFill>
+                              <a:srgbClr val="ffffff"/>
+                            </a:solidFill>
+                          </a:uFill>
+                          <a:latin typeface="Arial"/>
+                        </a:rPr>
+                        <a:t>POST</a:t>
+                      </a:r>
+                      <a:endParaRPr b="0" lang="en-IN" sz="1800" spc="-1" strike="noStrike">
+                        <a:solidFill>
+                          <a:srgbClr val="000000"/>
+                        </a:solidFill>
+                        <a:uFill>
+                          <a:solidFill>
+                            <a:srgbClr val="ffffff"/>
+                          </a:solidFill>
+                        </a:uFill>
+                        <a:latin typeface="Arial"/>
+                      </a:endParaRPr>
+                    </a:p>
+                  </a:txBody>
+                  <a:tcPr marL="90000" marR="90000">
+                    <a:lnL w="720">
+                      <a:solidFill>
+                        <a:srgbClr val="ffffff"/>
+                      </a:solidFill>
+                    </a:lnL>
+                    <a:lnR w="720">
+                      <a:solidFill>
+                        <a:srgbClr val="ffffff"/>
+                      </a:solidFill>
+                    </a:lnR>
+                    <a:lnT w="720">
+                      <a:solidFill>
+                        <a:srgbClr val="ffffff"/>
+                      </a:solidFill>
+                    </a:lnT>
+                    <a:lnB w="720">
+                      <a:solidFill>
+                        <a:srgbClr val="ffffff"/>
+                      </a:solidFill>
+                    </a:lnB>
+                    <a:solidFill>
+                      <a:srgbClr val="cccccc"/>
+                    </a:solidFill>
+                  </a:tcPr>
+                </a:tc>
+                <a:tc>
+                  <a:txBody>
+                    <a:bodyPr lIns="90000" rIns="90000"/>
+                    <a:p>
+                      <a:r>
+                        <a:rPr b="0" lang="en-IN" sz="1600" spc="-1" strike="noStrike">
+                          <a:solidFill>
+                            <a:srgbClr val="000000"/>
+                          </a:solidFill>
+                          <a:uFill>
+                            <a:solidFill>
+                              <a:srgbClr val="ffffff"/>
+                            </a:solidFill>
+                          </a:uFill>
+                          <a:latin typeface="Arial"/>
+                        </a:rPr>
+                        <a:t>lcmcontroller/v1/hosts</a:t>
+                      </a:r>
+                      <a:endParaRPr b="0" lang="en-IN" sz="1800" spc="-1" strike="noStrike">
+                        <a:solidFill>
+                          <a:srgbClr val="000000"/>
+                        </a:solidFill>
+                        <a:uFill>
+                          <a:solidFill>
+                            <a:srgbClr val="ffffff"/>
+                          </a:solidFill>
+                        </a:uFill>
+                        <a:latin typeface="Arial"/>
+                      </a:endParaRPr>
+                    </a:p>
+                  </a:txBody>
+                  <a:tcPr marL="90000" marR="90000">
+                    <a:lnL w="720">
+                      <a:solidFill>
+                        <a:srgbClr val="ffffff"/>
+                      </a:solidFill>
+                    </a:lnL>
+                    <a:lnR w="720">
+                      <a:solidFill>
+                        <a:srgbClr val="ffffff"/>
+                      </a:solidFill>
+                    </a:lnR>
+                    <a:lnT w="720">
+                      <a:solidFill>
+                        <a:srgbClr val="ffffff"/>
+                      </a:solidFill>
+                    </a:lnT>
+                    <a:lnB w="720">
+                      <a:solidFill>
+                        <a:srgbClr val="ffffff"/>
+                      </a:solidFill>
+                    </a:lnB>
+                    <a:solidFill>
+                      <a:srgbClr val="cccccc"/>
+                    </a:solidFill>
+                  </a:tcPr>
+                </a:tc>
+                <a:tc>
+                  <a:txBody>
+                    <a:bodyPr lIns="90000" rIns="90000"/>
+                    <a:p>
+                      <a:r>
+                        <a:rPr b="0" lang="en-IN" sz="1500" spc="-1" strike="noStrike">
+                          <a:solidFill>
+                            <a:srgbClr val="000000"/>
+                          </a:solidFill>
+                          <a:uFill>
+                            <a:solidFill>
+                              <a:srgbClr val="ffffff"/>
+                            </a:solidFill>
+                          </a:uFill>
+                          <a:latin typeface="Arial"/>
+                        </a:rPr>
+                        <a:t>Config file + host info</a:t>
+                      </a:r>
+                      <a:endParaRPr b="0" lang="en-IN" sz="1800" spc="-1" strike="noStrike">
+                        <a:solidFill>
+                          <a:srgbClr val="000000"/>
+                        </a:solidFill>
+                        <a:uFill>
+                          <a:solidFill>
+                            <a:srgbClr val="ffffff"/>
+                          </a:solidFill>
+                        </a:uFill>
+                        <a:latin typeface="Arial"/>
+                      </a:endParaRPr>
+                    </a:p>
+                  </a:txBody>
+                  <a:tcPr marL="90000" marR="90000">
+                    <a:lnL w="720">
+                      <a:solidFill>
+                        <a:srgbClr val="ffffff"/>
+                      </a:solidFill>
+                    </a:lnL>
+                    <a:lnR w="720">
+                      <a:solidFill>
+                        <a:srgbClr val="ffffff"/>
+                      </a:solidFill>
+                    </a:lnR>
+                    <a:lnT w="720">
+                      <a:solidFill>
+                        <a:srgbClr val="ffffff"/>
+                      </a:solidFill>
+                    </a:lnT>
+                    <a:lnB w="720">
+                      <a:solidFill>
+                        <a:srgbClr val="ffffff"/>
+                      </a:solidFill>
+                    </a:lnB>
+                    <a:solidFill>
+                      <a:srgbClr val="cccccc"/>
+                    </a:solidFill>
+                  </a:tcPr>
+                </a:tc>
+                <a:tc>
+                  <a:txBody>
+                    <a:bodyPr lIns="90000" rIns="90000"/>
+                    <a:p>
+                      <a:r>
+                        <a:rPr b="0" lang="en-IN" sz="1500" spc="-1" strike="noStrike">
+                          <a:solidFill>
+                            <a:srgbClr val="000000"/>
+                          </a:solidFill>
+                          <a:uFill>
+                            <a:solidFill>
+                              <a:srgbClr val="ffffff"/>
+                            </a:solidFill>
+                          </a:uFill>
+                          <a:latin typeface="Arial"/>
+                        </a:rPr>
+                        <a:t>ok/error</a:t>
+                      </a:r>
+                      <a:endParaRPr b="0" lang="en-IN" sz="1800" spc="-1" strike="noStrike">
+                        <a:solidFill>
+                          <a:srgbClr val="000000"/>
+                        </a:solidFill>
+                        <a:uFill>
+                          <a:solidFill>
+                            <a:srgbClr val="ffffff"/>
+                          </a:solidFill>
+                        </a:uFill>
+                        <a:latin typeface="Arial"/>
+                      </a:endParaRPr>
+                    </a:p>
+                  </a:txBody>
+                  <a:tcPr marL="90000" marR="90000">
+                    <a:lnL w="720">
+                      <a:solidFill>
+                        <a:srgbClr val="ffffff"/>
+                      </a:solidFill>
+                    </a:lnL>
+                    <a:lnR w="720">
+                      <a:solidFill>
+                        <a:srgbClr val="ffffff"/>
+                      </a:solidFill>
+                    </a:lnR>
+                    <a:lnT w="720">
+                      <a:solidFill>
+                        <a:srgbClr val="ffffff"/>
+                      </a:solidFill>
+                    </a:lnT>
+                    <a:lnB w="720">
+                      <a:solidFill>
+                        <a:srgbClr val="ffffff"/>
+                      </a:solidFill>
+                    </a:lnB>
+                    <a:solidFill>
+                      <a:srgbClr val="cccccc"/>
+                    </a:solidFill>
+                  </a:tcPr>
+                </a:tc>
+              </a:tr>
+              <a:tr h="455400">
+                <a:tc>
+                  <a:txBody>
+                    <a:bodyPr lIns="90000" rIns="90000"/>
+                    <a:p>
+                      <a:r>
+                        <a:rPr b="0" lang="en-IN" sz="1500" spc="-1" strike="noStrike">
+                          <a:solidFill>
+                            <a:srgbClr val="000000"/>
+                          </a:solidFill>
+                          <a:uFill>
+                            <a:solidFill>
+                              <a:srgbClr val="ffffff"/>
+                            </a:solidFill>
+                          </a:uFill>
+                          <a:latin typeface="Arial"/>
+                        </a:rPr>
+                        <a:t>PUT</a:t>
+                      </a:r>
+                      <a:endParaRPr b="0" lang="en-IN" sz="1800" spc="-1" strike="noStrike">
+                        <a:solidFill>
+                          <a:srgbClr val="000000"/>
+                        </a:solidFill>
+                        <a:uFill>
+                          <a:solidFill>
+                            <a:srgbClr val="ffffff"/>
+                          </a:solidFill>
+                        </a:uFill>
+                        <a:latin typeface="Arial"/>
+                      </a:endParaRPr>
+                    </a:p>
+                  </a:txBody>
+                  <a:tcPr marL="90000" marR="90000">
+                    <a:lnL w="720">
+                      <a:solidFill>
+                        <a:srgbClr val="ffffff"/>
+                      </a:solidFill>
+                    </a:lnL>
+                    <a:lnR w="720">
+                      <a:solidFill>
+                        <a:srgbClr val="ffffff"/>
+                      </a:solidFill>
+                    </a:lnR>
+                    <a:lnT w="720">
+                      <a:solidFill>
+                        <a:srgbClr val="ffffff"/>
+                      </a:solidFill>
+                    </a:lnT>
+                    <a:lnB w="720">
+                      <a:solidFill>
+                        <a:srgbClr val="ffffff"/>
+                      </a:solidFill>
+                    </a:lnB>
+                    <a:solidFill>
+                      <a:srgbClr val="cccccc"/>
+                    </a:solidFill>
+                  </a:tcPr>
+                </a:tc>
+                <a:tc>
+                  <a:txBody>
+                    <a:bodyPr lIns="90000" rIns="90000"/>
+                    <a:p>
+                      <a:r>
+                        <a:rPr b="0" lang="en-IN" sz="1600" spc="-1" strike="noStrike">
+                          <a:solidFill>
+                            <a:srgbClr val="000000"/>
+                          </a:solidFill>
+                          <a:uFill>
+                            <a:solidFill>
+                              <a:srgbClr val="ffffff"/>
+                            </a:solidFill>
+                          </a:uFill>
+                          <a:latin typeface="Arial"/>
+                        </a:rPr>
+                        <a:t>lcmcontroller/v1/hosts</a:t>
+                      </a:r>
+                      <a:endParaRPr b="0" lang="en-IN" sz="1800" spc="-1" strike="noStrike">
+                        <a:solidFill>
+                          <a:srgbClr val="000000"/>
+                        </a:solidFill>
+                        <a:uFill>
+                          <a:solidFill>
+                            <a:srgbClr val="ffffff"/>
+                          </a:solidFill>
+                        </a:uFill>
+                        <a:latin typeface="Arial"/>
+                      </a:endParaRPr>
+                    </a:p>
+                  </a:txBody>
+                  <a:tcPr marL="90000" marR="90000">
+                    <a:lnL w="720">
+                      <a:solidFill>
+                        <a:srgbClr val="ffffff"/>
+                      </a:solidFill>
+                    </a:lnL>
+                    <a:lnR w="720">
+                      <a:solidFill>
+                        <a:srgbClr val="ffffff"/>
+                      </a:solidFill>
+                    </a:lnR>
+                    <a:lnT w="720">
+                      <a:solidFill>
+                        <a:srgbClr val="ffffff"/>
+                      </a:solidFill>
+                    </a:lnT>
+                    <a:lnB w="720">
+                      <a:solidFill>
+                        <a:srgbClr val="ffffff"/>
+                      </a:solidFill>
+                    </a:lnB>
+                    <a:solidFill>
+                      <a:srgbClr val="cccccc"/>
+                    </a:solidFill>
+                  </a:tcPr>
+                </a:tc>
+                <a:tc>
+                  <a:txBody>
+                    <a:bodyPr lIns="90000" rIns="90000"/>
+                    <a:p>
+                      <a:r>
+                        <a:rPr b="0" lang="en-IN" sz="1500" spc="-1" strike="noStrike">
+                          <a:solidFill>
+                            <a:srgbClr val="000000"/>
+                          </a:solidFill>
+                          <a:uFill>
+                            <a:solidFill>
+                              <a:srgbClr val="ffffff"/>
+                            </a:solidFill>
+                          </a:uFill>
+                          <a:latin typeface="Arial"/>
+                        </a:rPr>
+                        <a:t>Config file + host info</a:t>
+                      </a:r>
+                      <a:endParaRPr b="0" lang="en-IN" sz="1800" spc="-1" strike="noStrike">
+                        <a:solidFill>
+                          <a:srgbClr val="000000"/>
+                        </a:solidFill>
+                        <a:uFill>
+                          <a:solidFill>
+                            <a:srgbClr val="ffffff"/>
+                          </a:solidFill>
+                        </a:uFill>
+                        <a:latin typeface="Arial"/>
+                      </a:endParaRPr>
+                    </a:p>
+                  </a:txBody>
+                  <a:tcPr marL="90000" marR="90000">
+                    <a:lnL w="720">
+                      <a:solidFill>
+                        <a:srgbClr val="ffffff"/>
+                      </a:solidFill>
+                    </a:lnL>
+                    <a:lnR w="720">
+                      <a:solidFill>
+                        <a:srgbClr val="ffffff"/>
+                      </a:solidFill>
+                    </a:lnR>
+                    <a:lnT w="720">
+                      <a:solidFill>
+                        <a:srgbClr val="ffffff"/>
+                      </a:solidFill>
+                    </a:lnT>
+                    <a:lnB w="720">
+                      <a:solidFill>
+                        <a:srgbClr val="ffffff"/>
+                      </a:solidFill>
+                    </a:lnB>
+                    <a:solidFill>
+                      <a:srgbClr val="cccccc"/>
+                    </a:solidFill>
+                  </a:tcPr>
+                </a:tc>
+                <a:tc>
+                  <a:txBody>
+                    <a:bodyPr lIns="90000" rIns="90000"/>
+                    <a:p>
+                      <a:r>
+                        <a:rPr b="0" lang="en-IN" sz="1500" spc="-1" strike="noStrike">
+                          <a:solidFill>
+                            <a:srgbClr val="000000"/>
+                          </a:solidFill>
+                          <a:uFill>
+                            <a:solidFill>
+                              <a:srgbClr val="ffffff"/>
+                            </a:solidFill>
+                          </a:uFill>
+                          <a:latin typeface="Arial"/>
+                        </a:rPr>
+                        <a:t>ok/error</a:t>
+                      </a:r>
+                      <a:endParaRPr b="0" lang="en-IN" sz="1800" spc="-1" strike="noStrike">
+                        <a:solidFill>
+                          <a:srgbClr val="000000"/>
+                        </a:solidFill>
+                        <a:uFill>
+                          <a:solidFill>
+                            <a:srgbClr val="ffffff"/>
+                          </a:solidFill>
+                        </a:uFill>
+                        <a:latin typeface="Arial"/>
+                      </a:endParaRPr>
+                    </a:p>
+                  </a:txBody>
+                  <a:tcPr marL="90000" marR="90000">
+                    <a:lnL w="720">
+                      <a:solidFill>
+                        <a:srgbClr val="ffffff"/>
+                      </a:solidFill>
+                    </a:lnL>
+                    <a:lnR w="720">
+                      <a:solidFill>
+                        <a:srgbClr val="ffffff"/>
+                      </a:solidFill>
+                    </a:lnR>
+                    <a:lnT w="720">
+                      <a:solidFill>
+                        <a:srgbClr val="ffffff"/>
+                      </a:solidFill>
+                    </a:lnT>
+                    <a:lnB w="720">
+                      <a:solidFill>
+                        <a:srgbClr val="ffffff"/>
+                      </a:solidFill>
+                    </a:lnB>
+                    <a:solidFill>
+                      <a:srgbClr val="cccccc"/>
+                    </a:solidFill>
+                  </a:tcPr>
+                </a:tc>
+              </a:tr>
+              <a:tr h="455400">
+                <a:tc>
+                  <a:txBody>
+                    <a:bodyPr lIns="90000" rIns="90000"/>
+                    <a:p>
+                      <a:r>
+                        <a:rPr b="0" lang="en-IN" sz="1500" spc="-1" strike="noStrike">
+                          <a:solidFill>
+                            <a:srgbClr val="000000"/>
+                          </a:solidFill>
+                          <a:uFill>
+                            <a:solidFill>
+                              <a:srgbClr val="ffffff"/>
+                            </a:solidFill>
+                          </a:uFill>
+                          <a:latin typeface="Arial"/>
+                        </a:rPr>
+                        <a:t>DELETE</a:t>
+                      </a:r>
+                      <a:endParaRPr b="0" lang="en-IN" sz="1800" spc="-1" strike="noStrike">
+                        <a:solidFill>
+                          <a:srgbClr val="000000"/>
+                        </a:solidFill>
+                        <a:uFill>
+                          <a:solidFill>
+                            <a:srgbClr val="ffffff"/>
+                          </a:solidFill>
+                        </a:uFill>
+                        <a:latin typeface="Arial"/>
+                      </a:endParaRPr>
+                    </a:p>
+                  </a:txBody>
+                  <a:tcPr marL="90000" marR="90000">
+                    <a:lnL w="720">
+                      <a:solidFill>
+                        <a:srgbClr val="ffffff"/>
+                      </a:solidFill>
+                    </a:lnL>
+                    <a:lnR w="720">
+                      <a:solidFill>
+                        <a:srgbClr val="ffffff"/>
+                      </a:solidFill>
+                    </a:lnR>
+                    <a:lnT w="720">
+                      <a:solidFill>
+                        <a:srgbClr val="ffffff"/>
+                      </a:solidFill>
+                    </a:lnT>
+                    <a:lnB w="720">
+                      <a:solidFill>
+                        <a:srgbClr val="ffffff"/>
+                      </a:solidFill>
+                    </a:lnB>
+                    <a:solidFill>
+                      <a:srgbClr val="cccccc"/>
+                    </a:solidFill>
+                  </a:tcPr>
+                </a:tc>
+                <a:tc>
+                  <a:txBody>
+                    <a:bodyPr lIns="90000" rIns="90000"/>
+                    <a:p>
+                      <a:r>
+                        <a:rPr b="0" lang="en-IN" sz="1600" spc="-1" strike="noStrike">
+                          <a:solidFill>
+                            <a:srgbClr val="000000"/>
+                          </a:solidFill>
+                          <a:uFill>
+                            <a:solidFill>
+                              <a:srgbClr val="ffffff"/>
+                            </a:solidFill>
+                          </a:uFill>
+                          <a:latin typeface="Arial"/>
+                        </a:rPr>
+                        <a:t>lcmcontroller/v1/hosts/{hostIp}</a:t>
+                      </a:r>
+                      <a:endParaRPr b="0" lang="en-IN" sz="1800" spc="-1" strike="noStrike">
+                        <a:solidFill>
+                          <a:srgbClr val="000000"/>
+                        </a:solidFill>
+                        <a:uFill>
+                          <a:solidFill>
+                            <a:srgbClr val="ffffff"/>
+                          </a:solidFill>
+                        </a:uFill>
+                        <a:latin typeface="Arial"/>
+                      </a:endParaRPr>
+                    </a:p>
+                  </a:txBody>
+                  <a:tcPr marL="90000" marR="90000">
+                    <a:lnL w="720">
+                      <a:solidFill>
+                        <a:srgbClr val="ffffff"/>
+                      </a:solidFill>
+                    </a:lnL>
+                    <a:lnR w="720">
+                      <a:solidFill>
+                        <a:srgbClr val="ffffff"/>
+                      </a:solidFill>
+                    </a:lnR>
+                    <a:lnT w="720">
+                      <a:solidFill>
+                        <a:srgbClr val="ffffff"/>
+                      </a:solidFill>
+                    </a:lnT>
+                    <a:lnB w="720">
+                      <a:solidFill>
+                        <a:srgbClr val="ffffff"/>
+                      </a:solidFill>
+                    </a:lnB>
+                    <a:solidFill>
+                      <a:srgbClr val="cccccc"/>
+                    </a:solidFill>
+                  </a:tcPr>
+                </a:tc>
+                <a:tc>
+                  <a:txBody>
+                    <a:bodyPr lIns="90000" rIns="90000"/>
+                    <a:p>
+                      <a:r>
+                        <a:rPr b="0" lang="en-IN" sz="1500" spc="-1" strike="noStrike">
+                          <a:solidFill>
+                            <a:srgbClr val="000000"/>
+                          </a:solidFill>
+                          <a:uFill>
+                            <a:solidFill>
+                              <a:srgbClr val="ffffff"/>
+                            </a:solidFill>
+                          </a:uFill>
+                          <a:latin typeface="Arial"/>
+                        </a:rPr>
+                        <a:t>None</a:t>
+                      </a:r>
+                      <a:endParaRPr b="0" lang="en-IN" sz="1800" spc="-1" strike="noStrike">
+                        <a:solidFill>
+                          <a:srgbClr val="000000"/>
+                        </a:solidFill>
+                        <a:uFill>
+                          <a:solidFill>
+                            <a:srgbClr val="ffffff"/>
+                          </a:solidFill>
+                        </a:uFill>
+                        <a:latin typeface="Arial"/>
+                      </a:endParaRPr>
+                    </a:p>
+                  </a:txBody>
+                  <a:tcPr marL="90000" marR="90000">
+                    <a:lnL w="720">
+                      <a:solidFill>
+                        <a:srgbClr val="ffffff"/>
+                      </a:solidFill>
+                    </a:lnL>
+                    <a:lnR w="720">
+                      <a:solidFill>
+                        <a:srgbClr val="ffffff"/>
+                      </a:solidFill>
+                    </a:lnR>
+                    <a:lnT w="720">
+                      <a:solidFill>
+                        <a:srgbClr val="ffffff"/>
+                      </a:solidFill>
+                    </a:lnT>
+                    <a:lnB w="720">
+                      <a:solidFill>
+                        <a:srgbClr val="ffffff"/>
+                      </a:solidFill>
+                    </a:lnB>
+                    <a:solidFill>
+                      <a:srgbClr val="cccccc"/>
+                    </a:solidFill>
+                  </a:tcPr>
+                </a:tc>
+                <a:tc>
+                  <a:txBody>
+                    <a:bodyPr lIns="90000" rIns="90000"/>
+                    <a:p>
+                      <a:r>
+                        <a:rPr b="0" lang="en-IN" sz="1500" spc="-1" strike="noStrike">
+                          <a:solidFill>
+                            <a:srgbClr val="000000"/>
+                          </a:solidFill>
+                          <a:uFill>
+                            <a:solidFill>
+                              <a:srgbClr val="ffffff"/>
+                            </a:solidFill>
+                          </a:uFill>
+                          <a:latin typeface="Arial"/>
+                        </a:rPr>
+                        <a:t>ok/error</a:t>
+                      </a:r>
+                      <a:endParaRPr b="0" lang="en-IN" sz="1800" spc="-1" strike="noStrike">
+                        <a:solidFill>
+                          <a:srgbClr val="000000"/>
+                        </a:solidFill>
+                        <a:uFill>
+                          <a:solidFill>
+                            <a:srgbClr val="ffffff"/>
+                          </a:solidFill>
+                        </a:uFill>
+                        <a:latin typeface="Arial"/>
+                      </a:endParaRPr>
+                    </a:p>
+                  </a:txBody>
+                  <a:tcPr marL="90000" marR="90000">
+                    <a:lnL w="720">
+                      <a:solidFill>
+                        <a:srgbClr val="ffffff"/>
+                      </a:solidFill>
+                    </a:lnL>
+                    <a:lnR w="720">
+                      <a:solidFill>
+                        <a:srgbClr val="ffffff"/>
+                      </a:solidFill>
+                    </a:lnR>
+                    <a:lnT w="720">
+                      <a:solidFill>
+                        <a:srgbClr val="ffffff"/>
+                      </a:solidFill>
+                    </a:lnT>
+                    <a:lnB w="720">
+                      <a:solidFill>
+                        <a:srgbClr val="ffffff"/>
+                      </a:solidFill>
+                    </a:lnB>
+                    <a:solidFill>
+                      <a:srgbClr val="cccccc"/>
+                    </a:solidFill>
+                  </a:tcPr>
+                </a:tc>
+              </a:tr>
+              <a:tr h="454320">
+                <a:tc>
+                  <a:txBody>
+                    <a:bodyPr lIns="90000" rIns="90000"/>
+                    <a:p>
+                      <a:r>
+                        <a:rPr b="0" lang="en-IN" sz="1500" spc="-1" strike="noStrike">
+                          <a:solidFill>
+                            <a:srgbClr val="000000"/>
+                          </a:solidFill>
+                          <a:uFill>
+                            <a:solidFill>
+                              <a:srgbClr val="ffffff"/>
+                            </a:solidFill>
+                          </a:uFill>
+                          <a:latin typeface="Arial"/>
+                        </a:rPr>
+                        <a:t>GET</a:t>
+                      </a:r>
+                      <a:endParaRPr b="0" lang="en-IN" sz="1800" spc="-1" strike="noStrike">
+                        <a:solidFill>
+                          <a:srgbClr val="000000"/>
+                        </a:solidFill>
+                        <a:uFill>
+                          <a:solidFill>
+                            <a:srgbClr val="ffffff"/>
+                          </a:solidFill>
+                        </a:uFill>
+                        <a:latin typeface="Arial"/>
+                      </a:endParaRPr>
+                    </a:p>
+                  </a:txBody>
+                  <a:tcPr marL="90000" marR="90000">
+                    <a:lnL w="720">
+                      <a:solidFill>
+                        <a:srgbClr val="ffffff"/>
+                      </a:solidFill>
+                    </a:lnL>
+                    <a:lnR w="720">
+                      <a:solidFill>
+                        <a:srgbClr val="ffffff"/>
+                      </a:solidFill>
+                    </a:lnR>
+                    <a:lnT w="720">
+                      <a:solidFill>
+                        <a:srgbClr val="ffffff"/>
+                      </a:solidFill>
+                    </a:lnT>
+                    <a:lnB w="720">
+                      <a:solidFill>
+                        <a:srgbClr val="ffffff"/>
+                      </a:solidFill>
+                    </a:lnB>
+                    <a:solidFill>
+                      <a:srgbClr val="cccccc"/>
+                    </a:solidFill>
+                  </a:tcPr>
+                </a:tc>
+                <a:tc>
+                  <a:txBody>
+                    <a:bodyPr lIns="90000" rIns="90000"/>
+                    <a:p>
+                      <a:r>
+                        <a:rPr b="0" lang="en-IN" sz="1600" spc="-1" strike="noStrike">
+                          <a:solidFill>
+                            <a:srgbClr val="000000"/>
+                          </a:solidFill>
+                          <a:uFill>
+                            <a:solidFill>
+                              <a:srgbClr val="ffffff"/>
+                            </a:solidFill>
+                          </a:uFill>
+                          <a:latin typeface="Arial"/>
+                        </a:rPr>
+                        <a:t>lcmcontroller/v1/hosts</a:t>
+                      </a:r>
+                      <a:endParaRPr b="0" lang="en-IN" sz="1800" spc="-1" strike="noStrike">
+                        <a:solidFill>
+                          <a:srgbClr val="000000"/>
+                        </a:solidFill>
+                        <a:uFill>
+                          <a:solidFill>
+                            <a:srgbClr val="ffffff"/>
+                          </a:solidFill>
+                        </a:uFill>
+                        <a:latin typeface="Arial"/>
+                      </a:endParaRPr>
+                    </a:p>
+                  </a:txBody>
+                  <a:tcPr marL="90000" marR="90000">
+                    <a:lnL w="720">
+                      <a:solidFill>
+                        <a:srgbClr val="ffffff"/>
+                      </a:solidFill>
+                    </a:lnL>
+                    <a:lnR w="720">
+                      <a:solidFill>
+                        <a:srgbClr val="ffffff"/>
+                      </a:solidFill>
+                    </a:lnR>
+                    <a:lnT w="720">
+                      <a:solidFill>
+                        <a:srgbClr val="ffffff"/>
+                      </a:solidFill>
+                    </a:lnT>
+                    <a:lnB w="720">
+                      <a:solidFill>
+                        <a:srgbClr val="ffffff"/>
+                      </a:solidFill>
+                    </a:lnB>
+                    <a:solidFill>
+                      <a:srgbClr val="cccccc"/>
+                    </a:solidFill>
+                  </a:tcPr>
+                </a:tc>
+                <a:tc>
+                  <a:txBody>
+                    <a:bodyPr lIns="90000" rIns="90000"/>
+                    <a:p>
+                      <a:r>
+                        <a:rPr b="0" lang="en-IN" sz="1500" spc="-1" strike="noStrike">
+                          <a:solidFill>
+                            <a:srgbClr val="000000"/>
+                          </a:solidFill>
+                          <a:uFill>
+                            <a:solidFill>
+                              <a:srgbClr val="ffffff"/>
+                            </a:solidFill>
+                          </a:uFill>
+                          <a:latin typeface="Arial"/>
+                        </a:rPr>
+                        <a:t>None</a:t>
+                      </a:r>
+                      <a:endParaRPr b="0" lang="en-IN" sz="1800" spc="-1" strike="noStrike">
+                        <a:solidFill>
+                          <a:srgbClr val="000000"/>
+                        </a:solidFill>
+                        <a:uFill>
+                          <a:solidFill>
+                            <a:srgbClr val="ffffff"/>
+                          </a:solidFill>
+                        </a:uFill>
+                        <a:latin typeface="Arial"/>
+                      </a:endParaRPr>
+                    </a:p>
+                  </a:txBody>
+                  <a:tcPr marL="90000" marR="90000">
+                    <a:lnL w="720">
+                      <a:solidFill>
+                        <a:srgbClr val="ffffff"/>
+                      </a:solidFill>
+                    </a:lnL>
+                    <a:lnR w="720">
+                      <a:solidFill>
+                        <a:srgbClr val="ffffff"/>
+                      </a:solidFill>
+                    </a:lnR>
+                    <a:lnT w="720">
+                      <a:solidFill>
+                        <a:srgbClr val="ffffff"/>
+                      </a:solidFill>
+                    </a:lnT>
+                    <a:lnB w="720">
+                      <a:solidFill>
+                        <a:srgbClr val="ffffff"/>
+                      </a:solidFill>
+                    </a:lnB>
+                    <a:solidFill>
+                      <a:srgbClr val="cccccc"/>
+                    </a:solidFill>
+                  </a:tcPr>
+                </a:tc>
+                <a:tc>
+                  <a:txBody>
+                    <a:bodyPr lIns="90000" rIns="90000"/>
+                    <a:p>
+                      <a:r>
+                        <a:rPr b="0" lang="en-IN" sz="1500" spc="-1" strike="noStrike">
+                          <a:solidFill>
+                            <a:srgbClr val="000000"/>
+                          </a:solidFill>
+                          <a:uFill>
+                            <a:solidFill>
+                              <a:srgbClr val="ffffff"/>
+                            </a:solidFill>
+                          </a:uFill>
+                          <a:latin typeface="Arial"/>
+                        </a:rPr>
+                        <a:t>hostInfos</a:t>
+                      </a:r>
+                      <a:endParaRPr b="0" lang="en-IN" sz="1800" spc="-1" strike="noStrike">
+                        <a:solidFill>
+                          <a:srgbClr val="000000"/>
+                        </a:solidFill>
+                        <a:uFill>
+                          <a:solidFill>
+                            <a:srgbClr val="ffffff"/>
+                          </a:solidFill>
+                        </a:uFill>
+                        <a:latin typeface="Arial"/>
+                      </a:endParaRPr>
+                    </a:p>
+                  </a:txBody>
+                  <a:tcPr marL="90000" marR="90000">
+                    <a:lnL w="720">
+                      <a:solidFill>
+                        <a:srgbClr val="ffffff"/>
+                      </a:solidFill>
+                    </a:lnL>
+                    <a:lnR w="720">
+                      <a:solidFill>
+                        <a:srgbClr val="ffffff"/>
+                      </a:solidFill>
+                    </a:lnR>
+                    <a:lnT w="720">
+                      <a:solidFill>
+                        <a:srgbClr val="ffffff"/>
+                      </a:solidFill>
+                    </a:lnT>
+                    <a:lnB w="720">
+                      <a:solidFill>
+                        <a:srgbClr val="ffffff"/>
+                      </a:solidFill>
+                    </a:lnB>
+                    <a:solidFill>
+                      <a:srgbClr val="cccccc"/>
+                    </a:solidFill>
+                  </a:tcPr>
+                </a:tc>
+              </a:tr>
+            </a:tbl>
+          </a:graphicData>
+        </a:graphic>
+      </p:graphicFrame>
+      <p:sp>
+        <p:nvSpPr>
+          <p:cNvPr id="305" name="CustomShape 3"/>
+          <p:cNvSpPr/>
+          <p:nvPr/>
+        </p:nvSpPr>
+        <p:spPr>
+          <a:xfrm>
+            <a:off x="288000" y="5184000"/>
+            <a:ext cx="3455640" cy="575640"/>
+          </a:xfrm>
+          <a:prstGeom prst="rect">
+            <a:avLst/>
+          </a:prstGeom>
+          <a:noFill/>
+          <a:ln>
+            <a:noFill/>
+          </a:ln>
+        </p:spPr>
+        <p:style>
+          <a:lnRef idx="0"/>
+          <a:fillRef idx="0"/>
+          <a:effectRef idx="0"/>
+          <a:fontRef idx="minor"/>
+        </p:style>
+        <p:txBody>
+          <a:bodyPr lIns="90000" rIns="90000" tIns="45000" bIns="45000"/>
+          <a:p>
+            <a:pPr>
+              <a:lnSpc>
+                <a:spcPts val="0"/>
+              </a:lnSpc>
+            </a:pPr>
+            <a:r>
+              <a:rPr b="1" lang="en-IN" sz="2500" spc="-1" strike="noStrike">
+                <a:solidFill>
+                  <a:srgbClr val="c00000"/>
+                </a:solidFill>
+                <a:uFill>
+                  <a:solidFill>
+                    <a:srgbClr val="ffffff"/>
+                  </a:solidFill>
+                </a:uFill>
+                <a:latin typeface="Microsoft YaHei"/>
+                <a:ea typeface="Microsoft YaHei"/>
+              </a:rPr>
+              <a:t>Inventory Interfaces </a:t>
+            </a:r>
+            <a:endParaRPr b="0" lang="en-IN" sz="1800" spc="-1" strike="noStrike">
+              <a:solidFill>
+                <a:srgbClr val="000000"/>
+              </a:solidFill>
+              <a:uFill>
+                <a:solidFill>
+                  <a:srgbClr val="ffffff"/>
+                </a:solidFill>
+              </a:uFill>
+              <a:latin typeface="Arial"/>
+            </a:endParaRPr>
+          </a:p>
+        </p:txBody>
+      </p:sp>
+      <p:graphicFrame>
+        <p:nvGraphicFramePr>
+          <p:cNvPr id="306" name="Table 4"/>
+          <p:cNvGraphicFramePr/>
+          <p:nvPr/>
+        </p:nvGraphicFramePr>
+        <p:xfrm>
+          <a:off x="312120" y="6022080"/>
+          <a:ext cx="9504360" cy="847080"/>
+        </p:xfrm>
+        <a:graphic>
+          <a:graphicData uri="http://schemas.openxmlformats.org/drawingml/2006/table">
+            <a:tbl>
+              <a:tblPr/>
+              <a:tblGrid>
+                <a:gridCol w="1041480"/>
+                <a:gridCol w="4294800"/>
+                <a:gridCol w="2358000"/>
+                <a:gridCol w="1810440"/>
+              </a:tblGrid>
+              <a:tr h="303480">
+                <a:tc>
+                  <a:txBody>
+                    <a:bodyPr lIns="90000" rIns="90000"/>
+                    <a:p>
+                      <a:r>
+                        <a:rPr b="0" lang="en-IN" sz="1500" spc="-1" strike="noStrike">
+                          <a:solidFill>
+                            <a:srgbClr val="000000"/>
+                          </a:solidFill>
+                          <a:uFill>
+                            <a:solidFill>
+                              <a:srgbClr val="ffffff"/>
+                            </a:solidFill>
+                          </a:uFill>
+                          <a:latin typeface="Arial"/>
+                        </a:rPr>
+                        <a:t>Method</a:t>
+                      </a:r>
+                      <a:endParaRPr b="0" lang="en-IN" sz="1800" spc="-1" strike="noStrike">
+                        <a:solidFill>
+                          <a:srgbClr val="000000"/>
+                        </a:solidFill>
+                        <a:uFill>
+                          <a:solidFill>
+                            <a:srgbClr val="ffffff"/>
+                          </a:solidFill>
+                        </a:uFill>
+                        <a:latin typeface="Arial"/>
+                      </a:endParaRPr>
+                    </a:p>
+                  </a:txBody>
+                  <a:tcPr marL="90000" marR="90000">
+                    <a:lnL w="720">
+                      <a:solidFill>
+                        <a:srgbClr val="ffffff"/>
+                      </a:solidFill>
+                    </a:lnL>
+                    <a:lnR w="720">
+                      <a:solidFill>
+                        <a:srgbClr val="ffffff"/>
+                      </a:solidFill>
+                    </a:lnR>
+                    <a:lnT w="720">
+                      <a:solidFill>
+                        <a:srgbClr val="ffffff"/>
+                      </a:solidFill>
+                    </a:lnT>
+                    <a:lnB w="720">
+                      <a:solidFill>
+                        <a:srgbClr val="ffffff"/>
+                      </a:solidFill>
+                    </a:lnB>
+                    <a:solidFill>
+                      <a:srgbClr val="b3b3b3"/>
+                    </a:solidFill>
+                  </a:tcPr>
+                </a:tc>
+                <a:tc>
+                  <a:txBody>
+                    <a:bodyPr lIns="90000" rIns="90000"/>
+                    <a:p>
+                      <a:r>
+                        <a:rPr b="0" lang="en-IN" sz="1500" spc="-1" strike="noStrike">
+                          <a:solidFill>
+                            <a:srgbClr val="000000"/>
+                          </a:solidFill>
+                          <a:uFill>
+                            <a:solidFill>
+                              <a:srgbClr val="ffffff"/>
+                            </a:solidFill>
+                          </a:uFill>
+                          <a:latin typeface="Arial"/>
+                        </a:rPr>
+                        <a:t>API</a:t>
+                      </a:r>
+                      <a:endParaRPr b="0" lang="en-IN" sz="1800" spc="-1" strike="noStrike">
+                        <a:solidFill>
+                          <a:srgbClr val="000000"/>
+                        </a:solidFill>
+                        <a:uFill>
+                          <a:solidFill>
+                            <a:srgbClr val="ffffff"/>
+                          </a:solidFill>
+                        </a:uFill>
+                        <a:latin typeface="Arial"/>
+                      </a:endParaRPr>
+                    </a:p>
+                  </a:txBody>
+                  <a:tcPr marL="90000" marR="90000">
+                    <a:lnL w="720">
+                      <a:solidFill>
+                        <a:srgbClr val="ffffff"/>
+                      </a:solidFill>
+                    </a:lnL>
+                    <a:lnR w="720">
+                      <a:solidFill>
+                        <a:srgbClr val="ffffff"/>
+                      </a:solidFill>
+                    </a:lnR>
+                    <a:lnT w="720">
+                      <a:solidFill>
+                        <a:srgbClr val="ffffff"/>
+                      </a:solidFill>
+                    </a:lnT>
+                    <a:lnB w="720">
+                      <a:solidFill>
+                        <a:srgbClr val="ffffff"/>
+                      </a:solidFill>
+                    </a:lnB>
+                    <a:solidFill>
+                      <a:srgbClr val="b3b3b3"/>
+                    </a:solidFill>
+                  </a:tcPr>
+                </a:tc>
+                <a:tc>
+                  <a:txBody>
+                    <a:bodyPr lIns="90000" rIns="90000"/>
+                    <a:p>
+                      <a:r>
+                        <a:rPr b="0" lang="en-IN" sz="1500" spc="-1" strike="noStrike">
+                          <a:solidFill>
+                            <a:srgbClr val="000000"/>
+                          </a:solidFill>
+                          <a:uFill>
+                            <a:solidFill>
+                              <a:srgbClr val="ffffff"/>
+                            </a:solidFill>
+                          </a:uFill>
+                          <a:latin typeface="Arial"/>
+                        </a:rPr>
+                        <a:t>RequestBody</a:t>
+                      </a:r>
+                      <a:endParaRPr b="0" lang="en-IN" sz="1800" spc="-1" strike="noStrike">
+                        <a:solidFill>
+                          <a:srgbClr val="000000"/>
+                        </a:solidFill>
+                        <a:uFill>
+                          <a:solidFill>
+                            <a:srgbClr val="ffffff"/>
+                          </a:solidFill>
+                        </a:uFill>
+                        <a:latin typeface="Arial"/>
+                      </a:endParaRPr>
+                    </a:p>
+                  </a:txBody>
+                  <a:tcPr marL="90000" marR="90000">
+                    <a:lnL w="720">
+                      <a:solidFill>
+                        <a:srgbClr val="ffffff"/>
+                      </a:solidFill>
+                    </a:lnL>
+                    <a:lnR w="720">
+                      <a:solidFill>
+                        <a:srgbClr val="ffffff"/>
+                      </a:solidFill>
+                    </a:lnR>
+                    <a:lnT w="720">
+                      <a:solidFill>
+                        <a:srgbClr val="ffffff"/>
+                      </a:solidFill>
+                    </a:lnT>
+                    <a:lnB w="720">
+                      <a:solidFill>
+                        <a:srgbClr val="ffffff"/>
+                      </a:solidFill>
+                    </a:lnB>
+                    <a:solidFill>
+                      <a:srgbClr val="b3b3b3"/>
+                    </a:solidFill>
+                  </a:tcPr>
+                </a:tc>
+                <a:tc>
+                  <a:txBody>
+                    <a:bodyPr lIns="90000" rIns="90000"/>
+                    <a:p>
+                      <a:r>
+                        <a:rPr b="0" lang="en-IN" sz="1500" spc="-1" strike="noStrike">
+                          <a:solidFill>
+                            <a:srgbClr val="000000"/>
+                          </a:solidFill>
+                          <a:uFill>
+                            <a:solidFill>
+                              <a:srgbClr val="ffffff"/>
+                            </a:solidFill>
+                          </a:uFill>
+                          <a:latin typeface="Arial"/>
+                        </a:rPr>
+                        <a:t>Response</a:t>
+                      </a:r>
+                      <a:endParaRPr b="0" lang="en-IN" sz="1800" spc="-1" strike="noStrike">
+                        <a:solidFill>
+                          <a:srgbClr val="000000"/>
+                        </a:solidFill>
+                        <a:uFill>
+                          <a:solidFill>
+                            <a:srgbClr val="ffffff"/>
+                          </a:solidFill>
+                        </a:uFill>
+                        <a:latin typeface="Arial"/>
+                      </a:endParaRPr>
+                    </a:p>
+                  </a:txBody>
+                  <a:tcPr marL="90000" marR="90000">
+                    <a:lnL w="720">
+                      <a:solidFill>
+                        <a:srgbClr val="ffffff"/>
+                      </a:solidFill>
+                    </a:lnL>
+                    <a:lnR w="720">
+                      <a:solidFill>
+                        <a:srgbClr val="ffffff"/>
+                      </a:solidFill>
+                    </a:lnR>
+                    <a:lnT w="720">
+                      <a:solidFill>
+                        <a:srgbClr val="ffffff"/>
+                      </a:solidFill>
+                    </a:lnT>
+                    <a:lnB w="720">
+                      <a:solidFill>
+                        <a:srgbClr val="ffffff"/>
+                      </a:solidFill>
+                    </a:lnB>
+                    <a:solidFill>
+                      <a:srgbClr val="b3b3b3"/>
+                    </a:solidFill>
+                  </a:tcPr>
+                </a:tc>
+              </a:tr>
+              <a:tr h="543600">
+                <a:tc>
+                  <a:txBody>
+                    <a:bodyPr lIns="90000" rIns="90000"/>
+                    <a:p>
+                      <a:r>
+                        <a:rPr b="0" lang="en-IN" sz="1500" spc="-1" strike="noStrike">
+                          <a:solidFill>
+                            <a:srgbClr val="000000"/>
+                          </a:solidFill>
+                          <a:uFill>
+                            <a:solidFill>
+                              <a:srgbClr val="ffffff"/>
+                            </a:solidFill>
+                          </a:uFill>
+                          <a:latin typeface="Arial"/>
+                        </a:rPr>
+                        <a:t>GET</a:t>
+                      </a:r>
+                      <a:endParaRPr b="0" lang="en-IN" sz="1800" spc="-1" strike="noStrike">
+                        <a:solidFill>
+                          <a:srgbClr val="000000"/>
+                        </a:solidFill>
+                        <a:uFill>
+                          <a:solidFill>
+                            <a:srgbClr val="ffffff"/>
+                          </a:solidFill>
+                        </a:uFill>
+                        <a:latin typeface="Arial"/>
+                      </a:endParaRPr>
+                    </a:p>
+                  </a:txBody>
+                  <a:tcPr marL="90000" marR="90000">
+                    <a:lnL w="720">
+                      <a:solidFill>
+                        <a:srgbClr val="ffffff"/>
+                      </a:solidFill>
+                    </a:lnL>
+                    <a:lnR w="720">
+                      <a:solidFill>
+                        <a:srgbClr val="ffffff"/>
+                      </a:solidFill>
+                    </a:lnR>
+                    <a:lnT w="720">
+                      <a:solidFill>
+                        <a:srgbClr val="ffffff"/>
+                      </a:solidFill>
+                    </a:lnT>
+                    <a:lnB w="720">
+                      <a:solidFill>
+                        <a:srgbClr val="ffffff"/>
+                      </a:solidFill>
+                    </a:lnB>
+                    <a:solidFill>
+                      <a:srgbClr val="cccccc"/>
+                    </a:solidFill>
+                  </a:tcPr>
+                </a:tc>
+                <a:tc>
+                  <a:txBody>
+                    <a:bodyPr lIns="90000" rIns="90000"/>
+                    <a:p>
+                      <a:r>
+                        <a:rPr b="0" lang="en-IN" sz="1600" spc="-1" strike="noStrike">
+                          <a:solidFill>
+                            <a:srgbClr val="000000"/>
+                          </a:solidFill>
+                          <a:uFill>
+                            <a:solidFill>
+                              <a:srgbClr val="ffffff"/>
+                            </a:solidFill>
+                          </a:uFill>
+                          <a:latin typeface="Arial"/>
+                        </a:rPr>
+                        <a:t>inventory/v1/syncronize</a:t>
+                      </a:r>
+                      <a:endParaRPr b="0" lang="en-IN" sz="1800" spc="-1" strike="noStrike">
+                        <a:solidFill>
+                          <a:srgbClr val="000000"/>
+                        </a:solidFill>
+                        <a:uFill>
+                          <a:solidFill>
+                            <a:srgbClr val="ffffff"/>
+                          </a:solidFill>
+                        </a:uFill>
+                        <a:latin typeface="Arial"/>
+                      </a:endParaRPr>
+                    </a:p>
+                  </a:txBody>
+                  <a:tcPr marL="90000" marR="90000">
+                    <a:lnL w="720">
+                      <a:solidFill>
+                        <a:srgbClr val="ffffff"/>
+                      </a:solidFill>
+                    </a:lnL>
+                    <a:lnR w="720">
+                      <a:solidFill>
+                        <a:srgbClr val="ffffff"/>
+                      </a:solidFill>
+                    </a:lnR>
+                    <a:lnT w="720">
+                      <a:solidFill>
+                        <a:srgbClr val="ffffff"/>
+                      </a:solidFill>
+                    </a:lnT>
+                    <a:lnB w="720">
+                      <a:solidFill>
+                        <a:srgbClr val="ffffff"/>
+                      </a:solidFill>
+                    </a:lnB>
+                    <a:solidFill>
+                      <a:srgbClr val="cccccc"/>
+                    </a:solidFill>
+                  </a:tcPr>
+                </a:tc>
+                <a:tc>
+                  <a:txBody>
+                    <a:bodyPr lIns="90000" rIns="90000"/>
+                    <a:p>
+                      <a:r>
+                        <a:rPr b="0" lang="en-IN" sz="1500" spc="-1" strike="noStrike">
+                          <a:solidFill>
+                            <a:srgbClr val="000000"/>
+                          </a:solidFill>
+                          <a:uFill>
+                            <a:solidFill>
+                              <a:srgbClr val="ffffff"/>
+                            </a:solidFill>
+                          </a:uFill>
+                          <a:latin typeface="Arial"/>
+                        </a:rPr>
+                        <a:t>None</a:t>
+                      </a:r>
+                      <a:endParaRPr b="0" lang="en-IN" sz="1800" spc="-1" strike="noStrike">
+                        <a:solidFill>
+                          <a:srgbClr val="000000"/>
+                        </a:solidFill>
+                        <a:uFill>
+                          <a:solidFill>
+                            <a:srgbClr val="ffffff"/>
+                          </a:solidFill>
+                        </a:uFill>
+                        <a:latin typeface="Arial"/>
+                      </a:endParaRPr>
+                    </a:p>
+                  </a:txBody>
+                  <a:tcPr marL="90000" marR="90000">
+                    <a:lnL w="720">
+                      <a:solidFill>
+                        <a:srgbClr val="ffffff"/>
+                      </a:solidFill>
+                    </a:lnL>
+                    <a:lnR w="720">
+                      <a:solidFill>
+                        <a:srgbClr val="ffffff"/>
+                      </a:solidFill>
+                    </a:lnR>
+                    <a:lnT w="720">
+                      <a:solidFill>
+                        <a:srgbClr val="ffffff"/>
+                      </a:solidFill>
+                    </a:lnT>
+                    <a:lnB w="720">
+                      <a:solidFill>
+                        <a:srgbClr val="ffffff"/>
+                      </a:solidFill>
+                    </a:lnB>
+                    <a:solidFill>
+                      <a:srgbClr val="cccccc"/>
+                    </a:solidFill>
+                  </a:tcPr>
+                </a:tc>
+                <a:tc>
+                  <a:txBody>
+                    <a:bodyPr lIns="90000" rIns="90000"/>
+                    <a:p>
+                      <a:r>
+                        <a:rPr b="0" lang="en-IN" sz="1500" spc="-1" strike="noStrike">
+                          <a:solidFill>
+                            <a:srgbClr val="000000"/>
+                          </a:solidFill>
+                          <a:uFill>
+                            <a:solidFill>
+                              <a:srgbClr val="ffffff"/>
+                            </a:solidFill>
+                          </a:uFill>
+                          <a:latin typeface="Arial"/>
+                        </a:rPr>
+                        <a:t>ok/error</a:t>
                       </a:r>
                       <a:endParaRPr b="0" lang="en-IN" sz="1800" spc="-1" strike="noStrike">
                         <a:solidFill>
@@ -21880,14 +21596,14 @@
       </p:grpSpPr>
       <p:sp>
         <p:nvSpPr>
-          <p:cNvPr id="304" name="CustomShape 1"/>
+          <p:cNvPr id="307" name="CustomShape 1"/>
           <p:cNvSpPr/>
           <p:nvPr/>
         </p:nvSpPr>
         <p:spPr>
           <a:xfrm>
-            <a:off x="226440" y="230400"/>
-            <a:ext cx="7187760" cy="559800"/>
+            <a:off x="288000" y="39600"/>
+            <a:ext cx="5685120" cy="939240"/>
           </a:xfrm>
           <a:prstGeom prst="rect">
             <a:avLst/>
@@ -21904,11 +21620,11 @@
           <a:fontRef idx="minor"/>
         </p:style>
         <p:txBody>
-          <a:bodyPr lIns="90000" rIns="90000" tIns="45000" bIns="45000"/>
+          <a:bodyPr lIns="0" rIns="0" tIns="0" bIns="0" anchor="ctr"/>
           <a:p>
             <a:pPr>
               <a:lnSpc>
-                <a:spcPts val="1"/>
+                <a:spcPts val="0"/>
               </a:lnSpc>
             </a:pPr>
             <a:r>
@@ -21924,7 +21640,7 @@
                 <a:latin typeface="Microsoft YaHei"/>
                 <a:ea typeface="Microsoft YaHei"/>
               </a:rPr>
-              <a:t>Data Syncronization between cloud and edge</a:t>
+              <a:t>APP-Rule-Mgr Interfaces </a:t>
             </a:r>
             <a:endParaRPr b="0" lang="en-IN" sz="1800" spc="-1" strike="noStrike">
               <a:solidFill>
@@ -21940,16 +21656,1190 @@
           </a:p>
         </p:txBody>
       </p:sp>
-      <p:sp>
-        <p:nvSpPr>
-          <p:cNvPr id="305" name="CustomShape 2"/>
-          <p:cNvSpPr/>
+      <p:graphicFrame>
+        <p:nvGraphicFramePr>
+          <p:cNvPr id="308" name="Table 2"/>
+          <p:cNvGraphicFramePr/>
           <p:nvPr/>
-        </p:nvSpPr>
-        <p:spPr>
-          <a:xfrm>
-            <a:off x="288000" y="1008000"/>
-            <a:ext cx="9574920" cy="5394960"/>
+        </p:nvGraphicFramePr>
+        <p:xfrm>
+          <a:off x="288000" y="864000"/>
+          <a:ext cx="9503640" cy="2476080"/>
+        </p:xfrm>
+        <a:graphic>
+          <a:graphicData uri="http://schemas.openxmlformats.org/drawingml/2006/table">
+            <a:tbl>
+              <a:tblPr/>
+              <a:tblGrid>
+                <a:gridCol w="1041480"/>
+                <a:gridCol w="4294800"/>
+                <a:gridCol w="2358000"/>
+                <a:gridCol w="1809720"/>
+              </a:tblGrid>
+              <a:tr h="303480">
+                <a:tc>
+                  <a:txBody>
+                    <a:bodyPr lIns="90000" rIns="90000"/>
+                    <a:p>
+                      <a:r>
+                        <a:rPr b="0" lang="en-IN" sz="1500" spc="-1" strike="noStrike">
+                          <a:solidFill>
+                            <a:srgbClr val="000000"/>
+                          </a:solidFill>
+                          <a:uFill>
+                            <a:solidFill>
+                              <a:srgbClr val="ffffff"/>
+                            </a:solidFill>
+                          </a:uFill>
+                          <a:latin typeface="Arial"/>
+                        </a:rPr>
+                        <a:t>Method</a:t>
+                      </a:r>
+                      <a:endParaRPr b="0" lang="en-IN" sz="1800" spc="-1" strike="noStrike">
+                        <a:solidFill>
+                          <a:srgbClr val="000000"/>
+                        </a:solidFill>
+                        <a:uFill>
+                          <a:solidFill>
+                            <a:srgbClr val="ffffff"/>
+                          </a:solidFill>
+                        </a:uFill>
+                        <a:latin typeface="Arial"/>
+                      </a:endParaRPr>
+                    </a:p>
+                  </a:txBody>
+                  <a:tcPr marL="90000" marR="90000">
+                    <a:lnL w="720">
+                      <a:solidFill>
+                        <a:srgbClr val="ffffff"/>
+                      </a:solidFill>
+                    </a:lnL>
+                    <a:lnR w="720">
+                      <a:solidFill>
+                        <a:srgbClr val="ffffff"/>
+                      </a:solidFill>
+                    </a:lnR>
+                    <a:lnT w="720">
+                      <a:solidFill>
+                        <a:srgbClr val="ffffff"/>
+                      </a:solidFill>
+                    </a:lnT>
+                    <a:lnB w="720">
+                      <a:solidFill>
+                        <a:srgbClr val="ffffff"/>
+                      </a:solidFill>
+                    </a:lnB>
+                    <a:solidFill>
+                      <a:srgbClr val="b3b3b3"/>
+                    </a:solidFill>
+                  </a:tcPr>
+                </a:tc>
+                <a:tc>
+                  <a:txBody>
+                    <a:bodyPr lIns="90000" rIns="90000"/>
+                    <a:p>
+                      <a:r>
+                        <a:rPr b="0" lang="en-IN" sz="1500" spc="-1" strike="noStrike">
+                          <a:solidFill>
+                            <a:srgbClr val="000000"/>
+                          </a:solidFill>
+                          <a:uFill>
+                            <a:solidFill>
+                              <a:srgbClr val="ffffff"/>
+                            </a:solidFill>
+                          </a:uFill>
+                          <a:latin typeface="Arial"/>
+                        </a:rPr>
+                        <a:t>API</a:t>
+                      </a:r>
+                      <a:endParaRPr b="0" lang="en-IN" sz="1800" spc="-1" strike="noStrike">
+                        <a:solidFill>
+                          <a:srgbClr val="000000"/>
+                        </a:solidFill>
+                        <a:uFill>
+                          <a:solidFill>
+                            <a:srgbClr val="ffffff"/>
+                          </a:solidFill>
+                        </a:uFill>
+                        <a:latin typeface="Arial"/>
+                      </a:endParaRPr>
+                    </a:p>
+                  </a:txBody>
+                  <a:tcPr marL="90000" marR="90000">
+                    <a:lnL w="720">
+                      <a:solidFill>
+                        <a:srgbClr val="ffffff"/>
+                      </a:solidFill>
+                    </a:lnL>
+                    <a:lnR w="720">
+                      <a:solidFill>
+                        <a:srgbClr val="ffffff"/>
+                      </a:solidFill>
+                    </a:lnR>
+                    <a:lnT w="720">
+                      <a:solidFill>
+                        <a:srgbClr val="ffffff"/>
+                      </a:solidFill>
+                    </a:lnT>
+                    <a:lnB w="720">
+                      <a:solidFill>
+                        <a:srgbClr val="ffffff"/>
+                      </a:solidFill>
+                    </a:lnB>
+                    <a:solidFill>
+                      <a:srgbClr val="b3b3b3"/>
+                    </a:solidFill>
+                  </a:tcPr>
+                </a:tc>
+                <a:tc>
+                  <a:txBody>
+                    <a:bodyPr lIns="90000" rIns="90000"/>
+                    <a:p>
+                      <a:r>
+                        <a:rPr b="0" lang="en-IN" sz="1500" spc="-1" strike="noStrike">
+                          <a:solidFill>
+                            <a:srgbClr val="000000"/>
+                          </a:solidFill>
+                          <a:uFill>
+                            <a:solidFill>
+                              <a:srgbClr val="ffffff"/>
+                            </a:solidFill>
+                          </a:uFill>
+                          <a:latin typeface="Arial"/>
+                        </a:rPr>
+                        <a:t>RequestBody</a:t>
+                      </a:r>
+                      <a:endParaRPr b="0" lang="en-IN" sz="1800" spc="-1" strike="noStrike">
+                        <a:solidFill>
+                          <a:srgbClr val="000000"/>
+                        </a:solidFill>
+                        <a:uFill>
+                          <a:solidFill>
+                            <a:srgbClr val="ffffff"/>
+                          </a:solidFill>
+                        </a:uFill>
+                        <a:latin typeface="Arial"/>
+                      </a:endParaRPr>
+                    </a:p>
+                  </a:txBody>
+                  <a:tcPr marL="90000" marR="90000">
+                    <a:lnL w="720">
+                      <a:solidFill>
+                        <a:srgbClr val="ffffff"/>
+                      </a:solidFill>
+                    </a:lnL>
+                    <a:lnR w="720">
+                      <a:solidFill>
+                        <a:srgbClr val="ffffff"/>
+                      </a:solidFill>
+                    </a:lnR>
+                    <a:lnT w="720">
+                      <a:solidFill>
+                        <a:srgbClr val="ffffff"/>
+                      </a:solidFill>
+                    </a:lnT>
+                    <a:lnB w="720">
+                      <a:solidFill>
+                        <a:srgbClr val="ffffff"/>
+                      </a:solidFill>
+                    </a:lnB>
+                    <a:solidFill>
+                      <a:srgbClr val="b3b3b3"/>
+                    </a:solidFill>
+                  </a:tcPr>
+                </a:tc>
+                <a:tc>
+                  <a:txBody>
+                    <a:bodyPr lIns="90000" rIns="90000"/>
+                    <a:p>
+                      <a:r>
+                        <a:rPr b="0" lang="en-IN" sz="1500" spc="-1" strike="noStrike">
+                          <a:solidFill>
+                            <a:srgbClr val="000000"/>
+                          </a:solidFill>
+                          <a:uFill>
+                            <a:solidFill>
+                              <a:srgbClr val="ffffff"/>
+                            </a:solidFill>
+                          </a:uFill>
+                          <a:latin typeface="Arial"/>
+                        </a:rPr>
+                        <a:t>Response</a:t>
+                      </a:r>
+                      <a:endParaRPr b="0" lang="en-IN" sz="1800" spc="-1" strike="noStrike">
+                        <a:solidFill>
+                          <a:srgbClr val="000000"/>
+                        </a:solidFill>
+                        <a:uFill>
+                          <a:solidFill>
+                            <a:srgbClr val="ffffff"/>
+                          </a:solidFill>
+                        </a:uFill>
+                        <a:latin typeface="Arial"/>
+                      </a:endParaRPr>
+                    </a:p>
+                  </a:txBody>
+                  <a:tcPr marL="90000" marR="90000">
+                    <a:lnL w="720">
+                      <a:solidFill>
+                        <a:srgbClr val="ffffff"/>
+                      </a:solidFill>
+                    </a:lnL>
+                    <a:lnR w="720">
+                      <a:solidFill>
+                        <a:srgbClr val="ffffff"/>
+                      </a:solidFill>
+                    </a:lnR>
+                    <a:lnT w="720">
+                      <a:solidFill>
+                        <a:srgbClr val="ffffff"/>
+                      </a:solidFill>
+                    </a:lnT>
+                    <a:lnB w="720">
+                      <a:solidFill>
+                        <a:srgbClr val="ffffff"/>
+                      </a:solidFill>
+                    </a:lnB>
+                    <a:solidFill>
+                      <a:srgbClr val="b3b3b3"/>
+                    </a:solidFill>
+                  </a:tcPr>
+                </a:tc>
+              </a:tr>
+              <a:tr h="543240">
+                <a:tc>
+                  <a:txBody>
+                    <a:bodyPr lIns="90000" rIns="90000"/>
+                    <a:p>
+                      <a:r>
+                        <a:rPr b="0" lang="en-IN" sz="1500" spc="-1" strike="noStrike">
+                          <a:solidFill>
+                            <a:srgbClr val="000000"/>
+                          </a:solidFill>
+                          <a:uFill>
+                            <a:solidFill>
+                              <a:srgbClr val="ffffff"/>
+                            </a:solidFill>
+                          </a:uFill>
+                          <a:latin typeface="Arial"/>
+                        </a:rPr>
+                        <a:t>POST</a:t>
+                      </a:r>
+                      <a:endParaRPr b="0" lang="en-IN" sz="1800" spc="-1" strike="noStrike">
+                        <a:solidFill>
+                          <a:srgbClr val="000000"/>
+                        </a:solidFill>
+                        <a:uFill>
+                          <a:solidFill>
+                            <a:srgbClr val="ffffff"/>
+                          </a:solidFill>
+                        </a:uFill>
+                        <a:latin typeface="Arial"/>
+                      </a:endParaRPr>
+                    </a:p>
+                  </a:txBody>
+                  <a:tcPr marL="90000" marR="90000">
+                    <a:lnL w="720">
+                      <a:solidFill>
+                        <a:srgbClr val="ffffff"/>
+                      </a:solidFill>
+                    </a:lnL>
+                    <a:lnR w="720">
+                      <a:solidFill>
+                        <a:srgbClr val="ffffff"/>
+                      </a:solidFill>
+                    </a:lnR>
+                    <a:lnT w="720">
+                      <a:solidFill>
+                        <a:srgbClr val="ffffff"/>
+                      </a:solidFill>
+                    </a:lnT>
+                    <a:lnB w="720">
+                      <a:solidFill>
+                        <a:srgbClr val="ffffff"/>
+                      </a:solidFill>
+                    </a:lnB>
+                    <a:solidFill>
+                      <a:srgbClr val="cccccc"/>
+                    </a:solidFill>
+                  </a:tcPr>
+                </a:tc>
+                <a:tc>
+                  <a:txBody>
+                    <a:bodyPr lIns="90000" rIns="90000"/>
+                    <a:p>
+                      <a:r>
+                        <a:rPr b="0" lang="en-IN" sz="1600" spc="-1" strike="noStrike">
+                          <a:solidFill>
+                            <a:srgbClr val="000000"/>
+                          </a:solidFill>
+                          <a:uFill>
+                            <a:solidFill>
+                              <a:srgbClr val="ffffff"/>
+                            </a:solidFill>
+                          </a:uFill>
+                          <a:latin typeface="Arial"/>
+                        </a:rPr>
+                        <a:t>apprulemgr/v1/tenants/:tenantId/app_instances/:appInstanceId/appd_configuration</a:t>
+                      </a:r>
+                      <a:endParaRPr b="0" lang="en-IN" sz="1800" spc="-1" strike="noStrike">
+                        <a:solidFill>
+                          <a:srgbClr val="000000"/>
+                        </a:solidFill>
+                        <a:uFill>
+                          <a:solidFill>
+                            <a:srgbClr val="ffffff"/>
+                          </a:solidFill>
+                        </a:uFill>
+                        <a:latin typeface="Arial"/>
+                      </a:endParaRPr>
+                    </a:p>
+                  </a:txBody>
+                  <a:tcPr marL="90000" marR="90000">
+                    <a:lnL w="720">
+                      <a:solidFill>
+                        <a:srgbClr val="ffffff"/>
+                      </a:solidFill>
+                    </a:lnL>
+                    <a:lnR w="720">
+                      <a:solidFill>
+                        <a:srgbClr val="ffffff"/>
+                      </a:solidFill>
+                    </a:lnR>
+                    <a:lnT w="720">
+                      <a:solidFill>
+                        <a:srgbClr val="ffffff"/>
+                      </a:solidFill>
+                    </a:lnT>
+                    <a:lnB w="720">
+                      <a:solidFill>
+                        <a:srgbClr val="ffffff"/>
+                      </a:solidFill>
+                    </a:lnB>
+                    <a:solidFill>
+                      <a:srgbClr val="cccccc"/>
+                    </a:solidFill>
+                  </a:tcPr>
+                </a:tc>
+                <a:tc>
+                  <a:txBody>
+                    <a:bodyPr lIns="90000" rIns="90000"/>
+                    <a:p>
+                      <a:r>
+                        <a:rPr b="0" lang="en-IN" sz="1500" spc="-1" strike="noStrike">
+                          <a:solidFill>
+                            <a:srgbClr val="000000"/>
+                          </a:solidFill>
+                          <a:uFill>
+                            <a:solidFill>
+                              <a:srgbClr val="ffffff"/>
+                            </a:solidFill>
+                          </a:uFill>
+                          <a:latin typeface="Arial"/>
+                        </a:rPr>
+                        <a:t>AppDRuleModel</a:t>
+                      </a:r>
+                      <a:endParaRPr b="0" lang="en-IN" sz="1800" spc="-1" strike="noStrike">
+                        <a:solidFill>
+                          <a:srgbClr val="000000"/>
+                        </a:solidFill>
+                        <a:uFill>
+                          <a:solidFill>
+                            <a:srgbClr val="ffffff"/>
+                          </a:solidFill>
+                        </a:uFill>
+                        <a:latin typeface="Arial"/>
+                      </a:endParaRPr>
+                    </a:p>
+                  </a:txBody>
+                  <a:tcPr marL="90000" marR="90000">
+                    <a:lnL w="720">
+                      <a:solidFill>
+                        <a:srgbClr val="ffffff"/>
+                      </a:solidFill>
+                    </a:lnL>
+                    <a:lnR w="720">
+                      <a:solidFill>
+                        <a:srgbClr val="ffffff"/>
+                      </a:solidFill>
+                    </a:lnR>
+                    <a:lnT w="720">
+                      <a:solidFill>
+                        <a:srgbClr val="ffffff"/>
+                      </a:solidFill>
+                    </a:lnT>
+                    <a:lnB w="720">
+                      <a:solidFill>
+                        <a:srgbClr val="ffffff"/>
+                      </a:solidFill>
+                    </a:lnB>
+                    <a:solidFill>
+                      <a:srgbClr val="cccccc"/>
+                    </a:solidFill>
+                  </a:tcPr>
+                </a:tc>
+                <a:tc>
+                  <a:txBody>
+                    <a:bodyPr lIns="90000" rIns="90000"/>
+                    <a:p>
+                      <a:r>
+                        <a:rPr b="0" lang="en-IN" sz="1500" spc="-1" strike="noStrike">
+                          <a:solidFill>
+                            <a:srgbClr val="000000"/>
+                          </a:solidFill>
+                          <a:uFill>
+                            <a:solidFill>
+                              <a:srgbClr val="ffffff"/>
+                            </a:solidFill>
+                          </a:uFill>
+                          <a:latin typeface="Arial"/>
+                        </a:rPr>
+                        <a:t>ok/error</a:t>
+                      </a:r>
+                      <a:endParaRPr b="0" lang="en-IN" sz="1800" spc="-1" strike="noStrike">
+                        <a:solidFill>
+                          <a:srgbClr val="000000"/>
+                        </a:solidFill>
+                        <a:uFill>
+                          <a:solidFill>
+                            <a:srgbClr val="ffffff"/>
+                          </a:solidFill>
+                        </a:uFill>
+                        <a:latin typeface="Arial"/>
+                      </a:endParaRPr>
+                    </a:p>
+                  </a:txBody>
+                  <a:tcPr marL="90000" marR="90000">
+                    <a:lnL w="720">
+                      <a:solidFill>
+                        <a:srgbClr val="ffffff"/>
+                      </a:solidFill>
+                    </a:lnL>
+                    <a:lnR w="720">
+                      <a:solidFill>
+                        <a:srgbClr val="ffffff"/>
+                      </a:solidFill>
+                    </a:lnR>
+                    <a:lnT w="720">
+                      <a:solidFill>
+                        <a:srgbClr val="ffffff"/>
+                      </a:solidFill>
+                    </a:lnT>
+                    <a:lnB w="720">
+                      <a:solidFill>
+                        <a:srgbClr val="ffffff"/>
+                      </a:solidFill>
+                    </a:lnB>
+                    <a:solidFill>
+                      <a:srgbClr val="cccccc"/>
+                    </a:solidFill>
+                  </a:tcPr>
+                </a:tc>
+              </a:tr>
+              <a:tr h="543240">
+                <a:tc>
+                  <a:txBody>
+                    <a:bodyPr lIns="90000" rIns="90000"/>
+                    <a:p>
+                      <a:r>
+                        <a:rPr b="0" lang="en-IN" sz="1500" spc="-1" strike="noStrike">
+                          <a:solidFill>
+                            <a:srgbClr val="000000"/>
+                          </a:solidFill>
+                          <a:uFill>
+                            <a:solidFill>
+                              <a:srgbClr val="ffffff"/>
+                            </a:solidFill>
+                          </a:uFill>
+                          <a:latin typeface="Arial"/>
+                        </a:rPr>
+                        <a:t>DELETE</a:t>
+                      </a:r>
+                      <a:endParaRPr b="0" lang="en-IN" sz="1800" spc="-1" strike="noStrike">
+                        <a:solidFill>
+                          <a:srgbClr val="000000"/>
+                        </a:solidFill>
+                        <a:uFill>
+                          <a:solidFill>
+                            <a:srgbClr val="ffffff"/>
+                          </a:solidFill>
+                        </a:uFill>
+                        <a:latin typeface="Arial"/>
+                      </a:endParaRPr>
+                    </a:p>
+                  </a:txBody>
+                  <a:tcPr marL="90000" marR="90000">
+                    <a:lnL w="720">
+                      <a:solidFill>
+                        <a:srgbClr val="ffffff"/>
+                      </a:solidFill>
+                    </a:lnL>
+                    <a:lnR w="720">
+                      <a:solidFill>
+                        <a:srgbClr val="ffffff"/>
+                      </a:solidFill>
+                    </a:lnR>
+                    <a:lnT w="720">
+                      <a:solidFill>
+                        <a:srgbClr val="ffffff"/>
+                      </a:solidFill>
+                    </a:lnT>
+                    <a:lnB w="720">
+                      <a:solidFill>
+                        <a:srgbClr val="ffffff"/>
+                      </a:solidFill>
+                    </a:lnB>
+                    <a:solidFill>
+                      <a:srgbClr val="e6e6e6"/>
+                    </a:solidFill>
+                  </a:tcPr>
+                </a:tc>
+                <a:tc>
+                  <a:txBody>
+                    <a:bodyPr lIns="90000" rIns="90000"/>
+                    <a:p>
+                      <a:r>
+                        <a:rPr b="0" lang="en-IN" sz="1600" spc="-1" strike="noStrike">
+                          <a:solidFill>
+                            <a:srgbClr val="000000"/>
+                          </a:solidFill>
+                          <a:uFill>
+                            <a:solidFill>
+                              <a:srgbClr val="ffffff"/>
+                            </a:solidFill>
+                          </a:uFill>
+                          <a:latin typeface="Arial"/>
+                        </a:rPr>
+                        <a:t>apprulemgr/v1/tenants/:tenantId/app_instances/:appInstanceId/appd_configuration</a:t>
+                      </a:r>
+                      <a:endParaRPr b="0" lang="en-IN" sz="1800" spc="-1" strike="noStrike">
+                        <a:solidFill>
+                          <a:srgbClr val="000000"/>
+                        </a:solidFill>
+                        <a:uFill>
+                          <a:solidFill>
+                            <a:srgbClr val="ffffff"/>
+                          </a:solidFill>
+                        </a:uFill>
+                        <a:latin typeface="Arial"/>
+                      </a:endParaRPr>
+                    </a:p>
+                  </a:txBody>
+                  <a:tcPr marL="90000" marR="90000">
+                    <a:lnL w="720">
+                      <a:solidFill>
+                        <a:srgbClr val="ffffff"/>
+                      </a:solidFill>
+                    </a:lnL>
+                    <a:lnR w="720">
+                      <a:solidFill>
+                        <a:srgbClr val="ffffff"/>
+                      </a:solidFill>
+                    </a:lnR>
+                    <a:lnT w="720">
+                      <a:solidFill>
+                        <a:srgbClr val="ffffff"/>
+                      </a:solidFill>
+                    </a:lnT>
+                    <a:lnB w="720">
+                      <a:solidFill>
+                        <a:srgbClr val="ffffff"/>
+                      </a:solidFill>
+                    </a:lnB>
+                    <a:solidFill>
+                      <a:srgbClr val="e6e6e6"/>
+                    </a:solidFill>
+                  </a:tcPr>
+                </a:tc>
+                <a:tc>
+                  <a:txBody>
+                    <a:bodyPr lIns="90000" rIns="90000"/>
+                    <a:p>
+                      <a:r>
+                        <a:rPr b="0" lang="en-IN" sz="1500" spc="-1" strike="noStrike">
+                          <a:solidFill>
+                            <a:srgbClr val="000000"/>
+                          </a:solidFill>
+                          <a:uFill>
+                            <a:solidFill>
+                              <a:srgbClr val="ffffff"/>
+                            </a:solidFill>
+                          </a:uFill>
+                          <a:latin typeface="Arial"/>
+                        </a:rPr>
+                        <a:t>None</a:t>
+                      </a:r>
+                      <a:endParaRPr b="0" lang="en-IN" sz="1800" spc="-1" strike="noStrike">
+                        <a:solidFill>
+                          <a:srgbClr val="000000"/>
+                        </a:solidFill>
+                        <a:uFill>
+                          <a:solidFill>
+                            <a:srgbClr val="ffffff"/>
+                          </a:solidFill>
+                        </a:uFill>
+                        <a:latin typeface="Arial"/>
+                      </a:endParaRPr>
+                    </a:p>
+                  </a:txBody>
+                  <a:tcPr marL="90000" marR="90000">
+                    <a:lnL w="720">
+                      <a:solidFill>
+                        <a:srgbClr val="ffffff"/>
+                      </a:solidFill>
+                    </a:lnL>
+                    <a:lnR w="720">
+                      <a:solidFill>
+                        <a:srgbClr val="ffffff"/>
+                      </a:solidFill>
+                    </a:lnR>
+                    <a:lnT w="720">
+                      <a:solidFill>
+                        <a:srgbClr val="ffffff"/>
+                      </a:solidFill>
+                    </a:lnT>
+                    <a:lnB w="720">
+                      <a:solidFill>
+                        <a:srgbClr val="ffffff"/>
+                      </a:solidFill>
+                    </a:lnB>
+                    <a:solidFill>
+                      <a:srgbClr val="e6e6e6"/>
+                    </a:solidFill>
+                  </a:tcPr>
+                </a:tc>
+                <a:tc>
+                  <a:txBody>
+                    <a:bodyPr lIns="90000" rIns="90000"/>
+                    <a:p>
+                      <a:r>
+                        <a:rPr b="0" lang="en-IN" sz="1500" spc="-1" strike="noStrike">
+                          <a:solidFill>
+                            <a:srgbClr val="000000"/>
+                          </a:solidFill>
+                          <a:uFill>
+                            <a:solidFill>
+                              <a:srgbClr val="ffffff"/>
+                            </a:solidFill>
+                          </a:uFill>
+                          <a:latin typeface="Arial"/>
+                        </a:rPr>
+                        <a:t>ok/error</a:t>
+                      </a:r>
+                      <a:endParaRPr b="0" lang="en-IN" sz="1800" spc="-1" strike="noStrike">
+                        <a:solidFill>
+                          <a:srgbClr val="000000"/>
+                        </a:solidFill>
+                        <a:uFill>
+                          <a:solidFill>
+                            <a:srgbClr val="ffffff"/>
+                          </a:solidFill>
+                        </a:uFill>
+                        <a:latin typeface="Arial"/>
+                      </a:endParaRPr>
+                    </a:p>
+                  </a:txBody>
+                  <a:tcPr marL="90000" marR="90000">
+                    <a:lnL w="720">
+                      <a:solidFill>
+                        <a:srgbClr val="ffffff"/>
+                      </a:solidFill>
+                    </a:lnL>
+                    <a:lnR w="720">
+                      <a:solidFill>
+                        <a:srgbClr val="ffffff"/>
+                      </a:solidFill>
+                    </a:lnR>
+                    <a:lnT w="720">
+                      <a:solidFill>
+                        <a:srgbClr val="ffffff"/>
+                      </a:solidFill>
+                    </a:lnT>
+                    <a:lnB w="720">
+                      <a:solidFill>
+                        <a:srgbClr val="ffffff"/>
+                      </a:solidFill>
+                    </a:lnB>
+                    <a:solidFill>
+                      <a:srgbClr val="e6e6e6"/>
+                    </a:solidFill>
+                  </a:tcPr>
+                </a:tc>
+              </a:tr>
+              <a:tr h="543240">
+                <a:tc>
+                  <a:txBody>
+                    <a:bodyPr lIns="90000" rIns="90000"/>
+                    <a:p>
+                      <a:r>
+                        <a:rPr b="0" lang="en-IN" sz="1500" spc="-1" strike="noStrike">
+                          <a:solidFill>
+                            <a:srgbClr val="000000"/>
+                          </a:solidFill>
+                          <a:uFill>
+                            <a:solidFill>
+                              <a:srgbClr val="ffffff"/>
+                            </a:solidFill>
+                          </a:uFill>
+                          <a:latin typeface="Arial"/>
+                        </a:rPr>
+                        <a:t>PUT</a:t>
+                      </a:r>
+                      <a:endParaRPr b="0" lang="en-IN" sz="1800" spc="-1" strike="noStrike">
+                        <a:solidFill>
+                          <a:srgbClr val="000000"/>
+                        </a:solidFill>
+                        <a:uFill>
+                          <a:solidFill>
+                            <a:srgbClr val="ffffff"/>
+                          </a:solidFill>
+                        </a:uFill>
+                        <a:latin typeface="Arial"/>
+                      </a:endParaRPr>
+                    </a:p>
+                  </a:txBody>
+                  <a:tcPr marL="90000" marR="90000">
+                    <a:lnL w="720">
+                      <a:solidFill>
+                        <a:srgbClr val="ffffff"/>
+                      </a:solidFill>
+                    </a:lnL>
+                    <a:lnR w="720">
+                      <a:solidFill>
+                        <a:srgbClr val="ffffff"/>
+                      </a:solidFill>
+                    </a:lnR>
+                    <a:lnT w="720">
+                      <a:solidFill>
+                        <a:srgbClr val="ffffff"/>
+                      </a:solidFill>
+                    </a:lnT>
+                    <a:lnB w="720">
+                      <a:solidFill>
+                        <a:srgbClr val="ffffff"/>
+                      </a:solidFill>
+                    </a:lnB>
+                    <a:solidFill>
+                      <a:srgbClr val="cccccc"/>
+                    </a:solidFill>
+                  </a:tcPr>
+                </a:tc>
+                <a:tc>
+                  <a:txBody>
+                    <a:bodyPr lIns="90000" rIns="90000"/>
+                    <a:p>
+                      <a:r>
+                        <a:rPr b="0" lang="en-IN" sz="1600" spc="-1" strike="noStrike">
+                          <a:solidFill>
+                            <a:srgbClr val="000000"/>
+                          </a:solidFill>
+                          <a:uFill>
+                            <a:solidFill>
+                              <a:srgbClr val="ffffff"/>
+                            </a:solidFill>
+                          </a:uFill>
+                          <a:latin typeface="Arial"/>
+                        </a:rPr>
+                        <a:t>apprulemgr/v1/tenants/:tenantId/app_instances/:appInstanceId/appd_configuration</a:t>
+                      </a:r>
+                      <a:endParaRPr b="0" lang="en-IN" sz="1800" spc="-1" strike="noStrike">
+                        <a:solidFill>
+                          <a:srgbClr val="000000"/>
+                        </a:solidFill>
+                        <a:uFill>
+                          <a:solidFill>
+                            <a:srgbClr val="ffffff"/>
+                          </a:solidFill>
+                        </a:uFill>
+                        <a:latin typeface="Arial"/>
+                      </a:endParaRPr>
+                    </a:p>
+                  </a:txBody>
+                  <a:tcPr marL="90000" marR="90000">
+                    <a:lnL w="720">
+                      <a:solidFill>
+                        <a:srgbClr val="ffffff"/>
+                      </a:solidFill>
+                    </a:lnL>
+                    <a:lnR w="720">
+                      <a:solidFill>
+                        <a:srgbClr val="ffffff"/>
+                      </a:solidFill>
+                    </a:lnR>
+                    <a:lnT w="720">
+                      <a:solidFill>
+                        <a:srgbClr val="ffffff"/>
+                      </a:solidFill>
+                    </a:lnT>
+                    <a:lnB w="720">
+                      <a:solidFill>
+                        <a:srgbClr val="ffffff"/>
+                      </a:solidFill>
+                    </a:lnB>
+                    <a:solidFill>
+                      <a:srgbClr val="cccccc"/>
+                    </a:solidFill>
+                  </a:tcPr>
+                </a:tc>
+                <a:tc>
+                  <a:txBody>
+                    <a:bodyPr lIns="90000" rIns="90000"/>
+                    <a:p>
+                      <a:r>
+                        <a:rPr b="0" lang="en-IN" sz="1500" spc="-1" strike="noStrike">
+                          <a:solidFill>
+                            <a:srgbClr val="000000"/>
+                          </a:solidFill>
+                          <a:uFill>
+                            <a:solidFill>
+                              <a:srgbClr val="ffffff"/>
+                            </a:solidFill>
+                          </a:uFill>
+                          <a:latin typeface="Arial"/>
+                        </a:rPr>
+                        <a:t>AppDRuleModel</a:t>
+                      </a:r>
+                      <a:endParaRPr b="0" lang="en-IN" sz="1800" spc="-1" strike="noStrike">
+                        <a:solidFill>
+                          <a:srgbClr val="000000"/>
+                        </a:solidFill>
+                        <a:uFill>
+                          <a:solidFill>
+                            <a:srgbClr val="ffffff"/>
+                          </a:solidFill>
+                        </a:uFill>
+                        <a:latin typeface="Arial"/>
+                      </a:endParaRPr>
+                    </a:p>
+                  </a:txBody>
+                  <a:tcPr marL="90000" marR="90000">
+                    <a:lnL w="720">
+                      <a:solidFill>
+                        <a:srgbClr val="ffffff"/>
+                      </a:solidFill>
+                    </a:lnL>
+                    <a:lnR w="720">
+                      <a:solidFill>
+                        <a:srgbClr val="ffffff"/>
+                      </a:solidFill>
+                    </a:lnR>
+                    <a:lnT w="720">
+                      <a:solidFill>
+                        <a:srgbClr val="ffffff"/>
+                      </a:solidFill>
+                    </a:lnT>
+                    <a:lnB w="720">
+                      <a:solidFill>
+                        <a:srgbClr val="ffffff"/>
+                      </a:solidFill>
+                    </a:lnB>
+                    <a:solidFill>
+                      <a:srgbClr val="cccccc"/>
+                    </a:solidFill>
+                  </a:tcPr>
+                </a:tc>
+                <a:tc>
+                  <a:txBody>
+                    <a:bodyPr lIns="90000" rIns="90000"/>
+                    <a:p>
+                      <a:r>
+                        <a:rPr b="0" lang="en-IN" sz="1500" spc="-1" strike="noStrike">
+                          <a:solidFill>
+                            <a:srgbClr val="000000"/>
+                          </a:solidFill>
+                          <a:uFill>
+                            <a:solidFill>
+                              <a:srgbClr val="ffffff"/>
+                            </a:solidFill>
+                          </a:uFill>
+                          <a:latin typeface="Arial"/>
+                        </a:rPr>
+                        <a:t>ok/error</a:t>
+                      </a:r>
+                      <a:endParaRPr b="0" lang="en-IN" sz="1800" spc="-1" strike="noStrike">
+                        <a:solidFill>
+                          <a:srgbClr val="000000"/>
+                        </a:solidFill>
+                        <a:uFill>
+                          <a:solidFill>
+                            <a:srgbClr val="ffffff"/>
+                          </a:solidFill>
+                        </a:uFill>
+                        <a:latin typeface="Arial"/>
+                      </a:endParaRPr>
+                    </a:p>
+                  </a:txBody>
+                  <a:tcPr marL="90000" marR="90000">
+                    <a:lnL w="720">
+                      <a:solidFill>
+                        <a:srgbClr val="ffffff"/>
+                      </a:solidFill>
+                    </a:lnL>
+                    <a:lnR w="720">
+                      <a:solidFill>
+                        <a:srgbClr val="ffffff"/>
+                      </a:solidFill>
+                    </a:lnR>
+                    <a:lnT w="720">
+                      <a:solidFill>
+                        <a:srgbClr val="ffffff"/>
+                      </a:solidFill>
+                    </a:lnT>
+                    <a:lnB w="720">
+                      <a:solidFill>
+                        <a:srgbClr val="ffffff"/>
+                      </a:solidFill>
+                    </a:lnB>
+                    <a:solidFill>
+                      <a:srgbClr val="cccccc"/>
+                    </a:solidFill>
+                  </a:tcPr>
+                </a:tc>
+              </a:tr>
+              <a:tr h="543240">
+                <a:tc>
+                  <a:txBody>
+                    <a:bodyPr lIns="90000" rIns="90000"/>
+                    <a:p>
+                      <a:r>
+                        <a:rPr b="0" lang="en-IN" sz="1500" spc="-1" strike="noStrike">
+                          <a:solidFill>
+                            <a:srgbClr val="000000"/>
+                          </a:solidFill>
+                          <a:uFill>
+                            <a:solidFill>
+                              <a:srgbClr val="ffffff"/>
+                            </a:solidFill>
+                          </a:uFill>
+                          <a:latin typeface="Arial"/>
+                        </a:rPr>
+                        <a:t>GET</a:t>
+                      </a:r>
+                      <a:endParaRPr b="0" lang="en-IN" sz="1800" spc="-1" strike="noStrike">
+                        <a:solidFill>
+                          <a:srgbClr val="000000"/>
+                        </a:solidFill>
+                        <a:uFill>
+                          <a:solidFill>
+                            <a:srgbClr val="ffffff"/>
+                          </a:solidFill>
+                        </a:uFill>
+                        <a:latin typeface="Arial"/>
+                      </a:endParaRPr>
+                    </a:p>
+                  </a:txBody>
+                  <a:tcPr marL="90000" marR="90000">
+                    <a:lnL w="720">
+                      <a:solidFill>
+                        <a:srgbClr val="ffffff"/>
+                      </a:solidFill>
+                    </a:lnL>
+                    <a:lnR w="720">
+                      <a:solidFill>
+                        <a:srgbClr val="ffffff"/>
+                      </a:solidFill>
+                    </a:lnR>
+                    <a:lnT w="720">
+                      <a:solidFill>
+                        <a:srgbClr val="ffffff"/>
+                      </a:solidFill>
+                    </a:lnT>
+                    <a:lnB w="720">
+                      <a:solidFill>
+                        <a:srgbClr val="ffffff"/>
+                      </a:solidFill>
+                    </a:lnB>
+                    <a:solidFill>
+                      <a:srgbClr val="cccccc"/>
+                    </a:solidFill>
+                  </a:tcPr>
+                </a:tc>
+                <a:tc>
+                  <a:txBody>
+                    <a:bodyPr lIns="90000" rIns="90000"/>
+                    <a:p>
+                      <a:r>
+                        <a:rPr b="0" lang="en-IN" sz="1600" spc="-1" strike="noStrike">
+                          <a:solidFill>
+                            <a:srgbClr val="000000"/>
+                          </a:solidFill>
+                          <a:uFill>
+                            <a:solidFill>
+                              <a:srgbClr val="ffffff"/>
+                            </a:solidFill>
+                          </a:uFill>
+                          <a:latin typeface="Arial"/>
+                        </a:rPr>
+                        <a:t>apprulemgr/v1/tenants/:tenantId/app_instances/:appInstanceId/appd_configuration</a:t>
+                      </a:r>
+                      <a:endParaRPr b="0" lang="en-IN" sz="1800" spc="-1" strike="noStrike">
+                        <a:solidFill>
+                          <a:srgbClr val="000000"/>
+                        </a:solidFill>
+                        <a:uFill>
+                          <a:solidFill>
+                            <a:srgbClr val="ffffff"/>
+                          </a:solidFill>
+                        </a:uFill>
+                        <a:latin typeface="Arial"/>
+                      </a:endParaRPr>
+                    </a:p>
+                  </a:txBody>
+                  <a:tcPr marL="90000" marR="90000">
+                    <a:lnL w="720">
+                      <a:solidFill>
+                        <a:srgbClr val="ffffff"/>
+                      </a:solidFill>
+                    </a:lnL>
+                    <a:lnR w="720">
+                      <a:solidFill>
+                        <a:srgbClr val="ffffff"/>
+                      </a:solidFill>
+                    </a:lnR>
+                    <a:lnT w="720">
+                      <a:solidFill>
+                        <a:srgbClr val="ffffff"/>
+                      </a:solidFill>
+                    </a:lnT>
+                    <a:lnB w="720">
+                      <a:solidFill>
+                        <a:srgbClr val="ffffff"/>
+                      </a:solidFill>
+                    </a:lnB>
+                    <a:solidFill>
+                      <a:srgbClr val="cccccc"/>
+                    </a:solidFill>
+                  </a:tcPr>
+                </a:tc>
+                <a:tc>
+                  <a:txBody>
+                    <a:bodyPr lIns="90000" rIns="90000"/>
+                    <a:p>
+                      <a:r>
+                        <a:rPr b="0" lang="en-IN" sz="1500" spc="-1" strike="noStrike">
+                          <a:solidFill>
+                            <a:srgbClr val="000000"/>
+                          </a:solidFill>
+                          <a:uFill>
+                            <a:solidFill>
+                              <a:srgbClr val="ffffff"/>
+                            </a:solidFill>
+                          </a:uFill>
+                          <a:latin typeface="Arial"/>
+                        </a:rPr>
+                        <a:t>None</a:t>
+                      </a:r>
+                      <a:endParaRPr b="0" lang="en-IN" sz="1800" spc="-1" strike="noStrike">
+                        <a:solidFill>
+                          <a:srgbClr val="000000"/>
+                        </a:solidFill>
+                        <a:uFill>
+                          <a:solidFill>
+                            <a:srgbClr val="ffffff"/>
+                          </a:solidFill>
+                        </a:uFill>
+                        <a:latin typeface="Arial"/>
+                      </a:endParaRPr>
+                    </a:p>
+                  </a:txBody>
+                  <a:tcPr marL="90000" marR="90000">
+                    <a:lnL w="720">
+                      <a:solidFill>
+                        <a:srgbClr val="ffffff"/>
+                      </a:solidFill>
+                    </a:lnL>
+                    <a:lnR w="720">
+                      <a:solidFill>
+                        <a:srgbClr val="ffffff"/>
+                      </a:solidFill>
+                    </a:lnR>
+                    <a:lnT w="720">
+                      <a:solidFill>
+                        <a:srgbClr val="ffffff"/>
+                      </a:solidFill>
+                    </a:lnT>
+                    <a:lnB w="720">
+                      <a:solidFill>
+                        <a:srgbClr val="ffffff"/>
+                      </a:solidFill>
+                    </a:lnB>
+                    <a:solidFill>
+                      <a:srgbClr val="cccccc"/>
+                    </a:solidFill>
+                  </a:tcPr>
+                </a:tc>
+                <a:tc>
+                  <a:txBody>
+                    <a:bodyPr lIns="90000" rIns="90000"/>
+                    <a:p>
+                      <a:r>
+                        <a:rPr b="0" lang="en-IN" sz="1500" spc="-1" strike="noStrike">
+                          <a:solidFill>
+                            <a:srgbClr val="000000"/>
+                          </a:solidFill>
+                          <a:uFill>
+                            <a:solidFill>
+                              <a:srgbClr val="ffffff"/>
+                            </a:solidFill>
+                          </a:uFill>
+                          <a:latin typeface="Arial"/>
+                        </a:rPr>
+                        <a:t>AppDRuleModel</a:t>
+                      </a:r>
+                      <a:endParaRPr b="0" lang="en-IN" sz="1800" spc="-1" strike="noStrike">
+                        <a:solidFill>
+                          <a:srgbClr val="000000"/>
+                        </a:solidFill>
+                        <a:uFill>
+                          <a:solidFill>
+                            <a:srgbClr val="ffffff"/>
+                          </a:solidFill>
+                        </a:uFill>
+                        <a:latin typeface="Arial"/>
+                      </a:endParaRPr>
+                    </a:p>
+                  </a:txBody>
+                  <a:tcPr marL="90000" marR="90000">
+                    <a:lnL w="720">
+                      <a:solidFill>
+                        <a:srgbClr val="ffffff"/>
+                      </a:solidFill>
+                    </a:lnL>
+                    <a:lnR w="720">
+                      <a:solidFill>
+                        <a:srgbClr val="ffffff"/>
+                      </a:solidFill>
+                    </a:lnR>
+                    <a:lnT w="720">
+                      <a:solidFill>
+                        <a:srgbClr val="ffffff"/>
+                      </a:solidFill>
+                    </a:lnT>
+                    <a:lnB w="720">
+                      <a:solidFill>
+                        <a:srgbClr val="ffffff"/>
+                      </a:solidFill>
+                    </a:lnB>
+                    <a:solidFill>
+                      <a:srgbClr val="cccccc"/>
+                    </a:solidFill>
+                  </a:tcPr>
+                </a:tc>
+              </a:tr>
+            </a:tbl>
+          </a:graphicData>
+        </a:graphic>
+      </p:graphicFrame>
+      <p:sp>
+        <p:nvSpPr>
+          <p:cNvPr id="309" name="TextShape 3"/>
+          <p:cNvSpPr txBox="1"/>
+          <p:nvPr/>
+        </p:nvSpPr>
+        <p:spPr>
+          <a:xfrm>
+            <a:off x="288000" y="3816000"/>
+            <a:ext cx="9360000" cy="346320"/>
           </a:xfrm>
           <a:prstGeom prst="rect">
             <a:avLst/>
@@ -21959,20 +22849,9 @@
             <a:noFill/>
           </a:ln>
         </p:spPr>
-        <p:style>
-          <a:lnRef idx="0"/>
-          <a:fillRef idx="0"/>
-          <a:effectRef idx="0"/>
-          <a:fontRef idx="minor"/>
-        </p:style>
         <p:txBody>
           <a:bodyPr lIns="90000" rIns="90000" tIns="45000" bIns="45000"/>
           <a:p>
-            <a:pPr>
-              <a:lnSpc>
-                <a:spcPct val="100000"/>
-              </a:lnSpc>
-            </a:pPr>
             <a:r>
               <a:rPr b="0" lang="en-IN" sz="1800" spc="-1" strike="noStrike">
                 <a:solidFill>
@@ -21983,49 +22862,12 @@
                     <a:srgbClr val="ffffff"/>
                   </a:solidFill>
                 </a:uFill>
-                <a:latin typeface="Calibri"/>
-                <a:ea typeface="DejaVu Sans"/>
+                <a:latin typeface="Arial"/>
               </a:rPr>
-              <a:t>Provide a button in mecm portal to synchronize  data from edge.</a:t>
+              <a:t>Modify </a:t>
             </a:r>
-            <a:endParaRPr b="0" lang="en-IN" sz="1800" spc="-1" strike="noStrike">
-              <a:solidFill>
-                <a:srgbClr val="000000"/>
-              </a:solidFill>
-              <a:uFill>
-                <a:solidFill>
-                  <a:srgbClr val="ffffff"/>
-                </a:solidFill>
-              </a:uFill>
-              <a:latin typeface="Arial"/>
-            </a:endParaRPr>
-          </a:p>
-          <a:p>
-            <a:pPr>
-              <a:lnSpc>
-                <a:spcPct val="100000"/>
-              </a:lnSpc>
-            </a:pPr>
-            <a:endParaRPr b="0" lang="en-IN" sz="1800" spc="-1" strike="noStrike">
-              <a:solidFill>
-                <a:srgbClr val="000000"/>
-              </a:solidFill>
-              <a:uFill>
-                <a:solidFill>
-                  <a:srgbClr val="ffffff"/>
-                </a:solidFill>
-              </a:uFill>
-              <a:latin typeface="Arial"/>
-            </a:endParaRPr>
-          </a:p>
-          <a:p>
-            <a:pPr>
-              <a:lnSpc>
-                <a:spcPct val="100000"/>
-              </a:lnSpc>
-            </a:pPr>
             <a:r>
-              <a:rPr b="1" lang="en-IN" sz="1800" spc="-1" strike="noStrike">
+              <a:rPr b="0" lang="en-IN" sz="1800" spc="-1" strike="noStrike">
                 <a:solidFill>
                   <a:srgbClr val="000000"/>
                 </a:solidFill>
@@ -22034,10 +22876,9 @@
                     <a:srgbClr val="ffffff"/>
                   </a:solidFill>
                 </a:uFill>
-                <a:latin typeface="Calibri"/>
-                <a:ea typeface="DejaVu Sans"/>
+                <a:latin typeface="Arial"/>
               </a:rPr>
-              <a:t>Prerequisite</a:t>
+              <a:t>these </a:t>
             </a:r>
             <a:r>
               <a:rPr b="0" lang="en-IN" sz="1800" spc="-1" strike="noStrike">
@@ -22049,29 +22890,10 @@
                     <a:srgbClr val="ffffff"/>
                   </a:solidFill>
                 </a:uFill>
-                <a:latin typeface="Calibri"/>
-                <a:ea typeface="DejaVu Sans"/>
+                <a:latin typeface="Arial"/>
               </a:rPr>
-              <a:t>:</a:t>
+              <a:t>api’s to </a:t>
             </a:r>
-            <a:endParaRPr b="0" lang="en-IN" sz="1800" spc="-1" strike="noStrike">
-              <a:solidFill>
-                <a:srgbClr val="000000"/>
-              </a:solidFill>
-              <a:uFill>
-                <a:solidFill>
-                  <a:srgbClr val="ffffff"/>
-                </a:solidFill>
-              </a:uFill>
-              <a:latin typeface="Arial"/>
-            </a:endParaRPr>
-          </a:p>
-          <a:p>
-            <a:pPr>
-              <a:lnSpc>
-                <a:spcPct val="100000"/>
-              </a:lnSpc>
-            </a:pPr>
             <a:r>
               <a:rPr b="0" lang="en-IN" sz="1800" spc="-1" strike="noStrike">
                 <a:solidFill>
@@ -22082,49 +22904,12 @@
                     <a:srgbClr val="ffffff"/>
                   </a:solidFill>
                 </a:uFill>
-                <a:latin typeface="Calibri"/>
-                <a:ea typeface="DejaVu Sans"/>
+                <a:latin typeface="Arial"/>
               </a:rPr>
-              <a:t>There should be connection between cloud and edge when user/adminstrator is manually synchronizing the database.</a:t>
+              <a:t>include </a:t>
             </a:r>
-            <a:endParaRPr b="0" lang="en-IN" sz="1800" spc="-1" strike="noStrike">
-              <a:solidFill>
-                <a:srgbClr val="000000"/>
-              </a:solidFill>
-              <a:uFill>
-                <a:solidFill>
-                  <a:srgbClr val="ffffff"/>
-                </a:solidFill>
-              </a:uFill>
-              <a:latin typeface="Arial"/>
-            </a:endParaRPr>
-          </a:p>
-          <a:p>
-            <a:pPr>
-              <a:lnSpc>
-                <a:spcPct val="100000"/>
-              </a:lnSpc>
-            </a:pPr>
-            <a:endParaRPr b="0" lang="en-IN" sz="1800" spc="-1" strike="noStrike">
-              <a:solidFill>
-                <a:srgbClr val="000000"/>
-              </a:solidFill>
-              <a:uFill>
-                <a:solidFill>
-                  <a:srgbClr val="ffffff"/>
-                </a:solidFill>
-              </a:uFill>
-              <a:latin typeface="Arial"/>
-            </a:endParaRPr>
-          </a:p>
-          <a:p>
-            <a:pPr>
-              <a:lnSpc>
-                <a:spcPct val="100000"/>
-              </a:lnSpc>
-            </a:pPr>
             <a:r>
-              <a:rPr b="1" lang="en-IN" sz="1800" spc="-1" strike="noStrike">
+              <a:rPr b="0" lang="en-IN" sz="1800" spc="-1" strike="noStrike">
                 <a:solidFill>
                   <a:srgbClr val="000000"/>
                 </a:solidFill>
@@ -22133,10 +22918,9 @@
                     <a:srgbClr val="ffffff"/>
                   </a:solidFill>
                 </a:uFill>
-                <a:latin typeface="Calibri"/>
-                <a:ea typeface="DejaVu Sans"/>
+                <a:latin typeface="Arial"/>
               </a:rPr>
-              <a:t>Implementation</a:t>
+              <a:t>mep </a:t>
             </a:r>
             <a:r>
               <a:rPr b="0" lang="en-IN" sz="1800" spc="-1" strike="noStrike">
@@ -22148,29 +22932,10 @@
                     <a:srgbClr val="ffffff"/>
                   </a:solidFill>
                 </a:uFill>
-                <a:latin typeface="Calibri"/>
-                <a:ea typeface="DejaVu Sans"/>
+                <a:latin typeface="Arial"/>
               </a:rPr>
-              <a:t>:</a:t>
+              <a:t>ip:port </a:t>
             </a:r>
-            <a:endParaRPr b="0" lang="en-IN" sz="1800" spc="-1" strike="noStrike">
-              <a:solidFill>
-                <a:srgbClr val="000000"/>
-              </a:solidFill>
-              <a:uFill>
-                <a:solidFill>
-                  <a:srgbClr val="ffffff"/>
-                </a:solidFill>
-              </a:uFill>
-              <a:latin typeface="Arial"/>
-            </a:endParaRPr>
-          </a:p>
-          <a:p>
-            <a:pPr>
-              <a:lnSpc>
-                <a:spcPct val="100000"/>
-              </a:lnSpc>
-            </a:pPr>
             <a:r>
               <a:rPr b="0" lang="en-IN" sz="1800" spc="-1" strike="noStrike">
                 <a:solidFill>
@@ -22181,49 +22946,12 @@
                     <a:srgbClr val="ffffff"/>
                   </a:solidFill>
                 </a:uFill>
-                <a:latin typeface="Calibri"/>
-                <a:ea typeface="DejaVu Sans"/>
+                <a:latin typeface="Arial"/>
               </a:rPr>
-              <a:t>When syncronize button is clicked, inventory/appo pulls the information from applcm and update to its database.</a:t>
+              <a:t>in api </a:t>
             </a:r>
-            <a:endParaRPr b="0" lang="en-IN" sz="1800" spc="-1" strike="noStrike">
-              <a:solidFill>
-                <a:srgbClr val="000000"/>
-              </a:solidFill>
-              <a:uFill>
-                <a:solidFill>
-                  <a:srgbClr val="ffffff"/>
-                </a:solidFill>
-              </a:uFill>
-              <a:latin typeface="Arial"/>
-            </a:endParaRPr>
-          </a:p>
-          <a:p>
-            <a:pPr>
-              <a:lnSpc>
-                <a:spcPct val="100000"/>
-              </a:lnSpc>
-            </a:pPr>
-            <a:endParaRPr b="0" lang="en-IN" sz="1800" spc="-1" strike="noStrike">
-              <a:solidFill>
-                <a:srgbClr val="000000"/>
-              </a:solidFill>
-              <a:uFill>
-                <a:solidFill>
-                  <a:srgbClr val="ffffff"/>
-                </a:solidFill>
-              </a:uFill>
-              <a:latin typeface="Arial"/>
-            </a:endParaRPr>
-          </a:p>
-          <a:p>
-            <a:pPr>
-              <a:lnSpc>
-                <a:spcPct val="100000"/>
-              </a:lnSpc>
-            </a:pPr>
             <a:r>
-              <a:rPr b="1" lang="en-IN" sz="1800" spc="-1" strike="noStrike">
+              <a:rPr b="0" lang="en-IN" sz="1800" spc="-1" strike="noStrike">
                 <a:solidFill>
                   <a:srgbClr val="000000"/>
                 </a:solidFill>
@@ -22232,10 +22960,9 @@
                     <a:srgbClr val="ffffff"/>
                   </a:solidFill>
                 </a:uFill>
-                <a:latin typeface="Calibri"/>
-                <a:ea typeface="DejaVu Sans"/>
+                <a:latin typeface="Arial"/>
               </a:rPr>
-              <a:t>WorkFlow:</a:t>
+              <a:t>params</a:t>
             </a:r>
             <a:endParaRPr b="0" lang="en-IN" sz="1800" spc="-1" strike="noStrike">
               <a:solidFill>
@@ -22249,103 +22976,8 @@
               <a:latin typeface="Arial"/>
             </a:endParaRPr>
           </a:p>
-          <a:p>
-            <a:pPr>
-              <a:lnSpc>
-                <a:spcPct val="100000"/>
-              </a:lnSpc>
-            </a:pPr>
-            <a:endParaRPr b="0" lang="en-IN" sz="1800" spc="-1" strike="noStrike">
-              <a:solidFill>
-                <a:srgbClr val="000000"/>
-              </a:solidFill>
-              <a:uFill>
-                <a:solidFill>
-                  <a:srgbClr val="ffffff"/>
-                </a:solidFill>
-              </a:uFill>
-              <a:latin typeface="Arial"/>
-            </a:endParaRPr>
-          </a:p>
-          <a:p>
-            <a:pPr>
-              <a:lnSpc>
-                <a:spcPct val="100000"/>
-              </a:lnSpc>
-            </a:pPr>
-            <a:endParaRPr b="0" lang="en-IN" sz="1800" spc="-1" strike="noStrike">
-              <a:solidFill>
-                <a:srgbClr val="000000"/>
-              </a:solidFill>
-              <a:uFill>
-                <a:solidFill>
-                  <a:srgbClr val="ffffff"/>
-                </a:solidFill>
-              </a:uFill>
-              <a:latin typeface="Arial"/>
-            </a:endParaRPr>
-          </a:p>
-          <a:p>
-            <a:pPr>
-              <a:lnSpc>
-                <a:spcPct val="100000"/>
-              </a:lnSpc>
-            </a:pPr>
-            <a:endParaRPr b="0" lang="en-IN" sz="1800" spc="-1" strike="noStrike">
-              <a:solidFill>
-                <a:srgbClr val="000000"/>
-              </a:solidFill>
-              <a:uFill>
-                <a:solidFill>
-                  <a:srgbClr val="ffffff"/>
-                </a:solidFill>
-              </a:uFill>
-              <a:latin typeface="Arial"/>
-            </a:endParaRPr>
-          </a:p>
-          <a:p>
-            <a:pPr>
-              <a:lnSpc>
-                <a:spcPct val="100000"/>
-              </a:lnSpc>
-            </a:pPr>
-            <a:endParaRPr b="0" lang="en-IN" sz="1800" spc="-1" strike="noStrike">
-              <a:solidFill>
-                <a:srgbClr val="000000"/>
-              </a:solidFill>
-              <a:uFill>
-                <a:solidFill>
-                  <a:srgbClr val="ffffff"/>
-                </a:solidFill>
-              </a:uFill>
-              <a:latin typeface="Arial"/>
-            </a:endParaRPr>
-          </a:p>
-        </p:txBody>
-      </p:sp>
-      <p:pic>
-        <p:nvPicPr>
-          <p:cNvPr id="306" name="" descr=""/>
-          <p:cNvPicPr/>
-          <p:nvPr/>
-        </p:nvPicPr>
-        <p:blipFill>
-          <a:blip r:embed="rId1"/>
-          <a:stretch/>
-        </p:blipFill>
-        <p:spPr>
-          <a:xfrm>
-            <a:off x="504000" y="4335120"/>
-            <a:ext cx="4914360" cy="2504520"/>
-          </a:xfrm>
-          <a:prstGeom prst="rect">
-            <a:avLst/>
-          </a:prstGeom>
-          <a:ln>
-            <a:noFill/>
-          </a:ln>
-        </p:spPr>
-      </p:pic>
+        </p:txBody>
+      </p:sp>
     </p:spTree>
   </p:cSld>
   <p:timing>

--- a/MECM PT/Release V1.1/Edge Autonomous Portal.pptx
+++ b/MECM PT/Release V1.1/Edge Autonomous Portal.pptx
@@ -22,6 +22,13 @@
     <p:sldId id="262" r:id="rId15"/>
     <p:sldId id="263" r:id="rId16"/>
     <p:sldId id="264" r:id="rId17"/>
+    <p:sldId id="265" r:id="rId18"/>
+    <p:sldId id="266" r:id="rId19"/>
+    <p:sldId id="267" r:id="rId20"/>
+    <p:sldId id="268" r:id="rId21"/>
+    <p:sldId id="269" r:id="rId22"/>
+    <p:sldId id="270" r:id="rId23"/>
+    <p:sldId id="271" r:id="rId24"/>
   </p:sldIdLst>
   <p:sldSz cx="10080625" cy="7559675"/>
   <p:notesSz cx="7559675" cy="10691812"/>
@@ -129,7 +136,7 @@
                 </a:uFill>
                 <a:latin typeface="Times New Roman"/>
               </a:rPr>
-              <a:t> </a:t>
+              <a:t>&lt;header&gt;</a:t>
             </a:r>
             <a:endParaRPr b="0" lang="en-IN" sz="1400" spc="-1" strike="noStrike">
               <a:solidFill>
@@ -180,7 +187,7 @@
                 </a:uFill>
                 <a:latin typeface="Times New Roman"/>
               </a:rPr>
-              <a:t> </a:t>
+              <a:t>&lt;date/time&gt;</a:t>
             </a:r>
             <a:endParaRPr b="0" lang="en-IN" sz="1400" spc="-1" strike="noStrike">
               <a:solidFill>
@@ -230,7 +237,7 @@
                 </a:uFill>
                 <a:latin typeface="Times New Roman"/>
               </a:rPr>
-              <a:t> </a:t>
+              <a:t>&lt;footer&gt;</a:t>
             </a:r>
             <a:endParaRPr b="0" lang="en-IN" sz="1400" spc="-1" strike="noStrike">
               <a:solidFill>
@@ -269,7 +276,7 @@
           <a:bodyPr lIns="0" rIns="0" tIns="0" bIns="0" anchor="b"/>
           <a:p>
             <a:pPr algn="r"/>
-            <a:fld id="{212C04F6-7900-48EC-B5F5-8591532F24EC}" type="slidenum">
+            <a:fld id="{468F1C89-D219-4327-A550-C09D7235BE8C}" type="slidenum">
               <a:rPr b="0" lang="en-IN" sz="1400" spc="-1" strike="noStrike">
                 <a:solidFill>
                   <a:srgbClr val="000000"/>
@@ -281,7 +288,7 @@
                 </a:uFill>
                 <a:latin typeface="Times New Roman"/>
               </a:rPr>
-              <a:t>1</a:t>
+              <a:t>&lt;number&gt;</a:t>
             </a:fld>
             <a:endParaRPr b="0" lang="en-IN" sz="1400" spc="-1" strike="noStrike">
               <a:solidFill>
@@ -303,7 +310,7 @@
 </p:notesMaster>
 </file>
 
-<file path=ppt/notesSlides/notesSlide9.xml><?xml version="1.0" encoding="utf-8"?>
+<file path=ppt/notesSlides/notesSlide16.xml><?xml version="1.0" encoding="utf-8"?>
 <p:notes xmlns:a="http://schemas.openxmlformats.org/drawingml/2006/main" xmlns:p="http://schemas.openxmlformats.org/presentationml/2006/main" xmlns:r="http://schemas.openxmlformats.org/officeDocument/2006/relationships" xmlns:p14="http://schemas.microsoft.com/office/powerpoint/2010/main" xmlns:p15="http://schemas.microsoft.com/office/powerpoint/2012/main" xmlns:mc="http://schemas.openxmlformats.org/markup-compatibility/2006">
   <p:cSld>
     <p:spTree>
@@ -322,7 +329,7 @@
       </p:grpSpPr>
       <p:sp>
         <p:nvSpPr>
-          <p:cNvPr id="310" name="PlaceHolder 1"/>
+          <p:cNvPr id="321" name="PlaceHolder 1"/>
           <p:cNvSpPr>
             <a:spLocks noGrp="1"/>
           </p:cNvSpPr>
@@ -333,7 +340,7 @@
         <p:spPr>
           <a:xfrm>
             <a:off x="756000" y="5145480"/>
-            <a:ext cx="6044040" cy="4205880"/>
+            <a:ext cx="6044400" cy="4206240"/>
           </a:xfrm>
           <a:prstGeom prst="rect">
             <a:avLst/>
@@ -358,14 +365,14 @@
       </p:sp>
       <p:sp>
         <p:nvSpPr>
-          <p:cNvPr id="311" name="CustomShape 2"/>
+          <p:cNvPr id="322" name="CustomShape 2"/>
           <p:cNvSpPr/>
           <p:nvPr/>
         </p:nvSpPr>
         <p:spPr>
           <a:xfrm>
             <a:off x="4282200" y="10155600"/>
-            <a:ext cx="3272040" cy="532440"/>
+            <a:ext cx="3272400" cy="532800"/>
           </a:xfrm>
           <a:prstGeom prst="rect">
             <a:avLst/>
@@ -9268,7 +9275,7 @@
         <p:spPr>
           <a:xfrm>
             <a:off x="1800" y="0"/>
-            <a:ext cx="10072440" cy="7556040"/>
+            <a:ext cx="10072800" cy="7556400"/>
           </a:xfrm>
           <a:prstGeom prst="rect">
             <a:avLst/>
@@ -9287,7 +9294,7 @@
         <p:spPr>
           <a:xfrm>
             <a:off x="0" y="3177000"/>
-            <a:ext cx="10074240" cy="4378680"/>
+            <a:ext cx="10074600" cy="4379040"/>
           </a:xfrm>
           <a:prstGeom prst="rect">
             <a:avLst/>
@@ -9320,7 +9327,7 @@
         <p:spPr>
           <a:xfrm>
             <a:off x="128520" y="345960"/>
-            <a:ext cx="1792080" cy="617400"/>
+            <a:ext cx="1792440" cy="617760"/>
           </a:xfrm>
           <a:prstGeom prst="rect">
             <a:avLst/>
@@ -9343,7 +9350,7 @@
         <p:spPr>
           <a:xfrm>
             <a:off x="0" y="4996800"/>
-            <a:ext cx="10076400" cy="2558880"/>
+            <a:ext cx="10076760" cy="2559240"/>
           </a:xfrm>
           <a:prstGeom prst="rect">
             <a:avLst/>
@@ -9388,7 +9395,105 @@
                 </a:uFill>
                 <a:latin typeface="Arial"/>
               </a:rPr>
-              <a:t>Click to edit the title text format</a:t>
+              <a:t>Clic</a:t>
+            </a:r>
+            <a:r>
+              <a:rPr b="0" lang="en-IN" sz="4400" spc="-1" strike="noStrike">
+                <a:solidFill>
+                  <a:srgbClr val="000000"/>
+                </a:solidFill>
+                <a:uFill>
+                  <a:solidFill>
+                    <a:srgbClr val="ffffff"/>
+                  </a:solidFill>
+                </a:uFill>
+                <a:latin typeface="Arial"/>
+              </a:rPr>
+              <a:t>k to </a:t>
+            </a:r>
+            <a:r>
+              <a:rPr b="0" lang="en-IN" sz="4400" spc="-1" strike="noStrike">
+                <a:solidFill>
+                  <a:srgbClr val="000000"/>
+                </a:solidFill>
+                <a:uFill>
+                  <a:solidFill>
+                    <a:srgbClr val="ffffff"/>
+                  </a:solidFill>
+                </a:uFill>
+                <a:latin typeface="Arial"/>
+              </a:rPr>
+              <a:t>edit </a:t>
+            </a:r>
+            <a:r>
+              <a:rPr b="0" lang="en-IN" sz="4400" spc="-1" strike="noStrike">
+                <a:solidFill>
+                  <a:srgbClr val="000000"/>
+                </a:solidFill>
+                <a:uFill>
+                  <a:solidFill>
+                    <a:srgbClr val="ffffff"/>
+                  </a:solidFill>
+                </a:uFill>
+                <a:latin typeface="Arial"/>
+              </a:rPr>
+              <a:t>the </a:t>
+            </a:r>
+            <a:r>
+              <a:rPr b="0" lang="en-IN" sz="4400" spc="-1" strike="noStrike">
+                <a:solidFill>
+                  <a:srgbClr val="000000"/>
+                </a:solidFill>
+                <a:uFill>
+                  <a:solidFill>
+                    <a:srgbClr val="ffffff"/>
+                  </a:solidFill>
+                </a:uFill>
+                <a:latin typeface="Arial"/>
+              </a:rPr>
+              <a:t>title </a:t>
+            </a:r>
+            <a:r>
+              <a:rPr b="0" lang="en-IN" sz="4400" spc="-1" strike="noStrike">
+                <a:solidFill>
+                  <a:srgbClr val="000000"/>
+                </a:solidFill>
+                <a:uFill>
+                  <a:solidFill>
+                    <a:srgbClr val="ffffff"/>
+                  </a:solidFill>
+                </a:uFill>
+                <a:latin typeface="Arial"/>
+              </a:rPr>
+              <a:t>text </a:t>
+            </a:r>
+            <a:r>
+              <a:rPr b="0" lang="en-IN" sz="4400" spc="-1" strike="noStrike">
+                <a:solidFill>
+                  <a:srgbClr val="000000"/>
+                </a:solidFill>
+                <a:uFill>
+                  <a:solidFill>
+                    <a:srgbClr val="ffffff"/>
+                  </a:solidFill>
+                </a:uFill>
+                <a:latin typeface="Arial"/>
+              </a:rPr>
+              <a:t>form</a:t>
+            </a:r>
+            <a:r>
+              <a:rPr b="0" lang="en-IN" sz="4400" spc="-1" strike="noStrike">
+                <a:solidFill>
+                  <a:srgbClr val="000000"/>
+                </a:solidFill>
+                <a:uFill>
+                  <a:solidFill>
+                    <a:srgbClr val="ffffff"/>
+                  </a:solidFill>
+                </a:uFill>
+                <a:latin typeface="Arial"/>
+              </a:rPr>
+              <a:t>at</a:t>
             </a:r>
             <a:endParaRPr b="0" lang="en-IN" sz="4400" spc="-1" strike="noStrike">
               <a:solidFill>
@@ -9738,7 +9843,6 @@
         <p:txBody>
           <a:bodyPr lIns="0" rIns="0" tIns="0" bIns="0" anchor="ctr"/>
           <a:p>
-            <a:pPr algn="ctr"/>
             <a:r>
               <a:rPr b="0" lang="en-IN" sz="4400" spc="-1" strike="noStrike">
                 <a:solidFill>
@@ -10819,175 +10923,7 @@
                 </a:uFill>
                 <a:latin typeface="Arial"/>
               </a:rPr>
-              <a:t>Cli</a:t>
-            </a:r>
-            <a:r>
-              <a:rPr b="0" lang="en-IN" sz="4400" spc="-1" strike="noStrike">
-                <a:solidFill>
-                  <a:srgbClr val="000000"/>
-                </a:solidFill>
-                <a:uFill>
-                  <a:solidFill>
-                    <a:srgbClr val="ffffff"/>
-                  </a:solidFill>
-                </a:uFill>
-                <a:latin typeface="Arial"/>
-              </a:rPr>
-              <a:t>ck </a:t>
-            </a:r>
-            <a:r>
-              <a:rPr b="0" lang="en-IN" sz="4400" spc="-1" strike="noStrike">
-                <a:solidFill>
-                  <a:srgbClr val="000000"/>
-                </a:solidFill>
-                <a:uFill>
-                  <a:solidFill>
-                    <a:srgbClr val="ffffff"/>
-                  </a:solidFill>
-                </a:uFill>
-                <a:latin typeface="Arial"/>
-              </a:rPr>
-              <a:t>to </a:t>
-            </a:r>
-            <a:r>
-              <a:rPr b="0" lang="en-IN" sz="4400" spc="-1" strike="noStrike">
-                <a:solidFill>
-                  <a:srgbClr val="000000"/>
-                </a:solidFill>
-                <a:uFill>
-                  <a:solidFill>
-                    <a:srgbClr val="ffffff"/>
-                  </a:solidFill>
-                </a:uFill>
-                <a:latin typeface="Arial"/>
-              </a:rPr>
-              <a:t>edi</a:t>
-            </a:r>
-            <a:r>
-              <a:rPr b="0" lang="en-IN" sz="4400" spc="-1" strike="noStrike">
-                <a:solidFill>
-                  <a:srgbClr val="000000"/>
-                </a:solidFill>
-                <a:uFill>
-                  <a:solidFill>
-                    <a:srgbClr val="ffffff"/>
-                  </a:solidFill>
-                </a:uFill>
-                <a:latin typeface="Arial"/>
-              </a:rPr>
-              <a:t>t </a:t>
-            </a:r>
-            <a:r>
-              <a:rPr b="0" lang="en-IN" sz="4400" spc="-1" strike="noStrike">
-                <a:solidFill>
-                  <a:srgbClr val="000000"/>
-                </a:solidFill>
-                <a:uFill>
-                  <a:solidFill>
-                    <a:srgbClr val="ffffff"/>
-                  </a:solidFill>
-                </a:uFill>
-                <a:latin typeface="Arial"/>
-              </a:rPr>
-              <a:t>the </a:t>
-            </a:r>
-            <a:r>
-              <a:rPr b="0" lang="en-IN" sz="4400" spc="-1" strike="noStrike">
-                <a:solidFill>
-                  <a:srgbClr val="000000"/>
-                </a:solidFill>
-                <a:uFill>
-                  <a:solidFill>
-                    <a:srgbClr val="ffffff"/>
-                  </a:solidFill>
-                </a:uFill>
-                <a:latin typeface="Arial"/>
-              </a:rPr>
-              <a:t>titl</a:t>
-            </a:r>
-            <a:r>
-              <a:rPr b="0" lang="en-IN" sz="4400" spc="-1" strike="noStrike">
-                <a:solidFill>
-                  <a:srgbClr val="000000"/>
-                </a:solidFill>
-                <a:uFill>
-                  <a:solidFill>
-                    <a:srgbClr val="ffffff"/>
-                  </a:solidFill>
-                </a:uFill>
-                <a:latin typeface="Arial"/>
-              </a:rPr>
-              <a:t>e </a:t>
-            </a:r>
-            <a:r>
-              <a:rPr b="0" lang="en-IN" sz="4400" spc="-1" strike="noStrike">
-                <a:solidFill>
-                  <a:srgbClr val="000000"/>
-                </a:solidFill>
-                <a:uFill>
-                  <a:solidFill>
-                    <a:srgbClr val="ffffff"/>
-                  </a:solidFill>
-                </a:uFill>
-                <a:latin typeface="Arial"/>
-              </a:rPr>
-              <a:t>tex</a:t>
-            </a:r>
-            <a:r>
-              <a:rPr b="0" lang="en-IN" sz="4400" spc="-1" strike="noStrike">
-                <a:solidFill>
-                  <a:srgbClr val="000000"/>
-                </a:solidFill>
-                <a:uFill>
-                  <a:solidFill>
-                    <a:srgbClr val="ffffff"/>
-                  </a:solidFill>
-                </a:uFill>
-                <a:latin typeface="Arial"/>
-              </a:rPr>
-              <a:t>t </a:t>
-            </a:r>
-            <a:r>
-              <a:rPr b="0" lang="en-IN" sz="4400" spc="-1" strike="noStrike">
-                <a:solidFill>
-                  <a:srgbClr val="000000"/>
-                </a:solidFill>
-                <a:uFill>
-                  <a:solidFill>
-                    <a:srgbClr val="ffffff"/>
-                  </a:solidFill>
-                </a:uFill>
-                <a:latin typeface="Arial"/>
-              </a:rPr>
-              <a:t>for</a:t>
-            </a:r>
-            <a:r>
-              <a:rPr b="0" lang="en-IN" sz="4400" spc="-1" strike="noStrike">
-                <a:solidFill>
-                  <a:srgbClr val="000000"/>
-                </a:solidFill>
-                <a:uFill>
-                  <a:solidFill>
-                    <a:srgbClr val="ffffff"/>
-                  </a:solidFill>
-                </a:uFill>
-                <a:latin typeface="Arial"/>
-              </a:rPr>
-              <a:t>ma</a:t>
-            </a:r>
-            <a:r>
-              <a:rPr b="0" lang="en-IN" sz="4400" spc="-1" strike="noStrike">
-                <a:solidFill>
-                  <a:srgbClr val="000000"/>
-                </a:solidFill>
-                <a:uFill>
-                  <a:solidFill>
-                    <a:srgbClr val="ffffff"/>
-                  </a:solidFill>
-                </a:uFill>
-                <a:latin typeface="Arial"/>
-              </a:rPr>
-              <a:t>t</a:t>
+              <a:t>Click to edit the title text format</a:t>
             </a:r>
             <a:endParaRPr b="0" lang="en-IN" sz="4400" spc="-1" strike="noStrike">
               <a:solidFill>
@@ -11328,7 +11264,7 @@
         <p:spPr>
           <a:xfrm>
             <a:off x="360" y="1440"/>
-            <a:ext cx="10072440" cy="7556040"/>
+            <a:ext cx="10072800" cy="7556400"/>
           </a:xfrm>
           <a:prstGeom prst="rect">
             <a:avLst/>
@@ -11347,7 +11283,7 @@
         <p:spPr>
           <a:xfrm>
             <a:off x="360" y="4132440"/>
-            <a:ext cx="10076400" cy="3423240"/>
+            <a:ext cx="10076760" cy="3423600"/>
           </a:xfrm>
           <a:prstGeom prst="rect">
             <a:avLst/>
@@ -11375,7 +11311,7 @@
         <p:spPr>
           <a:xfrm>
             <a:off x="3612600" y="2994480"/>
-            <a:ext cx="3236760" cy="817920"/>
+            <a:ext cx="3237120" cy="818280"/>
           </a:xfrm>
           <a:prstGeom prst="rect">
             <a:avLst/>
@@ -11437,7 +11373,7 @@
         <p:spPr>
           <a:xfrm>
             <a:off x="3612600" y="2586960"/>
-            <a:ext cx="3236760" cy="817920"/>
+            <a:ext cx="3237120" cy="818280"/>
           </a:xfrm>
           <a:prstGeom prst="rect">
             <a:avLst/>
@@ -11504,7 +11440,7 @@
         <p:spPr>
           <a:xfrm>
             <a:off x="113040" y="390240"/>
-            <a:ext cx="1559160" cy="537120"/>
+            <a:ext cx="1559520" cy="537480"/>
           </a:xfrm>
           <a:prstGeom prst="rect">
             <a:avLst/>
@@ -11527,7 +11463,7 @@
         <p:spPr>
           <a:xfrm>
             <a:off x="0" y="4998240"/>
-            <a:ext cx="10076400" cy="2558880"/>
+            <a:ext cx="10076760" cy="2559240"/>
           </a:xfrm>
           <a:prstGeom prst="rect">
             <a:avLst/>
@@ -11572,175 +11508,7 @@
                 </a:uFill>
                 <a:latin typeface="Arial"/>
               </a:rPr>
-              <a:t>Cli</a:t>
-            </a:r>
-            <a:r>
-              <a:rPr b="0" lang="en-IN" sz="4400" spc="-1" strike="noStrike">
-                <a:solidFill>
-                  <a:srgbClr val="000000"/>
-                </a:solidFill>
-                <a:uFill>
-                  <a:solidFill>
-                    <a:srgbClr val="ffffff"/>
-                  </a:solidFill>
-                </a:uFill>
-                <a:latin typeface="Arial"/>
-              </a:rPr>
-              <a:t>ck </a:t>
-            </a:r>
-            <a:r>
-              <a:rPr b="0" lang="en-IN" sz="4400" spc="-1" strike="noStrike">
-                <a:solidFill>
-                  <a:srgbClr val="000000"/>
-                </a:solidFill>
-                <a:uFill>
-                  <a:solidFill>
-                    <a:srgbClr val="ffffff"/>
-                  </a:solidFill>
-                </a:uFill>
-                <a:latin typeface="Arial"/>
-              </a:rPr>
-              <a:t>to </a:t>
-            </a:r>
-            <a:r>
-              <a:rPr b="0" lang="en-IN" sz="4400" spc="-1" strike="noStrike">
-                <a:solidFill>
-                  <a:srgbClr val="000000"/>
-                </a:solidFill>
-                <a:uFill>
-                  <a:solidFill>
-                    <a:srgbClr val="ffffff"/>
-                  </a:solidFill>
-                </a:uFill>
-                <a:latin typeface="Arial"/>
-              </a:rPr>
-              <a:t>edi</a:t>
-            </a:r>
-            <a:r>
-              <a:rPr b="0" lang="en-IN" sz="4400" spc="-1" strike="noStrike">
-                <a:solidFill>
-                  <a:srgbClr val="000000"/>
-                </a:solidFill>
-                <a:uFill>
-                  <a:solidFill>
-                    <a:srgbClr val="ffffff"/>
-                  </a:solidFill>
-                </a:uFill>
-                <a:latin typeface="Arial"/>
-              </a:rPr>
-              <a:t>t </a:t>
-            </a:r>
-            <a:r>
-              <a:rPr b="0" lang="en-IN" sz="4400" spc="-1" strike="noStrike">
-                <a:solidFill>
-                  <a:srgbClr val="000000"/>
-                </a:solidFill>
-                <a:uFill>
-                  <a:solidFill>
-                    <a:srgbClr val="ffffff"/>
-                  </a:solidFill>
-                </a:uFill>
-                <a:latin typeface="Arial"/>
-              </a:rPr>
-              <a:t>the </a:t>
-            </a:r>
-            <a:r>
-              <a:rPr b="0" lang="en-IN" sz="4400" spc="-1" strike="noStrike">
-                <a:solidFill>
-                  <a:srgbClr val="000000"/>
-                </a:solidFill>
-                <a:uFill>
-                  <a:solidFill>
-                    <a:srgbClr val="ffffff"/>
-                  </a:solidFill>
-                </a:uFill>
-                <a:latin typeface="Arial"/>
-              </a:rPr>
-              <a:t>titl</a:t>
-            </a:r>
-            <a:r>
-              <a:rPr b="0" lang="en-IN" sz="4400" spc="-1" strike="noStrike">
-                <a:solidFill>
-                  <a:srgbClr val="000000"/>
-                </a:solidFill>
-                <a:uFill>
-                  <a:solidFill>
-                    <a:srgbClr val="ffffff"/>
-                  </a:solidFill>
-                </a:uFill>
-                <a:latin typeface="Arial"/>
-              </a:rPr>
-              <a:t>e </a:t>
-            </a:r>
-            <a:r>
-              <a:rPr b="0" lang="en-IN" sz="4400" spc="-1" strike="noStrike">
-                <a:solidFill>
-                  <a:srgbClr val="000000"/>
-                </a:solidFill>
-                <a:uFill>
-                  <a:solidFill>
-                    <a:srgbClr val="ffffff"/>
-                  </a:solidFill>
-                </a:uFill>
-                <a:latin typeface="Arial"/>
-              </a:rPr>
-              <a:t>tex</a:t>
-            </a:r>
-            <a:r>
-              <a:rPr b="0" lang="en-IN" sz="4400" spc="-1" strike="noStrike">
-                <a:solidFill>
-                  <a:srgbClr val="000000"/>
-                </a:solidFill>
-                <a:uFill>
-                  <a:solidFill>
-                    <a:srgbClr val="ffffff"/>
-                  </a:solidFill>
-                </a:uFill>
-                <a:latin typeface="Arial"/>
-              </a:rPr>
-              <a:t>t </a:t>
-            </a:r>
-            <a:r>
-              <a:rPr b="0" lang="en-IN" sz="4400" spc="-1" strike="noStrike">
-                <a:solidFill>
-                  <a:srgbClr val="000000"/>
-                </a:solidFill>
-                <a:uFill>
-                  <a:solidFill>
-                    <a:srgbClr val="ffffff"/>
-                  </a:solidFill>
-                </a:uFill>
-                <a:latin typeface="Arial"/>
-              </a:rPr>
-              <a:t>for</a:t>
-            </a:r>
-            <a:r>
-              <a:rPr b="0" lang="en-IN" sz="4400" spc="-1" strike="noStrike">
-                <a:solidFill>
-                  <a:srgbClr val="000000"/>
-                </a:solidFill>
-                <a:uFill>
-                  <a:solidFill>
-                    <a:srgbClr val="ffffff"/>
-                  </a:solidFill>
-                </a:uFill>
-                <a:latin typeface="Arial"/>
-              </a:rPr>
-              <a:t>ma</a:t>
-            </a:r>
-            <a:r>
-              <a:rPr b="0" lang="en-IN" sz="4400" spc="-1" strike="noStrike">
-                <a:solidFill>
-                  <a:srgbClr val="000000"/>
-                </a:solidFill>
-                <a:uFill>
-                  <a:solidFill>
-                    <a:srgbClr val="ffffff"/>
-                  </a:solidFill>
-                </a:uFill>
-                <a:latin typeface="Arial"/>
-              </a:rPr>
-              <a:t>t</a:t>
+              <a:t>Click to edit the title text format</a:t>
             </a:r>
             <a:endParaRPr b="0" lang="en-IN" sz="4400" spc="-1" strike="noStrike">
               <a:solidFill>
@@ -12070,7 +11838,7 @@
         <p:spPr>
           <a:xfrm>
             <a:off x="503640" y="1768680"/>
-            <a:ext cx="9068040" cy="4380840"/>
+            <a:ext cx="9068400" cy="4381200"/>
           </a:xfrm>
           <a:prstGeom prst="rect">
             <a:avLst/>
@@ -12183,6 +11951,898 @@
           <p:childTnLst>
             <p:seq>
               <p:cTn id="2" nodeType="mainSeq"/>
+              <p:prevCondLst>
+                <p:cond delay="0" evt="onPrev">
+                  <p:tgtEl>
+                    <p:sldTgt/>
+                  </p:tgtEl>
+                </p:cond>
+              </p:prevCondLst>
+              <p:nextCondLst>
+                <p:cond delay="0" evt="onNext">
+                  <p:tgtEl>
+                    <p:sldTgt/>
+                  </p:tgtEl>
+                </p:cond>
+              </p:nextCondLst>
+            </p:seq>
+          </p:childTnLst>
+        </p:cTn>
+      </p:par>
+    </p:tnLst>
+  </p:timing>
+</p:sld>
+</file>
+
+<file path=ppt/slides/slide10.xml><?xml version="1.0" encoding="utf-8"?>
+<p:sld xmlns:a="http://schemas.openxmlformats.org/drawingml/2006/main" xmlns:p="http://schemas.openxmlformats.org/presentationml/2006/main" xmlns:r="http://schemas.openxmlformats.org/officeDocument/2006/relationships" xmlns:p14="http://schemas.microsoft.com/office/powerpoint/2010/main" xmlns:p15="http://schemas.microsoft.com/office/powerpoint/2012/main" xmlns:mc="http://schemas.openxmlformats.org/markup-compatibility/2006">
+  <p:cSld>
+    <p:spTree>
+      <p:nvGrpSpPr>
+        <p:cNvPr id="1" name=""/>
+        <p:cNvGrpSpPr/>
+        <p:nvPr/>
+      </p:nvGrpSpPr>
+      <p:grpSpPr>
+        <a:xfrm>
+          <a:off x="0" y="0"/>
+          <a:ext cx="0" cy="0"/>
+          <a:chOff x="0" y="0"/>
+          <a:chExt cx="0" cy="0"/>
+        </a:xfrm>
+      </p:grpSpPr>
+      <p:pic>
+        <p:nvPicPr>
+          <p:cNvPr id="309" name="" descr=""/>
+          <p:cNvPicPr/>
+          <p:nvPr/>
+        </p:nvPicPr>
+        <p:blipFill>
+          <a:blip r:embed="rId1"/>
+          <a:stretch/>
+        </p:blipFill>
+        <p:spPr>
+          <a:xfrm>
+            <a:off x="432360" y="1303200"/>
+            <a:ext cx="8192520" cy="5752080"/>
+          </a:xfrm>
+          <a:prstGeom prst="rect">
+            <a:avLst/>
+          </a:prstGeom>
+          <a:ln>
+            <a:noFill/>
+          </a:ln>
+        </p:spPr>
+      </p:pic>
+      <p:sp>
+        <p:nvSpPr>
+          <p:cNvPr id="310" name="TextShape 1"/>
+          <p:cNvSpPr txBox="1"/>
+          <p:nvPr/>
+        </p:nvSpPr>
+        <p:spPr>
+          <a:xfrm>
+            <a:off x="432720" y="33480"/>
+            <a:ext cx="9072360" cy="1262160"/>
+          </a:xfrm>
+          <a:prstGeom prst="rect">
+            <a:avLst/>
+          </a:prstGeom>
+          <a:noFill/>
+          <a:ln>
+            <a:noFill/>
+          </a:ln>
+        </p:spPr>
+        <p:txBody>
+          <a:bodyPr lIns="0" rIns="0" tIns="0" bIns="0" anchor="ctr"/>
+          <a:p>
+            <a:pPr>
+              <a:lnSpc>
+                <a:spcPts val="0"/>
+              </a:lnSpc>
+            </a:pPr>
+            <a:r>
+              <a:rPr b="1" lang="en-IN" sz="2500" spc="-1" strike="noStrike">
+                <a:solidFill>
+                  <a:srgbClr val="c00000"/>
+                </a:solidFill>
+                <a:uFill>
+                  <a:solidFill>
+                    <a:srgbClr val="ffffff"/>
+                  </a:solidFill>
+                </a:uFill>
+                <a:latin typeface="Microsoft YaHei"/>
+                <a:ea typeface="Microsoft YaHei"/>
+              </a:rPr>
+              <a:t>Edge node details</a:t>
+            </a:r>
+            <a:endParaRPr b="0" lang="en-IN" sz="4400" spc="-1" strike="noStrike">
+              <a:solidFill>
+                <a:srgbClr val="000000"/>
+              </a:solidFill>
+              <a:uFill>
+                <a:solidFill>
+                  <a:srgbClr val="ffffff"/>
+                </a:solidFill>
+              </a:uFill>
+              <a:latin typeface="Arial"/>
+            </a:endParaRPr>
+          </a:p>
+        </p:txBody>
+      </p:sp>
+    </p:spTree>
+  </p:cSld>
+  <p:timing>
+    <p:tnLst>
+      <p:par>
+        <p:cTn id="19" dur="indefinite" restart="never" nodeType="tmRoot">
+          <p:childTnLst>
+            <p:seq>
+              <p:cTn id="20" nodeType="mainSeq"/>
+              <p:prevCondLst>
+                <p:cond delay="0" evt="onPrev">
+                  <p:tgtEl>
+                    <p:sldTgt/>
+                  </p:tgtEl>
+                </p:cond>
+              </p:prevCondLst>
+              <p:nextCondLst>
+                <p:cond delay="0" evt="onNext">
+                  <p:tgtEl>
+                    <p:sldTgt/>
+                  </p:tgtEl>
+                </p:cond>
+              </p:nextCondLst>
+            </p:seq>
+          </p:childTnLst>
+        </p:cTn>
+      </p:par>
+    </p:tnLst>
+  </p:timing>
+</p:sld>
+</file>
+
+<file path=ppt/slides/slide11.xml><?xml version="1.0" encoding="utf-8"?>
+<p:sld xmlns:a="http://schemas.openxmlformats.org/drawingml/2006/main" xmlns:p="http://schemas.openxmlformats.org/presentationml/2006/main" xmlns:r="http://schemas.openxmlformats.org/officeDocument/2006/relationships" xmlns:p14="http://schemas.microsoft.com/office/powerpoint/2010/main" xmlns:p15="http://schemas.microsoft.com/office/powerpoint/2012/main" xmlns:mc="http://schemas.openxmlformats.org/markup-compatibility/2006">
+  <p:cSld>
+    <p:spTree>
+      <p:nvGrpSpPr>
+        <p:cNvPr id="1" name=""/>
+        <p:cNvGrpSpPr/>
+        <p:nvPr/>
+      </p:nvGrpSpPr>
+      <p:grpSpPr>
+        <a:xfrm>
+          <a:off x="0" y="0"/>
+          <a:ext cx="0" cy="0"/>
+          <a:chOff x="0" y="0"/>
+          <a:chExt cx="0" cy="0"/>
+        </a:xfrm>
+      </p:grpSpPr>
+      <p:pic>
+        <p:nvPicPr>
+          <p:cNvPr id="311" name="" descr=""/>
+          <p:cNvPicPr/>
+          <p:nvPr/>
+        </p:nvPicPr>
+        <p:blipFill>
+          <a:blip r:embed="rId1"/>
+          <a:stretch/>
+        </p:blipFill>
+        <p:spPr>
+          <a:xfrm>
+            <a:off x="446400" y="1223640"/>
+            <a:ext cx="7257960" cy="5076000"/>
+          </a:xfrm>
+          <a:prstGeom prst="rect">
+            <a:avLst/>
+          </a:prstGeom>
+          <a:ln>
+            <a:noFill/>
+          </a:ln>
+        </p:spPr>
+      </p:pic>
+      <p:sp>
+        <p:nvSpPr>
+          <p:cNvPr id="312" name="TextShape 1"/>
+          <p:cNvSpPr txBox="1"/>
+          <p:nvPr/>
+        </p:nvSpPr>
+        <p:spPr>
+          <a:xfrm>
+            <a:off x="432720" y="33480"/>
+            <a:ext cx="9072360" cy="1262160"/>
+          </a:xfrm>
+          <a:prstGeom prst="rect">
+            <a:avLst/>
+          </a:prstGeom>
+          <a:noFill/>
+          <a:ln>
+            <a:noFill/>
+          </a:ln>
+        </p:spPr>
+        <p:txBody>
+          <a:bodyPr lIns="0" rIns="0" tIns="0" bIns="0" anchor="ctr"/>
+          <a:p>
+            <a:pPr>
+              <a:lnSpc>
+                <a:spcPts val="0"/>
+              </a:lnSpc>
+            </a:pPr>
+            <a:r>
+              <a:rPr b="1" lang="en-IN" sz="2500" spc="-1" strike="noStrike">
+                <a:solidFill>
+                  <a:srgbClr val="c00000"/>
+                </a:solidFill>
+                <a:uFill>
+                  <a:solidFill>
+                    <a:srgbClr val="ffffff"/>
+                  </a:solidFill>
+                </a:uFill>
+                <a:latin typeface="Microsoft YaHei"/>
+                <a:ea typeface="Microsoft YaHei"/>
+              </a:rPr>
+              <a:t>App instance Management</a:t>
+            </a:r>
+            <a:endParaRPr b="0" lang="en-IN" sz="4400" spc="-1" strike="noStrike">
+              <a:solidFill>
+                <a:srgbClr val="000000"/>
+              </a:solidFill>
+              <a:uFill>
+                <a:solidFill>
+                  <a:srgbClr val="ffffff"/>
+                </a:solidFill>
+              </a:uFill>
+              <a:latin typeface="Arial"/>
+            </a:endParaRPr>
+          </a:p>
+        </p:txBody>
+      </p:sp>
+    </p:spTree>
+  </p:cSld>
+  <p:timing>
+    <p:tnLst>
+      <p:par>
+        <p:cTn id="21" dur="indefinite" restart="never" nodeType="tmRoot">
+          <p:childTnLst>
+            <p:seq>
+              <p:cTn id="22" nodeType="mainSeq"/>
+              <p:prevCondLst>
+                <p:cond delay="0" evt="onPrev">
+                  <p:tgtEl>
+                    <p:sldTgt/>
+                  </p:tgtEl>
+                </p:cond>
+              </p:prevCondLst>
+              <p:nextCondLst>
+                <p:cond delay="0" evt="onNext">
+                  <p:tgtEl>
+                    <p:sldTgt/>
+                  </p:tgtEl>
+                </p:cond>
+              </p:nextCondLst>
+            </p:seq>
+          </p:childTnLst>
+        </p:cTn>
+      </p:par>
+    </p:tnLst>
+  </p:timing>
+</p:sld>
+</file>
+
+<file path=ppt/slides/slide12.xml><?xml version="1.0" encoding="utf-8"?>
+<p:sld xmlns:a="http://schemas.openxmlformats.org/drawingml/2006/main" xmlns:p="http://schemas.openxmlformats.org/presentationml/2006/main" xmlns:r="http://schemas.openxmlformats.org/officeDocument/2006/relationships" xmlns:p14="http://schemas.microsoft.com/office/powerpoint/2010/main" xmlns:p15="http://schemas.microsoft.com/office/powerpoint/2012/main" xmlns:mc="http://schemas.openxmlformats.org/markup-compatibility/2006">
+  <p:cSld>
+    <p:spTree>
+      <p:nvGrpSpPr>
+        <p:cNvPr id="1" name=""/>
+        <p:cNvGrpSpPr/>
+        <p:nvPr/>
+      </p:nvGrpSpPr>
+      <p:grpSpPr>
+        <a:xfrm>
+          <a:off x="0" y="0"/>
+          <a:ext cx="0" cy="0"/>
+          <a:chOff x="0" y="0"/>
+          <a:chExt cx="0" cy="0"/>
+        </a:xfrm>
+      </p:grpSpPr>
+      <p:pic>
+        <p:nvPicPr>
+          <p:cNvPr id="313" name="" descr=""/>
+          <p:cNvPicPr/>
+          <p:nvPr/>
+        </p:nvPicPr>
+        <p:blipFill>
+          <a:blip r:embed="rId1"/>
+          <a:stretch/>
+        </p:blipFill>
+        <p:spPr>
+          <a:xfrm>
+            <a:off x="432360" y="1245600"/>
+            <a:ext cx="7067520" cy="5161680"/>
+          </a:xfrm>
+          <a:prstGeom prst="rect">
+            <a:avLst/>
+          </a:prstGeom>
+          <a:ln>
+            <a:noFill/>
+          </a:ln>
+        </p:spPr>
+      </p:pic>
+      <p:sp>
+        <p:nvSpPr>
+          <p:cNvPr id="314" name="TextShape 1"/>
+          <p:cNvSpPr txBox="1"/>
+          <p:nvPr/>
+        </p:nvSpPr>
+        <p:spPr>
+          <a:xfrm>
+            <a:off x="432720" y="33480"/>
+            <a:ext cx="9072360" cy="1262160"/>
+          </a:xfrm>
+          <a:prstGeom prst="rect">
+            <a:avLst/>
+          </a:prstGeom>
+          <a:noFill/>
+          <a:ln>
+            <a:noFill/>
+          </a:ln>
+        </p:spPr>
+        <p:txBody>
+          <a:bodyPr lIns="0" rIns="0" tIns="0" bIns="0" anchor="ctr"/>
+          <a:p>
+            <a:pPr>
+              <a:lnSpc>
+                <a:spcPts val="0"/>
+              </a:lnSpc>
+            </a:pPr>
+            <a:r>
+              <a:rPr b="1" lang="en-IN" sz="2500" spc="-1" strike="noStrike">
+                <a:solidFill>
+                  <a:srgbClr val="c00000"/>
+                </a:solidFill>
+                <a:uFill>
+                  <a:solidFill>
+                    <a:srgbClr val="ffffff"/>
+                  </a:solidFill>
+                </a:uFill>
+                <a:latin typeface="Microsoft YaHei"/>
+                <a:ea typeface="Microsoft YaHei"/>
+              </a:rPr>
+              <a:t>App Instance Management -Actions</a:t>
+            </a:r>
+            <a:endParaRPr b="0" lang="en-IN" sz="4400" spc="-1" strike="noStrike">
+              <a:solidFill>
+                <a:srgbClr val="000000"/>
+              </a:solidFill>
+              <a:uFill>
+                <a:solidFill>
+                  <a:srgbClr val="ffffff"/>
+                </a:solidFill>
+              </a:uFill>
+              <a:latin typeface="Arial"/>
+            </a:endParaRPr>
+          </a:p>
+        </p:txBody>
+      </p:sp>
+    </p:spTree>
+  </p:cSld>
+  <p:timing>
+    <p:tnLst>
+      <p:par>
+        <p:cTn id="23" dur="indefinite" restart="never" nodeType="tmRoot">
+          <p:childTnLst>
+            <p:seq>
+              <p:cTn id="24" nodeType="mainSeq"/>
+              <p:prevCondLst>
+                <p:cond delay="0" evt="onPrev">
+                  <p:tgtEl>
+                    <p:sldTgt/>
+                  </p:tgtEl>
+                </p:cond>
+              </p:prevCondLst>
+              <p:nextCondLst>
+                <p:cond delay="0" evt="onNext">
+                  <p:tgtEl>
+                    <p:sldTgt/>
+                  </p:tgtEl>
+                </p:cond>
+              </p:nextCondLst>
+            </p:seq>
+          </p:childTnLst>
+        </p:cTn>
+      </p:par>
+    </p:tnLst>
+  </p:timing>
+</p:sld>
+</file>
+
+<file path=ppt/slides/slide13.xml><?xml version="1.0" encoding="utf-8"?>
+<p:sld xmlns:a="http://schemas.openxmlformats.org/drawingml/2006/main" xmlns:p="http://schemas.openxmlformats.org/presentationml/2006/main" xmlns:r="http://schemas.openxmlformats.org/officeDocument/2006/relationships" xmlns:p14="http://schemas.microsoft.com/office/powerpoint/2010/main" xmlns:p15="http://schemas.microsoft.com/office/powerpoint/2012/main" xmlns:mc="http://schemas.openxmlformats.org/markup-compatibility/2006">
+  <p:cSld>
+    <p:spTree>
+      <p:nvGrpSpPr>
+        <p:cNvPr id="1" name=""/>
+        <p:cNvGrpSpPr/>
+        <p:nvPr/>
+      </p:nvGrpSpPr>
+      <p:grpSpPr>
+        <a:xfrm>
+          <a:off x="0" y="0"/>
+          <a:ext cx="0" cy="0"/>
+          <a:chOff x="0" y="0"/>
+          <a:chExt cx="0" cy="0"/>
+        </a:xfrm>
+      </p:grpSpPr>
+      <p:pic>
+        <p:nvPicPr>
+          <p:cNvPr id="315" name="" descr=""/>
+          <p:cNvPicPr/>
+          <p:nvPr/>
+        </p:nvPicPr>
+        <p:blipFill>
+          <a:blip r:embed="rId1"/>
+          <a:stretch/>
+        </p:blipFill>
+        <p:spPr>
+          <a:xfrm>
+            <a:off x="445320" y="1223640"/>
+            <a:ext cx="7115040" cy="4923720"/>
+          </a:xfrm>
+          <a:prstGeom prst="rect">
+            <a:avLst/>
+          </a:prstGeom>
+          <a:ln>
+            <a:noFill/>
+          </a:ln>
+        </p:spPr>
+      </p:pic>
+      <p:sp>
+        <p:nvSpPr>
+          <p:cNvPr id="316" name="TextShape 1"/>
+          <p:cNvSpPr txBox="1"/>
+          <p:nvPr/>
+        </p:nvSpPr>
+        <p:spPr>
+          <a:xfrm>
+            <a:off x="432720" y="33480"/>
+            <a:ext cx="9072360" cy="1262160"/>
+          </a:xfrm>
+          <a:prstGeom prst="rect">
+            <a:avLst/>
+          </a:prstGeom>
+          <a:noFill/>
+          <a:ln>
+            <a:noFill/>
+          </a:ln>
+        </p:spPr>
+        <p:txBody>
+          <a:bodyPr lIns="0" rIns="0" tIns="0" bIns="0" anchor="ctr"/>
+          <a:p>
+            <a:pPr>
+              <a:lnSpc>
+                <a:spcPts val="0"/>
+              </a:lnSpc>
+            </a:pPr>
+            <a:r>
+              <a:rPr b="1" lang="en-IN" sz="2500" spc="-1" strike="noStrike">
+                <a:solidFill>
+                  <a:srgbClr val="c00000"/>
+                </a:solidFill>
+                <a:uFill>
+                  <a:solidFill>
+                    <a:srgbClr val="ffffff"/>
+                  </a:solidFill>
+                </a:uFill>
+                <a:latin typeface="Microsoft YaHei"/>
+                <a:ea typeface="Microsoft YaHei"/>
+              </a:rPr>
+              <a:t>EdgeNodes</a:t>
+            </a:r>
+            <a:endParaRPr b="0" lang="en-IN" sz="4400" spc="-1" strike="noStrike">
+              <a:solidFill>
+                <a:srgbClr val="000000"/>
+              </a:solidFill>
+              <a:uFill>
+                <a:solidFill>
+                  <a:srgbClr val="ffffff"/>
+                </a:solidFill>
+              </a:uFill>
+              <a:latin typeface="Arial"/>
+            </a:endParaRPr>
+          </a:p>
+        </p:txBody>
+      </p:sp>
+    </p:spTree>
+  </p:cSld>
+  <p:timing>
+    <p:tnLst>
+      <p:par>
+        <p:cTn id="25" dur="indefinite" restart="never" nodeType="tmRoot">
+          <p:childTnLst>
+            <p:seq>
+              <p:cTn id="26" nodeType="mainSeq"/>
+              <p:prevCondLst>
+                <p:cond delay="0" evt="onPrev">
+                  <p:tgtEl>
+                    <p:sldTgt/>
+                  </p:tgtEl>
+                </p:cond>
+              </p:prevCondLst>
+              <p:nextCondLst>
+                <p:cond delay="0" evt="onNext">
+                  <p:tgtEl>
+                    <p:sldTgt/>
+                  </p:tgtEl>
+                </p:cond>
+              </p:nextCondLst>
+            </p:seq>
+          </p:childTnLst>
+        </p:cTn>
+      </p:par>
+    </p:tnLst>
+  </p:timing>
+</p:sld>
+</file>
+
+<file path=ppt/slides/slide14.xml><?xml version="1.0" encoding="utf-8"?>
+<p:sld xmlns:a="http://schemas.openxmlformats.org/drawingml/2006/main" xmlns:p="http://schemas.openxmlformats.org/presentationml/2006/main" xmlns:r="http://schemas.openxmlformats.org/officeDocument/2006/relationships" xmlns:p14="http://schemas.microsoft.com/office/powerpoint/2010/main" xmlns:p15="http://schemas.microsoft.com/office/powerpoint/2012/main" xmlns:mc="http://schemas.openxmlformats.org/markup-compatibility/2006">
+  <p:cSld>
+    <p:spTree>
+      <p:nvGrpSpPr>
+        <p:cNvPr id="1" name=""/>
+        <p:cNvGrpSpPr/>
+        <p:nvPr/>
+      </p:nvGrpSpPr>
+      <p:grpSpPr>
+        <a:xfrm>
+          <a:off x="0" y="0"/>
+          <a:ext cx="0" cy="0"/>
+          <a:chOff x="0" y="0"/>
+          <a:chExt cx="0" cy="0"/>
+        </a:xfrm>
+      </p:grpSpPr>
+      <p:pic>
+        <p:nvPicPr>
+          <p:cNvPr id="317" name="" descr=""/>
+          <p:cNvPicPr/>
+          <p:nvPr/>
+        </p:nvPicPr>
+        <p:blipFill>
+          <a:blip r:embed="rId1"/>
+          <a:stretch/>
+        </p:blipFill>
+        <p:spPr>
+          <a:xfrm>
+            <a:off x="432360" y="1220040"/>
+            <a:ext cx="7134120" cy="4971240"/>
+          </a:xfrm>
+          <a:prstGeom prst="rect">
+            <a:avLst/>
+          </a:prstGeom>
+          <a:ln>
+            <a:noFill/>
+          </a:ln>
+        </p:spPr>
+      </p:pic>
+      <p:sp>
+        <p:nvSpPr>
+          <p:cNvPr id="318" name="TextShape 1"/>
+          <p:cNvSpPr txBox="1"/>
+          <p:nvPr/>
+        </p:nvSpPr>
+        <p:spPr>
+          <a:xfrm>
+            <a:off x="432720" y="33480"/>
+            <a:ext cx="9072360" cy="1262160"/>
+          </a:xfrm>
+          <a:prstGeom prst="rect">
+            <a:avLst/>
+          </a:prstGeom>
+          <a:noFill/>
+          <a:ln>
+            <a:noFill/>
+          </a:ln>
+        </p:spPr>
+        <p:txBody>
+          <a:bodyPr lIns="0" rIns="0" tIns="0" bIns="0" anchor="ctr"/>
+          <a:p>
+            <a:pPr>
+              <a:lnSpc>
+                <a:spcPts val="0"/>
+              </a:lnSpc>
+            </a:pPr>
+            <a:r>
+              <a:rPr b="1" lang="en-IN" sz="2500" spc="-1" strike="noStrike">
+                <a:solidFill>
+                  <a:srgbClr val="c00000"/>
+                </a:solidFill>
+                <a:uFill>
+                  <a:solidFill>
+                    <a:srgbClr val="ffffff"/>
+                  </a:solidFill>
+                </a:uFill>
+                <a:latin typeface="Microsoft YaHei"/>
+                <a:ea typeface="Microsoft YaHei"/>
+              </a:rPr>
+              <a:t>EdgeNodes - Action</a:t>
+            </a:r>
+            <a:endParaRPr b="0" lang="en-IN" sz="4400" spc="-1" strike="noStrike">
+              <a:solidFill>
+                <a:srgbClr val="000000"/>
+              </a:solidFill>
+              <a:uFill>
+                <a:solidFill>
+                  <a:srgbClr val="ffffff"/>
+                </a:solidFill>
+              </a:uFill>
+              <a:latin typeface="Arial"/>
+            </a:endParaRPr>
+          </a:p>
+        </p:txBody>
+      </p:sp>
+    </p:spTree>
+  </p:cSld>
+  <p:timing>
+    <p:tnLst>
+      <p:par>
+        <p:cTn id="27" dur="indefinite" restart="never" nodeType="tmRoot">
+          <p:childTnLst>
+            <p:seq>
+              <p:cTn id="28" nodeType="mainSeq"/>
+              <p:prevCondLst>
+                <p:cond delay="0" evt="onPrev">
+                  <p:tgtEl>
+                    <p:sldTgt/>
+                  </p:tgtEl>
+                </p:cond>
+              </p:prevCondLst>
+              <p:nextCondLst>
+                <p:cond delay="0" evt="onNext">
+                  <p:tgtEl>
+                    <p:sldTgt/>
+                  </p:tgtEl>
+                </p:cond>
+              </p:nextCondLst>
+            </p:seq>
+          </p:childTnLst>
+        </p:cTn>
+      </p:par>
+    </p:tnLst>
+  </p:timing>
+</p:sld>
+</file>
+
+<file path=ppt/slides/slide15.xml><?xml version="1.0" encoding="utf-8"?>
+<p:sld xmlns:a="http://schemas.openxmlformats.org/drawingml/2006/main" xmlns:p="http://schemas.openxmlformats.org/presentationml/2006/main" xmlns:r="http://schemas.openxmlformats.org/officeDocument/2006/relationships" xmlns:p14="http://schemas.microsoft.com/office/powerpoint/2010/main" xmlns:p15="http://schemas.microsoft.com/office/powerpoint/2012/main" xmlns:mc="http://schemas.openxmlformats.org/markup-compatibility/2006">
+  <p:cSld>
+    <p:spTree>
+      <p:nvGrpSpPr>
+        <p:cNvPr id="1" name=""/>
+        <p:cNvGrpSpPr/>
+        <p:nvPr/>
+      </p:nvGrpSpPr>
+      <p:grpSpPr>
+        <a:xfrm>
+          <a:off x="0" y="0"/>
+          <a:ext cx="0" cy="0"/>
+          <a:chOff x="0" y="0"/>
+          <a:chExt cx="0" cy="0"/>
+        </a:xfrm>
+      </p:grpSpPr>
+      <p:sp>
+        <p:nvSpPr>
+          <p:cNvPr id="319" name="TextShape 1"/>
+          <p:cNvSpPr txBox="1"/>
+          <p:nvPr/>
+        </p:nvSpPr>
+        <p:spPr>
+          <a:xfrm>
+            <a:off x="504000" y="301320"/>
+            <a:ext cx="9072000" cy="1261800"/>
+          </a:xfrm>
+          <a:prstGeom prst="rect">
+            <a:avLst/>
+          </a:prstGeom>
+          <a:noFill/>
+          <a:ln>
+            <a:noFill/>
+          </a:ln>
+        </p:spPr>
+        <p:txBody>
+          <a:bodyPr lIns="0" rIns="0" tIns="0" bIns="0" anchor="ctr"/>
+          <a:p>
+            <a:r>
+              <a:rPr b="0" lang="en-IN" sz="4400" spc="-1" strike="noStrike">
+                <a:solidFill>
+                  <a:srgbClr val="000000"/>
+                </a:solidFill>
+                <a:uFill>
+                  <a:solidFill>
+                    <a:srgbClr val="ffffff"/>
+                  </a:solidFill>
+                </a:uFill>
+                <a:latin typeface="Arial"/>
+              </a:rPr>
+              <a:t>Open Points</a:t>
+            </a:r>
+            <a:endParaRPr b="0" lang="en-IN" sz="4400" spc="-1" strike="noStrike">
+              <a:solidFill>
+                <a:srgbClr val="000000"/>
+              </a:solidFill>
+              <a:uFill>
+                <a:solidFill>
+                  <a:srgbClr val="ffffff"/>
+                </a:solidFill>
+              </a:uFill>
+              <a:latin typeface="Arial"/>
+            </a:endParaRPr>
+          </a:p>
+        </p:txBody>
+      </p:sp>
+      <p:sp>
+        <p:nvSpPr>
+          <p:cNvPr id="320" name="TextShape 2"/>
+          <p:cNvSpPr txBox="1"/>
+          <p:nvPr/>
+        </p:nvSpPr>
+        <p:spPr>
+          <a:xfrm>
+            <a:off x="504000" y="1768680"/>
+            <a:ext cx="9072000" cy="4384080"/>
+          </a:xfrm>
+          <a:prstGeom prst="rect">
+            <a:avLst/>
+          </a:prstGeom>
+          <a:noFill/>
+          <a:ln>
+            <a:noFill/>
+          </a:ln>
+        </p:spPr>
+        <p:txBody>
+          <a:bodyPr lIns="0" rIns="0" tIns="0" bIns="0"/>
+          <a:p>
+            <a:pPr marL="432000" indent="-324000">
+              <a:buClr>
+                <a:srgbClr val="000000"/>
+              </a:buClr>
+              <a:buSzPct val="45000"/>
+              <a:buFont typeface="Wingdings" charset="2"/>
+              <a:buChar char=""/>
+            </a:pPr>
+            <a:r>
+              <a:rPr b="0" lang="en-IN" sz="3200" spc="-1" strike="noStrike">
+                <a:solidFill>
+                  <a:srgbClr val="000000"/>
+                </a:solidFill>
+                <a:uFill>
+                  <a:solidFill>
+                    <a:srgbClr val="ffffff"/>
+                  </a:solidFill>
+                </a:uFill>
+                <a:latin typeface="Arial"/>
+              </a:rPr>
+              <a:t>User-mgmt is not currently available in edge. So login feature can’t be supported.</a:t>
+            </a:r>
+            <a:endParaRPr b="0" lang="en-IN" sz="3200" spc="-1" strike="noStrike">
+              <a:solidFill>
+                <a:srgbClr val="000000"/>
+              </a:solidFill>
+              <a:uFill>
+                <a:solidFill>
+                  <a:srgbClr val="ffffff"/>
+                </a:solidFill>
+              </a:uFill>
+              <a:latin typeface="Arial"/>
+            </a:endParaRPr>
+          </a:p>
+          <a:p>
+            <a:pPr marL="432000" indent="-324000">
+              <a:buClr>
+                <a:srgbClr val="000000"/>
+              </a:buClr>
+              <a:buSzPct val="45000"/>
+              <a:buFont typeface="Wingdings" charset="2"/>
+              <a:buChar char=""/>
+            </a:pPr>
+            <a:r>
+              <a:rPr b="0" lang="en-IN" sz="3200" spc="-1" strike="noStrike">
+                <a:solidFill>
+                  <a:srgbClr val="000000"/>
+                </a:solidFill>
+                <a:uFill>
+                  <a:solidFill>
+                    <a:srgbClr val="ffffff"/>
+                  </a:solidFill>
+                </a:uFill>
+                <a:latin typeface="Arial"/>
+              </a:rPr>
+              <a:t>User will have option to provide tenant id.</a:t>
+            </a:r>
+            <a:endParaRPr b="0" lang="en-IN" sz="3200" spc="-1" strike="noStrike">
+              <a:solidFill>
+                <a:srgbClr val="000000"/>
+              </a:solidFill>
+              <a:uFill>
+                <a:solidFill>
+                  <a:srgbClr val="ffffff"/>
+                </a:solidFill>
+              </a:uFill>
+              <a:latin typeface="Arial"/>
+            </a:endParaRPr>
+          </a:p>
+          <a:p>
+            <a:pPr marL="432000" indent="-324000">
+              <a:buClr>
+                <a:srgbClr val="000000"/>
+              </a:buClr>
+              <a:buSzPct val="45000"/>
+              <a:buFont typeface="Wingdings" charset="2"/>
+              <a:buChar char=""/>
+            </a:pPr>
+            <a:r>
+              <a:rPr b="0" lang="en-IN" sz="3200" spc="-1" strike="noStrike">
+                <a:solidFill>
+                  <a:srgbClr val="000000"/>
+                </a:solidFill>
+                <a:uFill>
+                  <a:solidFill>
+                    <a:srgbClr val="ffffff"/>
+                  </a:solidFill>
+                </a:uFill>
+                <a:latin typeface="Arial"/>
+              </a:rPr>
+              <a:t>If tenant id is not provided, then mepm portal will use default tenant id to support syncronization.</a:t>
+            </a:r>
+            <a:endParaRPr b="0" lang="en-IN" sz="3200" spc="-1" strike="noStrike">
+              <a:solidFill>
+                <a:srgbClr val="000000"/>
+              </a:solidFill>
+              <a:uFill>
+                <a:solidFill>
+                  <a:srgbClr val="ffffff"/>
+                </a:solidFill>
+              </a:uFill>
+              <a:latin typeface="Arial"/>
+            </a:endParaRPr>
+          </a:p>
+        </p:txBody>
+      </p:sp>
+    </p:spTree>
+  </p:cSld>
+</p:sld>
+</file>
+
+<file path=ppt/slides/slide16.xml><?xml version="1.0" encoding="utf-8"?>
+<p:sld xmlns:a="http://schemas.openxmlformats.org/drawingml/2006/main" xmlns:p="http://schemas.openxmlformats.org/presentationml/2006/main" xmlns:r="http://schemas.openxmlformats.org/officeDocument/2006/relationships" xmlns:p14="http://schemas.microsoft.com/office/powerpoint/2010/main" xmlns:p15="http://schemas.microsoft.com/office/powerpoint/2012/main" xmlns:mc="http://schemas.openxmlformats.org/markup-compatibility/2006">
+  <p:cSld>
+    <p:spTree>
+      <p:nvGrpSpPr>
+        <p:cNvPr id="1" name=""/>
+        <p:cNvGrpSpPr/>
+        <p:nvPr/>
+      </p:nvGrpSpPr>
+      <p:grpSpPr>
+        <a:xfrm>
+          <a:off x="0" y="0"/>
+          <a:ext cx="0" cy="0"/>
+          <a:chOff x="0" y="0"/>
+          <a:chExt cx="0" cy="0"/>
+        </a:xfrm>
+      </p:grpSpPr>
+    </p:spTree>
+  </p:cSld>
+  <p:transition spd="med">
+    <p:fade/>
+  </p:transition>
+  <p:timing>
+    <p:tnLst>
+      <p:par>
+        <p:cTn id="29" dur="indefinite" restart="never" nodeType="tmRoot">
+          <p:childTnLst>
+            <p:seq>
+              <p:cTn id="30" nodeType="mainSeq"/>
               <p:prevCondLst>
                 <p:cond delay="0" evt="onPrev">
                   <p:tgtEl>
@@ -12232,7 +12892,7 @@
         <p:spPr>
           <a:xfrm>
             <a:off x="504000" y="147600"/>
-            <a:ext cx="9284040" cy="938160"/>
+            <a:ext cx="9284400" cy="938520"/>
           </a:xfrm>
           <a:prstGeom prst="rect">
             <a:avLst/>
@@ -12366,7 +13026,7 @@
         <p:spPr>
           <a:xfrm>
             <a:off x="477360" y="1037880"/>
-            <a:ext cx="9312480" cy="6231600"/>
+            <a:ext cx="9312840" cy="6231960"/>
           </a:xfrm>
           <a:prstGeom prst="rect">
             <a:avLst/>
@@ -12487,7 +13147,7 @@
             </a:endParaRPr>
           </a:p>
           <a:p>
-            <a:pPr marL="216000" indent="-213480">
+            <a:pPr marL="216000" indent="-213840">
               <a:lnSpc>
                 <a:spcPct val="100000"/>
               </a:lnSpc>
@@ -12598,7 +13258,7 @@
             </a:endParaRPr>
           </a:p>
           <a:p>
-            <a:pPr marL="216000" indent="-213480">
+            <a:pPr marL="216000" indent="-213840">
               <a:lnSpc>
                 <a:spcPct val="100000"/>
               </a:lnSpc>
@@ -12679,7 +13339,7 @@
             </a:endParaRPr>
           </a:p>
           <a:p>
-            <a:pPr marL="216000" indent="-213480">
+            <a:pPr marL="216000" indent="-213840">
               <a:lnSpc>
                 <a:spcPct val="100000"/>
               </a:lnSpc>
@@ -13920,7 +14580,7 @@
         <p:spPr>
           <a:xfrm>
             <a:off x="944640" y="6091560"/>
-            <a:ext cx="4309200" cy="746280"/>
+            <a:ext cx="4309560" cy="746640"/>
           </a:xfrm>
           <a:prstGeom prst="rect">
             <a:avLst/>
@@ -13987,7 +14647,7 @@
         <p:spPr>
           <a:xfrm>
             <a:off x="181440" y="792000"/>
-            <a:ext cx="5828400" cy="6260400"/>
+            <a:ext cx="5828760" cy="6260760"/>
           </a:xfrm>
           <a:prstGeom prst="rect">
             <a:avLst/>
@@ -14017,7 +14677,7 @@
         <p:spPr>
           <a:xfrm>
             <a:off x="0" y="0"/>
-            <a:ext cx="8132400" cy="555840"/>
+            <a:ext cx="8132760" cy="556200"/>
           </a:xfrm>
           <a:prstGeom prst="rect">
             <a:avLst/>
@@ -14079,7 +14739,7 @@
         <p:spPr>
           <a:xfrm>
             <a:off x="360000" y="1060560"/>
-            <a:ext cx="1091160" cy="2846520"/>
+            <a:ext cx="1091520" cy="2846880"/>
           </a:xfrm>
           <a:prstGeom prst="rect">
             <a:avLst/>
@@ -14110,7 +14770,7 @@
         <p:spPr>
           <a:xfrm>
             <a:off x="-5441760" y="2586600"/>
-            <a:ext cx="2865600" cy="3848400"/>
+            <a:ext cx="2865960" cy="3848760"/>
           </a:xfrm>
           <a:prstGeom prst="rect">
             <a:avLst/>
@@ -14141,7 +14801,7 @@
         <p:spPr>
           <a:xfrm>
             <a:off x="433080" y="2791080"/>
-            <a:ext cx="945360" cy="912960"/>
+            <a:ext cx="945720" cy="913320"/>
           </a:xfrm>
           <a:prstGeom prst="rect">
             <a:avLst/>
@@ -14208,7 +14868,7 @@
         <p:spPr>
           <a:xfrm>
             <a:off x="433080" y="1722240"/>
-            <a:ext cx="945360" cy="810720"/>
+            <a:ext cx="945720" cy="811080"/>
           </a:xfrm>
           <a:prstGeom prst="rect">
             <a:avLst/>
@@ -14275,7 +14935,7 @@
         <p:spPr>
           <a:xfrm>
             <a:off x="1539360" y="2027520"/>
-            <a:ext cx="2988360" cy="912960"/>
+            <a:ext cx="2988720" cy="913320"/>
           </a:xfrm>
           <a:prstGeom prst="rect">
             <a:avLst/>
@@ -14342,7 +15002,7 @@
         <p:spPr>
           <a:xfrm>
             <a:off x="1539360" y="1060560"/>
-            <a:ext cx="1482480" cy="810720"/>
+            <a:ext cx="1482840" cy="811080"/>
           </a:xfrm>
           <a:prstGeom prst="rect">
             <a:avLst/>
@@ -14409,7 +15069,7 @@
         <p:spPr>
           <a:xfrm>
             <a:off x="3144960" y="1060560"/>
-            <a:ext cx="1383120" cy="810720"/>
+            <a:ext cx="1383480" cy="811080"/>
           </a:xfrm>
           <a:prstGeom prst="rect">
             <a:avLst/>
@@ -14476,7 +15136,7 @@
         <p:spPr>
           <a:xfrm>
             <a:off x="1539360" y="3096360"/>
-            <a:ext cx="1456200" cy="810720"/>
+            <a:ext cx="1456560" cy="811080"/>
           </a:xfrm>
           <a:prstGeom prst="rect">
             <a:avLst/>
@@ -14543,7 +15203,7 @@
         <p:spPr>
           <a:xfrm>
             <a:off x="4604760" y="1060560"/>
-            <a:ext cx="1091160" cy="2846520"/>
+            <a:ext cx="1091520" cy="2846880"/>
           </a:xfrm>
           <a:prstGeom prst="rect">
             <a:avLst/>
@@ -14573,8 +15233,8 @@
         </p:nvSpPr>
         <p:spPr>
           <a:xfrm rot="1200">
-            <a:off x="4783680" y="1017000"/>
-            <a:ext cx="835920" cy="547560"/>
+            <a:off x="4784040" y="1017000"/>
+            <a:ext cx="836280" cy="547920"/>
           </a:xfrm>
           <a:prstGeom prst="rect">
             <a:avLst/>
@@ -14636,7 +15296,7 @@
         <p:spPr>
           <a:xfrm>
             <a:off x="4677840" y="2435040"/>
-            <a:ext cx="945360" cy="606240"/>
+            <a:ext cx="945720" cy="606600"/>
           </a:xfrm>
           <a:prstGeom prst="rect">
             <a:avLst/>
@@ -14703,7 +15363,7 @@
         <p:spPr>
           <a:xfrm>
             <a:off x="4677840" y="1722240"/>
-            <a:ext cx="945360" cy="555480"/>
+            <a:ext cx="945720" cy="555840"/>
           </a:xfrm>
           <a:prstGeom prst="rect">
             <a:avLst/>
@@ -14770,7 +15430,7 @@
         <p:spPr>
           <a:xfrm>
             <a:off x="3144960" y="3096360"/>
-            <a:ext cx="1383120" cy="810720"/>
+            <a:ext cx="1383480" cy="811080"/>
           </a:xfrm>
           <a:prstGeom prst="rect">
             <a:avLst/>
@@ -14837,7 +15497,7 @@
         <p:spPr>
           <a:xfrm>
             <a:off x="4677840" y="3198600"/>
-            <a:ext cx="945360" cy="606240"/>
+            <a:ext cx="945720" cy="606600"/>
           </a:xfrm>
           <a:prstGeom prst="rect">
             <a:avLst/>
@@ -14904,7 +15564,7 @@
         <p:spPr>
           <a:xfrm>
             <a:off x="2962440" y="6024240"/>
-            <a:ext cx="172800" cy="284760"/>
+            <a:ext cx="173160" cy="285120"/>
           </a:xfrm>
           <a:prstGeom prst="upDownArrow">
             <a:avLst>
@@ -14936,7 +15596,7 @@
         <p:spPr>
           <a:xfrm>
             <a:off x="2962440" y="3864600"/>
-            <a:ext cx="172800" cy="284760"/>
+            <a:ext cx="173160" cy="285120"/>
           </a:xfrm>
           <a:prstGeom prst="upDownArrow">
             <a:avLst>
@@ -14967,8 +15627,8 @@
         </p:nvSpPr>
         <p:spPr>
           <a:xfrm rot="1200">
-            <a:off x="392760" y="860400"/>
-            <a:ext cx="1098000" cy="547560"/>
+            <a:off x="393120" y="860760"/>
+            <a:ext cx="1098360" cy="547920"/>
           </a:xfrm>
           <a:prstGeom prst="rect">
             <a:avLst/>
@@ -15048,7 +15708,7 @@
         <p:spPr>
           <a:xfrm>
             <a:off x="1028520" y="4209120"/>
-            <a:ext cx="4309200" cy="1754280"/>
+            <a:ext cx="4309560" cy="1754640"/>
           </a:xfrm>
           <a:prstGeom prst="rect">
             <a:avLst/>
@@ -15115,7 +15775,7 @@
         <p:spPr>
           <a:xfrm>
             <a:off x="2561400" y="4154040"/>
-            <a:ext cx="1090800" cy="402840"/>
+            <a:ext cx="1091160" cy="403200"/>
           </a:xfrm>
           <a:prstGeom prst="rect">
             <a:avLst/>
@@ -15177,7 +15837,7 @@
         <p:spPr>
           <a:xfrm>
             <a:off x="4035600" y="4491720"/>
-            <a:ext cx="1237680" cy="1470960"/>
+            <a:ext cx="1238040" cy="1471320"/>
           </a:xfrm>
           <a:prstGeom prst="rect">
             <a:avLst/>
@@ -15244,7 +15904,7 @@
         <p:spPr>
           <a:xfrm>
             <a:off x="1163160" y="5328720"/>
-            <a:ext cx="701280" cy="561600"/>
+            <a:ext cx="701640" cy="561960"/>
           </a:xfrm>
           <a:prstGeom prst="rect">
             <a:avLst/>
@@ -15311,7 +15971,7 @@
         <p:spPr>
           <a:xfrm>
             <a:off x="1164240" y="4882680"/>
-            <a:ext cx="1456200" cy="402840"/>
+            <a:ext cx="1456560" cy="403200"/>
           </a:xfrm>
           <a:prstGeom prst="rect">
             <a:avLst/>
@@ -15378,7 +16038,7 @@
         <p:spPr>
           <a:xfrm>
             <a:off x="1919160" y="5328720"/>
-            <a:ext cx="701280" cy="561600"/>
+            <a:ext cx="701640" cy="561960"/>
           </a:xfrm>
           <a:prstGeom prst="rect">
             <a:avLst/>
@@ -15445,7 +16105,7 @@
         <p:spPr>
           <a:xfrm>
             <a:off x="360000" y="1060560"/>
-            <a:ext cx="1091160" cy="2846520"/>
+            <a:ext cx="1091520" cy="2846880"/>
           </a:xfrm>
           <a:prstGeom prst="rect">
             <a:avLst/>
@@ -15476,7 +16136,7 @@
         <p:spPr>
           <a:xfrm>
             <a:off x="433080" y="2791080"/>
-            <a:ext cx="945360" cy="912960"/>
+            <a:ext cx="945720" cy="913320"/>
           </a:xfrm>
           <a:prstGeom prst="rect">
             <a:avLst/>
@@ -15543,7 +16203,7 @@
         <p:spPr>
           <a:xfrm>
             <a:off x="433080" y="1722240"/>
-            <a:ext cx="945360" cy="810720"/>
+            <a:ext cx="945720" cy="811080"/>
           </a:xfrm>
           <a:prstGeom prst="rect">
             <a:avLst/>
@@ -15610,7 +16270,7 @@
         <p:spPr>
           <a:xfrm>
             <a:off x="1539360" y="1060560"/>
-            <a:ext cx="1482480" cy="810720"/>
+            <a:ext cx="1482840" cy="811080"/>
           </a:xfrm>
           <a:prstGeom prst="rect">
             <a:avLst/>
@@ -15677,7 +16337,7 @@
         <p:spPr>
           <a:xfrm>
             <a:off x="3144960" y="1060560"/>
-            <a:ext cx="1383120" cy="810720"/>
+            <a:ext cx="1383480" cy="811080"/>
           </a:xfrm>
           <a:prstGeom prst="rect">
             <a:avLst/>
@@ -15744,7 +16404,7 @@
         <p:spPr>
           <a:xfrm>
             <a:off x="1539360" y="3096360"/>
-            <a:ext cx="1456200" cy="810720"/>
+            <a:ext cx="1456560" cy="811080"/>
           </a:xfrm>
           <a:prstGeom prst="rect">
             <a:avLst/>
@@ -15811,7 +16471,7 @@
         <p:spPr>
           <a:xfrm>
             <a:off x="4604760" y="1060560"/>
-            <a:ext cx="1091160" cy="2846520"/>
+            <a:ext cx="1091520" cy="2846880"/>
           </a:xfrm>
           <a:prstGeom prst="rect">
             <a:avLst/>
@@ -15841,8 +16501,8 @@
         </p:nvSpPr>
         <p:spPr>
           <a:xfrm rot="1200">
-            <a:off x="4783680" y="1017000"/>
-            <a:ext cx="835920" cy="547560"/>
+            <a:off x="4784040" y="1017000"/>
+            <a:ext cx="836280" cy="547920"/>
           </a:xfrm>
           <a:prstGeom prst="rect">
             <a:avLst/>
@@ -15904,7 +16564,7 @@
         <p:spPr>
           <a:xfrm>
             <a:off x="4677840" y="2435040"/>
-            <a:ext cx="945360" cy="606240"/>
+            <a:ext cx="945720" cy="606600"/>
           </a:xfrm>
           <a:prstGeom prst="rect">
             <a:avLst/>
@@ -15971,7 +16631,7 @@
         <p:spPr>
           <a:xfrm>
             <a:off x="4677840" y="1722240"/>
-            <a:ext cx="945360" cy="555480"/>
+            <a:ext cx="945720" cy="555840"/>
           </a:xfrm>
           <a:prstGeom prst="rect">
             <a:avLst/>
@@ -16038,7 +16698,7 @@
         <p:spPr>
           <a:xfrm>
             <a:off x="4677840" y="3198600"/>
-            <a:ext cx="945360" cy="606240"/>
+            <a:ext cx="945720" cy="606600"/>
           </a:xfrm>
           <a:prstGeom prst="rect">
             <a:avLst/>
@@ -16105,7 +16765,7 @@
         <p:spPr>
           <a:xfrm>
             <a:off x="1171800" y="6348600"/>
-            <a:ext cx="1778040" cy="489240"/>
+            <a:ext cx="1778400" cy="489600"/>
           </a:xfrm>
           <a:prstGeom prst="rect">
             <a:avLst/>
@@ -16170,7 +16830,7 @@
         <p:spPr>
           <a:xfrm>
             <a:off x="2962440" y="6024240"/>
-            <a:ext cx="172800" cy="284760"/>
+            <a:ext cx="173160" cy="285120"/>
           </a:xfrm>
           <a:prstGeom prst="upDownArrow">
             <a:avLst>
@@ -16202,7 +16862,7 @@
         <p:spPr>
           <a:xfrm>
             <a:off x="2962440" y="3864600"/>
-            <a:ext cx="172800" cy="284760"/>
+            <a:ext cx="173160" cy="285120"/>
           </a:xfrm>
           <a:prstGeom prst="upDownArrow">
             <a:avLst>
@@ -16233,8 +16893,8 @@
         </p:nvSpPr>
         <p:spPr>
           <a:xfrm rot="1200">
-            <a:off x="392760" y="860400"/>
-            <a:ext cx="1098000" cy="547560"/>
+            <a:off x="393120" y="860760"/>
+            <a:ext cx="1098360" cy="547920"/>
           </a:xfrm>
           <a:prstGeom prst="rect">
             <a:avLst/>
@@ -16314,7 +16974,7 @@
         <p:spPr>
           <a:xfrm>
             <a:off x="2561400" y="4154040"/>
-            <a:ext cx="1090800" cy="402840"/>
+            <a:ext cx="1091160" cy="403200"/>
           </a:xfrm>
           <a:prstGeom prst="rect">
             <a:avLst/>
@@ -16376,7 +17036,7 @@
         <p:spPr>
           <a:xfrm>
             <a:off x="2735640" y="4752000"/>
-            <a:ext cx="1237680" cy="1210680"/>
+            <a:ext cx="1238040" cy="1211040"/>
           </a:xfrm>
           <a:prstGeom prst="rect">
             <a:avLst/>
@@ -16443,7 +17103,7 @@
         <p:spPr>
           <a:xfrm>
             <a:off x="1079280" y="4752000"/>
-            <a:ext cx="1595520" cy="1210680"/>
+            <a:ext cx="1595880" cy="1211040"/>
           </a:xfrm>
           <a:prstGeom prst="rect">
             <a:avLst/>
@@ -16510,7 +17170,7 @@
         <p:spPr>
           <a:xfrm>
             <a:off x="4035600" y="4752000"/>
-            <a:ext cx="1237680" cy="1210680"/>
+            <a:ext cx="1238040" cy="1211040"/>
           </a:xfrm>
           <a:prstGeom prst="rect">
             <a:avLst/>
@@ -16577,7 +17237,7 @@
         <p:spPr>
           <a:xfrm>
             <a:off x="1163160" y="5328720"/>
-            <a:ext cx="701280" cy="561600"/>
+            <a:ext cx="701640" cy="561960"/>
           </a:xfrm>
           <a:prstGeom prst="rect">
             <a:avLst/>
@@ -16644,7 +17304,7 @@
         <p:spPr>
           <a:xfrm>
             <a:off x="1164240" y="5040000"/>
-            <a:ext cx="1456200" cy="245520"/>
+            <a:ext cx="1456560" cy="245880"/>
           </a:xfrm>
           <a:prstGeom prst="rect">
             <a:avLst/>
@@ -16711,7 +17371,7 @@
         <p:spPr>
           <a:xfrm>
             <a:off x="1919160" y="5328720"/>
-            <a:ext cx="701280" cy="561600"/>
+            <a:ext cx="701640" cy="561960"/>
           </a:xfrm>
           <a:prstGeom prst="rect">
             <a:avLst/>
@@ -16778,7 +17438,7 @@
         <p:spPr>
           <a:xfrm>
             <a:off x="432000" y="7200000"/>
-            <a:ext cx="212400" cy="212400"/>
+            <a:ext cx="212760" cy="212760"/>
           </a:xfrm>
           <a:prstGeom prst="rect">
             <a:avLst/>
@@ -16808,7 +17468,7 @@
         <p:spPr>
           <a:xfrm>
             <a:off x="792000" y="7128000"/>
-            <a:ext cx="1580400" cy="342720"/>
+            <a:ext cx="1580760" cy="343080"/>
           </a:xfrm>
           <a:prstGeom prst="rect">
             <a:avLst/>
@@ -16865,7 +17525,7 @@
         <p:spPr>
           <a:xfrm>
             <a:off x="432000" y="7200000"/>
-            <a:ext cx="212400" cy="212400"/>
+            <a:ext cx="212760" cy="212760"/>
           </a:xfrm>
           <a:prstGeom prst="rect">
             <a:avLst/>
@@ -16895,7 +17555,7 @@
         <p:spPr>
           <a:xfrm>
             <a:off x="432000" y="7200000"/>
-            <a:ext cx="212400" cy="212400"/>
+            <a:ext cx="212760" cy="212760"/>
           </a:xfrm>
           <a:prstGeom prst="rect">
             <a:avLst/>
@@ -16925,7 +17585,7 @@
         <p:spPr>
           <a:xfrm>
             <a:off x="432000" y="7200000"/>
-            <a:ext cx="212400" cy="212400"/>
+            <a:ext cx="212760" cy="212760"/>
           </a:xfrm>
           <a:prstGeom prst="rect">
             <a:avLst/>
@@ -16955,7 +17615,7 @@
         <p:spPr>
           <a:xfrm>
             <a:off x="2664000" y="7200000"/>
-            <a:ext cx="212400" cy="212400"/>
+            <a:ext cx="212760" cy="212760"/>
           </a:xfrm>
           <a:prstGeom prst="rect">
             <a:avLst/>
@@ -16985,7 +17645,7 @@
         <p:spPr>
           <a:xfrm>
             <a:off x="2897640" y="7164000"/>
-            <a:ext cx="2012400" cy="500400"/>
+            <a:ext cx="2012760" cy="500760"/>
           </a:xfrm>
           <a:prstGeom prst="rect">
             <a:avLst/>
@@ -17042,7 +17702,7 @@
         <p:spPr>
           <a:xfrm>
             <a:off x="6408000" y="1080000"/>
-            <a:ext cx="3308400" cy="4438080"/>
+            <a:ext cx="3308760" cy="4438440"/>
           </a:xfrm>
           <a:prstGeom prst="rect">
             <a:avLst/>
@@ -17235,7 +17895,7 @@
         <p:spPr>
           <a:xfrm>
             <a:off x="1164240" y="5040000"/>
-            <a:ext cx="1456200" cy="245520"/>
+            <a:ext cx="1456560" cy="245880"/>
           </a:xfrm>
           <a:prstGeom prst="rect">
             <a:avLst/>
@@ -17302,7 +17962,7 @@
         <p:spPr>
           <a:xfrm>
             <a:off x="1164240" y="5040000"/>
-            <a:ext cx="1456200" cy="245520"/>
+            <a:ext cx="1456560" cy="245880"/>
           </a:xfrm>
           <a:prstGeom prst="rect">
             <a:avLst/>
@@ -17369,7 +18029,7 @@
         <p:spPr>
           <a:xfrm>
             <a:off x="1079280" y="4392000"/>
-            <a:ext cx="4194000" cy="245520"/>
+            <a:ext cx="4194360" cy="245880"/>
           </a:xfrm>
           <a:prstGeom prst="rect">
             <a:avLst/>
@@ -17436,7 +18096,7 @@
         <p:spPr>
           <a:xfrm>
             <a:off x="3259800" y="6333120"/>
-            <a:ext cx="1778040" cy="504720"/>
+            <a:ext cx="1778400" cy="505080"/>
           </a:xfrm>
           <a:prstGeom prst="rect">
             <a:avLst/>
@@ -17550,7 +18210,7 @@
         <p:spPr>
           <a:xfrm>
             <a:off x="504000" y="147600"/>
-            <a:ext cx="9284400" cy="938520"/>
+            <a:ext cx="9284760" cy="938880"/>
           </a:xfrm>
           <a:prstGeom prst="rect">
             <a:avLst/>
@@ -17603,16 +18263,39 @@
           </a:p>
         </p:txBody>
       </p:sp>
-      <p:sp>
-        <p:nvSpPr>
-          <p:cNvPr id="296" name="CustomShape 2"/>
+      <p:pic>
+        <p:nvPicPr>
+          <p:cNvPr id="296" name="" descr=""/>
+          <p:cNvPicPr/>
+          <p:nvPr/>
+        </p:nvPicPr>
+        <p:blipFill>
+          <a:blip r:embed="rId1"/>
+          <a:stretch/>
+        </p:blipFill>
+        <p:spPr>
+          <a:xfrm>
+            <a:off x="363600" y="1227240"/>
+            <a:ext cx="9354600" cy="4894200"/>
+          </a:xfrm>
+          <a:prstGeom prst="rect">
+            <a:avLst/>
+          </a:prstGeom>
+          <a:ln>
+            <a:noFill/>
+          </a:ln>
+        </p:spPr>
+      </p:pic>
+      <p:sp>
+        <p:nvSpPr>
+          <p:cNvPr id="297" name="CustomShape 2"/>
           <p:cNvSpPr/>
           <p:nvPr/>
         </p:nvSpPr>
         <p:spPr>
           <a:xfrm>
             <a:off x="432000" y="6408000"/>
-            <a:ext cx="8997840" cy="344160"/>
+            <a:ext cx="8998200" cy="344520"/>
           </a:xfrm>
           <a:prstGeom prst="rect">
             <a:avLst/>
@@ -17660,29 +18343,6 @@
           </a:p>
         </p:txBody>
       </p:sp>
-      <p:pic>
-        <p:nvPicPr>
-          <p:cNvPr id="297" name="" descr=""/>
-          <p:cNvPicPr/>
-          <p:nvPr/>
-        </p:nvPicPr>
-        <p:blipFill>
-          <a:blip r:embed="rId1"/>
-          <a:stretch/>
-        </p:blipFill>
-        <p:spPr>
-          <a:xfrm>
-            <a:off x="432000" y="1224000"/>
-            <a:ext cx="9426600" cy="4608000"/>
-          </a:xfrm>
-          <a:prstGeom prst="rect">
-            <a:avLst/>
-          </a:prstGeom>
-          <a:ln>
-            <a:noFill/>
-          </a:ln>
-        </p:spPr>
-      </p:pic>
     </p:spTree>
   </p:cSld>
   <p:timing>
@@ -17741,7 +18401,7 @@
         <p:spPr>
           <a:xfrm>
             <a:off x="504000" y="-68400"/>
-            <a:ext cx="9284040" cy="938160"/>
+            <a:ext cx="9284400" cy="938520"/>
           </a:xfrm>
           <a:prstGeom prst="rect">
             <a:avLst/>
@@ -17803,7 +18463,7 @@
         <p:spPr>
           <a:xfrm>
             <a:off x="504000" y="720000"/>
-            <a:ext cx="8997120" cy="6963840"/>
+            <a:ext cx="8997480" cy="6964200"/>
           </a:xfrm>
           <a:prstGeom prst="rect">
             <a:avLst/>
@@ -17822,7 +18482,7 @@
         <p:txBody>
           <a:bodyPr lIns="90000" rIns="90000" tIns="45000" bIns="45000"/>
           <a:p>
-            <a:pPr marL="216000" indent="-213480">
+            <a:pPr marL="216000" indent="-213840">
               <a:lnSpc>
                 <a:spcPct val="100000"/>
               </a:lnSpc>
@@ -17858,7 +18518,7 @@
             </a:endParaRPr>
           </a:p>
           <a:p>
-            <a:pPr lvl="1" marL="432000" indent="-213480">
+            <a:pPr lvl="1" marL="432000" indent="-213840">
               <a:lnSpc>
                 <a:spcPct val="100000"/>
               </a:lnSpc>
@@ -17894,7 +18554,7 @@
             </a:endParaRPr>
           </a:p>
           <a:p>
-            <a:pPr marL="216000" indent="-213480">
+            <a:pPr marL="216000" indent="-213840">
               <a:lnSpc>
                 <a:spcPct val="100000"/>
               </a:lnSpc>
@@ -17930,7 +18590,7 @@
             </a:endParaRPr>
           </a:p>
           <a:p>
-            <a:pPr lvl="1" marL="432000" indent="-213480">
+            <a:pPr lvl="1" marL="432000" indent="-213840">
               <a:lnSpc>
                 <a:spcPct val="100000"/>
               </a:lnSpc>
@@ -17966,7 +18626,7 @@
             </a:endParaRPr>
           </a:p>
           <a:p>
-            <a:pPr lvl="1" marL="432000" indent="-213480">
+            <a:pPr lvl="1" marL="432000" indent="-213840">
               <a:lnSpc>
                 <a:spcPct val="100000"/>
               </a:lnSpc>
@@ -18002,7 +18662,7 @@
             </a:endParaRPr>
           </a:p>
           <a:p>
-            <a:pPr lvl="1" marL="432000" indent="-213480">
+            <a:pPr lvl="1" marL="432000" indent="-213840">
               <a:lnSpc>
                 <a:spcPct val="100000"/>
               </a:lnSpc>
@@ -18038,7 +18698,7 @@
             </a:endParaRPr>
           </a:p>
           <a:p>
-            <a:pPr lvl="1" marL="432000" indent="-213480">
+            <a:pPr lvl="1" marL="432000" indent="-213840">
               <a:lnSpc>
                 <a:spcPct val="100000"/>
               </a:lnSpc>
@@ -18074,7 +18734,7 @@
             </a:endParaRPr>
           </a:p>
           <a:p>
-            <a:pPr lvl="1" marL="432000" indent="-213480">
+            <a:pPr lvl="1" marL="432000" indent="-213840">
               <a:lnSpc>
                 <a:spcPct val="100000"/>
               </a:lnSpc>
@@ -18110,7 +18770,7 @@
             </a:endParaRPr>
           </a:p>
           <a:p>
-            <a:pPr lvl="1" marL="432000" indent="-213480">
+            <a:pPr lvl="1" marL="432000" indent="-213840">
               <a:lnSpc>
                 <a:spcPct val="100000"/>
               </a:lnSpc>
@@ -18146,7 +18806,7 @@
             </a:endParaRPr>
           </a:p>
           <a:p>
-            <a:pPr marL="216000" indent="-213480">
+            <a:pPr marL="216000" indent="-213840">
               <a:lnSpc>
                 <a:spcPct val="100000"/>
               </a:lnSpc>
@@ -18182,7 +18842,7 @@
             </a:endParaRPr>
           </a:p>
           <a:p>
-            <a:pPr lvl="1" marL="432000" indent="-213480">
+            <a:pPr lvl="1" marL="432000" indent="-213840">
               <a:lnSpc>
                 <a:spcPct val="100000"/>
               </a:lnSpc>
@@ -18218,7 +18878,7 @@
             </a:endParaRPr>
           </a:p>
           <a:p>
-            <a:pPr lvl="1" marL="432000" indent="-213480">
+            <a:pPr lvl="1" marL="432000" indent="-213840">
               <a:lnSpc>
                 <a:spcPct val="100000"/>
               </a:lnSpc>
@@ -18254,7 +18914,7 @@
             </a:endParaRPr>
           </a:p>
           <a:p>
-            <a:pPr lvl="1" marL="432000" indent="-213480">
+            <a:pPr lvl="1" marL="432000" indent="-213840">
               <a:lnSpc>
                 <a:spcPct val="100000"/>
               </a:lnSpc>
@@ -18290,7 +18950,7 @@
             </a:endParaRPr>
           </a:p>
           <a:p>
-            <a:pPr lvl="1" marL="432000" indent="-213480">
+            <a:pPr lvl="1" marL="432000" indent="-213840">
               <a:lnSpc>
                 <a:spcPct val="100000"/>
               </a:lnSpc>
@@ -18326,7 +18986,7 @@
             </a:endParaRPr>
           </a:p>
           <a:p>
-            <a:pPr lvl="1" marL="432000" indent="-213480">
+            <a:pPr lvl="1" marL="432000" indent="-213840">
               <a:lnSpc>
                 <a:spcPct val="100000"/>
               </a:lnSpc>
@@ -18362,7 +19022,7 @@
             </a:endParaRPr>
           </a:p>
           <a:p>
-            <a:pPr marL="216000" indent="-213480">
+            <a:pPr marL="216000" indent="-213840">
               <a:lnSpc>
                 <a:spcPct val="100000"/>
               </a:lnSpc>
@@ -18398,7 +19058,7 @@
             </a:endParaRPr>
           </a:p>
           <a:p>
-            <a:pPr lvl="1" marL="432000" indent="-213480">
+            <a:pPr lvl="1" marL="432000" indent="-213840">
               <a:lnSpc>
                 <a:spcPct val="100000"/>
               </a:lnSpc>
@@ -18434,7 +19094,7 @@
             </a:endParaRPr>
           </a:p>
           <a:p>
-            <a:pPr marL="216000" indent="-213480">
+            <a:pPr marL="216000" indent="-213840">
               <a:lnSpc>
                 <a:spcPct val="100000"/>
               </a:lnSpc>
@@ -18470,7 +19130,7 @@
             </a:endParaRPr>
           </a:p>
           <a:p>
-            <a:pPr lvl="1" marL="432000" indent="-213480">
+            <a:pPr lvl="1" marL="432000" indent="-213840">
               <a:lnSpc>
                 <a:spcPct val="100000"/>
               </a:lnSpc>
@@ -18564,8 +19224,8 @@
         </p:nvSpPr>
         <p:spPr>
           <a:xfrm>
-            <a:off x="226440" y="230400"/>
-            <a:ext cx="8269560" cy="559080"/>
+            <a:off x="288000" y="39600"/>
+            <a:ext cx="5685480" cy="939600"/>
           </a:xfrm>
           <a:prstGeom prst="rect">
             <a:avLst/>
@@ -18582,11 +19242,11 @@
           <a:fontRef idx="minor"/>
         </p:style>
         <p:txBody>
-          <a:bodyPr lIns="90000" rIns="90000" tIns="45000" bIns="45000"/>
+          <a:bodyPr lIns="0" rIns="0" tIns="0" bIns="0" anchor="ctr"/>
           <a:p>
             <a:pPr>
               <a:lnSpc>
-                <a:spcPts val="0"/>
+                <a:spcPts val="1"/>
               </a:lnSpc>
             </a:pPr>
             <a:r>
@@ -18602,7 +19262,7 @@
                 <a:latin typeface="Microsoft YaHei"/>
                 <a:ea typeface="Microsoft YaHei"/>
               </a:rPr>
-              <a:t>Data Syncronization between cloud and edge</a:t>
+              <a:t>APPLCM Interfaces </a:t>
             </a:r>
             <a:endParaRPr b="0" lang="en-IN" sz="1800" spc="-1" strike="noStrike">
               <a:solidFill>
@@ -18618,412 +19278,2100 @@
           </a:p>
         </p:txBody>
       </p:sp>
-      <p:sp>
-        <p:nvSpPr>
-          <p:cNvPr id="301" name="CustomShape 2"/>
-          <p:cNvSpPr/>
+      <p:graphicFrame>
+        <p:nvGraphicFramePr>
+          <p:cNvPr id="301" name="Table 2"/>
+          <p:cNvGraphicFramePr/>
           <p:nvPr/>
-        </p:nvSpPr>
-        <p:spPr>
-          <a:xfrm>
-            <a:off x="288000" y="1008000"/>
-            <a:ext cx="9574200" cy="5394240"/>
-          </a:xfrm>
-          <a:prstGeom prst="rect">
-            <a:avLst/>
-          </a:prstGeom>
-          <a:noFill/>
-          <a:ln>
-            <a:noFill/>
-          </a:ln>
-        </p:spPr>
-        <p:style>
-          <a:lnRef idx="0"/>
-          <a:fillRef idx="0"/>
-          <a:effectRef idx="0"/>
-          <a:fontRef idx="minor"/>
-        </p:style>
-        <p:txBody>
-          <a:bodyPr lIns="90000" rIns="90000" tIns="45000" bIns="45000"/>
-          <a:p>
-            <a:pPr>
-              <a:lnSpc>
-                <a:spcPct val="100000"/>
-              </a:lnSpc>
-            </a:pPr>
-            <a:r>
-              <a:rPr b="0" lang="en-IN" sz="1800" spc="-1" strike="noStrike">
-                <a:solidFill>
-                  <a:srgbClr val="000000"/>
-                </a:solidFill>
-                <a:uFill>
-                  <a:solidFill>
-                    <a:srgbClr val="ffffff"/>
-                  </a:solidFill>
-                </a:uFill>
-                <a:latin typeface="Calibri"/>
-                <a:ea typeface="DejaVu Sans"/>
-              </a:rPr>
-              <a:t>Provide a button in mecm portal to synchronize  data from edge.</a:t>
-            </a:r>
-            <a:endParaRPr b="0" lang="en-IN" sz="1800" spc="-1" strike="noStrike">
-              <a:solidFill>
-                <a:srgbClr val="000000"/>
-              </a:solidFill>
-              <a:uFill>
-                <a:solidFill>
-                  <a:srgbClr val="ffffff"/>
-                </a:solidFill>
-              </a:uFill>
-              <a:latin typeface="Arial"/>
-            </a:endParaRPr>
-          </a:p>
-          <a:p>
-            <a:pPr>
-              <a:lnSpc>
-                <a:spcPct val="100000"/>
-              </a:lnSpc>
-            </a:pPr>
-            <a:endParaRPr b="0" lang="en-IN" sz="1800" spc="-1" strike="noStrike">
-              <a:solidFill>
-                <a:srgbClr val="000000"/>
-              </a:solidFill>
-              <a:uFill>
-                <a:solidFill>
-                  <a:srgbClr val="ffffff"/>
-                </a:solidFill>
-              </a:uFill>
-              <a:latin typeface="Arial"/>
-            </a:endParaRPr>
-          </a:p>
-          <a:p>
-            <a:pPr>
-              <a:lnSpc>
-                <a:spcPct val="100000"/>
-              </a:lnSpc>
-            </a:pPr>
-            <a:r>
-              <a:rPr b="1" lang="en-IN" sz="1800" spc="-1" strike="noStrike">
-                <a:solidFill>
-                  <a:srgbClr val="000000"/>
-                </a:solidFill>
-                <a:uFill>
-                  <a:solidFill>
-                    <a:srgbClr val="ffffff"/>
-                  </a:solidFill>
-                </a:uFill>
-                <a:latin typeface="Calibri"/>
-                <a:ea typeface="DejaVu Sans"/>
-              </a:rPr>
-              <a:t>Prerequisite</a:t>
-            </a:r>
-            <a:r>
-              <a:rPr b="0" lang="en-IN" sz="1800" spc="-1" strike="noStrike">
-                <a:solidFill>
-                  <a:srgbClr val="000000"/>
-                </a:solidFill>
-                <a:uFill>
-                  <a:solidFill>
-                    <a:srgbClr val="ffffff"/>
-                  </a:solidFill>
-                </a:uFill>
-                <a:latin typeface="Calibri"/>
-                <a:ea typeface="DejaVu Sans"/>
-              </a:rPr>
-              <a:t>:</a:t>
-            </a:r>
-            <a:endParaRPr b="0" lang="en-IN" sz="1800" spc="-1" strike="noStrike">
-              <a:solidFill>
-                <a:srgbClr val="000000"/>
-              </a:solidFill>
-              <a:uFill>
-                <a:solidFill>
-                  <a:srgbClr val="ffffff"/>
-                </a:solidFill>
-              </a:uFill>
-              <a:latin typeface="Arial"/>
-            </a:endParaRPr>
-          </a:p>
-          <a:p>
-            <a:pPr>
-              <a:lnSpc>
-                <a:spcPct val="100000"/>
-              </a:lnSpc>
-            </a:pPr>
-            <a:r>
-              <a:rPr b="0" lang="en-IN" sz="1800" spc="-1" strike="noStrike">
-                <a:solidFill>
-                  <a:srgbClr val="000000"/>
-                </a:solidFill>
-                <a:uFill>
-                  <a:solidFill>
-                    <a:srgbClr val="ffffff"/>
-                  </a:solidFill>
-                </a:uFill>
-                <a:latin typeface="Calibri"/>
-                <a:ea typeface="DejaVu Sans"/>
-              </a:rPr>
-              <a:t>There should be connection between cloud and edge when user/adminstrator is manually synchronizing the database.</a:t>
-            </a:r>
-            <a:endParaRPr b="0" lang="en-IN" sz="1800" spc="-1" strike="noStrike">
-              <a:solidFill>
-                <a:srgbClr val="000000"/>
-              </a:solidFill>
-              <a:uFill>
-                <a:solidFill>
-                  <a:srgbClr val="ffffff"/>
-                </a:solidFill>
-              </a:uFill>
-              <a:latin typeface="Arial"/>
-            </a:endParaRPr>
-          </a:p>
-          <a:p>
-            <a:pPr>
-              <a:lnSpc>
-                <a:spcPct val="100000"/>
-              </a:lnSpc>
-            </a:pPr>
-            <a:endParaRPr b="0" lang="en-IN" sz="1800" spc="-1" strike="noStrike">
-              <a:solidFill>
-                <a:srgbClr val="000000"/>
-              </a:solidFill>
-              <a:uFill>
-                <a:solidFill>
-                  <a:srgbClr val="ffffff"/>
-                </a:solidFill>
-              </a:uFill>
-              <a:latin typeface="Arial"/>
-            </a:endParaRPr>
-          </a:p>
-          <a:p>
-            <a:pPr>
-              <a:lnSpc>
-                <a:spcPct val="100000"/>
-              </a:lnSpc>
-            </a:pPr>
-            <a:r>
-              <a:rPr b="1" lang="en-IN" sz="1800" spc="-1" strike="noStrike">
-                <a:solidFill>
-                  <a:srgbClr val="000000"/>
-                </a:solidFill>
-                <a:uFill>
-                  <a:solidFill>
-                    <a:srgbClr val="ffffff"/>
-                  </a:solidFill>
-                </a:uFill>
-                <a:latin typeface="Calibri"/>
-                <a:ea typeface="DejaVu Sans"/>
-              </a:rPr>
-              <a:t>Implementation</a:t>
-            </a:r>
-            <a:r>
-              <a:rPr b="0" lang="en-IN" sz="1800" spc="-1" strike="noStrike">
-                <a:solidFill>
-                  <a:srgbClr val="000000"/>
-                </a:solidFill>
-                <a:uFill>
-                  <a:solidFill>
-                    <a:srgbClr val="ffffff"/>
-                  </a:solidFill>
-                </a:uFill>
-                <a:latin typeface="Calibri"/>
-                <a:ea typeface="DejaVu Sans"/>
-              </a:rPr>
-              <a:t>:</a:t>
-            </a:r>
-            <a:endParaRPr b="0" lang="en-IN" sz="1800" spc="-1" strike="noStrike">
-              <a:solidFill>
-                <a:srgbClr val="000000"/>
-              </a:solidFill>
-              <a:uFill>
-                <a:solidFill>
-                  <a:srgbClr val="ffffff"/>
-                </a:solidFill>
-              </a:uFill>
-              <a:latin typeface="Arial"/>
-            </a:endParaRPr>
-          </a:p>
-          <a:p>
-            <a:pPr>
-              <a:lnSpc>
-                <a:spcPct val="100000"/>
-              </a:lnSpc>
-            </a:pPr>
-            <a:r>
-              <a:rPr b="0" lang="en-IN" sz="1800" spc="-1" strike="noStrike">
-                <a:solidFill>
-                  <a:srgbClr val="000000"/>
-                </a:solidFill>
-                <a:uFill>
-                  <a:solidFill>
-                    <a:srgbClr val="ffffff"/>
-                  </a:solidFill>
-                </a:uFill>
-                <a:latin typeface="Calibri"/>
-                <a:ea typeface="DejaVu Sans"/>
-              </a:rPr>
-              <a:t>When syncronize button is clicked, inventory/appo pulls the information from applcm and update to its database.</a:t>
-            </a:r>
-            <a:endParaRPr b="0" lang="en-IN" sz="1800" spc="-1" strike="noStrike">
-              <a:solidFill>
-                <a:srgbClr val="000000"/>
-              </a:solidFill>
-              <a:uFill>
-                <a:solidFill>
-                  <a:srgbClr val="ffffff"/>
-                </a:solidFill>
-              </a:uFill>
-              <a:latin typeface="Arial"/>
-            </a:endParaRPr>
-          </a:p>
-          <a:p>
-            <a:pPr>
-              <a:lnSpc>
-                <a:spcPct val="100000"/>
-              </a:lnSpc>
-            </a:pPr>
-            <a:endParaRPr b="0" lang="en-IN" sz="1800" spc="-1" strike="noStrike">
-              <a:solidFill>
-                <a:srgbClr val="000000"/>
-              </a:solidFill>
-              <a:uFill>
-                <a:solidFill>
-                  <a:srgbClr val="ffffff"/>
-                </a:solidFill>
-              </a:uFill>
-              <a:latin typeface="Arial"/>
-            </a:endParaRPr>
-          </a:p>
-          <a:p>
-            <a:pPr>
-              <a:lnSpc>
-                <a:spcPct val="100000"/>
-              </a:lnSpc>
-            </a:pPr>
-            <a:r>
-              <a:rPr b="1" lang="en-IN" sz="1800" spc="-1" strike="noStrike">
-                <a:solidFill>
-                  <a:srgbClr val="000000"/>
-                </a:solidFill>
-                <a:uFill>
-                  <a:solidFill>
-                    <a:srgbClr val="ffffff"/>
-                  </a:solidFill>
-                </a:uFill>
-                <a:latin typeface="Calibri"/>
-                <a:ea typeface="DejaVu Sans"/>
-              </a:rPr>
-              <a:t>WorkFlow:</a:t>
-            </a:r>
-            <a:endParaRPr b="0" lang="en-IN" sz="1800" spc="-1" strike="noStrike">
-              <a:solidFill>
-                <a:srgbClr val="000000"/>
-              </a:solidFill>
-              <a:uFill>
-                <a:solidFill>
-                  <a:srgbClr val="ffffff"/>
-                </a:solidFill>
-              </a:uFill>
-              <a:latin typeface="Arial"/>
-            </a:endParaRPr>
-          </a:p>
-          <a:p>
-            <a:pPr>
-              <a:lnSpc>
-                <a:spcPct val="100000"/>
-              </a:lnSpc>
-            </a:pPr>
-            <a:endParaRPr b="0" lang="en-IN" sz="1800" spc="-1" strike="noStrike">
-              <a:solidFill>
-                <a:srgbClr val="000000"/>
-              </a:solidFill>
-              <a:uFill>
-                <a:solidFill>
-                  <a:srgbClr val="ffffff"/>
-                </a:solidFill>
-              </a:uFill>
-              <a:latin typeface="Arial"/>
-            </a:endParaRPr>
-          </a:p>
-          <a:p>
-            <a:pPr>
-              <a:lnSpc>
-                <a:spcPct val="100000"/>
-              </a:lnSpc>
-            </a:pPr>
-            <a:endParaRPr b="0" lang="en-IN" sz="1800" spc="-1" strike="noStrike">
-              <a:solidFill>
-                <a:srgbClr val="000000"/>
-              </a:solidFill>
-              <a:uFill>
-                <a:solidFill>
-                  <a:srgbClr val="ffffff"/>
-                </a:solidFill>
-              </a:uFill>
-              <a:latin typeface="Arial"/>
-            </a:endParaRPr>
-          </a:p>
-          <a:p>
-            <a:pPr>
-              <a:lnSpc>
-                <a:spcPct val="100000"/>
-              </a:lnSpc>
-            </a:pPr>
-            <a:endParaRPr b="0" lang="en-IN" sz="1800" spc="-1" strike="noStrike">
-              <a:solidFill>
-                <a:srgbClr val="000000"/>
-              </a:solidFill>
-              <a:uFill>
-                <a:solidFill>
-                  <a:srgbClr val="ffffff"/>
-                </a:solidFill>
-              </a:uFill>
-              <a:latin typeface="Arial"/>
-            </a:endParaRPr>
-          </a:p>
-          <a:p>
-            <a:pPr>
-              <a:lnSpc>
-                <a:spcPct val="100000"/>
-              </a:lnSpc>
-            </a:pPr>
-            <a:endParaRPr b="0" lang="en-IN" sz="1800" spc="-1" strike="noStrike">
-              <a:solidFill>
-                <a:srgbClr val="000000"/>
-              </a:solidFill>
-              <a:uFill>
-                <a:solidFill>
-                  <a:srgbClr val="ffffff"/>
-                </a:solidFill>
-              </a:uFill>
-              <a:latin typeface="Arial"/>
-            </a:endParaRPr>
-          </a:p>
-        </p:txBody>
-      </p:sp>
-      <p:pic>
-        <p:nvPicPr>
-          <p:cNvPr id="302" name="" descr=""/>
-          <p:cNvPicPr/>
-          <p:nvPr/>
-        </p:nvPicPr>
-        <p:blipFill>
-          <a:blip r:embed="rId1"/>
-          <a:stretch/>
-        </p:blipFill>
-        <p:spPr>
-          <a:xfrm>
-            <a:off x="432000" y="4168440"/>
-            <a:ext cx="4895640" cy="3247560"/>
-          </a:xfrm>
-          <a:prstGeom prst="rect">
-            <a:avLst/>
-          </a:prstGeom>
-          <a:ln>
-            <a:noFill/>
-          </a:ln>
-        </p:spPr>
-      </p:pic>
+        </p:nvGraphicFramePr>
+        <p:xfrm>
+          <a:off x="288000" y="864000"/>
+          <a:ext cx="9503640" cy="4424400"/>
+        </p:xfrm>
+        <a:graphic>
+          <a:graphicData uri="http://schemas.openxmlformats.org/drawingml/2006/table">
+            <a:tbl>
+              <a:tblPr/>
+              <a:tblGrid>
+                <a:gridCol w="1041480"/>
+                <a:gridCol w="4294800"/>
+                <a:gridCol w="2358000"/>
+                <a:gridCol w="1809720"/>
+              </a:tblGrid>
+              <a:tr h="303480">
+                <a:tc>
+                  <a:txBody>
+                    <a:bodyPr lIns="90000" rIns="90000"/>
+                    <a:p>
+                      <a:r>
+                        <a:rPr b="0" lang="en-IN" sz="1500" spc="-1" strike="noStrike">
+                          <a:solidFill>
+                            <a:srgbClr val="000000"/>
+                          </a:solidFill>
+                          <a:uFill>
+                            <a:solidFill>
+                              <a:srgbClr val="ffffff"/>
+                            </a:solidFill>
+                          </a:uFill>
+                          <a:latin typeface="Arial"/>
+                        </a:rPr>
+                        <a:t>Method</a:t>
+                      </a:r>
+                      <a:endParaRPr b="0" lang="en-IN" sz="1800" spc="-1" strike="noStrike">
+                        <a:solidFill>
+                          <a:srgbClr val="000000"/>
+                        </a:solidFill>
+                        <a:uFill>
+                          <a:solidFill>
+                            <a:srgbClr val="ffffff"/>
+                          </a:solidFill>
+                        </a:uFill>
+                        <a:latin typeface="Arial"/>
+                      </a:endParaRPr>
+                    </a:p>
+                  </a:txBody>
+                  <a:tcPr marL="90000" marR="90000">
+                    <a:lnL w="720">
+                      <a:solidFill>
+                        <a:srgbClr val="ffffff"/>
+                      </a:solidFill>
+                    </a:lnL>
+                    <a:lnR w="720">
+                      <a:solidFill>
+                        <a:srgbClr val="ffffff"/>
+                      </a:solidFill>
+                    </a:lnR>
+                    <a:lnT w="720">
+                      <a:solidFill>
+                        <a:srgbClr val="ffffff"/>
+                      </a:solidFill>
+                    </a:lnT>
+                    <a:lnB w="720">
+                      <a:solidFill>
+                        <a:srgbClr val="ffffff"/>
+                      </a:solidFill>
+                    </a:lnB>
+                    <a:solidFill>
+                      <a:srgbClr val="b3b3b3"/>
+                    </a:solidFill>
+                  </a:tcPr>
+                </a:tc>
+                <a:tc>
+                  <a:txBody>
+                    <a:bodyPr lIns="90000" rIns="90000"/>
+                    <a:p>
+                      <a:r>
+                        <a:rPr b="0" lang="en-IN" sz="1500" spc="-1" strike="noStrike">
+                          <a:solidFill>
+                            <a:srgbClr val="000000"/>
+                          </a:solidFill>
+                          <a:uFill>
+                            <a:solidFill>
+                              <a:srgbClr val="ffffff"/>
+                            </a:solidFill>
+                          </a:uFill>
+                          <a:latin typeface="Arial"/>
+                        </a:rPr>
+                        <a:t>API</a:t>
+                      </a:r>
+                      <a:endParaRPr b="0" lang="en-IN" sz="1800" spc="-1" strike="noStrike">
+                        <a:solidFill>
+                          <a:srgbClr val="000000"/>
+                        </a:solidFill>
+                        <a:uFill>
+                          <a:solidFill>
+                            <a:srgbClr val="ffffff"/>
+                          </a:solidFill>
+                        </a:uFill>
+                        <a:latin typeface="Arial"/>
+                      </a:endParaRPr>
+                    </a:p>
+                  </a:txBody>
+                  <a:tcPr marL="90000" marR="90000">
+                    <a:lnL w="720">
+                      <a:solidFill>
+                        <a:srgbClr val="ffffff"/>
+                      </a:solidFill>
+                    </a:lnL>
+                    <a:lnR w="720">
+                      <a:solidFill>
+                        <a:srgbClr val="ffffff"/>
+                      </a:solidFill>
+                    </a:lnR>
+                    <a:lnT w="720">
+                      <a:solidFill>
+                        <a:srgbClr val="ffffff"/>
+                      </a:solidFill>
+                    </a:lnT>
+                    <a:lnB w="720">
+                      <a:solidFill>
+                        <a:srgbClr val="ffffff"/>
+                      </a:solidFill>
+                    </a:lnB>
+                    <a:solidFill>
+                      <a:srgbClr val="b3b3b3"/>
+                    </a:solidFill>
+                  </a:tcPr>
+                </a:tc>
+                <a:tc>
+                  <a:txBody>
+                    <a:bodyPr lIns="90000" rIns="90000"/>
+                    <a:p>
+                      <a:r>
+                        <a:rPr b="0" lang="en-IN" sz="1500" spc="-1" strike="noStrike">
+                          <a:solidFill>
+                            <a:srgbClr val="000000"/>
+                          </a:solidFill>
+                          <a:uFill>
+                            <a:solidFill>
+                              <a:srgbClr val="ffffff"/>
+                            </a:solidFill>
+                          </a:uFill>
+                          <a:latin typeface="Arial"/>
+                        </a:rPr>
+                        <a:t>RequestBody</a:t>
+                      </a:r>
+                      <a:endParaRPr b="0" lang="en-IN" sz="1800" spc="-1" strike="noStrike">
+                        <a:solidFill>
+                          <a:srgbClr val="000000"/>
+                        </a:solidFill>
+                        <a:uFill>
+                          <a:solidFill>
+                            <a:srgbClr val="ffffff"/>
+                          </a:solidFill>
+                        </a:uFill>
+                        <a:latin typeface="Arial"/>
+                      </a:endParaRPr>
+                    </a:p>
+                  </a:txBody>
+                  <a:tcPr marL="90000" marR="90000">
+                    <a:lnL w="720">
+                      <a:solidFill>
+                        <a:srgbClr val="ffffff"/>
+                      </a:solidFill>
+                    </a:lnL>
+                    <a:lnR w="720">
+                      <a:solidFill>
+                        <a:srgbClr val="ffffff"/>
+                      </a:solidFill>
+                    </a:lnR>
+                    <a:lnT w="720">
+                      <a:solidFill>
+                        <a:srgbClr val="ffffff"/>
+                      </a:solidFill>
+                    </a:lnT>
+                    <a:lnB w="720">
+                      <a:solidFill>
+                        <a:srgbClr val="ffffff"/>
+                      </a:solidFill>
+                    </a:lnB>
+                    <a:solidFill>
+                      <a:srgbClr val="b3b3b3"/>
+                    </a:solidFill>
+                  </a:tcPr>
+                </a:tc>
+                <a:tc>
+                  <a:txBody>
+                    <a:bodyPr lIns="90000" rIns="90000"/>
+                    <a:p>
+                      <a:r>
+                        <a:rPr b="0" lang="en-IN" sz="1500" spc="-1" strike="noStrike">
+                          <a:solidFill>
+                            <a:srgbClr val="000000"/>
+                          </a:solidFill>
+                          <a:uFill>
+                            <a:solidFill>
+                              <a:srgbClr val="ffffff"/>
+                            </a:solidFill>
+                          </a:uFill>
+                          <a:latin typeface="Arial"/>
+                        </a:rPr>
+                        <a:t>Response</a:t>
+                      </a:r>
+                      <a:endParaRPr b="0" lang="en-IN" sz="1800" spc="-1" strike="noStrike">
+                        <a:solidFill>
+                          <a:srgbClr val="000000"/>
+                        </a:solidFill>
+                        <a:uFill>
+                          <a:solidFill>
+                            <a:srgbClr val="ffffff"/>
+                          </a:solidFill>
+                        </a:uFill>
+                        <a:latin typeface="Arial"/>
+                      </a:endParaRPr>
+                    </a:p>
+                  </a:txBody>
+                  <a:tcPr marL="90000" marR="90000">
+                    <a:lnL w="720">
+                      <a:solidFill>
+                        <a:srgbClr val="ffffff"/>
+                      </a:solidFill>
+                    </a:lnL>
+                    <a:lnR w="720">
+                      <a:solidFill>
+                        <a:srgbClr val="ffffff"/>
+                      </a:solidFill>
+                    </a:lnR>
+                    <a:lnT w="720">
+                      <a:solidFill>
+                        <a:srgbClr val="ffffff"/>
+                      </a:solidFill>
+                    </a:lnT>
+                    <a:lnB w="720">
+                      <a:solidFill>
+                        <a:srgbClr val="ffffff"/>
+                      </a:solidFill>
+                    </a:lnB>
+                    <a:solidFill>
+                      <a:srgbClr val="b3b3b3"/>
+                    </a:solidFill>
+                  </a:tcPr>
+                </a:tc>
+              </a:tr>
+              <a:tr h="430920">
+                <a:tc>
+                  <a:txBody>
+                    <a:bodyPr lIns="90000" rIns="90000"/>
+                    <a:p>
+                      <a:r>
+                        <a:rPr b="0" lang="en-IN" sz="1500" spc="-1" strike="noStrike">
+                          <a:solidFill>
+                            <a:srgbClr val="000000"/>
+                          </a:solidFill>
+                          <a:uFill>
+                            <a:solidFill>
+                              <a:srgbClr val="ffffff"/>
+                            </a:solidFill>
+                          </a:uFill>
+                          <a:latin typeface="Arial"/>
+                        </a:rPr>
+                        <a:t>POST</a:t>
+                      </a:r>
+                      <a:endParaRPr b="0" lang="en-IN" sz="1800" spc="-1" strike="noStrike">
+                        <a:solidFill>
+                          <a:srgbClr val="000000"/>
+                        </a:solidFill>
+                        <a:uFill>
+                          <a:solidFill>
+                            <a:srgbClr val="ffffff"/>
+                          </a:solidFill>
+                        </a:uFill>
+                        <a:latin typeface="Arial"/>
+                      </a:endParaRPr>
+                    </a:p>
+                  </a:txBody>
+                  <a:tcPr marL="90000" marR="90000">
+                    <a:lnL w="720">
+                      <a:solidFill>
+                        <a:srgbClr val="ffffff"/>
+                      </a:solidFill>
+                    </a:lnL>
+                    <a:lnR w="720">
+                      <a:solidFill>
+                        <a:srgbClr val="ffffff"/>
+                      </a:solidFill>
+                    </a:lnR>
+                    <a:lnT w="720">
+                      <a:solidFill>
+                        <a:srgbClr val="ffffff"/>
+                      </a:solidFill>
+                    </a:lnT>
+                    <a:lnB w="720">
+                      <a:solidFill>
+                        <a:srgbClr val="ffffff"/>
+                      </a:solidFill>
+                    </a:lnB>
+                    <a:solidFill>
+                      <a:srgbClr val="cccccc"/>
+                    </a:solidFill>
+                  </a:tcPr>
+                </a:tc>
+                <a:tc>
+                  <a:txBody>
+                    <a:bodyPr lIns="90000" rIns="90000"/>
+                    <a:p>
+                      <a:r>
+                        <a:rPr b="0" lang="en-IN" sz="1600" spc="-1" strike="noStrike">
+                          <a:solidFill>
+                            <a:srgbClr val="000000"/>
+                          </a:solidFill>
+                          <a:uFill>
+                            <a:solidFill>
+                              <a:srgbClr val="ffffff"/>
+                            </a:solidFill>
+                          </a:uFill>
+                          <a:latin typeface="Arial"/>
+                        </a:rPr>
+                        <a:t>lcmcontroller/v1/configuration</a:t>
+                      </a:r>
+                      <a:endParaRPr b="0" lang="en-IN" sz="1800" spc="-1" strike="noStrike">
+                        <a:solidFill>
+                          <a:srgbClr val="000000"/>
+                        </a:solidFill>
+                        <a:uFill>
+                          <a:solidFill>
+                            <a:srgbClr val="ffffff"/>
+                          </a:solidFill>
+                        </a:uFill>
+                        <a:latin typeface="Arial"/>
+                      </a:endParaRPr>
+                    </a:p>
+                  </a:txBody>
+                  <a:tcPr marL="90000" marR="90000">
+                    <a:lnL w="720">
+                      <a:solidFill>
+                        <a:srgbClr val="ffffff"/>
+                      </a:solidFill>
+                    </a:lnL>
+                    <a:lnR w="720">
+                      <a:solidFill>
+                        <a:srgbClr val="ffffff"/>
+                      </a:solidFill>
+                    </a:lnR>
+                    <a:lnT w="720">
+                      <a:solidFill>
+                        <a:srgbClr val="ffffff"/>
+                      </a:solidFill>
+                    </a:lnT>
+                    <a:lnB w="720">
+                      <a:solidFill>
+                        <a:srgbClr val="ffffff"/>
+                      </a:solidFill>
+                    </a:lnB>
+                    <a:solidFill>
+                      <a:srgbClr val="cccccc"/>
+                    </a:solidFill>
+                  </a:tcPr>
+                </a:tc>
+                <a:tc>
+                  <a:txBody>
+                    <a:bodyPr lIns="90000" rIns="90000"/>
+                    <a:p>
+                      <a:r>
+                        <a:rPr b="0" lang="en-IN" sz="1500" spc="-1" strike="noStrike">
+                          <a:solidFill>
+                            <a:srgbClr val="000000"/>
+                          </a:solidFill>
+                          <a:uFill>
+                            <a:solidFill>
+                              <a:srgbClr val="ffffff"/>
+                            </a:solidFill>
+                          </a:uFill>
+                          <a:latin typeface="Arial"/>
+                        </a:rPr>
+                        <a:t>Config file</a:t>
+                      </a:r>
+                      <a:endParaRPr b="0" lang="en-IN" sz="1800" spc="-1" strike="noStrike">
+                        <a:solidFill>
+                          <a:srgbClr val="000000"/>
+                        </a:solidFill>
+                        <a:uFill>
+                          <a:solidFill>
+                            <a:srgbClr val="ffffff"/>
+                          </a:solidFill>
+                        </a:uFill>
+                        <a:latin typeface="Arial"/>
+                      </a:endParaRPr>
+                    </a:p>
+                  </a:txBody>
+                  <a:tcPr marL="90000" marR="90000">
+                    <a:lnL w="720">
+                      <a:solidFill>
+                        <a:srgbClr val="ffffff"/>
+                      </a:solidFill>
+                    </a:lnL>
+                    <a:lnR w="720">
+                      <a:solidFill>
+                        <a:srgbClr val="ffffff"/>
+                      </a:solidFill>
+                    </a:lnR>
+                    <a:lnT w="720">
+                      <a:solidFill>
+                        <a:srgbClr val="ffffff"/>
+                      </a:solidFill>
+                    </a:lnT>
+                    <a:lnB w="720">
+                      <a:solidFill>
+                        <a:srgbClr val="ffffff"/>
+                      </a:solidFill>
+                    </a:lnB>
+                    <a:solidFill>
+                      <a:srgbClr val="cccccc"/>
+                    </a:solidFill>
+                  </a:tcPr>
+                </a:tc>
+                <a:tc>
+                  <a:txBody>
+                    <a:bodyPr lIns="90000" rIns="90000"/>
+                    <a:p>
+                      <a:r>
+                        <a:rPr b="0" lang="en-IN" sz="1500" spc="-1" strike="noStrike">
+                          <a:solidFill>
+                            <a:srgbClr val="000000"/>
+                          </a:solidFill>
+                          <a:uFill>
+                            <a:solidFill>
+                              <a:srgbClr val="ffffff"/>
+                            </a:solidFill>
+                          </a:uFill>
+                          <a:latin typeface="Arial"/>
+                        </a:rPr>
+                        <a:t>ok/error</a:t>
+                      </a:r>
+                      <a:endParaRPr b="0" lang="en-IN" sz="1800" spc="-1" strike="noStrike">
+                        <a:solidFill>
+                          <a:srgbClr val="000000"/>
+                        </a:solidFill>
+                        <a:uFill>
+                          <a:solidFill>
+                            <a:srgbClr val="ffffff"/>
+                          </a:solidFill>
+                        </a:uFill>
+                        <a:latin typeface="Arial"/>
+                      </a:endParaRPr>
+                    </a:p>
+                  </a:txBody>
+                  <a:tcPr marL="90000" marR="90000">
+                    <a:lnL w="720">
+                      <a:solidFill>
+                        <a:srgbClr val="ffffff"/>
+                      </a:solidFill>
+                    </a:lnL>
+                    <a:lnR w="720">
+                      <a:solidFill>
+                        <a:srgbClr val="ffffff"/>
+                      </a:solidFill>
+                    </a:lnR>
+                    <a:lnT w="720">
+                      <a:solidFill>
+                        <a:srgbClr val="ffffff"/>
+                      </a:solidFill>
+                    </a:lnT>
+                    <a:lnB w="720">
+                      <a:solidFill>
+                        <a:srgbClr val="ffffff"/>
+                      </a:solidFill>
+                    </a:lnB>
+                    <a:solidFill>
+                      <a:srgbClr val="cccccc"/>
+                    </a:solidFill>
+                  </a:tcPr>
+                </a:tc>
+              </a:tr>
+              <a:tr h="430920">
+                <a:tc>
+                  <a:txBody>
+                    <a:bodyPr lIns="90000" rIns="90000"/>
+                    <a:p>
+                      <a:r>
+                        <a:rPr b="0" lang="en-IN" sz="1500" spc="-1" strike="noStrike">
+                          <a:solidFill>
+                            <a:srgbClr val="000000"/>
+                          </a:solidFill>
+                          <a:uFill>
+                            <a:solidFill>
+                              <a:srgbClr val="ffffff"/>
+                            </a:solidFill>
+                          </a:uFill>
+                          <a:latin typeface="Arial"/>
+                        </a:rPr>
+                        <a:t>DELETE</a:t>
+                      </a:r>
+                      <a:endParaRPr b="0" lang="en-IN" sz="1800" spc="-1" strike="noStrike">
+                        <a:solidFill>
+                          <a:srgbClr val="000000"/>
+                        </a:solidFill>
+                        <a:uFill>
+                          <a:solidFill>
+                            <a:srgbClr val="ffffff"/>
+                          </a:solidFill>
+                        </a:uFill>
+                        <a:latin typeface="Arial"/>
+                      </a:endParaRPr>
+                    </a:p>
+                  </a:txBody>
+                  <a:tcPr marL="90000" marR="90000">
+                    <a:lnL w="720">
+                      <a:solidFill>
+                        <a:srgbClr val="ffffff"/>
+                      </a:solidFill>
+                    </a:lnL>
+                    <a:lnR w="720">
+                      <a:solidFill>
+                        <a:srgbClr val="ffffff"/>
+                      </a:solidFill>
+                    </a:lnR>
+                    <a:lnT w="720">
+                      <a:solidFill>
+                        <a:srgbClr val="ffffff"/>
+                      </a:solidFill>
+                    </a:lnT>
+                    <a:lnB w="720">
+                      <a:solidFill>
+                        <a:srgbClr val="ffffff"/>
+                      </a:solidFill>
+                    </a:lnB>
+                    <a:solidFill>
+                      <a:srgbClr val="e6e6e6"/>
+                    </a:solidFill>
+                  </a:tcPr>
+                </a:tc>
+                <a:tc>
+                  <a:txBody>
+                    <a:bodyPr lIns="90000" rIns="90000"/>
+                    <a:p>
+                      <a:r>
+                        <a:rPr b="0" lang="en-IN" sz="1600" spc="-1" strike="noStrike">
+                          <a:solidFill>
+                            <a:srgbClr val="000000"/>
+                          </a:solidFill>
+                          <a:uFill>
+                            <a:solidFill>
+                              <a:srgbClr val="ffffff"/>
+                            </a:solidFill>
+                          </a:uFill>
+                          <a:latin typeface="Arial"/>
+                        </a:rPr>
+                        <a:t>lcmcontroller/v1/configuration</a:t>
+                      </a:r>
+                      <a:endParaRPr b="0" lang="en-IN" sz="1800" spc="-1" strike="noStrike">
+                        <a:solidFill>
+                          <a:srgbClr val="000000"/>
+                        </a:solidFill>
+                        <a:uFill>
+                          <a:solidFill>
+                            <a:srgbClr val="ffffff"/>
+                          </a:solidFill>
+                        </a:uFill>
+                        <a:latin typeface="Arial"/>
+                      </a:endParaRPr>
+                    </a:p>
+                  </a:txBody>
+                  <a:tcPr marL="90000" marR="90000">
+                    <a:lnL w="720">
+                      <a:solidFill>
+                        <a:srgbClr val="ffffff"/>
+                      </a:solidFill>
+                    </a:lnL>
+                    <a:lnR w="720">
+                      <a:solidFill>
+                        <a:srgbClr val="ffffff"/>
+                      </a:solidFill>
+                    </a:lnR>
+                    <a:lnT w="720">
+                      <a:solidFill>
+                        <a:srgbClr val="ffffff"/>
+                      </a:solidFill>
+                    </a:lnT>
+                    <a:lnB w="720">
+                      <a:solidFill>
+                        <a:srgbClr val="ffffff"/>
+                      </a:solidFill>
+                    </a:lnB>
+                    <a:solidFill>
+                      <a:srgbClr val="e6e6e6"/>
+                    </a:solidFill>
+                  </a:tcPr>
+                </a:tc>
+                <a:tc>
+                  <a:txBody>
+                    <a:bodyPr lIns="90000" rIns="90000"/>
+                    <a:p>
+                      <a:r>
+                        <a:rPr b="0" lang="en-IN" sz="1500" spc="-1" strike="noStrike">
+                          <a:solidFill>
+                            <a:srgbClr val="000000"/>
+                          </a:solidFill>
+                          <a:uFill>
+                            <a:solidFill>
+                              <a:srgbClr val="ffffff"/>
+                            </a:solidFill>
+                          </a:uFill>
+                          <a:latin typeface="Arial"/>
+                        </a:rPr>
+                        <a:t>None</a:t>
+                      </a:r>
+                      <a:endParaRPr b="0" lang="en-IN" sz="1800" spc="-1" strike="noStrike">
+                        <a:solidFill>
+                          <a:srgbClr val="000000"/>
+                        </a:solidFill>
+                        <a:uFill>
+                          <a:solidFill>
+                            <a:srgbClr val="ffffff"/>
+                          </a:solidFill>
+                        </a:uFill>
+                        <a:latin typeface="Arial"/>
+                      </a:endParaRPr>
+                    </a:p>
+                  </a:txBody>
+                  <a:tcPr marL="90000" marR="90000">
+                    <a:lnL w="720">
+                      <a:solidFill>
+                        <a:srgbClr val="ffffff"/>
+                      </a:solidFill>
+                    </a:lnL>
+                    <a:lnR w="720">
+                      <a:solidFill>
+                        <a:srgbClr val="ffffff"/>
+                      </a:solidFill>
+                    </a:lnR>
+                    <a:lnT w="720">
+                      <a:solidFill>
+                        <a:srgbClr val="ffffff"/>
+                      </a:solidFill>
+                    </a:lnT>
+                    <a:lnB w="720">
+                      <a:solidFill>
+                        <a:srgbClr val="ffffff"/>
+                      </a:solidFill>
+                    </a:lnB>
+                    <a:solidFill>
+                      <a:srgbClr val="e6e6e6"/>
+                    </a:solidFill>
+                  </a:tcPr>
+                </a:tc>
+                <a:tc>
+                  <a:txBody>
+                    <a:bodyPr lIns="90000" rIns="90000"/>
+                    <a:p>
+                      <a:r>
+                        <a:rPr b="0" lang="en-IN" sz="1500" spc="-1" strike="noStrike">
+                          <a:solidFill>
+                            <a:srgbClr val="000000"/>
+                          </a:solidFill>
+                          <a:uFill>
+                            <a:solidFill>
+                              <a:srgbClr val="ffffff"/>
+                            </a:solidFill>
+                          </a:uFill>
+                          <a:latin typeface="Arial"/>
+                        </a:rPr>
+                        <a:t>ok/error</a:t>
+                      </a:r>
+                      <a:endParaRPr b="0" lang="en-IN" sz="1800" spc="-1" strike="noStrike">
+                        <a:solidFill>
+                          <a:srgbClr val="000000"/>
+                        </a:solidFill>
+                        <a:uFill>
+                          <a:solidFill>
+                            <a:srgbClr val="ffffff"/>
+                          </a:solidFill>
+                        </a:uFill>
+                        <a:latin typeface="Arial"/>
+                      </a:endParaRPr>
+                    </a:p>
+                  </a:txBody>
+                  <a:tcPr marL="90000" marR="90000">
+                    <a:lnL w="720">
+                      <a:solidFill>
+                        <a:srgbClr val="ffffff"/>
+                      </a:solidFill>
+                    </a:lnL>
+                    <a:lnR w="720">
+                      <a:solidFill>
+                        <a:srgbClr val="ffffff"/>
+                      </a:solidFill>
+                    </a:lnR>
+                    <a:lnT w="720">
+                      <a:solidFill>
+                        <a:srgbClr val="ffffff"/>
+                      </a:solidFill>
+                    </a:lnT>
+                    <a:lnB w="720">
+                      <a:solidFill>
+                        <a:srgbClr val="ffffff"/>
+                      </a:solidFill>
+                    </a:lnB>
+                    <a:solidFill>
+                      <a:srgbClr val="e6e6e6"/>
+                    </a:solidFill>
+                  </a:tcPr>
+                </a:tc>
+              </a:tr>
+              <a:tr h="543240">
+                <a:tc>
+                  <a:txBody>
+                    <a:bodyPr lIns="90000" rIns="90000"/>
+                    <a:p>
+                      <a:r>
+                        <a:rPr b="0" lang="en-IN" sz="1500" spc="-1" strike="noStrike">
+                          <a:solidFill>
+                            <a:srgbClr val="000000"/>
+                          </a:solidFill>
+                          <a:uFill>
+                            <a:solidFill>
+                              <a:srgbClr val="ffffff"/>
+                            </a:solidFill>
+                          </a:uFill>
+                          <a:latin typeface="Arial"/>
+                        </a:rPr>
+                        <a:t>POST</a:t>
+                      </a:r>
+                      <a:endParaRPr b="0" lang="en-IN" sz="1800" spc="-1" strike="noStrike">
+                        <a:solidFill>
+                          <a:srgbClr val="000000"/>
+                        </a:solidFill>
+                        <a:uFill>
+                          <a:solidFill>
+                            <a:srgbClr val="ffffff"/>
+                          </a:solidFill>
+                        </a:uFill>
+                        <a:latin typeface="Arial"/>
+                      </a:endParaRPr>
+                    </a:p>
+                  </a:txBody>
+                  <a:tcPr marL="90000" marR="90000">
+                    <a:lnL w="720">
+                      <a:solidFill>
+                        <a:srgbClr val="ffffff"/>
+                      </a:solidFill>
+                    </a:lnL>
+                    <a:lnR w="720">
+                      <a:solidFill>
+                        <a:srgbClr val="ffffff"/>
+                      </a:solidFill>
+                    </a:lnR>
+                    <a:lnT w="720">
+                      <a:solidFill>
+                        <a:srgbClr val="ffffff"/>
+                      </a:solidFill>
+                    </a:lnT>
+                    <a:lnB w="720">
+                      <a:solidFill>
+                        <a:srgbClr val="ffffff"/>
+                      </a:solidFill>
+                    </a:lnB>
+                    <a:solidFill>
+                      <a:srgbClr val="cccccc"/>
+                    </a:solidFill>
+                  </a:tcPr>
+                </a:tc>
+                <a:tc>
+                  <a:txBody>
+                    <a:bodyPr lIns="90000" rIns="90000"/>
+                    <a:p>
+                      <a:r>
+                        <a:rPr b="0" lang="en-IN" sz="1600" spc="-1" strike="noStrike">
+                          <a:solidFill>
+                            <a:srgbClr val="000000"/>
+                          </a:solidFill>
+                          <a:uFill>
+                            <a:solidFill>
+                              <a:srgbClr val="ffffff"/>
+                            </a:solidFill>
+                          </a:uFill>
+                          <a:latin typeface="Arial"/>
+                        </a:rPr>
+                        <a:t>lcmcontroller/v1/tenants/:tenantId/app_instances/:appInstanceId/instantiate</a:t>
+                      </a:r>
+                      <a:endParaRPr b="0" lang="en-IN" sz="1800" spc="-1" strike="noStrike">
+                        <a:solidFill>
+                          <a:srgbClr val="000000"/>
+                        </a:solidFill>
+                        <a:uFill>
+                          <a:solidFill>
+                            <a:srgbClr val="ffffff"/>
+                          </a:solidFill>
+                        </a:uFill>
+                        <a:latin typeface="Arial"/>
+                      </a:endParaRPr>
+                    </a:p>
+                  </a:txBody>
+                  <a:tcPr marL="90000" marR="90000">
+                    <a:lnL w="720">
+                      <a:solidFill>
+                        <a:srgbClr val="ffffff"/>
+                      </a:solidFill>
+                    </a:lnL>
+                    <a:lnR w="720">
+                      <a:solidFill>
+                        <a:srgbClr val="ffffff"/>
+                      </a:solidFill>
+                    </a:lnR>
+                    <a:lnT w="720">
+                      <a:solidFill>
+                        <a:srgbClr val="ffffff"/>
+                      </a:solidFill>
+                    </a:lnT>
+                    <a:lnB w="720">
+                      <a:solidFill>
+                        <a:srgbClr val="ffffff"/>
+                      </a:solidFill>
+                    </a:lnB>
+                    <a:solidFill>
+                      <a:srgbClr val="cccccc"/>
+                    </a:solidFill>
+                  </a:tcPr>
+                </a:tc>
+                <a:tc>
+                  <a:txBody>
+                    <a:bodyPr lIns="90000" rIns="90000"/>
+                    <a:p>
+                      <a:r>
+                        <a:rPr b="0" lang="en-IN" sz="1500" spc="-1" strike="noStrike">
+                          <a:solidFill>
+                            <a:srgbClr val="000000"/>
+                          </a:solidFill>
+                          <a:uFill>
+                            <a:solidFill>
+                              <a:srgbClr val="ffffff"/>
+                            </a:solidFill>
+                          </a:uFill>
+                          <a:latin typeface="Arial"/>
+                        </a:rPr>
+                        <a:t>App package file</a:t>
+                      </a:r>
+                      <a:endParaRPr b="0" lang="en-IN" sz="1800" spc="-1" strike="noStrike">
+                        <a:solidFill>
+                          <a:srgbClr val="000000"/>
+                        </a:solidFill>
+                        <a:uFill>
+                          <a:solidFill>
+                            <a:srgbClr val="ffffff"/>
+                          </a:solidFill>
+                        </a:uFill>
+                        <a:latin typeface="Arial"/>
+                      </a:endParaRPr>
+                    </a:p>
+                  </a:txBody>
+                  <a:tcPr marL="90000" marR="90000">
+                    <a:lnL w="720">
+                      <a:solidFill>
+                        <a:srgbClr val="ffffff"/>
+                      </a:solidFill>
+                    </a:lnL>
+                    <a:lnR w="720">
+                      <a:solidFill>
+                        <a:srgbClr val="ffffff"/>
+                      </a:solidFill>
+                    </a:lnR>
+                    <a:lnT w="720">
+                      <a:solidFill>
+                        <a:srgbClr val="ffffff"/>
+                      </a:solidFill>
+                    </a:lnT>
+                    <a:lnB w="720">
+                      <a:solidFill>
+                        <a:srgbClr val="ffffff"/>
+                      </a:solidFill>
+                    </a:lnB>
+                    <a:solidFill>
+                      <a:srgbClr val="cccccc"/>
+                    </a:solidFill>
+                  </a:tcPr>
+                </a:tc>
+                <a:tc>
+                  <a:txBody>
+                    <a:bodyPr lIns="90000" rIns="90000"/>
+                    <a:p>
+                      <a:r>
+                        <a:rPr b="0" lang="en-IN" sz="1500" spc="-1" strike="noStrike">
+                          <a:solidFill>
+                            <a:srgbClr val="000000"/>
+                          </a:solidFill>
+                          <a:uFill>
+                            <a:solidFill>
+                              <a:srgbClr val="ffffff"/>
+                            </a:solidFill>
+                          </a:uFill>
+                          <a:latin typeface="Arial"/>
+                        </a:rPr>
+                        <a:t>ok/error</a:t>
+                      </a:r>
+                      <a:endParaRPr b="0" lang="en-IN" sz="1800" spc="-1" strike="noStrike">
+                        <a:solidFill>
+                          <a:srgbClr val="000000"/>
+                        </a:solidFill>
+                        <a:uFill>
+                          <a:solidFill>
+                            <a:srgbClr val="ffffff"/>
+                          </a:solidFill>
+                        </a:uFill>
+                        <a:latin typeface="Arial"/>
+                      </a:endParaRPr>
+                    </a:p>
+                  </a:txBody>
+                  <a:tcPr marL="90000" marR="90000">
+                    <a:lnL w="720">
+                      <a:solidFill>
+                        <a:srgbClr val="ffffff"/>
+                      </a:solidFill>
+                    </a:lnL>
+                    <a:lnR w="720">
+                      <a:solidFill>
+                        <a:srgbClr val="ffffff"/>
+                      </a:solidFill>
+                    </a:lnR>
+                    <a:lnT w="720">
+                      <a:solidFill>
+                        <a:srgbClr val="ffffff"/>
+                      </a:solidFill>
+                    </a:lnT>
+                    <a:lnB w="720">
+                      <a:solidFill>
+                        <a:srgbClr val="ffffff"/>
+                      </a:solidFill>
+                    </a:lnB>
+                    <a:solidFill>
+                      <a:srgbClr val="cccccc"/>
+                    </a:solidFill>
+                  </a:tcPr>
+                </a:tc>
+              </a:tr>
+              <a:tr h="543240">
+                <a:tc>
+                  <a:txBody>
+                    <a:bodyPr lIns="90000" rIns="90000"/>
+                    <a:p>
+                      <a:r>
+                        <a:rPr b="0" lang="en-IN" sz="1500" spc="-1" strike="noStrike">
+                          <a:solidFill>
+                            <a:srgbClr val="000000"/>
+                          </a:solidFill>
+                          <a:uFill>
+                            <a:solidFill>
+                              <a:srgbClr val="ffffff"/>
+                            </a:solidFill>
+                          </a:uFill>
+                          <a:latin typeface="Arial"/>
+                        </a:rPr>
+                        <a:t>POST</a:t>
+                      </a:r>
+                      <a:endParaRPr b="0" lang="en-IN" sz="1800" spc="-1" strike="noStrike">
+                        <a:solidFill>
+                          <a:srgbClr val="000000"/>
+                        </a:solidFill>
+                        <a:uFill>
+                          <a:solidFill>
+                            <a:srgbClr val="ffffff"/>
+                          </a:solidFill>
+                        </a:uFill>
+                        <a:latin typeface="Arial"/>
+                      </a:endParaRPr>
+                    </a:p>
+                  </a:txBody>
+                  <a:tcPr marL="90000" marR="90000">
+                    <a:lnL w="720">
+                      <a:solidFill>
+                        <a:srgbClr val="ffffff"/>
+                      </a:solidFill>
+                    </a:lnL>
+                    <a:lnR w="720">
+                      <a:solidFill>
+                        <a:srgbClr val="ffffff"/>
+                      </a:solidFill>
+                    </a:lnR>
+                    <a:lnT w="720">
+                      <a:solidFill>
+                        <a:srgbClr val="ffffff"/>
+                      </a:solidFill>
+                    </a:lnT>
+                    <a:lnB w="720">
+                      <a:solidFill>
+                        <a:srgbClr val="ffffff"/>
+                      </a:solidFill>
+                    </a:lnB>
+                    <a:solidFill>
+                      <a:srgbClr val="e6e6e6"/>
+                    </a:solidFill>
+                  </a:tcPr>
+                </a:tc>
+                <a:tc>
+                  <a:txBody>
+                    <a:bodyPr lIns="90000" rIns="90000"/>
+                    <a:p>
+                      <a:r>
+                        <a:rPr b="0" lang="en-IN" sz="1600" spc="-1" strike="noStrike">
+                          <a:solidFill>
+                            <a:srgbClr val="000000"/>
+                          </a:solidFill>
+                          <a:uFill>
+                            <a:solidFill>
+                              <a:srgbClr val="ffffff"/>
+                            </a:solidFill>
+                          </a:uFill>
+                          <a:latin typeface="Arial"/>
+                        </a:rPr>
+                        <a:t>lcmcontroller/v1/tenants/:tenantId/app_instances/:appInstanceId/terminate</a:t>
+                      </a:r>
+                      <a:endParaRPr b="0" lang="en-IN" sz="1800" spc="-1" strike="noStrike">
+                        <a:solidFill>
+                          <a:srgbClr val="000000"/>
+                        </a:solidFill>
+                        <a:uFill>
+                          <a:solidFill>
+                            <a:srgbClr val="ffffff"/>
+                          </a:solidFill>
+                        </a:uFill>
+                        <a:latin typeface="Arial"/>
+                      </a:endParaRPr>
+                    </a:p>
+                  </a:txBody>
+                  <a:tcPr marL="90000" marR="90000">
+                    <a:lnL w="720">
+                      <a:solidFill>
+                        <a:srgbClr val="ffffff"/>
+                      </a:solidFill>
+                    </a:lnL>
+                    <a:lnR w="720">
+                      <a:solidFill>
+                        <a:srgbClr val="ffffff"/>
+                      </a:solidFill>
+                    </a:lnR>
+                    <a:lnT w="720">
+                      <a:solidFill>
+                        <a:srgbClr val="ffffff"/>
+                      </a:solidFill>
+                    </a:lnT>
+                    <a:lnB w="720">
+                      <a:solidFill>
+                        <a:srgbClr val="ffffff"/>
+                      </a:solidFill>
+                    </a:lnB>
+                    <a:solidFill>
+                      <a:srgbClr val="e6e6e6"/>
+                    </a:solidFill>
+                  </a:tcPr>
+                </a:tc>
+                <a:tc>
+                  <a:txBody>
+                    <a:bodyPr lIns="90000" rIns="90000"/>
+                    <a:p>
+                      <a:r>
+                        <a:rPr b="0" lang="en-IN" sz="1500" spc="-1" strike="noStrike">
+                          <a:solidFill>
+                            <a:srgbClr val="000000"/>
+                          </a:solidFill>
+                          <a:uFill>
+                            <a:solidFill>
+                              <a:srgbClr val="ffffff"/>
+                            </a:solidFill>
+                          </a:uFill>
+                          <a:latin typeface="Arial"/>
+                        </a:rPr>
+                        <a:t>None</a:t>
+                      </a:r>
+                      <a:endParaRPr b="0" lang="en-IN" sz="1800" spc="-1" strike="noStrike">
+                        <a:solidFill>
+                          <a:srgbClr val="000000"/>
+                        </a:solidFill>
+                        <a:uFill>
+                          <a:solidFill>
+                            <a:srgbClr val="ffffff"/>
+                          </a:solidFill>
+                        </a:uFill>
+                        <a:latin typeface="Arial"/>
+                      </a:endParaRPr>
+                    </a:p>
+                  </a:txBody>
+                  <a:tcPr marL="90000" marR="90000">
+                    <a:lnL w="720">
+                      <a:solidFill>
+                        <a:srgbClr val="ffffff"/>
+                      </a:solidFill>
+                    </a:lnL>
+                    <a:lnR w="720">
+                      <a:solidFill>
+                        <a:srgbClr val="ffffff"/>
+                      </a:solidFill>
+                    </a:lnR>
+                    <a:lnT w="720">
+                      <a:solidFill>
+                        <a:srgbClr val="ffffff"/>
+                      </a:solidFill>
+                    </a:lnT>
+                    <a:lnB w="720">
+                      <a:solidFill>
+                        <a:srgbClr val="ffffff"/>
+                      </a:solidFill>
+                    </a:lnB>
+                    <a:solidFill>
+                      <a:srgbClr val="e6e6e6"/>
+                    </a:solidFill>
+                  </a:tcPr>
+                </a:tc>
+                <a:tc>
+                  <a:txBody>
+                    <a:bodyPr lIns="90000" rIns="90000"/>
+                    <a:p>
+                      <a:r>
+                        <a:rPr b="0" lang="en-IN" sz="1500" spc="-1" strike="noStrike">
+                          <a:solidFill>
+                            <a:srgbClr val="000000"/>
+                          </a:solidFill>
+                          <a:uFill>
+                            <a:solidFill>
+                              <a:srgbClr val="ffffff"/>
+                            </a:solidFill>
+                          </a:uFill>
+                          <a:latin typeface="Arial"/>
+                        </a:rPr>
+                        <a:t>ok/error</a:t>
+                      </a:r>
+                      <a:endParaRPr b="0" lang="en-IN" sz="1800" spc="-1" strike="noStrike">
+                        <a:solidFill>
+                          <a:srgbClr val="000000"/>
+                        </a:solidFill>
+                        <a:uFill>
+                          <a:solidFill>
+                            <a:srgbClr val="ffffff"/>
+                          </a:solidFill>
+                        </a:uFill>
+                        <a:latin typeface="Arial"/>
+                      </a:endParaRPr>
+                    </a:p>
+                  </a:txBody>
+                  <a:tcPr marL="90000" marR="90000">
+                    <a:lnL w="720">
+                      <a:solidFill>
+                        <a:srgbClr val="ffffff"/>
+                      </a:solidFill>
+                    </a:lnL>
+                    <a:lnR w="720">
+                      <a:solidFill>
+                        <a:srgbClr val="ffffff"/>
+                      </a:solidFill>
+                    </a:lnR>
+                    <a:lnT w="720">
+                      <a:solidFill>
+                        <a:srgbClr val="ffffff"/>
+                      </a:solidFill>
+                    </a:lnT>
+                    <a:lnB w="720">
+                      <a:solidFill>
+                        <a:srgbClr val="ffffff"/>
+                      </a:solidFill>
+                    </a:lnB>
+                    <a:solidFill>
+                      <a:srgbClr val="e6e6e6"/>
+                    </a:solidFill>
+                  </a:tcPr>
+                </a:tc>
+              </a:tr>
+              <a:tr h="543240">
+                <a:tc>
+                  <a:txBody>
+                    <a:bodyPr lIns="90000" rIns="90000"/>
+                    <a:p>
+                      <a:r>
+                        <a:rPr b="1" lang="en-IN" sz="1500" spc="-1" strike="noStrike">
+                          <a:solidFill>
+                            <a:srgbClr val="000000"/>
+                          </a:solidFill>
+                          <a:uFill>
+                            <a:solidFill>
+                              <a:srgbClr val="ffffff"/>
+                            </a:solidFill>
+                          </a:uFill>
+                          <a:latin typeface="Arial"/>
+                        </a:rPr>
+                        <a:t>GET</a:t>
+                      </a:r>
+                      <a:endParaRPr b="0" lang="en-IN" sz="1800" spc="-1" strike="noStrike">
+                        <a:solidFill>
+                          <a:srgbClr val="000000"/>
+                        </a:solidFill>
+                        <a:uFill>
+                          <a:solidFill>
+                            <a:srgbClr val="ffffff"/>
+                          </a:solidFill>
+                        </a:uFill>
+                        <a:latin typeface="Arial"/>
+                      </a:endParaRPr>
+                    </a:p>
+                  </a:txBody>
+                  <a:tcPr marL="90000" marR="90000">
+                    <a:lnL w="720">
+                      <a:solidFill>
+                        <a:srgbClr val="ffffff"/>
+                      </a:solidFill>
+                    </a:lnL>
+                    <a:lnR w="720">
+                      <a:solidFill>
+                        <a:srgbClr val="ffffff"/>
+                      </a:solidFill>
+                    </a:lnR>
+                    <a:lnT w="720">
+                      <a:solidFill>
+                        <a:srgbClr val="ffffff"/>
+                      </a:solidFill>
+                    </a:lnT>
+                    <a:lnB w="720">
+                      <a:solidFill>
+                        <a:srgbClr val="ffffff"/>
+                      </a:solidFill>
+                    </a:lnB>
+                    <a:solidFill>
+                      <a:srgbClr val="cccccc"/>
+                    </a:solidFill>
+                  </a:tcPr>
+                </a:tc>
+                <a:tc>
+                  <a:txBody>
+                    <a:bodyPr lIns="90000" rIns="90000"/>
+                    <a:p>
+                      <a:r>
+                        <a:rPr b="1" lang="en-IN" sz="1600" spc="-1" strike="noStrike">
+                          <a:solidFill>
+                            <a:srgbClr val="000000"/>
+                          </a:solidFill>
+                          <a:uFill>
+                            <a:solidFill>
+                              <a:srgbClr val="ffffff"/>
+                            </a:solidFill>
+                          </a:uFill>
+                          <a:latin typeface="Arial"/>
+                        </a:rPr>
+                        <a:t>lcmcontroller/v1/tenants/:tenantId/app_instances</a:t>
+                      </a:r>
+                      <a:endParaRPr b="0" lang="en-IN" sz="1800" spc="-1" strike="noStrike">
+                        <a:solidFill>
+                          <a:srgbClr val="000000"/>
+                        </a:solidFill>
+                        <a:uFill>
+                          <a:solidFill>
+                            <a:srgbClr val="ffffff"/>
+                          </a:solidFill>
+                        </a:uFill>
+                        <a:latin typeface="Arial"/>
+                      </a:endParaRPr>
+                    </a:p>
+                  </a:txBody>
+                  <a:tcPr marL="90000" marR="90000">
+                    <a:lnL w="720">
+                      <a:solidFill>
+                        <a:srgbClr val="ffffff"/>
+                      </a:solidFill>
+                    </a:lnL>
+                    <a:lnR w="720">
+                      <a:solidFill>
+                        <a:srgbClr val="ffffff"/>
+                      </a:solidFill>
+                    </a:lnR>
+                    <a:lnT w="720">
+                      <a:solidFill>
+                        <a:srgbClr val="ffffff"/>
+                      </a:solidFill>
+                    </a:lnT>
+                    <a:lnB w="720">
+                      <a:solidFill>
+                        <a:srgbClr val="ffffff"/>
+                      </a:solidFill>
+                    </a:lnB>
+                    <a:solidFill>
+                      <a:srgbClr val="cccccc"/>
+                    </a:solidFill>
+                  </a:tcPr>
+                </a:tc>
+                <a:tc>
+                  <a:txBody>
+                    <a:bodyPr lIns="90000" rIns="90000"/>
+                    <a:p>
+                      <a:r>
+                        <a:rPr b="1" lang="en-IN" sz="1500" spc="-1" strike="noStrike">
+                          <a:solidFill>
+                            <a:srgbClr val="000000"/>
+                          </a:solidFill>
+                          <a:uFill>
+                            <a:solidFill>
+                              <a:srgbClr val="ffffff"/>
+                            </a:solidFill>
+                          </a:uFill>
+                          <a:latin typeface="Arial"/>
+                        </a:rPr>
+                        <a:t>None</a:t>
+                      </a:r>
+                      <a:endParaRPr b="0" lang="en-IN" sz="1800" spc="-1" strike="noStrike">
+                        <a:solidFill>
+                          <a:srgbClr val="000000"/>
+                        </a:solidFill>
+                        <a:uFill>
+                          <a:solidFill>
+                            <a:srgbClr val="ffffff"/>
+                          </a:solidFill>
+                        </a:uFill>
+                        <a:latin typeface="Arial"/>
+                      </a:endParaRPr>
+                    </a:p>
+                  </a:txBody>
+                  <a:tcPr marL="90000" marR="90000">
+                    <a:lnL w="720">
+                      <a:solidFill>
+                        <a:srgbClr val="ffffff"/>
+                      </a:solidFill>
+                    </a:lnL>
+                    <a:lnR w="720">
+                      <a:solidFill>
+                        <a:srgbClr val="ffffff"/>
+                      </a:solidFill>
+                    </a:lnR>
+                    <a:lnT w="720">
+                      <a:solidFill>
+                        <a:srgbClr val="ffffff"/>
+                      </a:solidFill>
+                    </a:lnT>
+                    <a:lnB w="720">
+                      <a:solidFill>
+                        <a:srgbClr val="ffffff"/>
+                      </a:solidFill>
+                    </a:lnB>
+                    <a:solidFill>
+                      <a:srgbClr val="cccccc"/>
+                    </a:solidFill>
+                  </a:tcPr>
+                </a:tc>
+                <a:tc>
+                  <a:txBody>
+                    <a:bodyPr lIns="90000" rIns="90000"/>
+                    <a:p>
+                      <a:r>
+                        <a:rPr b="1" lang="en-IN" sz="1500" spc="-1" strike="noStrike">
+                          <a:solidFill>
+                            <a:srgbClr val="000000"/>
+                          </a:solidFill>
+                          <a:uFill>
+                            <a:solidFill>
+                              <a:srgbClr val="ffffff"/>
+                            </a:solidFill>
+                          </a:uFill>
+                          <a:latin typeface="Arial"/>
+                        </a:rPr>
+                        <a:t>App instance info</a:t>
+                      </a:r>
+                      <a:endParaRPr b="0" lang="en-IN" sz="1800" spc="-1" strike="noStrike">
+                        <a:solidFill>
+                          <a:srgbClr val="000000"/>
+                        </a:solidFill>
+                        <a:uFill>
+                          <a:solidFill>
+                            <a:srgbClr val="ffffff"/>
+                          </a:solidFill>
+                        </a:uFill>
+                        <a:latin typeface="Arial"/>
+                      </a:endParaRPr>
+                    </a:p>
+                  </a:txBody>
+                  <a:tcPr marL="90000" marR="90000">
+                    <a:lnL w="720">
+                      <a:solidFill>
+                        <a:srgbClr val="ffffff"/>
+                      </a:solidFill>
+                    </a:lnL>
+                    <a:lnR w="720">
+                      <a:solidFill>
+                        <a:srgbClr val="ffffff"/>
+                      </a:solidFill>
+                    </a:lnR>
+                    <a:lnT w="720">
+                      <a:solidFill>
+                        <a:srgbClr val="ffffff"/>
+                      </a:solidFill>
+                    </a:lnT>
+                    <a:lnB w="720">
+                      <a:solidFill>
+                        <a:srgbClr val="ffffff"/>
+                      </a:solidFill>
+                    </a:lnB>
+                    <a:solidFill>
+                      <a:srgbClr val="cccccc"/>
+                    </a:solidFill>
+                  </a:tcPr>
+                </a:tc>
+              </a:tr>
+              <a:tr h="543240">
+                <a:tc>
+                  <a:txBody>
+                    <a:bodyPr lIns="90000" rIns="90000"/>
+                    <a:p>
+                      <a:r>
+                        <a:rPr b="0" lang="en-IN" sz="1500" spc="-1" strike="noStrike">
+                          <a:solidFill>
+                            <a:srgbClr val="000000"/>
+                          </a:solidFill>
+                          <a:uFill>
+                            <a:solidFill>
+                              <a:srgbClr val="ffffff"/>
+                            </a:solidFill>
+                          </a:uFill>
+                          <a:latin typeface="Arial"/>
+                        </a:rPr>
+                        <a:t>GET</a:t>
+                      </a:r>
+                      <a:endParaRPr b="0" lang="en-IN" sz="1800" spc="-1" strike="noStrike">
+                        <a:solidFill>
+                          <a:srgbClr val="000000"/>
+                        </a:solidFill>
+                        <a:uFill>
+                          <a:solidFill>
+                            <a:srgbClr val="ffffff"/>
+                          </a:solidFill>
+                        </a:uFill>
+                        <a:latin typeface="Arial"/>
+                      </a:endParaRPr>
+                    </a:p>
+                  </a:txBody>
+                  <a:tcPr marL="90000" marR="90000">
+                    <a:lnL w="720">
+                      <a:solidFill>
+                        <a:srgbClr val="ffffff"/>
+                      </a:solidFill>
+                    </a:lnL>
+                    <a:lnR w="720">
+                      <a:solidFill>
+                        <a:srgbClr val="ffffff"/>
+                      </a:solidFill>
+                    </a:lnR>
+                    <a:lnT w="720">
+                      <a:solidFill>
+                        <a:srgbClr val="ffffff"/>
+                      </a:solidFill>
+                    </a:lnT>
+                    <a:lnB w="720">
+                      <a:solidFill>
+                        <a:srgbClr val="ffffff"/>
+                      </a:solidFill>
+                    </a:lnB>
+                    <a:solidFill>
+                      <a:srgbClr val="e6e6e6"/>
+                    </a:solidFill>
+                  </a:tcPr>
+                </a:tc>
+                <a:tc>
+                  <a:txBody>
+                    <a:bodyPr lIns="90000" rIns="90000"/>
+                    <a:p>
+                      <a:r>
+                        <a:rPr b="0" lang="en-IN" sz="1600" spc="-1" strike="noStrike">
+                          <a:solidFill>
+                            <a:srgbClr val="000000"/>
+                          </a:solidFill>
+                          <a:uFill>
+                            <a:solidFill>
+                              <a:srgbClr val="ffffff"/>
+                            </a:solidFill>
+                          </a:uFill>
+                          <a:latin typeface="Arial"/>
+                        </a:rPr>
+                        <a:t>lcmcontroller/v1/tenants/:tenantId/hosts/:hostIp/kpi</a:t>
+                      </a:r>
+                      <a:endParaRPr b="0" lang="en-IN" sz="1800" spc="-1" strike="noStrike">
+                        <a:solidFill>
+                          <a:srgbClr val="000000"/>
+                        </a:solidFill>
+                        <a:uFill>
+                          <a:solidFill>
+                            <a:srgbClr val="ffffff"/>
+                          </a:solidFill>
+                        </a:uFill>
+                        <a:latin typeface="Arial"/>
+                      </a:endParaRPr>
+                    </a:p>
+                  </a:txBody>
+                  <a:tcPr marL="90000" marR="90000">
+                    <a:lnL w="720">
+                      <a:solidFill>
+                        <a:srgbClr val="ffffff"/>
+                      </a:solidFill>
+                    </a:lnL>
+                    <a:lnR w="720">
+                      <a:solidFill>
+                        <a:srgbClr val="ffffff"/>
+                      </a:solidFill>
+                    </a:lnR>
+                    <a:lnT w="720">
+                      <a:solidFill>
+                        <a:srgbClr val="ffffff"/>
+                      </a:solidFill>
+                    </a:lnT>
+                    <a:lnB w="720">
+                      <a:solidFill>
+                        <a:srgbClr val="ffffff"/>
+                      </a:solidFill>
+                    </a:lnB>
+                    <a:solidFill>
+                      <a:srgbClr val="e6e6e6"/>
+                    </a:solidFill>
+                  </a:tcPr>
+                </a:tc>
+                <a:tc>
+                  <a:txBody>
+                    <a:bodyPr lIns="90000" rIns="90000"/>
+                    <a:p>
+                      <a:r>
+                        <a:rPr b="0" lang="en-IN" sz="1500" spc="-1" strike="noStrike">
+                          <a:solidFill>
+                            <a:srgbClr val="000000"/>
+                          </a:solidFill>
+                          <a:uFill>
+                            <a:solidFill>
+                              <a:srgbClr val="ffffff"/>
+                            </a:solidFill>
+                          </a:uFill>
+                          <a:latin typeface="Arial"/>
+                        </a:rPr>
+                        <a:t>None</a:t>
+                      </a:r>
+                      <a:endParaRPr b="0" lang="en-IN" sz="1800" spc="-1" strike="noStrike">
+                        <a:solidFill>
+                          <a:srgbClr val="000000"/>
+                        </a:solidFill>
+                        <a:uFill>
+                          <a:solidFill>
+                            <a:srgbClr val="ffffff"/>
+                          </a:solidFill>
+                        </a:uFill>
+                        <a:latin typeface="Arial"/>
+                      </a:endParaRPr>
+                    </a:p>
+                  </a:txBody>
+                  <a:tcPr marL="90000" marR="90000">
+                    <a:lnL w="720">
+                      <a:solidFill>
+                        <a:srgbClr val="ffffff"/>
+                      </a:solidFill>
+                    </a:lnL>
+                    <a:lnR w="720">
+                      <a:solidFill>
+                        <a:srgbClr val="ffffff"/>
+                      </a:solidFill>
+                    </a:lnR>
+                    <a:lnT w="720">
+                      <a:solidFill>
+                        <a:srgbClr val="ffffff"/>
+                      </a:solidFill>
+                    </a:lnT>
+                    <a:lnB w="720">
+                      <a:solidFill>
+                        <a:srgbClr val="ffffff"/>
+                      </a:solidFill>
+                    </a:lnB>
+                    <a:solidFill>
+                      <a:srgbClr val="e6e6e6"/>
+                    </a:solidFill>
+                  </a:tcPr>
+                </a:tc>
+                <a:tc>
+                  <a:txBody>
+                    <a:bodyPr lIns="90000" rIns="90000"/>
+                    <a:p>
+                      <a:r>
+                        <a:rPr b="0" lang="en-IN" sz="1500" spc="-1" strike="noStrike">
+                          <a:solidFill>
+                            <a:srgbClr val="000000"/>
+                          </a:solidFill>
+                          <a:uFill>
+                            <a:solidFill>
+                              <a:srgbClr val="ffffff"/>
+                            </a:solidFill>
+                          </a:uFill>
+                          <a:latin typeface="Arial"/>
+                        </a:rPr>
+                        <a:t>ok/error</a:t>
+                      </a:r>
+                      <a:endParaRPr b="0" lang="en-IN" sz="1800" spc="-1" strike="noStrike">
+                        <a:solidFill>
+                          <a:srgbClr val="000000"/>
+                        </a:solidFill>
+                        <a:uFill>
+                          <a:solidFill>
+                            <a:srgbClr val="ffffff"/>
+                          </a:solidFill>
+                        </a:uFill>
+                        <a:latin typeface="Arial"/>
+                      </a:endParaRPr>
+                    </a:p>
+                  </a:txBody>
+                  <a:tcPr marL="90000" marR="90000">
+                    <a:lnL w="720">
+                      <a:solidFill>
+                        <a:srgbClr val="ffffff"/>
+                      </a:solidFill>
+                    </a:lnL>
+                    <a:lnR w="720">
+                      <a:solidFill>
+                        <a:srgbClr val="ffffff"/>
+                      </a:solidFill>
+                    </a:lnR>
+                    <a:lnT w="720">
+                      <a:solidFill>
+                        <a:srgbClr val="ffffff"/>
+                      </a:solidFill>
+                    </a:lnT>
+                    <a:lnB w="720">
+                      <a:solidFill>
+                        <a:srgbClr val="ffffff"/>
+                      </a:solidFill>
+                    </a:lnB>
+                    <a:solidFill>
+                      <a:srgbClr val="e6e6e6"/>
+                    </a:solidFill>
+                  </a:tcPr>
+                </a:tc>
+              </a:tr>
+              <a:tr h="543240">
+                <a:tc>
+                  <a:txBody>
+                    <a:bodyPr lIns="90000" rIns="90000"/>
+                    <a:p>
+                      <a:r>
+                        <a:rPr b="0" lang="en-IN" sz="1500" spc="-1" strike="noStrike">
+                          <a:solidFill>
+                            <a:srgbClr val="000000"/>
+                          </a:solidFill>
+                          <a:uFill>
+                            <a:solidFill>
+                              <a:srgbClr val="ffffff"/>
+                            </a:solidFill>
+                          </a:uFill>
+                          <a:latin typeface="Arial"/>
+                        </a:rPr>
+                        <a:t>GET</a:t>
+                      </a:r>
+                      <a:endParaRPr b="0" lang="en-IN" sz="1800" spc="-1" strike="noStrike">
+                        <a:solidFill>
+                          <a:srgbClr val="000000"/>
+                        </a:solidFill>
+                        <a:uFill>
+                          <a:solidFill>
+                            <a:srgbClr val="ffffff"/>
+                          </a:solidFill>
+                        </a:uFill>
+                        <a:latin typeface="Arial"/>
+                      </a:endParaRPr>
+                    </a:p>
+                  </a:txBody>
+                  <a:tcPr marL="90000" marR="90000">
+                    <a:lnL w="720">
+                      <a:solidFill>
+                        <a:srgbClr val="ffffff"/>
+                      </a:solidFill>
+                    </a:lnL>
+                    <a:lnR w="720">
+                      <a:solidFill>
+                        <a:srgbClr val="ffffff"/>
+                      </a:solidFill>
+                    </a:lnR>
+                    <a:lnT w="720">
+                      <a:solidFill>
+                        <a:srgbClr val="ffffff"/>
+                      </a:solidFill>
+                    </a:lnT>
+                    <a:lnB w="720">
+                      <a:solidFill>
+                        <a:srgbClr val="ffffff"/>
+                      </a:solidFill>
+                    </a:lnB>
+                    <a:solidFill>
+                      <a:srgbClr val="cccccc"/>
+                    </a:solidFill>
+                  </a:tcPr>
+                </a:tc>
+                <a:tc>
+                  <a:txBody>
+                    <a:bodyPr lIns="90000" rIns="90000"/>
+                    <a:p>
+                      <a:r>
+                        <a:rPr b="0" lang="en-IN" sz="1600" spc="-1" strike="noStrike">
+                          <a:solidFill>
+                            <a:srgbClr val="000000"/>
+                          </a:solidFill>
+                          <a:uFill>
+                            <a:solidFill>
+                              <a:srgbClr val="ffffff"/>
+                            </a:solidFill>
+                          </a:uFill>
+                          <a:latin typeface="Arial"/>
+                        </a:rPr>
+                        <a:t>lcmcontroller/v1/tenants/:tenantId/hosts/:hostIp/mep_capabilities</a:t>
+                      </a:r>
+                      <a:endParaRPr b="0" lang="en-IN" sz="1800" spc="-1" strike="noStrike">
+                        <a:solidFill>
+                          <a:srgbClr val="000000"/>
+                        </a:solidFill>
+                        <a:uFill>
+                          <a:solidFill>
+                            <a:srgbClr val="ffffff"/>
+                          </a:solidFill>
+                        </a:uFill>
+                        <a:latin typeface="Arial"/>
+                      </a:endParaRPr>
+                    </a:p>
+                  </a:txBody>
+                  <a:tcPr marL="90000" marR="90000">
+                    <a:lnL w="720">
+                      <a:solidFill>
+                        <a:srgbClr val="ffffff"/>
+                      </a:solidFill>
+                    </a:lnL>
+                    <a:lnR w="720">
+                      <a:solidFill>
+                        <a:srgbClr val="ffffff"/>
+                      </a:solidFill>
+                    </a:lnR>
+                    <a:lnT w="720">
+                      <a:solidFill>
+                        <a:srgbClr val="ffffff"/>
+                      </a:solidFill>
+                    </a:lnT>
+                    <a:lnB w="720">
+                      <a:solidFill>
+                        <a:srgbClr val="ffffff"/>
+                      </a:solidFill>
+                    </a:lnB>
+                    <a:solidFill>
+                      <a:srgbClr val="cccccc"/>
+                    </a:solidFill>
+                  </a:tcPr>
+                </a:tc>
+                <a:tc>
+                  <a:txBody>
+                    <a:bodyPr lIns="90000" rIns="90000"/>
+                    <a:p>
+                      <a:r>
+                        <a:rPr b="0" lang="en-IN" sz="1500" spc="-1" strike="noStrike">
+                          <a:solidFill>
+                            <a:srgbClr val="000000"/>
+                          </a:solidFill>
+                          <a:uFill>
+                            <a:solidFill>
+                              <a:srgbClr val="ffffff"/>
+                            </a:solidFill>
+                          </a:uFill>
+                          <a:latin typeface="Arial"/>
+                        </a:rPr>
+                        <a:t>None</a:t>
+                      </a:r>
+                      <a:endParaRPr b="0" lang="en-IN" sz="1800" spc="-1" strike="noStrike">
+                        <a:solidFill>
+                          <a:srgbClr val="000000"/>
+                        </a:solidFill>
+                        <a:uFill>
+                          <a:solidFill>
+                            <a:srgbClr val="ffffff"/>
+                          </a:solidFill>
+                        </a:uFill>
+                        <a:latin typeface="Arial"/>
+                      </a:endParaRPr>
+                    </a:p>
+                  </a:txBody>
+                  <a:tcPr marL="90000" marR="90000">
+                    <a:lnL w="720">
+                      <a:solidFill>
+                        <a:srgbClr val="ffffff"/>
+                      </a:solidFill>
+                    </a:lnL>
+                    <a:lnR w="720">
+                      <a:solidFill>
+                        <a:srgbClr val="ffffff"/>
+                      </a:solidFill>
+                    </a:lnR>
+                    <a:lnT w="720">
+                      <a:solidFill>
+                        <a:srgbClr val="ffffff"/>
+                      </a:solidFill>
+                    </a:lnT>
+                    <a:lnB w="720">
+                      <a:solidFill>
+                        <a:srgbClr val="ffffff"/>
+                      </a:solidFill>
+                    </a:lnB>
+                    <a:solidFill>
+                      <a:srgbClr val="cccccc"/>
+                    </a:solidFill>
+                  </a:tcPr>
+                </a:tc>
+                <a:tc>
+                  <a:txBody>
+                    <a:bodyPr lIns="90000" rIns="90000"/>
+                    <a:p>
+                      <a:r>
+                        <a:rPr b="0" lang="en-IN" sz="1500" spc="-1" strike="noStrike">
+                          <a:solidFill>
+                            <a:srgbClr val="000000"/>
+                          </a:solidFill>
+                          <a:uFill>
+                            <a:solidFill>
+                              <a:srgbClr val="ffffff"/>
+                            </a:solidFill>
+                          </a:uFill>
+                          <a:latin typeface="Arial"/>
+                        </a:rPr>
+                        <a:t>Mep capabilities</a:t>
+                      </a:r>
+                      <a:endParaRPr b="0" lang="en-IN" sz="1800" spc="-1" strike="noStrike">
+                        <a:solidFill>
+                          <a:srgbClr val="000000"/>
+                        </a:solidFill>
+                        <a:uFill>
+                          <a:solidFill>
+                            <a:srgbClr val="ffffff"/>
+                          </a:solidFill>
+                        </a:uFill>
+                        <a:latin typeface="Arial"/>
+                      </a:endParaRPr>
+                    </a:p>
+                  </a:txBody>
+                  <a:tcPr marL="90000" marR="90000">
+                    <a:lnL w="720">
+                      <a:solidFill>
+                        <a:srgbClr val="ffffff"/>
+                      </a:solidFill>
+                    </a:lnL>
+                    <a:lnR w="720">
+                      <a:solidFill>
+                        <a:srgbClr val="ffffff"/>
+                      </a:solidFill>
+                    </a:lnR>
+                    <a:lnT w="720">
+                      <a:solidFill>
+                        <a:srgbClr val="ffffff"/>
+                      </a:solidFill>
+                    </a:lnT>
+                    <a:lnB w="720">
+                      <a:solidFill>
+                        <a:srgbClr val="ffffff"/>
+                      </a:solidFill>
+                    </a:lnB>
+                    <a:solidFill>
+                      <a:srgbClr val="cccccc"/>
+                    </a:solidFill>
+                  </a:tcPr>
+                </a:tc>
+              </a:tr>
+              <a:tr h="543240">
+                <a:tc>
+                  <a:txBody>
+                    <a:bodyPr lIns="90000" rIns="90000"/>
+                    <a:p>
+                      <a:r>
+                        <a:rPr b="1" lang="en-IN" sz="1500" spc="-1" strike="noStrike">
+                          <a:solidFill>
+                            <a:srgbClr val="000000"/>
+                          </a:solidFill>
+                          <a:uFill>
+                            <a:solidFill>
+                              <a:srgbClr val="ffffff"/>
+                            </a:solidFill>
+                          </a:uFill>
+                          <a:latin typeface="Arial"/>
+                        </a:rPr>
+                        <a:t>POST</a:t>
+                      </a:r>
+                      <a:endParaRPr b="0" lang="en-IN" sz="1800" spc="-1" strike="noStrike">
+                        <a:solidFill>
+                          <a:srgbClr val="000000"/>
+                        </a:solidFill>
+                        <a:uFill>
+                          <a:solidFill>
+                            <a:srgbClr val="ffffff"/>
+                          </a:solidFill>
+                        </a:uFill>
+                        <a:latin typeface="Arial"/>
+                      </a:endParaRPr>
+                    </a:p>
+                  </a:txBody>
+                  <a:tcPr marL="90000" marR="90000">
+                    <a:lnL w="720">
+                      <a:solidFill>
+                        <a:srgbClr val="ffffff"/>
+                      </a:solidFill>
+                    </a:lnL>
+                    <a:lnR w="720">
+                      <a:solidFill>
+                        <a:srgbClr val="ffffff"/>
+                      </a:solidFill>
+                    </a:lnR>
+                    <a:lnT w="720">
+                      <a:solidFill>
+                        <a:srgbClr val="ffffff"/>
+                      </a:solidFill>
+                    </a:lnT>
+                    <a:lnB w="720">
+                      <a:solidFill>
+                        <a:srgbClr val="ffffff"/>
+                      </a:solidFill>
+                    </a:lnB>
+                    <a:solidFill>
+                      <a:srgbClr val="e6e6e6"/>
+                    </a:solidFill>
+                  </a:tcPr>
+                </a:tc>
+                <a:tc>
+                  <a:txBody>
+                    <a:bodyPr lIns="90000" rIns="90000"/>
+                    <a:p>
+                      <a:r>
+                        <a:rPr b="1" lang="en-IN" sz="1600" spc="-1" strike="noStrike">
+                          <a:solidFill>
+                            <a:srgbClr val="000000"/>
+                          </a:solidFill>
+                          <a:uFill>
+                            <a:solidFill>
+                              <a:srgbClr val="ffffff"/>
+                            </a:solidFill>
+                          </a:uFill>
+                          <a:latin typeface="Arial"/>
+                        </a:rPr>
+                        <a:t>lcmcontroller/v1/tenants/:tenantId/app_instances/batchterminate</a:t>
+                      </a:r>
+                      <a:endParaRPr b="0" lang="en-IN" sz="1800" spc="-1" strike="noStrike">
+                        <a:solidFill>
+                          <a:srgbClr val="000000"/>
+                        </a:solidFill>
+                        <a:uFill>
+                          <a:solidFill>
+                            <a:srgbClr val="ffffff"/>
+                          </a:solidFill>
+                        </a:uFill>
+                        <a:latin typeface="Arial"/>
+                      </a:endParaRPr>
+                    </a:p>
+                  </a:txBody>
+                  <a:tcPr marL="90000" marR="90000">
+                    <a:lnL w="720">
+                      <a:solidFill>
+                        <a:srgbClr val="ffffff"/>
+                      </a:solidFill>
+                    </a:lnL>
+                    <a:lnR w="720">
+                      <a:solidFill>
+                        <a:srgbClr val="ffffff"/>
+                      </a:solidFill>
+                    </a:lnR>
+                    <a:lnT w="720">
+                      <a:solidFill>
+                        <a:srgbClr val="ffffff"/>
+                      </a:solidFill>
+                    </a:lnT>
+                    <a:lnB w="720">
+                      <a:solidFill>
+                        <a:srgbClr val="ffffff"/>
+                      </a:solidFill>
+                    </a:lnB>
+                    <a:solidFill>
+                      <a:srgbClr val="e6e6e6"/>
+                    </a:solidFill>
+                  </a:tcPr>
+                </a:tc>
+                <a:tc>
+                  <a:txBody>
+                    <a:bodyPr lIns="90000" rIns="90000"/>
+                    <a:p>
+                      <a:r>
+                        <a:rPr b="1" lang="en-IN" sz="1500" spc="-1" strike="noStrike">
+                          <a:solidFill>
+                            <a:srgbClr val="000000"/>
+                          </a:solidFill>
+                          <a:uFill>
+                            <a:solidFill>
+                              <a:srgbClr val="ffffff"/>
+                            </a:solidFill>
+                          </a:uFill>
+                          <a:latin typeface="Arial"/>
+                        </a:rPr>
+                        <a:t>List of appinstance id</a:t>
+                      </a:r>
+                      <a:endParaRPr b="0" lang="en-IN" sz="1800" spc="-1" strike="noStrike">
+                        <a:solidFill>
+                          <a:srgbClr val="000000"/>
+                        </a:solidFill>
+                        <a:uFill>
+                          <a:solidFill>
+                            <a:srgbClr val="ffffff"/>
+                          </a:solidFill>
+                        </a:uFill>
+                        <a:latin typeface="Arial"/>
+                      </a:endParaRPr>
+                    </a:p>
+                  </a:txBody>
+                  <a:tcPr marL="90000" marR="90000">
+                    <a:lnL w="720">
+                      <a:solidFill>
+                        <a:srgbClr val="ffffff"/>
+                      </a:solidFill>
+                    </a:lnL>
+                    <a:lnR w="720">
+                      <a:solidFill>
+                        <a:srgbClr val="ffffff"/>
+                      </a:solidFill>
+                    </a:lnR>
+                    <a:lnT w="720">
+                      <a:solidFill>
+                        <a:srgbClr val="ffffff"/>
+                      </a:solidFill>
+                    </a:lnT>
+                    <a:lnB w="720">
+                      <a:solidFill>
+                        <a:srgbClr val="ffffff"/>
+                      </a:solidFill>
+                    </a:lnB>
+                    <a:solidFill>
+                      <a:srgbClr val="e6e6e6"/>
+                    </a:solidFill>
+                  </a:tcPr>
+                </a:tc>
+                <a:tc>
+                  <a:txBody>
+                    <a:bodyPr lIns="90000" rIns="90000"/>
+                    <a:p>
+                      <a:r>
+                        <a:rPr b="1" lang="en-IN" sz="1500" spc="-1" strike="noStrike">
+                          <a:solidFill>
+                            <a:srgbClr val="000000"/>
+                          </a:solidFill>
+                          <a:uFill>
+                            <a:solidFill>
+                              <a:srgbClr val="ffffff"/>
+                            </a:solidFill>
+                          </a:uFill>
+                          <a:latin typeface="Arial"/>
+                        </a:rPr>
+                        <a:t>ok/error</a:t>
+                      </a:r>
+                      <a:endParaRPr b="0" lang="en-IN" sz="1800" spc="-1" strike="noStrike">
+                        <a:solidFill>
+                          <a:srgbClr val="000000"/>
+                        </a:solidFill>
+                        <a:uFill>
+                          <a:solidFill>
+                            <a:srgbClr val="ffffff"/>
+                          </a:solidFill>
+                        </a:uFill>
+                        <a:latin typeface="Arial"/>
+                      </a:endParaRPr>
+                    </a:p>
+                  </a:txBody>
+                  <a:tcPr marL="90000" marR="90000">
+                    <a:lnL w="720">
+                      <a:solidFill>
+                        <a:srgbClr val="ffffff"/>
+                      </a:solidFill>
+                    </a:lnL>
+                    <a:lnR w="720">
+                      <a:solidFill>
+                        <a:srgbClr val="ffffff"/>
+                      </a:solidFill>
+                    </a:lnR>
+                    <a:lnT w="720">
+                      <a:solidFill>
+                        <a:srgbClr val="ffffff"/>
+                      </a:solidFill>
+                    </a:lnT>
+                    <a:lnB w="720">
+                      <a:solidFill>
+                        <a:srgbClr val="ffffff"/>
+                      </a:solidFill>
+                    </a:lnB>
+                    <a:solidFill>
+                      <a:srgbClr val="e6e6e6"/>
+                    </a:solidFill>
+                  </a:tcPr>
+                </a:tc>
+              </a:tr>
+            </a:tbl>
+          </a:graphicData>
+        </a:graphic>
+      </p:graphicFrame>
     </p:spTree>
   </p:cSld>
   <p:timing>
@@ -19075,14 +21423,14 @@
       </p:grpSpPr>
       <p:sp>
         <p:nvSpPr>
-          <p:cNvPr id="303" name="CustomShape 1"/>
+          <p:cNvPr id="302" name="CustomShape 1"/>
           <p:cNvSpPr/>
           <p:nvPr/>
         </p:nvSpPr>
         <p:spPr>
           <a:xfrm>
             <a:off x="288000" y="39600"/>
-            <a:ext cx="5685120" cy="939240"/>
+            <a:ext cx="5685480" cy="939600"/>
           </a:xfrm>
           <a:prstGeom prst="rect">
             <a:avLst/>
@@ -19103,7 +21451,7 @@
           <a:p>
             <a:pPr>
               <a:lnSpc>
-                <a:spcPts val="0"/>
+                <a:spcPts val="1"/>
               </a:lnSpc>
             </a:pPr>
             <a:r>
@@ -19119,7 +21467,7 @@
                 <a:latin typeface="Microsoft YaHei"/>
                 <a:ea typeface="Microsoft YaHei"/>
               </a:rPr>
-              <a:t>APPLCM Interfaces </a:t>
+              <a:t>APP-Rule-Mgr Interfaces </a:t>
             </a:r>
             <a:endParaRPr b="0" lang="en-IN" sz="1800" spc="-1" strike="noStrike">
               <a:solidFill>
@@ -19137,13 +21485,13 @@
       </p:sp>
       <p:graphicFrame>
         <p:nvGraphicFramePr>
-          <p:cNvPr id="304" name="Table 2"/>
+          <p:cNvPr id="303" name="Table 2"/>
           <p:cNvGraphicFramePr/>
           <p:nvPr/>
         </p:nvGraphicFramePr>
         <p:xfrm>
           <a:off x="288000" y="864000"/>
-          <a:ext cx="9503640" cy="3753720"/>
+          <a:ext cx="9503640" cy="2476080"/>
         </p:xfrm>
         <a:graphic>
           <a:graphicData uri="http://schemas.openxmlformats.org/drawingml/2006/table">
@@ -19459,7 +21807,7 @@
                           </a:uFill>
                           <a:latin typeface="Arial"/>
                         </a:rPr>
-                        <a:t>lcmcontroller/v1/tenants/:tenantId/app_instances/:appInstanceId/batchInstantiate</a:t>
+                        <a:t>apprulemgr/v1/tenants/:tenantId/app_instances/:appInstanceId/appd_configuration</a:t>
                       </a:r>
                       <a:endParaRPr b="0" lang="en-IN" sz="1800" spc="-1" strike="noStrike">
                         <a:solidFill>
@@ -19516,7 +21864,467 @@
                           </a:uFill>
                           <a:latin typeface="Arial"/>
                         </a:rPr>
-                        <a:t>App instance Info</a:t>
+                        <a:t>AppDRuleModel</a:t>
+                      </a:r>
+                      <a:endParaRPr b="0" lang="en-IN" sz="1800" spc="-1" strike="noStrike">
+                        <a:solidFill>
+                          <a:srgbClr val="000000"/>
+                        </a:solidFill>
+                        <a:uFill>
+                          <a:solidFill>
+                            <a:srgbClr val="ffffff"/>
+                          </a:solidFill>
+                        </a:uFill>
+                        <a:latin typeface="Arial"/>
+                      </a:endParaRPr>
+                    </a:p>
+                  </a:txBody>
+                  <a:tcPr marL="90000" marR="90000">
+                    <a:lnL w="720">
+                      <a:solidFill>
+                        <a:srgbClr val="ffffff"/>
+                      </a:solidFill>
+                    </a:lnL>
+                    <a:lnR w="720">
+                      <a:solidFill>
+                        <a:srgbClr val="ffffff"/>
+                      </a:solidFill>
+                    </a:lnR>
+                    <a:lnT w="720">
+                      <a:solidFill>
+                        <a:srgbClr val="ffffff"/>
+                      </a:solidFill>
+                    </a:lnT>
+                    <a:lnB w="720">
+                      <a:solidFill>
+                        <a:srgbClr val="ffffff"/>
+                      </a:solidFill>
+                    </a:lnB>
+                    <a:solidFill>
+                      <a:srgbClr val="cccccc"/>
+                    </a:solidFill>
+                  </a:tcPr>
+                </a:tc>
+                <a:tc>
+                  <a:txBody>
+                    <a:bodyPr lIns="90000" rIns="90000"/>
+                    <a:p>
+                      <a:r>
+                        <a:rPr b="0" lang="en-IN" sz="1500" spc="-1" strike="noStrike">
+                          <a:solidFill>
+                            <a:srgbClr val="000000"/>
+                          </a:solidFill>
+                          <a:uFill>
+                            <a:solidFill>
+                              <a:srgbClr val="ffffff"/>
+                            </a:solidFill>
+                          </a:uFill>
+                          <a:latin typeface="Arial"/>
+                        </a:rPr>
+                        <a:t>ok/error</a:t>
+                      </a:r>
+                      <a:endParaRPr b="0" lang="en-IN" sz="1800" spc="-1" strike="noStrike">
+                        <a:solidFill>
+                          <a:srgbClr val="000000"/>
+                        </a:solidFill>
+                        <a:uFill>
+                          <a:solidFill>
+                            <a:srgbClr val="ffffff"/>
+                          </a:solidFill>
+                        </a:uFill>
+                        <a:latin typeface="Arial"/>
+                      </a:endParaRPr>
+                    </a:p>
+                  </a:txBody>
+                  <a:tcPr marL="90000" marR="90000">
+                    <a:lnL w="720">
+                      <a:solidFill>
+                        <a:srgbClr val="ffffff"/>
+                      </a:solidFill>
+                    </a:lnL>
+                    <a:lnR w="720">
+                      <a:solidFill>
+                        <a:srgbClr val="ffffff"/>
+                      </a:solidFill>
+                    </a:lnR>
+                    <a:lnT w="720">
+                      <a:solidFill>
+                        <a:srgbClr val="ffffff"/>
+                      </a:solidFill>
+                    </a:lnT>
+                    <a:lnB w="720">
+                      <a:solidFill>
+                        <a:srgbClr val="ffffff"/>
+                      </a:solidFill>
+                    </a:lnB>
+                    <a:solidFill>
+                      <a:srgbClr val="cccccc"/>
+                    </a:solidFill>
+                  </a:tcPr>
+                </a:tc>
+              </a:tr>
+              <a:tr h="543240">
+                <a:tc>
+                  <a:txBody>
+                    <a:bodyPr lIns="90000" rIns="90000"/>
+                    <a:p>
+                      <a:r>
+                        <a:rPr b="0" lang="en-IN" sz="1500" spc="-1" strike="noStrike">
+                          <a:solidFill>
+                            <a:srgbClr val="000000"/>
+                          </a:solidFill>
+                          <a:uFill>
+                            <a:solidFill>
+                              <a:srgbClr val="ffffff"/>
+                            </a:solidFill>
+                          </a:uFill>
+                          <a:latin typeface="Arial"/>
+                        </a:rPr>
+                        <a:t>DELETE</a:t>
+                      </a:r>
+                      <a:endParaRPr b="0" lang="en-IN" sz="1800" spc="-1" strike="noStrike">
+                        <a:solidFill>
+                          <a:srgbClr val="000000"/>
+                        </a:solidFill>
+                        <a:uFill>
+                          <a:solidFill>
+                            <a:srgbClr val="ffffff"/>
+                          </a:solidFill>
+                        </a:uFill>
+                        <a:latin typeface="Arial"/>
+                      </a:endParaRPr>
+                    </a:p>
+                  </a:txBody>
+                  <a:tcPr marL="90000" marR="90000">
+                    <a:lnL w="720">
+                      <a:solidFill>
+                        <a:srgbClr val="ffffff"/>
+                      </a:solidFill>
+                    </a:lnL>
+                    <a:lnR w="720">
+                      <a:solidFill>
+                        <a:srgbClr val="ffffff"/>
+                      </a:solidFill>
+                    </a:lnR>
+                    <a:lnT w="720">
+                      <a:solidFill>
+                        <a:srgbClr val="ffffff"/>
+                      </a:solidFill>
+                    </a:lnT>
+                    <a:lnB w="720">
+                      <a:solidFill>
+                        <a:srgbClr val="ffffff"/>
+                      </a:solidFill>
+                    </a:lnB>
+                    <a:solidFill>
+                      <a:srgbClr val="e6e6e6"/>
+                    </a:solidFill>
+                  </a:tcPr>
+                </a:tc>
+                <a:tc>
+                  <a:txBody>
+                    <a:bodyPr lIns="90000" rIns="90000"/>
+                    <a:p>
+                      <a:r>
+                        <a:rPr b="0" lang="en-IN" sz="1600" spc="-1" strike="noStrike">
+                          <a:solidFill>
+                            <a:srgbClr val="000000"/>
+                          </a:solidFill>
+                          <a:uFill>
+                            <a:solidFill>
+                              <a:srgbClr val="ffffff"/>
+                            </a:solidFill>
+                          </a:uFill>
+                          <a:latin typeface="Arial"/>
+                        </a:rPr>
+                        <a:t>apprulemgr/v1/tenants/:tenantId/app_instances/:appInstanceId/appd_configuration</a:t>
+                      </a:r>
+                      <a:endParaRPr b="0" lang="en-IN" sz="1800" spc="-1" strike="noStrike">
+                        <a:solidFill>
+                          <a:srgbClr val="000000"/>
+                        </a:solidFill>
+                        <a:uFill>
+                          <a:solidFill>
+                            <a:srgbClr val="ffffff"/>
+                          </a:solidFill>
+                        </a:uFill>
+                        <a:latin typeface="Arial"/>
+                      </a:endParaRPr>
+                    </a:p>
+                  </a:txBody>
+                  <a:tcPr marL="90000" marR="90000">
+                    <a:lnL w="720">
+                      <a:solidFill>
+                        <a:srgbClr val="ffffff"/>
+                      </a:solidFill>
+                    </a:lnL>
+                    <a:lnR w="720">
+                      <a:solidFill>
+                        <a:srgbClr val="ffffff"/>
+                      </a:solidFill>
+                    </a:lnR>
+                    <a:lnT w="720">
+                      <a:solidFill>
+                        <a:srgbClr val="ffffff"/>
+                      </a:solidFill>
+                    </a:lnT>
+                    <a:lnB w="720">
+                      <a:solidFill>
+                        <a:srgbClr val="ffffff"/>
+                      </a:solidFill>
+                    </a:lnB>
+                    <a:solidFill>
+                      <a:srgbClr val="e6e6e6"/>
+                    </a:solidFill>
+                  </a:tcPr>
+                </a:tc>
+                <a:tc>
+                  <a:txBody>
+                    <a:bodyPr lIns="90000" rIns="90000"/>
+                    <a:p>
+                      <a:r>
+                        <a:rPr b="0" lang="en-IN" sz="1500" spc="-1" strike="noStrike">
+                          <a:solidFill>
+                            <a:srgbClr val="000000"/>
+                          </a:solidFill>
+                          <a:uFill>
+                            <a:solidFill>
+                              <a:srgbClr val="ffffff"/>
+                            </a:solidFill>
+                          </a:uFill>
+                          <a:latin typeface="Arial"/>
+                        </a:rPr>
+                        <a:t>None</a:t>
+                      </a:r>
+                      <a:endParaRPr b="0" lang="en-IN" sz="1800" spc="-1" strike="noStrike">
+                        <a:solidFill>
+                          <a:srgbClr val="000000"/>
+                        </a:solidFill>
+                        <a:uFill>
+                          <a:solidFill>
+                            <a:srgbClr val="ffffff"/>
+                          </a:solidFill>
+                        </a:uFill>
+                        <a:latin typeface="Arial"/>
+                      </a:endParaRPr>
+                    </a:p>
+                  </a:txBody>
+                  <a:tcPr marL="90000" marR="90000">
+                    <a:lnL w="720">
+                      <a:solidFill>
+                        <a:srgbClr val="ffffff"/>
+                      </a:solidFill>
+                    </a:lnL>
+                    <a:lnR w="720">
+                      <a:solidFill>
+                        <a:srgbClr val="ffffff"/>
+                      </a:solidFill>
+                    </a:lnR>
+                    <a:lnT w="720">
+                      <a:solidFill>
+                        <a:srgbClr val="ffffff"/>
+                      </a:solidFill>
+                    </a:lnT>
+                    <a:lnB w="720">
+                      <a:solidFill>
+                        <a:srgbClr val="ffffff"/>
+                      </a:solidFill>
+                    </a:lnB>
+                    <a:solidFill>
+                      <a:srgbClr val="e6e6e6"/>
+                    </a:solidFill>
+                  </a:tcPr>
+                </a:tc>
+                <a:tc>
+                  <a:txBody>
+                    <a:bodyPr lIns="90000" rIns="90000"/>
+                    <a:p>
+                      <a:r>
+                        <a:rPr b="0" lang="en-IN" sz="1500" spc="-1" strike="noStrike">
+                          <a:solidFill>
+                            <a:srgbClr val="000000"/>
+                          </a:solidFill>
+                          <a:uFill>
+                            <a:solidFill>
+                              <a:srgbClr val="ffffff"/>
+                            </a:solidFill>
+                          </a:uFill>
+                          <a:latin typeface="Arial"/>
+                        </a:rPr>
+                        <a:t>ok/error</a:t>
+                      </a:r>
+                      <a:endParaRPr b="0" lang="en-IN" sz="1800" spc="-1" strike="noStrike">
+                        <a:solidFill>
+                          <a:srgbClr val="000000"/>
+                        </a:solidFill>
+                        <a:uFill>
+                          <a:solidFill>
+                            <a:srgbClr val="ffffff"/>
+                          </a:solidFill>
+                        </a:uFill>
+                        <a:latin typeface="Arial"/>
+                      </a:endParaRPr>
+                    </a:p>
+                  </a:txBody>
+                  <a:tcPr marL="90000" marR="90000">
+                    <a:lnL w="720">
+                      <a:solidFill>
+                        <a:srgbClr val="ffffff"/>
+                      </a:solidFill>
+                    </a:lnL>
+                    <a:lnR w="720">
+                      <a:solidFill>
+                        <a:srgbClr val="ffffff"/>
+                      </a:solidFill>
+                    </a:lnR>
+                    <a:lnT w="720">
+                      <a:solidFill>
+                        <a:srgbClr val="ffffff"/>
+                      </a:solidFill>
+                    </a:lnT>
+                    <a:lnB w="720">
+                      <a:solidFill>
+                        <a:srgbClr val="ffffff"/>
+                      </a:solidFill>
+                    </a:lnB>
+                    <a:solidFill>
+                      <a:srgbClr val="e6e6e6"/>
+                    </a:solidFill>
+                  </a:tcPr>
+                </a:tc>
+              </a:tr>
+              <a:tr h="543240">
+                <a:tc>
+                  <a:txBody>
+                    <a:bodyPr lIns="90000" rIns="90000"/>
+                    <a:p>
+                      <a:r>
+                        <a:rPr b="0" lang="en-IN" sz="1500" spc="-1" strike="noStrike">
+                          <a:solidFill>
+                            <a:srgbClr val="000000"/>
+                          </a:solidFill>
+                          <a:uFill>
+                            <a:solidFill>
+                              <a:srgbClr val="ffffff"/>
+                            </a:solidFill>
+                          </a:uFill>
+                          <a:latin typeface="Arial"/>
+                        </a:rPr>
+                        <a:t>PUT</a:t>
+                      </a:r>
+                      <a:endParaRPr b="0" lang="en-IN" sz="1800" spc="-1" strike="noStrike">
+                        <a:solidFill>
+                          <a:srgbClr val="000000"/>
+                        </a:solidFill>
+                        <a:uFill>
+                          <a:solidFill>
+                            <a:srgbClr val="ffffff"/>
+                          </a:solidFill>
+                        </a:uFill>
+                        <a:latin typeface="Arial"/>
+                      </a:endParaRPr>
+                    </a:p>
+                  </a:txBody>
+                  <a:tcPr marL="90000" marR="90000">
+                    <a:lnL w="720">
+                      <a:solidFill>
+                        <a:srgbClr val="ffffff"/>
+                      </a:solidFill>
+                    </a:lnL>
+                    <a:lnR w="720">
+                      <a:solidFill>
+                        <a:srgbClr val="ffffff"/>
+                      </a:solidFill>
+                    </a:lnR>
+                    <a:lnT w="720">
+                      <a:solidFill>
+                        <a:srgbClr val="ffffff"/>
+                      </a:solidFill>
+                    </a:lnT>
+                    <a:lnB w="720">
+                      <a:solidFill>
+                        <a:srgbClr val="ffffff"/>
+                      </a:solidFill>
+                    </a:lnB>
+                    <a:solidFill>
+                      <a:srgbClr val="cccccc"/>
+                    </a:solidFill>
+                  </a:tcPr>
+                </a:tc>
+                <a:tc>
+                  <a:txBody>
+                    <a:bodyPr lIns="90000" rIns="90000"/>
+                    <a:p>
+                      <a:r>
+                        <a:rPr b="0" lang="en-IN" sz="1600" spc="-1" strike="noStrike">
+                          <a:solidFill>
+                            <a:srgbClr val="000000"/>
+                          </a:solidFill>
+                          <a:uFill>
+                            <a:solidFill>
+                              <a:srgbClr val="ffffff"/>
+                            </a:solidFill>
+                          </a:uFill>
+                          <a:latin typeface="Arial"/>
+                        </a:rPr>
+                        <a:t>apprulemgr/v1/tenants/:tenantId/app_instances/:appInstanceId/appd_configuration</a:t>
+                      </a:r>
+                      <a:endParaRPr b="0" lang="en-IN" sz="1800" spc="-1" strike="noStrike">
+                        <a:solidFill>
+                          <a:srgbClr val="000000"/>
+                        </a:solidFill>
+                        <a:uFill>
+                          <a:solidFill>
+                            <a:srgbClr val="ffffff"/>
+                          </a:solidFill>
+                        </a:uFill>
+                        <a:latin typeface="Arial"/>
+                      </a:endParaRPr>
+                    </a:p>
+                  </a:txBody>
+                  <a:tcPr marL="90000" marR="90000">
+                    <a:lnL w="720">
+                      <a:solidFill>
+                        <a:srgbClr val="ffffff"/>
+                      </a:solidFill>
+                    </a:lnL>
+                    <a:lnR w="720">
+                      <a:solidFill>
+                        <a:srgbClr val="ffffff"/>
+                      </a:solidFill>
+                    </a:lnR>
+                    <a:lnT w="720">
+                      <a:solidFill>
+                        <a:srgbClr val="ffffff"/>
+                      </a:solidFill>
+                    </a:lnT>
+                    <a:lnB w="720">
+                      <a:solidFill>
+                        <a:srgbClr val="ffffff"/>
+                      </a:solidFill>
+                    </a:lnB>
+                    <a:solidFill>
+                      <a:srgbClr val="cccccc"/>
+                    </a:solidFill>
+                  </a:tcPr>
+                </a:tc>
+                <a:tc>
+                  <a:txBody>
+                    <a:bodyPr lIns="90000" rIns="90000"/>
+                    <a:p>
+                      <a:r>
+                        <a:rPr b="0" lang="en-IN" sz="1500" spc="-1" strike="noStrike">
+                          <a:solidFill>
+                            <a:srgbClr val="000000"/>
+                          </a:solidFill>
+                          <a:uFill>
+                            <a:solidFill>
+                              <a:srgbClr val="ffffff"/>
+                            </a:solidFill>
+                          </a:uFill>
+                          <a:latin typeface="Arial"/>
+                        </a:rPr>
+                        <a:t>AppDRuleModel</a:t>
                       </a:r>
                       <a:endParaRPr b="0" lang="en-IN" sz="1800" spc="-1" strike="noStrike">
                         <a:solidFill>
@@ -19689,7 +22497,7 @@
                           </a:uFill>
                           <a:latin typeface="Arial"/>
                         </a:rPr>
-                        <a:t>lcmcontroller/v1/tenants/:tenantId/app_instances</a:t>
+                        <a:t>apprulemgr/v1/tenants/:tenantId/app_instances/:appInstanceId/appd_configuration</a:t>
                       </a:r>
                       <a:endParaRPr b="0" lang="en-IN" sz="1800" spc="-1" strike="noStrike">
                         <a:solidFill>
@@ -19803,1703 +22611,7 @@
                           </a:uFill>
                           <a:latin typeface="Arial"/>
                         </a:rPr>
-                        <a:t>App instance info</a:t>
-                      </a:r>
-                      <a:endParaRPr b="0" lang="en-IN" sz="1800" spc="-1" strike="noStrike">
-                        <a:solidFill>
-                          <a:srgbClr val="000000"/>
-                        </a:solidFill>
-                        <a:uFill>
-                          <a:solidFill>
-                            <a:srgbClr val="ffffff"/>
-                          </a:solidFill>
-                        </a:uFill>
-                        <a:latin typeface="Arial"/>
-                      </a:endParaRPr>
-                    </a:p>
-                  </a:txBody>
-                  <a:tcPr marL="90000" marR="90000">
-                    <a:lnL w="720">
-                      <a:solidFill>
-                        <a:srgbClr val="ffffff"/>
-                      </a:solidFill>
-                    </a:lnL>
-                    <a:lnR w="720">
-                      <a:solidFill>
-                        <a:srgbClr val="ffffff"/>
-                      </a:solidFill>
-                    </a:lnR>
-                    <a:lnT w="720">
-                      <a:solidFill>
-                        <a:srgbClr val="ffffff"/>
-                      </a:solidFill>
-                    </a:lnT>
-                    <a:lnB w="720">
-                      <a:solidFill>
-                        <a:srgbClr val="ffffff"/>
-                      </a:solidFill>
-                    </a:lnB>
-                    <a:solidFill>
-                      <a:srgbClr val="cccccc"/>
-                    </a:solidFill>
-                  </a:tcPr>
-                </a:tc>
-              </a:tr>
-              <a:tr h="543240">
-                <a:tc>
-                  <a:txBody>
-                    <a:bodyPr lIns="90000" rIns="90000"/>
-                    <a:p>
-                      <a:r>
-                        <a:rPr b="0" lang="en-IN" sz="1500" spc="-1" strike="noStrike">
-                          <a:solidFill>
-                            <a:srgbClr val="000000"/>
-                          </a:solidFill>
-                          <a:uFill>
-                            <a:solidFill>
-                              <a:srgbClr val="ffffff"/>
-                            </a:solidFill>
-                          </a:uFill>
-                          <a:latin typeface="Arial"/>
-                        </a:rPr>
-                        <a:t>POST</a:t>
-                      </a:r>
-                      <a:endParaRPr b="0" lang="en-IN" sz="1800" spc="-1" strike="noStrike">
-                        <a:solidFill>
-                          <a:srgbClr val="000000"/>
-                        </a:solidFill>
-                        <a:uFill>
-                          <a:solidFill>
-                            <a:srgbClr val="ffffff"/>
-                          </a:solidFill>
-                        </a:uFill>
-                        <a:latin typeface="Arial"/>
-                      </a:endParaRPr>
-                    </a:p>
-                  </a:txBody>
-                  <a:tcPr marL="90000" marR="90000">
-                    <a:lnL w="720">
-                      <a:solidFill>
-                        <a:srgbClr val="ffffff"/>
-                      </a:solidFill>
-                    </a:lnL>
-                    <a:lnR w="720">
-                      <a:solidFill>
-                        <a:srgbClr val="ffffff"/>
-                      </a:solidFill>
-                    </a:lnR>
-                    <a:lnT w="720">
-                      <a:solidFill>
-                        <a:srgbClr val="ffffff"/>
-                      </a:solidFill>
-                    </a:lnT>
-                    <a:lnB w="720">
-                      <a:solidFill>
-                        <a:srgbClr val="ffffff"/>
-                      </a:solidFill>
-                    </a:lnB>
-                    <a:solidFill>
-                      <a:srgbClr val="e6e6e6"/>
-                    </a:solidFill>
-                  </a:tcPr>
-                </a:tc>
-                <a:tc>
-                  <a:txBody>
-                    <a:bodyPr lIns="90000" rIns="90000"/>
-                    <a:p>
-                      <a:r>
-                        <a:rPr b="0" lang="en-IN" sz="1600" spc="-1" strike="noStrike">
-                          <a:solidFill>
-                            <a:srgbClr val="000000"/>
-                          </a:solidFill>
-                          <a:uFill>
-                            <a:solidFill>
-                              <a:srgbClr val="ffffff"/>
-                            </a:solidFill>
-                          </a:uFill>
-                          <a:latin typeface="Arial"/>
-                        </a:rPr>
-                        <a:t>lcmcontroller/v1/tenants/:tenantId/app_instances/batchterminate</a:t>
-                      </a:r>
-                      <a:endParaRPr b="0" lang="en-IN" sz="1800" spc="-1" strike="noStrike">
-                        <a:solidFill>
-                          <a:srgbClr val="000000"/>
-                        </a:solidFill>
-                        <a:uFill>
-                          <a:solidFill>
-                            <a:srgbClr val="ffffff"/>
-                          </a:solidFill>
-                        </a:uFill>
-                        <a:latin typeface="Arial"/>
-                      </a:endParaRPr>
-                    </a:p>
-                  </a:txBody>
-                  <a:tcPr marL="90000" marR="90000">
-                    <a:lnL w="720">
-                      <a:solidFill>
-                        <a:srgbClr val="ffffff"/>
-                      </a:solidFill>
-                    </a:lnL>
-                    <a:lnR w="720">
-                      <a:solidFill>
-                        <a:srgbClr val="ffffff"/>
-                      </a:solidFill>
-                    </a:lnR>
-                    <a:lnT w="720">
-                      <a:solidFill>
-                        <a:srgbClr val="ffffff"/>
-                      </a:solidFill>
-                    </a:lnT>
-                    <a:lnB w="720">
-                      <a:solidFill>
-                        <a:srgbClr val="ffffff"/>
-                      </a:solidFill>
-                    </a:lnB>
-                    <a:solidFill>
-                      <a:srgbClr val="e6e6e6"/>
-                    </a:solidFill>
-                  </a:tcPr>
-                </a:tc>
-                <a:tc>
-                  <a:txBody>
-                    <a:bodyPr lIns="90000" rIns="90000"/>
-                    <a:p>
-                      <a:r>
-                        <a:rPr b="0" lang="en-IN" sz="1500" spc="-1" strike="noStrike">
-                          <a:solidFill>
-                            <a:srgbClr val="000000"/>
-                          </a:solidFill>
-                          <a:uFill>
-                            <a:solidFill>
-                              <a:srgbClr val="ffffff"/>
-                            </a:solidFill>
-                          </a:uFill>
-                          <a:latin typeface="Arial"/>
-                        </a:rPr>
-                        <a:t>App instance Infos</a:t>
-                      </a:r>
-                      <a:endParaRPr b="0" lang="en-IN" sz="1800" spc="-1" strike="noStrike">
-                        <a:solidFill>
-                          <a:srgbClr val="000000"/>
-                        </a:solidFill>
-                        <a:uFill>
-                          <a:solidFill>
-                            <a:srgbClr val="ffffff"/>
-                          </a:solidFill>
-                        </a:uFill>
-                        <a:latin typeface="Arial"/>
-                      </a:endParaRPr>
-                    </a:p>
-                  </a:txBody>
-                  <a:tcPr marL="90000" marR="90000">
-                    <a:lnL w="720">
-                      <a:solidFill>
-                        <a:srgbClr val="ffffff"/>
-                      </a:solidFill>
-                    </a:lnL>
-                    <a:lnR w="720">
-                      <a:solidFill>
-                        <a:srgbClr val="ffffff"/>
-                      </a:solidFill>
-                    </a:lnR>
-                    <a:lnT w="720">
-                      <a:solidFill>
-                        <a:srgbClr val="ffffff"/>
-                      </a:solidFill>
-                    </a:lnT>
-                    <a:lnB w="720">
-                      <a:solidFill>
-                        <a:srgbClr val="ffffff"/>
-                      </a:solidFill>
-                    </a:lnB>
-                    <a:solidFill>
-                      <a:srgbClr val="e6e6e6"/>
-                    </a:solidFill>
-                  </a:tcPr>
-                </a:tc>
-                <a:tc>
-                  <a:txBody>
-                    <a:bodyPr lIns="90000" rIns="90000"/>
-                    <a:p>
-                      <a:r>
-                        <a:rPr b="0" lang="en-IN" sz="1500" spc="-1" strike="noStrike">
-                          <a:solidFill>
-                            <a:srgbClr val="000000"/>
-                          </a:solidFill>
-                          <a:uFill>
-                            <a:solidFill>
-                              <a:srgbClr val="ffffff"/>
-                            </a:solidFill>
-                          </a:uFill>
-                          <a:latin typeface="Arial"/>
-                        </a:rPr>
-                        <a:t>ok/error</a:t>
-                      </a:r>
-                      <a:endParaRPr b="0" lang="en-IN" sz="1800" spc="-1" strike="noStrike">
-                        <a:solidFill>
-                          <a:srgbClr val="000000"/>
-                        </a:solidFill>
-                        <a:uFill>
-                          <a:solidFill>
-                            <a:srgbClr val="ffffff"/>
-                          </a:solidFill>
-                        </a:uFill>
-                        <a:latin typeface="Arial"/>
-                      </a:endParaRPr>
-                    </a:p>
-                  </a:txBody>
-                  <a:tcPr marL="90000" marR="90000">
-                    <a:lnL w="720">
-                      <a:solidFill>
-                        <a:srgbClr val="ffffff"/>
-                      </a:solidFill>
-                    </a:lnL>
-                    <a:lnR w="720">
-                      <a:solidFill>
-                        <a:srgbClr val="ffffff"/>
-                      </a:solidFill>
-                    </a:lnR>
-                    <a:lnT w="720">
-                      <a:solidFill>
-                        <a:srgbClr val="ffffff"/>
-                      </a:solidFill>
-                    </a:lnT>
-                    <a:lnB w="720">
-                      <a:solidFill>
-                        <a:srgbClr val="ffffff"/>
-                      </a:solidFill>
-                    </a:lnB>
-                    <a:solidFill>
-                      <a:srgbClr val="e6e6e6"/>
-                    </a:solidFill>
-                  </a:tcPr>
-                </a:tc>
-              </a:tr>
-              <a:tr h="455400">
-                <a:tc>
-                  <a:txBody>
-                    <a:bodyPr lIns="90000" rIns="90000"/>
-                    <a:p>
-                      <a:r>
-                        <a:rPr b="0" lang="en-IN" sz="1500" spc="-1" strike="noStrike">
-                          <a:solidFill>
-                            <a:srgbClr val="000000"/>
-                          </a:solidFill>
-                          <a:uFill>
-                            <a:solidFill>
-                              <a:srgbClr val="ffffff"/>
-                            </a:solidFill>
-                          </a:uFill>
-                          <a:latin typeface="Arial"/>
-                        </a:rPr>
-                        <a:t>POST</a:t>
-                      </a:r>
-                      <a:endParaRPr b="0" lang="en-IN" sz="1800" spc="-1" strike="noStrike">
-                        <a:solidFill>
-                          <a:srgbClr val="000000"/>
-                        </a:solidFill>
-                        <a:uFill>
-                          <a:solidFill>
-                            <a:srgbClr val="ffffff"/>
-                          </a:solidFill>
-                        </a:uFill>
-                        <a:latin typeface="Arial"/>
-                      </a:endParaRPr>
-                    </a:p>
-                  </a:txBody>
-                  <a:tcPr marL="90000" marR="90000">
-                    <a:lnL w="720">
-                      <a:solidFill>
-                        <a:srgbClr val="ffffff"/>
-                      </a:solidFill>
-                    </a:lnL>
-                    <a:lnR w="720">
-                      <a:solidFill>
-                        <a:srgbClr val="ffffff"/>
-                      </a:solidFill>
-                    </a:lnR>
-                    <a:lnT w="720">
-                      <a:solidFill>
-                        <a:srgbClr val="ffffff"/>
-                      </a:solidFill>
-                    </a:lnT>
-                    <a:lnB w="720">
-                      <a:solidFill>
-                        <a:srgbClr val="ffffff"/>
-                      </a:solidFill>
-                    </a:lnB>
-                    <a:solidFill>
-                      <a:srgbClr val="cccccc"/>
-                    </a:solidFill>
-                  </a:tcPr>
-                </a:tc>
-                <a:tc>
-                  <a:txBody>
-                    <a:bodyPr lIns="90000" rIns="90000"/>
-                    <a:p>
-                      <a:r>
-                        <a:rPr b="0" lang="en-IN" sz="1600" spc="-1" strike="noStrike">
-                          <a:solidFill>
-                            <a:srgbClr val="000000"/>
-                          </a:solidFill>
-                          <a:uFill>
-                            <a:solidFill>
-                              <a:srgbClr val="ffffff"/>
-                            </a:solidFill>
-                          </a:uFill>
-                          <a:latin typeface="Arial"/>
-                        </a:rPr>
-                        <a:t>lcmcontroller/v1/hosts</a:t>
-                      </a:r>
-                      <a:endParaRPr b="0" lang="en-IN" sz="1800" spc="-1" strike="noStrike">
-                        <a:solidFill>
-                          <a:srgbClr val="000000"/>
-                        </a:solidFill>
-                        <a:uFill>
-                          <a:solidFill>
-                            <a:srgbClr val="ffffff"/>
-                          </a:solidFill>
-                        </a:uFill>
-                        <a:latin typeface="Arial"/>
-                      </a:endParaRPr>
-                    </a:p>
-                  </a:txBody>
-                  <a:tcPr marL="90000" marR="90000">
-                    <a:lnL w="720">
-                      <a:solidFill>
-                        <a:srgbClr val="ffffff"/>
-                      </a:solidFill>
-                    </a:lnL>
-                    <a:lnR w="720">
-                      <a:solidFill>
-                        <a:srgbClr val="ffffff"/>
-                      </a:solidFill>
-                    </a:lnR>
-                    <a:lnT w="720">
-                      <a:solidFill>
-                        <a:srgbClr val="ffffff"/>
-                      </a:solidFill>
-                    </a:lnT>
-                    <a:lnB w="720">
-                      <a:solidFill>
-                        <a:srgbClr val="ffffff"/>
-                      </a:solidFill>
-                    </a:lnB>
-                    <a:solidFill>
-                      <a:srgbClr val="cccccc"/>
-                    </a:solidFill>
-                  </a:tcPr>
-                </a:tc>
-                <a:tc>
-                  <a:txBody>
-                    <a:bodyPr lIns="90000" rIns="90000"/>
-                    <a:p>
-                      <a:r>
-                        <a:rPr b="0" lang="en-IN" sz="1500" spc="-1" strike="noStrike">
-                          <a:solidFill>
-                            <a:srgbClr val="000000"/>
-                          </a:solidFill>
-                          <a:uFill>
-                            <a:solidFill>
-                              <a:srgbClr val="ffffff"/>
-                            </a:solidFill>
-                          </a:uFill>
-                          <a:latin typeface="Arial"/>
-                        </a:rPr>
-                        <a:t>Config file + host info</a:t>
-                      </a:r>
-                      <a:endParaRPr b="0" lang="en-IN" sz="1800" spc="-1" strike="noStrike">
-                        <a:solidFill>
-                          <a:srgbClr val="000000"/>
-                        </a:solidFill>
-                        <a:uFill>
-                          <a:solidFill>
-                            <a:srgbClr val="ffffff"/>
-                          </a:solidFill>
-                        </a:uFill>
-                        <a:latin typeface="Arial"/>
-                      </a:endParaRPr>
-                    </a:p>
-                  </a:txBody>
-                  <a:tcPr marL="90000" marR="90000">
-                    <a:lnL w="720">
-                      <a:solidFill>
-                        <a:srgbClr val="ffffff"/>
-                      </a:solidFill>
-                    </a:lnL>
-                    <a:lnR w="720">
-                      <a:solidFill>
-                        <a:srgbClr val="ffffff"/>
-                      </a:solidFill>
-                    </a:lnR>
-                    <a:lnT w="720">
-                      <a:solidFill>
-                        <a:srgbClr val="ffffff"/>
-                      </a:solidFill>
-                    </a:lnT>
-                    <a:lnB w="720">
-                      <a:solidFill>
-                        <a:srgbClr val="ffffff"/>
-                      </a:solidFill>
-                    </a:lnB>
-                    <a:solidFill>
-                      <a:srgbClr val="cccccc"/>
-                    </a:solidFill>
-                  </a:tcPr>
-                </a:tc>
-                <a:tc>
-                  <a:txBody>
-                    <a:bodyPr lIns="90000" rIns="90000"/>
-                    <a:p>
-                      <a:r>
-                        <a:rPr b="0" lang="en-IN" sz="1500" spc="-1" strike="noStrike">
-                          <a:solidFill>
-                            <a:srgbClr val="000000"/>
-                          </a:solidFill>
-                          <a:uFill>
-                            <a:solidFill>
-                              <a:srgbClr val="ffffff"/>
-                            </a:solidFill>
-                          </a:uFill>
-                          <a:latin typeface="Arial"/>
-                        </a:rPr>
-                        <a:t>ok/error</a:t>
-                      </a:r>
-                      <a:endParaRPr b="0" lang="en-IN" sz="1800" spc="-1" strike="noStrike">
-                        <a:solidFill>
-                          <a:srgbClr val="000000"/>
-                        </a:solidFill>
-                        <a:uFill>
-                          <a:solidFill>
-                            <a:srgbClr val="ffffff"/>
-                          </a:solidFill>
-                        </a:uFill>
-                        <a:latin typeface="Arial"/>
-                      </a:endParaRPr>
-                    </a:p>
-                  </a:txBody>
-                  <a:tcPr marL="90000" marR="90000">
-                    <a:lnL w="720">
-                      <a:solidFill>
-                        <a:srgbClr val="ffffff"/>
-                      </a:solidFill>
-                    </a:lnL>
-                    <a:lnR w="720">
-                      <a:solidFill>
-                        <a:srgbClr val="ffffff"/>
-                      </a:solidFill>
-                    </a:lnR>
-                    <a:lnT w="720">
-                      <a:solidFill>
-                        <a:srgbClr val="ffffff"/>
-                      </a:solidFill>
-                    </a:lnT>
-                    <a:lnB w="720">
-                      <a:solidFill>
-                        <a:srgbClr val="ffffff"/>
-                      </a:solidFill>
-                    </a:lnB>
-                    <a:solidFill>
-                      <a:srgbClr val="cccccc"/>
-                    </a:solidFill>
-                  </a:tcPr>
-                </a:tc>
-              </a:tr>
-              <a:tr h="455400">
-                <a:tc>
-                  <a:txBody>
-                    <a:bodyPr lIns="90000" rIns="90000"/>
-                    <a:p>
-                      <a:r>
-                        <a:rPr b="0" lang="en-IN" sz="1500" spc="-1" strike="noStrike">
-                          <a:solidFill>
-                            <a:srgbClr val="000000"/>
-                          </a:solidFill>
-                          <a:uFill>
-                            <a:solidFill>
-                              <a:srgbClr val="ffffff"/>
-                            </a:solidFill>
-                          </a:uFill>
-                          <a:latin typeface="Arial"/>
-                        </a:rPr>
-                        <a:t>PUT</a:t>
-                      </a:r>
-                      <a:endParaRPr b="0" lang="en-IN" sz="1800" spc="-1" strike="noStrike">
-                        <a:solidFill>
-                          <a:srgbClr val="000000"/>
-                        </a:solidFill>
-                        <a:uFill>
-                          <a:solidFill>
-                            <a:srgbClr val="ffffff"/>
-                          </a:solidFill>
-                        </a:uFill>
-                        <a:latin typeface="Arial"/>
-                      </a:endParaRPr>
-                    </a:p>
-                  </a:txBody>
-                  <a:tcPr marL="90000" marR="90000">
-                    <a:lnL w="720">
-                      <a:solidFill>
-                        <a:srgbClr val="ffffff"/>
-                      </a:solidFill>
-                    </a:lnL>
-                    <a:lnR w="720">
-                      <a:solidFill>
-                        <a:srgbClr val="ffffff"/>
-                      </a:solidFill>
-                    </a:lnR>
-                    <a:lnT w="720">
-                      <a:solidFill>
-                        <a:srgbClr val="ffffff"/>
-                      </a:solidFill>
-                    </a:lnT>
-                    <a:lnB w="720">
-                      <a:solidFill>
-                        <a:srgbClr val="ffffff"/>
-                      </a:solidFill>
-                    </a:lnB>
-                    <a:solidFill>
-                      <a:srgbClr val="cccccc"/>
-                    </a:solidFill>
-                  </a:tcPr>
-                </a:tc>
-                <a:tc>
-                  <a:txBody>
-                    <a:bodyPr lIns="90000" rIns="90000"/>
-                    <a:p>
-                      <a:r>
-                        <a:rPr b="0" lang="en-IN" sz="1600" spc="-1" strike="noStrike">
-                          <a:solidFill>
-                            <a:srgbClr val="000000"/>
-                          </a:solidFill>
-                          <a:uFill>
-                            <a:solidFill>
-                              <a:srgbClr val="ffffff"/>
-                            </a:solidFill>
-                          </a:uFill>
-                          <a:latin typeface="Arial"/>
-                        </a:rPr>
-                        <a:t>lcmcontroller/v1/hosts</a:t>
-                      </a:r>
-                      <a:endParaRPr b="0" lang="en-IN" sz="1800" spc="-1" strike="noStrike">
-                        <a:solidFill>
-                          <a:srgbClr val="000000"/>
-                        </a:solidFill>
-                        <a:uFill>
-                          <a:solidFill>
-                            <a:srgbClr val="ffffff"/>
-                          </a:solidFill>
-                        </a:uFill>
-                        <a:latin typeface="Arial"/>
-                      </a:endParaRPr>
-                    </a:p>
-                  </a:txBody>
-                  <a:tcPr marL="90000" marR="90000">
-                    <a:lnL w="720">
-                      <a:solidFill>
-                        <a:srgbClr val="ffffff"/>
-                      </a:solidFill>
-                    </a:lnL>
-                    <a:lnR w="720">
-                      <a:solidFill>
-                        <a:srgbClr val="ffffff"/>
-                      </a:solidFill>
-                    </a:lnR>
-                    <a:lnT w="720">
-                      <a:solidFill>
-                        <a:srgbClr val="ffffff"/>
-                      </a:solidFill>
-                    </a:lnT>
-                    <a:lnB w="720">
-                      <a:solidFill>
-                        <a:srgbClr val="ffffff"/>
-                      </a:solidFill>
-                    </a:lnB>
-                    <a:solidFill>
-                      <a:srgbClr val="cccccc"/>
-                    </a:solidFill>
-                  </a:tcPr>
-                </a:tc>
-                <a:tc>
-                  <a:txBody>
-                    <a:bodyPr lIns="90000" rIns="90000"/>
-                    <a:p>
-                      <a:r>
-                        <a:rPr b="0" lang="en-IN" sz="1500" spc="-1" strike="noStrike">
-                          <a:solidFill>
-                            <a:srgbClr val="000000"/>
-                          </a:solidFill>
-                          <a:uFill>
-                            <a:solidFill>
-                              <a:srgbClr val="ffffff"/>
-                            </a:solidFill>
-                          </a:uFill>
-                          <a:latin typeface="Arial"/>
-                        </a:rPr>
-                        <a:t>Config file + host info</a:t>
-                      </a:r>
-                      <a:endParaRPr b="0" lang="en-IN" sz="1800" spc="-1" strike="noStrike">
-                        <a:solidFill>
-                          <a:srgbClr val="000000"/>
-                        </a:solidFill>
-                        <a:uFill>
-                          <a:solidFill>
-                            <a:srgbClr val="ffffff"/>
-                          </a:solidFill>
-                        </a:uFill>
-                        <a:latin typeface="Arial"/>
-                      </a:endParaRPr>
-                    </a:p>
-                  </a:txBody>
-                  <a:tcPr marL="90000" marR="90000">
-                    <a:lnL w="720">
-                      <a:solidFill>
-                        <a:srgbClr val="ffffff"/>
-                      </a:solidFill>
-                    </a:lnL>
-                    <a:lnR w="720">
-                      <a:solidFill>
-                        <a:srgbClr val="ffffff"/>
-                      </a:solidFill>
-                    </a:lnR>
-                    <a:lnT w="720">
-                      <a:solidFill>
-                        <a:srgbClr val="ffffff"/>
-                      </a:solidFill>
-                    </a:lnT>
-                    <a:lnB w="720">
-                      <a:solidFill>
-                        <a:srgbClr val="ffffff"/>
-                      </a:solidFill>
-                    </a:lnB>
-                    <a:solidFill>
-                      <a:srgbClr val="cccccc"/>
-                    </a:solidFill>
-                  </a:tcPr>
-                </a:tc>
-                <a:tc>
-                  <a:txBody>
-                    <a:bodyPr lIns="90000" rIns="90000"/>
-                    <a:p>
-                      <a:r>
-                        <a:rPr b="0" lang="en-IN" sz="1500" spc="-1" strike="noStrike">
-                          <a:solidFill>
-                            <a:srgbClr val="000000"/>
-                          </a:solidFill>
-                          <a:uFill>
-                            <a:solidFill>
-                              <a:srgbClr val="ffffff"/>
-                            </a:solidFill>
-                          </a:uFill>
-                          <a:latin typeface="Arial"/>
-                        </a:rPr>
-                        <a:t>ok/error</a:t>
-                      </a:r>
-                      <a:endParaRPr b="0" lang="en-IN" sz="1800" spc="-1" strike="noStrike">
-                        <a:solidFill>
-                          <a:srgbClr val="000000"/>
-                        </a:solidFill>
-                        <a:uFill>
-                          <a:solidFill>
-                            <a:srgbClr val="ffffff"/>
-                          </a:solidFill>
-                        </a:uFill>
-                        <a:latin typeface="Arial"/>
-                      </a:endParaRPr>
-                    </a:p>
-                  </a:txBody>
-                  <a:tcPr marL="90000" marR="90000">
-                    <a:lnL w="720">
-                      <a:solidFill>
-                        <a:srgbClr val="ffffff"/>
-                      </a:solidFill>
-                    </a:lnL>
-                    <a:lnR w="720">
-                      <a:solidFill>
-                        <a:srgbClr val="ffffff"/>
-                      </a:solidFill>
-                    </a:lnR>
-                    <a:lnT w="720">
-                      <a:solidFill>
-                        <a:srgbClr val="ffffff"/>
-                      </a:solidFill>
-                    </a:lnT>
-                    <a:lnB w="720">
-                      <a:solidFill>
-                        <a:srgbClr val="ffffff"/>
-                      </a:solidFill>
-                    </a:lnB>
-                    <a:solidFill>
-                      <a:srgbClr val="cccccc"/>
-                    </a:solidFill>
-                  </a:tcPr>
-                </a:tc>
-              </a:tr>
-              <a:tr h="455400">
-                <a:tc>
-                  <a:txBody>
-                    <a:bodyPr lIns="90000" rIns="90000"/>
-                    <a:p>
-                      <a:r>
-                        <a:rPr b="0" lang="en-IN" sz="1500" spc="-1" strike="noStrike">
-                          <a:solidFill>
-                            <a:srgbClr val="000000"/>
-                          </a:solidFill>
-                          <a:uFill>
-                            <a:solidFill>
-                              <a:srgbClr val="ffffff"/>
-                            </a:solidFill>
-                          </a:uFill>
-                          <a:latin typeface="Arial"/>
-                        </a:rPr>
-                        <a:t>DELETE</a:t>
-                      </a:r>
-                      <a:endParaRPr b="0" lang="en-IN" sz="1800" spc="-1" strike="noStrike">
-                        <a:solidFill>
-                          <a:srgbClr val="000000"/>
-                        </a:solidFill>
-                        <a:uFill>
-                          <a:solidFill>
-                            <a:srgbClr val="ffffff"/>
-                          </a:solidFill>
-                        </a:uFill>
-                        <a:latin typeface="Arial"/>
-                      </a:endParaRPr>
-                    </a:p>
-                  </a:txBody>
-                  <a:tcPr marL="90000" marR="90000">
-                    <a:lnL w="720">
-                      <a:solidFill>
-                        <a:srgbClr val="ffffff"/>
-                      </a:solidFill>
-                    </a:lnL>
-                    <a:lnR w="720">
-                      <a:solidFill>
-                        <a:srgbClr val="ffffff"/>
-                      </a:solidFill>
-                    </a:lnR>
-                    <a:lnT w="720">
-                      <a:solidFill>
-                        <a:srgbClr val="ffffff"/>
-                      </a:solidFill>
-                    </a:lnT>
-                    <a:lnB w="720">
-                      <a:solidFill>
-                        <a:srgbClr val="ffffff"/>
-                      </a:solidFill>
-                    </a:lnB>
-                    <a:solidFill>
-                      <a:srgbClr val="cccccc"/>
-                    </a:solidFill>
-                  </a:tcPr>
-                </a:tc>
-                <a:tc>
-                  <a:txBody>
-                    <a:bodyPr lIns="90000" rIns="90000"/>
-                    <a:p>
-                      <a:r>
-                        <a:rPr b="0" lang="en-IN" sz="1600" spc="-1" strike="noStrike">
-                          <a:solidFill>
-                            <a:srgbClr val="000000"/>
-                          </a:solidFill>
-                          <a:uFill>
-                            <a:solidFill>
-                              <a:srgbClr val="ffffff"/>
-                            </a:solidFill>
-                          </a:uFill>
-                          <a:latin typeface="Arial"/>
-                        </a:rPr>
-                        <a:t>lcmcontroller/v1/hosts/{hostIp}</a:t>
-                      </a:r>
-                      <a:endParaRPr b="0" lang="en-IN" sz="1800" spc="-1" strike="noStrike">
-                        <a:solidFill>
-                          <a:srgbClr val="000000"/>
-                        </a:solidFill>
-                        <a:uFill>
-                          <a:solidFill>
-                            <a:srgbClr val="ffffff"/>
-                          </a:solidFill>
-                        </a:uFill>
-                        <a:latin typeface="Arial"/>
-                      </a:endParaRPr>
-                    </a:p>
-                  </a:txBody>
-                  <a:tcPr marL="90000" marR="90000">
-                    <a:lnL w="720">
-                      <a:solidFill>
-                        <a:srgbClr val="ffffff"/>
-                      </a:solidFill>
-                    </a:lnL>
-                    <a:lnR w="720">
-                      <a:solidFill>
-                        <a:srgbClr val="ffffff"/>
-                      </a:solidFill>
-                    </a:lnR>
-                    <a:lnT w="720">
-                      <a:solidFill>
-                        <a:srgbClr val="ffffff"/>
-                      </a:solidFill>
-                    </a:lnT>
-                    <a:lnB w="720">
-                      <a:solidFill>
-                        <a:srgbClr val="ffffff"/>
-                      </a:solidFill>
-                    </a:lnB>
-                    <a:solidFill>
-                      <a:srgbClr val="cccccc"/>
-                    </a:solidFill>
-                  </a:tcPr>
-                </a:tc>
-                <a:tc>
-                  <a:txBody>
-                    <a:bodyPr lIns="90000" rIns="90000"/>
-                    <a:p>
-                      <a:r>
-                        <a:rPr b="0" lang="en-IN" sz="1500" spc="-1" strike="noStrike">
-                          <a:solidFill>
-                            <a:srgbClr val="000000"/>
-                          </a:solidFill>
-                          <a:uFill>
-                            <a:solidFill>
-                              <a:srgbClr val="ffffff"/>
-                            </a:solidFill>
-                          </a:uFill>
-                          <a:latin typeface="Arial"/>
-                        </a:rPr>
-                        <a:t>None</a:t>
-                      </a:r>
-                      <a:endParaRPr b="0" lang="en-IN" sz="1800" spc="-1" strike="noStrike">
-                        <a:solidFill>
-                          <a:srgbClr val="000000"/>
-                        </a:solidFill>
-                        <a:uFill>
-                          <a:solidFill>
-                            <a:srgbClr val="ffffff"/>
-                          </a:solidFill>
-                        </a:uFill>
-                        <a:latin typeface="Arial"/>
-                      </a:endParaRPr>
-                    </a:p>
-                  </a:txBody>
-                  <a:tcPr marL="90000" marR="90000">
-                    <a:lnL w="720">
-                      <a:solidFill>
-                        <a:srgbClr val="ffffff"/>
-                      </a:solidFill>
-                    </a:lnL>
-                    <a:lnR w="720">
-                      <a:solidFill>
-                        <a:srgbClr val="ffffff"/>
-                      </a:solidFill>
-                    </a:lnR>
-                    <a:lnT w="720">
-                      <a:solidFill>
-                        <a:srgbClr val="ffffff"/>
-                      </a:solidFill>
-                    </a:lnT>
-                    <a:lnB w="720">
-                      <a:solidFill>
-                        <a:srgbClr val="ffffff"/>
-                      </a:solidFill>
-                    </a:lnB>
-                    <a:solidFill>
-                      <a:srgbClr val="cccccc"/>
-                    </a:solidFill>
-                  </a:tcPr>
-                </a:tc>
-                <a:tc>
-                  <a:txBody>
-                    <a:bodyPr lIns="90000" rIns="90000"/>
-                    <a:p>
-                      <a:r>
-                        <a:rPr b="0" lang="en-IN" sz="1500" spc="-1" strike="noStrike">
-                          <a:solidFill>
-                            <a:srgbClr val="000000"/>
-                          </a:solidFill>
-                          <a:uFill>
-                            <a:solidFill>
-                              <a:srgbClr val="ffffff"/>
-                            </a:solidFill>
-                          </a:uFill>
-                          <a:latin typeface="Arial"/>
-                        </a:rPr>
-                        <a:t>ok/error</a:t>
-                      </a:r>
-                      <a:endParaRPr b="0" lang="en-IN" sz="1800" spc="-1" strike="noStrike">
-                        <a:solidFill>
-                          <a:srgbClr val="000000"/>
-                        </a:solidFill>
-                        <a:uFill>
-                          <a:solidFill>
-                            <a:srgbClr val="ffffff"/>
-                          </a:solidFill>
-                        </a:uFill>
-                        <a:latin typeface="Arial"/>
-                      </a:endParaRPr>
-                    </a:p>
-                  </a:txBody>
-                  <a:tcPr marL="90000" marR="90000">
-                    <a:lnL w="720">
-                      <a:solidFill>
-                        <a:srgbClr val="ffffff"/>
-                      </a:solidFill>
-                    </a:lnL>
-                    <a:lnR w="720">
-                      <a:solidFill>
-                        <a:srgbClr val="ffffff"/>
-                      </a:solidFill>
-                    </a:lnR>
-                    <a:lnT w="720">
-                      <a:solidFill>
-                        <a:srgbClr val="ffffff"/>
-                      </a:solidFill>
-                    </a:lnT>
-                    <a:lnB w="720">
-                      <a:solidFill>
-                        <a:srgbClr val="ffffff"/>
-                      </a:solidFill>
-                    </a:lnB>
-                    <a:solidFill>
-                      <a:srgbClr val="cccccc"/>
-                    </a:solidFill>
-                  </a:tcPr>
-                </a:tc>
-              </a:tr>
-              <a:tr h="454320">
-                <a:tc>
-                  <a:txBody>
-                    <a:bodyPr lIns="90000" rIns="90000"/>
-                    <a:p>
-                      <a:r>
-                        <a:rPr b="0" lang="en-IN" sz="1500" spc="-1" strike="noStrike">
-                          <a:solidFill>
-                            <a:srgbClr val="000000"/>
-                          </a:solidFill>
-                          <a:uFill>
-                            <a:solidFill>
-                              <a:srgbClr val="ffffff"/>
-                            </a:solidFill>
-                          </a:uFill>
-                          <a:latin typeface="Arial"/>
-                        </a:rPr>
-                        <a:t>GET</a:t>
-                      </a:r>
-                      <a:endParaRPr b="0" lang="en-IN" sz="1800" spc="-1" strike="noStrike">
-                        <a:solidFill>
-                          <a:srgbClr val="000000"/>
-                        </a:solidFill>
-                        <a:uFill>
-                          <a:solidFill>
-                            <a:srgbClr val="ffffff"/>
-                          </a:solidFill>
-                        </a:uFill>
-                        <a:latin typeface="Arial"/>
-                      </a:endParaRPr>
-                    </a:p>
-                  </a:txBody>
-                  <a:tcPr marL="90000" marR="90000">
-                    <a:lnL w="720">
-                      <a:solidFill>
-                        <a:srgbClr val="ffffff"/>
-                      </a:solidFill>
-                    </a:lnL>
-                    <a:lnR w="720">
-                      <a:solidFill>
-                        <a:srgbClr val="ffffff"/>
-                      </a:solidFill>
-                    </a:lnR>
-                    <a:lnT w="720">
-                      <a:solidFill>
-                        <a:srgbClr val="ffffff"/>
-                      </a:solidFill>
-                    </a:lnT>
-                    <a:lnB w="720">
-                      <a:solidFill>
-                        <a:srgbClr val="ffffff"/>
-                      </a:solidFill>
-                    </a:lnB>
-                    <a:solidFill>
-                      <a:srgbClr val="cccccc"/>
-                    </a:solidFill>
-                  </a:tcPr>
-                </a:tc>
-                <a:tc>
-                  <a:txBody>
-                    <a:bodyPr lIns="90000" rIns="90000"/>
-                    <a:p>
-                      <a:r>
-                        <a:rPr b="0" lang="en-IN" sz="1600" spc="-1" strike="noStrike">
-                          <a:solidFill>
-                            <a:srgbClr val="000000"/>
-                          </a:solidFill>
-                          <a:uFill>
-                            <a:solidFill>
-                              <a:srgbClr val="ffffff"/>
-                            </a:solidFill>
-                          </a:uFill>
-                          <a:latin typeface="Arial"/>
-                        </a:rPr>
-                        <a:t>lcmcontroller/v1/hosts</a:t>
-                      </a:r>
-                      <a:endParaRPr b="0" lang="en-IN" sz="1800" spc="-1" strike="noStrike">
-                        <a:solidFill>
-                          <a:srgbClr val="000000"/>
-                        </a:solidFill>
-                        <a:uFill>
-                          <a:solidFill>
-                            <a:srgbClr val="ffffff"/>
-                          </a:solidFill>
-                        </a:uFill>
-                        <a:latin typeface="Arial"/>
-                      </a:endParaRPr>
-                    </a:p>
-                  </a:txBody>
-                  <a:tcPr marL="90000" marR="90000">
-                    <a:lnL w="720">
-                      <a:solidFill>
-                        <a:srgbClr val="ffffff"/>
-                      </a:solidFill>
-                    </a:lnL>
-                    <a:lnR w="720">
-                      <a:solidFill>
-                        <a:srgbClr val="ffffff"/>
-                      </a:solidFill>
-                    </a:lnR>
-                    <a:lnT w="720">
-                      <a:solidFill>
-                        <a:srgbClr val="ffffff"/>
-                      </a:solidFill>
-                    </a:lnT>
-                    <a:lnB w="720">
-                      <a:solidFill>
-                        <a:srgbClr val="ffffff"/>
-                      </a:solidFill>
-                    </a:lnB>
-                    <a:solidFill>
-                      <a:srgbClr val="cccccc"/>
-                    </a:solidFill>
-                  </a:tcPr>
-                </a:tc>
-                <a:tc>
-                  <a:txBody>
-                    <a:bodyPr lIns="90000" rIns="90000"/>
-                    <a:p>
-                      <a:r>
-                        <a:rPr b="0" lang="en-IN" sz="1500" spc="-1" strike="noStrike">
-                          <a:solidFill>
-                            <a:srgbClr val="000000"/>
-                          </a:solidFill>
-                          <a:uFill>
-                            <a:solidFill>
-                              <a:srgbClr val="ffffff"/>
-                            </a:solidFill>
-                          </a:uFill>
-                          <a:latin typeface="Arial"/>
-                        </a:rPr>
-                        <a:t>None</a:t>
-                      </a:r>
-                      <a:endParaRPr b="0" lang="en-IN" sz="1800" spc="-1" strike="noStrike">
-                        <a:solidFill>
-                          <a:srgbClr val="000000"/>
-                        </a:solidFill>
-                        <a:uFill>
-                          <a:solidFill>
-                            <a:srgbClr val="ffffff"/>
-                          </a:solidFill>
-                        </a:uFill>
-                        <a:latin typeface="Arial"/>
-                      </a:endParaRPr>
-                    </a:p>
-                  </a:txBody>
-                  <a:tcPr marL="90000" marR="90000">
-                    <a:lnL w="720">
-                      <a:solidFill>
-                        <a:srgbClr val="ffffff"/>
-                      </a:solidFill>
-                    </a:lnL>
-                    <a:lnR w="720">
-                      <a:solidFill>
-                        <a:srgbClr val="ffffff"/>
-                      </a:solidFill>
-                    </a:lnR>
-                    <a:lnT w="720">
-                      <a:solidFill>
-                        <a:srgbClr val="ffffff"/>
-                      </a:solidFill>
-                    </a:lnT>
-                    <a:lnB w="720">
-                      <a:solidFill>
-                        <a:srgbClr val="ffffff"/>
-                      </a:solidFill>
-                    </a:lnB>
-                    <a:solidFill>
-                      <a:srgbClr val="cccccc"/>
-                    </a:solidFill>
-                  </a:tcPr>
-                </a:tc>
-                <a:tc>
-                  <a:txBody>
-                    <a:bodyPr lIns="90000" rIns="90000"/>
-                    <a:p>
-                      <a:r>
-                        <a:rPr b="0" lang="en-IN" sz="1500" spc="-1" strike="noStrike">
-                          <a:solidFill>
-                            <a:srgbClr val="000000"/>
-                          </a:solidFill>
-                          <a:uFill>
-                            <a:solidFill>
-                              <a:srgbClr val="ffffff"/>
-                            </a:solidFill>
-                          </a:uFill>
-                          <a:latin typeface="Arial"/>
-                        </a:rPr>
-                        <a:t>hostInfos</a:t>
-                      </a:r>
-                      <a:endParaRPr b="0" lang="en-IN" sz="1800" spc="-1" strike="noStrike">
-                        <a:solidFill>
-                          <a:srgbClr val="000000"/>
-                        </a:solidFill>
-                        <a:uFill>
-                          <a:solidFill>
-                            <a:srgbClr val="ffffff"/>
-                          </a:solidFill>
-                        </a:uFill>
-                        <a:latin typeface="Arial"/>
-                      </a:endParaRPr>
-                    </a:p>
-                  </a:txBody>
-                  <a:tcPr marL="90000" marR="90000">
-                    <a:lnL w="720">
-                      <a:solidFill>
-                        <a:srgbClr val="ffffff"/>
-                      </a:solidFill>
-                    </a:lnL>
-                    <a:lnR w="720">
-                      <a:solidFill>
-                        <a:srgbClr val="ffffff"/>
-                      </a:solidFill>
-                    </a:lnR>
-                    <a:lnT w="720">
-                      <a:solidFill>
-                        <a:srgbClr val="ffffff"/>
-                      </a:solidFill>
-                    </a:lnT>
-                    <a:lnB w="720">
-                      <a:solidFill>
-                        <a:srgbClr val="ffffff"/>
-                      </a:solidFill>
-                    </a:lnB>
-                    <a:solidFill>
-                      <a:srgbClr val="cccccc"/>
-                    </a:solidFill>
-                  </a:tcPr>
-                </a:tc>
-              </a:tr>
-            </a:tbl>
-          </a:graphicData>
-        </a:graphic>
-      </p:graphicFrame>
-      <p:sp>
-        <p:nvSpPr>
-          <p:cNvPr id="305" name="CustomShape 3"/>
-          <p:cNvSpPr/>
-          <p:nvPr/>
-        </p:nvSpPr>
-        <p:spPr>
-          <a:xfrm>
-            <a:off x="288000" y="5184000"/>
-            <a:ext cx="3455640" cy="575640"/>
-          </a:xfrm>
-          <a:prstGeom prst="rect">
-            <a:avLst/>
-          </a:prstGeom>
-          <a:noFill/>
-          <a:ln>
-            <a:noFill/>
-          </a:ln>
-        </p:spPr>
-        <p:style>
-          <a:lnRef idx="0"/>
-          <a:fillRef idx="0"/>
-          <a:effectRef idx="0"/>
-          <a:fontRef idx="minor"/>
-        </p:style>
-        <p:txBody>
-          <a:bodyPr lIns="90000" rIns="90000" tIns="45000" bIns="45000"/>
-          <a:p>
-            <a:pPr>
-              <a:lnSpc>
-                <a:spcPts val="0"/>
-              </a:lnSpc>
-            </a:pPr>
-            <a:r>
-              <a:rPr b="1" lang="en-IN" sz="2500" spc="-1" strike="noStrike">
-                <a:solidFill>
-                  <a:srgbClr val="c00000"/>
-                </a:solidFill>
-                <a:uFill>
-                  <a:solidFill>
-                    <a:srgbClr val="ffffff"/>
-                  </a:solidFill>
-                </a:uFill>
-                <a:latin typeface="Microsoft YaHei"/>
-                <a:ea typeface="Microsoft YaHei"/>
-              </a:rPr>
-              <a:t>Inventory Interfaces </a:t>
-            </a:r>
-            <a:endParaRPr b="0" lang="en-IN" sz="1800" spc="-1" strike="noStrike">
-              <a:solidFill>
-                <a:srgbClr val="000000"/>
-              </a:solidFill>
-              <a:uFill>
-                <a:solidFill>
-                  <a:srgbClr val="ffffff"/>
-                </a:solidFill>
-              </a:uFill>
-              <a:latin typeface="Arial"/>
-            </a:endParaRPr>
-          </a:p>
-        </p:txBody>
-      </p:sp>
-      <p:graphicFrame>
-        <p:nvGraphicFramePr>
-          <p:cNvPr id="306" name="Table 4"/>
-          <p:cNvGraphicFramePr/>
-          <p:nvPr/>
-        </p:nvGraphicFramePr>
-        <p:xfrm>
-          <a:off x="312120" y="6022080"/>
-          <a:ext cx="9504360" cy="847080"/>
-        </p:xfrm>
-        <a:graphic>
-          <a:graphicData uri="http://schemas.openxmlformats.org/drawingml/2006/table">
-            <a:tbl>
-              <a:tblPr/>
-              <a:tblGrid>
-                <a:gridCol w="1041480"/>
-                <a:gridCol w="4294800"/>
-                <a:gridCol w="2358000"/>
-                <a:gridCol w="1810440"/>
-              </a:tblGrid>
-              <a:tr h="303480">
-                <a:tc>
-                  <a:txBody>
-                    <a:bodyPr lIns="90000" rIns="90000"/>
-                    <a:p>
-                      <a:r>
-                        <a:rPr b="0" lang="en-IN" sz="1500" spc="-1" strike="noStrike">
-                          <a:solidFill>
-                            <a:srgbClr val="000000"/>
-                          </a:solidFill>
-                          <a:uFill>
-                            <a:solidFill>
-                              <a:srgbClr val="ffffff"/>
-                            </a:solidFill>
-                          </a:uFill>
-                          <a:latin typeface="Arial"/>
-                        </a:rPr>
-                        <a:t>Method</a:t>
-                      </a:r>
-                      <a:endParaRPr b="0" lang="en-IN" sz="1800" spc="-1" strike="noStrike">
-                        <a:solidFill>
-                          <a:srgbClr val="000000"/>
-                        </a:solidFill>
-                        <a:uFill>
-                          <a:solidFill>
-                            <a:srgbClr val="ffffff"/>
-                          </a:solidFill>
-                        </a:uFill>
-                        <a:latin typeface="Arial"/>
-                      </a:endParaRPr>
-                    </a:p>
-                  </a:txBody>
-                  <a:tcPr marL="90000" marR="90000">
-                    <a:lnL w="720">
-                      <a:solidFill>
-                        <a:srgbClr val="ffffff"/>
-                      </a:solidFill>
-                    </a:lnL>
-                    <a:lnR w="720">
-                      <a:solidFill>
-                        <a:srgbClr val="ffffff"/>
-                      </a:solidFill>
-                    </a:lnR>
-                    <a:lnT w="720">
-                      <a:solidFill>
-                        <a:srgbClr val="ffffff"/>
-                      </a:solidFill>
-                    </a:lnT>
-                    <a:lnB w="720">
-                      <a:solidFill>
-                        <a:srgbClr val="ffffff"/>
-                      </a:solidFill>
-                    </a:lnB>
-                    <a:solidFill>
-                      <a:srgbClr val="b3b3b3"/>
-                    </a:solidFill>
-                  </a:tcPr>
-                </a:tc>
-                <a:tc>
-                  <a:txBody>
-                    <a:bodyPr lIns="90000" rIns="90000"/>
-                    <a:p>
-                      <a:r>
-                        <a:rPr b="0" lang="en-IN" sz="1500" spc="-1" strike="noStrike">
-                          <a:solidFill>
-                            <a:srgbClr val="000000"/>
-                          </a:solidFill>
-                          <a:uFill>
-                            <a:solidFill>
-                              <a:srgbClr val="ffffff"/>
-                            </a:solidFill>
-                          </a:uFill>
-                          <a:latin typeface="Arial"/>
-                        </a:rPr>
-                        <a:t>API</a:t>
-                      </a:r>
-                      <a:endParaRPr b="0" lang="en-IN" sz="1800" spc="-1" strike="noStrike">
-                        <a:solidFill>
-                          <a:srgbClr val="000000"/>
-                        </a:solidFill>
-                        <a:uFill>
-                          <a:solidFill>
-                            <a:srgbClr val="ffffff"/>
-                          </a:solidFill>
-                        </a:uFill>
-                        <a:latin typeface="Arial"/>
-                      </a:endParaRPr>
-                    </a:p>
-                  </a:txBody>
-                  <a:tcPr marL="90000" marR="90000">
-                    <a:lnL w="720">
-                      <a:solidFill>
-                        <a:srgbClr val="ffffff"/>
-                      </a:solidFill>
-                    </a:lnL>
-                    <a:lnR w="720">
-                      <a:solidFill>
-                        <a:srgbClr val="ffffff"/>
-                      </a:solidFill>
-                    </a:lnR>
-                    <a:lnT w="720">
-                      <a:solidFill>
-                        <a:srgbClr val="ffffff"/>
-                      </a:solidFill>
-                    </a:lnT>
-                    <a:lnB w="720">
-                      <a:solidFill>
-                        <a:srgbClr val="ffffff"/>
-                      </a:solidFill>
-                    </a:lnB>
-                    <a:solidFill>
-                      <a:srgbClr val="b3b3b3"/>
-                    </a:solidFill>
-                  </a:tcPr>
-                </a:tc>
-                <a:tc>
-                  <a:txBody>
-                    <a:bodyPr lIns="90000" rIns="90000"/>
-                    <a:p>
-                      <a:r>
-                        <a:rPr b="0" lang="en-IN" sz="1500" spc="-1" strike="noStrike">
-                          <a:solidFill>
-                            <a:srgbClr val="000000"/>
-                          </a:solidFill>
-                          <a:uFill>
-                            <a:solidFill>
-                              <a:srgbClr val="ffffff"/>
-                            </a:solidFill>
-                          </a:uFill>
-                          <a:latin typeface="Arial"/>
-                        </a:rPr>
-                        <a:t>RequestBody</a:t>
-                      </a:r>
-                      <a:endParaRPr b="0" lang="en-IN" sz="1800" spc="-1" strike="noStrike">
-                        <a:solidFill>
-                          <a:srgbClr val="000000"/>
-                        </a:solidFill>
-                        <a:uFill>
-                          <a:solidFill>
-                            <a:srgbClr val="ffffff"/>
-                          </a:solidFill>
-                        </a:uFill>
-                        <a:latin typeface="Arial"/>
-                      </a:endParaRPr>
-                    </a:p>
-                  </a:txBody>
-                  <a:tcPr marL="90000" marR="90000">
-                    <a:lnL w="720">
-                      <a:solidFill>
-                        <a:srgbClr val="ffffff"/>
-                      </a:solidFill>
-                    </a:lnL>
-                    <a:lnR w="720">
-                      <a:solidFill>
-                        <a:srgbClr val="ffffff"/>
-                      </a:solidFill>
-                    </a:lnR>
-                    <a:lnT w="720">
-                      <a:solidFill>
-                        <a:srgbClr val="ffffff"/>
-                      </a:solidFill>
-                    </a:lnT>
-                    <a:lnB w="720">
-                      <a:solidFill>
-                        <a:srgbClr val="ffffff"/>
-                      </a:solidFill>
-                    </a:lnB>
-                    <a:solidFill>
-                      <a:srgbClr val="b3b3b3"/>
-                    </a:solidFill>
-                  </a:tcPr>
-                </a:tc>
-                <a:tc>
-                  <a:txBody>
-                    <a:bodyPr lIns="90000" rIns="90000"/>
-                    <a:p>
-                      <a:r>
-                        <a:rPr b="0" lang="en-IN" sz="1500" spc="-1" strike="noStrike">
-                          <a:solidFill>
-                            <a:srgbClr val="000000"/>
-                          </a:solidFill>
-                          <a:uFill>
-                            <a:solidFill>
-                              <a:srgbClr val="ffffff"/>
-                            </a:solidFill>
-                          </a:uFill>
-                          <a:latin typeface="Arial"/>
-                        </a:rPr>
-                        <a:t>Response</a:t>
-                      </a:r>
-                      <a:endParaRPr b="0" lang="en-IN" sz="1800" spc="-1" strike="noStrike">
-                        <a:solidFill>
-                          <a:srgbClr val="000000"/>
-                        </a:solidFill>
-                        <a:uFill>
-                          <a:solidFill>
-                            <a:srgbClr val="ffffff"/>
-                          </a:solidFill>
-                        </a:uFill>
-                        <a:latin typeface="Arial"/>
-                      </a:endParaRPr>
-                    </a:p>
-                  </a:txBody>
-                  <a:tcPr marL="90000" marR="90000">
-                    <a:lnL w="720">
-                      <a:solidFill>
-                        <a:srgbClr val="ffffff"/>
-                      </a:solidFill>
-                    </a:lnL>
-                    <a:lnR w="720">
-                      <a:solidFill>
-                        <a:srgbClr val="ffffff"/>
-                      </a:solidFill>
-                    </a:lnR>
-                    <a:lnT w="720">
-                      <a:solidFill>
-                        <a:srgbClr val="ffffff"/>
-                      </a:solidFill>
-                    </a:lnT>
-                    <a:lnB w="720">
-                      <a:solidFill>
-                        <a:srgbClr val="ffffff"/>
-                      </a:solidFill>
-                    </a:lnB>
-                    <a:solidFill>
-                      <a:srgbClr val="b3b3b3"/>
-                    </a:solidFill>
-                  </a:tcPr>
-                </a:tc>
-              </a:tr>
-              <a:tr h="543600">
-                <a:tc>
-                  <a:txBody>
-                    <a:bodyPr lIns="90000" rIns="90000"/>
-                    <a:p>
-                      <a:r>
-                        <a:rPr b="0" lang="en-IN" sz="1500" spc="-1" strike="noStrike">
-                          <a:solidFill>
-                            <a:srgbClr val="000000"/>
-                          </a:solidFill>
-                          <a:uFill>
-                            <a:solidFill>
-                              <a:srgbClr val="ffffff"/>
-                            </a:solidFill>
-                          </a:uFill>
-                          <a:latin typeface="Arial"/>
-                        </a:rPr>
-                        <a:t>GET</a:t>
-                      </a:r>
-                      <a:endParaRPr b="0" lang="en-IN" sz="1800" spc="-1" strike="noStrike">
-                        <a:solidFill>
-                          <a:srgbClr val="000000"/>
-                        </a:solidFill>
-                        <a:uFill>
-                          <a:solidFill>
-                            <a:srgbClr val="ffffff"/>
-                          </a:solidFill>
-                        </a:uFill>
-                        <a:latin typeface="Arial"/>
-                      </a:endParaRPr>
-                    </a:p>
-                  </a:txBody>
-                  <a:tcPr marL="90000" marR="90000">
-                    <a:lnL w="720">
-                      <a:solidFill>
-                        <a:srgbClr val="ffffff"/>
-                      </a:solidFill>
-                    </a:lnL>
-                    <a:lnR w="720">
-                      <a:solidFill>
-                        <a:srgbClr val="ffffff"/>
-                      </a:solidFill>
-                    </a:lnR>
-                    <a:lnT w="720">
-                      <a:solidFill>
-                        <a:srgbClr val="ffffff"/>
-                      </a:solidFill>
-                    </a:lnT>
-                    <a:lnB w="720">
-                      <a:solidFill>
-                        <a:srgbClr val="ffffff"/>
-                      </a:solidFill>
-                    </a:lnB>
-                    <a:solidFill>
-                      <a:srgbClr val="cccccc"/>
-                    </a:solidFill>
-                  </a:tcPr>
-                </a:tc>
-                <a:tc>
-                  <a:txBody>
-                    <a:bodyPr lIns="90000" rIns="90000"/>
-                    <a:p>
-                      <a:r>
-                        <a:rPr b="0" lang="en-IN" sz="1600" spc="-1" strike="noStrike">
-                          <a:solidFill>
-                            <a:srgbClr val="000000"/>
-                          </a:solidFill>
-                          <a:uFill>
-                            <a:solidFill>
-                              <a:srgbClr val="ffffff"/>
-                            </a:solidFill>
-                          </a:uFill>
-                          <a:latin typeface="Arial"/>
-                        </a:rPr>
-                        <a:t>inventory/v1/syncronize</a:t>
-                      </a:r>
-                      <a:endParaRPr b="0" lang="en-IN" sz="1800" spc="-1" strike="noStrike">
-                        <a:solidFill>
-                          <a:srgbClr val="000000"/>
-                        </a:solidFill>
-                        <a:uFill>
-                          <a:solidFill>
-                            <a:srgbClr val="ffffff"/>
-                          </a:solidFill>
-                        </a:uFill>
-                        <a:latin typeface="Arial"/>
-                      </a:endParaRPr>
-                    </a:p>
-                  </a:txBody>
-                  <a:tcPr marL="90000" marR="90000">
-                    <a:lnL w="720">
-                      <a:solidFill>
-                        <a:srgbClr val="ffffff"/>
-                      </a:solidFill>
-                    </a:lnL>
-                    <a:lnR w="720">
-                      <a:solidFill>
-                        <a:srgbClr val="ffffff"/>
-                      </a:solidFill>
-                    </a:lnR>
-                    <a:lnT w="720">
-                      <a:solidFill>
-                        <a:srgbClr val="ffffff"/>
-                      </a:solidFill>
-                    </a:lnT>
-                    <a:lnB w="720">
-                      <a:solidFill>
-                        <a:srgbClr val="ffffff"/>
-                      </a:solidFill>
-                    </a:lnB>
-                    <a:solidFill>
-                      <a:srgbClr val="cccccc"/>
-                    </a:solidFill>
-                  </a:tcPr>
-                </a:tc>
-                <a:tc>
-                  <a:txBody>
-                    <a:bodyPr lIns="90000" rIns="90000"/>
-                    <a:p>
-                      <a:r>
-                        <a:rPr b="0" lang="en-IN" sz="1500" spc="-1" strike="noStrike">
-                          <a:solidFill>
-                            <a:srgbClr val="000000"/>
-                          </a:solidFill>
-                          <a:uFill>
-                            <a:solidFill>
-                              <a:srgbClr val="ffffff"/>
-                            </a:solidFill>
-                          </a:uFill>
-                          <a:latin typeface="Arial"/>
-                        </a:rPr>
-                        <a:t>None</a:t>
-                      </a:r>
-                      <a:endParaRPr b="0" lang="en-IN" sz="1800" spc="-1" strike="noStrike">
-                        <a:solidFill>
-                          <a:srgbClr val="000000"/>
-                        </a:solidFill>
-                        <a:uFill>
-                          <a:solidFill>
-                            <a:srgbClr val="ffffff"/>
-                          </a:solidFill>
-                        </a:uFill>
-                        <a:latin typeface="Arial"/>
-                      </a:endParaRPr>
-                    </a:p>
-                  </a:txBody>
-                  <a:tcPr marL="90000" marR="90000">
-                    <a:lnL w="720">
-                      <a:solidFill>
-                        <a:srgbClr val="ffffff"/>
-                      </a:solidFill>
-                    </a:lnL>
-                    <a:lnR w="720">
-                      <a:solidFill>
-                        <a:srgbClr val="ffffff"/>
-                      </a:solidFill>
-                    </a:lnR>
-                    <a:lnT w="720">
-                      <a:solidFill>
-                        <a:srgbClr val="ffffff"/>
-                      </a:solidFill>
-                    </a:lnT>
-                    <a:lnB w="720">
-                      <a:solidFill>
-                        <a:srgbClr val="ffffff"/>
-                      </a:solidFill>
-                    </a:lnB>
-                    <a:solidFill>
-                      <a:srgbClr val="cccccc"/>
-                    </a:solidFill>
-                  </a:tcPr>
-                </a:tc>
-                <a:tc>
-                  <a:txBody>
-                    <a:bodyPr lIns="90000" rIns="90000"/>
-                    <a:p>
-                      <a:r>
-                        <a:rPr b="0" lang="en-IN" sz="1500" spc="-1" strike="noStrike">
-                          <a:solidFill>
-                            <a:srgbClr val="000000"/>
-                          </a:solidFill>
-                          <a:uFill>
-                            <a:solidFill>
-                              <a:srgbClr val="ffffff"/>
-                            </a:solidFill>
-                          </a:uFill>
-                          <a:latin typeface="Arial"/>
-                        </a:rPr>
-                        <a:t>ok/error</a:t>
+                        <a:t>AppDRuleModel</a:t>
                       </a:r>
                       <a:endParaRPr b="0" lang="en-IN" sz="1800" spc="-1" strike="noStrike">
                         <a:solidFill>
@@ -21596,14 +22708,14 @@
       </p:grpSpPr>
       <p:sp>
         <p:nvSpPr>
-          <p:cNvPr id="307" name="CustomShape 1"/>
+          <p:cNvPr id="304" name="CustomShape 1"/>
           <p:cNvSpPr/>
           <p:nvPr/>
         </p:nvSpPr>
         <p:spPr>
           <a:xfrm>
-            <a:off x="288000" y="39600"/>
-            <a:ext cx="5685120" cy="939240"/>
+            <a:off x="226440" y="230400"/>
+            <a:ext cx="7187400" cy="559440"/>
           </a:xfrm>
           <a:prstGeom prst="rect">
             <a:avLst/>
@@ -21620,7 +22732,7 @@
           <a:fontRef idx="minor"/>
         </p:style>
         <p:txBody>
-          <a:bodyPr lIns="0" rIns="0" tIns="0" bIns="0" anchor="ctr"/>
+          <a:bodyPr lIns="90000" rIns="90000" tIns="45000" bIns="45000"/>
           <a:p>
             <a:pPr>
               <a:lnSpc>
@@ -21640,7 +22752,7 @@
                 <a:latin typeface="Microsoft YaHei"/>
                 <a:ea typeface="Microsoft YaHei"/>
               </a:rPr>
-              <a:t>APP-Rule-Mgr Interfaces </a:t>
+              <a:t>Data Syncronization between cloud and edge</a:t>
             </a:r>
             <a:endParaRPr b="0" lang="en-IN" sz="1800" spc="-1" strike="noStrike">
               <a:solidFill>
@@ -21656,1190 +22768,16 @@
           </a:p>
         </p:txBody>
       </p:sp>
-      <p:graphicFrame>
-        <p:nvGraphicFramePr>
-          <p:cNvPr id="308" name="Table 2"/>
-          <p:cNvGraphicFramePr/>
+      <p:sp>
+        <p:nvSpPr>
+          <p:cNvPr id="305" name="CustomShape 2"/>
+          <p:cNvSpPr/>
           <p:nvPr/>
-        </p:nvGraphicFramePr>
-        <p:xfrm>
-          <a:off x="288000" y="864000"/>
-          <a:ext cx="9503640" cy="2476080"/>
-        </p:xfrm>
-        <a:graphic>
-          <a:graphicData uri="http://schemas.openxmlformats.org/drawingml/2006/table">
-            <a:tbl>
-              <a:tblPr/>
-              <a:tblGrid>
-                <a:gridCol w="1041480"/>
-                <a:gridCol w="4294800"/>
-                <a:gridCol w="2358000"/>
-                <a:gridCol w="1809720"/>
-              </a:tblGrid>
-              <a:tr h="303480">
-                <a:tc>
-                  <a:txBody>
-                    <a:bodyPr lIns="90000" rIns="90000"/>
-                    <a:p>
-                      <a:r>
-                        <a:rPr b="0" lang="en-IN" sz="1500" spc="-1" strike="noStrike">
-                          <a:solidFill>
-                            <a:srgbClr val="000000"/>
-                          </a:solidFill>
-                          <a:uFill>
-                            <a:solidFill>
-                              <a:srgbClr val="ffffff"/>
-                            </a:solidFill>
-                          </a:uFill>
-                          <a:latin typeface="Arial"/>
-                        </a:rPr>
-                        <a:t>Method</a:t>
-                      </a:r>
-                      <a:endParaRPr b="0" lang="en-IN" sz="1800" spc="-1" strike="noStrike">
-                        <a:solidFill>
-                          <a:srgbClr val="000000"/>
-                        </a:solidFill>
-                        <a:uFill>
-                          <a:solidFill>
-                            <a:srgbClr val="ffffff"/>
-                          </a:solidFill>
-                        </a:uFill>
-                        <a:latin typeface="Arial"/>
-                      </a:endParaRPr>
-                    </a:p>
-                  </a:txBody>
-                  <a:tcPr marL="90000" marR="90000">
-                    <a:lnL w="720">
-                      <a:solidFill>
-                        <a:srgbClr val="ffffff"/>
-                      </a:solidFill>
-                    </a:lnL>
-                    <a:lnR w="720">
-                      <a:solidFill>
-                        <a:srgbClr val="ffffff"/>
-                      </a:solidFill>
-                    </a:lnR>
-                    <a:lnT w="720">
-                      <a:solidFill>
-                        <a:srgbClr val="ffffff"/>
-                      </a:solidFill>
-                    </a:lnT>
-                    <a:lnB w="720">
-                      <a:solidFill>
-                        <a:srgbClr val="ffffff"/>
-                      </a:solidFill>
-                    </a:lnB>
-                    <a:solidFill>
-                      <a:srgbClr val="b3b3b3"/>
-                    </a:solidFill>
-                  </a:tcPr>
-                </a:tc>
-                <a:tc>
-                  <a:txBody>
-                    <a:bodyPr lIns="90000" rIns="90000"/>
-                    <a:p>
-                      <a:r>
-                        <a:rPr b="0" lang="en-IN" sz="1500" spc="-1" strike="noStrike">
-                          <a:solidFill>
-                            <a:srgbClr val="000000"/>
-                          </a:solidFill>
-                          <a:uFill>
-                            <a:solidFill>
-                              <a:srgbClr val="ffffff"/>
-                            </a:solidFill>
-                          </a:uFill>
-                          <a:latin typeface="Arial"/>
-                        </a:rPr>
-                        <a:t>API</a:t>
-                      </a:r>
-                      <a:endParaRPr b="0" lang="en-IN" sz="1800" spc="-1" strike="noStrike">
-                        <a:solidFill>
-                          <a:srgbClr val="000000"/>
-                        </a:solidFill>
-                        <a:uFill>
-                          <a:solidFill>
-                            <a:srgbClr val="ffffff"/>
-                          </a:solidFill>
-                        </a:uFill>
-                        <a:latin typeface="Arial"/>
-                      </a:endParaRPr>
-                    </a:p>
-                  </a:txBody>
-                  <a:tcPr marL="90000" marR="90000">
-                    <a:lnL w="720">
-                      <a:solidFill>
-                        <a:srgbClr val="ffffff"/>
-                      </a:solidFill>
-                    </a:lnL>
-                    <a:lnR w="720">
-                      <a:solidFill>
-                        <a:srgbClr val="ffffff"/>
-                      </a:solidFill>
-                    </a:lnR>
-                    <a:lnT w="720">
-                      <a:solidFill>
-                        <a:srgbClr val="ffffff"/>
-                      </a:solidFill>
-                    </a:lnT>
-                    <a:lnB w="720">
-                      <a:solidFill>
-                        <a:srgbClr val="ffffff"/>
-                      </a:solidFill>
-                    </a:lnB>
-                    <a:solidFill>
-                      <a:srgbClr val="b3b3b3"/>
-                    </a:solidFill>
-                  </a:tcPr>
-                </a:tc>
-                <a:tc>
-                  <a:txBody>
-                    <a:bodyPr lIns="90000" rIns="90000"/>
-                    <a:p>
-                      <a:r>
-                        <a:rPr b="0" lang="en-IN" sz="1500" spc="-1" strike="noStrike">
-                          <a:solidFill>
-                            <a:srgbClr val="000000"/>
-                          </a:solidFill>
-                          <a:uFill>
-                            <a:solidFill>
-                              <a:srgbClr val="ffffff"/>
-                            </a:solidFill>
-                          </a:uFill>
-                          <a:latin typeface="Arial"/>
-                        </a:rPr>
-                        <a:t>RequestBody</a:t>
-                      </a:r>
-                      <a:endParaRPr b="0" lang="en-IN" sz="1800" spc="-1" strike="noStrike">
-                        <a:solidFill>
-                          <a:srgbClr val="000000"/>
-                        </a:solidFill>
-                        <a:uFill>
-                          <a:solidFill>
-                            <a:srgbClr val="ffffff"/>
-                          </a:solidFill>
-                        </a:uFill>
-                        <a:latin typeface="Arial"/>
-                      </a:endParaRPr>
-                    </a:p>
-                  </a:txBody>
-                  <a:tcPr marL="90000" marR="90000">
-                    <a:lnL w="720">
-                      <a:solidFill>
-                        <a:srgbClr val="ffffff"/>
-                      </a:solidFill>
-                    </a:lnL>
-                    <a:lnR w="720">
-                      <a:solidFill>
-                        <a:srgbClr val="ffffff"/>
-                      </a:solidFill>
-                    </a:lnR>
-                    <a:lnT w="720">
-                      <a:solidFill>
-                        <a:srgbClr val="ffffff"/>
-                      </a:solidFill>
-                    </a:lnT>
-                    <a:lnB w="720">
-                      <a:solidFill>
-                        <a:srgbClr val="ffffff"/>
-                      </a:solidFill>
-                    </a:lnB>
-                    <a:solidFill>
-                      <a:srgbClr val="b3b3b3"/>
-                    </a:solidFill>
-                  </a:tcPr>
-                </a:tc>
-                <a:tc>
-                  <a:txBody>
-                    <a:bodyPr lIns="90000" rIns="90000"/>
-                    <a:p>
-                      <a:r>
-                        <a:rPr b="0" lang="en-IN" sz="1500" spc="-1" strike="noStrike">
-                          <a:solidFill>
-                            <a:srgbClr val="000000"/>
-                          </a:solidFill>
-                          <a:uFill>
-                            <a:solidFill>
-                              <a:srgbClr val="ffffff"/>
-                            </a:solidFill>
-                          </a:uFill>
-                          <a:latin typeface="Arial"/>
-                        </a:rPr>
-                        <a:t>Response</a:t>
-                      </a:r>
-                      <a:endParaRPr b="0" lang="en-IN" sz="1800" spc="-1" strike="noStrike">
-                        <a:solidFill>
-                          <a:srgbClr val="000000"/>
-                        </a:solidFill>
-                        <a:uFill>
-                          <a:solidFill>
-                            <a:srgbClr val="ffffff"/>
-                          </a:solidFill>
-                        </a:uFill>
-                        <a:latin typeface="Arial"/>
-                      </a:endParaRPr>
-                    </a:p>
-                  </a:txBody>
-                  <a:tcPr marL="90000" marR="90000">
-                    <a:lnL w="720">
-                      <a:solidFill>
-                        <a:srgbClr val="ffffff"/>
-                      </a:solidFill>
-                    </a:lnL>
-                    <a:lnR w="720">
-                      <a:solidFill>
-                        <a:srgbClr val="ffffff"/>
-                      </a:solidFill>
-                    </a:lnR>
-                    <a:lnT w="720">
-                      <a:solidFill>
-                        <a:srgbClr val="ffffff"/>
-                      </a:solidFill>
-                    </a:lnT>
-                    <a:lnB w="720">
-                      <a:solidFill>
-                        <a:srgbClr val="ffffff"/>
-                      </a:solidFill>
-                    </a:lnB>
-                    <a:solidFill>
-                      <a:srgbClr val="b3b3b3"/>
-                    </a:solidFill>
-                  </a:tcPr>
-                </a:tc>
-              </a:tr>
-              <a:tr h="543240">
-                <a:tc>
-                  <a:txBody>
-                    <a:bodyPr lIns="90000" rIns="90000"/>
-                    <a:p>
-                      <a:r>
-                        <a:rPr b="0" lang="en-IN" sz="1500" spc="-1" strike="noStrike">
-                          <a:solidFill>
-                            <a:srgbClr val="000000"/>
-                          </a:solidFill>
-                          <a:uFill>
-                            <a:solidFill>
-                              <a:srgbClr val="ffffff"/>
-                            </a:solidFill>
-                          </a:uFill>
-                          <a:latin typeface="Arial"/>
-                        </a:rPr>
-                        <a:t>POST</a:t>
-                      </a:r>
-                      <a:endParaRPr b="0" lang="en-IN" sz="1800" spc="-1" strike="noStrike">
-                        <a:solidFill>
-                          <a:srgbClr val="000000"/>
-                        </a:solidFill>
-                        <a:uFill>
-                          <a:solidFill>
-                            <a:srgbClr val="ffffff"/>
-                          </a:solidFill>
-                        </a:uFill>
-                        <a:latin typeface="Arial"/>
-                      </a:endParaRPr>
-                    </a:p>
-                  </a:txBody>
-                  <a:tcPr marL="90000" marR="90000">
-                    <a:lnL w="720">
-                      <a:solidFill>
-                        <a:srgbClr val="ffffff"/>
-                      </a:solidFill>
-                    </a:lnL>
-                    <a:lnR w="720">
-                      <a:solidFill>
-                        <a:srgbClr val="ffffff"/>
-                      </a:solidFill>
-                    </a:lnR>
-                    <a:lnT w="720">
-                      <a:solidFill>
-                        <a:srgbClr val="ffffff"/>
-                      </a:solidFill>
-                    </a:lnT>
-                    <a:lnB w="720">
-                      <a:solidFill>
-                        <a:srgbClr val="ffffff"/>
-                      </a:solidFill>
-                    </a:lnB>
-                    <a:solidFill>
-                      <a:srgbClr val="cccccc"/>
-                    </a:solidFill>
-                  </a:tcPr>
-                </a:tc>
-                <a:tc>
-                  <a:txBody>
-                    <a:bodyPr lIns="90000" rIns="90000"/>
-                    <a:p>
-                      <a:r>
-                        <a:rPr b="0" lang="en-IN" sz="1600" spc="-1" strike="noStrike">
-                          <a:solidFill>
-                            <a:srgbClr val="000000"/>
-                          </a:solidFill>
-                          <a:uFill>
-                            <a:solidFill>
-                              <a:srgbClr val="ffffff"/>
-                            </a:solidFill>
-                          </a:uFill>
-                          <a:latin typeface="Arial"/>
-                        </a:rPr>
-                        <a:t>apprulemgr/v1/tenants/:tenantId/app_instances/:appInstanceId/appd_configuration</a:t>
-                      </a:r>
-                      <a:endParaRPr b="0" lang="en-IN" sz="1800" spc="-1" strike="noStrike">
-                        <a:solidFill>
-                          <a:srgbClr val="000000"/>
-                        </a:solidFill>
-                        <a:uFill>
-                          <a:solidFill>
-                            <a:srgbClr val="ffffff"/>
-                          </a:solidFill>
-                        </a:uFill>
-                        <a:latin typeface="Arial"/>
-                      </a:endParaRPr>
-                    </a:p>
-                  </a:txBody>
-                  <a:tcPr marL="90000" marR="90000">
-                    <a:lnL w="720">
-                      <a:solidFill>
-                        <a:srgbClr val="ffffff"/>
-                      </a:solidFill>
-                    </a:lnL>
-                    <a:lnR w="720">
-                      <a:solidFill>
-                        <a:srgbClr val="ffffff"/>
-                      </a:solidFill>
-                    </a:lnR>
-                    <a:lnT w="720">
-                      <a:solidFill>
-                        <a:srgbClr val="ffffff"/>
-                      </a:solidFill>
-                    </a:lnT>
-                    <a:lnB w="720">
-                      <a:solidFill>
-                        <a:srgbClr val="ffffff"/>
-                      </a:solidFill>
-                    </a:lnB>
-                    <a:solidFill>
-                      <a:srgbClr val="cccccc"/>
-                    </a:solidFill>
-                  </a:tcPr>
-                </a:tc>
-                <a:tc>
-                  <a:txBody>
-                    <a:bodyPr lIns="90000" rIns="90000"/>
-                    <a:p>
-                      <a:r>
-                        <a:rPr b="0" lang="en-IN" sz="1500" spc="-1" strike="noStrike">
-                          <a:solidFill>
-                            <a:srgbClr val="000000"/>
-                          </a:solidFill>
-                          <a:uFill>
-                            <a:solidFill>
-                              <a:srgbClr val="ffffff"/>
-                            </a:solidFill>
-                          </a:uFill>
-                          <a:latin typeface="Arial"/>
-                        </a:rPr>
-                        <a:t>AppDRuleModel</a:t>
-                      </a:r>
-                      <a:endParaRPr b="0" lang="en-IN" sz="1800" spc="-1" strike="noStrike">
-                        <a:solidFill>
-                          <a:srgbClr val="000000"/>
-                        </a:solidFill>
-                        <a:uFill>
-                          <a:solidFill>
-                            <a:srgbClr val="ffffff"/>
-                          </a:solidFill>
-                        </a:uFill>
-                        <a:latin typeface="Arial"/>
-                      </a:endParaRPr>
-                    </a:p>
-                  </a:txBody>
-                  <a:tcPr marL="90000" marR="90000">
-                    <a:lnL w="720">
-                      <a:solidFill>
-                        <a:srgbClr val="ffffff"/>
-                      </a:solidFill>
-                    </a:lnL>
-                    <a:lnR w="720">
-                      <a:solidFill>
-                        <a:srgbClr val="ffffff"/>
-                      </a:solidFill>
-                    </a:lnR>
-                    <a:lnT w="720">
-                      <a:solidFill>
-                        <a:srgbClr val="ffffff"/>
-                      </a:solidFill>
-                    </a:lnT>
-                    <a:lnB w="720">
-                      <a:solidFill>
-                        <a:srgbClr val="ffffff"/>
-                      </a:solidFill>
-                    </a:lnB>
-                    <a:solidFill>
-                      <a:srgbClr val="cccccc"/>
-                    </a:solidFill>
-                  </a:tcPr>
-                </a:tc>
-                <a:tc>
-                  <a:txBody>
-                    <a:bodyPr lIns="90000" rIns="90000"/>
-                    <a:p>
-                      <a:r>
-                        <a:rPr b="0" lang="en-IN" sz="1500" spc="-1" strike="noStrike">
-                          <a:solidFill>
-                            <a:srgbClr val="000000"/>
-                          </a:solidFill>
-                          <a:uFill>
-                            <a:solidFill>
-                              <a:srgbClr val="ffffff"/>
-                            </a:solidFill>
-                          </a:uFill>
-                          <a:latin typeface="Arial"/>
-                        </a:rPr>
-                        <a:t>ok/error</a:t>
-                      </a:r>
-                      <a:endParaRPr b="0" lang="en-IN" sz="1800" spc="-1" strike="noStrike">
-                        <a:solidFill>
-                          <a:srgbClr val="000000"/>
-                        </a:solidFill>
-                        <a:uFill>
-                          <a:solidFill>
-                            <a:srgbClr val="ffffff"/>
-                          </a:solidFill>
-                        </a:uFill>
-                        <a:latin typeface="Arial"/>
-                      </a:endParaRPr>
-                    </a:p>
-                  </a:txBody>
-                  <a:tcPr marL="90000" marR="90000">
-                    <a:lnL w="720">
-                      <a:solidFill>
-                        <a:srgbClr val="ffffff"/>
-                      </a:solidFill>
-                    </a:lnL>
-                    <a:lnR w="720">
-                      <a:solidFill>
-                        <a:srgbClr val="ffffff"/>
-                      </a:solidFill>
-                    </a:lnR>
-                    <a:lnT w="720">
-                      <a:solidFill>
-                        <a:srgbClr val="ffffff"/>
-                      </a:solidFill>
-                    </a:lnT>
-                    <a:lnB w="720">
-                      <a:solidFill>
-                        <a:srgbClr val="ffffff"/>
-                      </a:solidFill>
-                    </a:lnB>
-                    <a:solidFill>
-                      <a:srgbClr val="cccccc"/>
-                    </a:solidFill>
-                  </a:tcPr>
-                </a:tc>
-              </a:tr>
-              <a:tr h="543240">
-                <a:tc>
-                  <a:txBody>
-                    <a:bodyPr lIns="90000" rIns="90000"/>
-                    <a:p>
-                      <a:r>
-                        <a:rPr b="0" lang="en-IN" sz="1500" spc="-1" strike="noStrike">
-                          <a:solidFill>
-                            <a:srgbClr val="000000"/>
-                          </a:solidFill>
-                          <a:uFill>
-                            <a:solidFill>
-                              <a:srgbClr val="ffffff"/>
-                            </a:solidFill>
-                          </a:uFill>
-                          <a:latin typeface="Arial"/>
-                        </a:rPr>
-                        <a:t>DELETE</a:t>
-                      </a:r>
-                      <a:endParaRPr b="0" lang="en-IN" sz="1800" spc="-1" strike="noStrike">
-                        <a:solidFill>
-                          <a:srgbClr val="000000"/>
-                        </a:solidFill>
-                        <a:uFill>
-                          <a:solidFill>
-                            <a:srgbClr val="ffffff"/>
-                          </a:solidFill>
-                        </a:uFill>
-                        <a:latin typeface="Arial"/>
-                      </a:endParaRPr>
-                    </a:p>
-                  </a:txBody>
-                  <a:tcPr marL="90000" marR="90000">
-                    <a:lnL w="720">
-                      <a:solidFill>
-                        <a:srgbClr val="ffffff"/>
-                      </a:solidFill>
-                    </a:lnL>
-                    <a:lnR w="720">
-                      <a:solidFill>
-                        <a:srgbClr val="ffffff"/>
-                      </a:solidFill>
-                    </a:lnR>
-                    <a:lnT w="720">
-                      <a:solidFill>
-                        <a:srgbClr val="ffffff"/>
-                      </a:solidFill>
-                    </a:lnT>
-                    <a:lnB w="720">
-                      <a:solidFill>
-                        <a:srgbClr val="ffffff"/>
-                      </a:solidFill>
-                    </a:lnB>
-                    <a:solidFill>
-                      <a:srgbClr val="e6e6e6"/>
-                    </a:solidFill>
-                  </a:tcPr>
-                </a:tc>
-                <a:tc>
-                  <a:txBody>
-                    <a:bodyPr lIns="90000" rIns="90000"/>
-                    <a:p>
-                      <a:r>
-                        <a:rPr b="0" lang="en-IN" sz="1600" spc="-1" strike="noStrike">
-                          <a:solidFill>
-                            <a:srgbClr val="000000"/>
-                          </a:solidFill>
-                          <a:uFill>
-                            <a:solidFill>
-                              <a:srgbClr val="ffffff"/>
-                            </a:solidFill>
-                          </a:uFill>
-                          <a:latin typeface="Arial"/>
-                        </a:rPr>
-                        <a:t>apprulemgr/v1/tenants/:tenantId/app_instances/:appInstanceId/appd_configuration</a:t>
-                      </a:r>
-                      <a:endParaRPr b="0" lang="en-IN" sz="1800" spc="-1" strike="noStrike">
-                        <a:solidFill>
-                          <a:srgbClr val="000000"/>
-                        </a:solidFill>
-                        <a:uFill>
-                          <a:solidFill>
-                            <a:srgbClr val="ffffff"/>
-                          </a:solidFill>
-                        </a:uFill>
-                        <a:latin typeface="Arial"/>
-                      </a:endParaRPr>
-                    </a:p>
-                  </a:txBody>
-                  <a:tcPr marL="90000" marR="90000">
-                    <a:lnL w="720">
-                      <a:solidFill>
-                        <a:srgbClr val="ffffff"/>
-                      </a:solidFill>
-                    </a:lnL>
-                    <a:lnR w="720">
-                      <a:solidFill>
-                        <a:srgbClr val="ffffff"/>
-                      </a:solidFill>
-                    </a:lnR>
-                    <a:lnT w="720">
-                      <a:solidFill>
-                        <a:srgbClr val="ffffff"/>
-                      </a:solidFill>
-                    </a:lnT>
-                    <a:lnB w="720">
-                      <a:solidFill>
-                        <a:srgbClr val="ffffff"/>
-                      </a:solidFill>
-                    </a:lnB>
-                    <a:solidFill>
-                      <a:srgbClr val="e6e6e6"/>
-                    </a:solidFill>
-                  </a:tcPr>
-                </a:tc>
-                <a:tc>
-                  <a:txBody>
-                    <a:bodyPr lIns="90000" rIns="90000"/>
-                    <a:p>
-                      <a:r>
-                        <a:rPr b="0" lang="en-IN" sz="1500" spc="-1" strike="noStrike">
-                          <a:solidFill>
-                            <a:srgbClr val="000000"/>
-                          </a:solidFill>
-                          <a:uFill>
-                            <a:solidFill>
-                              <a:srgbClr val="ffffff"/>
-                            </a:solidFill>
-                          </a:uFill>
-                          <a:latin typeface="Arial"/>
-                        </a:rPr>
-                        <a:t>None</a:t>
-                      </a:r>
-                      <a:endParaRPr b="0" lang="en-IN" sz="1800" spc="-1" strike="noStrike">
-                        <a:solidFill>
-                          <a:srgbClr val="000000"/>
-                        </a:solidFill>
-                        <a:uFill>
-                          <a:solidFill>
-                            <a:srgbClr val="ffffff"/>
-                          </a:solidFill>
-                        </a:uFill>
-                        <a:latin typeface="Arial"/>
-                      </a:endParaRPr>
-                    </a:p>
-                  </a:txBody>
-                  <a:tcPr marL="90000" marR="90000">
-                    <a:lnL w="720">
-                      <a:solidFill>
-                        <a:srgbClr val="ffffff"/>
-                      </a:solidFill>
-                    </a:lnL>
-                    <a:lnR w="720">
-                      <a:solidFill>
-                        <a:srgbClr val="ffffff"/>
-                      </a:solidFill>
-                    </a:lnR>
-                    <a:lnT w="720">
-                      <a:solidFill>
-                        <a:srgbClr val="ffffff"/>
-                      </a:solidFill>
-                    </a:lnT>
-                    <a:lnB w="720">
-                      <a:solidFill>
-                        <a:srgbClr val="ffffff"/>
-                      </a:solidFill>
-                    </a:lnB>
-                    <a:solidFill>
-                      <a:srgbClr val="e6e6e6"/>
-                    </a:solidFill>
-                  </a:tcPr>
-                </a:tc>
-                <a:tc>
-                  <a:txBody>
-                    <a:bodyPr lIns="90000" rIns="90000"/>
-                    <a:p>
-                      <a:r>
-                        <a:rPr b="0" lang="en-IN" sz="1500" spc="-1" strike="noStrike">
-                          <a:solidFill>
-                            <a:srgbClr val="000000"/>
-                          </a:solidFill>
-                          <a:uFill>
-                            <a:solidFill>
-                              <a:srgbClr val="ffffff"/>
-                            </a:solidFill>
-                          </a:uFill>
-                          <a:latin typeface="Arial"/>
-                        </a:rPr>
-                        <a:t>ok/error</a:t>
-                      </a:r>
-                      <a:endParaRPr b="0" lang="en-IN" sz="1800" spc="-1" strike="noStrike">
-                        <a:solidFill>
-                          <a:srgbClr val="000000"/>
-                        </a:solidFill>
-                        <a:uFill>
-                          <a:solidFill>
-                            <a:srgbClr val="ffffff"/>
-                          </a:solidFill>
-                        </a:uFill>
-                        <a:latin typeface="Arial"/>
-                      </a:endParaRPr>
-                    </a:p>
-                  </a:txBody>
-                  <a:tcPr marL="90000" marR="90000">
-                    <a:lnL w="720">
-                      <a:solidFill>
-                        <a:srgbClr val="ffffff"/>
-                      </a:solidFill>
-                    </a:lnL>
-                    <a:lnR w="720">
-                      <a:solidFill>
-                        <a:srgbClr val="ffffff"/>
-                      </a:solidFill>
-                    </a:lnR>
-                    <a:lnT w="720">
-                      <a:solidFill>
-                        <a:srgbClr val="ffffff"/>
-                      </a:solidFill>
-                    </a:lnT>
-                    <a:lnB w="720">
-                      <a:solidFill>
-                        <a:srgbClr val="ffffff"/>
-                      </a:solidFill>
-                    </a:lnB>
-                    <a:solidFill>
-                      <a:srgbClr val="e6e6e6"/>
-                    </a:solidFill>
-                  </a:tcPr>
-                </a:tc>
-              </a:tr>
-              <a:tr h="543240">
-                <a:tc>
-                  <a:txBody>
-                    <a:bodyPr lIns="90000" rIns="90000"/>
-                    <a:p>
-                      <a:r>
-                        <a:rPr b="0" lang="en-IN" sz="1500" spc="-1" strike="noStrike">
-                          <a:solidFill>
-                            <a:srgbClr val="000000"/>
-                          </a:solidFill>
-                          <a:uFill>
-                            <a:solidFill>
-                              <a:srgbClr val="ffffff"/>
-                            </a:solidFill>
-                          </a:uFill>
-                          <a:latin typeface="Arial"/>
-                        </a:rPr>
-                        <a:t>PUT</a:t>
-                      </a:r>
-                      <a:endParaRPr b="0" lang="en-IN" sz="1800" spc="-1" strike="noStrike">
-                        <a:solidFill>
-                          <a:srgbClr val="000000"/>
-                        </a:solidFill>
-                        <a:uFill>
-                          <a:solidFill>
-                            <a:srgbClr val="ffffff"/>
-                          </a:solidFill>
-                        </a:uFill>
-                        <a:latin typeface="Arial"/>
-                      </a:endParaRPr>
-                    </a:p>
-                  </a:txBody>
-                  <a:tcPr marL="90000" marR="90000">
-                    <a:lnL w="720">
-                      <a:solidFill>
-                        <a:srgbClr val="ffffff"/>
-                      </a:solidFill>
-                    </a:lnL>
-                    <a:lnR w="720">
-                      <a:solidFill>
-                        <a:srgbClr val="ffffff"/>
-                      </a:solidFill>
-                    </a:lnR>
-                    <a:lnT w="720">
-                      <a:solidFill>
-                        <a:srgbClr val="ffffff"/>
-                      </a:solidFill>
-                    </a:lnT>
-                    <a:lnB w="720">
-                      <a:solidFill>
-                        <a:srgbClr val="ffffff"/>
-                      </a:solidFill>
-                    </a:lnB>
-                    <a:solidFill>
-                      <a:srgbClr val="cccccc"/>
-                    </a:solidFill>
-                  </a:tcPr>
-                </a:tc>
-                <a:tc>
-                  <a:txBody>
-                    <a:bodyPr lIns="90000" rIns="90000"/>
-                    <a:p>
-                      <a:r>
-                        <a:rPr b="0" lang="en-IN" sz="1600" spc="-1" strike="noStrike">
-                          <a:solidFill>
-                            <a:srgbClr val="000000"/>
-                          </a:solidFill>
-                          <a:uFill>
-                            <a:solidFill>
-                              <a:srgbClr val="ffffff"/>
-                            </a:solidFill>
-                          </a:uFill>
-                          <a:latin typeface="Arial"/>
-                        </a:rPr>
-                        <a:t>apprulemgr/v1/tenants/:tenantId/app_instances/:appInstanceId/appd_configuration</a:t>
-                      </a:r>
-                      <a:endParaRPr b="0" lang="en-IN" sz="1800" spc="-1" strike="noStrike">
-                        <a:solidFill>
-                          <a:srgbClr val="000000"/>
-                        </a:solidFill>
-                        <a:uFill>
-                          <a:solidFill>
-                            <a:srgbClr val="ffffff"/>
-                          </a:solidFill>
-                        </a:uFill>
-                        <a:latin typeface="Arial"/>
-                      </a:endParaRPr>
-                    </a:p>
-                  </a:txBody>
-                  <a:tcPr marL="90000" marR="90000">
-                    <a:lnL w="720">
-                      <a:solidFill>
-                        <a:srgbClr val="ffffff"/>
-                      </a:solidFill>
-                    </a:lnL>
-                    <a:lnR w="720">
-                      <a:solidFill>
-                        <a:srgbClr val="ffffff"/>
-                      </a:solidFill>
-                    </a:lnR>
-                    <a:lnT w="720">
-                      <a:solidFill>
-                        <a:srgbClr val="ffffff"/>
-                      </a:solidFill>
-                    </a:lnT>
-                    <a:lnB w="720">
-                      <a:solidFill>
-                        <a:srgbClr val="ffffff"/>
-                      </a:solidFill>
-                    </a:lnB>
-                    <a:solidFill>
-                      <a:srgbClr val="cccccc"/>
-                    </a:solidFill>
-                  </a:tcPr>
-                </a:tc>
-                <a:tc>
-                  <a:txBody>
-                    <a:bodyPr lIns="90000" rIns="90000"/>
-                    <a:p>
-                      <a:r>
-                        <a:rPr b="0" lang="en-IN" sz="1500" spc="-1" strike="noStrike">
-                          <a:solidFill>
-                            <a:srgbClr val="000000"/>
-                          </a:solidFill>
-                          <a:uFill>
-                            <a:solidFill>
-                              <a:srgbClr val="ffffff"/>
-                            </a:solidFill>
-                          </a:uFill>
-                          <a:latin typeface="Arial"/>
-                        </a:rPr>
-                        <a:t>AppDRuleModel</a:t>
-                      </a:r>
-                      <a:endParaRPr b="0" lang="en-IN" sz="1800" spc="-1" strike="noStrike">
-                        <a:solidFill>
-                          <a:srgbClr val="000000"/>
-                        </a:solidFill>
-                        <a:uFill>
-                          <a:solidFill>
-                            <a:srgbClr val="ffffff"/>
-                          </a:solidFill>
-                        </a:uFill>
-                        <a:latin typeface="Arial"/>
-                      </a:endParaRPr>
-                    </a:p>
-                  </a:txBody>
-                  <a:tcPr marL="90000" marR="90000">
-                    <a:lnL w="720">
-                      <a:solidFill>
-                        <a:srgbClr val="ffffff"/>
-                      </a:solidFill>
-                    </a:lnL>
-                    <a:lnR w="720">
-                      <a:solidFill>
-                        <a:srgbClr val="ffffff"/>
-                      </a:solidFill>
-                    </a:lnR>
-                    <a:lnT w="720">
-                      <a:solidFill>
-                        <a:srgbClr val="ffffff"/>
-                      </a:solidFill>
-                    </a:lnT>
-                    <a:lnB w="720">
-                      <a:solidFill>
-                        <a:srgbClr val="ffffff"/>
-                      </a:solidFill>
-                    </a:lnB>
-                    <a:solidFill>
-                      <a:srgbClr val="cccccc"/>
-                    </a:solidFill>
-                  </a:tcPr>
-                </a:tc>
-                <a:tc>
-                  <a:txBody>
-                    <a:bodyPr lIns="90000" rIns="90000"/>
-                    <a:p>
-                      <a:r>
-                        <a:rPr b="0" lang="en-IN" sz="1500" spc="-1" strike="noStrike">
-                          <a:solidFill>
-                            <a:srgbClr val="000000"/>
-                          </a:solidFill>
-                          <a:uFill>
-                            <a:solidFill>
-                              <a:srgbClr val="ffffff"/>
-                            </a:solidFill>
-                          </a:uFill>
-                          <a:latin typeface="Arial"/>
-                        </a:rPr>
-                        <a:t>ok/error</a:t>
-                      </a:r>
-                      <a:endParaRPr b="0" lang="en-IN" sz="1800" spc="-1" strike="noStrike">
-                        <a:solidFill>
-                          <a:srgbClr val="000000"/>
-                        </a:solidFill>
-                        <a:uFill>
-                          <a:solidFill>
-                            <a:srgbClr val="ffffff"/>
-                          </a:solidFill>
-                        </a:uFill>
-                        <a:latin typeface="Arial"/>
-                      </a:endParaRPr>
-                    </a:p>
-                  </a:txBody>
-                  <a:tcPr marL="90000" marR="90000">
-                    <a:lnL w="720">
-                      <a:solidFill>
-                        <a:srgbClr val="ffffff"/>
-                      </a:solidFill>
-                    </a:lnL>
-                    <a:lnR w="720">
-                      <a:solidFill>
-                        <a:srgbClr val="ffffff"/>
-                      </a:solidFill>
-                    </a:lnR>
-                    <a:lnT w="720">
-                      <a:solidFill>
-                        <a:srgbClr val="ffffff"/>
-                      </a:solidFill>
-                    </a:lnT>
-                    <a:lnB w="720">
-                      <a:solidFill>
-                        <a:srgbClr val="ffffff"/>
-                      </a:solidFill>
-                    </a:lnB>
-                    <a:solidFill>
-                      <a:srgbClr val="cccccc"/>
-                    </a:solidFill>
-                  </a:tcPr>
-                </a:tc>
-              </a:tr>
-              <a:tr h="543240">
-                <a:tc>
-                  <a:txBody>
-                    <a:bodyPr lIns="90000" rIns="90000"/>
-                    <a:p>
-                      <a:r>
-                        <a:rPr b="0" lang="en-IN" sz="1500" spc="-1" strike="noStrike">
-                          <a:solidFill>
-                            <a:srgbClr val="000000"/>
-                          </a:solidFill>
-                          <a:uFill>
-                            <a:solidFill>
-                              <a:srgbClr val="ffffff"/>
-                            </a:solidFill>
-                          </a:uFill>
-                          <a:latin typeface="Arial"/>
-                        </a:rPr>
-                        <a:t>GET</a:t>
-                      </a:r>
-                      <a:endParaRPr b="0" lang="en-IN" sz="1800" spc="-1" strike="noStrike">
-                        <a:solidFill>
-                          <a:srgbClr val="000000"/>
-                        </a:solidFill>
-                        <a:uFill>
-                          <a:solidFill>
-                            <a:srgbClr val="ffffff"/>
-                          </a:solidFill>
-                        </a:uFill>
-                        <a:latin typeface="Arial"/>
-                      </a:endParaRPr>
-                    </a:p>
-                  </a:txBody>
-                  <a:tcPr marL="90000" marR="90000">
-                    <a:lnL w="720">
-                      <a:solidFill>
-                        <a:srgbClr val="ffffff"/>
-                      </a:solidFill>
-                    </a:lnL>
-                    <a:lnR w="720">
-                      <a:solidFill>
-                        <a:srgbClr val="ffffff"/>
-                      </a:solidFill>
-                    </a:lnR>
-                    <a:lnT w="720">
-                      <a:solidFill>
-                        <a:srgbClr val="ffffff"/>
-                      </a:solidFill>
-                    </a:lnT>
-                    <a:lnB w="720">
-                      <a:solidFill>
-                        <a:srgbClr val="ffffff"/>
-                      </a:solidFill>
-                    </a:lnB>
-                    <a:solidFill>
-                      <a:srgbClr val="cccccc"/>
-                    </a:solidFill>
-                  </a:tcPr>
-                </a:tc>
-                <a:tc>
-                  <a:txBody>
-                    <a:bodyPr lIns="90000" rIns="90000"/>
-                    <a:p>
-                      <a:r>
-                        <a:rPr b="0" lang="en-IN" sz="1600" spc="-1" strike="noStrike">
-                          <a:solidFill>
-                            <a:srgbClr val="000000"/>
-                          </a:solidFill>
-                          <a:uFill>
-                            <a:solidFill>
-                              <a:srgbClr val="ffffff"/>
-                            </a:solidFill>
-                          </a:uFill>
-                          <a:latin typeface="Arial"/>
-                        </a:rPr>
-                        <a:t>apprulemgr/v1/tenants/:tenantId/app_instances/:appInstanceId/appd_configuration</a:t>
-                      </a:r>
-                      <a:endParaRPr b="0" lang="en-IN" sz="1800" spc="-1" strike="noStrike">
-                        <a:solidFill>
-                          <a:srgbClr val="000000"/>
-                        </a:solidFill>
-                        <a:uFill>
-                          <a:solidFill>
-                            <a:srgbClr val="ffffff"/>
-                          </a:solidFill>
-                        </a:uFill>
-                        <a:latin typeface="Arial"/>
-                      </a:endParaRPr>
-                    </a:p>
-                  </a:txBody>
-                  <a:tcPr marL="90000" marR="90000">
-                    <a:lnL w="720">
-                      <a:solidFill>
-                        <a:srgbClr val="ffffff"/>
-                      </a:solidFill>
-                    </a:lnL>
-                    <a:lnR w="720">
-                      <a:solidFill>
-                        <a:srgbClr val="ffffff"/>
-                      </a:solidFill>
-                    </a:lnR>
-                    <a:lnT w="720">
-                      <a:solidFill>
-                        <a:srgbClr val="ffffff"/>
-                      </a:solidFill>
-                    </a:lnT>
-                    <a:lnB w="720">
-                      <a:solidFill>
-                        <a:srgbClr val="ffffff"/>
-                      </a:solidFill>
-                    </a:lnB>
-                    <a:solidFill>
-                      <a:srgbClr val="cccccc"/>
-                    </a:solidFill>
-                  </a:tcPr>
-                </a:tc>
-                <a:tc>
-                  <a:txBody>
-                    <a:bodyPr lIns="90000" rIns="90000"/>
-                    <a:p>
-                      <a:r>
-                        <a:rPr b="0" lang="en-IN" sz="1500" spc="-1" strike="noStrike">
-                          <a:solidFill>
-                            <a:srgbClr val="000000"/>
-                          </a:solidFill>
-                          <a:uFill>
-                            <a:solidFill>
-                              <a:srgbClr val="ffffff"/>
-                            </a:solidFill>
-                          </a:uFill>
-                          <a:latin typeface="Arial"/>
-                        </a:rPr>
-                        <a:t>None</a:t>
-                      </a:r>
-                      <a:endParaRPr b="0" lang="en-IN" sz="1800" spc="-1" strike="noStrike">
-                        <a:solidFill>
-                          <a:srgbClr val="000000"/>
-                        </a:solidFill>
-                        <a:uFill>
-                          <a:solidFill>
-                            <a:srgbClr val="ffffff"/>
-                          </a:solidFill>
-                        </a:uFill>
-                        <a:latin typeface="Arial"/>
-                      </a:endParaRPr>
-                    </a:p>
-                  </a:txBody>
-                  <a:tcPr marL="90000" marR="90000">
-                    <a:lnL w="720">
-                      <a:solidFill>
-                        <a:srgbClr val="ffffff"/>
-                      </a:solidFill>
-                    </a:lnL>
-                    <a:lnR w="720">
-                      <a:solidFill>
-                        <a:srgbClr val="ffffff"/>
-                      </a:solidFill>
-                    </a:lnR>
-                    <a:lnT w="720">
-                      <a:solidFill>
-                        <a:srgbClr val="ffffff"/>
-                      </a:solidFill>
-                    </a:lnT>
-                    <a:lnB w="720">
-                      <a:solidFill>
-                        <a:srgbClr val="ffffff"/>
-                      </a:solidFill>
-                    </a:lnB>
-                    <a:solidFill>
-                      <a:srgbClr val="cccccc"/>
-                    </a:solidFill>
-                  </a:tcPr>
-                </a:tc>
-                <a:tc>
-                  <a:txBody>
-                    <a:bodyPr lIns="90000" rIns="90000"/>
-                    <a:p>
-                      <a:r>
-                        <a:rPr b="0" lang="en-IN" sz="1500" spc="-1" strike="noStrike">
-                          <a:solidFill>
-                            <a:srgbClr val="000000"/>
-                          </a:solidFill>
-                          <a:uFill>
-                            <a:solidFill>
-                              <a:srgbClr val="ffffff"/>
-                            </a:solidFill>
-                          </a:uFill>
-                          <a:latin typeface="Arial"/>
-                        </a:rPr>
-                        <a:t>AppDRuleModel</a:t>
-                      </a:r>
-                      <a:endParaRPr b="0" lang="en-IN" sz="1800" spc="-1" strike="noStrike">
-                        <a:solidFill>
-                          <a:srgbClr val="000000"/>
-                        </a:solidFill>
-                        <a:uFill>
-                          <a:solidFill>
-                            <a:srgbClr val="ffffff"/>
-                          </a:solidFill>
-                        </a:uFill>
-                        <a:latin typeface="Arial"/>
-                      </a:endParaRPr>
-                    </a:p>
-                  </a:txBody>
-                  <a:tcPr marL="90000" marR="90000">
-                    <a:lnL w="720">
-                      <a:solidFill>
-                        <a:srgbClr val="ffffff"/>
-                      </a:solidFill>
-                    </a:lnL>
-                    <a:lnR w="720">
-                      <a:solidFill>
-                        <a:srgbClr val="ffffff"/>
-                      </a:solidFill>
-                    </a:lnR>
-                    <a:lnT w="720">
-                      <a:solidFill>
-                        <a:srgbClr val="ffffff"/>
-                      </a:solidFill>
-                    </a:lnT>
-                    <a:lnB w="720">
-                      <a:solidFill>
-                        <a:srgbClr val="ffffff"/>
-                      </a:solidFill>
-                    </a:lnB>
-                    <a:solidFill>
-                      <a:srgbClr val="cccccc"/>
-                    </a:solidFill>
-                  </a:tcPr>
-                </a:tc>
-              </a:tr>
-            </a:tbl>
-          </a:graphicData>
-        </a:graphic>
-      </p:graphicFrame>
-      <p:sp>
-        <p:nvSpPr>
-          <p:cNvPr id="309" name="TextShape 3"/>
-          <p:cNvSpPr txBox="1"/>
-          <p:nvPr/>
-        </p:nvSpPr>
-        <p:spPr>
-          <a:xfrm>
-            <a:off x="288000" y="3816000"/>
-            <a:ext cx="9360000" cy="346320"/>
+        </p:nvSpPr>
+        <p:spPr>
+          <a:xfrm>
+            <a:off x="288000" y="1008000"/>
+            <a:ext cx="9574560" cy="5394600"/>
           </a:xfrm>
           <a:prstGeom prst="rect">
             <a:avLst/>
@@ -22849,9 +22787,20 @@
             <a:noFill/>
           </a:ln>
         </p:spPr>
+        <p:style>
+          <a:lnRef idx="0"/>
+          <a:fillRef idx="0"/>
+          <a:effectRef idx="0"/>
+          <a:fontRef idx="minor"/>
+        </p:style>
         <p:txBody>
           <a:bodyPr lIns="90000" rIns="90000" tIns="45000" bIns="45000"/>
           <a:p>
+            <a:pPr>
+              <a:lnSpc>
+                <a:spcPct val="100000"/>
+              </a:lnSpc>
+            </a:pPr>
             <a:r>
               <a:rPr b="0" lang="en-IN" sz="1800" spc="-1" strike="noStrike">
                 <a:solidFill>
@@ -22862,12 +22811,49 @@
                     <a:srgbClr val="ffffff"/>
                   </a:solidFill>
                 </a:uFill>
-                <a:latin typeface="Arial"/>
+                <a:latin typeface="Calibri"/>
+                <a:ea typeface="DejaVu Sans"/>
               </a:rPr>
-              <a:t>Modify </a:t>
+              <a:t>Provide a button in mecm portal to synchronize  data from edge.</a:t>
             </a:r>
+            <a:endParaRPr b="0" lang="en-IN" sz="1800" spc="-1" strike="noStrike">
+              <a:solidFill>
+                <a:srgbClr val="000000"/>
+              </a:solidFill>
+              <a:uFill>
+                <a:solidFill>
+                  <a:srgbClr val="ffffff"/>
+                </a:solidFill>
+              </a:uFill>
+              <a:latin typeface="Arial"/>
+            </a:endParaRPr>
+          </a:p>
+          <a:p>
+            <a:pPr>
+              <a:lnSpc>
+                <a:spcPct val="100000"/>
+              </a:lnSpc>
+            </a:pPr>
+            <a:endParaRPr b="0" lang="en-IN" sz="1800" spc="-1" strike="noStrike">
+              <a:solidFill>
+                <a:srgbClr val="000000"/>
+              </a:solidFill>
+              <a:uFill>
+                <a:solidFill>
+                  <a:srgbClr val="ffffff"/>
+                </a:solidFill>
+              </a:uFill>
+              <a:latin typeface="Arial"/>
+            </a:endParaRPr>
+          </a:p>
+          <a:p>
+            <a:pPr>
+              <a:lnSpc>
+                <a:spcPct val="100000"/>
+              </a:lnSpc>
+            </a:pPr>
             <a:r>
-              <a:rPr b="0" lang="en-IN" sz="1800" spc="-1" strike="noStrike">
+              <a:rPr b="1" lang="en-IN" sz="1800" spc="-1" strike="noStrike">
                 <a:solidFill>
                   <a:srgbClr val="000000"/>
                 </a:solidFill>
@@ -22876,9 +22862,10 @@
                     <a:srgbClr val="ffffff"/>
                   </a:solidFill>
                 </a:uFill>
-                <a:latin typeface="Arial"/>
+                <a:latin typeface="Calibri"/>
+                <a:ea typeface="DejaVu Sans"/>
               </a:rPr>
-              <a:t>these </a:t>
+              <a:t>Prerequisite</a:t>
             </a:r>
             <a:r>
               <a:rPr b="0" lang="en-IN" sz="1800" spc="-1" strike="noStrike">
@@ -22890,10 +22877,29 @@
                     <a:srgbClr val="ffffff"/>
                   </a:solidFill>
                 </a:uFill>
-                <a:latin typeface="Arial"/>
+                <a:latin typeface="Calibri"/>
+                <a:ea typeface="DejaVu Sans"/>
               </a:rPr>
-              <a:t>api’s to </a:t>
+              <a:t>:</a:t>
             </a:r>
+            <a:endParaRPr b="0" lang="en-IN" sz="1800" spc="-1" strike="noStrike">
+              <a:solidFill>
+                <a:srgbClr val="000000"/>
+              </a:solidFill>
+              <a:uFill>
+                <a:solidFill>
+                  <a:srgbClr val="ffffff"/>
+                </a:solidFill>
+              </a:uFill>
+              <a:latin typeface="Arial"/>
+            </a:endParaRPr>
+          </a:p>
+          <a:p>
+            <a:pPr>
+              <a:lnSpc>
+                <a:spcPct val="100000"/>
+              </a:lnSpc>
+            </a:pPr>
             <a:r>
               <a:rPr b="0" lang="en-IN" sz="1800" spc="-1" strike="noStrike">
                 <a:solidFill>
@@ -22904,12 +22910,49 @@
                     <a:srgbClr val="ffffff"/>
                   </a:solidFill>
                 </a:uFill>
-                <a:latin typeface="Arial"/>
+                <a:latin typeface="Calibri"/>
+                <a:ea typeface="DejaVu Sans"/>
               </a:rPr>
-              <a:t>include </a:t>
+              <a:t>There should be connection between cloud and edge when user/adminstrator is manually synchronizing the database.</a:t>
             </a:r>
+            <a:endParaRPr b="0" lang="en-IN" sz="1800" spc="-1" strike="noStrike">
+              <a:solidFill>
+                <a:srgbClr val="000000"/>
+              </a:solidFill>
+              <a:uFill>
+                <a:solidFill>
+                  <a:srgbClr val="ffffff"/>
+                </a:solidFill>
+              </a:uFill>
+              <a:latin typeface="Arial"/>
+            </a:endParaRPr>
+          </a:p>
+          <a:p>
+            <a:pPr>
+              <a:lnSpc>
+                <a:spcPct val="100000"/>
+              </a:lnSpc>
+            </a:pPr>
+            <a:endParaRPr b="0" lang="en-IN" sz="1800" spc="-1" strike="noStrike">
+              <a:solidFill>
+                <a:srgbClr val="000000"/>
+              </a:solidFill>
+              <a:uFill>
+                <a:solidFill>
+                  <a:srgbClr val="ffffff"/>
+                </a:solidFill>
+              </a:uFill>
+              <a:latin typeface="Arial"/>
+            </a:endParaRPr>
+          </a:p>
+          <a:p>
+            <a:pPr>
+              <a:lnSpc>
+                <a:spcPct val="100000"/>
+              </a:lnSpc>
+            </a:pPr>
             <a:r>
-              <a:rPr b="0" lang="en-IN" sz="1800" spc="-1" strike="noStrike">
+              <a:rPr b="1" lang="en-IN" sz="1800" spc="-1" strike="noStrike">
                 <a:solidFill>
                   <a:srgbClr val="000000"/>
                 </a:solidFill>
@@ -22918,9 +22961,10 @@
                     <a:srgbClr val="ffffff"/>
                   </a:solidFill>
                 </a:uFill>
-                <a:latin typeface="Arial"/>
+                <a:latin typeface="Calibri"/>
+                <a:ea typeface="DejaVu Sans"/>
               </a:rPr>
-              <a:t>mep </a:t>
+              <a:t>Implementation</a:t>
             </a:r>
             <a:r>
               <a:rPr b="0" lang="en-IN" sz="1800" spc="-1" strike="noStrike">
@@ -22932,10 +22976,29 @@
                     <a:srgbClr val="ffffff"/>
                   </a:solidFill>
                 </a:uFill>
-                <a:latin typeface="Arial"/>
+                <a:latin typeface="Calibri"/>
+                <a:ea typeface="DejaVu Sans"/>
               </a:rPr>
-              <a:t>ip:port </a:t>
+              <a:t>:</a:t>
             </a:r>
+            <a:endParaRPr b="0" lang="en-IN" sz="1800" spc="-1" strike="noStrike">
+              <a:solidFill>
+                <a:srgbClr val="000000"/>
+              </a:solidFill>
+              <a:uFill>
+                <a:solidFill>
+                  <a:srgbClr val="ffffff"/>
+                </a:solidFill>
+              </a:uFill>
+              <a:latin typeface="Arial"/>
+            </a:endParaRPr>
+          </a:p>
+          <a:p>
+            <a:pPr>
+              <a:lnSpc>
+                <a:spcPct val="100000"/>
+              </a:lnSpc>
+            </a:pPr>
             <a:r>
               <a:rPr b="0" lang="en-IN" sz="1800" spc="-1" strike="noStrike">
                 <a:solidFill>
@@ -22946,12 +23009,49 @@
                     <a:srgbClr val="ffffff"/>
                   </a:solidFill>
                 </a:uFill>
-                <a:latin typeface="Arial"/>
+                <a:latin typeface="Calibri"/>
+                <a:ea typeface="DejaVu Sans"/>
               </a:rPr>
-              <a:t>in api </a:t>
+              <a:t>When syncronize button is clicked, inventory/appo pulls the information from applcm and update to its database.</a:t>
             </a:r>
+            <a:endParaRPr b="0" lang="en-IN" sz="1800" spc="-1" strike="noStrike">
+              <a:solidFill>
+                <a:srgbClr val="000000"/>
+              </a:solidFill>
+              <a:uFill>
+                <a:solidFill>
+                  <a:srgbClr val="ffffff"/>
+                </a:solidFill>
+              </a:uFill>
+              <a:latin typeface="Arial"/>
+            </a:endParaRPr>
+          </a:p>
+          <a:p>
+            <a:pPr>
+              <a:lnSpc>
+                <a:spcPct val="100000"/>
+              </a:lnSpc>
+            </a:pPr>
+            <a:endParaRPr b="0" lang="en-IN" sz="1800" spc="-1" strike="noStrike">
+              <a:solidFill>
+                <a:srgbClr val="000000"/>
+              </a:solidFill>
+              <a:uFill>
+                <a:solidFill>
+                  <a:srgbClr val="ffffff"/>
+                </a:solidFill>
+              </a:uFill>
+              <a:latin typeface="Arial"/>
+            </a:endParaRPr>
+          </a:p>
+          <a:p>
+            <a:pPr>
+              <a:lnSpc>
+                <a:spcPct val="100000"/>
+              </a:lnSpc>
+            </a:pPr>
             <a:r>
-              <a:rPr b="0" lang="en-IN" sz="1800" spc="-1" strike="noStrike">
+              <a:rPr b="1" lang="en-IN" sz="1800" spc="-1" strike="noStrike">
                 <a:solidFill>
                   <a:srgbClr val="000000"/>
                 </a:solidFill>
@@ -22960,9 +23060,10 @@
                     <a:srgbClr val="ffffff"/>
                   </a:solidFill>
                 </a:uFill>
-                <a:latin typeface="Arial"/>
+                <a:latin typeface="Calibri"/>
+                <a:ea typeface="DejaVu Sans"/>
               </a:rPr>
-              <a:t>params</a:t>
+              <a:t>WorkFlow:</a:t>
             </a:r>
             <a:endParaRPr b="0" lang="en-IN" sz="1800" spc="-1" strike="noStrike">
               <a:solidFill>
@@ -22976,8 +23077,103 @@
               <a:latin typeface="Arial"/>
             </a:endParaRPr>
           </a:p>
-        </p:txBody>
-      </p:sp>
+          <a:p>
+            <a:pPr>
+              <a:lnSpc>
+                <a:spcPct val="100000"/>
+              </a:lnSpc>
+            </a:pPr>
+            <a:endParaRPr b="0" lang="en-IN" sz="1800" spc="-1" strike="noStrike">
+              <a:solidFill>
+                <a:srgbClr val="000000"/>
+              </a:solidFill>
+              <a:uFill>
+                <a:solidFill>
+                  <a:srgbClr val="ffffff"/>
+                </a:solidFill>
+              </a:uFill>
+              <a:latin typeface="Arial"/>
+            </a:endParaRPr>
+          </a:p>
+          <a:p>
+            <a:pPr>
+              <a:lnSpc>
+                <a:spcPct val="100000"/>
+              </a:lnSpc>
+            </a:pPr>
+            <a:endParaRPr b="0" lang="en-IN" sz="1800" spc="-1" strike="noStrike">
+              <a:solidFill>
+                <a:srgbClr val="000000"/>
+              </a:solidFill>
+              <a:uFill>
+                <a:solidFill>
+                  <a:srgbClr val="ffffff"/>
+                </a:solidFill>
+              </a:uFill>
+              <a:latin typeface="Arial"/>
+            </a:endParaRPr>
+          </a:p>
+          <a:p>
+            <a:pPr>
+              <a:lnSpc>
+                <a:spcPct val="100000"/>
+              </a:lnSpc>
+            </a:pPr>
+            <a:endParaRPr b="0" lang="en-IN" sz="1800" spc="-1" strike="noStrike">
+              <a:solidFill>
+                <a:srgbClr val="000000"/>
+              </a:solidFill>
+              <a:uFill>
+                <a:solidFill>
+                  <a:srgbClr val="ffffff"/>
+                </a:solidFill>
+              </a:uFill>
+              <a:latin typeface="Arial"/>
+            </a:endParaRPr>
+          </a:p>
+          <a:p>
+            <a:pPr>
+              <a:lnSpc>
+                <a:spcPct val="100000"/>
+              </a:lnSpc>
+            </a:pPr>
+            <a:endParaRPr b="0" lang="en-IN" sz="1800" spc="-1" strike="noStrike">
+              <a:solidFill>
+                <a:srgbClr val="000000"/>
+              </a:solidFill>
+              <a:uFill>
+                <a:solidFill>
+                  <a:srgbClr val="ffffff"/>
+                </a:solidFill>
+              </a:uFill>
+              <a:latin typeface="Arial"/>
+            </a:endParaRPr>
+          </a:p>
+        </p:txBody>
+      </p:sp>
+      <p:pic>
+        <p:nvPicPr>
+          <p:cNvPr id="306" name="" descr=""/>
+          <p:cNvPicPr/>
+          <p:nvPr/>
+        </p:nvPicPr>
+        <p:blipFill>
+          <a:blip r:embed="rId1"/>
+          <a:stretch/>
+        </p:blipFill>
+        <p:spPr>
+          <a:xfrm>
+            <a:off x="504000" y="4335120"/>
+            <a:ext cx="4914000" cy="2504160"/>
+          </a:xfrm>
+          <a:prstGeom prst="rect">
+            <a:avLst/>
+          </a:prstGeom>
+          <a:ln>
+            <a:noFill/>
+          </a:ln>
+        </p:spPr>
+      </p:pic>
     </p:spTree>
   </p:cSld>
   <p:timing>
@@ -23027,11 +23223,87 @@
           <a:chExt cx="0" cy="0"/>
         </a:xfrm>
       </p:grpSpPr>
+      <p:sp>
+        <p:nvSpPr>
+          <p:cNvPr id="307" name="TextShape 1"/>
+          <p:cNvSpPr txBox="1"/>
+          <p:nvPr/>
+        </p:nvSpPr>
+        <p:spPr>
+          <a:xfrm>
+            <a:off x="432360" y="33480"/>
+            <a:ext cx="9072360" cy="1262160"/>
+          </a:xfrm>
+          <a:prstGeom prst="rect">
+            <a:avLst/>
+          </a:prstGeom>
+          <a:noFill/>
+          <a:ln>
+            <a:noFill/>
+          </a:ln>
+        </p:spPr>
+        <p:txBody>
+          <a:bodyPr lIns="0" rIns="0" tIns="0" bIns="0" anchor="ctr"/>
+          <a:p>
+            <a:pPr>
+              <a:lnSpc>
+                <a:spcPts val="0"/>
+              </a:lnSpc>
+            </a:pPr>
+            <a:r>
+              <a:rPr b="1" lang="en-IN" sz="2500" spc="-1" strike="noStrike">
+                <a:solidFill>
+                  <a:srgbClr val="c00000"/>
+                </a:solidFill>
+                <a:uFill>
+                  <a:solidFill>
+                    <a:srgbClr val="ffffff"/>
+                  </a:solidFill>
+                </a:uFill>
+                <a:latin typeface="Microsoft YaHei"/>
+                <a:ea typeface="Microsoft YaHei"/>
+              </a:rPr>
+              <a:t>Overview</a:t>
+            </a:r>
+            <a:endParaRPr b="0" lang="en-IN" sz="4400" spc="-1" strike="noStrike">
+              <a:solidFill>
+                <a:srgbClr val="000000"/>
+              </a:solidFill>
+              <a:uFill>
+                <a:solidFill>
+                  <a:srgbClr val="ffffff"/>
+                </a:solidFill>
+              </a:uFill>
+              <a:latin typeface="Arial"/>
+            </a:endParaRPr>
+          </a:p>
+        </p:txBody>
+      </p:sp>
+      <p:pic>
+        <p:nvPicPr>
+          <p:cNvPr id="308" name="" descr=""/>
+          <p:cNvPicPr/>
+          <p:nvPr/>
+        </p:nvPicPr>
+        <p:blipFill>
+          <a:blip r:embed="rId1"/>
+          <a:stretch/>
+        </p:blipFill>
+        <p:spPr>
+          <a:xfrm>
+            <a:off x="504000" y="1504080"/>
+            <a:ext cx="7560720" cy="5551200"/>
+          </a:xfrm>
+          <a:prstGeom prst="rect">
+            <a:avLst/>
+          </a:prstGeom>
+          <a:ln>
+            <a:noFill/>
+          </a:ln>
+        </p:spPr>
+      </p:pic>
     </p:spTree>
   </p:cSld>
-  <p:transition spd="med">
-    <p:fade/>
-  </p:transition>
   <p:timing>
     <p:tnLst>
       <p:par>

--- a/MECM PT/Release V1.1/Edge Autonomous Portal.pptx
+++ b/MECM PT/Release V1.1/Edge Autonomous Portal.pptx
@@ -8,27 +8,28 @@
     <p:sldMasterId id="2147483687" r:id="rId5"/>
     <p:sldMasterId id="2147483700" r:id="rId6"/>
     <p:sldMasterId id="2147483713" r:id="rId7"/>
+    <p:sldMasterId id="2147483726" r:id="rId8"/>
   </p:sldMasterIdLst>
   <p:notesMasterIdLst>
-    <p:notesMasterId r:id="rId8"/>
+    <p:notesMasterId r:id="rId9"/>
   </p:notesMasterIdLst>
   <p:sldIdLst>
-    <p:sldId id="256" r:id="rId9"/>
-    <p:sldId id="257" r:id="rId10"/>
-    <p:sldId id="258" r:id="rId11"/>
-    <p:sldId id="259" r:id="rId12"/>
-    <p:sldId id="260" r:id="rId13"/>
-    <p:sldId id="261" r:id="rId14"/>
-    <p:sldId id="262" r:id="rId15"/>
-    <p:sldId id="263" r:id="rId16"/>
-    <p:sldId id="264" r:id="rId17"/>
-    <p:sldId id="265" r:id="rId18"/>
-    <p:sldId id="266" r:id="rId19"/>
-    <p:sldId id="267" r:id="rId20"/>
-    <p:sldId id="268" r:id="rId21"/>
-    <p:sldId id="269" r:id="rId22"/>
-    <p:sldId id="270" r:id="rId23"/>
-    <p:sldId id="271" r:id="rId24"/>
+    <p:sldId id="256" r:id="rId10"/>
+    <p:sldId id="257" r:id="rId11"/>
+    <p:sldId id="258" r:id="rId12"/>
+    <p:sldId id="259" r:id="rId13"/>
+    <p:sldId id="260" r:id="rId14"/>
+    <p:sldId id="261" r:id="rId15"/>
+    <p:sldId id="262" r:id="rId16"/>
+    <p:sldId id="263" r:id="rId17"/>
+    <p:sldId id="264" r:id="rId18"/>
+    <p:sldId id="265" r:id="rId19"/>
+    <p:sldId id="266" r:id="rId20"/>
+    <p:sldId id="267" r:id="rId21"/>
+    <p:sldId id="268" r:id="rId22"/>
+    <p:sldId id="269" r:id="rId23"/>
+    <p:sldId id="270" r:id="rId24"/>
+    <p:sldId id="271" r:id="rId25"/>
   </p:sldIdLst>
   <p:sldSz cx="10080625" cy="7559675"/>
   <p:notesSz cx="7559675" cy="10691812"/>
@@ -54,7 +55,7 @@
       </p:grpSpPr>
       <p:sp>
         <p:nvSpPr>
-          <p:cNvPr id="226" name="PlaceHolder 1"/>
+          <p:cNvPr id="262" name="PlaceHolder 1"/>
           <p:cNvSpPr>
             <a:spLocks noGrp="1"/>
           </p:cNvSpPr>
@@ -104,7 +105,7 @@
       </p:sp>
       <p:sp>
         <p:nvSpPr>
-          <p:cNvPr id="227" name="PlaceHolder 2"/>
+          <p:cNvPr id="263" name="PlaceHolder 2"/>
           <p:cNvSpPr>
             <a:spLocks noGrp="1"/>
           </p:cNvSpPr>
@@ -154,7 +155,7 @@
       </p:sp>
       <p:sp>
         <p:nvSpPr>
-          <p:cNvPr id="228" name="PlaceHolder 3"/>
+          <p:cNvPr id="264" name="PlaceHolder 3"/>
           <p:cNvSpPr>
             <a:spLocks noGrp="1"/>
           </p:cNvSpPr>
@@ -205,7 +206,7 @@
       </p:sp>
       <p:sp>
         <p:nvSpPr>
-          <p:cNvPr id="229" name="PlaceHolder 4"/>
+          <p:cNvPr id="265" name="PlaceHolder 4"/>
           <p:cNvSpPr>
             <a:spLocks noGrp="1"/>
           </p:cNvSpPr>
@@ -255,7 +256,7 @@
       </p:sp>
       <p:sp>
         <p:nvSpPr>
-          <p:cNvPr id="230" name="PlaceHolder 5"/>
+          <p:cNvPr id="266" name="PlaceHolder 5"/>
           <p:cNvSpPr>
             <a:spLocks noGrp="1"/>
           </p:cNvSpPr>
@@ -276,7 +277,7 @@
           <a:bodyPr lIns="0" rIns="0" tIns="0" bIns="0" anchor="b"/>
           <a:p>
             <a:pPr algn="r"/>
-            <a:fld id="{468F1C89-D219-4327-A550-C09D7235BE8C}" type="slidenum">
+            <a:fld id="{FD078DF6-F273-4581-95A3-6CB2A33A8014}" type="slidenum">
               <a:rPr b="0" lang="en-IN" sz="1400" spc="-1" strike="noStrike">
                 <a:solidFill>
                   <a:srgbClr val="000000"/>
@@ -329,7 +330,7 @@
       </p:grpSpPr>
       <p:sp>
         <p:nvSpPr>
-          <p:cNvPr id="321" name="PlaceHolder 1"/>
+          <p:cNvPr id="357" name="PlaceHolder 1"/>
           <p:cNvSpPr>
             <a:spLocks noGrp="1"/>
           </p:cNvSpPr>
@@ -340,7 +341,7 @@
         <p:spPr>
           <a:xfrm>
             <a:off x="756000" y="5145480"/>
-            <a:ext cx="6044400" cy="4206240"/>
+            <a:ext cx="6043680" cy="4205520"/>
           </a:xfrm>
           <a:prstGeom prst="rect">
             <a:avLst/>
@@ -365,14 +366,14 @@
       </p:sp>
       <p:sp>
         <p:nvSpPr>
-          <p:cNvPr id="322" name="CustomShape 2"/>
+          <p:cNvPr id="358" name="CustomShape 2"/>
           <p:cNvSpPr/>
           <p:nvPr/>
         </p:nvSpPr>
         <p:spPr>
           <a:xfrm>
             <a:off x="4282200" y="10155600"/>
-            <a:ext cx="3272400" cy="532800"/>
+            <a:ext cx="3271680" cy="532080"/>
           </a:xfrm>
           <a:prstGeom prst="rect">
             <a:avLst/>
@@ -7304,7 +7305,7 @@
       </p:grpSpPr>
       <p:sp>
         <p:nvSpPr>
-          <p:cNvPr id="192" name="PlaceHolder 1"/>
+          <p:cNvPr id="186" name="PlaceHolder 1"/>
           <p:cNvSpPr>
             <a:spLocks noGrp="1"/>
           </p:cNvSpPr>
@@ -7341,7 +7342,7 @@
       </p:sp>
       <p:sp>
         <p:nvSpPr>
-          <p:cNvPr id="193" name="PlaceHolder 2"/>
+          <p:cNvPr id="187" name="PlaceHolder 2"/>
           <p:cNvSpPr>
             <a:spLocks noGrp="1"/>
           </p:cNvSpPr>
@@ -7400,7 +7401,7 @@
       </p:grpSpPr>
       <p:sp>
         <p:nvSpPr>
-          <p:cNvPr id="194" name="PlaceHolder 1"/>
+          <p:cNvPr id="188" name="PlaceHolder 1"/>
           <p:cNvSpPr>
             <a:spLocks noGrp="1"/>
           </p:cNvSpPr>
@@ -7437,7 +7438,7 @@
       </p:sp>
       <p:sp>
         <p:nvSpPr>
-          <p:cNvPr id="195" name="PlaceHolder 2"/>
+          <p:cNvPr id="189" name="PlaceHolder 2"/>
           <p:cNvSpPr>
             <a:spLocks noGrp="1"/>
           </p:cNvSpPr>
@@ -7495,7 +7496,7 @@
       </p:grpSpPr>
       <p:sp>
         <p:nvSpPr>
-          <p:cNvPr id="196" name="PlaceHolder 1"/>
+          <p:cNvPr id="190" name="PlaceHolder 1"/>
           <p:cNvSpPr>
             <a:spLocks noGrp="1"/>
           </p:cNvSpPr>
@@ -7532,7 +7533,7 @@
       </p:sp>
       <p:sp>
         <p:nvSpPr>
-          <p:cNvPr id="197" name="PlaceHolder 2"/>
+          <p:cNvPr id="191" name="PlaceHolder 2"/>
           <p:cNvSpPr>
             <a:spLocks noGrp="1"/>
           </p:cNvSpPr>
@@ -7568,7 +7569,7 @@
       </p:sp>
       <p:sp>
         <p:nvSpPr>
-          <p:cNvPr id="198" name="PlaceHolder 3"/>
+          <p:cNvPr id="192" name="PlaceHolder 3"/>
           <p:cNvSpPr>
             <a:spLocks noGrp="1"/>
           </p:cNvSpPr>
@@ -7626,7 +7627,7 @@
       </p:grpSpPr>
       <p:sp>
         <p:nvSpPr>
-          <p:cNvPr id="199" name="PlaceHolder 1"/>
+          <p:cNvPr id="193" name="PlaceHolder 1"/>
           <p:cNvSpPr>
             <a:spLocks noGrp="1"/>
           </p:cNvSpPr>
@@ -7685,7 +7686,7 @@
       </p:grpSpPr>
       <p:sp>
         <p:nvSpPr>
-          <p:cNvPr id="200" name="PlaceHolder 1"/>
+          <p:cNvPr id="194" name="PlaceHolder 1"/>
           <p:cNvSpPr>
             <a:spLocks noGrp="1"/>
           </p:cNvSpPr>
@@ -7744,7 +7745,7 @@
       </p:grpSpPr>
       <p:sp>
         <p:nvSpPr>
-          <p:cNvPr id="201" name="PlaceHolder 1"/>
+          <p:cNvPr id="195" name="PlaceHolder 1"/>
           <p:cNvSpPr>
             <a:spLocks noGrp="1"/>
           </p:cNvSpPr>
@@ -7781,7 +7782,7 @@
       </p:sp>
       <p:sp>
         <p:nvSpPr>
-          <p:cNvPr id="202" name="PlaceHolder 2"/>
+          <p:cNvPr id="196" name="PlaceHolder 2"/>
           <p:cNvSpPr>
             <a:spLocks noGrp="1"/>
           </p:cNvSpPr>
@@ -7817,7 +7818,7 @@
       </p:sp>
       <p:sp>
         <p:nvSpPr>
-          <p:cNvPr id="203" name="PlaceHolder 3"/>
+          <p:cNvPr id="197" name="PlaceHolder 3"/>
           <p:cNvSpPr>
             <a:spLocks noGrp="1"/>
           </p:cNvSpPr>
@@ -7853,7 +7854,7 @@
       </p:sp>
       <p:sp>
         <p:nvSpPr>
-          <p:cNvPr id="204" name="PlaceHolder 4"/>
+          <p:cNvPr id="198" name="PlaceHolder 4"/>
           <p:cNvSpPr>
             <a:spLocks noGrp="1"/>
           </p:cNvSpPr>
@@ -7911,7 +7912,7 @@
       </p:grpSpPr>
       <p:sp>
         <p:nvSpPr>
-          <p:cNvPr id="205" name="PlaceHolder 1"/>
+          <p:cNvPr id="199" name="PlaceHolder 1"/>
           <p:cNvSpPr>
             <a:spLocks noGrp="1"/>
           </p:cNvSpPr>
@@ -7948,7 +7949,7 @@
       </p:sp>
       <p:sp>
         <p:nvSpPr>
-          <p:cNvPr id="206" name="PlaceHolder 2"/>
+          <p:cNvPr id="200" name="PlaceHolder 2"/>
           <p:cNvSpPr>
             <a:spLocks noGrp="1"/>
           </p:cNvSpPr>
@@ -7984,7 +7985,7 @@
       </p:sp>
       <p:sp>
         <p:nvSpPr>
-          <p:cNvPr id="207" name="PlaceHolder 3"/>
+          <p:cNvPr id="201" name="PlaceHolder 3"/>
           <p:cNvSpPr>
             <a:spLocks noGrp="1"/>
           </p:cNvSpPr>
@@ -8020,7 +8021,7 @@
       </p:sp>
       <p:sp>
         <p:nvSpPr>
-          <p:cNvPr id="208" name="PlaceHolder 4"/>
+          <p:cNvPr id="202" name="PlaceHolder 4"/>
           <p:cNvSpPr>
             <a:spLocks noGrp="1"/>
           </p:cNvSpPr>
@@ -8078,7 +8079,7 @@
       </p:grpSpPr>
       <p:sp>
         <p:nvSpPr>
-          <p:cNvPr id="209" name="PlaceHolder 1"/>
+          <p:cNvPr id="203" name="PlaceHolder 1"/>
           <p:cNvSpPr>
             <a:spLocks noGrp="1"/>
           </p:cNvSpPr>
@@ -8115,7 +8116,7 @@
       </p:sp>
       <p:sp>
         <p:nvSpPr>
-          <p:cNvPr id="210" name="PlaceHolder 2"/>
+          <p:cNvPr id="204" name="PlaceHolder 2"/>
           <p:cNvSpPr>
             <a:spLocks noGrp="1"/>
           </p:cNvSpPr>
@@ -8151,7 +8152,7 @@
       </p:sp>
       <p:sp>
         <p:nvSpPr>
-          <p:cNvPr id="211" name="PlaceHolder 3"/>
+          <p:cNvPr id="205" name="PlaceHolder 3"/>
           <p:cNvSpPr>
             <a:spLocks noGrp="1"/>
           </p:cNvSpPr>
@@ -8187,7 +8188,7 @@
       </p:sp>
       <p:sp>
         <p:nvSpPr>
-          <p:cNvPr id="212" name="PlaceHolder 4"/>
+          <p:cNvPr id="206" name="PlaceHolder 4"/>
           <p:cNvSpPr>
             <a:spLocks noGrp="1"/>
           </p:cNvSpPr>
@@ -8412,7 +8413,7 @@
       </p:grpSpPr>
       <p:sp>
         <p:nvSpPr>
-          <p:cNvPr id="213" name="PlaceHolder 1"/>
+          <p:cNvPr id="207" name="PlaceHolder 1"/>
           <p:cNvSpPr>
             <a:spLocks noGrp="1"/>
           </p:cNvSpPr>
@@ -8449,7 +8450,7 @@
       </p:sp>
       <p:sp>
         <p:nvSpPr>
-          <p:cNvPr id="214" name="PlaceHolder 2"/>
+          <p:cNvPr id="208" name="PlaceHolder 2"/>
           <p:cNvSpPr>
             <a:spLocks noGrp="1"/>
           </p:cNvSpPr>
@@ -8485,7 +8486,7 @@
       </p:sp>
       <p:sp>
         <p:nvSpPr>
-          <p:cNvPr id="215" name="PlaceHolder 3"/>
+          <p:cNvPr id="209" name="PlaceHolder 3"/>
           <p:cNvSpPr>
             <a:spLocks noGrp="1"/>
           </p:cNvSpPr>
@@ -8543,7 +8544,7 @@
       </p:grpSpPr>
       <p:sp>
         <p:nvSpPr>
-          <p:cNvPr id="216" name="PlaceHolder 1"/>
+          <p:cNvPr id="210" name="PlaceHolder 1"/>
           <p:cNvSpPr>
             <a:spLocks noGrp="1"/>
           </p:cNvSpPr>
@@ -8580,7 +8581,7 @@
       </p:sp>
       <p:sp>
         <p:nvSpPr>
-          <p:cNvPr id="217" name="PlaceHolder 2"/>
+          <p:cNvPr id="211" name="PlaceHolder 2"/>
           <p:cNvSpPr>
             <a:spLocks noGrp="1"/>
           </p:cNvSpPr>
@@ -8616,7 +8617,7 @@
       </p:sp>
       <p:sp>
         <p:nvSpPr>
-          <p:cNvPr id="218" name="PlaceHolder 3"/>
+          <p:cNvPr id="212" name="PlaceHolder 3"/>
           <p:cNvSpPr>
             <a:spLocks noGrp="1"/>
           </p:cNvSpPr>
@@ -8652,7 +8653,7 @@
       </p:sp>
       <p:sp>
         <p:nvSpPr>
-          <p:cNvPr id="219" name="PlaceHolder 4"/>
+          <p:cNvPr id="213" name="PlaceHolder 4"/>
           <p:cNvSpPr>
             <a:spLocks noGrp="1"/>
           </p:cNvSpPr>
@@ -8688,7 +8689,7 @@
       </p:sp>
       <p:sp>
         <p:nvSpPr>
-          <p:cNvPr id="220" name="PlaceHolder 5"/>
+          <p:cNvPr id="214" name="PlaceHolder 5"/>
           <p:cNvSpPr>
             <a:spLocks noGrp="1"/>
           </p:cNvSpPr>
@@ -8746,7 +8747,7 @@
       </p:grpSpPr>
       <p:sp>
         <p:nvSpPr>
-          <p:cNvPr id="221" name="PlaceHolder 1"/>
+          <p:cNvPr id="215" name="PlaceHolder 1"/>
           <p:cNvSpPr>
             <a:spLocks noGrp="1"/>
           </p:cNvSpPr>
@@ -8783,7 +8784,7 @@
       </p:sp>
       <p:sp>
         <p:nvSpPr>
-          <p:cNvPr id="222" name="PlaceHolder 2"/>
+          <p:cNvPr id="216" name="PlaceHolder 2"/>
           <p:cNvSpPr>
             <a:spLocks noGrp="1"/>
           </p:cNvSpPr>
@@ -8819,7 +8820,7 @@
       </p:sp>
       <p:sp>
         <p:nvSpPr>
-          <p:cNvPr id="223" name="PlaceHolder 3"/>
+          <p:cNvPr id="217" name="PlaceHolder 3"/>
           <p:cNvSpPr>
             <a:spLocks noGrp="1"/>
           </p:cNvSpPr>
@@ -8855,7 +8856,7 @@
       </p:sp>
       <p:pic>
         <p:nvPicPr>
-          <p:cNvPr id="224" name="" descr=""/>
+          <p:cNvPr id="218" name="" descr=""/>
           <p:cNvPicPr/>
           <p:nvPr/>
         </p:nvPicPr>
@@ -8878,7 +8879,7 @@
       </p:pic>
       <p:pic>
         <p:nvPicPr>
-          <p:cNvPr id="225" name="" descr=""/>
+          <p:cNvPr id="219" name="" descr=""/>
           <p:cNvPicPr/>
           <p:nvPr/>
         </p:nvPicPr>
@@ -8899,6 +8900,635 @@
           </a:ln>
         </p:spPr>
       </p:pic>
+    </p:spTree>
+  </p:cSld>
+</p:sldLayout>
+</file>
+
+<file path=ppt/slideLayouts/slideLayout73.xml><?xml version="1.0" encoding="utf-8"?>
+<p:sldLayout xmlns:a="http://schemas.openxmlformats.org/drawingml/2006/main" xmlns:p="http://schemas.openxmlformats.org/presentationml/2006/main" xmlns:r="http://schemas.openxmlformats.org/officeDocument/2006/relationships" xmlns:p14="http://schemas.microsoft.com/office/powerpoint/2010/main" xmlns:p15="http://schemas.microsoft.com/office/powerpoint/2012/main" xmlns:mc="http://schemas.openxmlformats.org/markup-compatibility/2006" type="blank" preserve="1">
+  <p:cSld name="Blank Slide">
+    <p:spTree>
+      <p:nvGrpSpPr>
+        <p:cNvPr id="1" name=""/>
+        <p:cNvGrpSpPr/>
+        <p:nvPr/>
+      </p:nvGrpSpPr>
+      <p:grpSpPr>
+        <a:xfrm>
+          <a:off x="0" y="0"/>
+          <a:ext cx="0" cy="0"/>
+          <a:chOff x="0" y="0"/>
+          <a:chExt cx="0" cy="0"/>
+        </a:xfrm>
+      </p:grpSpPr>
+    </p:spTree>
+  </p:cSld>
+</p:sldLayout>
+</file>
+
+<file path=ppt/slideLayouts/slideLayout74.xml><?xml version="1.0" encoding="utf-8"?>
+<p:sldLayout xmlns:a="http://schemas.openxmlformats.org/drawingml/2006/main" xmlns:p="http://schemas.openxmlformats.org/presentationml/2006/main" xmlns:r="http://schemas.openxmlformats.org/officeDocument/2006/relationships" xmlns:p14="http://schemas.microsoft.com/office/powerpoint/2010/main" xmlns:p15="http://schemas.microsoft.com/office/powerpoint/2012/main" xmlns:mc="http://schemas.openxmlformats.org/markup-compatibility/2006" type="tx" preserve="1">
+  <p:cSld name="Title Slide">
+    <p:spTree>
+      <p:nvGrpSpPr>
+        <p:cNvPr id="1" name=""/>
+        <p:cNvGrpSpPr/>
+        <p:nvPr/>
+      </p:nvGrpSpPr>
+      <p:grpSpPr>
+        <a:xfrm>
+          <a:off x="0" y="0"/>
+          <a:ext cx="0" cy="0"/>
+          <a:chOff x="0" y="0"/>
+          <a:chExt cx="0" cy="0"/>
+        </a:xfrm>
+      </p:grpSpPr>
+      <p:sp>
+        <p:nvSpPr>
+          <p:cNvPr id="228" name="PlaceHolder 1"/>
+          <p:cNvSpPr>
+            <a:spLocks noGrp="1"/>
+          </p:cNvSpPr>
+          <p:nvPr>
+            <p:ph type="title"/>
+          </p:nvPr>
+        </p:nvSpPr>
+        <p:spPr>
+          <a:xfrm>
+            <a:off x="504000" y="301320"/>
+            <a:ext cx="9072000" cy="1261800"/>
+          </a:xfrm>
+          <a:prstGeom prst="rect">
+            <a:avLst/>
+          </a:prstGeom>
+        </p:spPr>
+        <p:txBody>
+          <a:bodyPr lIns="0" rIns="0" tIns="0" bIns="0" anchor="ctr"/>
+          <a:p>
+            <a:pPr algn="ctr"/>
+            <a:endParaRPr b="0" lang="en-IN" sz="4400" spc="-1" strike="noStrike">
+              <a:solidFill>
+                <a:srgbClr val="000000"/>
+              </a:solidFill>
+              <a:uFill>
+                <a:solidFill>
+                  <a:srgbClr val="ffffff"/>
+                </a:solidFill>
+              </a:uFill>
+              <a:latin typeface="Arial"/>
+            </a:endParaRPr>
+          </a:p>
+        </p:txBody>
+      </p:sp>
+      <p:sp>
+        <p:nvSpPr>
+          <p:cNvPr id="229" name="PlaceHolder 2"/>
+          <p:cNvSpPr>
+            <a:spLocks noGrp="1"/>
+          </p:cNvSpPr>
+          <p:nvPr>
+            <p:ph type="subTitle"/>
+          </p:nvPr>
+        </p:nvSpPr>
+        <p:spPr>
+          <a:xfrm>
+            <a:off x="504000" y="1768680"/>
+            <a:ext cx="9072000" cy="4384080"/>
+          </a:xfrm>
+          <a:prstGeom prst="rect">
+            <a:avLst/>
+          </a:prstGeom>
+        </p:spPr>
+        <p:txBody>
+          <a:bodyPr lIns="0" rIns="0" tIns="0" bIns="0" anchor="ctr"/>
+          <a:p>
+            <a:pPr algn="ctr"/>
+            <a:endParaRPr b="0" lang="en-IN" sz="3200" spc="-1" strike="noStrike">
+              <a:solidFill>
+                <a:srgbClr val="000000"/>
+              </a:solidFill>
+              <a:uFill>
+                <a:solidFill>
+                  <a:srgbClr val="ffffff"/>
+                </a:solidFill>
+              </a:uFill>
+              <a:latin typeface="Arial"/>
+            </a:endParaRPr>
+          </a:p>
+        </p:txBody>
+      </p:sp>
+    </p:spTree>
+  </p:cSld>
+</p:sldLayout>
+</file>
+
+<file path=ppt/slideLayouts/slideLayout75.xml><?xml version="1.0" encoding="utf-8"?>
+<p:sldLayout xmlns:a="http://schemas.openxmlformats.org/drawingml/2006/main" xmlns:p="http://schemas.openxmlformats.org/presentationml/2006/main" xmlns:r="http://schemas.openxmlformats.org/officeDocument/2006/relationships" xmlns:p14="http://schemas.microsoft.com/office/powerpoint/2010/main" xmlns:p15="http://schemas.microsoft.com/office/powerpoint/2012/main" xmlns:mc="http://schemas.openxmlformats.org/markup-compatibility/2006" type="obj" preserve="1">
+  <p:cSld name="Title, Content">
+    <p:spTree>
+      <p:nvGrpSpPr>
+        <p:cNvPr id="1" name=""/>
+        <p:cNvGrpSpPr/>
+        <p:nvPr/>
+      </p:nvGrpSpPr>
+      <p:grpSpPr>
+        <a:xfrm>
+          <a:off x="0" y="0"/>
+          <a:ext cx="0" cy="0"/>
+          <a:chOff x="0" y="0"/>
+          <a:chExt cx="0" cy="0"/>
+        </a:xfrm>
+      </p:grpSpPr>
+      <p:sp>
+        <p:nvSpPr>
+          <p:cNvPr id="230" name="PlaceHolder 1"/>
+          <p:cNvSpPr>
+            <a:spLocks noGrp="1"/>
+          </p:cNvSpPr>
+          <p:nvPr>
+            <p:ph type="title"/>
+          </p:nvPr>
+        </p:nvSpPr>
+        <p:spPr>
+          <a:xfrm>
+            <a:off x="504000" y="301320"/>
+            <a:ext cx="9072000" cy="1261800"/>
+          </a:xfrm>
+          <a:prstGeom prst="rect">
+            <a:avLst/>
+          </a:prstGeom>
+        </p:spPr>
+        <p:txBody>
+          <a:bodyPr lIns="0" rIns="0" tIns="0" bIns="0" anchor="ctr"/>
+          <a:p>
+            <a:pPr algn="ctr"/>
+            <a:endParaRPr b="0" lang="en-IN" sz="4400" spc="-1" strike="noStrike">
+              <a:solidFill>
+                <a:srgbClr val="000000"/>
+              </a:solidFill>
+              <a:uFill>
+                <a:solidFill>
+                  <a:srgbClr val="ffffff"/>
+                </a:solidFill>
+              </a:uFill>
+              <a:latin typeface="Arial"/>
+            </a:endParaRPr>
+          </a:p>
+        </p:txBody>
+      </p:sp>
+      <p:sp>
+        <p:nvSpPr>
+          <p:cNvPr id="231" name="PlaceHolder 2"/>
+          <p:cNvSpPr>
+            <a:spLocks noGrp="1"/>
+          </p:cNvSpPr>
+          <p:nvPr>
+            <p:ph type="body"/>
+          </p:nvPr>
+        </p:nvSpPr>
+        <p:spPr>
+          <a:xfrm>
+            <a:off x="504000" y="1768680"/>
+            <a:ext cx="9072000" cy="4384080"/>
+          </a:xfrm>
+          <a:prstGeom prst="rect">
+            <a:avLst/>
+          </a:prstGeom>
+        </p:spPr>
+        <p:txBody>
+          <a:bodyPr lIns="0" rIns="0" tIns="0" bIns="0"/>
+          <a:p>
+            <a:endParaRPr b="0" lang="en-IN" sz="3200" spc="-1" strike="noStrike">
+              <a:solidFill>
+                <a:srgbClr val="000000"/>
+              </a:solidFill>
+              <a:uFill>
+                <a:solidFill>
+                  <a:srgbClr val="ffffff"/>
+                </a:solidFill>
+              </a:uFill>
+              <a:latin typeface="Arial"/>
+            </a:endParaRPr>
+          </a:p>
+        </p:txBody>
+      </p:sp>
+    </p:spTree>
+  </p:cSld>
+</p:sldLayout>
+</file>
+
+<file path=ppt/slideLayouts/slideLayout76.xml><?xml version="1.0" encoding="utf-8"?>
+<p:sldLayout xmlns:a="http://schemas.openxmlformats.org/drawingml/2006/main" xmlns:p="http://schemas.openxmlformats.org/presentationml/2006/main" xmlns:r="http://schemas.openxmlformats.org/officeDocument/2006/relationships" xmlns:p14="http://schemas.microsoft.com/office/powerpoint/2010/main" xmlns:p15="http://schemas.microsoft.com/office/powerpoint/2012/main" xmlns:mc="http://schemas.openxmlformats.org/markup-compatibility/2006" type="twoObj" preserve="1">
+  <p:cSld name="Title, 2 Content">
+    <p:spTree>
+      <p:nvGrpSpPr>
+        <p:cNvPr id="1" name=""/>
+        <p:cNvGrpSpPr/>
+        <p:nvPr/>
+      </p:nvGrpSpPr>
+      <p:grpSpPr>
+        <a:xfrm>
+          <a:off x="0" y="0"/>
+          <a:ext cx="0" cy="0"/>
+          <a:chOff x="0" y="0"/>
+          <a:chExt cx="0" cy="0"/>
+        </a:xfrm>
+      </p:grpSpPr>
+      <p:sp>
+        <p:nvSpPr>
+          <p:cNvPr id="232" name="PlaceHolder 1"/>
+          <p:cNvSpPr>
+            <a:spLocks noGrp="1"/>
+          </p:cNvSpPr>
+          <p:nvPr>
+            <p:ph type="title"/>
+          </p:nvPr>
+        </p:nvSpPr>
+        <p:spPr>
+          <a:xfrm>
+            <a:off x="504000" y="301320"/>
+            <a:ext cx="9072000" cy="1261800"/>
+          </a:xfrm>
+          <a:prstGeom prst="rect">
+            <a:avLst/>
+          </a:prstGeom>
+        </p:spPr>
+        <p:txBody>
+          <a:bodyPr lIns="0" rIns="0" tIns="0" bIns="0" anchor="ctr"/>
+          <a:p>
+            <a:pPr algn="ctr"/>
+            <a:endParaRPr b="0" lang="en-IN" sz="4400" spc="-1" strike="noStrike">
+              <a:solidFill>
+                <a:srgbClr val="000000"/>
+              </a:solidFill>
+              <a:uFill>
+                <a:solidFill>
+                  <a:srgbClr val="ffffff"/>
+                </a:solidFill>
+              </a:uFill>
+              <a:latin typeface="Arial"/>
+            </a:endParaRPr>
+          </a:p>
+        </p:txBody>
+      </p:sp>
+      <p:sp>
+        <p:nvSpPr>
+          <p:cNvPr id="233" name="PlaceHolder 2"/>
+          <p:cNvSpPr>
+            <a:spLocks noGrp="1"/>
+          </p:cNvSpPr>
+          <p:nvPr>
+            <p:ph type="body"/>
+          </p:nvPr>
+        </p:nvSpPr>
+        <p:spPr>
+          <a:xfrm>
+            <a:off x="504000" y="1768680"/>
+            <a:ext cx="4426920" cy="4384080"/>
+          </a:xfrm>
+          <a:prstGeom prst="rect">
+            <a:avLst/>
+          </a:prstGeom>
+        </p:spPr>
+        <p:txBody>
+          <a:bodyPr lIns="0" rIns="0" tIns="0" bIns="0"/>
+          <a:p>
+            <a:endParaRPr b="0" lang="en-IN" sz="3200" spc="-1" strike="noStrike">
+              <a:solidFill>
+                <a:srgbClr val="000000"/>
+              </a:solidFill>
+              <a:uFill>
+                <a:solidFill>
+                  <a:srgbClr val="ffffff"/>
+                </a:solidFill>
+              </a:uFill>
+              <a:latin typeface="Arial"/>
+            </a:endParaRPr>
+          </a:p>
+        </p:txBody>
+      </p:sp>
+      <p:sp>
+        <p:nvSpPr>
+          <p:cNvPr id="234" name="PlaceHolder 3"/>
+          <p:cNvSpPr>
+            <a:spLocks noGrp="1"/>
+          </p:cNvSpPr>
+          <p:nvPr>
+            <p:ph type="body"/>
+          </p:nvPr>
+        </p:nvSpPr>
+        <p:spPr>
+          <a:xfrm>
+            <a:off x="5152680" y="1768680"/>
+            <a:ext cx="4426920" cy="4384080"/>
+          </a:xfrm>
+          <a:prstGeom prst="rect">
+            <a:avLst/>
+          </a:prstGeom>
+        </p:spPr>
+        <p:txBody>
+          <a:bodyPr lIns="0" rIns="0" tIns="0" bIns="0"/>
+          <a:p>
+            <a:endParaRPr b="0" lang="en-IN" sz="3200" spc="-1" strike="noStrike">
+              <a:solidFill>
+                <a:srgbClr val="000000"/>
+              </a:solidFill>
+              <a:uFill>
+                <a:solidFill>
+                  <a:srgbClr val="ffffff"/>
+                </a:solidFill>
+              </a:uFill>
+              <a:latin typeface="Arial"/>
+            </a:endParaRPr>
+          </a:p>
+        </p:txBody>
+      </p:sp>
+    </p:spTree>
+  </p:cSld>
+</p:sldLayout>
+</file>
+
+<file path=ppt/slideLayouts/slideLayout77.xml><?xml version="1.0" encoding="utf-8"?>
+<p:sldLayout xmlns:a="http://schemas.openxmlformats.org/drawingml/2006/main" xmlns:p="http://schemas.openxmlformats.org/presentationml/2006/main" xmlns:r="http://schemas.openxmlformats.org/officeDocument/2006/relationships" xmlns:p14="http://schemas.microsoft.com/office/powerpoint/2010/main" xmlns:p15="http://schemas.microsoft.com/office/powerpoint/2012/main" xmlns:mc="http://schemas.openxmlformats.org/markup-compatibility/2006" type="titleOnly" preserve="1">
+  <p:cSld name="Title Only">
+    <p:spTree>
+      <p:nvGrpSpPr>
+        <p:cNvPr id="1" name=""/>
+        <p:cNvGrpSpPr/>
+        <p:nvPr/>
+      </p:nvGrpSpPr>
+      <p:grpSpPr>
+        <a:xfrm>
+          <a:off x="0" y="0"/>
+          <a:ext cx="0" cy="0"/>
+          <a:chOff x="0" y="0"/>
+          <a:chExt cx="0" cy="0"/>
+        </a:xfrm>
+      </p:grpSpPr>
+      <p:sp>
+        <p:nvSpPr>
+          <p:cNvPr id="235" name="PlaceHolder 1"/>
+          <p:cNvSpPr>
+            <a:spLocks noGrp="1"/>
+          </p:cNvSpPr>
+          <p:nvPr>
+            <p:ph type="title"/>
+          </p:nvPr>
+        </p:nvSpPr>
+        <p:spPr>
+          <a:xfrm>
+            <a:off x="504000" y="301320"/>
+            <a:ext cx="9072000" cy="1261800"/>
+          </a:xfrm>
+          <a:prstGeom prst="rect">
+            <a:avLst/>
+          </a:prstGeom>
+        </p:spPr>
+        <p:txBody>
+          <a:bodyPr lIns="0" rIns="0" tIns="0" bIns="0" anchor="ctr"/>
+          <a:p>
+            <a:pPr algn="ctr"/>
+            <a:endParaRPr b="0" lang="en-IN" sz="4400" spc="-1" strike="noStrike">
+              <a:solidFill>
+                <a:srgbClr val="000000"/>
+              </a:solidFill>
+              <a:uFill>
+                <a:solidFill>
+                  <a:srgbClr val="ffffff"/>
+                </a:solidFill>
+              </a:uFill>
+              <a:latin typeface="Arial"/>
+            </a:endParaRPr>
+          </a:p>
+        </p:txBody>
+      </p:sp>
+    </p:spTree>
+  </p:cSld>
+</p:sldLayout>
+</file>
+
+<file path=ppt/slideLayouts/slideLayout78.xml><?xml version="1.0" encoding="utf-8"?>
+<p:sldLayout xmlns:a="http://schemas.openxmlformats.org/drawingml/2006/main" xmlns:p="http://schemas.openxmlformats.org/presentationml/2006/main" xmlns:r="http://schemas.openxmlformats.org/officeDocument/2006/relationships" xmlns:p14="http://schemas.microsoft.com/office/powerpoint/2010/main" xmlns:p15="http://schemas.microsoft.com/office/powerpoint/2012/main" xmlns:mc="http://schemas.openxmlformats.org/markup-compatibility/2006" type="objOnly" preserve="1">
+  <p:cSld name="Centered Text">
+    <p:spTree>
+      <p:nvGrpSpPr>
+        <p:cNvPr id="1" name=""/>
+        <p:cNvGrpSpPr/>
+        <p:nvPr/>
+      </p:nvGrpSpPr>
+      <p:grpSpPr>
+        <a:xfrm>
+          <a:off x="0" y="0"/>
+          <a:ext cx="0" cy="0"/>
+          <a:chOff x="0" y="0"/>
+          <a:chExt cx="0" cy="0"/>
+        </a:xfrm>
+      </p:grpSpPr>
+      <p:sp>
+        <p:nvSpPr>
+          <p:cNvPr id="236" name="PlaceHolder 1"/>
+          <p:cNvSpPr>
+            <a:spLocks noGrp="1"/>
+          </p:cNvSpPr>
+          <p:nvPr>
+            <p:ph type="subTitle"/>
+          </p:nvPr>
+        </p:nvSpPr>
+        <p:spPr>
+          <a:xfrm>
+            <a:off x="504000" y="301320"/>
+            <a:ext cx="9072000" cy="5850360"/>
+          </a:xfrm>
+          <a:prstGeom prst="rect">
+            <a:avLst/>
+          </a:prstGeom>
+        </p:spPr>
+        <p:txBody>
+          <a:bodyPr lIns="0" rIns="0" tIns="0" bIns="0" anchor="ctr"/>
+          <a:p>
+            <a:pPr algn="ctr"/>
+            <a:endParaRPr b="0" lang="en-IN" sz="3200" spc="-1" strike="noStrike">
+              <a:solidFill>
+                <a:srgbClr val="000000"/>
+              </a:solidFill>
+              <a:uFill>
+                <a:solidFill>
+                  <a:srgbClr val="ffffff"/>
+                </a:solidFill>
+              </a:uFill>
+              <a:latin typeface="Arial"/>
+            </a:endParaRPr>
+          </a:p>
+        </p:txBody>
+      </p:sp>
+    </p:spTree>
+  </p:cSld>
+</p:sldLayout>
+</file>
+
+<file path=ppt/slideLayouts/slideLayout79.xml><?xml version="1.0" encoding="utf-8"?>
+<p:sldLayout xmlns:a="http://schemas.openxmlformats.org/drawingml/2006/main" xmlns:p="http://schemas.openxmlformats.org/presentationml/2006/main" xmlns:r="http://schemas.openxmlformats.org/officeDocument/2006/relationships" xmlns:p14="http://schemas.microsoft.com/office/powerpoint/2010/main" xmlns:p15="http://schemas.microsoft.com/office/powerpoint/2012/main" xmlns:mc="http://schemas.openxmlformats.org/markup-compatibility/2006" type="twoObjAndObj" preserve="1">
+  <p:cSld name="Title, 2 Content and Content">
+    <p:spTree>
+      <p:nvGrpSpPr>
+        <p:cNvPr id="1" name=""/>
+        <p:cNvGrpSpPr/>
+        <p:nvPr/>
+      </p:nvGrpSpPr>
+      <p:grpSpPr>
+        <a:xfrm>
+          <a:off x="0" y="0"/>
+          <a:ext cx="0" cy="0"/>
+          <a:chOff x="0" y="0"/>
+          <a:chExt cx="0" cy="0"/>
+        </a:xfrm>
+      </p:grpSpPr>
+      <p:sp>
+        <p:nvSpPr>
+          <p:cNvPr id="237" name="PlaceHolder 1"/>
+          <p:cNvSpPr>
+            <a:spLocks noGrp="1"/>
+          </p:cNvSpPr>
+          <p:nvPr>
+            <p:ph type="title"/>
+          </p:nvPr>
+        </p:nvSpPr>
+        <p:spPr>
+          <a:xfrm>
+            <a:off x="504000" y="301320"/>
+            <a:ext cx="9072000" cy="1261800"/>
+          </a:xfrm>
+          <a:prstGeom prst="rect">
+            <a:avLst/>
+          </a:prstGeom>
+        </p:spPr>
+        <p:txBody>
+          <a:bodyPr lIns="0" rIns="0" tIns="0" bIns="0" anchor="ctr"/>
+          <a:p>
+            <a:pPr algn="ctr"/>
+            <a:endParaRPr b="0" lang="en-IN" sz="4400" spc="-1" strike="noStrike">
+              <a:solidFill>
+                <a:srgbClr val="000000"/>
+              </a:solidFill>
+              <a:uFill>
+                <a:solidFill>
+                  <a:srgbClr val="ffffff"/>
+                </a:solidFill>
+              </a:uFill>
+              <a:latin typeface="Arial"/>
+            </a:endParaRPr>
+          </a:p>
+        </p:txBody>
+      </p:sp>
+      <p:sp>
+        <p:nvSpPr>
+          <p:cNvPr id="238" name="PlaceHolder 2"/>
+          <p:cNvSpPr>
+            <a:spLocks noGrp="1"/>
+          </p:cNvSpPr>
+          <p:nvPr>
+            <p:ph type="body"/>
+          </p:nvPr>
+        </p:nvSpPr>
+        <p:spPr>
+          <a:xfrm>
+            <a:off x="504000" y="1768680"/>
+            <a:ext cx="4426920" cy="2090880"/>
+          </a:xfrm>
+          <a:prstGeom prst="rect">
+            <a:avLst/>
+          </a:prstGeom>
+        </p:spPr>
+        <p:txBody>
+          <a:bodyPr lIns="0" rIns="0" tIns="0" bIns="0"/>
+          <a:p>
+            <a:endParaRPr b="0" lang="en-IN" sz="3200" spc="-1" strike="noStrike">
+              <a:solidFill>
+                <a:srgbClr val="000000"/>
+              </a:solidFill>
+              <a:uFill>
+                <a:solidFill>
+                  <a:srgbClr val="ffffff"/>
+                </a:solidFill>
+              </a:uFill>
+              <a:latin typeface="Arial"/>
+            </a:endParaRPr>
+          </a:p>
+        </p:txBody>
+      </p:sp>
+      <p:sp>
+        <p:nvSpPr>
+          <p:cNvPr id="239" name="PlaceHolder 3"/>
+          <p:cNvSpPr>
+            <a:spLocks noGrp="1"/>
+          </p:cNvSpPr>
+          <p:nvPr>
+            <p:ph type="body"/>
+          </p:nvPr>
+        </p:nvSpPr>
+        <p:spPr>
+          <a:xfrm>
+            <a:off x="504000" y="4058640"/>
+            <a:ext cx="4426920" cy="2090880"/>
+          </a:xfrm>
+          <a:prstGeom prst="rect">
+            <a:avLst/>
+          </a:prstGeom>
+        </p:spPr>
+        <p:txBody>
+          <a:bodyPr lIns="0" rIns="0" tIns="0" bIns="0"/>
+          <a:p>
+            <a:endParaRPr b="0" lang="en-IN" sz="3200" spc="-1" strike="noStrike">
+              <a:solidFill>
+                <a:srgbClr val="000000"/>
+              </a:solidFill>
+              <a:uFill>
+                <a:solidFill>
+                  <a:srgbClr val="ffffff"/>
+                </a:solidFill>
+              </a:uFill>
+              <a:latin typeface="Arial"/>
+            </a:endParaRPr>
+          </a:p>
+        </p:txBody>
+      </p:sp>
+      <p:sp>
+        <p:nvSpPr>
+          <p:cNvPr id="240" name="PlaceHolder 4"/>
+          <p:cNvSpPr>
+            <a:spLocks noGrp="1"/>
+          </p:cNvSpPr>
+          <p:nvPr>
+            <p:ph type="body"/>
+          </p:nvPr>
+        </p:nvSpPr>
+        <p:spPr>
+          <a:xfrm>
+            <a:off x="5152680" y="1768680"/>
+            <a:ext cx="4426920" cy="4384080"/>
+          </a:xfrm>
+          <a:prstGeom prst="rect">
+            <a:avLst/>
+          </a:prstGeom>
+        </p:spPr>
+        <p:txBody>
+          <a:bodyPr lIns="0" rIns="0" tIns="0" bIns="0"/>
+          <a:p>
+            <a:endParaRPr b="0" lang="en-IN" sz="3200" spc="-1" strike="noStrike">
+              <a:solidFill>
+                <a:srgbClr val="000000"/>
+              </a:solidFill>
+              <a:uFill>
+                <a:solidFill>
+                  <a:srgbClr val="ffffff"/>
+                </a:solidFill>
+              </a:uFill>
+              <a:latin typeface="Arial"/>
+            </a:endParaRPr>
+          </a:p>
+        </p:txBody>
+      </p:sp>
     </p:spTree>
   </p:cSld>
 </p:sldLayout>
@@ -9066,6 +9696,851 @@
           </a:p>
         </p:txBody>
       </p:sp>
+    </p:spTree>
+  </p:cSld>
+</p:sldLayout>
+</file>
+
+<file path=ppt/slideLayouts/slideLayout80.xml><?xml version="1.0" encoding="utf-8"?>
+<p:sldLayout xmlns:a="http://schemas.openxmlformats.org/drawingml/2006/main" xmlns:p="http://schemas.openxmlformats.org/presentationml/2006/main" xmlns:r="http://schemas.openxmlformats.org/officeDocument/2006/relationships" xmlns:p14="http://schemas.microsoft.com/office/powerpoint/2010/main" xmlns:p15="http://schemas.microsoft.com/office/powerpoint/2012/main" xmlns:mc="http://schemas.openxmlformats.org/markup-compatibility/2006" type="objAndTwoObj" preserve="1">
+  <p:cSld name="Title Content and 2 Content">
+    <p:spTree>
+      <p:nvGrpSpPr>
+        <p:cNvPr id="1" name=""/>
+        <p:cNvGrpSpPr/>
+        <p:nvPr/>
+      </p:nvGrpSpPr>
+      <p:grpSpPr>
+        <a:xfrm>
+          <a:off x="0" y="0"/>
+          <a:ext cx="0" cy="0"/>
+          <a:chOff x="0" y="0"/>
+          <a:chExt cx="0" cy="0"/>
+        </a:xfrm>
+      </p:grpSpPr>
+      <p:sp>
+        <p:nvSpPr>
+          <p:cNvPr id="241" name="PlaceHolder 1"/>
+          <p:cNvSpPr>
+            <a:spLocks noGrp="1"/>
+          </p:cNvSpPr>
+          <p:nvPr>
+            <p:ph type="title"/>
+          </p:nvPr>
+        </p:nvSpPr>
+        <p:spPr>
+          <a:xfrm>
+            <a:off x="504000" y="301320"/>
+            <a:ext cx="9072000" cy="1261800"/>
+          </a:xfrm>
+          <a:prstGeom prst="rect">
+            <a:avLst/>
+          </a:prstGeom>
+        </p:spPr>
+        <p:txBody>
+          <a:bodyPr lIns="0" rIns="0" tIns="0" bIns="0" anchor="ctr"/>
+          <a:p>
+            <a:pPr algn="ctr"/>
+            <a:endParaRPr b="0" lang="en-IN" sz="4400" spc="-1" strike="noStrike">
+              <a:solidFill>
+                <a:srgbClr val="000000"/>
+              </a:solidFill>
+              <a:uFill>
+                <a:solidFill>
+                  <a:srgbClr val="ffffff"/>
+                </a:solidFill>
+              </a:uFill>
+              <a:latin typeface="Arial"/>
+            </a:endParaRPr>
+          </a:p>
+        </p:txBody>
+      </p:sp>
+      <p:sp>
+        <p:nvSpPr>
+          <p:cNvPr id="242" name="PlaceHolder 2"/>
+          <p:cNvSpPr>
+            <a:spLocks noGrp="1"/>
+          </p:cNvSpPr>
+          <p:nvPr>
+            <p:ph type="body"/>
+          </p:nvPr>
+        </p:nvSpPr>
+        <p:spPr>
+          <a:xfrm>
+            <a:off x="504000" y="1768680"/>
+            <a:ext cx="4426920" cy="4384080"/>
+          </a:xfrm>
+          <a:prstGeom prst="rect">
+            <a:avLst/>
+          </a:prstGeom>
+        </p:spPr>
+        <p:txBody>
+          <a:bodyPr lIns="0" rIns="0" tIns="0" bIns="0"/>
+          <a:p>
+            <a:endParaRPr b="0" lang="en-IN" sz="3200" spc="-1" strike="noStrike">
+              <a:solidFill>
+                <a:srgbClr val="000000"/>
+              </a:solidFill>
+              <a:uFill>
+                <a:solidFill>
+                  <a:srgbClr val="ffffff"/>
+                </a:solidFill>
+              </a:uFill>
+              <a:latin typeface="Arial"/>
+            </a:endParaRPr>
+          </a:p>
+        </p:txBody>
+      </p:sp>
+      <p:sp>
+        <p:nvSpPr>
+          <p:cNvPr id="243" name="PlaceHolder 3"/>
+          <p:cNvSpPr>
+            <a:spLocks noGrp="1"/>
+          </p:cNvSpPr>
+          <p:nvPr>
+            <p:ph type="body"/>
+          </p:nvPr>
+        </p:nvSpPr>
+        <p:spPr>
+          <a:xfrm>
+            <a:off x="5152680" y="1768680"/>
+            <a:ext cx="4426920" cy="2090880"/>
+          </a:xfrm>
+          <a:prstGeom prst="rect">
+            <a:avLst/>
+          </a:prstGeom>
+        </p:spPr>
+        <p:txBody>
+          <a:bodyPr lIns="0" rIns="0" tIns="0" bIns="0"/>
+          <a:p>
+            <a:endParaRPr b="0" lang="en-IN" sz="3200" spc="-1" strike="noStrike">
+              <a:solidFill>
+                <a:srgbClr val="000000"/>
+              </a:solidFill>
+              <a:uFill>
+                <a:solidFill>
+                  <a:srgbClr val="ffffff"/>
+                </a:solidFill>
+              </a:uFill>
+              <a:latin typeface="Arial"/>
+            </a:endParaRPr>
+          </a:p>
+        </p:txBody>
+      </p:sp>
+      <p:sp>
+        <p:nvSpPr>
+          <p:cNvPr id="244" name="PlaceHolder 4"/>
+          <p:cNvSpPr>
+            <a:spLocks noGrp="1"/>
+          </p:cNvSpPr>
+          <p:nvPr>
+            <p:ph type="body"/>
+          </p:nvPr>
+        </p:nvSpPr>
+        <p:spPr>
+          <a:xfrm>
+            <a:off x="5152680" y="4058640"/>
+            <a:ext cx="4426920" cy="2090880"/>
+          </a:xfrm>
+          <a:prstGeom prst="rect">
+            <a:avLst/>
+          </a:prstGeom>
+        </p:spPr>
+        <p:txBody>
+          <a:bodyPr lIns="0" rIns="0" tIns="0" bIns="0"/>
+          <a:p>
+            <a:endParaRPr b="0" lang="en-IN" sz="3200" spc="-1" strike="noStrike">
+              <a:solidFill>
+                <a:srgbClr val="000000"/>
+              </a:solidFill>
+              <a:uFill>
+                <a:solidFill>
+                  <a:srgbClr val="ffffff"/>
+                </a:solidFill>
+              </a:uFill>
+              <a:latin typeface="Arial"/>
+            </a:endParaRPr>
+          </a:p>
+        </p:txBody>
+      </p:sp>
+    </p:spTree>
+  </p:cSld>
+</p:sldLayout>
+</file>
+
+<file path=ppt/slideLayouts/slideLayout81.xml><?xml version="1.0" encoding="utf-8"?>
+<p:sldLayout xmlns:a="http://schemas.openxmlformats.org/drawingml/2006/main" xmlns:p="http://schemas.openxmlformats.org/presentationml/2006/main" xmlns:r="http://schemas.openxmlformats.org/officeDocument/2006/relationships" xmlns:p14="http://schemas.microsoft.com/office/powerpoint/2010/main" xmlns:p15="http://schemas.microsoft.com/office/powerpoint/2012/main" xmlns:mc="http://schemas.openxmlformats.org/markup-compatibility/2006" type="twoObjOverTx" preserve="1">
+  <p:cSld name="Title, 2 Content over Content">
+    <p:spTree>
+      <p:nvGrpSpPr>
+        <p:cNvPr id="1" name=""/>
+        <p:cNvGrpSpPr/>
+        <p:nvPr/>
+      </p:nvGrpSpPr>
+      <p:grpSpPr>
+        <a:xfrm>
+          <a:off x="0" y="0"/>
+          <a:ext cx="0" cy="0"/>
+          <a:chOff x="0" y="0"/>
+          <a:chExt cx="0" cy="0"/>
+        </a:xfrm>
+      </p:grpSpPr>
+      <p:sp>
+        <p:nvSpPr>
+          <p:cNvPr id="245" name="PlaceHolder 1"/>
+          <p:cNvSpPr>
+            <a:spLocks noGrp="1"/>
+          </p:cNvSpPr>
+          <p:nvPr>
+            <p:ph type="title"/>
+          </p:nvPr>
+        </p:nvSpPr>
+        <p:spPr>
+          <a:xfrm>
+            <a:off x="504000" y="301320"/>
+            <a:ext cx="9072000" cy="1261800"/>
+          </a:xfrm>
+          <a:prstGeom prst="rect">
+            <a:avLst/>
+          </a:prstGeom>
+        </p:spPr>
+        <p:txBody>
+          <a:bodyPr lIns="0" rIns="0" tIns="0" bIns="0" anchor="ctr"/>
+          <a:p>
+            <a:pPr algn="ctr"/>
+            <a:endParaRPr b="0" lang="en-IN" sz="4400" spc="-1" strike="noStrike">
+              <a:solidFill>
+                <a:srgbClr val="000000"/>
+              </a:solidFill>
+              <a:uFill>
+                <a:solidFill>
+                  <a:srgbClr val="ffffff"/>
+                </a:solidFill>
+              </a:uFill>
+              <a:latin typeface="Arial"/>
+            </a:endParaRPr>
+          </a:p>
+        </p:txBody>
+      </p:sp>
+      <p:sp>
+        <p:nvSpPr>
+          <p:cNvPr id="246" name="PlaceHolder 2"/>
+          <p:cNvSpPr>
+            <a:spLocks noGrp="1"/>
+          </p:cNvSpPr>
+          <p:nvPr>
+            <p:ph type="body"/>
+          </p:nvPr>
+        </p:nvSpPr>
+        <p:spPr>
+          <a:xfrm>
+            <a:off x="504000" y="1768680"/>
+            <a:ext cx="4426920" cy="2090880"/>
+          </a:xfrm>
+          <a:prstGeom prst="rect">
+            <a:avLst/>
+          </a:prstGeom>
+        </p:spPr>
+        <p:txBody>
+          <a:bodyPr lIns="0" rIns="0" tIns="0" bIns="0"/>
+          <a:p>
+            <a:endParaRPr b="0" lang="en-IN" sz="3200" spc="-1" strike="noStrike">
+              <a:solidFill>
+                <a:srgbClr val="000000"/>
+              </a:solidFill>
+              <a:uFill>
+                <a:solidFill>
+                  <a:srgbClr val="ffffff"/>
+                </a:solidFill>
+              </a:uFill>
+              <a:latin typeface="Arial"/>
+            </a:endParaRPr>
+          </a:p>
+        </p:txBody>
+      </p:sp>
+      <p:sp>
+        <p:nvSpPr>
+          <p:cNvPr id="247" name="PlaceHolder 3"/>
+          <p:cNvSpPr>
+            <a:spLocks noGrp="1"/>
+          </p:cNvSpPr>
+          <p:nvPr>
+            <p:ph type="body"/>
+          </p:nvPr>
+        </p:nvSpPr>
+        <p:spPr>
+          <a:xfrm>
+            <a:off x="5152680" y="1768680"/>
+            <a:ext cx="4426920" cy="2090880"/>
+          </a:xfrm>
+          <a:prstGeom prst="rect">
+            <a:avLst/>
+          </a:prstGeom>
+        </p:spPr>
+        <p:txBody>
+          <a:bodyPr lIns="0" rIns="0" tIns="0" bIns="0"/>
+          <a:p>
+            <a:endParaRPr b="0" lang="en-IN" sz="3200" spc="-1" strike="noStrike">
+              <a:solidFill>
+                <a:srgbClr val="000000"/>
+              </a:solidFill>
+              <a:uFill>
+                <a:solidFill>
+                  <a:srgbClr val="ffffff"/>
+                </a:solidFill>
+              </a:uFill>
+              <a:latin typeface="Arial"/>
+            </a:endParaRPr>
+          </a:p>
+        </p:txBody>
+      </p:sp>
+      <p:sp>
+        <p:nvSpPr>
+          <p:cNvPr id="248" name="PlaceHolder 4"/>
+          <p:cNvSpPr>
+            <a:spLocks noGrp="1"/>
+          </p:cNvSpPr>
+          <p:nvPr>
+            <p:ph type="body"/>
+          </p:nvPr>
+        </p:nvSpPr>
+        <p:spPr>
+          <a:xfrm>
+            <a:off x="504000" y="4058640"/>
+            <a:ext cx="9072000" cy="2090880"/>
+          </a:xfrm>
+          <a:prstGeom prst="rect">
+            <a:avLst/>
+          </a:prstGeom>
+        </p:spPr>
+        <p:txBody>
+          <a:bodyPr lIns="0" rIns="0" tIns="0" bIns="0"/>
+          <a:p>
+            <a:endParaRPr b="0" lang="en-IN" sz="3200" spc="-1" strike="noStrike">
+              <a:solidFill>
+                <a:srgbClr val="000000"/>
+              </a:solidFill>
+              <a:uFill>
+                <a:solidFill>
+                  <a:srgbClr val="ffffff"/>
+                </a:solidFill>
+              </a:uFill>
+              <a:latin typeface="Arial"/>
+            </a:endParaRPr>
+          </a:p>
+        </p:txBody>
+      </p:sp>
+    </p:spTree>
+  </p:cSld>
+</p:sldLayout>
+</file>
+
+<file path=ppt/slideLayouts/slideLayout82.xml><?xml version="1.0" encoding="utf-8"?>
+<p:sldLayout xmlns:a="http://schemas.openxmlformats.org/drawingml/2006/main" xmlns:p="http://schemas.openxmlformats.org/presentationml/2006/main" xmlns:r="http://schemas.openxmlformats.org/officeDocument/2006/relationships" xmlns:p14="http://schemas.microsoft.com/office/powerpoint/2010/main" xmlns:p15="http://schemas.microsoft.com/office/powerpoint/2012/main" xmlns:mc="http://schemas.openxmlformats.org/markup-compatibility/2006" type="objOverTx" preserve="1">
+  <p:cSld name="Title, Content over Content">
+    <p:spTree>
+      <p:nvGrpSpPr>
+        <p:cNvPr id="1" name=""/>
+        <p:cNvGrpSpPr/>
+        <p:nvPr/>
+      </p:nvGrpSpPr>
+      <p:grpSpPr>
+        <a:xfrm>
+          <a:off x="0" y="0"/>
+          <a:ext cx="0" cy="0"/>
+          <a:chOff x="0" y="0"/>
+          <a:chExt cx="0" cy="0"/>
+        </a:xfrm>
+      </p:grpSpPr>
+      <p:sp>
+        <p:nvSpPr>
+          <p:cNvPr id="249" name="PlaceHolder 1"/>
+          <p:cNvSpPr>
+            <a:spLocks noGrp="1"/>
+          </p:cNvSpPr>
+          <p:nvPr>
+            <p:ph type="title"/>
+          </p:nvPr>
+        </p:nvSpPr>
+        <p:spPr>
+          <a:xfrm>
+            <a:off x="504000" y="301320"/>
+            <a:ext cx="9072000" cy="1261800"/>
+          </a:xfrm>
+          <a:prstGeom prst="rect">
+            <a:avLst/>
+          </a:prstGeom>
+        </p:spPr>
+        <p:txBody>
+          <a:bodyPr lIns="0" rIns="0" tIns="0" bIns="0" anchor="ctr"/>
+          <a:p>
+            <a:pPr algn="ctr"/>
+            <a:endParaRPr b="0" lang="en-IN" sz="4400" spc="-1" strike="noStrike">
+              <a:solidFill>
+                <a:srgbClr val="000000"/>
+              </a:solidFill>
+              <a:uFill>
+                <a:solidFill>
+                  <a:srgbClr val="ffffff"/>
+                </a:solidFill>
+              </a:uFill>
+              <a:latin typeface="Arial"/>
+            </a:endParaRPr>
+          </a:p>
+        </p:txBody>
+      </p:sp>
+      <p:sp>
+        <p:nvSpPr>
+          <p:cNvPr id="250" name="PlaceHolder 2"/>
+          <p:cNvSpPr>
+            <a:spLocks noGrp="1"/>
+          </p:cNvSpPr>
+          <p:nvPr>
+            <p:ph type="body"/>
+          </p:nvPr>
+        </p:nvSpPr>
+        <p:spPr>
+          <a:xfrm>
+            <a:off x="504000" y="1768680"/>
+            <a:ext cx="9072000" cy="2090880"/>
+          </a:xfrm>
+          <a:prstGeom prst="rect">
+            <a:avLst/>
+          </a:prstGeom>
+        </p:spPr>
+        <p:txBody>
+          <a:bodyPr lIns="0" rIns="0" tIns="0" bIns="0"/>
+          <a:p>
+            <a:endParaRPr b="0" lang="en-IN" sz="3200" spc="-1" strike="noStrike">
+              <a:solidFill>
+                <a:srgbClr val="000000"/>
+              </a:solidFill>
+              <a:uFill>
+                <a:solidFill>
+                  <a:srgbClr val="ffffff"/>
+                </a:solidFill>
+              </a:uFill>
+              <a:latin typeface="Arial"/>
+            </a:endParaRPr>
+          </a:p>
+        </p:txBody>
+      </p:sp>
+      <p:sp>
+        <p:nvSpPr>
+          <p:cNvPr id="251" name="PlaceHolder 3"/>
+          <p:cNvSpPr>
+            <a:spLocks noGrp="1"/>
+          </p:cNvSpPr>
+          <p:nvPr>
+            <p:ph type="body"/>
+          </p:nvPr>
+        </p:nvSpPr>
+        <p:spPr>
+          <a:xfrm>
+            <a:off x="504000" y="4058640"/>
+            <a:ext cx="9072000" cy="2090880"/>
+          </a:xfrm>
+          <a:prstGeom prst="rect">
+            <a:avLst/>
+          </a:prstGeom>
+        </p:spPr>
+        <p:txBody>
+          <a:bodyPr lIns="0" rIns="0" tIns="0" bIns="0"/>
+          <a:p>
+            <a:endParaRPr b="0" lang="en-IN" sz="3200" spc="-1" strike="noStrike">
+              <a:solidFill>
+                <a:srgbClr val="000000"/>
+              </a:solidFill>
+              <a:uFill>
+                <a:solidFill>
+                  <a:srgbClr val="ffffff"/>
+                </a:solidFill>
+              </a:uFill>
+              <a:latin typeface="Arial"/>
+            </a:endParaRPr>
+          </a:p>
+        </p:txBody>
+      </p:sp>
+    </p:spTree>
+  </p:cSld>
+</p:sldLayout>
+</file>
+
+<file path=ppt/slideLayouts/slideLayout83.xml><?xml version="1.0" encoding="utf-8"?>
+<p:sldLayout xmlns:a="http://schemas.openxmlformats.org/drawingml/2006/main" xmlns:p="http://schemas.openxmlformats.org/presentationml/2006/main" xmlns:r="http://schemas.openxmlformats.org/officeDocument/2006/relationships" xmlns:p14="http://schemas.microsoft.com/office/powerpoint/2010/main" xmlns:p15="http://schemas.microsoft.com/office/powerpoint/2012/main" xmlns:mc="http://schemas.openxmlformats.org/markup-compatibility/2006" type="fourObj" preserve="1">
+  <p:cSld name="Title, 4 Content">
+    <p:spTree>
+      <p:nvGrpSpPr>
+        <p:cNvPr id="1" name=""/>
+        <p:cNvGrpSpPr/>
+        <p:nvPr/>
+      </p:nvGrpSpPr>
+      <p:grpSpPr>
+        <a:xfrm>
+          <a:off x="0" y="0"/>
+          <a:ext cx="0" cy="0"/>
+          <a:chOff x="0" y="0"/>
+          <a:chExt cx="0" cy="0"/>
+        </a:xfrm>
+      </p:grpSpPr>
+      <p:sp>
+        <p:nvSpPr>
+          <p:cNvPr id="252" name="PlaceHolder 1"/>
+          <p:cNvSpPr>
+            <a:spLocks noGrp="1"/>
+          </p:cNvSpPr>
+          <p:nvPr>
+            <p:ph type="title"/>
+          </p:nvPr>
+        </p:nvSpPr>
+        <p:spPr>
+          <a:xfrm>
+            <a:off x="504000" y="301320"/>
+            <a:ext cx="9072000" cy="1261800"/>
+          </a:xfrm>
+          <a:prstGeom prst="rect">
+            <a:avLst/>
+          </a:prstGeom>
+        </p:spPr>
+        <p:txBody>
+          <a:bodyPr lIns="0" rIns="0" tIns="0" bIns="0" anchor="ctr"/>
+          <a:p>
+            <a:pPr algn="ctr"/>
+            <a:endParaRPr b="0" lang="en-IN" sz="4400" spc="-1" strike="noStrike">
+              <a:solidFill>
+                <a:srgbClr val="000000"/>
+              </a:solidFill>
+              <a:uFill>
+                <a:solidFill>
+                  <a:srgbClr val="ffffff"/>
+                </a:solidFill>
+              </a:uFill>
+              <a:latin typeface="Arial"/>
+            </a:endParaRPr>
+          </a:p>
+        </p:txBody>
+      </p:sp>
+      <p:sp>
+        <p:nvSpPr>
+          <p:cNvPr id="253" name="PlaceHolder 2"/>
+          <p:cNvSpPr>
+            <a:spLocks noGrp="1"/>
+          </p:cNvSpPr>
+          <p:nvPr>
+            <p:ph type="body"/>
+          </p:nvPr>
+        </p:nvSpPr>
+        <p:spPr>
+          <a:xfrm>
+            <a:off x="504000" y="1768680"/>
+            <a:ext cx="4426920" cy="2090880"/>
+          </a:xfrm>
+          <a:prstGeom prst="rect">
+            <a:avLst/>
+          </a:prstGeom>
+        </p:spPr>
+        <p:txBody>
+          <a:bodyPr lIns="0" rIns="0" tIns="0" bIns="0"/>
+          <a:p>
+            <a:endParaRPr b="0" lang="en-IN" sz="3200" spc="-1" strike="noStrike">
+              <a:solidFill>
+                <a:srgbClr val="000000"/>
+              </a:solidFill>
+              <a:uFill>
+                <a:solidFill>
+                  <a:srgbClr val="ffffff"/>
+                </a:solidFill>
+              </a:uFill>
+              <a:latin typeface="Arial"/>
+            </a:endParaRPr>
+          </a:p>
+        </p:txBody>
+      </p:sp>
+      <p:sp>
+        <p:nvSpPr>
+          <p:cNvPr id="254" name="PlaceHolder 3"/>
+          <p:cNvSpPr>
+            <a:spLocks noGrp="1"/>
+          </p:cNvSpPr>
+          <p:nvPr>
+            <p:ph type="body"/>
+          </p:nvPr>
+        </p:nvSpPr>
+        <p:spPr>
+          <a:xfrm>
+            <a:off x="5152680" y="1768680"/>
+            <a:ext cx="4426920" cy="2090880"/>
+          </a:xfrm>
+          <a:prstGeom prst="rect">
+            <a:avLst/>
+          </a:prstGeom>
+        </p:spPr>
+        <p:txBody>
+          <a:bodyPr lIns="0" rIns="0" tIns="0" bIns="0"/>
+          <a:p>
+            <a:endParaRPr b="0" lang="en-IN" sz="3200" spc="-1" strike="noStrike">
+              <a:solidFill>
+                <a:srgbClr val="000000"/>
+              </a:solidFill>
+              <a:uFill>
+                <a:solidFill>
+                  <a:srgbClr val="ffffff"/>
+                </a:solidFill>
+              </a:uFill>
+              <a:latin typeface="Arial"/>
+            </a:endParaRPr>
+          </a:p>
+        </p:txBody>
+      </p:sp>
+      <p:sp>
+        <p:nvSpPr>
+          <p:cNvPr id="255" name="PlaceHolder 4"/>
+          <p:cNvSpPr>
+            <a:spLocks noGrp="1"/>
+          </p:cNvSpPr>
+          <p:nvPr>
+            <p:ph type="body"/>
+          </p:nvPr>
+        </p:nvSpPr>
+        <p:spPr>
+          <a:xfrm>
+            <a:off x="5152680" y="4058640"/>
+            <a:ext cx="4426920" cy="2090880"/>
+          </a:xfrm>
+          <a:prstGeom prst="rect">
+            <a:avLst/>
+          </a:prstGeom>
+        </p:spPr>
+        <p:txBody>
+          <a:bodyPr lIns="0" rIns="0" tIns="0" bIns="0"/>
+          <a:p>
+            <a:endParaRPr b="0" lang="en-IN" sz="3200" spc="-1" strike="noStrike">
+              <a:solidFill>
+                <a:srgbClr val="000000"/>
+              </a:solidFill>
+              <a:uFill>
+                <a:solidFill>
+                  <a:srgbClr val="ffffff"/>
+                </a:solidFill>
+              </a:uFill>
+              <a:latin typeface="Arial"/>
+            </a:endParaRPr>
+          </a:p>
+        </p:txBody>
+      </p:sp>
+      <p:sp>
+        <p:nvSpPr>
+          <p:cNvPr id="256" name="PlaceHolder 5"/>
+          <p:cNvSpPr>
+            <a:spLocks noGrp="1"/>
+          </p:cNvSpPr>
+          <p:nvPr>
+            <p:ph type="body"/>
+          </p:nvPr>
+        </p:nvSpPr>
+        <p:spPr>
+          <a:xfrm>
+            <a:off x="504000" y="4058640"/>
+            <a:ext cx="4426920" cy="2090880"/>
+          </a:xfrm>
+          <a:prstGeom prst="rect">
+            <a:avLst/>
+          </a:prstGeom>
+        </p:spPr>
+        <p:txBody>
+          <a:bodyPr lIns="0" rIns="0" tIns="0" bIns="0"/>
+          <a:p>
+            <a:endParaRPr b="0" lang="en-IN" sz="3200" spc="-1" strike="noStrike">
+              <a:solidFill>
+                <a:srgbClr val="000000"/>
+              </a:solidFill>
+              <a:uFill>
+                <a:solidFill>
+                  <a:srgbClr val="ffffff"/>
+                </a:solidFill>
+              </a:uFill>
+              <a:latin typeface="Arial"/>
+            </a:endParaRPr>
+          </a:p>
+        </p:txBody>
+      </p:sp>
+    </p:spTree>
+  </p:cSld>
+</p:sldLayout>
+</file>
+
+<file path=ppt/slideLayouts/slideLayout84.xml><?xml version="1.0" encoding="utf-8"?>
+<p:sldLayout xmlns:a="http://schemas.openxmlformats.org/drawingml/2006/main" xmlns:p="http://schemas.openxmlformats.org/presentationml/2006/main" xmlns:r="http://schemas.openxmlformats.org/officeDocument/2006/relationships" xmlns:p14="http://schemas.microsoft.com/office/powerpoint/2010/main" xmlns:p15="http://schemas.microsoft.com/office/powerpoint/2012/main" xmlns:mc="http://schemas.openxmlformats.org/markup-compatibility/2006" type="blank" preserve="1">
+  <p:cSld name="Title, 6 Content">
+    <p:spTree>
+      <p:nvGrpSpPr>
+        <p:cNvPr id="1" name=""/>
+        <p:cNvGrpSpPr/>
+        <p:nvPr/>
+      </p:nvGrpSpPr>
+      <p:grpSpPr>
+        <a:xfrm>
+          <a:off x="0" y="0"/>
+          <a:ext cx="0" cy="0"/>
+          <a:chOff x="0" y="0"/>
+          <a:chExt cx="0" cy="0"/>
+        </a:xfrm>
+      </p:grpSpPr>
+      <p:sp>
+        <p:nvSpPr>
+          <p:cNvPr id="257" name="PlaceHolder 1"/>
+          <p:cNvSpPr>
+            <a:spLocks noGrp="1"/>
+          </p:cNvSpPr>
+          <p:nvPr>
+            <p:ph type="title"/>
+          </p:nvPr>
+        </p:nvSpPr>
+        <p:spPr>
+          <a:xfrm>
+            <a:off x="504000" y="301320"/>
+            <a:ext cx="9072000" cy="1261800"/>
+          </a:xfrm>
+          <a:prstGeom prst="rect">
+            <a:avLst/>
+          </a:prstGeom>
+        </p:spPr>
+        <p:txBody>
+          <a:bodyPr lIns="0" rIns="0" tIns="0" bIns="0" anchor="ctr"/>
+          <a:p>
+            <a:pPr algn="ctr"/>
+            <a:endParaRPr b="0" lang="en-IN" sz="4400" spc="-1" strike="noStrike">
+              <a:solidFill>
+                <a:srgbClr val="000000"/>
+              </a:solidFill>
+              <a:uFill>
+                <a:solidFill>
+                  <a:srgbClr val="ffffff"/>
+                </a:solidFill>
+              </a:uFill>
+              <a:latin typeface="Arial"/>
+            </a:endParaRPr>
+          </a:p>
+        </p:txBody>
+      </p:sp>
+      <p:sp>
+        <p:nvSpPr>
+          <p:cNvPr id="258" name="PlaceHolder 2"/>
+          <p:cNvSpPr>
+            <a:spLocks noGrp="1"/>
+          </p:cNvSpPr>
+          <p:nvPr>
+            <p:ph type="body"/>
+          </p:nvPr>
+        </p:nvSpPr>
+        <p:spPr>
+          <a:xfrm>
+            <a:off x="504000" y="1768680"/>
+            <a:ext cx="9072000" cy="4384080"/>
+          </a:xfrm>
+          <a:prstGeom prst="rect">
+            <a:avLst/>
+          </a:prstGeom>
+        </p:spPr>
+        <p:txBody>
+          <a:bodyPr lIns="0" rIns="0" tIns="0" bIns="0"/>
+          <a:p>
+            <a:endParaRPr b="0" lang="en-IN" sz="3200" spc="-1" strike="noStrike">
+              <a:solidFill>
+                <a:srgbClr val="000000"/>
+              </a:solidFill>
+              <a:uFill>
+                <a:solidFill>
+                  <a:srgbClr val="ffffff"/>
+                </a:solidFill>
+              </a:uFill>
+              <a:latin typeface="Arial"/>
+            </a:endParaRPr>
+          </a:p>
+        </p:txBody>
+      </p:sp>
+      <p:sp>
+        <p:nvSpPr>
+          <p:cNvPr id="259" name="PlaceHolder 3"/>
+          <p:cNvSpPr>
+            <a:spLocks noGrp="1"/>
+          </p:cNvSpPr>
+          <p:nvPr>
+            <p:ph type="body"/>
+          </p:nvPr>
+        </p:nvSpPr>
+        <p:spPr>
+          <a:xfrm>
+            <a:off x="504000" y="1768680"/>
+            <a:ext cx="9072000" cy="4384080"/>
+          </a:xfrm>
+          <a:prstGeom prst="rect">
+            <a:avLst/>
+          </a:prstGeom>
+        </p:spPr>
+        <p:txBody>
+          <a:bodyPr lIns="0" rIns="0" tIns="0" bIns="0"/>
+          <a:p>
+            <a:endParaRPr b="0" lang="en-IN" sz="3200" spc="-1" strike="noStrike">
+              <a:solidFill>
+                <a:srgbClr val="000000"/>
+              </a:solidFill>
+              <a:uFill>
+                <a:solidFill>
+                  <a:srgbClr val="ffffff"/>
+                </a:solidFill>
+              </a:uFill>
+              <a:latin typeface="Arial"/>
+            </a:endParaRPr>
+          </a:p>
+        </p:txBody>
+      </p:sp>
+      <p:pic>
+        <p:nvPicPr>
+          <p:cNvPr id="260" name="" descr=""/>
+          <p:cNvPicPr/>
+          <p:nvPr/>
+        </p:nvPicPr>
+        <p:blipFill>
+          <a:blip r:embed="rId2"/>
+          <a:stretch/>
+        </p:blipFill>
+        <p:spPr>
+          <a:xfrm>
+            <a:off x="2292480" y="1768680"/>
+            <a:ext cx="5494680" cy="4384080"/>
+          </a:xfrm>
+          <a:prstGeom prst="rect">
+            <a:avLst/>
+          </a:prstGeom>
+          <a:ln>
+            <a:noFill/>
+          </a:ln>
+        </p:spPr>
+      </p:pic>
+      <p:pic>
+        <p:nvPicPr>
+          <p:cNvPr id="261" name="" descr=""/>
+          <p:cNvPicPr/>
+          <p:nvPr/>
+        </p:nvPicPr>
+        <p:blipFill>
+          <a:blip r:embed="rId3"/>
+          <a:stretch/>
+        </p:blipFill>
+        <p:spPr>
+          <a:xfrm>
+            <a:off x="2292480" y="1768680"/>
+            <a:ext cx="5494680" cy="4384080"/>
+          </a:xfrm>
+          <a:prstGeom prst="rect">
+            <a:avLst/>
+          </a:prstGeom>
+          <a:ln>
+            <a:noFill/>
+          </a:ln>
+        </p:spPr>
+      </p:pic>
     </p:spTree>
   </p:cSld>
 </p:sldLayout>
@@ -9275,7 +10750,7 @@
         <p:spPr>
           <a:xfrm>
             <a:off x="1800" y="0"/>
-            <a:ext cx="10072800" cy="7556400"/>
+            <a:ext cx="10072080" cy="7555680"/>
           </a:xfrm>
           <a:prstGeom prst="rect">
             <a:avLst/>
@@ -9294,7 +10769,7 @@
         <p:spPr>
           <a:xfrm>
             <a:off x="0" y="3177000"/>
-            <a:ext cx="10074600" cy="4379040"/>
+            <a:ext cx="10073880" cy="4378320"/>
           </a:xfrm>
           <a:prstGeom prst="rect">
             <a:avLst/>
@@ -9327,7 +10802,7 @@
         <p:spPr>
           <a:xfrm>
             <a:off x="128520" y="345960"/>
-            <a:ext cx="1792440" cy="617760"/>
+            <a:ext cx="1791720" cy="617040"/>
           </a:xfrm>
           <a:prstGeom prst="rect">
             <a:avLst/>
@@ -9350,7 +10825,7 @@
         <p:spPr>
           <a:xfrm>
             <a:off x="0" y="4996800"/>
-            <a:ext cx="10076760" cy="2559240"/>
+            <a:ext cx="10076040" cy="2558520"/>
           </a:xfrm>
           <a:prstGeom prst="rect">
             <a:avLst/>
@@ -9373,7 +10848,7 @@
         <p:spPr>
           <a:xfrm>
             <a:off x="504000" y="301320"/>
-            <a:ext cx="9072000" cy="1261800"/>
+            <a:ext cx="9071640" cy="1261440"/>
           </a:xfrm>
           <a:prstGeom prst="rect">
             <a:avLst/>
@@ -9383,118 +10858,6 @@
           <a:bodyPr lIns="0" rIns="0" tIns="0" bIns="0" anchor="ctr"/>
           <a:p>
             <a:pPr algn="ctr"/>
-            <a:r>
-              <a:rPr b="0" lang="en-IN" sz="4400" spc="-1" strike="noStrike">
-                <a:solidFill>
-                  <a:srgbClr val="000000"/>
-                </a:solidFill>
-                <a:uFill>
-                  <a:solidFill>
-                    <a:srgbClr val="ffffff"/>
-                  </a:solidFill>
-                </a:uFill>
-                <a:latin typeface="Arial"/>
-              </a:rPr>
-              <a:t>Clic</a:t>
-            </a:r>
-            <a:r>
-              <a:rPr b="0" lang="en-IN" sz="4400" spc="-1" strike="noStrike">
-                <a:solidFill>
-                  <a:srgbClr val="000000"/>
-                </a:solidFill>
-                <a:uFill>
-                  <a:solidFill>
-                    <a:srgbClr val="ffffff"/>
-                  </a:solidFill>
-                </a:uFill>
-                <a:latin typeface="Arial"/>
-              </a:rPr>
-              <a:t>k to </a:t>
-            </a:r>
-            <a:r>
-              <a:rPr b="0" lang="en-IN" sz="4400" spc="-1" strike="noStrike">
-                <a:solidFill>
-                  <a:srgbClr val="000000"/>
-                </a:solidFill>
-                <a:uFill>
-                  <a:solidFill>
-                    <a:srgbClr val="ffffff"/>
-                  </a:solidFill>
-                </a:uFill>
-                <a:latin typeface="Arial"/>
-              </a:rPr>
-              <a:t>edit </a:t>
-            </a:r>
-            <a:r>
-              <a:rPr b="0" lang="en-IN" sz="4400" spc="-1" strike="noStrike">
-                <a:solidFill>
-                  <a:srgbClr val="000000"/>
-                </a:solidFill>
-                <a:uFill>
-                  <a:solidFill>
-                    <a:srgbClr val="ffffff"/>
-                  </a:solidFill>
-                </a:uFill>
-                <a:latin typeface="Arial"/>
-              </a:rPr>
-              <a:t>the </a:t>
-            </a:r>
-            <a:r>
-              <a:rPr b="0" lang="en-IN" sz="4400" spc="-1" strike="noStrike">
-                <a:solidFill>
-                  <a:srgbClr val="000000"/>
-                </a:solidFill>
-                <a:uFill>
-                  <a:solidFill>
-                    <a:srgbClr val="ffffff"/>
-                  </a:solidFill>
-                </a:uFill>
-                <a:latin typeface="Arial"/>
-              </a:rPr>
-              <a:t>title </a:t>
-            </a:r>
-            <a:r>
-              <a:rPr b="0" lang="en-IN" sz="4400" spc="-1" strike="noStrike">
-                <a:solidFill>
-                  <a:srgbClr val="000000"/>
-                </a:solidFill>
-                <a:uFill>
-                  <a:solidFill>
-                    <a:srgbClr val="ffffff"/>
-                  </a:solidFill>
-                </a:uFill>
-                <a:latin typeface="Arial"/>
-              </a:rPr>
-              <a:t>text </a:t>
-            </a:r>
-            <a:r>
-              <a:rPr b="0" lang="en-IN" sz="4400" spc="-1" strike="noStrike">
-                <a:solidFill>
-                  <a:srgbClr val="000000"/>
-                </a:solidFill>
-                <a:uFill>
-                  <a:solidFill>
-                    <a:srgbClr val="ffffff"/>
-                  </a:solidFill>
-                </a:uFill>
-                <a:latin typeface="Arial"/>
-              </a:rPr>
-              <a:t>form</a:t>
-            </a:r>
-            <a:r>
-              <a:rPr b="0" lang="en-IN" sz="4400" spc="-1" strike="noStrike">
-                <a:solidFill>
-                  <a:srgbClr val="000000"/>
-                </a:solidFill>
-                <a:uFill>
-                  <a:solidFill>
-                    <a:srgbClr val="ffffff"/>
-                  </a:solidFill>
-                </a:uFill>
-                <a:latin typeface="Arial"/>
-              </a:rPr>
-              <a:t>at</a:t>
-            </a:r>
             <a:endParaRPr b="0" lang="en-IN" sz="4400" spc="-1" strike="noStrike">
               <a:solidFill>
                 <a:srgbClr val="000000"/>
@@ -9843,6 +11206,7 @@
         <p:txBody>
           <a:bodyPr lIns="0" rIns="0" tIns="0" bIns="0" anchor="ctr"/>
           <a:p>
+            <a:pPr algn="ctr"/>
             <a:r>
               <a:rPr b="0" lang="en-IN" sz="4400" spc="-1" strike="noStrike">
                 <a:solidFill>
@@ -11251,9 +12615,372 @@
           <a:chExt cx="0" cy="0"/>
         </a:xfrm>
       </p:grpSpPr>
+      <p:sp>
+        <p:nvSpPr>
+          <p:cNvPr id="184" name="PlaceHolder 1"/>
+          <p:cNvSpPr>
+            <a:spLocks noGrp="1"/>
+          </p:cNvSpPr>
+          <p:nvPr>
+            <p:ph type="title"/>
+          </p:nvPr>
+        </p:nvSpPr>
+        <p:spPr>
+          <a:xfrm>
+            <a:off x="504000" y="301320"/>
+            <a:ext cx="9072000" cy="1261800"/>
+          </a:xfrm>
+          <a:prstGeom prst="rect">
+            <a:avLst/>
+          </a:prstGeom>
+        </p:spPr>
+        <p:txBody>
+          <a:bodyPr lIns="0" rIns="0" tIns="0" bIns="0" anchor="ctr"/>
+          <a:p>
+            <a:pPr algn="ctr"/>
+            <a:r>
+              <a:rPr b="0" lang="en-IN" sz="4400" spc="-1" strike="noStrike">
+                <a:solidFill>
+                  <a:srgbClr val="000000"/>
+                </a:solidFill>
+                <a:uFill>
+                  <a:solidFill>
+                    <a:srgbClr val="ffffff"/>
+                  </a:solidFill>
+                </a:uFill>
+                <a:latin typeface="Arial"/>
+              </a:rPr>
+              <a:t>Click to edit the title text format</a:t>
+            </a:r>
+            <a:endParaRPr b="0" lang="en-IN" sz="4400" spc="-1" strike="noStrike">
+              <a:solidFill>
+                <a:srgbClr val="000000"/>
+              </a:solidFill>
+              <a:uFill>
+                <a:solidFill>
+                  <a:srgbClr val="ffffff"/>
+                </a:solidFill>
+              </a:uFill>
+              <a:latin typeface="Arial"/>
+            </a:endParaRPr>
+          </a:p>
+        </p:txBody>
+      </p:sp>
+      <p:sp>
+        <p:nvSpPr>
+          <p:cNvPr id="185" name="PlaceHolder 2"/>
+          <p:cNvSpPr>
+            <a:spLocks noGrp="1"/>
+          </p:cNvSpPr>
+          <p:nvPr>
+            <p:ph type="body"/>
+          </p:nvPr>
+        </p:nvSpPr>
+        <p:spPr>
+          <a:xfrm>
+            <a:off x="504000" y="1768680"/>
+            <a:ext cx="9072000" cy="4384080"/>
+          </a:xfrm>
+          <a:prstGeom prst="rect">
+            <a:avLst/>
+          </a:prstGeom>
+        </p:spPr>
+        <p:txBody>
+          <a:bodyPr lIns="0" rIns="0" tIns="0" bIns="0"/>
+          <a:p>
+            <a:pPr marL="432000" indent="-324000">
+              <a:buClr>
+                <a:srgbClr val="000000"/>
+              </a:buClr>
+              <a:buSzPct val="45000"/>
+              <a:buFont typeface="Wingdings" charset="2"/>
+              <a:buChar char=""/>
+            </a:pPr>
+            <a:r>
+              <a:rPr b="0" lang="en-IN" sz="3200" spc="-1" strike="noStrike">
+                <a:solidFill>
+                  <a:srgbClr val="000000"/>
+                </a:solidFill>
+                <a:uFill>
+                  <a:solidFill>
+                    <a:srgbClr val="ffffff"/>
+                  </a:solidFill>
+                </a:uFill>
+                <a:latin typeface="Arial"/>
+              </a:rPr>
+              <a:t>Click to edit the outline text format</a:t>
+            </a:r>
+            <a:endParaRPr b="0" lang="en-IN" sz="3200" spc="-1" strike="noStrike">
+              <a:solidFill>
+                <a:srgbClr val="000000"/>
+              </a:solidFill>
+              <a:uFill>
+                <a:solidFill>
+                  <a:srgbClr val="ffffff"/>
+                </a:solidFill>
+              </a:uFill>
+              <a:latin typeface="Arial"/>
+            </a:endParaRPr>
+          </a:p>
+          <a:p>
+            <a:pPr lvl="1" marL="864000" indent="-324000">
+              <a:buClr>
+                <a:srgbClr val="000000"/>
+              </a:buClr>
+              <a:buSzPct val="75000"/>
+              <a:buFont typeface="Symbol" charset="2"/>
+              <a:buChar char=""/>
+            </a:pPr>
+            <a:r>
+              <a:rPr b="0" lang="en-IN" sz="2800" spc="-1" strike="noStrike">
+                <a:solidFill>
+                  <a:srgbClr val="000000"/>
+                </a:solidFill>
+                <a:uFill>
+                  <a:solidFill>
+                    <a:srgbClr val="ffffff"/>
+                  </a:solidFill>
+                </a:uFill>
+                <a:latin typeface="Arial"/>
+              </a:rPr>
+              <a:t>Second Outline Level</a:t>
+            </a:r>
+            <a:endParaRPr b="0" lang="en-IN" sz="2800" spc="-1" strike="noStrike">
+              <a:solidFill>
+                <a:srgbClr val="000000"/>
+              </a:solidFill>
+              <a:uFill>
+                <a:solidFill>
+                  <a:srgbClr val="ffffff"/>
+                </a:solidFill>
+              </a:uFill>
+              <a:latin typeface="Arial"/>
+            </a:endParaRPr>
+          </a:p>
+          <a:p>
+            <a:pPr lvl="2" marL="1296000" indent="-288000">
+              <a:buClr>
+                <a:srgbClr val="000000"/>
+              </a:buClr>
+              <a:buSzPct val="45000"/>
+              <a:buFont typeface="Wingdings" charset="2"/>
+              <a:buChar char=""/>
+            </a:pPr>
+            <a:r>
+              <a:rPr b="0" lang="en-IN" sz="2400" spc="-1" strike="noStrike">
+                <a:solidFill>
+                  <a:srgbClr val="000000"/>
+                </a:solidFill>
+                <a:uFill>
+                  <a:solidFill>
+                    <a:srgbClr val="ffffff"/>
+                  </a:solidFill>
+                </a:uFill>
+                <a:latin typeface="Arial"/>
+              </a:rPr>
+              <a:t>Third Outline Level</a:t>
+            </a:r>
+            <a:endParaRPr b="0" lang="en-IN" sz="2400" spc="-1" strike="noStrike">
+              <a:solidFill>
+                <a:srgbClr val="000000"/>
+              </a:solidFill>
+              <a:uFill>
+                <a:solidFill>
+                  <a:srgbClr val="ffffff"/>
+                </a:solidFill>
+              </a:uFill>
+              <a:latin typeface="Arial"/>
+            </a:endParaRPr>
+          </a:p>
+          <a:p>
+            <a:pPr lvl="3" marL="1728000" indent="-216000">
+              <a:buClr>
+                <a:srgbClr val="000000"/>
+              </a:buClr>
+              <a:buSzPct val="75000"/>
+              <a:buFont typeface="Symbol" charset="2"/>
+              <a:buChar char=""/>
+            </a:pPr>
+            <a:r>
+              <a:rPr b="0" lang="en-IN" sz="2000" spc="-1" strike="noStrike">
+                <a:solidFill>
+                  <a:srgbClr val="000000"/>
+                </a:solidFill>
+                <a:uFill>
+                  <a:solidFill>
+                    <a:srgbClr val="ffffff"/>
+                  </a:solidFill>
+                </a:uFill>
+                <a:latin typeface="Arial"/>
+              </a:rPr>
+              <a:t>Fourth Outline Level</a:t>
+            </a:r>
+            <a:endParaRPr b="0" lang="en-IN" sz="2000" spc="-1" strike="noStrike">
+              <a:solidFill>
+                <a:srgbClr val="000000"/>
+              </a:solidFill>
+              <a:uFill>
+                <a:solidFill>
+                  <a:srgbClr val="ffffff"/>
+                </a:solidFill>
+              </a:uFill>
+              <a:latin typeface="Arial"/>
+            </a:endParaRPr>
+          </a:p>
+          <a:p>
+            <a:pPr lvl="4" marL="2160000" indent="-216000">
+              <a:buClr>
+                <a:srgbClr val="000000"/>
+              </a:buClr>
+              <a:buSzPct val="45000"/>
+              <a:buFont typeface="Wingdings" charset="2"/>
+              <a:buChar char=""/>
+            </a:pPr>
+            <a:r>
+              <a:rPr b="0" lang="en-IN" sz="2000" spc="-1" strike="noStrike">
+                <a:solidFill>
+                  <a:srgbClr val="000000"/>
+                </a:solidFill>
+                <a:uFill>
+                  <a:solidFill>
+                    <a:srgbClr val="ffffff"/>
+                  </a:solidFill>
+                </a:uFill>
+                <a:latin typeface="Arial"/>
+              </a:rPr>
+              <a:t>Fifth Outline Level</a:t>
+            </a:r>
+            <a:endParaRPr b="0" lang="en-IN" sz="2000" spc="-1" strike="noStrike">
+              <a:solidFill>
+                <a:srgbClr val="000000"/>
+              </a:solidFill>
+              <a:uFill>
+                <a:solidFill>
+                  <a:srgbClr val="ffffff"/>
+                </a:solidFill>
+              </a:uFill>
+              <a:latin typeface="Arial"/>
+            </a:endParaRPr>
+          </a:p>
+          <a:p>
+            <a:pPr lvl="5" marL="2592000" indent="-216000">
+              <a:buClr>
+                <a:srgbClr val="000000"/>
+              </a:buClr>
+              <a:buSzPct val="45000"/>
+              <a:buFont typeface="Wingdings" charset="2"/>
+              <a:buChar char=""/>
+            </a:pPr>
+            <a:r>
+              <a:rPr b="0" lang="en-IN" sz="2000" spc="-1" strike="noStrike">
+                <a:solidFill>
+                  <a:srgbClr val="000000"/>
+                </a:solidFill>
+                <a:uFill>
+                  <a:solidFill>
+                    <a:srgbClr val="ffffff"/>
+                  </a:solidFill>
+                </a:uFill>
+                <a:latin typeface="Arial"/>
+              </a:rPr>
+              <a:t>Sixth Outline Level</a:t>
+            </a:r>
+            <a:endParaRPr b="0" lang="en-IN" sz="2000" spc="-1" strike="noStrike">
+              <a:solidFill>
+                <a:srgbClr val="000000"/>
+              </a:solidFill>
+              <a:uFill>
+                <a:solidFill>
+                  <a:srgbClr val="ffffff"/>
+                </a:solidFill>
+              </a:uFill>
+              <a:latin typeface="Arial"/>
+            </a:endParaRPr>
+          </a:p>
+          <a:p>
+            <a:pPr lvl="6" marL="3024000" indent="-216000">
+              <a:buClr>
+                <a:srgbClr val="000000"/>
+              </a:buClr>
+              <a:buSzPct val="45000"/>
+              <a:buFont typeface="Wingdings" charset="2"/>
+              <a:buChar char=""/>
+            </a:pPr>
+            <a:r>
+              <a:rPr b="0" lang="en-IN" sz="2000" spc="-1" strike="noStrike">
+                <a:solidFill>
+                  <a:srgbClr val="000000"/>
+                </a:solidFill>
+                <a:uFill>
+                  <a:solidFill>
+                    <a:srgbClr val="ffffff"/>
+                  </a:solidFill>
+                </a:uFill>
+                <a:latin typeface="Arial"/>
+              </a:rPr>
+              <a:t>Seventh Outline Level</a:t>
+            </a:r>
+            <a:endParaRPr b="0" lang="en-IN" sz="2000" spc="-1" strike="noStrike">
+              <a:solidFill>
+                <a:srgbClr val="000000"/>
+              </a:solidFill>
+              <a:uFill>
+                <a:solidFill>
+                  <a:srgbClr val="ffffff"/>
+                </a:solidFill>
+              </a:uFill>
+              <a:latin typeface="Arial"/>
+            </a:endParaRPr>
+          </a:p>
+        </p:txBody>
+      </p:sp>
+    </p:spTree>
+  </p:cSld>
+  <p:clrMap bg1="lt1" bg2="lt2" tx1="dk1" tx2="dk2" accent1="accent1" accent2="accent2" accent3="accent3" accent4="accent4" accent5="accent5" accent6="accent6" hlink="hlink" folHlink="folHlink"/>
+  <p:sldLayoutIdLst>
+    <p:sldLayoutId id="2147483714" r:id="rId2"/>
+    <p:sldLayoutId id="2147483715" r:id="rId3"/>
+    <p:sldLayoutId id="2147483716" r:id="rId4"/>
+    <p:sldLayoutId id="2147483717" r:id="rId5"/>
+    <p:sldLayoutId id="2147483718" r:id="rId6"/>
+    <p:sldLayoutId id="2147483719" r:id="rId7"/>
+    <p:sldLayoutId id="2147483720" r:id="rId8"/>
+    <p:sldLayoutId id="2147483721" r:id="rId9"/>
+    <p:sldLayoutId id="2147483722" r:id="rId10"/>
+    <p:sldLayoutId id="2147483723" r:id="rId11"/>
+    <p:sldLayoutId id="2147483724" r:id="rId12"/>
+    <p:sldLayoutId id="2147483725" r:id="rId13"/>
+  </p:sldLayoutIdLst>
+</p:sldMaster>
+</file>
+
+<file path=ppt/slideMasters/slideMaster7.xml><?xml version="1.0" encoding="utf-8"?>
+<p:sldMaster xmlns:a="http://schemas.openxmlformats.org/drawingml/2006/main" xmlns:p="http://schemas.openxmlformats.org/presentationml/2006/main" xmlns:r="http://schemas.openxmlformats.org/officeDocument/2006/relationships" xmlns:p14="http://schemas.microsoft.com/office/powerpoint/2010/main" xmlns:p15="http://schemas.microsoft.com/office/powerpoint/2012/main" xmlns:mc="http://schemas.openxmlformats.org/markup-compatibility/2006">
+  <p:cSld>
+    <p:bg>
+      <p:bgPr>
+        <a:solidFill>
+          <a:srgbClr val="ffffff"/>
+        </a:solidFill>
+      </p:bgPr>
+    </p:bg>
+    <p:spTree>
+      <p:nvGrpSpPr>
+        <p:cNvPr id="1" name=""/>
+        <p:cNvGrpSpPr/>
+        <p:nvPr/>
+      </p:nvGrpSpPr>
+      <p:grpSpPr>
+        <a:xfrm>
+          <a:off x="0" y="0"/>
+          <a:ext cx="0" cy="0"/>
+          <a:chOff x="0" y="0"/>
+          <a:chExt cx="0" cy="0"/>
+        </a:xfrm>
+      </p:grpSpPr>
       <p:pic>
         <p:nvPicPr>
-          <p:cNvPr id="184" name="图片 9" descr=""/>
+          <p:cNvPr id="220" name="图片 9" descr=""/>
           <p:cNvPicPr/>
           <p:nvPr/>
         </p:nvPicPr>
@@ -11264,7 +12991,7 @@
         <p:spPr>
           <a:xfrm>
             <a:off x="360" y="1440"/>
-            <a:ext cx="10072800" cy="7556400"/>
+            <a:ext cx="10072080" cy="7555680"/>
           </a:xfrm>
           <a:prstGeom prst="rect">
             <a:avLst/>
@@ -11276,14 +13003,14 @@
       </p:pic>
       <p:sp>
         <p:nvSpPr>
-          <p:cNvPr id="185" name="CustomShape 1"/>
+          <p:cNvPr id="221" name="CustomShape 1"/>
           <p:cNvSpPr/>
           <p:nvPr/>
         </p:nvSpPr>
         <p:spPr>
           <a:xfrm>
             <a:off x="360" y="4132440"/>
-            <a:ext cx="10076760" cy="3423600"/>
+            <a:ext cx="10076040" cy="3422880"/>
           </a:xfrm>
           <a:prstGeom prst="rect">
             <a:avLst/>
@@ -11304,14 +13031,14 @@
       </p:sp>
       <p:sp>
         <p:nvSpPr>
-          <p:cNvPr id="186" name="CustomShape 2"/>
+          <p:cNvPr id="222" name="CustomShape 2"/>
           <p:cNvSpPr/>
           <p:nvPr/>
         </p:nvSpPr>
         <p:spPr>
           <a:xfrm>
             <a:off x="3612600" y="2994480"/>
-            <a:ext cx="3237120" cy="818280"/>
+            <a:ext cx="3236400" cy="817560"/>
           </a:xfrm>
           <a:prstGeom prst="rect">
             <a:avLst/>
@@ -11366,14 +13093,14 @@
       </p:sp>
       <p:sp>
         <p:nvSpPr>
-          <p:cNvPr id="187" name="CustomShape 3"/>
+          <p:cNvPr id="223" name="CustomShape 3"/>
           <p:cNvSpPr/>
           <p:nvPr/>
         </p:nvSpPr>
         <p:spPr>
           <a:xfrm>
             <a:off x="3612600" y="2586960"/>
-            <a:ext cx="3237120" cy="818280"/>
+            <a:ext cx="3236400" cy="817560"/>
           </a:xfrm>
           <a:prstGeom prst="rect">
             <a:avLst/>
@@ -11428,7 +13155,7 @@
       </p:sp>
       <p:pic>
         <p:nvPicPr>
-          <p:cNvPr id="188" name="图片 8" descr=""/>
+          <p:cNvPr id="224" name="图片 8" descr=""/>
           <p:cNvPicPr/>
           <p:nvPr/>
         </p:nvPicPr>
@@ -11440,7 +13167,7 @@
         <p:spPr>
           <a:xfrm>
             <a:off x="113040" y="390240"/>
-            <a:ext cx="1559520" cy="537480"/>
+            <a:ext cx="1558800" cy="536760"/>
           </a:xfrm>
           <a:prstGeom prst="rect">
             <a:avLst/>
@@ -11452,7 +13179,7 @@
       </p:pic>
       <p:pic>
         <p:nvPicPr>
-          <p:cNvPr id="189" name="图片 10" descr=""/>
+          <p:cNvPr id="225" name="图片 10" descr=""/>
           <p:cNvPicPr/>
           <p:nvPr/>
         </p:nvPicPr>
@@ -11463,7 +13190,7 @@
         <p:spPr>
           <a:xfrm>
             <a:off x="0" y="4998240"/>
-            <a:ext cx="10076760" cy="2559240"/>
+            <a:ext cx="10076040" cy="2558520"/>
           </a:xfrm>
           <a:prstGeom prst="rect">
             <a:avLst/>
@@ -11475,7 +13202,7 @@
       </p:pic>
       <p:sp>
         <p:nvSpPr>
-          <p:cNvPr id="190" name="PlaceHolder 4"/>
+          <p:cNvPr id="226" name="PlaceHolder 4"/>
           <p:cNvSpPr>
             <a:spLocks noGrp="1"/>
           </p:cNvSpPr>
@@ -11526,7 +13253,7 @@
       </p:sp>
       <p:sp>
         <p:nvSpPr>
-          <p:cNvPr id="191" name="PlaceHolder 5"/>
+          <p:cNvPr id="227" name="PlaceHolder 5"/>
           <p:cNvSpPr>
             <a:spLocks noGrp="1"/>
           </p:cNvSpPr>
@@ -11796,18 +13523,18 @@
   </p:cSld>
   <p:clrMap bg1="lt1" bg2="lt2" tx1="dk1" tx2="dk2" accent1="accent1" accent2="accent2" accent3="accent3" accent4="accent4" accent5="accent5" accent6="accent6" hlink="hlink" folHlink="folHlink"/>
   <p:sldLayoutIdLst>
-    <p:sldLayoutId id="2147483714" r:id="rId5"/>
-    <p:sldLayoutId id="2147483715" r:id="rId6"/>
-    <p:sldLayoutId id="2147483716" r:id="rId7"/>
-    <p:sldLayoutId id="2147483717" r:id="rId8"/>
-    <p:sldLayoutId id="2147483718" r:id="rId9"/>
-    <p:sldLayoutId id="2147483719" r:id="rId10"/>
-    <p:sldLayoutId id="2147483720" r:id="rId11"/>
-    <p:sldLayoutId id="2147483721" r:id="rId12"/>
-    <p:sldLayoutId id="2147483722" r:id="rId13"/>
-    <p:sldLayoutId id="2147483723" r:id="rId14"/>
-    <p:sldLayoutId id="2147483724" r:id="rId15"/>
-    <p:sldLayoutId id="2147483725" r:id="rId16"/>
+    <p:sldLayoutId id="2147483727" r:id="rId5"/>
+    <p:sldLayoutId id="2147483728" r:id="rId6"/>
+    <p:sldLayoutId id="2147483729" r:id="rId7"/>
+    <p:sldLayoutId id="2147483730" r:id="rId8"/>
+    <p:sldLayoutId id="2147483731" r:id="rId9"/>
+    <p:sldLayoutId id="2147483732" r:id="rId10"/>
+    <p:sldLayoutId id="2147483733" r:id="rId11"/>
+    <p:sldLayoutId id="2147483734" r:id="rId12"/>
+    <p:sldLayoutId id="2147483735" r:id="rId13"/>
+    <p:sldLayoutId id="2147483736" r:id="rId14"/>
+    <p:sldLayoutId id="2147483737" r:id="rId15"/>
+    <p:sldLayoutId id="2147483738" r:id="rId16"/>
   </p:sldLayoutIdLst>
 </p:sldMaster>
 </file>
@@ -11831,14 +13558,14 @@
       </p:grpSpPr>
       <p:sp>
         <p:nvSpPr>
-          <p:cNvPr id="231" name="CustomShape 1"/>
+          <p:cNvPr id="267" name="CustomShape 1"/>
           <p:cNvSpPr/>
           <p:nvPr/>
         </p:nvSpPr>
         <p:spPr>
           <a:xfrm>
             <a:off x="503640" y="1768680"/>
-            <a:ext cx="9068400" cy="4381200"/>
+            <a:ext cx="9067680" cy="4380480"/>
           </a:xfrm>
           <a:prstGeom prst="rect">
             <a:avLst/>
@@ -11993,7 +13720,7 @@
       </p:grpSpPr>
       <p:pic>
         <p:nvPicPr>
-          <p:cNvPr id="309" name="" descr=""/>
+          <p:cNvPr id="345" name="" descr=""/>
           <p:cNvPicPr/>
           <p:nvPr/>
         </p:nvPicPr>
@@ -12004,7 +13731,7 @@
         <p:spPr>
           <a:xfrm>
             <a:off x="432360" y="1303200"/>
-            <a:ext cx="8192520" cy="5752080"/>
+            <a:ext cx="8191800" cy="5751360"/>
           </a:xfrm>
           <a:prstGeom prst="rect">
             <a:avLst/>
@@ -12016,14 +13743,14 @@
       </p:pic>
       <p:sp>
         <p:nvSpPr>
-          <p:cNvPr id="310" name="TextShape 1"/>
-          <p:cNvSpPr txBox="1"/>
+          <p:cNvPr id="346" name="CustomShape 1"/>
+          <p:cNvSpPr/>
           <p:nvPr/>
         </p:nvSpPr>
         <p:spPr>
           <a:xfrm>
             <a:off x="432720" y="33480"/>
-            <a:ext cx="9072360" cy="1262160"/>
+            <a:ext cx="9071640" cy="1261440"/>
           </a:xfrm>
           <a:prstGeom prst="rect">
             <a:avLst/>
@@ -12033,6 +13760,12 @@
             <a:noFill/>
           </a:ln>
         </p:spPr>
+        <p:style>
+          <a:lnRef idx="0"/>
+          <a:fillRef idx="0"/>
+          <a:effectRef idx="0"/>
+          <a:fontRef idx="minor"/>
+        </p:style>
         <p:txBody>
           <a:bodyPr lIns="0" rIns="0" tIns="0" bIns="0" anchor="ctr"/>
           <a:p>
@@ -12056,7 +13789,7 @@
               </a:rPr>
               <a:t>Edge node details</a:t>
             </a:r>
-            <a:endParaRPr b="0" lang="en-IN" sz="4400" spc="-1" strike="noStrike">
+            <a:endParaRPr b="0" lang="en-IN" sz="1800" spc="-1" strike="noStrike">
               <a:solidFill>
                 <a:srgbClr val="000000"/>
               </a:solidFill>
@@ -12072,33 +13805,6 @@
       </p:sp>
     </p:spTree>
   </p:cSld>
-  <p:timing>
-    <p:tnLst>
-      <p:par>
-        <p:cTn id="19" dur="indefinite" restart="never" nodeType="tmRoot">
-          <p:childTnLst>
-            <p:seq>
-              <p:cTn id="20" nodeType="mainSeq"/>
-              <p:prevCondLst>
-                <p:cond delay="0" evt="onPrev">
-                  <p:tgtEl>
-                    <p:sldTgt/>
-                  </p:tgtEl>
-                </p:cond>
-              </p:prevCondLst>
-              <p:nextCondLst>
-                <p:cond delay="0" evt="onNext">
-                  <p:tgtEl>
-                    <p:sldTgt/>
-                  </p:tgtEl>
-                </p:cond>
-              </p:nextCondLst>
-            </p:seq>
-          </p:childTnLst>
-        </p:cTn>
-      </p:par>
-    </p:tnLst>
-  </p:timing>
 </p:sld>
 </file>
 
@@ -12121,7 +13827,7 @@
       </p:grpSpPr>
       <p:pic>
         <p:nvPicPr>
-          <p:cNvPr id="311" name="" descr=""/>
+          <p:cNvPr id="347" name="" descr=""/>
           <p:cNvPicPr/>
           <p:nvPr/>
         </p:nvPicPr>
@@ -12132,7 +13838,7 @@
         <p:spPr>
           <a:xfrm>
             <a:off x="446400" y="1223640"/>
-            <a:ext cx="7257960" cy="5076000"/>
+            <a:ext cx="7257240" cy="5075280"/>
           </a:xfrm>
           <a:prstGeom prst="rect">
             <a:avLst/>
@@ -12144,14 +13850,14 @@
       </p:pic>
       <p:sp>
         <p:nvSpPr>
-          <p:cNvPr id="312" name="TextShape 1"/>
-          <p:cNvSpPr txBox="1"/>
+          <p:cNvPr id="348" name="CustomShape 1"/>
+          <p:cNvSpPr/>
           <p:nvPr/>
         </p:nvSpPr>
         <p:spPr>
           <a:xfrm>
             <a:off x="432720" y="33480"/>
-            <a:ext cx="9072360" cy="1262160"/>
+            <a:ext cx="9071640" cy="1261440"/>
           </a:xfrm>
           <a:prstGeom prst="rect">
             <a:avLst/>
@@ -12161,6 +13867,12 @@
             <a:noFill/>
           </a:ln>
         </p:spPr>
+        <p:style>
+          <a:lnRef idx="0"/>
+          <a:fillRef idx="0"/>
+          <a:effectRef idx="0"/>
+          <a:fontRef idx="minor"/>
+        </p:style>
         <p:txBody>
           <a:bodyPr lIns="0" rIns="0" tIns="0" bIns="0" anchor="ctr"/>
           <a:p>
@@ -12184,7 +13896,7 @@
               </a:rPr>
               <a:t>App instance Management</a:t>
             </a:r>
-            <a:endParaRPr b="0" lang="en-IN" sz="4400" spc="-1" strike="noStrike">
+            <a:endParaRPr b="0" lang="en-IN" sz="1800" spc="-1" strike="noStrike">
               <a:solidFill>
                 <a:srgbClr val="000000"/>
               </a:solidFill>
@@ -12200,33 +13912,6 @@
       </p:sp>
     </p:spTree>
   </p:cSld>
-  <p:timing>
-    <p:tnLst>
-      <p:par>
-        <p:cTn id="21" dur="indefinite" restart="never" nodeType="tmRoot">
-          <p:childTnLst>
-            <p:seq>
-              <p:cTn id="22" nodeType="mainSeq"/>
-              <p:prevCondLst>
-                <p:cond delay="0" evt="onPrev">
-                  <p:tgtEl>
-                    <p:sldTgt/>
-                  </p:tgtEl>
-                </p:cond>
-              </p:prevCondLst>
-              <p:nextCondLst>
-                <p:cond delay="0" evt="onNext">
-                  <p:tgtEl>
-                    <p:sldTgt/>
-                  </p:tgtEl>
-                </p:cond>
-              </p:nextCondLst>
-            </p:seq>
-          </p:childTnLst>
-        </p:cTn>
-      </p:par>
-    </p:tnLst>
-  </p:timing>
 </p:sld>
 </file>
 
@@ -12249,7 +13934,7 @@
       </p:grpSpPr>
       <p:pic>
         <p:nvPicPr>
-          <p:cNvPr id="313" name="" descr=""/>
+          <p:cNvPr id="349" name="" descr=""/>
           <p:cNvPicPr/>
           <p:nvPr/>
         </p:nvPicPr>
@@ -12260,7 +13945,7 @@
         <p:spPr>
           <a:xfrm>
             <a:off x="432360" y="1245600"/>
-            <a:ext cx="7067520" cy="5161680"/>
+            <a:ext cx="7066800" cy="5160960"/>
           </a:xfrm>
           <a:prstGeom prst="rect">
             <a:avLst/>
@@ -12272,14 +13957,14 @@
       </p:pic>
       <p:sp>
         <p:nvSpPr>
-          <p:cNvPr id="314" name="TextShape 1"/>
-          <p:cNvSpPr txBox="1"/>
+          <p:cNvPr id="350" name="CustomShape 1"/>
+          <p:cNvSpPr/>
           <p:nvPr/>
         </p:nvSpPr>
         <p:spPr>
           <a:xfrm>
             <a:off x="432720" y="33480"/>
-            <a:ext cx="9072360" cy="1262160"/>
+            <a:ext cx="9071640" cy="1261440"/>
           </a:xfrm>
           <a:prstGeom prst="rect">
             <a:avLst/>
@@ -12289,6 +13974,12 @@
             <a:noFill/>
           </a:ln>
         </p:spPr>
+        <p:style>
+          <a:lnRef idx="0"/>
+          <a:fillRef idx="0"/>
+          <a:effectRef idx="0"/>
+          <a:fontRef idx="minor"/>
+        </p:style>
         <p:txBody>
           <a:bodyPr lIns="0" rIns="0" tIns="0" bIns="0" anchor="ctr"/>
           <a:p>
@@ -12312,7 +14003,7 @@
               </a:rPr>
               <a:t>App Instance Management -Actions</a:t>
             </a:r>
-            <a:endParaRPr b="0" lang="en-IN" sz="4400" spc="-1" strike="noStrike">
+            <a:endParaRPr b="0" lang="en-IN" sz="1800" spc="-1" strike="noStrike">
               <a:solidFill>
                 <a:srgbClr val="000000"/>
               </a:solidFill>
@@ -12328,33 +14019,6 @@
       </p:sp>
     </p:spTree>
   </p:cSld>
-  <p:timing>
-    <p:tnLst>
-      <p:par>
-        <p:cTn id="23" dur="indefinite" restart="never" nodeType="tmRoot">
-          <p:childTnLst>
-            <p:seq>
-              <p:cTn id="24" nodeType="mainSeq"/>
-              <p:prevCondLst>
-                <p:cond delay="0" evt="onPrev">
-                  <p:tgtEl>
-                    <p:sldTgt/>
-                  </p:tgtEl>
-                </p:cond>
-              </p:prevCondLst>
-              <p:nextCondLst>
-                <p:cond delay="0" evt="onNext">
-                  <p:tgtEl>
-                    <p:sldTgt/>
-                  </p:tgtEl>
-                </p:cond>
-              </p:nextCondLst>
-            </p:seq>
-          </p:childTnLst>
-        </p:cTn>
-      </p:par>
-    </p:tnLst>
-  </p:timing>
 </p:sld>
 </file>
 
@@ -12377,7 +14041,7 @@
       </p:grpSpPr>
       <p:pic>
         <p:nvPicPr>
-          <p:cNvPr id="315" name="" descr=""/>
+          <p:cNvPr id="351" name="" descr=""/>
           <p:cNvPicPr/>
           <p:nvPr/>
         </p:nvPicPr>
@@ -12388,7 +14052,7 @@
         <p:spPr>
           <a:xfrm>
             <a:off x="445320" y="1223640"/>
-            <a:ext cx="7115040" cy="4923720"/>
+            <a:ext cx="7114320" cy="4923000"/>
           </a:xfrm>
           <a:prstGeom prst="rect">
             <a:avLst/>
@@ -12400,14 +14064,14 @@
       </p:pic>
       <p:sp>
         <p:nvSpPr>
-          <p:cNvPr id="316" name="TextShape 1"/>
-          <p:cNvSpPr txBox="1"/>
+          <p:cNvPr id="352" name="CustomShape 1"/>
+          <p:cNvSpPr/>
           <p:nvPr/>
         </p:nvSpPr>
         <p:spPr>
           <a:xfrm>
             <a:off x="432720" y="33480"/>
-            <a:ext cx="9072360" cy="1262160"/>
+            <a:ext cx="9071640" cy="1261440"/>
           </a:xfrm>
           <a:prstGeom prst="rect">
             <a:avLst/>
@@ -12417,6 +14081,12 @@
             <a:noFill/>
           </a:ln>
         </p:spPr>
+        <p:style>
+          <a:lnRef idx="0"/>
+          <a:fillRef idx="0"/>
+          <a:effectRef idx="0"/>
+          <a:fontRef idx="minor"/>
+        </p:style>
         <p:txBody>
           <a:bodyPr lIns="0" rIns="0" tIns="0" bIns="0" anchor="ctr"/>
           <a:p>
@@ -12440,7 +14110,7 @@
               </a:rPr>
               <a:t>EdgeNodes</a:t>
             </a:r>
-            <a:endParaRPr b="0" lang="en-IN" sz="4400" spc="-1" strike="noStrike">
+            <a:endParaRPr b="0" lang="en-IN" sz="1800" spc="-1" strike="noStrike">
               <a:solidFill>
                 <a:srgbClr val="000000"/>
               </a:solidFill>
@@ -12456,33 +14126,6 @@
       </p:sp>
     </p:spTree>
   </p:cSld>
-  <p:timing>
-    <p:tnLst>
-      <p:par>
-        <p:cTn id="25" dur="indefinite" restart="never" nodeType="tmRoot">
-          <p:childTnLst>
-            <p:seq>
-              <p:cTn id="26" nodeType="mainSeq"/>
-              <p:prevCondLst>
-                <p:cond delay="0" evt="onPrev">
-                  <p:tgtEl>
-                    <p:sldTgt/>
-                  </p:tgtEl>
-                </p:cond>
-              </p:prevCondLst>
-              <p:nextCondLst>
-                <p:cond delay="0" evt="onNext">
-                  <p:tgtEl>
-                    <p:sldTgt/>
-                  </p:tgtEl>
-                </p:cond>
-              </p:nextCondLst>
-            </p:seq>
-          </p:childTnLst>
-        </p:cTn>
-      </p:par>
-    </p:tnLst>
-  </p:timing>
 </p:sld>
 </file>
 
@@ -12505,7 +14148,7 @@
       </p:grpSpPr>
       <p:pic>
         <p:nvPicPr>
-          <p:cNvPr id="317" name="" descr=""/>
+          <p:cNvPr id="353" name="" descr=""/>
           <p:cNvPicPr/>
           <p:nvPr/>
         </p:nvPicPr>
@@ -12516,7 +14159,7 @@
         <p:spPr>
           <a:xfrm>
             <a:off x="432360" y="1220040"/>
-            <a:ext cx="7134120" cy="4971240"/>
+            <a:ext cx="7133400" cy="4970520"/>
           </a:xfrm>
           <a:prstGeom prst="rect">
             <a:avLst/>
@@ -12528,14 +14171,14 @@
       </p:pic>
       <p:sp>
         <p:nvSpPr>
-          <p:cNvPr id="318" name="TextShape 1"/>
-          <p:cNvSpPr txBox="1"/>
+          <p:cNvPr id="354" name="CustomShape 1"/>
+          <p:cNvSpPr/>
           <p:nvPr/>
         </p:nvSpPr>
         <p:spPr>
           <a:xfrm>
             <a:off x="432720" y="33480"/>
-            <a:ext cx="9072360" cy="1262160"/>
+            <a:ext cx="9071640" cy="1261440"/>
           </a:xfrm>
           <a:prstGeom prst="rect">
             <a:avLst/>
@@ -12545,6 +14188,12 @@
             <a:noFill/>
           </a:ln>
         </p:spPr>
+        <p:style>
+          <a:lnRef idx="0"/>
+          <a:fillRef idx="0"/>
+          <a:effectRef idx="0"/>
+          <a:fontRef idx="minor"/>
+        </p:style>
         <p:txBody>
           <a:bodyPr lIns="0" rIns="0" tIns="0" bIns="0" anchor="ctr"/>
           <a:p>
@@ -12568,7 +14217,7 @@
               </a:rPr>
               <a:t>EdgeNodes - Action</a:t>
             </a:r>
-            <a:endParaRPr b="0" lang="en-IN" sz="4400" spc="-1" strike="noStrike">
+            <a:endParaRPr b="0" lang="en-IN" sz="1800" spc="-1" strike="noStrike">
               <a:solidFill>
                 <a:srgbClr val="000000"/>
               </a:solidFill>
@@ -12584,33 +14233,6 @@
       </p:sp>
     </p:spTree>
   </p:cSld>
-  <p:timing>
-    <p:tnLst>
-      <p:par>
-        <p:cTn id="27" dur="indefinite" restart="never" nodeType="tmRoot">
-          <p:childTnLst>
-            <p:seq>
-              <p:cTn id="28" nodeType="mainSeq"/>
-              <p:prevCondLst>
-                <p:cond delay="0" evt="onPrev">
-                  <p:tgtEl>
-                    <p:sldTgt/>
-                  </p:tgtEl>
-                </p:cond>
-              </p:prevCondLst>
-              <p:nextCondLst>
-                <p:cond delay="0" evt="onNext">
-                  <p:tgtEl>
-                    <p:sldTgt/>
-                  </p:tgtEl>
-                </p:cond>
-              </p:nextCondLst>
-            </p:seq>
-          </p:childTnLst>
-        </p:cTn>
-      </p:par>
-    </p:tnLst>
-  </p:timing>
 </p:sld>
 </file>
 
@@ -12633,14 +14255,14 @@
       </p:grpSpPr>
       <p:sp>
         <p:nvSpPr>
-          <p:cNvPr id="319" name="TextShape 1"/>
-          <p:cNvSpPr txBox="1"/>
+          <p:cNvPr id="355" name="CustomShape 1"/>
+          <p:cNvSpPr/>
           <p:nvPr/>
         </p:nvSpPr>
         <p:spPr>
           <a:xfrm>
             <a:off x="504000" y="301320"/>
-            <a:ext cx="9072000" cy="1261800"/>
+            <a:ext cx="9071280" cy="1261080"/>
           </a:xfrm>
           <a:prstGeom prst="rect">
             <a:avLst/>
@@ -12650,6 +14272,12 @@
             <a:noFill/>
           </a:ln>
         </p:spPr>
+        <p:style>
+          <a:lnRef idx="0"/>
+          <a:fillRef idx="0"/>
+          <a:effectRef idx="0"/>
+          <a:fontRef idx="minor"/>
+        </p:style>
         <p:txBody>
           <a:bodyPr lIns="0" rIns="0" tIns="0" bIns="0" anchor="ctr"/>
           <a:p>
@@ -12664,33 +14292,34 @@
                   </a:solidFill>
                 </a:uFill>
                 <a:latin typeface="Arial"/>
+                <a:ea typeface="DejaVu Sans"/>
               </a:rPr>
               <a:t>Open Points</a:t>
             </a:r>
-            <a:endParaRPr b="0" lang="en-IN" sz="4400" spc="-1" strike="noStrike">
-              <a:solidFill>
-                <a:srgbClr val="000000"/>
-              </a:solidFill>
-              <a:uFill>
-                <a:solidFill>
-                  <a:srgbClr val="ffffff"/>
-                </a:solidFill>
-              </a:uFill>
-              <a:latin typeface="Arial"/>
-            </a:endParaRPr>
-          </a:p>
-        </p:txBody>
-      </p:sp>
-      <p:sp>
-        <p:nvSpPr>
-          <p:cNvPr id="320" name="TextShape 2"/>
-          <p:cNvSpPr txBox="1"/>
+            <a:endParaRPr b="0" lang="en-IN" sz="1800" spc="-1" strike="noStrike">
+              <a:solidFill>
+                <a:srgbClr val="000000"/>
+              </a:solidFill>
+              <a:uFill>
+                <a:solidFill>
+                  <a:srgbClr val="ffffff"/>
+                </a:solidFill>
+              </a:uFill>
+              <a:latin typeface="Arial"/>
+            </a:endParaRPr>
+          </a:p>
+        </p:txBody>
+      </p:sp>
+      <p:sp>
+        <p:nvSpPr>
+          <p:cNvPr id="356" name="CustomShape 2"/>
+          <p:cNvSpPr/>
           <p:nvPr/>
         </p:nvSpPr>
         <p:spPr>
           <a:xfrm>
             <a:off x="504000" y="1768680"/>
-            <a:ext cx="9072000" cy="4384080"/>
+            <a:ext cx="9071280" cy="4383360"/>
           </a:xfrm>
           <a:prstGeom prst="rect">
             <a:avLst/>
@@ -12700,10 +14329,19 @@
             <a:noFill/>
           </a:ln>
         </p:spPr>
+        <p:style>
+          <a:lnRef idx="0"/>
+          <a:fillRef idx="0"/>
+          <a:effectRef idx="0"/>
+          <a:fontRef idx="minor"/>
+        </p:style>
         <p:txBody>
           <a:bodyPr lIns="0" rIns="0" tIns="0" bIns="0"/>
           <a:p>
-            <a:pPr marL="432000" indent="-324000">
+            <a:pPr marL="432000" indent="-323280">
+              <a:lnSpc>
+                <a:spcPct val="100000"/>
+              </a:lnSpc>
               <a:buClr>
                 <a:srgbClr val="000000"/>
               </a:buClr>
@@ -12722,23 +14360,27 @@
                   </a:solidFill>
                 </a:uFill>
                 <a:latin typeface="Arial"/>
+                <a:ea typeface="DejaVu Sans"/>
               </a:rPr>
               <a:t>User-mgmt is not currently available in edge. So login feature can’t be supported.</a:t>
             </a:r>
-            <a:endParaRPr b="0" lang="en-IN" sz="3200" spc="-1" strike="noStrike">
-              <a:solidFill>
-                <a:srgbClr val="000000"/>
-              </a:solidFill>
-              <a:uFill>
-                <a:solidFill>
-                  <a:srgbClr val="ffffff"/>
-                </a:solidFill>
-              </a:uFill>
-              <a:latin typeface="Arial"/>
-            </a:endParaRPr>
-          </a:p>
-          <a:p>
-            <a:pPr marL="432000" indent="-324000">
+            <a:endParaRPr b="0" lang="en-IN" sz="1800" spc="-1" strike="noStrike">
+              <a:solidFill>
+                <a:srgbClr val="000000"/>
+              </a:solidFill>
+              <a:uFill>
+                <a:solidFill>
+                  <a:srgbClr val="ffffff"/>
+                </a:solidFill>
+              </a:uFill>
+              <a:latin typeface="Arial"/>
+            </a:endParaRPr>
+          </a:p>
+          <a:p>
+            <a:pPr marL="432000" indent="-323280">
+              <a:lnSpc>
+                <a:spcPct val="100000"/>
+              </a:lnSpc>
               <a:buClr>
                 <a:srgbClr val="000000"/>
               </a:buClr>
@@ -12757,23 +14399,27 @@
                   </a:solidFill>
                 </a:uFill>
                 <a:latin typeface="Arial"/>
+                <a:ea typeface="DejaVu Sans"/>
               </a:rPr>
               <a:t>User will have option to provide tenant id.</a:t>
             </a:r>
-            <a:endParaRPr b="0" lang="en-IN" sz="3200" spc="-1" strike="noStrike">
-              <a:solidFill>
-                <a:srgbClr val="000000"/>
-              </a:solidFill>
-              <a:uFill>
-                <a:solidFill>
-                  <a:srgbClr val="ffffff"/>
-                </a:solidFill>
-              </a:uFill>
-              <a:latin typeface="Arial"/>
-            </a:endParaRPr>
-          </a:p>
-          <a:p>
-            <a:pPr marL="432000" indent="-324000">
+            <a:endParaRPr b="0" lang="en-IN" sz="1800" spc="-1" strike="noStrike">
+              <a:solidFill>
+                <a:srgbClr val="000000"/>
+              </a:solidFill>
+              <a:uFill>
+                <a:solidFill>
+                  <a:srgbClr val="ffffff"/>
+                </a:solidFill>
+              </a:uFill>
+              <a:latin typeface="Arial"/>
+            </a:endParaRPr>
+          </a:p>
+          <a:p>
+            <a:pPr marL="432000" indent="-323280">
+              <a:lnSpc>
+                <a:spcPct val="100000"/>
+              </a:lnSpc>
               <a:buClr>
                 <a:srgbClr val="000000"/>
               </a:buClr>
@@ -12792,10 +14438,11 @@
                   </a:solidFill>
                 </a:uFill>
                 <a:latin typeface="Arial"/>
+                <a:ea typeface="DejaVu Sans"/>
               </a:rPr>
               <a:t>If tenant id is not provided, then mepm portal will use default tenant id to support syncronization.</a:t>
             </a:r>
-            <a:endParaRPr b="0" lang="en-IN" sz="3200" spc="-1" strike="noStrike">
+            <a:endParaRPr b="0" lang="en-IN" sz="1800" spc="-1" strike="noStrike">
               <a:solidFill>
                 <a:srgbClr val="000000"/>
               </a:solidFill>
@@ -12839,10 +14486,10 @@
   <p:timing>
     <p:tnLst>
       <p:par>
-        <p:cTn id="29" dur="indefinite" restart="never" nodeType="tmRoot">
+        <p:cTn id="3" dur="indefinite" restart="never" nodeType="tmRoot">
           <p:childTnLst>
             <p:seq>
-              <p:cTn id="30" nodeType="mainSeq"/>
+              <p:cTn id="4" nodeType="mainSeq"/>
               <p:prevCondLst>
                 <p:cond delay="0" evt="onPrev">
                   <p:tgtEl>
@@ -12885,14 +14532,14 @@
       </p:grpSpPr>
       <p:sp>
         <p:nvSpPr>
-          <p:cNvPr id="232" name="CustomShape 1"/>
+          <p:cNvPr id="268" name="CustomShape 1"/>
           <p:cNvSpPr/>
           <p:nvPr/>
         </p:nvSpPr>
         <p:spPr>
           <a:xfrm>
             <a:off x="504000" y="147600"/>
-            <a:ext cx="9284400" cy="938520"/>
+            <a:ext cx="9283680" cy="937800"/>
           </a:xfrm>
           <a:prstGeom prst="rect">
             <a:avLst/>
@@ -13019,14 +14666,14 @@
       </p:sp>
       <p:sp>
         <p:nvSpPr>
-          <p:cNvPr id="233" name="CustomShape 2"/>
+          <p:cNvPr id="269" name="CustomShape 2"/>
           <p:cNvSpPr/>
           <p:nvPr/>
         </p:nvSpPr>
         <p:spPr>
           <a:xfrm>
             <a:off x="477360" y="1037880"/>
-            <a:ext cx="9312840" cy="6231960"/>
+            <a:ext cx="9312120" cy="6231240"/>
           </a:xfrm>
           <a:prstGeom prst="rect">
             <a:avLst/>
@@ -13147,7 +14794,7 @@
             </a:endParaRPr>
           </a:p>
           <a:p>
-            <a:pPr marL="216000" indent="-213840">
+            <a:pPr marL="216000" indent="-213120">
               <a:lnSpc>
                 <a:spcPct val="100000"/>
               </a:lnSpc>
@@ -13258,7 +14905,7 @@
             </a:endParaRPr>
           </a:p>
           <a:p>
-            <a:pPr marL="216000" indent="-213840">
+            <a:pPr marL="216000" indent="-213120">
               <a:lnSpc>
                 <a:spcPct val="100000"/>
               </a:lnSpc>
@@ -13339,7 +14986,7 @@
             </a:endParaRPr>
           </a:p>
           <a:p>
-            <a:pPr marL="216000" indent="-213840">
+            <a:pPr marL="216000" indent="-213120">
               <a:lnSpc>
                 <a:spcPct val="100000"/>
               </a:lnSpc>
@@ -13636,7 +15283,7 @@
       </p:sp>
       <p:graphicFrame>
         <p:nvGraphicFramePr>
-          <p:cNvPr id="234" name="Table 3"/>
+          <p:cNvPr id="270" name="Table 3"/>
           <p:cNvGraphicFramePr/>
           <p:nvPr/>
         </p:nvGraphicFramePr>
@@ -14524,33 +16171,6 @@
       </p:graphicFrame>
     </p:spTree>
   </p:cSld>
-  <p:timing>
-    <p:tnLst>
-      <p:par>
-        <p:cTn id="3" dur="indefinite" restart="never" nodeType="tmRoot">
-          <p:childTnLst>
-            <p:seq>
-              <p:cTn id="4" nodeType="mainSeq"/>
-              <p:prevCondLst>
-                <p:cond delay="0" evt="onPrev">
-                  <p:tgtEl>
-                    <p:sldTgt/>
-                  </p:tgtEl>
-                </p:cond>
-              </p:prevCondLst>
-              <p:nextCondLst>
-                <p:cond delay="0" evt="onNext">
-                  <p:tgtEl>
-                    <p:sldTgt/>
-                  </p:tgtEl>
-                </p:cond>
-              </p:nextCondLst>
-            </p:seq>
-          </p:childTnLst>
-        </p:cTn>
-      </p:par>
-    </p:tnLst>
-  </p:timing>
 </p:sld>
 </file>
 
@@ -14573,14 +16193,14 @@
       </p:grpSpPr>
       <p:sp>
         <p:nvSpPr>
-          <p:cNvPr id="235" name="CustomShape 1"/>
+          <p:cNvPr id="271" name="CustomShape 1"/>
           <p:cNvSpPr/>
           <p:nvPr/>
         </p:nvSpPr>
         <p:spPr>
           <a:xfrm>
             <a:off x="944640" y="6091560"/>
-            <a:ext cx="4309560" cy="746640"/>
+            <a:ext cx="4308840" cy="745920"/>
           </a:xfrm>
           <a:prstGeom prst="rect">
             <a:avLst/>
@@ -14640,14 +16260,14 @@
       </p:sp>
       <p:sp>
         <p:nvSpPr>
-          <p:cNvPr id="236" name="CustomShape 2"/>
+          <p:cNvPr id="272" name="CustomShape 2"/>
           <p:cNvSpPr/>
           <p:nvPr/>
         </p:nvSpPr>
         <p:spPr>
           <a:xfrm>
             <a:off x="181440" y="792000"/>
-            <a:ext cx="5828760" cy="6260760"/>
+            <a:ext cx="5828040" cy="6260040"/>
           </a:xfrm>
           <a:prstGeom prst="rect">
             <a:avLst/>
@@ -14670,14 +16290,14 @@
       </p:sp>
       <p:sp>
         <p:nvSpPr>
-          <p:cNvPr id="237" name="CustomShape 3"/>
+          <p:cNvPr id="273" name="CustomShape 3"/>
           <p:cNvSpPr/>
           <p:nvPr/>
         </p:nvSpPr>
         <p:spPr>
           <a:xfrm>
             <a:off x="0" y="0"/>
-            <a:ext cx="8132760" cy="556200"/>
+            <a:ext cx="8132040" cy="555480"/>
           </a:xfrm>
           <a:prstGeom prst="rect">
             <a:avLst/>
@@ -14732,14 +16352,14 @@
       </p:sp>
       <p:sp>
         <p:nvSpPr>
-          <p:cNvPr id="238" name="CustomShape 4"/>
+          <p:cNvPr id="274" name="CustomShape 4"/>
           <p:cNvSpPr/>
           <p:nvPr/>
         </p:nvSpPr>
         <p:spPr>
           <a:xfrm>
             <a:off x="360000" y="1060560"/>
-            <a:ext cx="1091520" cy="2846880"/>
+            <a:ext cx="1090800" cy="2846160"/>
           </a:xfrm>
           <a:prstGeom prst="rect">
             <a:avLst/>
@@ -14763,14 +16383,14 @@
       </p:sp>
       <p:sp>
         <p:nvSpPr>
-          <p:cNvPr id="239" name="CustomShape 5"/>
+          <p:cNvPr id="275" name="CustomShape 5"/>
           <p:cNvSpPr/>
           <p:nvPr/>
         </p:nvSpPr>
         <p:spPr>
           <a:xfrm>
             <a:off x="-5441760" y="2586600"/>
-            <a:ext cx="2865960" cy="3848760"/>
+            <a:ext cx="2865240" cy="3848040"/>
           </a:xfrm>
           <a:prstGeom prst="rect">
             <a:avLst/>
@@ -14794,14 +16414,14 @@
       </p:sp>
       <p:sp>
         <p:nvSpPr>
-          <p:cNvPr id="240" name="CustomShape 6"/>
+          <p:cNvPr id="276" name="CustomShape 6"/>
           <p:cNvSpPr/>
           <p:nvPr/>
         </p:nvSpPr>
         <p:spPr>
           <a:xfrm>
             <a:off x="433080" y="2791080"/>
-            <a:ext cx="945720" cy="913320"/>
+            <a:ext cx="945000" cy="912600"/>
           </a:xfrm>
           <a:prstGeom prst="rect">
             <a:avLst/>
@@ -14861,14 +16481,14 @@
       </p:sp>
       <p:sp>
         <p:nvSpPr>
-          <p:cNvPr id="241" name="CustomShape 7"/>
+          <p:cNvPr id="277" name="CustomShape 7"/>
           <p:cNvSpPr/>
           <p:nvPr/>
         </p:nvSpPr>
         <p:spPr>
           <a:xfrm>
             <a:off x="433080" y="1722240"/>
-            <a:ext cx="945720" cy="811080"/>
+            <a:ext cx="945000" cy="810360"/>
           </a:xfrm>
           <a:prstGeom prst="rect">
             <a:avLst/>
@@ -14928,14 +16548,14 @@
       </p:sp>
       <p:sp>
         <p:nvSpPr>
-          <p:cNvPr id="242" name="CustomShape 8"/>
+          <p:cNvPr id="278" name="CustomShape 8"/>
           <p:cNvSpPr/>
           <p:nvPr/>
         </p:nvSpPr>
         <p:spPr>
           <a:xfrm>
             <a:off x="1539360" y="2027520"/>
-            <a:ext cx="2988720" cy="913320"/>
+            <a:ext cx="2988000" cy="912600"/>
           </a:xfrm>
           <a:prstGeom prst="rect">
             <a:avLst/>
@@ -14995,14 +16615,14 @@
       </p:sp>
       <p:sp>
         <p:nvSpPr>
-          <p:cNvPr id="243" name="CustomShape 9"/>
+          <p:cNvPr id="279" name="CustomShape 9"/>
           <p:cNvSpPr/>
           <p:nvPr/>
         </p:nvSpPr>
         <p:spPr>
           <a:xfrm>
             <a:off x="1539360" y="1060560"/>
-            <a:ext cx="1482840" cy="811080"/>
+            <a:ext cx="1482120" cy="810360"/>
           </a:xfrm>
           <a:prstGeom prst="rect">
             <a:avLst/>
@@ -15062,14 +16682,14 @@
       </p:sp>
       <p:sp>
         <p:nvSpPr>
-          <p:cNvPr id="244" name="CustomShape 10"/>
+          <p:cNvPr id="280" name="CustomShape 10"/>
           <p:cNvSpPr/>
           <p:nvPr/>
         </p:nvSpPr>
         <p:spPr>
           <a:xfrm>
             <a:off x="3144960" y="1060560"/>
-            <a:ext cx="1383480" cy="811080"/>
+            <a:ext cx="1382760" cy="810360"/>
           </a:xfrm>
           <a:prstGeom prst="rect">
             <a:avLst/>
@@ -15129,14 +16749,14 @@
       </p:sp>
       <p:sp>
         <p:nvSpPr>
-          <p:cNvPr id="245" name="CustomShape 11"/>
+          <p:cNvPr id="281" name="CustomShape 11"/>
           <p:cNvSpPr/>
           <p:nvPr/>
         </p:nvSpPr>
         <p:spPr>
           <a:xfrm>
             <a:off x="1539360" y="3096360"/>
-            <a:ext cx="1456560" cy="811080"/>
+            <a:ext cx="1455840" cy="810360"/>
           </a:xfrm>
           <a:prstGeom prst="rect">
             <a:avLst/>
@@ -15196,14 +16816,14 @@
       </p:sp>
       <p:sp>
         <p:nvSpPr>
-          <p:cNvPr id="246" name="CustomShape 12"/>
+          <p:cNvPr id="282" name="CustomShape 12"/>
           <p:cNvSpPr/>
           <p:nvPr/>
         </p:nvSpPr>
         <p:spPr>
           <a:xfrm>
             <a:off x="4604760" y="1060560"/>
-            <a:ext cx="1091520" cy="2846880"/>
+            <a:ext cx="1090800" cy="2846160"/>
           </a:xfrm>
           <a:prstGeom prst="rect">
             <a:avLst/>
@@ -15227,14 +16847,14 @@
       </p:sp>
       <p:sp>
         <p:nvSpPr>
-          <p:cNvPr id="247" name="CustomShape 13"/>
+          <p:cNvPr id="283" name="CustomShape 13"/>
           <p:cNvSpPr/>
           <p:nvPr/>
         </p:nvSpPr>
         <p:spPr>
           <a:xfrm rot="1200">
-            <a:off x="4784040" y="1017000"/>
-            <a:ext cx="836280" cy="547920"/>
+            <a:off x="4783320" y="1017000"/>
+            <a:ext cx="835560" cy="547200"/>
           </a:xfrm>
           <a:prstGeom prst="rect">
             <a:avLst/>
@@ -15289,14 +16909,14 @@
       </p:sp>
       <p:sp>
         <p:nvSpPr>
-          <p:cNvPr id="248" name="CustomShape 14"/>
+          <p:cNvPr id="284" name="CustomShape 14"/>
           <p:cNvSpPr/>
           <p:nvPr/>
         </p:nvSpPr>
         <p:spPr>
           <a:xfrm>
             <a:off x="4677840" y="2435040"/>
-            <a:ext cx="945720" cy="606600"/>
+            <a:ext cx="945000" cy="605880"/>
           </a:xfrm>
           <a:prstGeom prst="rect">
             <a:avLst/>
@@ -15356,14 +16976,14 @@
       </p:sp>
       <p:sp>
         <p:nvSpPr>
-          <p:cNvPr id="249" name="CustomShape 15"/>
+          <p:cNvPr id="285" name="CustomShape 15"/>
           <p:cNvSpPr/>
           <p:nvPr/>
         </p:nvSpPr>
         <p:spPr>
           <a:xfrm>
             <a:off x="4677840" y="1722240"/>
-            <a:ext cx="945720" cy="555840"/>
+            <a:ext cx="945000" cy="555120"/>
           </a:xfrm>
           <a:prstGeom prst="rect">
             <a:avLst/>
@@ -15423,14 +17043,14 @@
       </p:sp>
       <p:sp>
         <p:nvSpPr>
-          <p:cNvPr id="250" name="CustomShape 16"/>
+          <p:cNvPr id="286" name="CustomShape 16"/>
           <p:cNvSpPr/>
           <p:nvPr/>
         </p:nvSpPr>
         <p:spPr>
           <a:xfrm>
             <a:off x="3144960" y="3096360"/>
-            <a:ext cx="1383480" cy="811080"/>
+            <a:ext cx="1382760" cy="810360"/>
           </a:xfrm>
           <a:prstGeom prst="rect">
             <a:avLst/>
@@ -15490,14 +17110,14 @@
       </p:sp>
       <p:sp>
         <p:nvSpPr>
-          <p:cNvPr id="251" name="CustomShape 17"/>
+          <p:cNvPr id="287" name="CustomShape 17"/>
           <p:cNvSpPr/>
           <p:nvPr/>
         </p:nvSpPr>
         <p:spPr>
           <a:xfrm>
             <a:off x="4677840" y="3198600"/>
-            <a:ext cx="945720" cy="606600"/>
+            <a:ext cx="945000" cy="605880"/>
           </a:xfrm>
           <a:prstGeom prst="rect">
             <a:avLst/>
@@ -15557,14 +17177,14 @@
       </p:sp>
       <p:sp>
         <p:nvSpPr>
-          <p:cNvPr id="252" name="CustomShape 18"/>
+          <p:cNvPr id="288" name="CustomShape 18"/>
           <p:cNvSpPr/>
           <p:nvPr/>
         </p:nvSpPr>
         <p:spPr>
           <a:xfrm>
             <a:off x="2962440" y="6024240"/>
-            <a:ext cx="173160" cy="285120"/>
+            <a:ext cx="172440" cy="284400"/>
           </a:xfrm>
           <a:prstGeom prst="upDownArrow">
             <a:avLst>
@@ -15589,14 +17209,14 @@
       </p:sp>
       <p:sp>
         <p:nvSpPr>
-          <p:cNvPr id="253" name="CustomShape 19"/>
+          <p:cNvPr id="289" name="CustomShape 19"/>
           <p:cNvSpPr/>
           <p:nvPr/>
         </p:nvSpPr>
         <p:spPr>
           <a:xfrm>
             <a:off x="2962440" y="3864600"/>
-            <a:ext cx="173160" cy="285120"/>
+            <a:ext cx="172440" cy="284400"/>
           </a:xfrm>
           <a:prstGeom prst="upDownArrow">
             <a:avLst>
@@ -15621,14 +17241,14 @@
       </p:sp>
       <p:sp>
         <p:nvSpPr>
-          <p:cNvPr id="254" name="CustomShape 20"/>
+          <p:cNvPr id="290" name="CustomShape 20"/>
           <p:cNvSpPr/>
           <p:nvPr/>
         </p:nvSpPr>
         <p:spPr>
           <a:xfrm rot="1200">
-            <a:off x="393120" y="860760"/>
-            <a:ext cx="1098360" cy="547920"/>
+            <a:off x="392400" y="860040"/>
+            <a:ext cx="1097640" cy="547200"/>
           </a:xfrm>
           <a:prstGeom prst="rect">
             <a:avLst/>
@@ -15701,14 +17321,14 @@
       </p:sp>
       <p:sp>
         <p:nvSpPr>
-          <p:cNvPr id="255" name="CustomShape 21"/>
+          <p:cNvPr id="291" name="CustomShape 21"/>
           <p:cNvSpPr/>
           <p:nvPr/>
         </p:nvSpPr>
         <p:spPr>
           <a:xfrm>
             <a:off x="1028520" y="4209120"/>
-            <a:ext cx="4309560" cy="1754640"/>
+            <a:ext cx="4308840" cy="1753920"/>
           </a:xfrm>
           <a:prstGeom prst="rect">
             <a:avLst/>
@@ -15768,14 +17388,14 @@
       </p:sp>
       <p:sp>
         <p:nvSpPr>
-          <p:cNvPr id="256" name="CustomShape 22"/>
+          <p:cNvPr id="292" name="CustomShape 22"/>
           <p:cNvSpPr/>
           <p:nvPr/>
         </p:nvSpPr>
         <p:spPr>
           <a:xfrm>
             <a:off x="2561400" y="4154040"/>
-            <a:ext cx="1091160" cy="403200"/>
+            <a:ext cx="1090440" cy="402480"/>
           </a:xfrm>
           <a:prstGeom prst="rect">
             <a:avLst/>
@@ -15830,14 +17450,14 @@
       </p:sp>
       <p:sp>
         <p:nvSpPr>
-          <p:cNvPr id="257" name="CustomShape 23"/>
+          <p:cNvPr id="293" name="CustomShape 23"/>
           <p:cNvSpPr/>
           <p:nvPr/>
         </p:nvSpPr>
         <p:spPr>
           <a:xfrm>
             <a:off x="4035600" y="4491720"/>
-            <a:ext cx="1238040" cy="1471320"/>
+            <a:ext cx="1237320" cy="1470600"/>
           </a:xfrm>
           <a:prstGeom prst="rect">
             <a:avLst/>
@@ -15897,14 +17517,14 @@
       </p:sp>
       <p:sp>
         <p:nvSpPr>
-          <p:cNvPr id="258" name="CustomShape 24"/>
+          <p:cNvPr id="294" name="CustomShape 24"/>
           <p:cNvSpPr/>
           <p:nvPr/>
         </p:nvSpPr>
         <p:spPr>
           <a:xfrm>
             <a:off x="1163160" y="5328720"/>
-            <a:ext cx="701640" cy="561960"/>
+            <a:ext cx="700920" cy="561240"/>
           </a:xfrm>
           <a:prstGeom prst="rect">
             <a:avLst/>
@@ -15964,14 +17584,14 @@
       </p:sp>
       <p:sp>
         <p:nvSpPr>
-          <p:cNvPr id="259" name="CustomShape 25"/>
+          <p:cNvPr id="295" name="CustomShape 25"/>
           <p:cNvSpPr/>
           <p:nvPr/>
         </p:nvSpPr>
         <p:spPr>
           <a:xfrm>
             <a:off x="1164240" y="4882680"/>
-            <a:ext cx="1456560" cy="403200"/>
+            <a:ext cx="1455840" cy="402480"/>
           </a:xfrm>
           <a:prstGeom prst="rect">
             <a:avLst/>
@@ -16031,14 +17651,14 @@
       </p:sp>
       <p:sp>
         <p:nvSpPr>
-          <p:cNvPr id="260" name="CustomShape 26"/>
+          <p:cNvPr id="296" name="CustomShape 26"/>
           <p:cNvSpPr/>
           <p:nvPr/>
         </p:nvSpPr>
         <p:spPr>
           <a:xfrm>
             <a:off x="1919160" y="5328720"/>
-            <a:ext cx="701640" cy="561960"/>
+            <a:ext cx="700920" cy="561240"/>
           </a:xfrm>
           <a:prstGeom prst="rect">
             <a:avLst/>
@@ -16098,14 +17718,14 @@
       </p:sp>
       <p:sp>
         <p:nvSpPr>
-          <p:cNvPr id="261" name="CustomShape 27"/>
+          <p:cNvPr id="297" name="CustomShape 27"/>
           <p:cNvSpPr/>
           <p:nvPr/>
         </p:nvSpPr>
         <p:spPr>
           <a:xfrm>
             <a:off x="360000" y="1060560"/>
-            <a:ext cx="1091520" cy="2846880"/>
+            <a:ext cx="1090800" cy="2846160"/>
           </a:xfrm>
           <a:prstGeom prst="rect">
             <a:avLst/>
@@ -16129,14 +17749,14 @@
       </p:sp>
       <p:sp>
         <p:nvSpPr>
-          <p:cNvPr id="262" name="CustomShape 28"/>
+          <p:cNvPr id="298" name="CustomShape 28"/>
           <p:cNvSpPr/>
           <p:nvPr/>
         </p:nvSpPr>
         <p:spPr>
           <a:xfrm>
             <a:off x="433080" y="2791080"/>
-            <a:ext cx="945720" cy="913320"/>
+            <a:ext cx="945000" cy="912600"/>
           </a:xfrm>
           <a:prstGeom prst="rect">
             <a:avLst/>
@@ -16196,14 +17816,14 @@
       </p:sp>
       <p:sp>
         <p:nvSpPr>
-          <p:cNvPr id="263" name="CustomShape 29"/>
+          <p:cNvPr id="299" name="CustomShape 29"/>
           <p:cNvSpPr/>
           <p:nvPr/>
         </p:nvSpPr>
         <p:spPr>
           <a:xfrm>
             <a:off x="433080" y="1722240"/>
-            <a:ext cx="945720" cy="811080"/>
+            <a:ext cx="945000" cy="810360"/>
           </a:xfrm>
           <a:prstGeom prst="rect">
             <a:avLst/>
@@ -16263,14 +17883,14 @@
       </p:sp>
       <p:sp>
         <p:nvSpPr>
-          <p:cNvPr id="264" name="CustomShape 30"/>
+          <p:cNvPr id="300" name="CustomShape 30"/>
           <p:cNvSpPr/>
           <p:nvPr/>
         </p:nvSpPr>
         <p:spPr>
           <a:xfrm>
             <a:off x="1539360" y="1060560"/>
-            <a:ext cx="1482840" cy="811080"/>
+            <a:ext cx="1482120" cy="810360"/>
           </a:xfrm>
           <a:prstGeom prst="rect">
             <a:avLst/>
@@ -16330,14 +17950,14 @@
       </p:sp>
       <p:sp>
         <p:nvSpPr>
-          <p:cNvPr id="265" name="CustomShape 31"/>
+          <p:cNvPr id="301" name="CustomShape 31"/>
           <p:cNvSpPr/>
           <p:nvPr/>
         </p:nvSpPr>
         <p:spPr>
           <a:xfrm>
             <a:off x="3144960" y="1060560"/>
-            <a:ext cx="1383480" cy="811080"/>
+            <a:ext cx="1382760" cy="810360"/>
           </a:xfrm>
           <a:prstGeom prst="rect">
             <a:avLst/>
@@ -16397,14 +18017,14 @@
       </p:sp>
       <p:sp>
         <p:nvSpPr>
-          <p:cNvPr id="266" name="CustomShape 32"/>
+          <p:cNvPr id="302" name="CustomShape 32"/>
           <p:cNvSpPr/>
           <p:nvPr/>
         </p:nvSpPr>
         <p:spPr>
           <a:xfrm>
             <a:off x="1539360" y="3096360"/>
-            <a:ext cx="1456560" cy="811080"/>
+            <a:ext cx="1455840" cy="810360"/>
           </a:xfrm>
           <a:prstGeom prst="rect">
             <a:avLst/>
@@ -16464,14 +18084,14 @@
       </p:sp>
       <p:sp>
         <p:nvSpPr>
-          <p:cNvPr id="267" name="CustomShape 33"/>
+          <p:cNvPr id="303" name="CustomShape 33"/>
           <p:cNvSpPr/>
           <p:nvPr/>
         </p:nvSpPr>
         <p:spPr>
           <a:xfrm>
             <a:off x="4604760" y="1060560"/>
-            <a:ext cx="1091520" cy="2846880"/>
+            <a:ext cx="1090800" cy="2846160"/>
           </a:xfrm>
           <a:prstGeom prst="rect">
             <a:avLst/>
@@ -16495,14 +18115,14 @@
       </p:sp>
       <p:sp>
         <p:nvSpPr>
-          <p:cNvPr id="268" name="CustomShape 34"/>
+          <p:cNvPr id="304" name="CustomShape 34"/>
           <p:cNvSpPr/>
           <p:nvPr/>
         </p:nvSpPr>
         <p:spPr>
           <a:xfrm rot="1200">
-            <a:off x="4784040" y="1017000"/>
-            <a:ext cx="836280" cy="547920"/>
+            <a:off x="4783320" y="1017000"/>
+            <a:ext cx="835560" cy="547200"/>
           </a:xfrm>
           <a:prstGeom prst="rect">
             <a:avLst/>
@@ -16557,14 +18177,14 @@
       </p:sp>
       <p:sp>
         <p:nvSpPr>
-          <p:cNvPr id="269" name="CustomShape 35"/>
+          <p:cNvPr id="305" name="CustomShape 35"/>
           <p:cNvSpPr/>
           <p:nvPr/>
         </p:nvSpPr>
         <p:spPr>
           <a:xfrm>
             <a:off x="4677840" y="2435040"/>
-            <a:ext cx="945720" cy="606600"/>
+            <a:ext cx="945000" cy="605880"/>
           </a:xfrm>
           <a:prstGeom prst="rect">
             <a:avLst/>
@@ -16624,14 +18244,14 @@
       </p:sp>
       <p:sp>
         <p:nvSpPr>
-          <p:cNvPr id="270" name="CustomShape 36"/>
+          <p:cNvPr id="306" name="CustomShape 36"/>
           <p:cNvSpPr/>
           <p:nvPr/>
         </p:nvSpPr>
         <p:spPr>
           <a:xfrm>
             <a:off x="4677840" y="1722240"/>
-            <a:ext cx="945720" cy="555840"/>
+            <a:ext cx="945000" cy="555120"/>
           </a:xfrm>
           <a:prstGeom prst="rect">
             <a:avLst/>
@@ -16691,14 +18311,14 @@
       </p:sp>
       <p:sp>
         <p:nvSpPr>
-          <p:cNvPr id="271" name="CustomShape 37"/>
+          <p:cNvPr id="307" name="CustomShape 37"/>
           <p:cNvSpPr/>
           <p:nvPr/>
         </p:nvSpPr>
         <p:spPr>
           <a:xfrm>
             <a:off x="4677840" y="3198600"/>
-            <a:ext cx="945720" cy="606600"/>
+            <a:ext cx="945000" cy="605880"/>
           </a:xfrm>
           <a:prstGeom prst="rect">
             <a:avLst/>
@@ -16758,14 +18378,14 @@
       </p:sp>
       <p:sp>
         <p:nvSpPr>
-          <p:cNvPr id="272" name="CustomShape 38"/>
+          <p:cNvPr id="308" name="CustomShape 38"/>
           <p:cNvSpPr/>
           <p:nvPr/>
         </p:nvSpPr>
         <p:spPr>
           <a:xfrm>
             <a:off x="1171800" y="6348600"/>
-            <a:ext cx="1778400" cy="489600"/>
+            <a:ext cx="1777680" cy="488880"/>
           </a:xfrm>
           <a:prstGeom prst="rect">
             <a:avLst/>
@@ -16823,14 +18443,14 @@
       </p:sp>
       <p:sp>
         <p:nvSpPr>
-          <p:cNvPr id="273" name="CustomShape 39"/>
+          <p:cNvPr id="309" name="CustomShape 39"/>
           <p:cNvSpPr/>
           <p:nvPr/>
         </p:nvSpPr>
         <p:spPr>
           <a:xfrm>
             <a:off x="2962440" y="6024240"/>
-            <a:ext cx="173160" cy="285120"/>
+            <a:ext cx="172440" cy="284400"/>
           </a:xfrm>
           <a:prstGeom prst="upDownArrow">
             <a:avLst>
@@ -16855,14 +18475,14 @@
       </p:sp>
       <p:sp>
         <p:nvSpPr>
-          <p:cNvPr id="274" name="CustomShape 40"/>
+          <p:cNvPr id="310" name="CustomShape 40"/>
           <p:cNvSpPr/>
           <p:nvPr/>
         </p:nvSpPr>
         <p:spPr>
           <a:xfrm>
             <a:off x="2962440" y="3864600"/>
-            <a:ext cx="173160" cy="285120"/>
+            <a:ext cx="172440" cy="284400"/>
           </a:xfrm>
           <a:prstGeom prst="upDownArrow">
             <a:avLst>
@@ -16887,14 +18507,14 @@
       </p:sp>
       <p:sp>
         <p:nvSpPr>
-          <p:cNvPr id="275" name="CustomShape 41"/>
+          <p:cNvPr id="311" name="CustomShape 41"/>
           <p:cNvSpPr/>
           <p:nvPr/>
         </p:nvSpPr>
         <p:spPr>
           <a:xfrm rot="1200">
-            <a:off x="393120" y="860760"/>
-            <a:ext cx="1098360" cy="547920"/>
+            <a:off x="392400" y="860040"/>
+            <a:ext cx="1097640" cy="547200"/>
           </a:xfrm>
           <a:prstGeom prst="rect">
             <a:avLst/>
@@ -16967,14 +18587,14 @@
       </p:sp>
       <p:sp>
         <p:nvSpPr>
-          <p:cNvPr id="276" name="CustomShape 42"/>
+          <p:cNvPr id="312" name="CustomShape 42"/>
           <p:cNvSpPr/>
           <p:nvPr/>
         </p:nvSpPr>
         <p:spPr>
           <a:xfrm>
             <a:off x="2561400" y="4154040"/>
-            <a:ext cx="1091160" cy="403200"/>
+            <a:ext cx="1090440" cy="402480"/>
           </a:xfrm>
           <a:prstGeom prst="rect">
             <a:avLst/>
@@ -17029,14 +18649,14 @@
       </p:sp>
       <p:sp>
         <p:nvSpPr>
-          <p:cNvPr id="277" name="CustomShape 43"/>
+          <p:cNvPr id="313" name="CustomShape 43"/>
           <p:cNvSpPr/>
           <p:nvPr/>
         </p:nvSpPr>
         <p:spPr>
           <a:xfrm>
             <a:off x="2735640" y="4752000"/>
-            <a:ext cx="1238040" cy="1211040"/>
+            <a:ext cx="1237320" cy="1210320"/>
           </a:xfrm>
           <a:prstGeom prst="rect">
             <a:avLst/>
@@ -17096,14 +18716,14 @@
       </p:sp>
       <p:sp>
         <p:nvSpPr>
-          <p:cNvPr id="278" name="CustomShape 44"/>
+          <p:cNvPr id="314" name="CustomShape 44"/>
           <p:cNvSpPr/>
           <p:nvPr/>
         </p:nvSpPr>
         <p:spPr>
           <a:xfrm>
             <a:off x="1079280" y="4752000"/>
-            <a:ext cx="1595880" cy="1211040"/>
+            <a:ext cx="1595160" cy="1210320"/>
           </a:xfrm>
           <a:prstGeom prst="rect">
             <a:avLst/>
@@ -17163,14 +18783,14 @@
       </p:sp>
       <p:sp>
         <p:nvSpPr>
-          <p:cNvPr id="279" name="CustomShape 45"/>
+          <p:cNvPr id="315" name="CustomShape 45"/>
           <p:cNvSpPr/>
           <p:nvPr/>
         </p:nvSpPr>
         <p:spPr>
           <a:xfrm>
             <a:off x="4035600" y="4752000"/>
-            <a:ext cx="1238040" cy="1211040"/>
+            <a:ext cx="1237320" cy="1210320"/>
           </a:xfrm>
           <a:prstGeom prst="rect">
             <a:avLst/>
@@ -17230,14 +18850,14 @@
       </p:sp>
       <p:sp>
         <p:nvSpPr>
-          <p:cNvPr id="280" name="CustomShape 46"/>
+          <p:cNvPr id="316" name="CustomShape 46"/>
           <p:cNvSpPr/>
           <p:nvPr/>
         </p:nvSpPr>
         <p:spPr>
           <a:xfrm>
             <a:off x="1163160" y="5328720"/>
-            <a:ext cx="701640" cy="561960"/>
+            <a:ext cx="700920" cy="561240"/>
           </a:xfrm>
           <a:prstGeom prst="rect">
             <a:avLst/>
@@ -17297,14 +18917,14 @@
       </p:sp>
       <p:sp>
         <p:nvSpPr>
-          <p:cNvPr id="281" name="CustomShape 47"/>
+          <p:cNvPr id="317" name="CustomShape 47"/>
           <p:cNvSpPr/>
           <p:nvPr/>
         </p:nvSpPr>
         <p:spPr>
           <a:xfrm>
             <a:off x="1164240" y="5040000"/>
-            <a:ext cx="1456560" cy="245880"/>
+            <a:ext cx="1455840" cy="245160"/>
           </a:xfrm>
           <a:prstGeom prst="rect">
             <a:avLst/>
@@ -17364,14 +18984,14 @@
       </p:sp>
       <p:sp>
         <p:nvSpPr>
-          <p:cNvPr id="282" name="CustomShape 48"/>
+          <p:cNvPr id="318" name="CustomShape 48"/>
           <p:cNvSpPr/>
           <p:nvPr/>
         </p:nvSpPr>
         <p:spPr>
           <a:xfrm>
             <a:off x="1919160" y="5328720"/>
-            <a:ext cx="701640" cy="561960"/>
+            <a:ext cx="700920" cy="561240"/>
           </a:xfrm>
           <a:prstGeom prst="rect">
             <a:avLst/>
@@ -17431,14 +19051,14 @@
       </p:sp>
       <p:sp>
         <p:nvSpPr>
-          <p:cNvPr id="283" name="CustomShape 49"/>
+          <p:cNvPr id="319" name="CustomShape 49"/>
           <p:cNvSpPr/>
           <p:nvPr/>
         </p:nvSpPr>
         <p:spPr>
           <a:xfrm>
             <a:off x="432000" y="7200000"/>
-            <a:ext cx="212760" cy="212760"/>
+            <a:ext cx="212040" cy="212040"/>
           </a:xfrm>
           <a:prstGeom prst="rect">
             <a:avLst/>
@@ -17461,14 +19081,14 @@
       </p:sp>
       <p:sp>
         <p:nvSpPr>
-          <p:cNvPr id="284" name="CustomShape 50"/>
+          <p:cNvPr id="320" name="CustomShape 50"/>
           <p:cNvSpPr/>
           <p:nvPr/>
         </p:nvSpPr>
         <p:spPr>
           <a:xfrm>
             <a:off x="792000" y="7128000"/>
-            <a:ext cx="1580760" cy="343080"/>
+            <a:ext cx="1580040" cy="342360"/>
           </a:xfrm>
           <a:prstGeom prst="rect">
             <a:avLst/>
@@ -17518,14 +19138,14 @@
       </p:sp>
       <p:sp>
         <p:nvSpPr>
-          <p:cNvPr id="285" name="CustomShape 51"/>
+          <p:cNvPr id="321" name="CustomShape 51"/>
           <p:cNvSpPr/>
           <p:nvPr/>
         </p:nvSpPr>
         <p:spPr>
           <a:xfrm>
             <a:off x="432000" y="7200000"/>
-            <a:ext cx="212760" cy="212760"/>
+            <a:ext cx="212040" cy="212040"/>
           </a:xfrm>
           <a:prstGeom prst="rect">
             <a:avLst/>
@@ -17548,14 +19168,14 @@
       </p:sp>
       <p:sp>
         <p:nvSpPr>
-          <p:cNvPr id="286" name="CustomShape 52"/>
+          <p:cNvPr id="322" name="CustomShape 52"/>
           <p:cNvSpPr/>
           <p:nvPr/>
         </p:nvSpPr>
         <p:spPr>
           <a:xfrm>
             <a:off x="432000" y="7200000"/>
-            <a:ext cx="212760" cy="212760"/>
+            <a:ext cx="212040" cy="212040"/>
           </a:xfrm>
           <a:prstGeom prst="rect">
             <a:avLst/>
@@ -17578,14 +19198,14 @@
       </p:sp>
       <p:sp>
         <p:nvSpPr>
-          <p:cNvPr id="287" name="CustomShape 53"/>
+          <p:cNvPr id="323" name="CustomShape 53"/>
           <p:cNvSpPr/>
           <p:nvPr/>
         </p:nvSpPr>
         <p:spPr>
           <a:xfrm>
             <a:off x="432000" y="7200000"/>
-            <a:ext cx="212760" cy="212760"/>
+            <a:ext cx="212040" cy="212040"/>
           </a:xfrm>
           <a:prstGeom prst="rect">
             <a:avLst/>
@@ -17608,14 +19228,14 @@
       </p:sp>
       <p:sp>
         <p:nvSpPr>
-          <p:cNvPr id="288" name="CustomShape 54"/>
+          <p:cNvPr id="324" name="CustomShape 54"/>
           <p:cNvSpPr/>
           <p:nvPr/>
         </p:nvSpPr>
         <p:spPr>
           <a:xfrm>
             <a:off x="2664000" y="7200000"/>
-            <a:ext cx="212760" cy="212760"/>
+            <a:ext cx="212040" cy="212040"/>
           </a:xfrm>
           <a:prstGeom prst="rect">
             <a:avLst/>
@@ -17638,14 +19258,14 @@
       </p:sp>
       <p:sp>
         <p:nvSpPr>
-          <p:cNvPr id="289" name="CustomShape 55"/>
+          <p:cNvPr id="325" name="CustomShape 55"/>
           <p:cNvSpPr/>
           <p:nvPr/>
         </p:nvSpPr>
         <p:spPr>
           <a:xfrm>
             <a:off x="2897640" y="7164000"/>
-            <a:ext cx="2012760" cy="500760"/>
+            <a:ext cx="2012040" cy="500040"/>
           </a:xfrm>
           <a:prstGeom prst="rect">
             <a:avLst/>
@@ -17695,14 +19315,14 @@
       </p:sp>
       <p:sp>
         <p:nvSpPr>
-          <p:cNvPr id="290" name="CustomShape 56"/>
+          <p:cNvPr id="326" name="CustomShape 56"/>
           <p:cNvSpPr/>
           <p:nvPr/>
         </p:nvSpPr>
         <p:spPr>
           <a:xfrm>
             <a:off x="6408000" y="1080000"/>
-            <a:ext cx="3308760" cy="4438440"/>
+            <a:ext cx="3308040" cy="4437720"/>
           </a:xfrm>
           <a:prstGeom prst="rect">
             <a:avLst/>
@@ -17888,14 +19508,14 @@
       </p:sp>
       <p:sp>
         <p:nvSpPr>
-          <p:cNvPr id="291" name="CustomShape 57"/>
+          <p:cNvPr id="327" name="CustomShape 57"/>
           <p:cNvSpPr/>
           <p:nvPr/>
         </p:nvSpPr>
         <p:spPr>
           <a:xfrm>
             <a:off x="1164240" y="5040000"/>
-            <a:ext cx="1456560" cy="245880"/>
+            <a:ext cx="1455840" cy="245160"/>
           </a:xfrm>
           <a:prstGeom prst="rect">
             <a:avLst/>
@@ -17955,14 +19575,14 @@
       </p:sp>
       <p:sp>
         <p:nvSpPr>
-          <p:cNvPr id="292" name="CustomShape 58"/>
+          <p:cNvPr id="328" name="CustomShape 58"/>
           <p:cNvSpPr/>
           <p:nvPr/>
         </p:nvSpPr>
         <p:spPr>
           <a:xfrm>
             <a:off x="1164240" y="5040000"/>
-            <a:ext cx="1456560" cy="245880"/>
+            <a:ext cx="1455840" cy="245160"/>
           </a:xfrm>
           <a:prstGeom prst="rect">
             <a:avLst/>
@@ -18022,14 +19642,14 @@
       </p:sp>
       <p:sp>
         <p:nvSpPr>
-          <p:cNvPr id="293" name="CustomShape 59"/>
+          <p:cNvPr id="329" name="CustomShape 59"/>
           <p:cNvSpPr/>
           <p:nvPr/>
         </p:nvSpPr>
         <p:spPr>
           <a:xfrm>
             <a:off x="1079280" y="4392000"/>
-            <a:ext cx="4194360" cy="245880"/>
+            <a:ext cx="4193640" cy="245160"/>
           </a:xfrm>
           <a:prstGeom prst="rect">
             <a:avLst/>
@@ -18089,14 +19709,14 @@
       </p:sp>
       <p:sp>
         <p:nvSpPr>
-          <p:cNvPr id="294" name="CustomShape 60"/>
+          <p:cNvPr id="330" name="CustomShape 60"/>
           <p:cNvSpPr/>
           <p:nvPr/>
         </p:nvSpPr>
         <p:spPr>
           <a:xfrm>
             <a:off x="3259800" y="6333120"/>
-            <a:ext cx="1778400" cy="505080"/>
+            <a:ext cx="1777680" cy="504360"/>
           </a:xfrm>
           <a:prstGeom prst="rect">
             <a:avLst/>
@@ -18154,33 +19774,6 @@
       </p:sp>
     </p:spTree>
   </p:cSld>
-  <p:timing>
-    <p:tnLst>
-      <p:par>
-        <p:cTn id="5" dur="indefinite" restart="never" nodeType="tmRoot">
-          <p:childTnLst>
-            <p:seq>
-              <p:cTn id="6" nodeType="mainSeq"/>
-              <p:prevCondLst>
-                <p:cond delay="0" evt="onPrev">
-                  <p:tgtEl>
-                    <p:sldTgt/>
-                  </p:tgtEl>
-                </p:cond>
-              </p:prevCondLst>
-              <p:nextCondLst>
-                <p:cond delay="0" evt="onNext">
-                  <p:tgtEl>
-                    <p:sldTgt/>
-                  </p:tgtEl>
-                </p:cond>
-              </p:nextCondLst>
-            </p:seq>
-          </p:childTnLst>
-        </p:cTn>
-      </p:par>
-    </p:tnLst>
-  </p:timing>
 </p:sld>
 </file>
 
@@ -18203,14 +19796,14 @@
       </p:grpSpPr>
       <p:sp>
         <p:nvSpPr>
-          <p:cNvPr id="295" name="CustomShape 1"/>
+          <p:cNvPr id="331" name="CustomShape 1"/>
           <p:cNvSpPr/>
           <p:nvPr/>
         </p:nvSpPr>
         <p:spPr>
           <a:xfrm>
             <a:off x="504000" y="147600"/>
-            <a:ext cx="9284760" cy="938880"/>
+            <a:ext cx="9284040" cy="938160"/>
           </a:xfrm>
           <a:prstGeom prst="rect">
             <a:avLst/>
@@ -18265,7 +19858,7 @@
       </p:sp>
       <p:pic>
         <p:nvPicPr>
-          <p:cNvPr id="296" name="" descr=""/>
+          <p:cNvPr id="332" name="" descr=""/>
           <p:cNvPicPr/>
           <p:nvPr/>
         </p:nvPicPr>
@@ -18276,7 +19869,7 @@
         <p:spPr>
           <a:xfrm>
             <a:off x="363600" y="1227240"/>
-            <a:ext cx="9354600" cy="4894200"/>
+            <a:ext cx="9353880" cy="4893480"/>
           </a:xfrm>
           <a:prstGeom prst="rect">
             <a:avLst/>
@@ -18288,14 +19881,14 @@
       </p:pic>
       <p:sp>
         <p:nvSpPr>
-          <p:cNvPr id="297" name="CustomShape 2"/>
+          <p:cNvPr id="333" name="CustomShape 2"/>
           <p:cNvSpPr/>
           <p:nvPr/>
         </p:nvSpPr>
         <p:spPr>
           <a:xfrm>
             <a:off x="432000" y="6408000"/>
-            <a:ext cx="8998200" cy="344520"/>
+            <a:ext cx="8997480" cy="343800"/>
           </a:xfrm>
           <a:prstGeom prst="rect">
             <a:avLst/>
@@ -18345,33 +19938,6 @@
       </p:sp>
     </p:spTree>
   </p:cSld>
-  <p:timing>
-    <p:tnLst>
-      <p:par>
-        <p:cTn id="7" dur="indefinite" restart="never" nodeType="tmRoot">
-          <p:childTnLst>
-            <p:seq>
-              <p:cTn id="8" nodeType="mainSeq"/>
-              <p:prevCondLst>
-                <p:cond delay="0" evt="onPrev">
-                  <p:tgtEl>
-                    <p:sldTgt/>
-                  </p:tgtEl>
-                </p:cond>
-              </p:prevCondLst>
-              <p:nextCondLst>
-                <p:cond delay="0" evt="onNext">
-                  <p:tgtEl>
-                    <p:sldTgt/>
-                  </p:tgtEl>
-                </p:cond>
-              </p:nextCondLst>
-            </p:seq>
-          </p:childTnLst>
-        </p:cTn>
-      </p:par>
-    </p:tnLst>
-  </p:timing>
 </p:sld>
 </file>
 
@@ -18394,14 +19960,14 @@
       </p:grpSpPr>
       <p:sp>
         <p:nvSpPr>
-          <p:cNvPr id="298" name="CustomShape 1"/>
+          <p:cNvPr id="334" name="CustomShape 1"/>
           <p:cNvSpPr/>
           <p:nvPr/>
         </p:nvSpPr>
         <p:spPr>
           <a:xfrm>
             <a:off x="504000" y="-68400"/>
-            <a:ext cx="9284400" cy="938520"/>
+            <a:ext cx="9283680" cy="937800"/>
           </a:xfrm>
           <a:prstGeom prst="rect">
             <a:avLst/>
@@ -18456,14 +20022,14 @@
       </p:sp>
       <p:sp>
         <p:nvSpPr>
-          <p:cNvPr id="299" name="CustomShape 2"/>
+          <p:cNvPr id="335" name="CustomShape 2"/>
           <p:cNvSpPr/>
           <p:nvPr/>
         </p:nvSpPr>
         <p:spPr>
           <a:xfrm>
             <a:off x="504000" y="720000"/>
-            <a:ext cx="8997480" cy="6964200"/>
+            <a:ext cx="8996760" cy="6963480"/>
           </a:xfrm>
           <a:prstGeom prst="rect">
             <a:avLst/>
@@ -18482,7 +20048,7 @@
         <p:txBody>
           <a:bodyPr lIns="90000" rIns="90000" tIns="45000" bIns="45000"/>
           <a:p>
-            <a:pPr marL="216000" indent="-213840">
+            <a:pPr marL="216000" indent="-213120">
               <a:lnSpc>
                 <a:spcPct val="100000"/>
               </a:lnSpc>
@@ -18518,7 +20084,7 @@
             </a:endParaRPr>
           </a:p>
           <a:p>
-            <a:pPr lvl="1" marL="432000" indent="-213840">
+            <a:pPr lvl="1" marL="432000" indent="-213120">
               <a:lnSpc>
                 <a:spcPct val="100000"/>
               </a:lnSpc>
@@ -18554,7 +20120,7 @@
             </a:endParaRPr>
           </a:p>
           <a:p>
-            <a:pPr marL="216000" indent="-213840">
+            <a:pPr marL="216000" indent="-213120">
               <a:lnSpc>
                 <a:spcPct val="100000"/>
               </a:lnSpc>
@@ -18590,7 +20156,7 @@
             </a:endParaRPr>
           </a:p>
           <a:p>
-            <a:pPr lvl="1" marL="432000" indent="-213840">
+            <a:pPr lvl="1" marL="432000" indent="-213120">
               <a:lnSpc>
                 <a:spcPct val="100000"/>
               </a:lnSpc>
@@ -18626,7 +20192,7 @@
             </a:endParaRPr>
           </a:p>
           <a:p>
-            <a:pPr lvl="1" marL="432000" indent="-213840">
+            <a:pPr lvl="1" marL="432000" indent="-213120">
               <a:lnSpc>
                 <a:spcPct val="100000"/>
               </a:lnSpc>
@@ -18662,7 +20228,7 @@
             </a:endParaRPr>
           </a:p>
           <a:p>
-            <a:pPr lvl="1" marL="432000" indent="-213840">
+            <a:pPr lvl="1" marL="432000" indent="-213120">
               <a:lnSpc>
                 <a:spcPct val="100000"/>
               </a:lnSpc>
@@ -18698,7 +20264,7 @@
             </a:endParaRPr>
           </a:p>
           <a:p>
-            <a:pPr lvl="1" marL="432000" indent="-213840">
+            <a:pPr lvl="1" marL="432000" indent="-213120">
               <a:lnSpc>
                 <a:spcPct val="100000"/>
               </a:lnSpc>
@@ -18734,7 +20300,7 @@
             </a:endParaRPr>
           </a:p>
           <a:p>
-            <a:pPr lvl="1" marL="432000" indent="-213840">
+            <a:pPr lvl="1" marL="432000" indent="-213120">
               <a:lnSpc>
                 <a:spcPct val="100000"/>
               </a:lnSpc>
@@ -18770,7 +20336,7 @@
             </a:endParaRPr>
           </a:p>
           <a:p>
-            <a:pPr lvl="1" marL="432000" indent="-213840">
+            <a:pPr lvl="1" marL="432000" indent="-213120">
               <a:lnSpc>
                 <a:spcPct val="100000"/>
               </a:lnSpc>
@@ -18806,7 +20372,7 @@
             </a:endParaRPr>
           </a:p>
           <a:p>
-            <a:pPr marL="216000" indent="-213840">
+            <a:pPr marL="216000" indent="-213120">
               <a:lnSpc>
                 <a:spcPct val="100000"/>
               </a:lnSpc>
@@ -18842,7 +20408,7 @@
             </a:endParaRPr>
           </a:p>
           <a:p>
-            <a:pPr lvl="1" marL="432000" indent="-213840">
+            <a:pPr lvl="1" marL="432000" indent="-213120">
               <a:lnSpc>
                 <a:spcPct val="100000"/>
               </a:lnSpc>
@@ -18878,7 +20444,7 @@
             </a:endParaRPr>
           </a:p>
           <a:p>
-            <a:pPr lvl="1" marL="432000" indent="-213840">
+            <a:pPr lvl="1" marL="432000" indent="-213120">
               <a:lnSpc>
                 <a:spcPct val="100000"/>
               </a:lnSpc>
@@ -18914,7 +20480,7 @@
             </a:endParaRPr>
           </a:p>
           <a:p>
-            <a:pPr lvl="1" marL="432000" indent="-213840">
+            <a:pPr lvl="1" marL="432000" indent="-213120">
               <a:lnSpc>
                 <a:spcPct val="100000"/>
               </a:lnSpc>
@@ -18950,7 +20516,7 @@
             </a:endParaRPr>
           </a:p>
           <a:p>
-            <a:pPr lvl="1" marL="432000" indent="-213840">
+            <a:pPr lvl="1" marL="432000" indent="-213120">
               <a:lnSpc>
                 <a:spcPct val="100000"/>
               </a:lnSpc>
@@ -18986,7 +20552,7 @@
             </a:endParaRPr>
           </a:p>
           <a:p>
-            <a:pPr lvl="1" marL="432000" indent="-213840">
+            <a:pPr lvl="1" marL="432000" indent="-213120">
               <a:lnSpc>
                 <a:spcPct val="100000"/>
               </a:lnSpc>
@@ -19022,7 +20588,7 @@
             </a:endParaRPr>
           </a:p>
           <a:p>
-            <a:pPr marL="216000" indent="-213840">
+            <a:pPr marL="216000" indent="-213120">
               <a:lnSpc>
                 <a:spcPct val="100000"/>
               </a:lnSpc>
@@ -19058,7 +20624,7 @@
             </a:endParaRPr>
           </a:p>
           <a:p>
-            <a:pPr lvl="1" marL="432000" indent="-213840">
+            <a:pPr lvl="1" marL="432000" indent="-213120">
               <a:lnSpc>
                 <a:spcPct val="100000"/>
               </a:lnSpc>
@@ -19094,7 +20660,7 @@
             </a:endParaRPr>
           </a:p>
           <a:p>
-            <a:pPr marL="216000" indent="-213840">
+            <a:pPr marL="216000" indent="-213120">
               <a:lnSpc>
                 <a:spcPct val="100000"/>
               </a:lnSpc>
@@ -19130,7 +20696,7 @@
             </a:endParaRPr>
           </a:p>
           <a:p>
-            <a:pPr lvl="1" marL="432000" indent="-213840">
+            <a:pPr lvl="1" marL="432000" indent="-213120">
               <a:lnSpc>
                 <a:spcPct val="100000"/>
               </a:lnSpc>
@@ -19169,33 +20735,6 @@
       </p:sp>
     </p:spTree>
   </p:cSld>
-  <p:timing>
-    <p:tnLst>
-      <p:par>
-        <p:cTn id="9" dur="indefinite" restart="never" nodeType="tmRoot">
-          <p:childTnLst>
-            <p:seq>
-              <p:cTn id="10" nodeType="mainSeq"/>
-              <p:prevCondLst>
-                <p:cond delay="0" evt="onPrev">
-                  <p:tgtEl>
-                    <p:sldTgt/>
-                  </p:tgtEl>
-                </p:cond>
-              </p:prevCondLst>
-              <p:nextCondLst>
-                <p:cond delay="0" evt="onNext">
-                  <p:tgtEl>
-                    <p:sldTgt/>
-                  </p:tgtEl>
-                </p:cond>
-              </p:nextCondLst>
-            </p:seq>
-          </p:childTnLst>
-        </p:cTn>
-      </p:par>
-    </p:tnLst>
-  </p:timing>
 </p:sld>
 </file>
 
@@ -19218,14 +20757,14 @@
       </p:grpSpPr>
       <p:sp>
         <p:nvSpPr>
-          <p:cNvPr id="300" name="CustomShape 1"/>
+          <p:cNvPr id="336" name="CustomShape 1"/>
           <p:cNvSpPr/>
           <p:nvPr/>
         </p:nvSpPr>
         <p:spPr>
           <a:xfrm>
             <a:off x="288000" y="39600"/>
-            <a:ext cx="5685480" cy="939600"/>
+            <a:ext cx="5684760" cy="938880"/>
           </a:xfrm>
           <a:prstGeom prst="rect">
             <a:avLst/>
@@ -19246,7 +20785,7 @@
           <a:p>
             <a:pPr>
               <a:lnSpc>
-                <a:spcPts val="1"/>
+                <a:spcPts val="0"/>
               </a:lnSpc>
             </a:pPr>
             <a:r>
@@ -19280,7 +20819,7 @@
       </p:sp>
       <p:graphicFrame>
         <p:nvGraphicFramePr>
-          <p:cNvPr id="301" name="Table 2"/>
+          <p:cNvPr id="337" name="Table 2"/>
           <p:cNvGraphicFramePr/>
           <p:nvPr/>
         </p:nvGraphicFramePr>
@@ -21374,33 +22913,6 @@
       </p:graphicFrame>
     </p:spTree>
   </p:cSld>
-  <p:timing>
-    <p:tnLst>
-      <p:par>
-        <p:cTn id="11" dur="indefinite" restart="never" nodeType="tmRoot">
-          <p:childTnLst>
-            <p:seq>
-              <p:cTn id="12" nodeType="mainSeq"/>
-              <p:prevCondLst>
-                <p:cond delay="0" evt="onPrev">
-                  <p:tgtEl>
-                    <p:sldTgt/>
-                  </p:tgtEl>
-                </p:cond>
-              </p:prevCondLst>
-              <p:nextCondLst>
-                <p:cond delay="0" evt="onNext">
-                  <p:tgtEl>
-                    <p:sldTgt/>
-                  </p:tgtEl>
-                </p:cond>
-              </p:nextCondLst>
-            </p:seq>
-          </p:childTnLst>
-        </p:cTn>
-      </p:par>
-    </p:tnLst>
-  </p:timing>
 </p:sld>
 </file>
 
@@ -21423,14 +22935,14 @@
       </p:grpSpPr>
       <p:sp>
         <p:nvSpPr>
-          <p:cNvPr id="302" name="CustomShape 1"/>
+          <p:cNvPr id="338" name="CustomShape 1"/>
           <p:cNvSpPr/>
           <p:nvPr/>
         </p:nvSpPr>
         <p:spPr>
           <a:xfrm>
             <a:off x="288000" y="39600"/>
-            <a:ext cx="5685480" cy="939600"/>
+            <a:ext cx="5684760" cy="938880"/>
           </a:xfrm>
           <a:prstGeom prst="rect">
             <a:avLst/>
@@ -21451,7 +22963,7 @@
           <a:p>
             <a:pPr>
               <a:lnSpc>
-                <a:spcPts val="1"/>
+                <a:spcPts val="0"/>
               </a:lnSpc>
             </a:pPr>
             <a:r>
@@ -21485,7 +22997,7 @@
       </p:sp>
       <p:graphicFrame>
         <p:nvGraphicFramePr>
-          <p:cNvPr id="303" name="Table 2"/>
+          <p:cNvPr id="339" name="Table 2"/>
           <p:cNvGraphicFramePr/>
           <p:nvPr/>
         </p:nvGraphicFramePr>
@@ -22659,33 +24171,6 @@
       </p:graphicFrame>
     </p:spTree>
   </p:cSld>
-  <p:timing>
-    <p:tnLst>
-      <p:par>
-        <p:cTn id="13" dur="indefinite" restart="never" nodeType="tmRoot">
-          <p:childTnLst>
-            <p:seq>
-              <p:cTn id="14" nodeType="mainSeq"/>
-              <p:prevCondLst>
-                <p:cond delay="0" evt="onPrev">
-                  <p:tgtEl>
-                    <p:sldTgt/>
-                  </p:tgtEl>
-                </p:cond>
-              </p:prevCondLst>
-              <p:nextCondLst>
-                <p:cond delay="0" evt="onNext">
-                  <p:tgtEl>
-                    <p:sldTgt/>
-                  </p:tgtEl>
-                </p:cond>
-              </p:nextCondLst>
-            </p:seq>
-          </p:childTnLst>
-        </p:cTn>
-      </p:par>
-    </p:tnLst>
-  </p:timing>
 </p:sld>
 </file>
 
@@ -22708,14 +24193,14 @@
       </p:grpSpPr>
       <p:sp>
         <p:nvSpPr>
-          <p:cNvPr id="304" name="CustomShape 1"/>
+          <p:cNvPr id="340" name="CustomShape 1"/>
           <p:cNvSpPr/>
           <p:nvPr/>
         </p:nvSpPr>
         <p:spPr>
           <a:xfrm>
             <a:off x="226440" y="230400"/>
-            <a:ext cx="7187400" cy="559440"/>
+            <a:ext cx="7186680" cy="558720"/>
           </a:xfrm>
           <a:prstGeom prst="rect">
             <a:avLst/>
@@ -22770,14 +24255,14 @@
       </p:sp>
       <p:sp>
         <p:nvSpPr>
-          <p:cNvPr id="305" name="CustomShape 2"/>
+          <p:cNvPr id="341" name="CustomShape 2"/>
           <p:cNvSpPr/>
           <p:nvPr/>
         </p:nvSpPr>
         <p:spPr>
           <a:xfrm>
             <a:off x="288000" y="1008000"/>
-            <a:ext cx="9574560" cy="5394600"/>
+            <a:ext cx="9573840" cy="5393880"/>
           </a:xfrm>
           <a:prstGeom prst="rect">
             <a:avLst/>
@@ -23153,7 +24638,7 @@
       </p:sp>
       <p:pic>
         <p:nvPicPr>
-          <p:cNvPr id="306" name="" descr=""/>
+          <p:cNvPr id="342" name="" descr=""/>
           <p:cNvPicPr/>
           <p:nvPr/>
         </p:nvPicPr>
@@ -23164,7 +24649,7 @@
         <p:spPr>
           <a:xfrm>
             <a:off x="504000" y="4335120"/>
-            <a:ext cx="4914000" cy="2504160"/>
+            <a:ext cx="4913280" cy="2503440"/>
           </a:xfrm>
           <a:prstGeom prst="rect">
             <a:avLst/>
@@ -23176,33 +24661,6 @@
       </p:pic>
     </p:spTree>
   </p:cSld>
-  <p:timing>
-    <p:tnLst>
-      <p:par>
-        <p:cTn id="15" dur="indefinite" restart="never" nodeType="tmRoot">
-          <p:childTnLst>
-            <p:seq>
-              <p:cTn id="16" nodeType="mainSeq"/>
-              <p:prevCondLst>
-                <p:cond delay="0" evt="onPrev">
-                  <p:tgtEl>
-                    <p:sldTgt/>
-                  </p:tgtEl>
-                </p:cond>
-              </p:prevCondLst>
-              <p:nextCondLst>
-                <p:cond delay="0" evt="onNext">
-                  <p:tgtEl>
-                    <p:sldTgt/>
-                  </p:tgtEl>
-                </p:cond>
-              </p:nextCondLst>
-            </p:seq>
-          </p:childTnLst>
-        </p:cTn>
-      </p:par>
-    </p:tnLst>
-  </p:timing>
 </p:sld>
 </file>
 
@@ -23225,14 +24683,14 @@
       </p:grpSpPr>
       <p:sp>
         <p:nvSpPr>
-          <p:cNvPr id="307" name="TextShape 1"/>
-          <p:cNvSpPr txBox="1"/>
+          <p:cNvPr id="343" name="CustomShape 1"/>
+          <p:cNvSpPr/>
           <p:nvPr/>
         </p:nvSpPr>
         <p:spPr>
           <a:xfrm>
             <a:off x="432360" y="33480"/>
-            <a:ext cx="9072360" cy="1262160"/>
+            <a:ext cx="9071640" cy="1261440"/>
           </a:xfrm>
           <a:prstGeom prst="rect">
             <a:avLst/>
@@ -23242,6 +24700,12 @@
             <a:noFill/>
           </a:ln>
         </p:spPr>
+        <p:style>
+          <a:lnRef idx="0"/>
+          <a:fillRef idx="0"/>
+          <a:effectRef idx="0"/>
+          <a:fontRef idx="minor"/>
+        </p:style>
         <p:txBody>
           <a:bodyPr lIns="0" rIns="0" tIns="0" bIns="0" anchor="ctr"/>
           <a:p>
@@ -23265,7 +24729,7 @@
               </a:rPr>
               <a:t>Overview</a:t>
             </a:r>
-            <a:endParaRPr b="0" lang="en-IN" sz="4400" spc="-1" strike="noStrike">
+            <a:endParaRPr b="0" lang="en-IN" sz="1800" spc="-1" strike="noStrike">
               <a:solidFill>
                 <a:srgbClr val="000000"/>
               </a:solidFill>
@@ -23281,7 +24745,7 @@
       </p:sp>
       <p:pic>
         <p:nvPicPr>
-          <p:cNvPr id="308" name="" descr=""/>
+          <p:cNvPr id="344" name="" descr=""/>
           <p:cNvPicPr/>
           <p:nvPr/>
         </p:nvPicPr>
@@ -23292,7 +24756,7 @@
         <p:spPr>
           <a:xfrm>
             <a:off x="504000" y="1504080"/>
-            <a:ext cx="7560720" cy="5551200"/>
+            <a:ext cx="7560000" cy="5550480"/>
           </a:xfrm>
           <a:prstGeom prst="rect">
             <a:avLst/>
@@ -23304,33 +24768,6 @@
       </p:pic>
     </p:spTree>
   </p:cSld>
-  <p:timing>
-    <p:tnLst>
-      <p:par>
-        <p:cTn id="17" dur="indefinite" restart="never" nodeType="tmRoot">
-          <p:childTnLst>
-            <p:seq>
-              <p:cTn id="18" nodeType="mainSeq"/>
-              <p:prevCondLst>
-                <p:cond delay="0" evt="onPrev">
-                  <p:tgtEl>
-                    <p:sldTgt/>
-                  </p:tgtEl>
-                </p:cond>
-              </p:prevCondLst>
-              <p:nextCondLst>
-                <p:cond delay="0" evt="onNext">
-                  <p:tgtEl>
-                    <p:sldTgt/>
-                  </p:tgtEl>
-                </p:cond>
-              </p:nextCondLst>
-            </p:seq>
-          </p:childTnLst>
-        </p:cTn>
-      </p:par>
-    </p:tnLst>
-  </p:timing>
 </p:sld>
 </file>
 
@@ -24893,4 +26330,227 @@
     </a:fmtScheme>
   </a:themeElements>
 </a:theme>
+</file>
+
+<file path=ppt/theme/theme8.xml><?xml version="1.0" encoding="utf-8"?>
+<a:theme xmlns:a="http://schemas.openxmlformats.org/drawingml/2006/main" name="Office Theme">
+  <a:themeElements>
+    <a:clrScheme name="Office">
+      <a:dk1>
+        <a:sysClr val="windowText" lastClr="000000"/>
+      </a:dk1>
+      <a:lt1>
+        <a:sysClr val="window" lastClr="FFFFFF"/>
+      </a:lt1>
+      <a:dk2>
+        <a:srgbClr val="1F497D"/>
+      </a:dk2>
+      <a:lt2>
+        <a:srgbClr val="EEECE1"/>
+      </a:lt2>
+      <a:accent1>
+        <a:srgbClr val="4F81BD"/>
+      </a:accent1>
+      <a:accent2>
+        <a:srgbClr val="C0504D"/>
+      </a:accent2>
+      <a:accent3>
+        <a:srgbClr val="9BBB59"/>
+      </a:accent3>
+      <a:accent4>
+        <a:srgbClr val="8064A2"/>
+      </a:accent4>
+      <a:accent5>
+        <a:srgbClr val="4BACC6"/>
+      </a:accent5>
+      <a:accent6>
+        <a:srgbClr val="F79646"/>
+      </a:accent6>
+      <a:hlink>
+        <a:srgbClr val="0000FF"/>
+      </a:hlink>
+      <a:folHlink>
+        <a:srgbClr val="800080"/>
+      </a:folHlink>
+    </a:clrScheme>
+    <a:fontScheme name="Office">
+      <a:majorFont>
+        <a:latin typeface="Arial"/>
+        <a:ea typeface="DejaVu Sans"/>
+        <a:cs typeface="DejaVu Sans"/>
+      </a:majorFont>
+      <a:minorFont>
+        <a:latin typeface="Arial"/>
+        <a:ea typeface="DejaVu Sans"/>
+        <a:cs typeface="DejaVu Sans"/>
+      </a:minorFont>
+    </a:fontScheme>
+    <a:fmtScheme name="Office">
+      <a:fillStyleLst>
+        <a:solidFill>
+          <a:schemeClr val="phClr"/>
+        </a:solidFill>
+        <a:gradFill rotWithShape="1">
+          <a:gsLst>
+            <a:gs pos="0">
+              <a:schemeClr val="phClr">
+                <a:tint val="50000"/>
+                <a:satMod val="300000"/>
+              </a:schemeClr>
+            </a:gs>
+            <a:gs pos="35000">
+              <a:schemeClr val="phClr">
+                <a:tint val="37000"/>
+                <a:satMod val="300000"/>
+              </a:schemeClr>
+            </a:gs>
+            <a:gs pos="100000">
+              <a:schemeClr val="phClr">
+                <a:tint val="15000"/>
+                <a:satMod val="350000"/>
+              </a:schemeClr>
+            </a:gs>
+          </a:gsLst>
+          <a:lin ang="16200000" scaled="1"/>
+        </a:gradFill>
+        <a:gradFill rotWithShape="1">
+          <a:gsLst>
+            <a:gs pos="0">
+              <a:schemeClr val="phClr">
+                <a:shade val="51000"/>
+                <a:satMod val="130000"/>
+              </a:schemeClr>
+            </a:gs>
+            <a:gs pos="80000">
+              <a:schemeClr val="phClr">
+                <a:shade val="93000"/>
+                <a:satMod val="130000"/>
+              </a:schemeClr>
+            </a:gs>
+            <a:gs pos="100000">
+              <a:schemeClr val="phClr">
+                <a:shade val="94000"/>
+                <a:satMod val="135000"/>
+              </a:schemeClr>
+            </a:gs>
+          </a:gsLst>
+          <a:lin ang="16200000" scaled="0"/>
+        </a:gradFill>
+      </a:fillStyleLst>
+      <a:lnStyleLst>
+        <a:ln w="9525" cap="flat" cmpd="sng" algn="ctr">
+          <a:solidFill>
+            <a:schemeClr val="phClr">
+              <a:shade val="95000"/>
+              <a:satMod val="105000"/>
+            </a:schemeClr>
+          </a:solidFill>
+          <a:prstDash val="solid"/>
+        </a:ln>
+        <a:ln w="25400" cap="flat" cmpd="sng" algn="ctr">
+          <a:solidFill>
+            <a:schemeClr val="phClr"/>
+          </a:solidFill>
+          <a:prstDash val="solid"/>
+        </a:ln>
+        <a:ln w="38100" cap="flat" cmpd="sng" algn="ctr">
+          <a:solidFill>
+            <a:schemeClr val="phClr"/>
+          </a:solidFill>
+          <a:prstDash val="solid"/>
+        </a:ln>
+      </a:lnStyleLst>
+      <a:effectStyleLst>
+        <a:effectStyle>
+          <a:effectLst>
+            <a:outerShdw blurRad="40000" dist="20000" dir="5400000" rotWithShape="0">
+              <a:srgbClr val="000000">
+                <a:alpha val="38000"/>
+              </a:srgbClr>
+            </a:outerShdw>
+          </a:effectLst>
+        </a:effectStyle>
+        <a:effectStyle>
+          <a:effectLst>
+            <a:outerShdw blurRad="40000" dist="23000" dir="5400000" rotWithShape="0">
+              <a:srgbClr val="000000">
+                <a:alpha val="35000"/>
+              </a:srgbClr>
+            </a:outerShdw>
+          </a:effectLst>
+        </a:effectStyle>
+        <a:effectStyle>
+          <a:effectLst>
+            <a:outerShdw blurRad="40000" dist="23000" dir="5400000" rotWithShape="0">
+              <a:srgbClr val="000000">
+                <a:alpha val="35000"/>
+              </a:srgbClr>
+            </a:outerShdw>
+          </a:effectLst>
+          <a:scene3d>
+            <a:camera prst="orthographicFront">
+              <a:rot lat="0" lon="0" rev="0"/>
+            </a:camera>
+            <a:lightRig rig="threePt" dir="t">
+              <a:rot lat="0" lon="0" rev="1200000"/>
+            </a:lightRig>
+          </a:scene3d>
+          <a:sp3d>
+            <a:bevelT w="63500" h="25400"/>
+          </a:sp3d>
+        </a:effectStyle>
+      </a:effectStyleLst>
+      <a:bgFillStyleLst>
+        <a:solidFill>
+          <a:schemeClr val="phClr"/>
+        </a:solidFill>
+        <a:gradFill rotWithShape="1">
+          <a:gsLst>
+            <a:gs pos="0">
+              <a:schemeClr val="phClr">
+                <a:tint val="40000"/>
+                <a:satMod val="350000"/>
+              </a:schemeClr>
+            </a:gs>
+            <a:gs pos="40000">
+              <a:schemeClr val="phClr">
+                <a:tint val="45000"/>
+                <a:shade val="99000"/>
+                <a:satMod val="350000"/>
+              </a:schemeClr>
+            </a:gs>
+            <a:gs pos="100000">
+              <a:schemeClr val="phClr">
+                <a:shade val="20000"/>
+                <a:satMod val="255000"/>
+              </a:schemeClr>
+            </a:gs>
+          </a:gsLst>
+          <a:path path="circle">
+            <a:fillToRect l="50000" t="-80000" r="50000" b="180000"/>
+          </a:path>
+        </a:gradFill>
+        <a:gradFill rotWithShape="1">
+          <a:gsLst>
+            <a:gs pos="0">
+              <a:schemeClr val="phClr">
+                <a:tint val="80000"/>
+                <a:satMod val="300000"/>
+              </a:schemeClr>
+            </a:gs>
+            <a:gs pos="100000">
+              <a:schemeClr val="phClr">
+                <a:shade val="30000"/>
+                <a:satMod val="200000"/>
+              </a:schemeClr>
+            </a:gs>
+          </a:gsLst>
+          <a:path path="circle">
+            <a:fillToRect l="50000" t="50000" r="50000" b="50000"/>
+          </a:path>
+        </a:gradFill>
+      </a:bgFillStyleLst>
+    </a:fmtScheme>
+  </a:themeElements>
+</a:theme>
 </file>